--- a/Präsentation/DezHex.pptx
+++ b/Präsentation/DezHex.pptx
@@ -7,10 +7,12 @@
   <p:sldIdLst>
     <p:sldId id="256" r:id="rId2"/>
     <p:sldId id="257" r:id="rId3"/>
-    <p:sldId id="258" r:id="rId4"/>
-    <p:sldId id="259" r:id="rId5"/>
-    <p:sldId id="260" r:id="rId6"/>
-    <p:sldId id="261" r:id="rId7"/>
+    <p:sldId id="263" r:id="rId4"/>
+    <p:sldId id="258" r:id="rId5"/>
+    <p:sldId id="259" r:id="rId6"/>
+    <p:sldId id="260" r:id="rId7"/>
+    <p:sldId id="261" r:id="rId8"/>
+    <p:sldId id="264" r:id="rId9"/>
   </p:sldIdLst>
   <p:sldSz cx="12192000" cy="6858000"/>
   <p:notesSz cx="6858000" cy="9144000"/>
@@ -109,7 +111,16 @@
       </a:defRPr>
     </a:lvl9pPr>
   </p:defaultTextStyle>
+  <p:extLst>
+    <p:ext uri="{EFAFB233-063F-42B5-8137-9DF3F51BA10A}">
+      <p15:sldGuideLst xmlns:p15="http://schemas.microsoft.com/office/powerpoint/2012/main"/>
+    </p:ext>
+  </p:extLst>
 </p:presentation>
+</file>
+
+<file path=ppt/revisionInfo.xml><?xml version="1.0" encoding="utf-8"?>
+<p1510:revInfo xmlns:a="http://schemas.openxmlformats.org/drawingml/2006/main" xmlns:r="http://schemas.openxmlformats.org/officeDocument/2006/relationships" xmlns:p1510="http://schemas.microsoft.com/office/powerpoint/2015/10/main"/>
 </file>
 
 <file path=ppt/slideLayouts/slideLayout1.xml><?xml version="1.0" encoding="utf-8"?>
@@ -154,10 +165,9 @@
           </a:lstStyle>
           <a:p>
             <a:r>
-              <a:rPr lang="de-DE" smtClean="0"/>
+              <a:rPr lang="de-DE"/>
               <a:t>Titelmasterformat durch Klicken bearbeiten</a:t>
             </a:r>
-            <a:endParaRPr lang="de-DE"/>
           </a:p>
         </p:txBody>
       </p:sp>
@@ -219,10 +229,9 @@
           </a:lstStyle>
           <a:p>
             <a:r>
-              <a:rPr lang="de-DE" smtClean="0"/>
+              <a:rPr lang="de-DE"/>
               <a:t>Formatvorlage des Untertitelmasters durch Klicken bearbeiten</a:t>
             </a:r>
-            <a:endParaRPr lang="de-DE"/>
           </a:p>
         </p:txBody>
       </p:sp>
@@ -337,10 +346,9 @@
           <a:lstStyle/>
           <a:p>
             <a:r>
-              <a:rPr lang="de-DE" smtClean="0"/>
+              <a:rPr lang="de-DE"/>
               <a:t>Titelmasterformat durch Klicken bearbeiten</a:t>
             </a:r>
-            <a:endParaRPr lang="de-DE"/>
           </a:p>
         </p:txBody>
       </p:sp>
@@ -361,38 +369,37 @@
           <a:p>
             <a:pPr lvl="0"/>
             <a:r>
-              <a:rPr lang="de-DE" smtClean="0"/>
+              <a:rPr lang="de-DE"/>
               <a:t>Textmasterformat bearbeiten</a:t>
             </a:r>
           </a:p>
           <a:p>
             <a:pPr lvl="1"/>
             <a:r>
-              <a:rPr lang="de-DE" smtClean="0"/>
+              <a:rPr lang="de-DE"/>
               <a:t>Zweite Ebene</a:t>
             </a:r>
           </a:p>
           <a:p>
             <a:pPr lvl="2"/>
             <a:r>
-              <a:rPr lang="de-DE" smtClean="0"/>
+              <a:rPr lang="de-DE"/>
               <a:t>Dritte Ebene</a:t>
             </a:r>
           </a:p>
           <a:p>
             <a:pPr lvl="3"/>
             <a:r>
-              <a:rPr lang="de-DE" smtClean="0"/>
+              <a:rPr lang="de-DE"/>
               <a:t>Vierte Ebene</a:t>
             </a:r>
           </a:p>
           <a:p>
             <a:pPr lvl="4"/>
             <a:r>
-              <a:rPr lang="de-DE" smtClean="0"/>
+              <a:rPr lang="de-DE"/>
               <a:t>Fünfte Ebene</a:t>
             </a:r>
-            <a:endParaRPr lang="de-DE"/>
           </a:p>
         </p:txBody>
       </p:sp>
@@ -512,10 +519,9 @@
           <a:lstStyle/>
           <a:p>
             <a:r>
-              <a:rPr lang="de-DE" smtClean="0"/>
+              <a:rPr lang="de-DE"/>
               <a:t>Titelmasterformat durch Klicken bearbeiten</a:t>
             </a:r>
-            <a:endParaRPr lang="de-DE"/>
           </a:p>
         </p:txBody>
       </p:sp>
@@ -541,38 +547,37 @@
           <a:p>
             <a:pPr lvl="0"/>
             <a:r>
-              <a:rPr lang="de-DE" smtClean="0"/>
+              <a:rPr lang="de-DE"/>
               <a:t>Textmasterformat bearbeiten</a:t>
             </a:r>
           </a:p>
           <a:p>
             <a:pPr lvl="1"/>
             <a:r>
-              <a:rPr lang="de-DE" smtClean="0"/>
+              <a:rPr lang="de-DE"/>
               <a:t>Zweite Ebene</a:t>
             </a:r>
           </a:p>
           <a:p>
             <a:pPr lvl="2"/>
             <a:r>
-              <a:rPr lang="de-DE" smtClean="0"/>
+              <a:rPr lang="de-DE"/>
               <a:t>Dritte Ebene</a:t>
             </a:r>
           </a:p>
           <a:p>
             <a:pPr lvl="3"/>
             <a:r>
-              <a:rPr lang="de-DE" smtClean="0"/>
+              <a:rPr lang="de-DE"/>
               <a:t>Vierte Ebene</a:t>
             </a:r>
           </a:p>
           <a:p>
             <a:pPr lvl="4"/>
             <a:r>
-              <a:rPr lang="de-DE" smtClean="0"/>
+              <a:rPr lang="de-DE"/>
               <a:t>Fünfte Ebene</a:t>
             </a:r>
-            <a:endParaRPr lang="de-DE"/>
           </a:p>
         </p:txBody>
       </p:sp>
@@ -687,10 +692,9 @@
           <a:lstStyle/>
           <a:p>
             <a:r>
-              <a:rPr lang="de-DE" smtClean="0"/>
+              <a:rPr lang="de-DE"/>
               <a:t>Titelmasterformat durch Klicken bearbeiten</a:t>
             </a:r>
-            <a:endParaRPr lang="de-DE"/>
           </a:p>
         </p:txBody>
       </p:sp>
@@ -711,38 +715,37 @@
           <a:p>
             <a:pPr lvl="0"/>
             <a:r>
-              <a:rPr lang="de-DE" smtClean="0"/>
+              <a:rPr lang="de-DE"/>
               <a:t>Textmasterformat bearbeiten</a:t>
             </a:r>
           </a:p>
           <a:p>
             <a:pPr lvl="1"/>
             <a:r>
-              <a:rPr lang="de-DE" smtClean="0"/>
+              <a:rPr lang="de-DE"/>
               <a:t>Zweite Ebene</a:t>
             </a:r>
           </a:p>
           <a:p>
             <a:pPr lvl="2"/>
             <a:r>
-              <a:rPr lang="de-DE" smtClean="0"/>
+              <a:rPr lang="de-DE"/>
               <a:t>Dritte Ebene</a:t>
             </a:r>
           </a:p>
           <a:p>
             <a:pPr lvl="3"/>
             <a:r>
-              <a:rPr lang="de-DE" smtClean="0"/>
+              <a:rPr lang="de-DE"/>
               <a:t>Vierte Ebene</a:t>
             </a:r>
           </a:p>
           <a:p>
             <a:pPr lvl="4"/>
             <a:r>
-              <a:rPr lang="de-DE" smtClean="0"/>
+              <a:rPr lang="de-DE"/>
               <a:t>Fünfte Ebene</a:t>
             </a:r>
-            <a:endParaRPr lang="de-DE"/>
           </a:p>
         </p:txBody>
       </p:sp>
@@ -866,10 +869,9 @@
           </a:lstStyle>
           <a:p>
             <a:r>
-              <a:rPr lang="de-DE" smtClean="0"/>
+              <a:rPr lang="de-DE"/>
               <a:t>Titelmasterformat durch Klicken bearbeiten</a:t>
             </a:r>
-            <a:endParaRPr lang="de-DE"/>
           </a:p>
         </p:txBody>
       </p:sp>
@@ -986,7 +988,7 @@
           <a:p>
             <a:pPr lvl="0"/>
             <a:r>
-              <a:rPr lang="de-DE" smtClean="0"/>
+              <a:rPr lang="de-DE"/>
               <a:t>Textmasterformat bearbeiten</a:t>
             </a:r>
           </a:p>
@@ -1103,10 +1105,9 @@
           <a:lstStyle/>
           <a:p>
             <a:r>
-              <a:rPr lang="de-DE" smtClean="0"/>
+              <a:rPr lang="de-DE"/>
               <a:t>Titelmasterformat durch Klicken bearbeiten</a:t>
             </a:r>
-            <a:endParaRPr lang="de-DE"/>
           </a:p>
         </p:txBody>
       </p:sp>
@@ -1132,38 +1133,37 @@
           <a:p>
             <a:pPr lvl="0"/>
             <a:r>
-              <a:rPr lang="de-DE" smtClean="0"/>
+              <a:rPr lang="de-DE"/>
               <a:t>Textmasterformat bearbeiten</a:t>
             </a:r>
           </a:p>
           <a:p>
             <a:pPr lvl="1"/>
             <a:r>
-              <a:rPr lang="de-DE" smtClean="0"/>
+              <a:rPr lang="de-DE"/>
               <a:t>Zweite Ebene</a:t>
             </a:r>
           </a:p>
           <a:p>
             <a:pPr lvl="2"/>
             <a:r>
-              <a:rPr lang="de-DE" smtClean="0"/>
+              <a:rPr lang="de-DE"/>
               <a:t>Dritte Ebene</a:t>
             </a:r>
           </a:p>
           <a:p>
             <a:pPr lvl="3"/>
             <a:r>
-              <a:rPr lang="de-DE" smtClean="0"/>
+              <a:rPr lang="de-DE"/>
               <a:t>Vierte Ebene</a:t>
             </a:r>
           </a:p>
           <a:p>
             <a:pPr lvl="4"/>
             <a:r>
-              <a:rPr lang="de-DE" smtClean="0"/>
+              <a:rPr lang="de-DE"/>
               <a:t>Fünfte Ebene</a:t>
             </a:r>
-            <a:endParaRPr lang="de-DE"/>
           </a:p>
         </p:txBody>
       </p:sp>
@@ -1189,38 +1189,37 @@
           <a:p>
             <a:pPr lvl="0"/>
             <a:r>
-              <a:rPr lang="de-DE" smtClean="0"/>
+              <a:rPr lang="de-DE"/>
               <a:t>Textmasterformat bearbeiten</a:t>
             </a:r>
           </a:p>
           <a:p>
             <a:pPr lvl="1"/>
             <a:r>
-              <a:rPr lang="de-DE" smtClean="0"/>
+              <a:rPr lang="de-DE"/>
               <a:t>Zweite Ebene</a:t>
             </a:r>
           </a:p>
           <a:p>
             <a:pPr lvl="2"/>
             <a:r>
-              <a:rPr lang="de-DE" smtClean="0"/>
+              <a:rPr lang="de-DE"/>
               <a:t>Dritte Ebene</a:t>
             </a:r>
           </a:p>
           <a:p>
             <a:pPr lvl="3"/>
             <a:r>
-              <a:rPr lang="de-DE" smtClean="0"/>
+              <a:rPr lang="de-DE"/>
               <a:t>Vierte Ebene</a:t>
             </a:r>
           </a:p>
           <a:p>
             <a:pPr lvl="4"/>
             <a:r>
-              <a:rPr lang="de-DE" smtClean="0"/>
+              <a:rPr lang="de-DE"/>
               <a:t>Fünfte Ebene</a:t>
             </a:r>
-            <a:endParaRPr lang="de-DE"/>
           </a:p>
         </p:txBody>
       </p:sp>
@@ -1340,10 +1339,9 @@
           <a:lstStyle/>
           <a:p>
             <a:r>
-              <a:rPr lang="de-DE" smtClean="0"/>
+              <a:rPr lang="de-DE"/>
               <a:t>Titelmasterformat durch Klicken bearbeiten</a:t>
             </a:r>
-            <a:endParaRPr lang="de-DE"/>
           </a:p>
         </p:txBody>
       </p:sp>
@@ -1406,7 +1404,7 @@
           <a:p>
             <a:pPr lvl="0"/>
             <a:r>
-              <a:rPr lang="de-DE" smtClean="0"/>
+              <a:rPr lang="de-DE"/>
               <a:t>Textmasterformat bearbeiten</a:t>
             </a:r>
           </a:p>
@@ -1434,38 +1432,37 @@
           <a:p>
             <a:pPr lvl="0"/>
             <a:r>
-              <a:rPr lang="de-DE" smtClean="0"/>
+              <a:rPr lang="de-DE"/>
               <a:t>Textmasterformat bearbeiten</a:t>
             </a:r>
           </a:p>
           <a:p>
             <a:pPr lvl="1"/>
             <a:r>
-              <a:rPr lang="de-DE" smtClean="0"/>
+              <a:rPr lang="de-DE"/>
               <a:t>Zweite Ebene</a:t>
             </a:r>
           </a:p>
           <a:p>
             <a:pPr lvl="2"/>
             <a:r>
-              <a:rPr lang="de-DE" smtClean="0"/>
+              <a:rPr lang="de-DE"/>
               <a:t>Dritte Ebene</a:t>
             </a:r>
           </a:p>
           <a:p>
             <a:pPr lvl="3"/>
             <a:r>
-              <a:rPr lang="de-DE" smtClean="0"/>
+              <a:rPr lang="de-DE"/>
               <a:t>Vierte Ebene</a:t>
             </a:r>
           </a:p>
           <a:p>
             <a:pPr lvl="4"/>
             <a:r>
-              <a:rPr lang="de-DE" smtClean="0"/>
+              <a:rPr lang="de-DE"/>
               <a:t>Fünfte Ebene</a:t>
             </a:r>
-            <a:endParaRPr lang="de-DE"/>
           </a:p>
         </p:txBody>
       </p:sp>
@@ -1528,7 +1525,7 @@
           <a:p>
             <a:pPr lvl="0"/>
             <a:r>
-              <a:rPr lang="de-DE" smtClean="0"/>
+              <a:rPr lang="de-DE"/>
               <a:t>Textmasterformat bearbeiten</a:t>
             </a:r>
           </a:p>
@@ -1556,38 +1553,37 @@
           <a:p>
             <a:pPr lvl="0"/>
             <a:r>
-              <a:rPr lang="de-DE" smtClean="0"/>
+              <a:rPr lang="de-DE"/>
               <a:t>Textmasterformat bearbeiten</a:t>
             </a:r>
           </a:p>
           <a:p>
             <a:pPr lvl="1"/>
             <a:r>
-              <a:rPr lang="de-DE" smtClean="0"/>
+              <a:rPr lang="de-DE"/>
               <a:t>Zweite Ebene</a:t>
             </a:r>
           </a:p>
           <a:p>
             <a:pPr lvl="2"/>
             <a:r>
-              <a:rPr lang="de-DE" smtClean="0"/>
+              <a:rPr lang="de-DE"/>
               <a:t>Dritte Ebene</a:t>
             </a:r>
           </a:p>
           <a:p>
             <a:pPr lvl="3"/>
             <a:r>
-              <a:rPr lang="de-DE" smtClean="0"/>
+              <a:rPr lang="de-DE"/>
               <a:t>Vierte Ebene</a:t>
             </a:r>
           </a:p>
           <a:p>
             <a:pPr lvl="4"/>
             <a:r>
-              <a:rPr lang="de-DE" smtClean="0"/>
+              <a:rPr lang="de-DE"/>
               <a:t>Fünfte Ebene</a:t>
             </a:r>
-            <a:endParaRPr lang="de-DE"/>
           </a:p>
         </p:txBody>
       </p:sp>
@@ -1702,10 +1698,9 @@
           <a:lstStyle/>
           <a:p>
             <a:r>
-              <a:rPr lang="de-DE" smtClean="0"/>
+              <a:rPr lang="de-DE"/>
               <a:t>Titelmasterformat durch Klicken bearbeiten</a:t>
             </a:r>
-            <a:endParaRPr lang="de-DE"/>
           </a:p>
         </p:txBody>
       </p:sp>
@@ -1924,10 +1919,9 @@
           </a:lstStyle>
           <a:p>
             <a:r>
-              <a:rPr lang="de-DE" smtClean="0"/>
+              <a:rPr lang="de-DE"/>
               <a:t>Titelmasterformat durch Klicken bearbeiten</a:t>
             </a:r>
-            <a:endParaRPr lang="de-DE"/>
           </a:p>
         </p:txBody>
       </p:sp>
@@ -1981,38 +1975,37 @@
           <a:p>
             <a:pPr lvl="0"/>
             <a:r>
-              <a:rPr lang="de-DE" smtClean="0"/>
+              <a:rPr lang="de-DE"/>
               <a:t>Textmasterformat bearbeiten</a:t>
             </a:r>
           </a:p>
           <a:p>
             <a:pPr lvl="1"/>
             <a:r>
-              <a:rPr lang="de-DE" smtClean="0"/>
+              <a:rPr lang="de-DE"/>
               <a:t>Zweite Ebene</a:t>
             </a:r>
           </a:p>
           <a:p>
             <a:pPr lvl="2"/>
             <a:r>
-              <a:rPr lang="de-DE" smtClean="0"/>
+              <a:rPr lang="de-DE"/>
               <a:t>Dritte Ebene</a:t>
             </a:r>
           </a:p>
           <a:p>
             <a:pPr lvl="3"/>
             <a:r>
-              <a:rPr lang="de-DE" smtClean="0"/>
+              <a:rPr lang="de-DE"/>
               <a:t>Vierte Ebene</a:t>
             </a:r>
           </a:p>
           <a:p>
             <a:pPr lvl="4"/>
             <a:r>
-              <a:rPr lang="de-DE" smtClean="0"/>
+              <a:rPr lang="de-DE"/>
               <a:t>Fünfte Ebene</a:t>
             </a:r>
-            <a:endParaRPr lang="de-DE"/>
           </a:p>
         </p:txBody>
       </p:sp>
@@ -2075,7 +2068,7 @@
           <a:p>
             <a:pPr lvl="0"/>
             <a:r>
-              <a:rPr lang="de-DE" smtClean="0"/>
+              <a:rPr lang="de-DE"/>
               <a:t>Textmasterformat bearbeiten</a:t>
             </a:r>
           </a:p>
@@ -2201,10 +2194,9 @@
           </a:lstStyle>
           <a:p>
             <a:r>
-              <a:rPr lang="de-DE" smtClean="0"/>
+              <a:rPr lang="de-DE"/>
               <a:t>Titelmasterformat durch Klicken bearbeiten</a:t>
             </a:r>
-            <a:endParaRPr lang="de-DE"/>
           </a:p>
         </p:txBody>
       </p:sp>
@@ -2328,7 +2320,7 @@
           <a:p>
             <a:pPr lvl="0"/>
             <a:r>
-              <a:rPr lang="de-DE" smtClean="0"/>
+              <a:rPr lang="de-DE"/>
               <a:t>Textmasterformat bearbeiten</a:t>
             </a:r>
           </a:p>
@@ -2460,10 +2452,9 @@
           <a:lstStyle/>
           <a:p>
             <a:r>
-              <a:rPr lang="de-DE" smtClean="0"/>
+              <a:rPr lang="de-DE"/>
               <a:t>Titelmasterformat durch Klicken bearbeiten</a:t>
             </a:r>
-            <a:endParaRPr lang="de-DE"/>
           </a:p>
         </p:txBody>
       </p:sp>
@@ -2494,38 +2485,37 @@
           <a:p>
             <a:pPr lvl="0"/>
             <a:r>
-              <a:rPr lang="de-DE" smtClean="0"/>
+              <a:rPr lang="de-DE"/>
               <a:t>Textmasterformat bearbeiten</a:t>
             </a:r>
           </a:p>
           <a:p>
             <a:pPr lvl="1"/>
             <a:r>
-              <a:rPr lang="de-DE" smtClean="0"/>
+              <a:rPr lang="de-DE"/>
               <a:t>Zweite Ebene</a:t>
             </a:r>
           </a:p>
           <a:p>
             <a:pPr lvl="2"/>
             <a:r>
-              <a:rPr lang="de-DE" smtClean="0"/>
+              <a:rPr lang="de-DE"/>
               <a:t>Dritte Ebene</a:t>
             </a:r>
           </a:p>
           <a:p>
             <a:pPr lvl="3"/>
             <a:r>
-              <a:rPr lang="de-DE" smtClean="0"/>
+              <a:rPr lang="de-DE"/>
               <a:t>Vierte Ebene</a:t>
             </a:r>
           </a:p>
           <a:p>
             <a:pPr lvl="4"/>
             <a:r>
-              <a:rPr lang="de-DE" smtClean="0"/>
+              <a:rPr lang="de-DE"/>
               <a:t>Fünfte Ebene</a:t>
             </a:r>
-            <a:endParaRPr lang="de-DE"/>
           </a:p>
         </p:txBody>
       </p:sp>
@@ -2998,7 +2988,7 @@
           <a:lstStyle/>
           <a:p>
             <a:r>
-              <a:rPr lang="de-DE" b="1" dirty="0" err="1" smtClean="0"/>
+              <a:rPr lang="de-DE" b="1" dirty="0" err="1"/>
               <a:t>DezHex</a:t>
             </a:r>
             <a:endParaRPr lang="de-DE" b="1" dirty="0"/>
@@ -3026,40 +3016,39 @@
           <a:lstStyle/>
           <a:p>
             <a:r>
-              <a:rPr lang="de-DE" dirty="0" smtClean="0"/>
+              <a:rPr lang="de-DE" dirty="0"/>
               <a:t>Projekt Software Engineering</a:t>
             </a:r>
           </a:p>
           <a:p>
             <a:r>
-              <a:rPr lang="de-DE" dirty="0" smtClean="0"/>
+              <a:rPr lang="de-DE" dirty="0"/>
               <a:t>Christopher </a:t>
             </a:r>
             <a:r>
-              <a:rPr lang="de-DE" dirty="0" err="1" smtClean="0"/>
-              <a:t>Pras</a:t>
-            </a:r>
-            <a:r>
-              <a:rPr lang="de-DE" dirty="0" smtClean="0"/>
+              <a:rPr lang="de-DE" dirty="0" err="1"/>
+              <a:t>Praas</a:t>
+            </a:r>
+            <a:r>
+              <a:rPr lang="de-DE" dirty="0"/>
               <a:t> / </a:t>
             </a:r>
             <a:r>
-              <a:rPr lang="de-DE" dirty="0" err="1" smtClean="0"/>
+              <a:rPr lang="de-DE" dirty="0" err="1"/>
               <a:t>Serhiy</a:t>
             </a:r>
             <a:r>
-              <a:rPr lang="de-DE" dirty="0" smtClean="0"/>
+              <a:rPr lang="de-DE" dirty="0"/>
               <a:t> </a:t>
             </a:r>
             <a:r>
-              <a:rPr lang="de-DE" dirty="0" err="1" smtClean="0"/>
-              <a:t>Bolkum</a:t>
-            </a:r>
-            <a:r>
-              <a:rPr lang="de-DE" dirty="0" smtClean="0"/>
+              <a:rPr lang="de-DE" dirty="0" err="1"/>
+              <a:t>Bolkun</a:t>
+            </a:r>
+            <a:r>
+              <a:rPr lang="de-DE" dirty="0"/>
               <a:t> / Anna Krauß / Wiebke Rochler</a:t>
             </a:r>
-            <a:endParaRPr lang="de-DE" dirty="0"/>
           </a:p>
         </p:txBody>
       </p:sp>
@@ -3273,10 +3262,9 @@
           <a:lstStyle/>
           <a:p>
             <a:r>
-              <a:rPr lang="de-DE" dirty="0" smtClean="0"/>
-              <a:t>Quellcode</a:t>
-            </a:r>
-            <a:endParaRPr lang="de-DE" dirty="0"/>
+              <a:rPr lang="de-DE" dirty="0"/>
+              <a:t>Gliederung</a:t>
+            </a:r>
           </a:p>
         </p:txBody>
       </p:sp>
@@ -3300,6 +3288,105 @@
           <a:bodyPr/>
           <a:lstStyle/>
           <a:p>
+            <a:pPr marL="514350" indent="-514350">
+              <a:buFont typeface="+mj-lt"/>
+              <a:buAutoNum type="arabicPeriod"/>
+            </a:pPr>
+            <a:r>
+              <a:rPr lang="de-DE" dirty="0"/>
+              <a:t>Einleitung</a:t>
+            </a:r>
+            <a:br>
+              <a:rPr lang="de-DE" dirty="0"/>
+            </a:br>
+            <a:r>
+              <a:rPr lang="de-DE" dirty="0"/>
+              <a:t>1.1   Vorstellung</a:t>
+            </a:r>
+            <a:br>
+              <a:rPr lang="de-DE" dirty="0"/>
+            </a:br>
+            <a:r>
+              <a:rPr lang="de-DE" dirty="0"/>
+              <a:t>1.2   Motivation</a:t>
+            </a:r>
+            <a:br>
+              <a:rPr lang="de-DE" dirty="0"/>
+            </a:br>
+            <a:r>
+              <a:rPr lang="de-DE" dirty="0"/>
+              <a:t>1.3   Produktvorstellung</a:t>
+            </a:r>
+          </a:p>
+          <a:p>
+            <a:pPr marL="514350" indent="-514350">
+              <a:buFont typeface="+mj-lt"/>
+              <a:buAutoNum type="arabicPeriod"/>
+            </a:pPr>
+            <a:r>
+              <a:rPr lang="de-DE" dirty="0"/>
+              <a:t>Quellcode</a:t>
+            </a:r>
+          </a:p>
+          <a:p>
+            <a:pPr marL="514350" indent="-514350">
+              <a:buFont typeface="+mj-lt"/>
+              <a:buAutoNum type="arabicPeriod"/>
+            </a:pPr>
+            <a:r>
+              <a:rPr lang="de-DE" dirty="0"/>
+              <a:t>UML-Diagramme</a:t>
+            </a:r>
+          </a:p>
+          <a:p>
+            <a:pPr marL="514350" indent="-514350">
+              <a:buFont typeface="+mj-lt"/>
+              <a:buAutoNum type="arabicPeriod"/>
+            </a:pPr>
+            <a:r>
+              <a:rPr lang="de-DE" dirty="0"/>
+              <a:t>Dokumentationen</a:t>
+            </a:r>
+          </a:p>
+          <a:p>
+            <a:pPr marL="514350" indent="-514350">
+              <a:buFont typeface="+mj-lt"/>
+              <a:buAutoNum type="arabicPeriod"/>
+            </a:pPr>
+            <a:r>
+              <a:rPr lang="de-DE" dirty="0"/>
+              <a:t>Verwendete Softwaretools und Drittanbieter-Software</a:t>
+            </a:r>
+          </a:p>
+          <a:p>
+            <a:pPr marL="514350" indent="-514350">
+              <a:buFont typeface="+mj-lt"/>
+              <a:buAutoNum type="arabicPeriod"/>
+            </a:pPr>
+            <a:r>
+              <a:rPr lang="de-DE" dirty="0"/>
+              <a:t>Selbstreflektion</a:t>
+            </a:r>
+          </a:p>
+          <a:p>
+            <a:pPr marL="514350" indent="-514350">
+              <a:buFont typeface="+mj-lt"/>
+              <a:buAutoNum type="arabicPeriod"/>
+            </a:pPr>
+            <a:endParaRPr lang="de-DE" dirty="0"/>
+          </a:p>
+          <a:p>
+            <a:pPr marL="514350" indent="-514350">
+              <a:buFont typeface="+mj-lt"/>
+              <a:buAutoNum type="arabicPeriod"/>
+            </a:pPr>
+            <a:endParaRPr lang="de-DE" dirty="0"/>
+          </a:p>
+          <a:p>
+            <a:pPr marL="514350" indent="-514350">
+              <a:buFont typeface="+mj-lt"/>
+              <a:buAutoNum type="arabicPeriod"/>
+            </a:pPr>
             <a:endParaRPr lang="de-DE" dirty="0"/>
           </a:p>
         </p:txBody>
@@ -3448,10 +3535,9 @@
           <a:lstStyle/>
           <a:p>
             <a:r>
-              <a:rPr lang="de-DE" dirty="0" smtClean="0"/>
-              <a:t>UML - Diagramme</a:t>
-            </a:r>
-            <a:endParaRPr lang="de-DE" dirty="0"/>
+              <a:rPr lang="de-DE" dirty="0"/>
+              <a:t>Quellcode</a:t>
+            </a:r>
           </a:p>
         </p:txBody>
       </p:sp>
@@ -3573,7 +3659,7 @@
     </p:spTree>
     <p:extLst>
       <p:ext uri="{BB962C8B-B14F-4D97-AF65-F5344CB8AC3E}">
-        <p14:creationId xmlns:p14="http://schemas.microsoft.com/office/powerpoint/2010/main" val="1787357985"/>
+        <p14:creationId xmlns:p14="http://schemas.microsoft.com/office/powerpoint/2010/main" val="2224783866"/>
       </p:ext>
     </p:extLst>
   </p:cSld>
@@ -3623,10 +3709,9 @@
           <a:lstStyle/>
           <a:p>
             <a:r>
-              <a:rPr lang="de-DE" dirty="0" smtClean="0"/>
-              <a:t>Dokumentation</a:t>
-            </a:r>
-            <a:endParaRPr lang="de-DE" dirty="0"/>
+              <a:rPr lang="de-DE" dirty="0"/>
+              <a:t>UML - Diagramme</a:t>
+            </a:r>
           </a:p>
         </p:txBody>
       </p:sp>
@@ -3748,7 +3833,7 @@
     </p:spTree>
     <p:extLst>
       <p:ext uri="{BB962C8B-B14F-4D97-AF65-F5344CB8AC3E}">
-        <p14:creationId xmlns:p14="http://schemas.microsoft.com/office/powerpoint/2010/main" val="1581545210"/>
+        <p14:creationId xmlns:p14="http://schemas.microsoft.com/office/powerpoint/2010/main" val="1787357985"/>
       </p:ext>
     </p:extLst>
   </p:cSld>
@@ -3788,7 +3873,7 @@
         <p:spPr>
           <a:xfrm>
             <a:off x="866607" y="201371"/>
-            <a:ext cx="7564276" cy="690024"/>
+            <a:ext cx="4878238" cy="690024"/>
           </a:xfrm>
         </p:spPr>
         <p:txBody>
@@ -3798,10 +3883,9 @@
           <a:lstStyle/>
           <a:p>
             <a:r>
-              <a:rPr lang="de-DE" dirty="0" smtClean="0"/>
-              <a:t>Verwendete SWT - Werkezeuge</a:t>
-            </a:r>
-            <a:endParaRPr lang="de-DE" dirty="0"/>
+              <a:rPr lang="de-DE" dirty="0"/>
+              <a:t>Dokumentationen</a:t>
+            </a:r>
           </a:p>
         </p:txBody>
       </p:sp>
@@ -3923,7 +4007,7 @@
     </p:spTree>
     <p:extLst>
       <p:ext uri="{BB962C8B-B14F-4D97-AF65-F5344CB8AC3E}">
-        <p14:creationId xmlns:p14="http://schemas.microsoft.com/office/powerpoint/2010/main" val="3592684440"/>
+        <p14:creationId xmlns:p14="http://schemas.microsoft.com/office/powerpoint/2010/main" val="1581545210"/>
       </p:ext>
     </p:extLst>
   </p:cSld>
@@ -3963,7 +4047,7 @@
         <p:spPr>
           <a:xfrm>
             <a:off x="866607" y="201371"/>
-            <a:ext cx="6126540" cy="690024"/>
+            <a:ext cx="7564276" cy="690024"/>
           </a:xfrm>
         </p:spPr>
         <p:txBody>
@@ -3973,10 +4057,9 @@
           <a:lstStyle/>
           <a:p>
             <a:r>
-              <a:rPr lang="de-DE" dirty="0" smtClean="0"/>
-              <a:t>Drittanbieter - Software</a:t>
-            </a:r>
-            <a:endParaRPr lang="de-DE" dirty="0"/>
+              <a:rPr lang="de-DE" dirty="0"/>
+              <a:t>Verwendete SWT - Werkezeuge</a:t>
+            </a:r>
           </a:p>
         </p:txBody>
       </p:sp>
@@ -4098,7 +4181,355 @@
     </p:spTree>
     <p:extLst>
       <p:ext uri="{BB962C8B-B14F-4D97-AF65-F5344CB8AC3E}">
+        <p14:creationId xmlns:p14="http://schemas.microsoft.com/office/powerpoint/2010/main" val="3592684440"/>
+      </p:ext>
+    </p:extLst>
+  </p:cSld>
+  <p:clrMapOvr>
+    <a:masterClrMapping/>
+  </p:clrMapOvr>
+</p:sld>
+</file>
+
+<file path=ppt/slides/slide7.xml><?xml version="1.0" encoding="utf-8"?>
+<p:sld xmlns:a="http://schemas.openxmlformats.org/drawingml/2006/main" xmlns:r="http://schemas.openxmlformats.org/officeDocument/2006/relationships" xmlns:p="http://schemas.openxmlformats.org/presentationml/2006/main">
+  <p:cSld>
+    <p:spTree>
+      <p:nvGrpSpPr>
+        <p:cNvPr id="1" name=""/>
+        <p:cNvGrpSpPr/>
+        <p:nvPr/>
+      </p:nvGrpSpPr>
+      <p:grpSpPr>
+        <a:xfrm>
+          <a:off x="0" y="0"/>
+          <a:ext cx="0" cy="0"/>
+          <a:chOff x="0" y="0"/>
+          <a:chExt cx="0" cy="0"/>
+        </a:xfrm>
+      </p:grpSpPr>
+      <p:sp>
+        <p:nvSpPr>
+          <p:cNvPr id="2" name="Titel 1"/>
+          <p:cNvSpPr>
+            <a:spLocks noGrp="1"/>
+          </p:cNvSpPr>
+          <p:nvPr>
+            <p:ph type="title"/>
+          </p:nvPr>
+        </p:nvSpPr>
+        <p:spPr>
+          <a:xfrm>
+            <a:off x="866607" y="201371"/>
+            <a:ext cx="6126540" cy="690024"/>
+          </a:xfrm>
+        </p:spPr>
+        <p:txBody>
+          <a:bodyPr>
+            <a:normAutofit fontScale="90000"/>
+          </a:bodyPr>
+          <a:lstStyle/>
+          <a:p>
+            <a:r>
+              <a:rPr lang="de-DE" dirty="0"/>
+              <a:t>Drittanbieter - Software</a:t>
+            </a:r>
+          </a:p>
+        </p:txBody>
+      </p:sp>
+      <p:sp>
+        <p:nvSpPr>
+          <p:cNvPr id="3" name="Inhaltsplatzhalter 2"/>
+          <p:cNvSpPr>
+            <a:spLocks noGrp="1"/>
+          </p:cNvSpPr>
+          <p:nvPr>
+            <p:ph idx="1"/>
+          </p:nvPr>
+        </p:nvSpPr>
+        <p:spPr>
+          <a:xfrm>
+            <a:off x="866607" y="1244780"/>
+            <a:ext cx="10515600" cy="4351338"/>
+          </a:xfrm>
+        </p:spPr>
+        <p:txBody>
+          <a:bodyPr/>
+          <a:lstStyle/>
+          <a:p>
+            <a:endParaRPr lang="de-DE" dirty="0"/>
+          </a:p>
+        </p:txBody>
+      </p:sp>
+      <p:pic>
+        <p:nvPicPr>
+          <p:cNvPr id="4" name="Grafik 3"/>
+          <p:cNvPicPr>
+            <a:picLocks noChangeAspect="1"/>
+          </p:cNvPicPr>
+          <p:nvPr/>
+        </p:nvPicPr>
+        <p:blipFill>
+          <a:blip r:embed="rId2" cstate="print">
+            <a:extLst>
+              <a:ext uri="{28A0092B-C50C-407E-A947-70E740481C1C}">
+                <a14:useLocalDpi xmlns:a14="http://schemas.microsoft.com/office/drawing/2010/main" val="0"/>
+              </a:ext>
+            </a:extLst>
+          </a:blip>
+          <a:stretch>
+            <a:fillRect/>
+          </a:stretch>
+        </p:blipFill>
+        <p:spPr>
+          <a:xfrm>
+            <a:off x="17595" y="3325"/>
+            <a:ext cx="849012" cy="851140"/>
+          </a:xfrm>
+          <a:prstGeom prst="rect">
+            <a:avLst/>
+          </a:prstGeom>
+          <a:effectLst/>
+        </p:spPr>
+      </p:pic>
+      <p:cxnSp>
+        <p:nvCxnSpPr>
+          <p:cNvPr id="5" name="Gerader Verbinder 4"/>
+          <p:cNvCxnSpPr/>
+          <p:nvPr/>
+        </p:nvCxnSpPr>
+        <p:spPr>
+          <a:xfrm>
+            <a:off x="0" y="879893"/>
+            <a:ext cx="10668000" cy="0"/>
+          </a:xfrm>
+          <a:prstGeom prst="line">
+            <a:avLst/>
+          </a:prstGeom>
+        </p:spPr>
+        <p:style>
+          <a:lnRef idx="3">
+            <a:schemeClr val="accent2"/>
+          </a:lnRef>
+          <a:fillRef idx="0">
+            <a:schemeClr val="accent2"/>
+          </a:fillRef>
+          <a:effectRef idx="2">
+            <a:schemeClr val="accent2"/>
+          </a:effectRef>
+          <a:fontRef idx="minor">
+            <a:schemeClr val="tx1"/>
+          </a:fontRef>
+        </p:style>
+      </p:cxnSp>
+      <p:cxnSp>
+        <p:nvCxnSpPr>
+          <p:cNvPr id="6" name="Gerader Verbinder 5"/>
+          <p:cNvCxnSpPr/>
+          <p:nvPr/>
+        </p:nvCxnSpPr>
+        <p:spPr>
+          <a:xfrm>
+            <a:off x="1524000" y="6311660"/>
+            <a:ext cx="10668000" cy="0"/>
+          </a:xfrm>
+          <a:prstGeom prst="line">
+            <a:avLst/>
+          </a:prstGeom>
+        </p:spPr>
+        <p:style>
+          <a:lnRef idx="3">
+            <a:schemeClr val="accent2"/>
+          </a:lnRef>
+          <a:fillRef idx="0">
+            <a:schemeClr val="accent2"/>
+          </a:fillRef>
+          <a:effectRef idx="2">
+            <a:schemeClr val="accent2"/>
+          </a:effectRef>
+          <a:fontRef idx="minor">
+            <a:schemeClr val="tx1"/>
+          </a:fontRef>
+        </p:style>
+      </p:cxnSp>
+    </p:spTree>
+    <p:extLst>
+      <p:ext uri="{BB962C8B-B14F-4D97-AF65-F5344CB8AC3E}">
         <p14:creationId xmlns:p14="http://schemas.microsoft.com/office/powerpoint/2010/main" val="1925289598"/>
+      </p:ext>
+    </p:extLst>
+  </p:cSld>
+  <p:clrMapOvr>
+    <a:masterClrMapping/>
+  </p:clrMapOvr>
+</p:sld>
+</file>
+
+<file path=ppt/slides/slide8.xml><?xml version="1.0" encoding="utf-8"?>
+<p:sld xmlns:a="http://schemas.openxmlformats.org/drawingml/2006/main" xmlns:r="http://schemas.openxmlformats.org/officeDocument/2006/relationships" xmlns:p="http://schemas.openxmlformats.org/presentationml/2006/main">
+  <p:cSld>
+    <p:spTree>
+      <p:nvGrpSpPr>
+        <p:cNvPr id="1" name=""/>
+        <p:cNvGrpSpPr/>
+        <p:nvPr/>
+      </p:nvGrpSpPr>
+      <p:grpSpPr>
+        <a:xfrm>
+          <a:off x="0" y="0"/>
+          <a:ext cx="0" cy="0"/>
+          <a:chOff x="0" y="0"/>
+          <a:chExt cx="0" cy="0"/>
+        </a:xfrm>
+      </p:grpSpPr>
+      <p:sp>
+        <p:nvSpPr>
+          <p:cNvPr id="2" name="Titel 1"/>
+          <p:cNvSpPr>
+            <a:spLocks noGrp="1"/>
+          </p:cNvSpPr>
+          <p:nvPr>
+            <p:ph type="title"/>
+          </p:nvPr>
+        </p:nvSpPr>
+        <p:spPr>
+          <a:xfrm>
+            <a:off x="866607" y="201371"/>
+            <a:ext cx="6126540" cy="690024"/>
+          </a:xfrm>
+        </p:spPr>
+        <p:txBody>
+          <a:bodyPr>
+            <a:normAutofit fontScale="90000"/>
+          </a:bodyPr>
+          <a:lstStyle/>
+          <a:p>
+            <a:r>
+              <a:rPr lang="de-DE" dirty="0"/>
+              <a:t>Selbstreflektion</a:t>
+            </a:r>
+          </a:p>
+        </p:txBody>
+      </p:sp>
+      <p:sp>
+        <p:nvSpPr>
+          <p:cNvPr id="3" name="Inhaltsplatzhalter 2"/>
+          <p:cNvSpPr>
+            <a:spLocks noGrp="1"/>
+          </p:cNvSpPr>
+          <p:nvPr>
+            <p:ph idx="1"/>
+          </p:nvPr>
+        </p:nvSpPr>
+        <p:spPr>
+          <a:xfrm>
+            <a:off x="866607" y="1244780"/>
+            <a:ext cx="10515600" cy="4351338"/>
+          </a:xfrm>
+        </p:spPr>
+        <p:txBody>
+          <a:bodyPr/>
+          <a:lstStyle/>
+          <a:p>
+            <a:endParaRPr lang="de-DE" dirty="0"/>
+          </a:p>
+        </p:txBody>
+      </p:sp>
+      <p:pic>
+        <p:nvPicPr>
+          <p:cNvPr id="4" name="Grafik 3"/>
+          <p:cNvPicPr>
+            <a:picLocks noChangeAspect="1"/>
+          </p:cNvPicPr>
+          <p:nvPr/>
+        </p:nvPicPr>
+        <p:blipFill>
+          <a:blip r:embed="rId2" cstate="print">
+            <a:extLst>
+              <a:ext uri="{28A0092B-C50C-407E-A947-70E740481C1C}">
+                <a14:useLocalDpi xmlns:a14="http://schemas.microsoft.com/office/drawing/2010/main" val="0"/>
+              </a:ext>
+            </a:extLst>
+          </a:blip>
+          <a:stretch>
+            <a:fillRect/>
+          </a:stretch>
+        </p:blipFill>
+        <p:spPr>
+          <a:xfrm>
+            <a:off x="17595" y="3325"/>
+            <a:ext cx="849012" cy="851140"/>
+          </a:xfrm>
+          <a:prstGeom prst="rect">
+            <a:avLst/>
+          </a:prstGeom>
+          <a:effectLst/>
+        </p:spPr>
+      </p:pic>
+      <p:cxnSp>
+        <p:nvCxnSpPr>
+          <p:cNvPr id="5" name="Gerader Verbinder 4"/>
+          <p:cNvCxnSpPr/>
+          <p:nvPr/>
+        </p:nvCxnSpPr>
+        <p:spPr>
+          <a:xfrm>
+            <a:off x="0" y="879893"/>
+            <a:ext cx="10668000" cy="0"/>
+          </a:xfrm>
+          <a:prstGeom prst="line">
+            <a:avLst/>
+          </a:prstGeom>
+        </p:spPr>
+        <p:style>
+          <a:lnRef idx="3">
+            <a:schemeClr val="accent2"/>
+          </a:lnRef>
+          <a:fillRef idx="0">
+            <a:schemeClr val="accent2"/>
+          </a:fillRef>
+          <a:effectRef idx="2">
+            <a:schemeClr val="accent2"/>
+          </a:effectRef>
+          <a:fontRef idx="minor">
+            <a:schemeClr val="tx1"/>
+          </a:fontRef>
+        </p:style>
+      </p:cxnSp>
+      <p:cxnSp>
+        <p:nvCxnSpPr>
+          <p:cNvPr id="6" name="Gerader Verbinder 5"/>
+          <p:cNvCxnSpPr/>
+          <p:nvPr/>
+        </p:nvCxnSpPr>
+        <p:spPr>
+          <a:xfrm>
+            <a:off x="1524000" y="6311660"/>
+            <a:ext cx="10668000" cy="0"/>
+          </a:xfrm>
+          <a:prstGeom prst="line">
+            <a:avLst/>
+          </a:prstGeom>
+        </p:spPr>
+        <p:style>
+          <a:lnRef idx="3">
+            <a:schemeClr val="accent2"/>
+          </a:lnRef>
+          <a:fillRef idx="0">
+            <a:schemeClr val="accent2"/>
+          </a:fillRef>
+          <a:effectRef idx="2">
+            <a:schemeClr val="accent2"/>
+          </a:effectRef>
+          <a:fontRef idx="minor">
+            <a:schemeClr val="tx1"/>
+          </a:fontRef>
+        </p:style>
+      </p:cxnSp>
+    </p:spTree>
+    <p:extLst>
+      <p:ext uri="{BB962C8B-B14F-4D97-AF65-F5344CB8AC3E}">
+        <p14:creationId xmlns:p14="http://schemas.microsoft.com/office/powerpoint/2010/main" val="4074636198"/>
       </p:ext>
     </p:extLst>
   </p:cSld>

--- a/Präsentation/DezHex.pptx
+++ b/Präsentation/DezHex.pptx
@@ -10,9 +10,10 @@
     <p:sldId id="263" r:id="rId4"/>
     <p:sldId id="258" r:id="rId5"/>
     <p:sldId id="259" r:id="rId6"/>
-    <p:sldId id="260" r:id="rId7"/>
-    <p:sldId id="261" r:id="rId8"/>
-    <p:sldId id="264" r:id="rId9"/>
+    <p:sldId id="265" r:id="rId7"/>
+    <p:sldId id="260" r:id="rId8"/>
+    <p:sldId id="261" r:id="rId9"/>
+    <p:sldId id="264" r:id="rId10"/>
   </p:sldIdLst>
   <p:sldSz cx="12192000" cy="6858000"/>
   <p:notesSz cx="6858000" cy="9144000"/>
@@ -4047,7 +4048,7 @@
         <p:spPr>
           <a:xfrm>
             <a:off x="866607" y="201371"/>
-            <a:ext cx="7564276" cy="690024"/>
+            <a:ext cx="4878238" cy="690024"/>
           </a:xfrm>
         </p:spPr>
         <p:txBody>
@@ -4058,7 +4059,7 @@
           <a:p>
             <a:r>
               <a:rPr lang="de-DE" dirty="0"/>
-              <a:t>Verwendete SWT - Werkezeuge</a:t>
+              <a:t>Dokumentationen</a:t>
             </a:r>
           </a:p>
         </p:txBody>
@@ -4083,7 +4084,67 @@
           <a:bodyPr/>
           <a:lstStyle/>
           <a:p>
+            <a:r>
+              <a:rPr lang="de-DE" dirty="0"/>
+              <a:t>Administratorendokumentation:</a:t>
+            </a:r>
+          </a:p>
+          <a:p>
+            <a:pPr lvl="1"/>
+            <a:r>
+              <a:rPr lang="de-DE" dirty="0"/>
+              <a:t>Wenige Systemvoraussetzungen (Windows, Java 8 oder höher)</a:t>
+            </a:r>
+          </a:p>
+          <a:p>
+            <a:pPr lvl="1"/>
+            <a:r>
+              <a:rPr lang="de-DE" dirty="0"/>
+              <a:t>Verknüpfung oder Ablage der exe-Datei auf dem Desktop</a:t>
+            </a:r>
+          </a:p>
+          <a:p>
+            <a:pPr marL="0" indent="0">
+              <a:buNone/>
+            </a:pPr>
             <a:endParaRPr lang="de-DE" dirty="0"/>
+          </a:p>
+          <a:p>
+            <a:r>
+              <a:rPr lang="de-DE" dirty="0"/>
+              <a:t>Anwenderdokumentation:</a:t>
+            </a:r>
+          </a:p>
+          <a:p>
+            <a:pPr lvl="1"/>
+            <a:r>
+              <a:rPr lang="de-DE" dirty="0"/>
+              <a:t>Kinder als Nutzer </a:t>
+            </a:r>
+            <a:r>
+              <a:rPr lang="de-DE" dirty="0">
+                <a:sym typeface="Wingdings" panose="05000000000000000000" pitchFamily="2" charset="2"/>
+              </a:rPr>
+              <a:t> entsprechend kinderfreundlich gestaltet</a:t>
+            </a:r>
+          </a:p>
+          <a:p>
+            <a:pPr lvl="1"/>
+            <a:r>
+              <a:rPr lang="de-DE"/>
+              <a:t>Detaillierte </a:t>
+            </a:r>
+            <a:r>
+              <a:rPr lang="de-DE" dirty="0"/>
+              <a:t>Anleitung</a:t>
+            </a:r>
+          </a:p>
+          <a:p>
+            <a:pPr lvl="1"/>
+            <a:r>
+              <a:rPr lang="de-DE" dirty="0"/>
+              <a:t>Kleine Übungsbeispiele mit Lösungen</a:t>
+            </a:r>
           </a:p>
         </p:txBody>
       </p:sp>
@@ -4181,7 +4242,7 @@
     </p:spTree>
     <p:extLst>
       <p:ext uri="{BB962C8B-B14F-4D97-AF65-F5344CB8AC3E}">
-        <p14:creationId xmlns:p14="http://schemas.microsoft.com/office/powerpoint/2010/main" val="3592684440"/>
+        <p14:creationId xmlns:p14="http://schemas.microsoft.com/office/powerpoint/2010/main" val="329994621"/>
       </p:ext>
     </p:extLst>
   </p:cSld>
@@ -4221,7 +4282,7 @@
         <p:spPr>
           <a:xfrm>
             <a:off x="866607" y="201371"/>
-            <a:ext cx="6126540" cy="690024"/>
+            <a:ext cx="7564276" cy="690024"/>
           </a:xfrm>
         </p:spPr>
         <p:txBody>
@@ -4232,7 +4293,7 @@
           <a:p>
             <a:r>
               <a:rPr lang="de-DE" dirty="0"/>
-              <a:t>Drittanbieter - Software</a:t>
+              <a:t>Verwendete SWT - Werkezeuge</a:t>
             </a:r>
           </a:p>
         </p:txBody>
@@ -4355,6 +4416,180 @@
     </p:spTree>
     <p:extLst>
       <p:ext uri="{BB962C8B-B14F-4D97-AF65-F5344CB8AC3E}">
+        <p14:creationId xmlns:p14="http://schemas.microsoft.com/office/powerpoint/2010/main" val="3592684440"/>
+      </p:ext>
+    </p:extLst>
+  </p:cSld>
+  <p:clrMapOvr>
+    <a:masterClrMapping/>
+  </p:clrMapOvr>
+</p:sld>
+</file>
+
+<file path=ppt/slides/slide8.xml><?xml version="1.0" encoding="utf-8"?>
+<p:sld xmlns:a="http://schemas.openxmlformats.org/drawingml/2006/main" xmlns:r="http://schemas.openxmlformats.org/officeDocument/2006/relationships" xmlns:p="http://schemas.openxmlformats.org/presentationml/2006/main">
+  <p:cSld>
+    <p:spTree>
+      <p:nvGrpSpPr>
+        <p:cNvPr id="1" name=""/>
+        <p:cNvGrpSpPr/>
+        <p:nvPr/>
+      </p:nvGrpSpPr>
+      <p:grpSpPr>
+        <a:xfrm>
+          <a:off x="0" y="0"/>
+          <a:ext cx="0" cy="0"/>
+          <a:chOff x="0" y="0"/>
+          <a:chExt cx="0" cy="0"/>
+        </a:xfrm>
+      </p:grpSpPr>
+      <p:sp>
+        <p:nvSpPr>
+          <p:cNvPr id="2" name="Titel 1"/>
+          <p:cNvSpPr>
+            <a:spLocks noGrp="1"/>
+          </p:cNvSpPr>
+          <p:nvPr>
+            <p:ph type="title"/>
+          </p:nvPr>
+        </p:nvSpPr>
+        <p:spPr>
+          <a:xfrm>
+            <a:off x="866607" y="201371"/>
+            <a:ext cx="6126540" cy="690024"/>
+          </a:xfrm>
+        </p:spPr>
+        <p:txBody>
+          <a:bodyPr>
+            <a:normAutofit fontScale="90000"/>
+          </a:bodyPr>
+          <a:lstStyle/>
+          <a:p>
+            <a:r>
+              <a:rPr lang="de-DE" dirty="0"/>
+              <a:t>Drittanbieter - Software</a:t>
+            </a:r>
+          </a:p>
+        </p:txBody>
+      </p:sp>
+      <p:sp>
+        <p:nvSpPr>
+          <p:cNvPr id="3" name="Inhaltsplatzhalter 2"/>
+          <p:cNvSpPr>
+            <a:spLocks noGrp="1"/>
+          </p:cNvSpPr>
+          <p:nvPr>
+            <p:ph idx="1"/>
+          </p:nvPr>
+        </p:nvSpPr>
+        <p:spPr>
+          <a:xfrm>
+            <a:off x="866607" y="1244780"/>
+            <a:ext cx="10515600" cy="4351338"/>
+          </a:xfrm>
+        </p:spPr>
+        <p:txBody>
+          <a:bodyPr/>
+          <a:lstStyle/>
+          <a:p>
+            <a:endParaRPr lang="de-DE" dirty="0"/>
+          </a:p>
+        </p:txBody>
+      </p:sp>
+      <p:pic>
+        <p:nvPicPr>
+          <p:cNvPr id="4" name="Grafik 3"/>
+          <p:cNvPicPr>
+            <a:picLocks noChangeAspect="1"/>
+          </p:cNvPicPr>
+          <p:nvPr/>
+        </p:nvPicPr>
+        <p:blipFill>
+          <a:blip r:embed="rId2" cstate="print">
+            <a:extLst>
+              <a:ext uri="{28A0092B-C50C-407E-A947-70E740481C1C}">
+                <a14:useLocalDpi xmlns:a14="http://schemas.microsoft.com/office/drawing/2010/main" val="0"/>
+              </a:ext>
+            </a:extLst>
+          </a:blip>
+          <a:stretch>
+            <a:fillRect/>
+          </a:stretch>
+        </p:blipFill>
+        <p:spPr>
+          <a:xfrm>
+            <a:off x="17595" y="3325"/>
+            <a:ext cx="849012" cy="851140"/>
+          </a:xfrm>
+          <a:prstGeom prst="rect">
+            <a:avLst/>
+          </a:prstGeom>
+          <a:effectLst/>
+        </p:spPr>
+      </p:pic>
+      <p:cxnSp>
+        <p:nvCxnSpPr>
+          <p:cNvPr id="5" name="Gerader Verbinder 4"/>
+          <p:cNvCxnSpPr/>
+          <p:nvPr/>
+        </p:nvCxnSpPr>
+        <p:spPr>
+          <a:xfrm>
+            <a:off x="0" y="879893"/>
+            <a:ext cx="10668000" cy="0"/>
+          </a:xfrm>
+          <a:prstGeom prst="line">
+            <a:avLst/>
+          </a:prstGeom>
+        </p:spPr>
+        <p:style>
+          <a:lnRef idx="3">
+            <a:schemeClr val="accent2"/>
+          </a:lnRef>
+          <a:fillRef idx="0">
+            <a:schemeClr val="accent2"/>
+          </a:fillRef>
+          <a:effectRef idx="2">
+            <a:schemeClr val="accent2"/>
+          </a:effectRef>
+          <a:fontRef idx="minor">
+            <a:schemeClr val="tx1"/>
+          </a:fontRef>
+        </p:style>
+      </p:cxnSp>
+      <p:cxnSp>
+        <p:nvCxnSpPr>
+          <p:cNvPr id="6" name="Gerader Verbinder 5"/>
+          <p:cNvCxnSpPr/>
+          <p:nvPr/>
+        </p:nvCxnSpPr>
+        <p:spPr>
+          <a:xfrm>
+            <a:off x="1524000" y="6311660"/>
+            <a:ext cx="10668000" cy="0"/>
+          </a:xfrm>
+          <a:prstGeom prst="line">
+            <a:avLst/>
+          </a:prstGeom>
+        </p:spPr>
+        <p:style>
+          <a:lnRef idx="3">
+            <a:schemeClr val="accent2"/>
+          </a:lnRef>
+          <a:fillRef idx="0">
+            <a:schemeClr val="accent2"/>
+          </a:fillRef>
+          <a:effectRef idx="2">
+            <a:schemeClr val="accent2"/>
+          </a:effectRef>
+          <a:fontRef idx="minor">
+            <a:schemeClr val="tx1"/>
+          </a:fontRef>
+        </p:style>
+      </p:cxnSp>
+    </p:spTree>
+    <p:extLst>
+      <p:ext uri="{BB962C8B-B14F-4D97-AF65-F5344CB8AC3E}">
         <p14:creationId xmlns:p14="http://schemas.microsoft.com/office/powerpoint/2010/main" val="1925289598"/>
       </p:ext>
     </p:extLst>
@@ -4365,7 +4600,7 @@
 </p:sld>
 </file>
 
-<file path=ppt/slides/slide8.xml><?xml version="1.0" encoding="utf-8"?>
+<file path=ppt/slides/slide9.xml><?xml version="1.0" encoding="utf-8"?>
 <p:sld xmlns:a="http://schemas.openxmlformats.org/drawingml/2006/main" xmlns:r="http://schemas.openxmlformats.org/officeDocument/2006/relationships" xmlns:p="http://schemas.openxmlformats.org/presentationml/2006/main">
   <p:cSld>
     <p:spTree>

--- a/Präsentation/DezHex.pptx
+++ b/Präsentation/DezHex.pptx
@@ -9,11 +9,27 @@
     <p:sldId id="257" r:id="rId3"/>
     <p:sldId id="263" r:id="rId4"/>
     <p:sldId id="258" r:id="rId5"/>
-    <p:sldId id="259" r:id="rId6"/>
-    <p:sldId id="265" r:id="rId7"/>
-    <p:sldId id="260" r:id="rId8"/>
-    <p:sldId id="261" r:id="rId9"/>
-    <p:sldId id="264" r:id="rId10"/>
+    <p:sldId id="281" r:id="rId6"/>
+    <p:sldId id="282" r:id="rId7"/>
+    <p:sldId id="283" r:id="rId8"/>
+    <p:sldId id="284" r:id="rId9"/>
+    <p:sldId id="259" r:id="rId10"/>
+    <p:sldId id="285" r:id="rId11"/>
+    <p:sldId id="271" r:id="rId12"/>
+    <p:sldId id="272" r:id="rId13"/>
+    <p:sldId id="273" r:id="rId14"/>
+    <p:sldId id="260" r:id="rId15"/>
+    <p:sldId id="287" r:id="rId16"/>
+    <p:sldId id="286" r:id="rId17"/>
+    <p:sldId id="261" r:id="rId18"/>
+    <p:sldId id="274" r:id="rId19"/>
+    <p:sldId id="275" r:id="rId20"/>
+    <p:sldId id="276" r:id="rId21"/>
+    <p:sldId id="277" r:id="rId22"/>
+    <p:sldId id="278" r:id="rId23"/>
+    <p:sldId id="279" r:id="rId24"/>
+    <p:sldId id="280" r:id="rId25"/>
+    <p:sldId id="264" r:id="rId26"/>
   </p:sldIdLst>
   <p:sldSz cx="12192000" cy="6858000"/>
   <p:notesSz cx="6858000" cy="9144000"/>
@@ -114,7 +130,18 @@
   </p:defaultTextStyle>
   <p:extLst>
     <p:ext uri="{EFAFB233-063F-42B5-8137-9DF3F51BA10A}">
-      <p15:sldGuideLst xmlns:p15="http://schemas.microsoft.com/office/powerpoint/2012/main"/>
+      <p15:sldGuideLst xmlns:p15="http://schemas.microsoft.com/office/powerpoint/2012/main">
+        <p15:guide id="1" orient="horz" pos="2160">
+          <p15:clr>
+            <a:srgbClr val="A4A3A4"/>
+          </p15:clr>
+        </p15:guide>
+        <p15:guide id="2" pos="3840">
+          <p15:clr>
+            <a:srgbClr val="A4A3A4"/>
+          </p15:clr>
+        </p15:guide>
+      </p15:sldGuideLst>
     </p:ext>
   </p:extLst>
 </p:presentation>
@@ -253,7 +280,8 @@
           <a:p>
             <a:fld id="{C791A2B9-412A-4824-920F-8CF70E1AACCF}" type="datetimeFigureOut">
               <a:rPr lang="de-DE" smtClean="0"/>
-              <a:t>27.06.2017</a:t>
+              <a:pPr/>
+              <a:t>28.06.2017</a:t>
             </a:fld>
             <a:endParaRPr lang="de-DE"/>
           </a:p>
@@ -295,6 +323,7 @@
           <a:p>
             <a:fld id="{0A3C3FF0-3A20-4DD4-BD5A-9DD4AC9CB3DF}" type="slidenum">
               <a:rPr lang="de-DE" smtClean="0"/>
+              <a:pPr/>
               <a:t>‹Nr.›</a:t>
             </a:fld>
             <a:endParaRPr lang="de-DE"/>
@@ -421,7 +450,8 @@
           <a:p>
             <a:fld id="{C791A2B9-412A-4824-920F-8CF70E1AACCF}" type="datetimeFigureOut">
               <a:rPr lang="de-DE" smtClean="0"/>
-              <a:t>27.06.2017</a:t>
+              <a:pPr/>
+              <a:t>28.06.2017</a:t>
             </a:fld>
             <a:endParaRPr lang="de-DE"/>
           </a:p>
@@ -463,6 +493,7 @@
           <a:p>
             <a:fld id="{0A3C3FF0-3A20-4DD4-BD5A-9DD4AC9CB3DF}" type="slidenum">
               <a:rPr lang="de-DE" smtClean="0"/>
+              <a:pPr/>
               <a:t>‹Nr.›</a:t>
             </a:fld>
             <a:endParaRPr lang="de-DE"/>
@@ -599,7 +630,8 @@
           <a:p>
             <a:fld id="{C791A2B9-412A-4824-920F-8CF70E1AACCF}" type="datetimeFigureOut">
               <a:rPr lang="de-DE" smtClean="0"/>
-              <a:t>27.06.2017</a:t>
+              <a:pPr/>
+              <a:t>28.06.2017</a:t>
             </a:fld>
             <a:endParaRPr lang="de-DE"/>
           </a:p>
@@ -641,6 +673,7 @@
           <a:p>
             <a:fld id="{0A3C3FF0-3A20-4DD4-BD5A-9DD4AC9CB3DF}" type="slidenum">
               <a:rPr lang="de-DE" smtClean="0"/>
+              <a:pPr/>
               <a:t>‹Nr.›</a:t>
             </a:fld>
             <a:endParaRPr lang="de-DE"/>
@@ -767,7 +800,8 @@
           <a:p>
             <a:fld id="{C791A2B9-412A-4824-920F-8CF70E1AACCF}" type="datetimeFigureOut">
               <a:rPr lang="de-DE" smtClean="0"/>
-              <a:t>27.06.2017</a:t>
+              <a:pPr/>
+              <a:t>28.06.2017</a:t>
             </a:fld>
             <a:endParaRPr lang="de-DE"/>
           </a:p>
@@ -809,6 +843,7 @@
           <a:p>
             <a:fld id="{0A3C3FF0-3A20-4DD4-BD5A-9DD4AC9CB3DF}" type="slidenum">
               <a:rPr lang="de-DE" smtClean="0"/>
+              <a:pPr/>
               <a:t>‹Nr.›</a:t>
             </a:fld>
             <a:endParaRPr lang="de-DE"/>
@@ -1012,7 +1047,8 @@
           <a:p>
             <a:fld id="{C791A2B9-412A-4824-920F-8CF70E1AACCF}" type="datetimeFigureOut">
               <a:rPr lang="de-DE" smtClean="0"/>
-              <a:t>27.06.2017</a:t>
+              <a:pPr/>
+              <a:t>28.06.2017</a:t>
             </a:fld>
             <a:endParaRPr lang="de-DE"/>
           </a:p>
@@ -1054,6 +1090,7 @@
           <a:p>
             <a:fld id="{0A3C3FF0-3A20-4DD4-BD5A-9DD4AC9CB3DF}" type="slidenum">
               <a:rPr lang="de-DE" smtClean="0"/>
+              <a:pPr/>
               <a:t>‹Nr.›</a:t>
             </a:fld>
             <a:endParaRPr lang="de-DE"/>
@@ -1241,7 +1278,8 @@
           <a:p>
             <a:fld id="{C791A2B9-412A-4824-920F-8CF70E1AACCF}" type="datetimeFigureOut">
               <a:rPr lang="de-DE" smtClean="0"/>
-              <a:t>27.06.2017</a:t>
+              <a:pPr/>
+              <a:t>28.06.2017</a:t>
             </a:fld>
             <a:endParaRPr lang="de-DE"/>
           </a:p>
@@ -1283,6 +1321,7 @@
           <a:p>
             <a:fld id="{0A3C3FF0-3A20-4DD4-BD5A-9DD4AC9CB3DF}" type="slidenum">
               <a:rPr lang="de-DE" smtClean="0"/>
+              <a:pPr/>
               <a:t>‹Nr.›</a:t>
             </a:fld>
             <a:endParaRPr lang="de-DE"/>
@@ -1605,7 +1644,8 @@
           <a:p>
             <a:fld id="{C791A2B9-412A-4824-920F-8CF70E1AACCF}" type="datetimeFigureOut">
               <a:rPr lang="de-DE" smtClean="0"/>
-              <a:t>27.06.2017</a:t>
+              <a:pPr/>
+              <a:t>28.06.2017</a:t>
             </a:fld>
             <a:endParaRPr lang="de-DE"/>
           </a:p>
@@ -1647,6 +1687,7 @@
           <a:p>
             <a:fld id="{0A3C3FF0-3A20-4DD4-BD5A-9DD4AC9CB3DF}" type="slidenum">
               <a:rPr lang="de-DE" smtClean="0"/>
+              <a:pPr/>
               <a:t>‹Nr.›</a:t>
             </a:fld>
             <a:endParaRPr lang="de-DE"/>
@@ -1722,7 +1763,8 @@
           <a:p>
             <a:fld id="{C791A2B9-412A-4824-920F-8CF70E1AACCF}" type="datetimeFigureOut">
               <a:rPr lang="de-DE" smtClean="0"/>
-              <a:t>27.06.2017</a:t>
+              <a:pPr/>
+              <a:t>28.06.2017</a:t>
             </a:fld>
             <a:endParaRPr lang="de-DE"/>
           </a:p>
@@ -1764,6 +1806,7 @@
           <a:p>
             <a:fld id="{0A3C3FF0-3A20-4DD4-BD5A-9DD4AC9CB3DF}" type="slidenum">
               <a:rPr lang="de-DE" smtClean="0"/>
+              <a:pPr/>
               <a:t>‹Nr.›</a:t>
             </a:fld>
             <a:endParaRPr lang="de-DE"/>
@@ -1817,7 +1860,8 @@
           <a:p>
             <a:fld id="{C791A2B9-412A-4824-920F-8CF70E1AACCF}" type="datetimeFigureOut">
               <a:rPr lang="de-DE" smtClean="0"/>
-              <a:t>27.06.2017</a:t>
+              <a:pPr/>
+              <a:t>28.06.2017</a:t>
             </a:fld>
             <a:endParaRPr lang="de-DE"/>
           </a:p>
@@ -1859,6 +1903,7 @@
           <a:p>
             <a:fld id="{0A3C3FF0-3A20-4DD4-BD5A-9DD4AC9CB3DF}" type="slidenum">
               <a:rPr lang="de-DE" smtClean="0"/>
+              <a:pPr/>
               <a:t>‹Nr.›</a:t>
             </a:fld>
             <a:endParaRPr lang="de-DE"/>
@@ -2092,7 +2137,8 @@
           <a:p>
             <a:fld id="{C791A2B9-412A-4824-920F-8CF70E1AACCF}" type="datetimeFigureOut">
               <a:rPr lang="de-DE" smtClean="0"/>
-              <a:t>27.06.2017</a:t>
+              <a:pPr/>
+              <a:t>28.06.2017</a:t>
             </a:fld>
             <a:endParaRPr lang="de-DE"/>
           </a:p>
@@ -2134,6 +2180,7 @@
           <a:p>
             <a:fld id="{0A3C3FF0-3A20-4DD4-BD5A-9DD4AC9CB3DF}" type="slidenum">
               <a:rPr lang="de-DE" smtClean="0"/>
+              <a:pPr/>
               <a:t>‹Nr.›</a:t>
             </a:fld>
             <a:endParaRPr lang="de-DE"/>
@@ -2344,7 +2391,8 @@
           <a:p>
             <a:fld id="{C791A2B9-412A-4824-920F-8CF70E1AACCF}" type="datetimeFigureOut">
               <a:rPr lang="de-DE" smtClean="0"/>
-              <a:t>27.06.2017</a:t>
+              <a:pPr/>
+              <a:t>28.06.2017</a:t>
             </a:fld>
             <a:endParaRPr lang="de-DE"/>
           </a:p>
@@ -2386,6 +2434,7 @@
           <a:p>
             <a:fld id="{0A3C3FF0-3A20-4DD4-BD5A-9DD4AC9CB3DF}" type="slidenum">
               <a:rPr lang="de-DE" smtClean="0"/>
+              <a:pPr/>
               <a:t>‹Nr.›</a:t>
             </a:fld>
             <a:endParaRPr lang="de-DE"/>
@@ -2555,7 +2604,8 @@
           <a:p>
             <a:fld id="{C791A2B9-412A-4824-920F-8CF70E1AACCF}" type="datetimeFigureOut">
               <a:rPr lang="de-DE" smtClean="0"/>
-              <a:t>27.06.2017</a:t>
+              <a:pPr/>
+              <a:t>28.06.2017</a:t>
             </a:fld>
             <a:endParaRPr lang="de-DE"/>
           </a:p>
@@ -2633,6 +2683,7 @@
           <a:p>
             <a:fld id="{0A3C3FF0-3A20-4DD4-BD5A-9DD4AC9CB3DF}" type="slidenum">
               <a:rPr lang="de-DE" smtClean="0"/>
+              <a:pPr/>
               <a:t>‹Nr.›</a:t>
             </a:fld>
             <a:endParaRPr lang="de-DE"/>
@@ -3220,6 +3271,1918 @@
   <p:clrMapOvr>
     <a:masterClrMapping/>
   </p:clrMapOvr>
+  <p:timing>
+    <p:tnLst>
+      <p:par>
+        <p:cTn id="1" dur="indefinite" restart="never" nodeType="tmRoot"/>
+      </p:par>
+    </p:tnLst>
+  </p:timing>
+</p:sld>
+</file>
+
+<file path=ppt/slides/slide10.xml><?xml version="1.0" encoding="utf-8"?>
+<p:sld xmlns:a="http://schemas.openxmlformats.org/drawingml/2006/main" xmlns:r="http://schemas.openxmlformats.org/officeDocument/2006/relationships" xmlns:p="http://schemas.openxmlformats.org/presentationml/2006/main">
+  <p:cSld>
+    <p:spTree>
+      <p:nvGrpSpPr>
+        <p:cNvPr id="1" name=""/>
+        <p:cNvGrpSpPr/>
+        <p:nvPr/>
+      </p:nvGrpSpPr>
+      <p:grpSpPr>
+        <a:xfrm>
+          <a:off x="0" y="0"/>
+          <a:ext cx="0" cy="0"/>
+          <a:chOff x="0" y="0"/>
+          <a:chExt cx="0" cy="0"/>
+        </a:xfrm>
+      </p:grpSpPr>
+      <p:sp>
+        <p:nvSpPr>
+          <p:cNvPr id="2" name="Titel 1"/>
+          <p:cNvSpPr>
+            <a:spLocks noGrp="1"/>
+          </p:cNvSpPr>
+          <p:nvPr>
+            <p:ph type="title"/>
+          </p:nvPr>
+        </p:nvSpPr>
+        <p:spPr>
+          <a:xfrm>
+            <a:off x="866607" y="201371"/>
+            <a:ext cx="5833242" cy="690024"/>
+          </a:xfrm>
+        </p:spPr>
+        <p:txBody>
+          <a:bodyPr>
+            <a:normAutofit fontScale="90000"/>
+          </a:bodyPr>
+          <a:lstStyle/>
+          <a:p>
+            <a:r>
+              <a:rPr lang="de-DE" dirty="0" smtClean="0"/>
+              <a:t>Entwicklerdokumentation</a:t>
+            </a:r>
+            <a:endParaRPr lang="de-DE" dirty="0"/>
+          </a:p>
+        </p:txBody>
+      </p:sp>
+      <p:pic>
+        <p:nvPicPr>
+          <p:cNvPr id="4" name="Grafik 3"/>
+          <p:cNvPicPr>
+            <a:picLocks noChangeAspect="1"/>
+          </p:cNvPicPr>
+          <p:nvPr/>
+        </p:nvPicPr>
+        <p:blipFill>
+          <a:blip r:embed="rId2" cstate="print">
+            <a:extLst>
+              <a:ext uri="{28A0092B-C50C-407E-A947-70E740481C1C}">
+                <a14:useLocalDpi xmlns:a14="http://schemas.microsoft.com/office/drawing/2010/main" val="0"/>
+              </a:ext>
+            </a:extLst>
+          </a:blip>
+          <a:stretch>
+            <a:fillRect/>
+          </a:stretch>
+        </p:blipFill>
+        <p:spPr>
+          <a:xfrm>
+            <a:off x="17595" y="3325"/>
+            <a:ext cx="849012" cy="851140"/>
+          </a:xfrm>
+          <a:prstGeom prst="rect">
+            <a:avLst/>
+          </a:prstGeom>
+          <a:effectLst/>
+        </p:spPr>
+      </p:pic>
+      <p:cxnSp>
+        <p:nvCxnSpPr>
+          <p:cNvPr id="5" name="Gerader Verbinder 4"/>
+          <p:cNvCxnSpPr/>
+          <p:nvPr/>
+        </p:nvCxnSpPr>
+        <p:spPr>
+          <a:xfrm>
+            <a:off x="0" y="879893"/>
+            <a:ext cx="10668000" cy="0"/>
+          </a:xfrm>
+          <a:prstGeom prst="line">
+            <a:avLst/>
+          </a:prstGeom>
+        </p:spPr>
+        <p:style>
+          <a:lnRef idx="3">
+            <a:schemeClr val="accent2"/>
+          </a:lnRef>
+          <a:fillRef idx="0">
+            <a:schemeClr val="accent2"/>
+          </a:fillRef>
+          <a:effectRef idx="2">
+            <a:schemeClr val="accent2"/>
+          </a:effectRef>
+          <a:fontRef idx="minor">
+            <a:schemeClr val="tx1"/>
+          </a:fontRef>
+        </p:style>
+      </p:cxnSp>
+      <p:cxnSp>
+        <p:nvCxnSpPr>
+          <p:cNvPr id="6" name="Gerader Verbinder 5"/>
+          <p:cNvCxnSpPr/>
+          <p:nvPr/>
+        </p:nvCxnSpPr>
+        <p:spPr>
+          <a:xfrm>
+            <a:off x="1524000" y="6311660"/>
+            <a:ext cx="10668000" cy="0"/>
+          </a:xfrm>
+          <a:prstGeom prst="line">
+            <a:avLst/>
+          </a:prstGeom>
+        </p:spPr>
+        <p:style>
+          <a:lnRef idx="3">
+            <a:schemeClr val="accent2"/>
+          </a:lnRef>
+          <a:fillRef idx="0">
+            <a:schemeClr val="accent2"/>
+          </a:fillRef>
+          <a:effectRef idx="2">
+            <a:schemeClr val="accent2"/>
+          </a:effectRef>
+          <a:fontRef idx="minor">
+            <a:schemeClr val="tx1"/>
+          </a:fontRef>
+        </p:style>
+      </p:cxnSp>
+      <p:sp>
+        <p:nvSpPr>
+          <p:cNvPr id="7" name="Inhaltsplatzhalter 2"/>
+          <p:cNvSpPr txBox="1">
+            <a:spLocks/>
+          </p:cNvSpPr>
+          <p:nvPr/>
+        </p:nvSpPr>
+        <p:spPr>
+          <a:xfrm>
+            <a:off x="1208314" y="1244839"/>
+            <a:ext cx="10515600" cy="650156"/>
+          </a:xfrm>
+          <a:prstGeom prst="rect">
+            <a:avLst/>
+          </a:prstGeom>
+        </p:spPr>
+        <p:txBody>
+          <a:bodyPr vert="horz" lIns="91440" tIns="45720" rIns="91440" bIns="45720" rtlCol="0">
+            <a:normAutofit/>
+          </a:bodyPr>
+          <a:lstStyle>
+            <a:lvl1pPr marL="228600" indent="-228600" algn="l" defTabSz="914400" rtl="0" eaLnBrk="1" latinLnBrk="0" hangingPunct="1">
+              <a:lnSpc>
+                <a:spcPct val="90000"/>
+              </a:lnSpc>
+              <a:spcBef>
+                <a:spcPts val="1000"/>
+              </a:spcBef>
+              <a:buFont typeface="Arial" panose="020B0604020202020204" pitchFamily="34" charset="0"/>
+              <a:buChar char="•"/>
+              <a:defRPr sz="2800" kern="1200">
+                <a:solidFill>
+                  <a:schemeClr val="tx1"/>
+                </a:solidFill>
+                <a:latin typeface="+mn-lt"/>
+                <a:ea typeface="+mn-ea"/>
+                <a:cs typeface="+mn-cs"/>
+              </a:defRPr>
+            </a:lvl1pPr>
+            <a:lvl2pPr marL="685800" indent="-228600" algn="l" defTabSz="914400" rtl="0" eaLnBrk="1" latinLnBrk="0" hangingPunct="1">
+              <a:lnSpc>
+                <a:spcPct val="90000"/>
+              </a:lnSpc>
+              <a:spcBef>
+                <a:spcPts val="500"/>
+              </a:spcBef>
+              <a:buFont typeface="Arial" panose="020B0604020202020204" pitchFamily="34" charset="0"/>
+              <a:buChar char="•"/>
+              <a:defRPr sz="2400" kern="1200">
+                <a:solidFill>
+                  <a:schemeClr val="tx1"/>
+                </a:solidFill>
+                <a:latin typeface="+mn-lt"/>
+                <a:ea typeface="+mn-ea"/>
+                <a:cs typeface="+mn-cs"/>
+              </a:defRPr>
+            </a:lvl2pPr>
+            <a:lvl3pPr marL="1143000" indent="-228600" algn="l" defTabSz="914400" rtl="0" eaLnBrk="1" latinLnBrk="0" hangingPunct="1">
+              <a:lnSpc>
+                <a:spcPct val="90000"/>
+              </a:lnSpc>
+              <a:spcBef>
+                <a:spcPts val="500"/>
+              </a:spcBef>
+              <a:buFont typeface="Arial" panose="020B0604020202020204" pitchFamily="34" charset="0"/>
+              <a:buChar char="•"/>
+              <a:defRPr sz="2000" kern="1200">
+                <a:solidFill>
+                  <a:schemeClr val="tx1"/>
+                </a:solidFill>
+                <a:latin typeface="+mn-lt"/>
+                <a:ea typeface="+mn-ea"/>
+                <a:cs typeface="+mn-cs"/>
+              </a:defRPr>
+            </a:lvl3pPr>
+            <a:lvl4pPr marL="1600200" indent="-228600" algn="l" defTabSz="914400" rtl="0" eaLnBrk="1" latinLnBrk="0" hangingPunct="1">
+              <a:lnSpc>
+                <a:spcPct val="90000"/>
+              </a:lnSpc>
+              <a:spcBef>
+                <a:spcPts val="500"/>
+              </a:spcBef>
+              <a:buFont typeface="Arial" panose="020B0604020202020204" pitchFamily="34" charset="0"/>
+              <a:buChar char="•"/>
+              <a:defRPr sz="1800" kern="1200">
+                <a:solidFill>
+                  <a:schemeClr val="tx1"/>
+                </a:solidFill>
+                <a:latin typeface="+mn-lt"/>
+                <a:ea typeface="+mn-ea"/>
+                <a:cs typeface="+mn-cs"/>
+              </a:defRPr>
+            </a:lvl4pPr>
+            <a:lvl5pPr marL="2057400" indent="-228600" algn="l" defTabSz="914400" rtl="0" eaLnBrk="1" latinLnBrk="0" hangingPunct="1">
+              <a:lnSpc>
+                <a:spcPct val="90000"/>
+              </a:lnSpc>
+              <a:spcBef>
+                <a:spcPts val="500"/>
+              </a:spcBef>
+              <a:buFont typeface="Arial" panose="020B0604020202020204" pitchFamily="34" charset="0"/>
+              <a:buChar char="•"/>
+              <a:defRPr sz="1800" kern="1200">
+                <a:solidFill>
+                  <a:schemeClr val="tx1"/>
+                </a:solidFill>
+                <a:latin typeface="+mn-lt"/>
+                <a:ea typeface="+mn-ea"/>
+                <a:cs typeface="+mn-cs"/>
+              </a:defRPr>
+            </a:lvl5pPr>
+            <a:lvl6pPr marL="2514600" indent="-228600" algn="l" defTabSz="914400" rtl="0" eaLnBrk="1" latinLnBrk="0" hangingPunct="1">
+              <a:lnSpc>
+                <a:spcPct val="90000"/>
+              </a:lnSpc>
+              <a:spcBef>
+                <a:spcPts val="500"/>
+              </a:spcBef>
+              <a:buFont typeface="Arial" panose="020B0604020202020204" pitchFamily="34" charset="0"/>
+              <a:buChar char="•"/>
+              <a:defRPr sz="1800" kern="1200">
+                <a:solidFill>
+                  <a:schemeClr val="tx1"/>
+                </a:solidFill>
+                <a:latin typeface="+mn-lt"/>
+                <a:ea typeface="+mn-ea"/>
+                <a:cs typeface="+mn-cs"/>
+              </a:defRPr>
+            </a:lvl6pPr>
+            <a:lvl7pPr marL="2971800" indent="-228600" algn="l" defTabSz="914400" rtl="0" eaLnBrk="1" latinLnBrk="0" hangingPunct="1">
+              <a:lnSpc>
+                <a:spcPct val="90000"/>
+              </a:lnSpc>
+              <a:spcBef>
+                <a:spcPts val="500"/>
+              </a:spcBef>
+              <a:buFont typeface="Arial" panose="020B0604020202020204" pitchFamily="34" charset="0"/>
+              <a:buChar char="•"/>
+              <a:defRPr sz="1800" kern="1200">
+                <a:solidFill>
+                  <a:schemeClr val="tx1"/>
+                </a:solidFill>
+                <a:latin typeface="+mn-lt"/>
+                <a:ea typeface="+mn-ea"/>
+                <a:cs typeface="+mn-cs"/>
+              </a:defRPr>
+            </a:lvl7pPr>
+            <a:lvl8pPr marL="3429000" indent="-228600" algn="l" defTabSz="914400" rtl="0" eaLnBrk="1" latinLnBrk="0" hangingPunct="1">
+              <a:lnSpc>
+                <a:spcPct val="90000"/>
+              </a:lnSpc>
+              <a:spcBef>
+                <a:spcPts val="500"/>
+              </a:spcBef>
+              <a:buFont typeface="Arial" panose="020B0604020202020204" pitchFamily="34" charset="0"/>
+              <a:buChar char="•"/>
+              <a:defRPr sz="1800" kern="1200">
+                <a:solidFill>
+                  <a:schemeClr val="tx1"/>
+                </a:solidFill>
+                <a:latin typeface="+mn-lt"/>
+                <a:ea typeface="+mn-ea"/>
+                <a:cs typeface="+mn-cs"/>
+              </a:defRPr>
+            </a:lvl8pPr>
+            <a:lvl9pPr marL="3886200" indent="-228600" algn="l" defTabSz="914400" rtl="0" eaLnBrk="1" latinLnBrk="0" hangingPunct="1">
+              <a:lnSpc>
+                <a:spcPct val="90000"/>
+              </a:lnSpc>
+              <a:spcBef>
+                <a:spcPts val="500"/>
+              </a:spcBef>
+              <a:buFont typeface="Arial" panose="020B0604020202020204" pitchFamily="34" charset="0"/>
+              <a:buChar char="•"/>
+              <a:defRPr sz="1800" kern="1200">
+                <a:solidFill>
+                  <a:schemeClr val="tx1"/>
+                </a:solidFill>
+                <a:latin typeface="+mn-lt"/>
+                <a:ea typeface="+mn-ea"/>
+                <a:cs typeface="+mn-cs"/>
+              </a:defRPr>
+            </a:lvl9pPr>
+          </a:lstStyle>
+          <a:p>
+            <a:r>
+              <a:rPr lang="de-DE" dirty="0" err="1"/>
+              <a:t>Doxygen</a:t>
+            </a:r>
+            <a:r>
+              <a:rPr lang="de-DE" dirty="0"/>
+              <a:t> – Kommentar Block</a:t>
+            </a:r>
+          </a:p>
+          <a:p>
+            <a:pPr marL="457200" lvl="1" indent="0">
+              <a:buNone/>
+            </a:pPr>
+            <a:endParaRPr lang="de-DE" dirty="0"/>
+          </a:p>
+        </p:txBody>
+      </p:sp>
+      <p:pic>
+        <p:nvPicPr>
+          <p:cNvPr id="8" name="Picture 4" descr="C:\Users\Serhiy\Desktop\SE\doxyKommentar.png"/>
+          <p:cNvPicPr>
+            <a:picLocks noChangeAspect="1" noChangeArrowheads="1"/>
+          </p:cNvPicPr>
+          <p:nvPr/>
+        </p:nvPicPr>
+        <p:blipFill>
+          <a:blip r:embed="rId3" cstate="print"/>
+          <a:srcRect/>
+          <a:stretch>
+            <a:fillRect/>
+          </a:stretch>
+        </p:blipFill>
+        <p:spPr bwMode="auto">
+          <a:xfrm>
+            <a:off x="1524000" y="1983812"/>
+            <a:ext cx="9884229" cy="3981450"/>
+          </a:xfrm>
+          <a:prstGeom prst="rect">
+            <a:avLst/>
+          </a:prstGeom>
+          <a:noFill/>
+        </p:spPr>
+      </p:pic>
+    </p:spTree>
+    <p:extLst>
+      <p:ext uri="{BB962C8B-B14F-4D97-AF65-F5344CB8AC3E}">
+        <p14:creationId xmlns:p14="http://schemas.microsoft.com/office/powerpoint/2010/main" val="1836287674"/>
+      </p:ext>
+    </p:extLst>
+  </p:cSld>
+  <p:clrMapOvr>
+    <a:masterClrMapping/>
+  </p:clrMapOvr>
+  <p:timing>
+    <p:tnLst>
+      <p:par>
+        <p:cTn id="1" dur="indefinite" restart="never" nodeType="tmRoot"/>
+      </p:par>
+    </p:tnLst>
+  </p:timing>
+</p:sld>
+</file>
+
+<file path=ppt/slides/slide11.xml><?xml version="1.0" encoding="utf-8"?>
+<p:sld xmlns:a="http://schemas.openxmlformats.org/drawingml/2006/main" xmlns:r="http://schemas.openxmlformats.org/officeDocument/2006/relationships" xmlns:p="http://schemas.openxmlformats.org/presentationml/2006/main">
+  <p:cSld>
+    <p:spTree>
+      <p:nvGrpSpPr>
+        <p:cNvPr id="1" name=""/>
+        <p:cNvGrpSpPr/>
+        <p:nvPr/>
+      </p:nvGrpSpPr>
+      <p:grpSpPr>
+        <a:xfrm>
+          <a:off x="0" y="0"/>
+          <a:ext cx="0" cy="0"/>
+          <a:chOff x="0" y="0"/>
+          <a:chExt cx="0" cy="0"/>
+        </a:xfrm>
+      </p:grpSpPr>
+      <p:sp>
+        <p:nvSpPr>
+          <p:cNvPr id="3" name="Содержимое 2"/>
+          <p:cNvSpPr>
+            <a:spLocks noGrp="1"/>
+          </p:cNvSpPr>
+          <p:nvPr>
+            <p:ph idx="1"/>
+          </p:nvPr>
+        </p:nvSpPr>
+        <p:spPr/>
+        <p:txBody>
+          <a:bodyPr/>
+          <a:lstStyle/>
+          <a:p>
+            <a:r>
+              <a:rPr lang="de-DE" dirty="0" smtClean="0"/>
+              <a:t>Vorgehensweise</a:t>
+            </a:r>
+            <a:endParaRPr lang="de-DE" dirty="0"/>
+          </a:p>
+        </p:txBody>
+      </p:sp>
+      <p:sp>
+        <p:nvSpPr>
+          <p:cNvPr id="4" name="Заголовок 1"/>
+          <p:cNvSpPr>
+            <a:spLocks noGrp="1"/>
+          </p:cNvSpPr>
+          <p:nvPr>
+            <p:ph type="title"/>
+          </p:nvPr>
+        </p:nvSpPr>
+        <p:spPr>
+          <a:solidFill>
+            <a:schemeClr val="tx2">
+              <a:lumMod val="20000"/>
+              <a:lumOff val="80000"/>
+            </a:schemeClr>
+          </a:solidFill>
+        </p:spPr>
+        <p:txBody>
+          <a:bodyPr/>
+          <a:lstStyle/>
+          <a:p>
+            <a:r>
+              <a:rPr lang="de-DE" dirty="0" smtClean="0">
+                <a:solidFill>
+                  <a:srgbClr val="183BD2"/>
+                </a:solidFill>
+              </a:rPr>
+              <a:t>Entwicklerdokumentation(2)</a:t>
+            </a:r>
+            <a:endParaRPr lang="de-DE" dirty="0"/>
+          </a:p>
+        </p:txBody>
+      </p:sp>
+      <p:pic>
+        <p:nvPicPr>
+          <p:cNvPr id="2050" name="Picture 2" descr="C:\Users\Serhiy\Desktop\SE\doxyFenster.png"/>
+          <p:cNvPicPr>
+            <a:picLocks noChangeAspect="1" noChangeArrowheads="1"/>
+          </p:cNvPicPr>
+          <p:nvPr/>
+        </p:nvPicPr>
+        <p:blipFill>
+          <a:blip r:embed="rId2" cstate="print"/>
+          <a:srcRect/>
+          <a:stretch>
+            <a:fillRect/>
+          </a:stretch>
+        </p:blipFill>
+        <p:spPr bwMode="auto">
+          <a:xfrm>
+            <a:off x="888274" y="2204864"/>
+            <a:ext cx="10489475" cy="4581128"/>
+          </a:xfrm>
+          <a:prstGeom prst="rect">
+            <a:avLst/>
+          </a:prstGeom>
+          <a:noFill/>
+        </p:spPr>
+      </p:pic>
+    </p:spTree>
+  </p:cSld>
+  <p:clrMapOvr>
+    <a:masterClrMapping/>
+  </p:clrMapOvr>
+  <p:timing>
+    <p:tnLst>
+      <p:par>
+        <p:cTn id="1" dur="indefinite" restart="never" nodeType="tmRoot"/>
+      </p:par>
+    </p:tnLst>
+  </p:timing>
+</p:sld>
+</file>
+
+<file path=ppt/slides/slide12.xml><?xml version="1.0" encoding="utf-8"?>
+<p:sld xmlns:a="http://schemas.openxmlformats.org/drawingml/2006/main" xmlns:r="http://schemas.openxmlformats.org/officeDocument/2006/relationships" xmlns:p="http://schemas.openxmlformats.org/presentationml/2006/main">
+  <p:cSld>
+    <p:spTree>
+      <p:nvGrpSpPr>
+        <p:cNvPr id="1" name=""/>
+        <p:cNvGrpSpPr/>
+        <p:nvPr/>
+      </p:nvGrpSpPr>
+      <p:grpSpPr>
+        <a:xfrm>
+          <a:off x="0" y="0"/>
+          <a:ext cx="0" cy="0"/>
+          <a:chOff x="0" y="0"/>
+          <a:chExt cx="0" cy="0"/>
+        </a:xfrm>
+      </p:grpSpPr>
+      <p:sp>
+        <p:nvSpPr>
+          <p:cNvPr id="4" name="Заголовок 1"/>
+          <p:cNvSpPr>
+            <a:spLocks noGrp="1"/>
+          </p:cNvSpPr>
+          <p:nvPr>
+            <p:ph type="title"/>
+          </p:nvPr>
+        </p:nvSpPr>
+        <p:spPr>
+          <a:solidFill>
+            <a:schemeClr val="tx2">
+              <a:lumMod val="20000"/>
+              <a:lumOff val="80000"/>
+            </a:schemeClr>
+          </a:solidFill>
+        </p:spPr>
+        <p:txBody>
+          <a:bodyPr/>
+          <a:lstStyle/>
+          <a:p>
+            <a:r>
+              <a:rPr lang="de-DE" dirty="0" smtClean="0">
+                <a:solidFill>
+                  <a:srgbClr val="183BD2"/>
+                </a:solidFill>
+              </a:rPr>
+              <a:t>Entwicklerdokumentation(3)</a:t>
+            </a:r>
+            <a:endParaRPr lang="de-DE" dirty="0"/>
+          </a:p>
+        </p:txBody>
+      </p:sp>
+      <p:sp>
+        <p:nvSpPr>
+          <p:cNvPr id="6" name="Содержимое 5"/>
+          <p:cNvSpPr>
+            <a:spLocks noGrp="1"/>
+          </p:cNvSpPr>
+          <p:nvPr>
+            <p:ph idx="1"/>
+          </p:nvPr>
+        </p:nvSpPr>
+        <p:spPr/>
+        <p:txBody>
+          <a:bodyPr/>
+          <a:lstStyle/>
+          <a:p>
+            <a:r>
+              <a:rPr lang="de-DE" dirty="0" smtClean="0"/>
+              <a:t>Generierte Dokumentation</a:t>
+            </a:r>
+            <a:endParaRPr lang="de-DE" dirty="0"/>
+          </a:p>
+        </p:txBody>
+      </p:sp>
+      <p:pic>
+        <p:nvPicPr>
+          <p:cNvPr id="3074" name="Picture 2" descr="C:\Users\Serhiy\Desktop\SE\doxyFertig.png"/>
+          <p:cNvPicPr>
+            <a:picLocks noChangeAspect="1" noChangeArrowheads="1"/>
+          </p:cNvPicPr>
+          <p:nvPr/>
+        </p:nvPicPr>
+        <p:blipFill>
+          <a:blip r:embed="rId2" cstate="print"/>
+          <a:srcRect/>
+          <a:stretch>
+            <a:fillRect/>
+          </a:stretch>
+        </p:blipFill>
+        <p:spPr bwMode="auto">
+          <a:xfrm>
+            <a:off x="815413" y="2348880"/>
+            <a:ext cx="10657184" cy="3744416"/>
+          </a:xfrm>
+          <a:prstGeom prst="rect">
+            <a:avLst/>
+          </a:prstGeom>
+          <a:noFill/>
+        </p:spPr>
+      </p:pic>
+    </p:spTree>
+  </p:cSld>
+  <p:clrMapOvr>
+    <a:masterClrMapping/>
+  </p:clrMapOvr>
+  <p:timing>
+    <p:tnLst>
+      <p:par>
+        <p:cTn id="1" dur="indefinite" restart="never" nodeType="tmRoot"/>
+      </p:par>
+    </p:tnLst>
+  </p:timing>
+</p:sld>
+</file>
+
+<file path=ppt/slides/slide13.xml><?xml version="1.0" encoding="utf-8"?>
+<p:sld xmlns:a="http://schemas.openxmlformats.org/drawingml/2006/main" xmlns:r="http://schemas.openxmlformats.org/officeDocument/2006/relationships" xmlns:p="http://schemas.openxmlformats.org/presentationml/2006/main">
+  <p:cSld>
+    <p:spTree>
+      <p:nvGrpSpPr>
+        <p:cNvPr id="1" name=""/>
+        <p:cNvGrpSpPr/>
+        <p:nvPr/>
+      </p:nvGrpSpPr>
+      <p:grpSpPr>
+        <a:xfrm>
+          <a:off x="0" y="0"/>
+          <a:ext cx="0" cy="0"/>
+          <a:chOff x="0" y="0"/>
+          <a:chExt cx="0" cy="0"/>
+        </a:xfrm>
+      </p:grpSpPr>
+      <p:pic>
+        <p:nvPicPr>
+          <p:cNvPr id="5" name="Содержимое 4" descr="doxyFertig2.png"/>
+          <p:cNvPicPr>
+            <a:picLocks noGrp="1" noChangeAspect="1"/>
+          </p:cNvPicPr>
+          <p:nvPr>
+            <p:ph idx="1"/>
+          </p:nvPr>
+        </p:nvPicPr>
+        <p:blipFill>
+          <a:blip r:embed="rId2" cstate="print"/>
+          <a:stretch>
+            <a:fillRect/>
+          </a:stretch>
+        </p:blipFill>
+        <p:spPr>
+          <a:xfrm>
+            <a:off x="914400" y="2509952"/>
+            <a:ext cx="10437223" cy="2706461"/>
+          </a:xfrm>
+        </p:spPr>
+      </p:pic>
+      <p:sp>
+        <p:nvSpPr>
+          <p:cNvPr id="4" name="Заголовок 1"/>
+          <p:cNvSpPr>
+            <a:spLocks noGrp="1"/>
+          </p:cNvSpPr>
+          <p:nvPr>
+            <p:ph type="title"/>
+          </p:nvPr>
+        </p:nvSpPr>
+        <p:spPr>
+          <a:solidFill>
+            <a:schemeClr val="tx2">
+              <a:lumMod val="20000"/>
+              <a:lumOff val="80000"/>
+            </a:schemeClr>
+          </a:solidFill>
+        </p:spPr>
+        <p:txBody>
+          <a:bodyPr/>
+          <a:lstStyle/>
+          <a:p>
+            <a:r>
+              <a:rPr lang="de-DE" dirty="0" smtClean="0">
+                <a:solidFill>
+                  <a:srgbClr val="183BD2"/>
+                </a:solidFill>
+              </a:rPr>
+              <a:t>Entwicklerdokumentation(4)</a:t>
+            </a:r>
+            <a:endParaRPr lang="de-DE" dirty="0"/>
+          </a:p>
+        </p:txBody>
+      </p:sp>
+    </p:spTree>
+  </p:cSld>
+  <p:clrMapOvr>
+    <a:masterClrMapping/>
+  </p:clrMapOvr>
+  <p:timing>
+    <p:tnLst>
+      <p:par>
+        <p:cTn id="1" dur="indefinite" restart="never" nodeType="tmRoot"/>
+      </p:par>
+    </p:tnLst>
+  </p:timing>
+</p:sld>
+</file>
+
+<file path=ppt/slides/slide14.xml><?xml version="1.0" encoding="utf-8"?>
+<p:sld xmlns:a="http://schemas.openxmlformats.org/drawingml/2006/main" xmlns:r="http://schemas.openxmlformats.org/officeDocument/2006/relationships" xmlns:p="http://schemas.openxmlformats.org/presentationml/2006/main">
+  <p:cSld>
+    <p:spTree>
+      <p:nvGrpSpPr>
+        <p:cNvPr id="1" name=""/>
+        <p:cNvGrpSpPr/>
+        <p:nvPr/>
+      </p:nvGrpSpPr>
+      <p:grpSpPr>
+        <a:xfrm>
+          <a:off x="0" y="0"/>
+          <a:ext cx="0" cy="0"/>
+          <a:chOff x="0" y="0"/>
+          <a:chExt cx="0" cy="0"/>
+        </a:xfrm>
+      </p:grpSpPr>
+      <p:sp>
+        <p:nvSpPr>
+          <p:cNvPr id="2" name="Titel 1"/>
+          <p:cNvSpPr>
+            <a:spLocks noGrp="1"/>
+          </p:cNvSpPr>
+          <p:nvPr>
+            <p:ph type="title"/>
+          </p:nvPr>
+        </p:nvSpPr>
+        <p:spPr>
+          <a:xfrm>
+            <a:off x="866607" y="201371"/>
+            <a:ext cx="7564276" cy="690024"/>
+          </a:xfrm>
+        </p:spPr>
+        <p:txBody>
+          <a:bodyPr>
+            <a:normAutofit fontScale="90000"/>
+          </a:bodyPr>
+          <a:lstStyle/>
+          <a:p>
+            <a:r>
+              <a:rPr lang="de-DE" dirty="0" smtClean="0"/>
+              <a:t>Verwendete Softwaretools</a:t>
+            </a:r>
+            <a:endParaRPr lang="de-DE" dirty="0"/>
+          </a:p>
+        </p:txBody>
+      </p:sp>
+      <p:sp>
+        <p:nvSpPr>
+          <p:cNvPr id="3" name="Inhaltsplatzhalter 2"/>
+          <p:cNvSpPr>
+            <a:spLocks noGrp="1"/>
+          </p:cNvSpPr>
+          <p:nvPr>
+            <p:ph idx="1"/>
+          </p:nvPr>
+        </p:nvSpPr>
+        <p:spPr>
+          <a:xfrm>
+            <a:off x="1524000" y="1365550"/>
+            <a:ext cx="2543702" cy="4023084"/>
+          </a:xfrm>
+        </p:spPr>
+        <p:txBody>
+          <a:bodyPr>
+            <a:normAutofit lnSpcReduction="10000"/>
+          </a:bodyPr>
+          <a:lstStyle/>
+          <a:p>
+            <a:endParaRPr lang="de-DE" dirty="0"/>
+          </a:p>
+          <a:p>
+            <a:r>
+              <a:rPr lang="de-DE" dirty="0" err="1" smtClean="0"/>
+              <a:t>GitHub</a:t>
+            </a:r>
+            <a:endParaRPr lang="de-DE" dirty="0" smtClean="0"/>
+          </a:p>
+          <a:p>
+            <a:r>
+              <a:rPr lang="de-DE" dirty="0" err="1"/>
+              <a:t>Topcased</a:t>
+            </a:r>
+            <a:endParaRPr lang="de-DE" dirty="0"/>
+          </a:p>
+          <a:p>
+            <a:r>
+              <a:rPr lang="de-DE" dirty="0" err="1" smtClean="0"/>
+              <a:t>NinjaMock</a:t>
+            </a:r>
+            <a:endParaRPr lang="de-DE" dirty="0" smtClean="0"/>
+          </a:p>
+          <a:p>
+            <a:r>
+              <a:rPr lang="de-DE" dirty="0" err="1" smtClean="0"/>
+              <a:t>Eclipse</a:t>
+            </a:r>
+            <a:r>
+              <a:rPr lang="de-DE" dirty="0" smtClean="0"/>
+              <a:t> </a:t>
+            </a:r>
+          </a:p>
+          <a:p>
+            <a:r>
+              <a:rPr lang="de-DE" dirty="0" err="1" smtClean="0"/>
+              <a:t>Gradle</a:t>
+            </a:r>
+            <a:endParaRPr lang="de-DE" dirty="0" smtClean="0"/>
+          </a:p>
+          <a:p>
+            <a:r>
+              <a:rPr lang="de-DE" dirty="0" err="1" smtClean="0"/>
+              <a:t>JUnit</a:t>
+            </a:r>
+            <a:endParaRPr lang="de-DE" dirty="0" smtClean="0"/>
+          </a:p>
+          <a:p>
+            <a:r>
+              <a:rPr lang="de-DE" dirty="0" err="1" smtClean="0"/>
+              <a:t>Doxygen</a:t>
+            </a:r>
+            <a:endParaRPr lang="de-DE" dirty="0" smtClean="0"/>
+          </a:p>
+        </p:txBody>
+      </p:sp>
+      <p:pic>
+        <p:nvPicPr>
+          <p:cNvPr id="4" name="Grafik 3"/>
+          <p:cNvPicPr>
+            <a:picLocks noChangeAspect="1"/>
+          </p:cNvPicPr>
+          <p:nvPr/>
+        </p:nvPicPr>
+        <p:blipFill>
+          <a:blip r:embed="rId2" cstate="print">
+            <a:extLst>
+              <a:ext uri="{28A0092B-C50C-407E-A947-70E740481C1C}">
+                <a14:useLocalDpi xmlns:a14="http://schemas.microsoft.com/office/drawing/2010/main" val="0"/>
+              </a:ext>
+            </a:extLst>
+          </a:blip>
+          <a:stretch>
+            <a:fillRect/>
+          </a:stretch>
+        </p:blipFill>
+        <p:spPr>
+          <a:xfrm>
+            <a:off x="17595" y="3325"/>
+            <a:ext cx="849012" cy="851140"/>
+          </a:xfrm>
+          <a:prstGeom prst="rect">
+            <a:avLst/>
+          </a:prstGeom>
+          <a:effectLst/>
+        </p:spPr>
+      </p:pic>
+      <p:cxnSp>
+        <p:nvCxnSpPr>
+          <p:cNvPr id="5" name="Gerader Verbinder 4"/>
+          <p:cNvCxnSpPr/>
+          <p:nvPr/>
+        </p:nvCxnSpPr>
+        <p:spPr>
+          <a:xfrm>
+            <a:off x="0" y="879893"/>
+            <a:ext cx="10668000" cy="0"/>
+          </a:xfrm>
+          <a:prstGeom prst="line">
+            <a:avLst/>
+          </a:prstGeom>
+        </p:spPr>
+        <p:style>
+          <a:lnRef idx="3">
+            <a:schemeClr val="accent2"/>
+          </a:lnRef>
+          <a:fillRef idx="0">
+            <a:schemeClr val="accent2"/>
+          </a:fillRef>
+          <a:effectRef idx="2">
+            <a:schemeClr val="accent2"/>
+          </a:effectRef>
+          <a:fontRef idx="minor">
+            <a:schemeClr val="tx1"/>
+          </a:fontRef>
+        </p:style>
+      </p:cxnSp>
+      <p:cxnSp>
+        <p:nvCxnSpPr>
+          <p:cNvPr id="6" name="Gerader Verbinder 5"/>
+          <p:cNvCxnSpPr/>
+          <p:nvPr/>
+        </p:nvCxnSpPr>
+        <p:spPr>
+          <a:xfrm>
+            <a:off x="1524000" y="6311660"/>
+            <a:ext cx="10668000" cy="0"/>
+          </a:xfrm>
+          <a:prstGeom prst="line">
+            <a:avLst/>
+          </a:prstGeom>
+        </p:spPr>
+        <p:style>
+          <a:lnRef idx="3">
+            <a:schemeClr val="accent2"/>
+          </a:lnRef>
+          <a:fillRef idx="0">
+            <a:schemeClr val="accent2"/>
+          </a:fillRef>
+          <a:effectRef idx="2">
+            <a:schemeClr val="accent2"/>
+          </a:effectRef>
+          <a:fontRef idx="minor">
+            <a:schemeClr val="tx1"/>
+          </a:fontRef>
+        </p:style>
+      </p:cxnSp>
+    </p:spTree>
+    <p:extLst>
+      <p:ext uri="{BB962C8B-B14F-4D97-AF65-F5344CB8AC3E}">
+        <p14:creationId xmlns:p14="http://schemas.microsoft.com/office/powerpoint/2010/main" val="3592684440"/>
+      </p:ext>
+    </p:extLst>
+  </p:cSld>
+  <p:clrMapOvr>
+    <a:masterClrMapping/>
+  </p:clrMapOvr>
+  <p:timing>
+    <p:tnLst>
+      <p:par>
+        <p:cTn id="1" dur="indefinite" restart="never" nodeType="tmRoot"/>
+      </p:par>
+    </p:tnLst>
+  </p:timing>
+</p:sld>
+</file>
+
+<file path=ppt/slides/slide15.xml><?xml version="1.0" encoding="utf-8"?>
+<p:sld xmlns:a="http://schemas.openxmlformats.org/drawingml/2006/main" xmlns:r="http://schemas.openxmlformats.org/officeDocument/2006/relationships" xmlns:p="http://schemas.openxmlformats.org/presentationml/2006/main">
+  <p:cSld>
+    <p:spTree>
+      <p:nvGrpSpPr>
+        <p:cNvPr id="1" name=""/>
+        <p:cNvGrpSpPr/>
+        <p:nvPr/>
+      </p:nvGrpSpPr>
+      <p:grpSpPr>
+        <a:xfrm>
+          <a:off x="0" y="0"/>
+          <a:ext cx="0" cy="0"/>
+          <a:chOff x="0" y="0"/>
+          <a:chExt cx="0" cy="0"/>
+        </a:xfrm>
+      </p:grpSpPr>
+      <p:sp>
+        <p:nvSpPr>
+          <p:cNvPr id="2" name="Titel 1"/>
+          <p:cNvSpPr>
+            <a:spLocks noGrp="1"/>
+          </p:cNvSpPr>
+          <p:nvPr>
+            <p:ph type="title"/>
+          </p:nvPr>
+        </p:nvSpPr>
+        <p:spPr>
+          <a:xfrm>
+            <a:off x="866607" y="201371"/>
+            <a:ext cx="7564276" cy="690024"/>
+          </a:xfrm>
+        </p:spPr>
+        <p:txBody>
+          <a:bodyPr>
+            <a:normAutofit fontScale="90000"/>
+          </a:bodyPr>
+          <a:lstStyle/>
+          <a:p>
+            <a:r>
+              <a:rPr lang="de-DE" dirty="0"/>
+              <a:t>Verwendete SWT - </a:t>
+            </a:r>
+            <a:r>
+              <a:rPr lang="de-DE" dirty="0" err="1" smtClean="0"/>
+              <a:t>GitHub</a:t>
+            </a:r>
+            <a:endParaRPr lang="de-DE" dirty="0"/>
+          </a:p>
+        </p:txBody>
+      </p:sp>
+      <p:sp>
+        <p:nvSpPr>
+          <p:cNvPr id="3" name="Inhaltsplatzhalter 2"/>
+          <p:cNvSpPr>
+            <a:spLocks noGrp="1"/>
+          </p:cNvSpPr>
+          <p:nvPr>
+            <p:ph idx="1"/>
+          </p:nvPr>
+        </p:nvSpPr>
+        <p:spPr>
+          <a:xfrm>
+            <a:off x="8603411" y="1167318"/>
+            <a:ext cx="2800710" cy="2869846"/>
+          </a:xfrm>
+        </p:spPr>
+        <p:txBody>
+          <a:bodyPr>
+            <a:normAutofit/>
+          </a:bodyPr>
+          <a:lstStyle/>
+          <a:p>
+            <a:r>
+              <a:rPr lang="de-DE" i="1" dirty="0" smtClean="0"/>
+              <a:t>verbreiteter </a:t>
+            </a:r>
+          </a:p>
+          <a:p>
+            <a:r>
+              <a:rPr lang="de-DE" i="1" dirty="0"/>
+              <a:t>s</a:t>
+            </a:r>
+            <a:r>
+              <a:rPr lang="de-DE" i="1" dirty="0" smtClean="0"/>
+              <a:t>chnell</a:t>
+            </a:r>
+          </a:p>
+          <a:p>
+            <a:r>
+              <a:rPr lang="de-DE" i="1" dirty="0" smtClean="0"/>
+              <a:t>effizient </a:t>
+            </a:r>
+          </a:p>
+          <a:p>
+            <a:r>
+              <a:rPr lang="de-DE" i="1" dirty="0" smtClean="0"/>
+              <a:t>verfügt über Desktopversion</a:t>
+            </a:r>
+            <a:endParaRPr lang="de-DE" dirty="0"/>
+          </a:p>
+        </p:txBody>
+      </p:sp>
+      <p:pic>
+        <p:nvPicPr>
+          <p:cNvPr id="4" name="Grafik 3"/>
+          <p:cNvPicPr>
+            <a:picLocks noChangeAspect="1"/>
+          </p:cNvPicPr>
+          <p:nvPr/>
+        </p:nvPicPr>
+        <p:blipFill>
+          <a:blip r:embed="rId2" cstate="print">
+            <a:extLst>
+              <a:ext uri="{28A0092B-C50C-407E-A947-70E740481C1C}">
+                <a14:useLocalDpi xmlns:a14="http://schemas.microsoft.com/office/drawing/2010/main" val="0"/>
+              </a:ext>
+            </a:extLst>
+          </a:blip>
+          <a:stretch>
+            <a:fillRect/>
+          </a:stretch>
+        </p:blipFill>
+        <p:spPr>
+          <a:xfrm>
+            <a:off x="17595" y="3325"/>
+            <a:ext cx="849012" cy="851140"/>
+          </a:xfrm>
+          <a:prstGeom prst="rect">
+            <a:avLst/>
+          </a:prstGeom>
+          <a:effectLst/>
+        </p:spPr>
+      </p:pic>
+      <p:cxnSp>
+        <p:nvCxnSpPr>
+          <p:cNvPr id="5" name="Gerader Verbinder 4"/>
+          <p:cNvCxnSpPr/>
+          <p:nvPr/>
+        </p:nvCxnSpPr>
+        <p:spPr>
+          <a:xfrm>
+            <a:off x="0" y="879893"/>
+            <a:ext cx="10668000" cy="0"/>
+          </a:xfrm>
+          <a:prstGeom prst="line">
+            <a:avLst/>
+          </a:prstGeom>
+        </p:spPr>
+        <p:style>
+          <a:lnRef idx="3">
+            <a:schemeClr val="accent2"/>
+          </a:lnRef>
+          <a:fillRef idx="0">
+            <a:schemeClr val="accent2"/>
+          </a:fillRef>
+          <a:effectRef idx="2">
+            <a:schemeClr val="accent2"/>
+          </a:effectRef>
+          <a:fontRef idx="minor">
+            <a:schemeClr val="tx1"/>
+          </a:fontRef>
+        </p:style>
+      </p:cxnSp>
+      <p:cxnSp>
+        <p:nvCxnSpPr>
+          <p:cNvPr id="6" name="Gerader Verbinder 5"/>
+          <p:cNvCxnSpPr/>
+          <p:nvPr/>
+        </p:nvCxnSpPr>
+        <p:spPr>
+          <a:xfrm>
+            <a:off x="1524000" y="6311660"/>
+            <a:ext cx="10668000" cy="0"/>
+          </a:xfrm>
+          <a:prstGeom prst="line">
+            <a:avLst/>
+          </a:prstGeom>
+        </p:spPr>
+        <p:style>
+          <a:lnRef idx="3">
+            <a:schemeClr val="accent2"/>
+          </a:lnRef>
+          <a:fillRef idx="0">
+            <a:schemeClr val="accent2"/>
+          </a:fillRef>
+          <a:effectRef idx="2">
+            <a:schemeClr val="accent2"/>
+          </a:effectRef>
+          <a:fontRef idx="minor">
+            <a:schemeClr val="tx1"/>
+          </a:fontRef>
+        </p:style>
+      </p:cxnSp>
+      <p:pic>
+        <p:nvPicPr>
+          <p:cNvPr id="7" name="Grafik 6"/>
+          <p:cNvPicPr>
+            <a:picLocks noChangeAspect="1"/>
+          </p:cNvPicPr>
+          <p:nvPr/>
+        </p:nvPicPr>
+        <p:blipFill>
+          <a:blip r:embed="rId3" cstate="print">
+            <a:extLst>
+              <a:ext uri="{28A0092B-C50C-407E-A947-70E740481C1C}">
+                <a14:useLocalDpi xmlns:a14="http://schemas.microsoft.com/office/drawing/2010/main" val="0"/>
+              </a:ext>
+            </a:extLst>
+          </a:blip>
+          <a:stretch>
+            <a:fillRect/>
+          </a:stretch>
+        </p:blipFill>
+        <p:spPr>
+          <a:xfrm>
+            <a:off x="1285488" y="1167318"/>
+            <a:ext cx="7145395" cy="4690257"/>
+          </a:xfrm>
+          <a:prstGeom prst="rect">
+            <a:avLst/>
+          </a:prstGeom>
+        </p:spPr>
+      </p:pic>
+    </p:spTree>
+    <p:extLst>
+      <p:ext uri="{BB962C8B-B14F-4D97-AF65-F5344CB8AC3E}">
+        <p14:creationId xmlns:p14="http://schemas.microsoft.com/office/powerpoint/2010/main" val="1565029412"/>
+      </p:ext>
+    </p:extLst>
+  </p:cSld>
+  <p:clrMapOvr>
+    <a:masterClrMapping/>
+  </p:clrMapOvr>
+  <p:timing>
+    <p:tnLst>
+      <p:par>
+        <p:cTn id="1" dur="indefinite" restart="never" nodeType="tmRoot"/>
+      </p:par>
+    </p:tnLst>
+  </p:timing>
+</p:sld>
+</file>
+
+<file path=ppt/slides/slide16.xml><?xml version="1.0" encoding="utf-8"?>
+<p:sld xmlns:a="http://schemas.openxmlformats.org/drawingml/2006/main" xmlns:r="http://schemas.openxmlformats.org/officeDocument/2006/relationships" xmlns:p="http://schemas.openxmlformats.org/presentationml/2006/main">
+  <p:cSld>
+    <p:spTree>
+      <p:nvGrpSpPr>
+        <p:cNvPr id="1" name=""/>
+        <p:cNvGrpSpPr/>
+        <p:nvPr/>
+      </p:nvGrpSpPr>
+      <p:grpSpPr>
+        <a:xfrm>
+          <a:off x="0" y="0"/>
+          <a:ext cx="0" cy="0"/>
+          <a:chOff x="0" y="0"/>
+          <a:chExt cx="0" cy="0"/>
+        </a:xfrm>
+      </p:grpSpPr>
+      <p:sp>
+        <p:nvSpPr>
+          <p:cNvPr id="2" name="Titel 1"/>
+          <p:cNvSpPr>
+            <a:spLocks noGrp="1"/>
+          </p:cNvSpPr>
+          <p:nvPr>
+            <p:ph type="title"/>
+          </p:nvPr>
+        </p:nvSpPr>
+        <p:spPr>
+          <a:xfrm>
+            <a:off x="866607" y="201371"/>
+            <a:ext cx="7564276" cy="690024"/>
+          </a:xfrm>
+        </p:spPr>
+        <p:txBody>
+          <a:bodyPr>
+            <a:normAutofit fontScale="90000"/>
+          </a:bodyPr>
+          <a:lstStyle/>
+          <a:p>
+            <a:r>
+              <a:rPr lang="de-DE" dirty="0"/>
+              <a:t>Verwendete SWT - </a:t>
+            </a:r>
+            <a:r>
+              <a:rPr lang="de-DE" dirty="0" err="1" smtClean="0"/>
+              <a:t>NinjaMock</a:t>
+            </a:r>
+            <a:endParaRPr lang="de-DE" dirty="0"/>
+          </a:p>
+        </p:txBody>
+      </p:sp>
+      <p:sp>
+        <p:nvSpPr>
+          <p:cNvPr id="3" name="Inhaltsplatzhalter 2"/>
+          <p:cNvSpPr>
+            <a:spLocks noGrp="1"/>
+          </p:cNvSpPr>
+          <p:nvPr>
+            <p:ph idx="1"/>
+          </p:nvPr>
+        </p:nvSpPr>
+        <p:spPr>
+          <a:xfrm>
+            <a:off x="8925463" y="1296538"/>
+            <a:ext cx="3266537" cy="4707033"/>
+          </a:xfrm>
+        </p:spPr>
+        <p:txBody>
+          <a:bodyPr/>
+          <a:lstStyle/>
+          <a:p>
+            <a:r>
+              <a:rPr lang="de-DE" dirty="0" smtClean="0"/>
+              <a:t>Online verfügbar</a:t>
+            </a:r>
+          </a:p>
+          <a:p>
+            <a:r>
+              <a:rPr lang="de-DE" dirty="0" smtClean="0"/>
+              <a:t>Gleichzeitiges Arbeiten mehrerer Benutzer möglich</a:t>
+            </a:r>
+          </a:p>
+          <a:p>
+            <a:r>
+              <a:rPr lang="de-DE" dirty="0" smtClean="0"/>
+              <a:t>Intuitiv</a:t>
+            </a:r>
+          </a:p>
+          <a:p>
+            <a:r>
+              <a:rPr lang="de-DE" dirty="0" smtClean="0"/>
+              <a:t>unkompliziert</a:t>
+            </a:r>
+            <a:endParaRPr lang="de-DE" dirty="0"/>
+          </a:p>
+        </p:txBody>
+      </p:sp>
+      <p:pic>
+        <p:nvPicPr>
+          <p:cNvPr id="4" name="Grafik 3"/>
+          <p:cNvPicPr>
+            <a:picLocks noChangeAspect="1"/>
+          </p:cNvPicPr>
+          <p:nvPr/>
+        </p:nvPicPr>
+        <p:blipFill>
+          <a:blip r:embed="rId2" cstate="print">
+            <a:extLst>
+              <a:ext uri="{28A0092B-C50C-407E-A947-70E740481C1C}">
+                <a14:useLocalDpi xmlns:a14="http://schemas.microsoft.com/office/drawing/2010/main" val="0"/>
+              </a:ext>
+            </a:extLst>
+          </a:blip>
+          <a:stretch>
+            <a:fillRect/>
+          </a:stretch>
+        </p:blipFill>
+        <p:spPr>
+          <a:xfrm>
+            <a:off x="17595" y="3325"/>
+            <a:ext cx="849012" cy="851140"/>
+          </a:xfrm>
+          <a:prstGeom prst="rect">
+            <a:avLst/>
+          </a:prstGeom>
+          <a:effectLst/>
+        </p:spPr>
+      </p:pic>
+      <p:cxnSp>
+        <p:nvCxnSpPr>
+          <p:cNvPr id="5" name="Gerader Verbinder 4"/>
+          <p:cNvCxnSpPr/>
+          <p:nvPr/>
+        </p:nvCxnSpPr>
+        <p:spPr>
+          <a:xfrm>
+            <a:off x="0" y="879893"/>
+            <a:ext cx="10668000" cy="0"/>
+          </a:xfrm>
+          <a:prstGeom prst="line">
+            <a:avLst/>
+          </a:prstGeom>
+        </p:spPr>
+        <p:style>
+          <a:lnRef idx="3">
+            <a:schemeClr val="accent2"/>
+          </a:lnRef>
+          <a:fillRef idx="0">
+            <a:schemeClr val="accent2"/>
+          </a:fillRef>
+          <a:effectRef idx="2">
+            <a:schemeClr val="accent2"/>
+          </a:effectRef>
+          <a:fontRef idx="minor">
+            <a:schemeClr val="tx1"/>
+          </a:fontRef>
+        </p:style>
+      </p:cxnSp>
+      <p:cxnSp>
+        <p:nvCxnSpPr>
+          <p:cNvPr id="6" name="Gerader Verbinder 5"/>
+          <p:cNvCxnSpPr/>
+          <p:nvPr/>
+        </p:nvCxnSpPr>
+        <p:spPr>
+          <a:xfrm>
+            <a:off x="1524000" y="6311660"/>
+            <a:ext cx="10668000" cy="0"/>
+          </a:xfrm>
+          <a:prstGeom prst="line">
+            <a:avLst/>
+          </a:prstGeom>
+        </p:spPr>
+        <p:style>
+          <a:lnRef idx="3">
+            <a:schemeClr val="accent2"/>
+          </a:lnRef>
+          <a:fillRef idx="0">
+            <a:schemeClr val="accent2"/>
+          </a:fillRef>
+          <a:effectRef idx="2">
+            <a:schemeClr val="accent2"/>
+          </a:effectRef>
+          <a:fontRef idx="minor">
+            <a:schemeClr val="tx1"/>
+          </a:fontRef>
+        </p:style>
+      </p:cxnSp>
+      <p:pic>
+        <p:nvPicPr>
+          <p:cNvPr id="7" name="Grafik 6"/>
+          <p:cNvPicPr>
+            <a:picLocks noChangeAspect="1"/>
+          </p:cNvPicPr>
+          <p:nvPr/>
+        </p:nvPicPr>
+        <p:blipFill>
+          <a:blip r:embed="rId3" cstate="print">
+            <a:extLst>
+              <a:ext uri="{28A0092B-C50C-407E-A947-70E740481C1C}">
+                <a14:useLocalDpi xmlns:a14="http://schemas.microsoft.com/office/drawing/2010/main" val="0"/>
+              </a:ext>
+            </a:extLst>
+          </a:blip>
+          <a:stretch>
+            <a:fillRect/>
+          </a:stretch>
+        </p:blipFill>
+        <p:spPr>
+          <a:xfrm>
+            <a:off x="651839" y="1250886"/>
+            <a:ext cx="7993811" cy="4689781"/>
+          </a:xfrm>
+          <a:prstGeom prst="rect">
+            <a:avLst/>
+          </a:prstGeom>
+        </p:spPr>
+      </p:pic>
+    </p:spTree>
+    <p:extLst>
+      <p:ext uri="{BB962C8B-B14F-4D97-AF65-F5344CB8AC3E}">
+        <p14:creationId xmlns:p14="http://schemas.microsoft.com/office/powerpoint/2010/main" val="540480175"/>
+      </p:ext>
+    </p:extLst>
+  </p:cSld>
+  <p:clrMapOvr>
+    <a:masterClrMapping/>
+  </p:clrMapOvr>
+  <p:timing>
+    <p:tnLst>
+      <p:par>
+        <p:cTn id="1" dur="indefinite" restart="never" nodeType="tmRoot"/>
+      </p:par>
+    </p:tnLst>
+  </p:timing>
+</p:sld>
+</file>
+
+<file path=ppt/slides/slide17.xml><?xml version="1.0" encoding="utf-8"?>
+<p:sld xmlns:a="http://schemas.openxmlformats.org/drawingml/2006/main" xmlns:r="http://schemas.openxmlformats.org/officeDocument/2006/relationships" xmlns:p="http://schemas.openxmlformats.org/presentationml/2006/main">
+  <p:cSld>
+    <p:spTree>
+      <p:nvGrpSpPr>
+        <p:cNvPr id="1" name=""/>
+        <p:cNvGrpSpPr/>
+        <p:nvPr/>
+      </p:nvGrpSpPr>
+      <p:grpSpPr>
+        <a:xfrm>
+          <a:off x="0" y="0"/>
+          <a:ext cx="0" cy="0"/>
+          <a:chOff x="0" y="0"/>
+          <a:chExt cx="0" cy="0"/>
+        </a:xfrm>
+      </p:grpSpPr>
+      <p:sp>
+        <p:nvSpPr>
+          <p:cNvPr id="2" name="Titel 1"/>
+          <p:cNvSpPr>
+            <a:spLocks noGrp="1"/>
+          </p:cNvSpPr>
+          <p:nvPr>
+            <p:ph type="title"/>
+          </p:nvPr>
+        </p:nvSpPr>
+        <p:spPr>
+          <a:xfrm>
+            <a:off x="866607" y="201371"/>
+            <a:ext cx="6126540" cy="690024"/>
+          </a:xfrm>
+        </p:spPr>
+        <p:txBody>
+          <a:bodyPr>
+            <a:normAutofit fontScale="90000"/>
+          </a:bodyPr>
+          <a:lstStyle/>
+          <a:p>
+            <a:r>
+              <a:rPr lang="de-DE" dirty="0"/>
+              <a:t>Drittanbieter - Software</a:t>
+            </a:r>
+          </a:p>
+        </p:txBody>
+      </p:sp>
+      <p:sp>
+        <p:nvSpPr>
+          <p:cNvPr id="3" name="Inhaltsplatzhalter 2"/>
+          <p:cNvSpPr>
+            <a:spLocks noGrp="1"/>
+          </p:cNvSpPr>
+          <p:nvPr>
+            <p:ph idx="1"/>
+          </p:nvPr>
+        </p:nvSpPr>
+        <p:spPr>
+          <a:xfrm>
+            <a:off x="866607" y="1244780"/>
+            <a:ext cx="10515600" cy="4351338"/>
+          </a:xfrm>
+        </p:spPr>
+        <p:txBody>
+          <a:bodyPr/>
+          <a:lstStyle/>
+          <a:p>
+            <a:r>
+              <a:rPr lang="de-DE" dirty="0" err="1" smtClean="0"/>
+              <a:t>JSmooth</a:t>
+            </a:r>
+            <a:endParaRPr lang="de-DE" dirty="0" smtClean="0"/>
+          </a:p>
+          <a:p>
+            <a:pPr>
+              <a:buNone/>
+            </a:pPr>
+            <a:r>
+              <a:rPr lang="de-DE" dirty="0" smtClean="0"/>
+              <a:t>Download link: </a:t>
+            </a:r>
+            <a:r>
+              <a:rPr lang="de-DE" dirty="0" smtClean="0">
+                <a:solidFill>
+                  <a:schemeClr val="accent1">
+                    <a:lumMod val="75000"/>
+                  </a:schemeClr>
+                </a:solidFill>
+              </a:rPr>
+              <a:t>http://jsmooth.sourceforge.net/download.php</a:t>
+            </a:r>
+            <a:endParaRPr lang="de-DE" dirty="0">
+              <a:solidFill>
+                <a:schemeClr val="accent1">
+                  <a:lumMod val="75000"/>
+                </a:schemeClr>
+              </a:solidFill>
+            </a:endParaRPr>
+          </a:p>
+        </p:txBody>
+      </p:sp>
+      <p:pic>
+        <p:nvPicPr>
+          <p:cNvPr id="4" name="Grafik 3"/>
+          <p:cNvPicPr>
+            <a:picLocks noChangeAspect="1"/>
+          </p:cNvPicPr>
+          <p:nvPr/>
+        </p:nvPicPr>
+        <p:blipFill>
+          <a:blip r:embed="rId2" cstate="print">
+            <a:extLst>
+              <a:ext uri="{28A0092B-C50C-407E-A947-70E740481C1C}">
+                <a14:useLocalDpi xmlns:a14="http://schemas.microsoft.com/office/drawing/2010/main" val="0"/>
+              </a:ext>
+            </a:extLst>
+          </a:blip>
+          <a:stretch>
+            <a:fillRect/>
+          </a:stretch>
+        </p:blipFill>
+        <p:spPr>
+          <a:xfrm>
+            <a:off x="17595" y="3325"/>
+            <a:ext cx="849012" cy="851140"/>
+          </a:xfrm>
+          <a:prstGeom prst="rect">
+            <a:avLst/>
+          </a:prstGeom>
+          <a:effectLst/>
+        </p:spPr>
+      </p:pic>
+      <p:cxnSp>
+        <p:nvCxnSpPr>
+          <p:cNvPr id="5" name="Gerader Verbinder 4"/>
+          <p:cNvCxnSpPr/>
+          <p:nvPr/>
+        </p:nvCxnSpPr>
+        <p:spPr>
+          <a:xfrm>
+            <a:off x="0" y="879893"/>
+            <a:ext cx="10668000" cy="0"/>
+          </a:xfrm>
+          <a:prstGeom prst="line">
+            <a:avLst/>
+          </a:prstGeom>
+        </p:spPr>
+        <p:style>
+          <a:lnRef idx="3">
+            <a:schemeClr val="accent2"/>
+          </a:lnRef>
+          <a:fillRef idx="0">
+            <a:schemeClr val="accent2"/>
+          </a:fillRef>
+          <a:effectRef idx="2">
+            <a:schemeClr val="accent2"/>
+          </a:effectRef>
+          <a:fontRef idx="minor">
+            <a:schemeClr val="tx1"/>
+          </a:fontRef>
+        </p:style>
+      </p:cxnSp>
+      <p:cxnSp>
+        <p:nvCxnSpPr>
+          <p:cNvPr id="6" name="Gerader Verbinder 5"/>
+          <p:cNvCxnSpPr/>
+          <p:nvPr/>
+        </p:nvCxnSpPr>
+        <p:spPr>
+          <a:xfrm>
+            <a:off x="1524000" y="6311660"/>
+            <a:ext cx="10668000" cy="0"/>
+          </a:xfrm>
+          <a:prstGeom prst="line">
+            <a:avLst/>
+          </a:prstGeom>
+        </p:spPr>
+        <p:style>
+          <a:lnRef idx="3">
+            <a:schemeClr val="accent2"/>
+          </a:lnRef>
+          <a:fillRef idx="0">
+            <a:schemeClr val="accent2"/>
+          </a:fillRef>
+          <a:effectRef idx="2">
+            <a:schemeClr val="accent2"/>
+          </a:effectRef>
+          <a:fontRef idx="minor">
+            <a:schemeClr val="tx1"/>
+          </a:fontRef>
+        </p:style>
+      </p:cxnSp>
+      <p:pic>
+        <p:nvPicPr>
+          <p:cNvPr id="1026" name="Picture 2" descr="C:\Users\Serhiy\Desktop\download.png"/>
+          <p:cNvPicPr>
+            <a:picLocks noChangeAspect="1" noChangeArrowheads="1"/>
+          </p:cNvPicPr>
+          <p:nvPr/>
+        </p:nvPicPr>
+        <p:blipFill>
+          <a:blip r:embed="rId3" cstate="print"/>
+          <a:srcRect/>
+          <a:stretch>
+            <a:fillRect/>
+          </a:stretch>
+        </p:blipFill>
+        <p:spPr bwMode="auto">
+          <a:xfrm>
+            <a:off x="8210062" y="2773973"/>
+            <a:ext cx="1962150" cy="781050"/>
+          </a:xfrm>
+          <a:prstGeom prst="rect">
+            <a:avLst/>
+          </a:prstGeom>
+          <a:noFill/>
+        </p:spPr>
+      </p:pic>
+    </p:spTree>
+    <p:extLst>
+      <p:ext uri="{BB962C8B-B14F-4D97-AF65-F5344CB8AC3E}">
+        <p14:creationId xmlns:p14="http://schemas.microsoft.com/office/powerpoint/2010/main" val="1925289598"/>
+      </p:ext>
+    </p:extLst>
+  </p:cSld>
+  <p:clrMapOvr>
+    <a:masterClrMapping/>
+  </p:clrMapOvr>
+  <p:timing>
+    <p:tnLst>
+      <p:par>
+        <p:cTn id="1" dur="indefinite" restart="never" nodeType="tmRoot"/>
+      </p:par>
+    </p:tnLst>
+  </p:timing>
+</p:sld>
+</file>
+
+<file path=ppt/slides/slide18.xml><?xml version="1.0" encoding="utf-8"?>
+<p:sld xmlns:a="http://schemas.openxmlformats.org/drawingml/2006/main" xmlns:r="http://schemas.openxmlformats.org/officeDocument/2006/relationships" xmlns:p="http://schemas.openxmlformats.org/presentationml/2006/main">
+  <p:cSld>
+    <p:spTree>
+      <p:nvGrpSpPr>
+        <p:cNvPr id="1" name=""/>
+        <p:cNvGrpSpPr/>
+        <p:nvPr/>
+      </p:nvGrpSpPr>
+      <p:grpSpPr>
+        <a:xfrm>
+          <a:off x="0" y="0"/>
+          <a:ext cx="0" cy="0"/>
+          <a:chOff x="0" y="0"/>
+          <a:chExt cx="0" cy="0"/>
+        </a:xfrm>
+      </p:grpSpPr>
+      <p:sp>
+        <p:nvSpPr>
+          <p:cNvPr id="2" name="Заголовок 1"/>
+          <p:cNvSpPr>
+            <a:spLocks noGrp="1"/>
+          </p:cNvSpPr>
+          <p:nvPr>
+            <p:ph type="title"/>
+          </p:nvPr>
+        </p:nvSpPr>
+        <p:spPr>
+          <a:solidFill>
+            <a:schemeClr val="tx2">
+              <a:lumMod val="20000"/>
+              <a:lumOff val="80000"/>
+            </a:schemeClr>
+          </a:solidFill>
+        </p:spPr>
+        <p:txBody>
+          <a:bodyPr>
+            <a:normAutofit fontScale="90000"/>
+          </a:bodyPr>
+          <a:lstStyle/>
+          <a:p>
+            <a:r>
+              <a:rPr lang="de-DE" dirty="0" smtClean="0"/>
+              <a:t/>
+            </a:r>
+            <a:br>
+              <a:rPr lang="de-DE" dirty="0" smtClean="0"/>
+            </a:br>
+            <a:r>
+              <a:rPr lang="de-DE" dirty="0" smtClean="0"/>
+              <a:t> </a:t>
+            </a:r>
+            <a:r>
+              <a:rPr lang="de-DE" dirty="0" smtClean="0">
+                <a:solidFill>
+                  <a:srgbClr val="183BD2"/>
+                </a:solidFill>
+              </a:rPr>
+              <a:t>Drittanbieter-Software(1)	</a:t>
+            </a:r>
+            <a:r>
+              <a:rPr lang="de-DE" dirty="0" smtClean="0"/>
+              <a:t/>
+            </a:r>
+            <a:br>
+              <a:rPr lang="de-DE" dirty="0" smtClean="0"/>
+            </a:br>
+            <a:endParaRPr lang="de-DE" dirty="0"/>
+          </a:p>
+        </p:txBody>
+      </p:sp>
+      <p:sp>
+        <p:nvSpPr>
+          <p:cNvPr id="3" name="Содержимое 2"/>
+          <p:cNvSpPr>
+            <a:spLocks noGrp="1"/>
+          </p:cNvSpPr>
+          <p:nvPr>
+            <p:ph idx="1"/>
+          </p:nvPr>
+        </p:nvSpPr>
+        <p:spPr/>
+        <p:txBody>
+          <a:bodyPr/>
+          <a:lstStyle/>
+          <a:p>
+            <a:r>
+              <a:rPr lang="de-DE" dirty="0" err="1" smtClean="0"/>
+              <a:t>JSmooth</a:t>
+            </a:r>
+            <a:endParaRPr lang="de-DE" dirty="0"/>
+          </a:p>
+        </p:txBody>
+      </p:sp>
+      <p:pic>
+        <p:nvPicPr>
+          <p:cNvPr id="4098" name="Picture 2" descr="C:\Users\Serhiy\Desktop\SE\jsmooth1.png"/>
+          <p:cNvPicPr>
+            <a:picLocks noChangeAspect="1" noChangeArrowheads="1"/>
+          </p:cNvPicPr>
+          <p:nvPr/>
+        </p:nvPicPr>
+        <p:blipFill>
+          <a:blip r:embed="rId2" cstate="print"/>
+          <a:srcRect/>
+          <a:stretch>
+            <a:fillRect/>
+          </a:stretch>
+        </p:blipFill>
+        <p:spPr bwMode="auto">
+          <a:xfrm>
+            <a:off x="2063552" y="2420888"/>
+            <a:ext cx="8663517" cy="3810000"/>
+          </a:xfrm>
+          <a:prstGeom prst="rect">
+            <a:avLst/>
+          </a:prstGeom>
+          <a:noFill/>
+        </p:spPr>
+      </p:pic>
+    </p:spTree>
+  </p:cSld>
+  <p:clrMapOvr>
+    <a:masterClrMapping/>
+  </p:clrMapOvr>
+  <p:timing>
+    <p:tnLst>
+      <p:par>
+        <p:cTn id="1" dur="indefinite" restart="never" nodeType="tmRoot"/>
+      </p:par>
+    </p:tnLst>
+  </p:timing>
+</p:sld>
+</file>
+
+<file path=ppt/slides/slide19.xml><?xml version="1.0" encoding="utf-8"?>
+<p:sld xmlns:a="http://schemas.openxmlformats.org/drawingml/2006/main" xmlns:r="http://schemas.openxmlformats.org/officeDocument/2006/relationships" xmlns:p="http://schemas.openxmlformats.org/presentationml/2006/main">
+  <p:cSld>
+    <p:spTree>
+      <p:nvGrpSpPr>
+        <p:cNvPr id="1" name=""/>
+        <p:cNvGrpSpPr/>
+        <p:nvPr/>
+      </p:nvGrpSpPr>
+      <p:grpSpPr>
+        <a:xfrm>
+          <a:off x="0" y="0"/>
+          <a:ext cx="0" cy="0"/>
+          <a:chOff x="0" y="0"/>
+          <a:chExt cx="0" cy="0"/>
+        </a:xfrm>
+      </p:grpSpPr>
+      <p:pic>
+        <p:nvPicPr>
+          <p:cNvPr id="5" name="Содержимое 4" descr="jsmooth1p5.png"/>
+          <p:cNvPicPr>
+            <a:picLocks noGrp="1" noChangeAspect="1"/>
+          </p:cNvPicPr>
+          <p:nvPr>
+            <p:ph idx="1"/>
+          </p:nvPr>
+        </p:nvPicPr>
+        <p:blipFill>
+          <a:blip r:embed="rId2" cstate="print"/>
+          <a:stretch>
+            <a:fillRect/>
+          </a:stretch>
+        </p:blipFill>
+        <p:spPr>
+          <a:xfrm>
+            <a:off x="2298515" y="1835335"/>
+            <a:ext cx="7594971" cy="4525963"/>
+          </a:xfrm>
+        </p:spPr>
+      </p:pic>
+      <p:sp>
+        <p:nvSpPr>
+          <p:cNvPr id="6" name="Заголовок 1"/>
+          <p:cNvSpPr>
+            <a:spLocks noGrp="1"/>
+          </p:cNvSpPr>
+          <p:nvPr>
+            <p:ph type="title"/>
+          </p:nvPr>
+        </p:nvSpPr>
+        <p:spPr>
+          <a:solidFill>
+            <a:schemeClr val="tx2">
+              <a:lumMod val="20000"/>
+              <a:lumOff val="80000"/>
+            </a:schemeClr>
+          </a:solidFill>
+        </p:spPr>
+        <p:txBody>
+          <a:bodyPr>
+            <a:normAutofit fontScale="90000"/>
+          </a:bodyPr>
+          <a:lstStyle/>
+          <a:p>
+            <a:r>
+              <a:rPr lang="de-DE" dirty="0" smtClean="0"/>
+              <a:t/>
+            </a:r>
+            <a:br>
+              <a:rPr lang="de-DE" dirty="0" smtClean="0"/>
+            </a:br>
+            <a:r>
+              <a:rPr lang="de-DE" dirty="0" smtClean="0"/>
+              <a:t> </a:t>
+            </a:r>
+            <a:r>
+              <a:rPr lang="de-DE" dirty="0" smtClean="0">
+                <a:solidFill>
+                  <a:srgbClr val="183BD2"/>
+                </a:solidFill>
+              </a:rPr>
+              <a:t>Drittanbieter-Software(2)	</a:t>
+            </a:r>
+            <a:r>
+              <a:rPr lang="de-DE" dirty="0" smtClean="0"/>
+              <a:t/>
+            </a:r>
+            <a:br>
+              <a:rPr lang="de-DE" dirty="0" smtClean="0"/>
+            </a:br>
+            <a:endParaRPr lang="de-DE" dirty="0"/>
+          </a:p>
+        </p:txBody>
+      </p:sp>
+    </p:spTree>
+  </p:cSld>
+  <p:clrMapOvr>
+    <a:masterClrMapping/>
+  </p:clrMapOvr>
+  <p:timing>
+    <p:tnLst>
+      <p:par>
+        <p:cTn id="1" dur="indefinite" restart="never" nodeType="tmRoot"/>
+      </p:par>
+    </p:tnLst>
+  </p:timing>
 </p:sld>
 </file>
 
@@ -3493,6 +5456,739 @@
   <p:clrMapOvr>
     <a:masterClrMapping/>
   </p:clrMapOvr>
+  <p:timing>
+    <p:tnLst>
+      <p:par>
+        <p:cTn id="1" dur="indefinite" restart="never" nodeType="tmRoot"/>
+      </p:par>
+    </p:tnLst>
+  </p:timing>
+</p:sld>
+</file>
+
+<file path=ppt/slides/slide20.xml><?xml version="1.0" encoding="utf-8"?>
+<p:sld xmlns:a="http://schemas.openxmlformats.org/drawingml/2006/main" xmlns:r="http://schemas.openxmlformats.org/officeDocument/2006/relationships" xmlns:p="http://schemas.openxmlformats.org/presentationml/2006/main">
+  <p:cSld>
+    <p:spTree>
+      <p:nvGrpSpPr>
+        <p:cNvPr id="1" name=""/>
+        <p:cNvGrpSpPr/>
+        <p:nvPr/>
+      </p:nvGrpSpPr>
+      <p:grpSpPr>
+        <a:xfrm>
+          <a:off x="0" y="0"/>
+          <a:ext cx="0" cy="0"/>
+          <a:chOff x="0" y="0"/>
+          <a:chExt cx="0" cy="0"/>
+        </a:xfrm>
+      </p:grpSpPr>
+      <p:pic>
+        <p:nvPicPr>
+          <p:cNvPr id="5" name="Содержимое 4" descr="jsmooth1p6.png"/>
+          <p:cNvPicPr>
+            <a:picLocks noGrp="1" noChangeAspect="1"/>
+          </p:cNvPicPr>
+          <p:nvPr>
+            <p:ph idx="1"/>
+          </p:nvPr>
+        </p:nvPicPr>
+        <p:blipFill>
+          <a:blip r:embed="rId2" cstate="print"/>
+          <a:stretch>
+            <a:fillRect/>
+          </a:stretch>
+        </p:blipFill>
+        <p:spPr>
+          <a:xfrm>
+            <a:off x="2298515" y="1835335"/>
+            <a:ext cx="7594971" cy="4525963"/>
+          </a:xfrm>
+        </p:spPr>
+      </p:pic>
+      <p:sp>
+        <p:nvSpPr>
+          <p:cNvPr id="4" name="Заголовок 1"/>
+          <p:cNvSpPr>
+            <a:spLocks noGrp="1"/>
+          </p:cNvSpPr>
+          <p:nvPr>
+            <p:ph type="title"/>
+          </p:nvPr>
+        </p:nvSpPr>
+        <p:spPr>
+          <a:solidFill>
+            <a:schemeClr val="tx2">
+              <a:lumMod val="20000"/>
+              <a:lumOff val="80000"/>
+            </a:schemeClr>
+          </a:solidFill>
+        </p:spPr>
+        <p:txBody>
+          <a:bodyPr>
+            <a:normAutofit fontScale="90000"/>
+          </a:bodyPr>
+          <a:lstStyle/>
+          <a:p>
+            <a:r>
+              <a:rPr lang="de-DE" dirty="0" smtClean="0"/>
+              <a:t/>
+            </a:r>
+            <a:br>
+              <a:rPr lang="de-DE" dirty="0" smtClean="0"/>
+            </a:br>
+            <a:r>
+              <a:rPr lang="de-DE" dirty="0" smtClean="0"/>
+              <a:t> </a:t>
+            </a:r>
+            <a:r>
+              <a:rPr lang="de-DE" dirty="0" smtClean="0">
+                <a:solidFill>
+                  <a:srgbClr val="183BD2"/>
+                </a:solidFill>
+              </a:rPr>
+              <a:t>Drittanbieter-Software(3)	</a:t>
+            </a:r>
+            <a:r>
+              <a:rPr lang="de-DE" dirty="0" smtClean="0"/>
+              <a:t/>
+            </a:r>
+            <a:br>
+              <a:rPr lang="de-DE" dirty="0" smtClean="0"/>
+            </a:br>
+            <a:endParaRPr lang="de-DE" dirty="0"/>
+          </a:p>
+        </p:txBody>
+      </p:sp>
+    </p:spTree>
+  </p:cSld>
+  <p:clrMapOvr>
+    <a:masterClrMapping/>
+  </p:clrMapOvr>
+  <p:timing>
+    <p:tnLst>
+      <p:par>
+        <p:cTn id="1" dur="indefinite" restart="never" nodeType="tmRoot"/>
+      </p:par>
+    </p:tnLst>
+  </p:timing>
+</p:sld>
+</file>
+
+<file path=ppt/slides/slide21.xml><?xml version="1.0" encoding="utf-8"?>
+<p:sld xmlns:a="http://schemas.openxmlformats.org/drawingml/2006/main" xmlns:r="http://schemas.openxmlformats.org/officeDocument/2006/relationships" xmlns:p="http://schemas.openxmlformats.org/presentationml/2006/main">
+  <p:cSld>
+    <p:spTree>
+      <p:nvGrpSpPr>
+        <p:cNvPr id="1" name=""/>
+        <p:cNvGrpSpPr/>
+        <p:nvPr/>
+      </p:nvGrpSpPr>
+      <p:grpSpPr>
+        <a:xfrm>
+          <a:off x="0" y="0"/>
+          <a:ext cx="0" cy="0"/>
+          <a:chOff x="0" y="0"/>
+          <a:chExt cx="0" cy="0"/>
+        </a:xfrm>
+      </p:grpSpPr>
+      <p:sp>
+        <p:nvSpPr>
+          <p:cNvPr id="4" name="Заголовок 1"/>
+          <p:cNvSpPr>
+            <a:spLocks noGrp="1"/>
+          </p:cNvSpPr>
+          <p:nvPr>
+            <p:ph type="title"/>
+          </p:nvPr>
+        </p:nvSpPr>
+        <p:spPr>
+          <a:solidFill>
+            <a:schemeClr val="tx2">
+              <a:lumMod val="20000"/>
+              <a:lumOff val="80000"/>
+            </a:schemeClr>
+          </a:solidFill>
+        </p:spPr>
+        <p:txBody>
+          <a:bodyPr>
+            <a:normAutofit fontScale="90000"/>
+          </a:bodyPr>
+          <a:lstStyle/>
+          <a:p>
+            <a:r>
+              <a:rPr lang="de-DE" dirty="0" smtClean="0"/>
+              <a:t/>
+            </a:r>
+            <a:br>
+              <a:rPr lang="de-DE" dirty="0" smtClean="0"/>
+            </a:br>
+            <a:r>
+              <a:rPr lang="de-DE" dirty="0" smtClean="0"/>
+              <a:t> </a:t>
+            </a:r>
+            <a:r>
+              <a:rPr lang="de-DE" dirty="0" smtClean="0">
+                <a:solidFill>
+                  <a:srgbClr val="183BD2"/>
+                </a:solidFill>
+              </a:rPr>
+              <a:t>Drittanbieter-Software(4)	</a:t>
+            </a:r>
+            <a:r>
+              <a:rPr lang="de-DE" dirty="0" smtClean="0"/>
+              <a:t/>
+            </a:r>
+            <a:br>
+              <a:rPr lang="de-DE" dirty="0" smtClean="0"/>
+            </a:br>
+            <a:endParaRPr lang="de-DE" dirty="0"/>
+          </a:p>
+        </p:txBody>
+      </p:sp>
+      <p:pic>
+        <p:nvPicPr>
+          <p:cNvPr id="7" name="Содержимое 6" descr="jsmooth2.png"/>
+          <p:cNvPicPr>
+            <a:picLocks noGrp="1" noChangeAspect="1"/>
+          </p:cNvPicPr>
+          <p:nvPr>
+            <p:ph idx="1"/>
+          </p:nvPr>
+        </p:nvPicPr>
+        <p:blipFill>
+          <a:blip r:embed="rId2" cstate="print"/>
+          <a:stretch>
+            <a:fillRect/>
+          </a:stretch>
+        </p:blipFill>
+        <p:spPr>
+          <a:xfrm>
+            <a:off x="2056836" y="1967443"/>
+            <a:ext cx="8078328" cy="3791479"/>
+          </a:xfrm>
+        </p:spPr>
+      </p:pic>
+    </p:spTree>
+  </p:cSld>
+  <p:clrMapOvr>
+    <a:masterClrMapping/>
+  </p:clrMapOvr>
+  <p:timing>
+    <p:tnLst>
+      <p:par>
+        <p:cTn id="1" dur="indefinite" restart="never" nodeType="tmRoot"/>
+      </p:par>
+    </p:tnLst>
+  </p:timing>
+</p:sld>
+</file>
+
+<file path=ppt/slides/slide22.xml><?xml version="1.0" encoding="utf-8"?>
+<p:sld xmlns:a="http://schemas.openxmlformats.org/drawingml/2006/main" xmlns:r="http://schemas.openxmlformats.org/officeDocument/2006/relationships" xmlns:p="http://schemas.openxmlformats.org/presentationml/2006/main">
+  <p:cSld>
+    <p:spTree>
+      <p:nvGrpSpPr>
+        <p:cNvPr id="1" name=""/>
+        <p:cNvGrpSpPr/>
+        <p:nvPr/>
+      </p:nvGrpSpPr>
+      <p:grpSpPr>
+        <a:xfrm>
+          <a:off x="0" y="0"/>
+          <a:ext cx="0" cy="0"/>
+          <a:chOff x="0" y="0"/>
+          <a:chExt cx="0" cy="0"/>
+        </a:xfrm>
+      </p:grpSpPr>
+      <p:pic>
+        <p:nvPicPr>
+          <p:cNvPr id="5" name="Содержимое 4" descr="jsmooth3.png"/>
+          <p:cNvPicPr>
+            <a:picLocks noGrp="1" noChangeAspect="1"/>
+          </p:cNvPicPr>
+          <p:nvPr>
+            <p:ph idx="1"/>
+          </p:nvPr>
+        </p:nvPicPr>
+        <p:blipFill>
+          <a:blip r:embed="rId2" cstate="print"/>
+          <a:stretch>
+            <a:fillRect/>
+          </a:stretch>
+        </p:blipFill>
+        <p:spPr>
+          <a:xfrm>
+            <a:off x="2198643" y="1783083"/>
+            <a:ext cx="7794715" cy="4525963"/>
+          </a:xfrm>
+        </p:spPr>
+      </p:pic>
+      <p:sp>
+        <p:nvSpPr>
+          <p:cNvPr id="4" name="Заголовок 1"/>
+          <p:cNvSpPr>
+            <a:spLocks noGrp="1"/>
+          </p:cNvSpPr>
+          <p:nvPr>
+            <p:ph type="title"/>
+          </p:nvPr>
+        </p:nvSpPr>
+        <p:spPr>
+          <a:solidFill>
+            <a:schemeClr val="tx2">
+              <a:lumMod val="20000"/>
+              <a:lumOff val="80000"/>
+            </a:schemeClr>
+          </a:solidFill>
+        </p:spPr>
+        <p:txBody>
+          <a:bodyPr>
+            <a:normAutofit fontScale="90000"/>
+          </a:bodyPr>
+          <a:lstStyle/>
+          <a:p>
+            <a:r>
+              <a:rPr lang="de-DE" dirty="0" smtClean="0"/>
+              <a:t/>
+            </a:r>
+            <a:br>
+              <a:rPr lang="de-DE" dirty="0" smtClean="0"/>
+            </a:br>
+            <a:r>
+              <a:rPr lang="de-DE" dirty="0" smtClean="0"/>
+              <a:t> </a:t>
+            </a:r>
+            <a:r>
+              <a:rPr lang="de-DE" dirty="0" smtClean="0">
+                <a:solidFill>
+                  <a:srgbClr val="183BD2"/>
+                </a:solidFill>
+              </a:rPr>
+              <a:t>Drittanbieter-Software(5)	</a:t>
+            </a:r>
+            <a:r>
+              <a:rPr lang="de-DE" dirty="0" smtClean="0"/>
+              <a:t/>
+            </a:r>
+            <a:br>
+              <a:rPr lang="de-DE" dirty="0" smtClean="0"/>
+            </a:br>
+            <a:endParaRPr lang="de-DE" dirty="0"/>
+          </a:p>
+        </p:txBody>
+      </p:sp>
+    </p:spTree>
+  </p:cSld>
+  <p:clrMapOvr>
+    <a:masterClrMapping/>
+  </p:clrMapOvr>
+  <p:timing>
+    <p:tnLst>
+      <p:par>
+        <p:cTn id="1" dur="indefinite" restart="never" nodeType="tmRoot"/>
+      </p:par>
+    </p:tnLst>
+  </p:timing>
+</p:sld>
+</file>
+
+<file path=ppt/slides/slide23.xml><?xml version="1.0" encoding="utf-8"?>
+<p:sld xmlns:a="http://schemas.openxmlformats.org/drawingml/2006/main" xmlns:r="http://schemas.openxmlformats.org/officeDocument/2006/relationships" xmlns:p="http://schemas.openxmlformats.org/presentationml/2006/main">
+  <p:cSld>
+    <p:spTree>
+      <p:nvGrpSpPr>
+        <p:cNvPr id="1" name=""/>
+        <p:cNvGrpSpPr/>
+        <p:nvPr/>
+      </p:nvGrpSpPr>
+      <p:grpSpPr>
+        <a:xfrm>
+          <a:off x="0" y="0"/>
+          <a:ext cx="0" cy="0"/>
+          <a:chOff x="0" y="0"/>
+          <a:chExt cx="0" cy="0"/>
+        </a:xfrm>
+      </p:grpSpPr>
+      <p:pic>
+        <p:nvPicPr>
+          <p:cNvPr id="5" name="Содержимое 4" descr="jsmooth4.png"/>
+          <p:cNvPicPr>
+            <a:picLocks noGrp="1" noChangeAspect="1"/>
+          </p:cNvPicPr>
+          <p:nvPr>
+            <p:ph idx="1"/>
+          </p:nvPr>
+        </p:nvPicPr>
+        <p:blipFill>
+          <a:blip r:embed="rId2" cstate="print"/>
+          <a:stretch>
+            <a:fillRect/>
+          </a:stretch>
+        </p:blipFill>
+        <p:spPr>
+          <a:xfrm>
+            <a:off x="2298515" y="1809209"/>
+            <a:ext cx="7594971" cy="4525963"/>
+          </a:xfrm>
+        </p:spPr>
+      </p:pic>
+      <p:sp>
+        <p:nvSpPr>
+          <p:cNvPr id="4" name="Заголовок 1"/>
+          <p:cNvSpPr>
+            <a:spLocks noGrp="1"/>
+          </p:cNvSpPr>
+          <p:nvPr>
+            <p:ph type="title"/>
+          </p:nvPr>
+        </p:nvSpPr>
+        <p:spPr>
+          <a:solidFill>
+            <a:schemeClr val="tx2">
+              <a:lumMod val="20000"/>
+              <a:lumOff val="80000"/>
+            </a:schemeClr>
+          </a:solidFill>
+        </p:spPr>
+        <p:txBody>
+          <a:bodyPr>
+            <a:normAutofit fontScale="90000"/>
+          </a:bodyPr>
+          <a:lstStyle/>
+          <a:p>
+            <a:r>
+              <a:rPr lang="de-DE" dirty="0" smtClean="0"/>
+              <a:t/>
+            </a:r>
+            <a:br>
+              <a:rPr lang="de-DE" dirty="0" smtClean="0"/>
+            </a:br>
+            <a:r>
+              <a:rPr lang="de-DE" dirty="0" smtClean="0"/>
+              <a:t> </a:t>
+            </a:r>
+            <a:r>
+              <a:rPr lang="de-DE" dirty="0" smtClean="0">
+                <a:solidFill>
+                  <a:srgbClr val="183BD2"/>
+                </a:solidFill>
+              </a:rPr>
+              <a:t>Drittanbieter-Software(6)	</a:t>
+            </a:r>
+            <a:r>
+              <a:rPr lang="de-DE" dirty="0" smtClean="0"/>
+              <a:t/>
+            </a:r>
+            <a:br>
+              <a:rPr lang="de-DE" dirty="0" smtClean="0"/>
+            </a:br>
+            <a:endParaRPr lang="de-DE" dirty="0"/>
+          </a:p>
+        </p:txBody>
+      </p:sp>
+    </p:spTree>
+  </p:cSld>
+  <p:clrMapOvr>
+    <a:masterClrMapping/>
+  </p:clrMapOvr>
+  <p:timing>
+    <p:tnLst>
+      <p:par>
+        <p:cTn id="1" dur="indefinite" restart="never" nodeType="tmRoot"/>
+      </p:par>
+    </p:tnLst>
+  </p:timing>
+</p:sld>
+</file>
+
+<file path=ppt/slides/slide24.xml><?xml version="1.0" encoding="utf-8"?>
+<p:sld xmlns:a="http://schemas.openxmlformats.org/drawingml/2006/main" xmlns:r="http://schemas.openxmlformats.org/officeDocument/2006/relationships" xmlns:p="http://schemas.openxmlformats.org/presentationml/2006/main">
+  <p:cSld>
+    <p:spTree>
+      <p:nvGrpSpPr>
+        <p:cNvPr id="1" name=""/>
+        <p:cNvGrpSpPr/>
+        <p:nvPr/>
+      </p:nvGrpSpPr>
+      <p:grpSpPr>
+        <a:xfrm>
+          <a:off x="0" y="0"/>
+          <a:ext cx="0" cy="0"/>
+          <a:chOff x="0" y="0"/>
+          <a:chExt cx="0" cy="0"/>
+        </a:xfrm>
+      </p:grpSpPr>
+      <p:sp>
+        <p:nvSpPr>
+          <p:cNvPr id="4" name="Заголовок 1"/>
+          <p:cNvSpPr>
+            <a:spLocks noGrp="1"/>
+          </p:cNvSpPr>
+          <p:nvPr>
+            <p:ph type="title"/>
+          </p:nvPr>
+        </p:nvSpPr>
+        <p:spPr>
+          <a:solidFill>
+            <a:schemeClr val="tx2">
+              <a:lumMod val="20000"/>
+              <a:lumOff val="80000"/>
+            </a:schemeClr>
+          </a:solidFill>
+        </p:spPr>
+        <p:txBody>
+          <a:bodyPr>
+            <a:normAutofit fontScale="90000"/>
+          </a:bodyPr>
+          <a:lstStyle/>
+          <a:p>
+            <a:r>
+              <a:rPr lang="de-DE" dirty="0" smtClean="0"/>
+              <a:t/>
+            </a:r>
+            <a:br>
+              <a:rPr lang="de-DE" dirty="0" smtClean="0"/>
+            </a:br>
+            <a:r>
+              <a:rPr lang="de-DE" dirty="0" smtClean="0"/>
+              <a:t> </a:t>
+            </a:r>
+            <a:r>
+              <a:rPr lang="de-DE" dirty="0" smtClean="0">
+                <a:solidFill>
+                  <a:srgbClr val="183BD2"/>
+                </a:solidFill>
+              </a:rPr>
+              <a:t>Drittanbieter-Software(7)	</a:t>
+            </a:r>
+            <a:r>
+              <a:rPr lang="de-DE" dirty="0" smtClean="0"/>
+              <a:t/>
+            </a:r>
+            <a:br>
+              <a:rPr lang="de-DE" dirty="0" smtClean="0"/>
+            </a:br>
+            <a:endParaRPr lang="de-DE" dirty="0"/>
+          </a:p>
+        </p:txBody>
+      </p:sp>
+      <p:pic>
+        <p:nvPicPr>
+          <p:cNvPr id="7" name="Содержимое 6" descr="5.png"/>
+          <p:cNvPicPr>
+            <a:picLocks noGrp="1" noChangeAspect="1"/>
+          </p:cNvPicPr>
+          <p:nvPr>
+            <p:ph idx="1"/>
+          </p:nvPr>
+        </p:nvPicPr>
+        <p:blipFill>
+          <a:blip r:embed="rId2" cstate="print"/>
+          <a:stretch>
+            <a:fillRect/>
+          </a:stretch>
+        </p:blipFill>
+        <p:spPr>
+          <a:xfrm>
+            <a:off x="875212" y="1770020"/>
+            <a:ext cx="10450285" cy="4525963"/>
+          </a:xfrm>
+        </p:spPr>
+      </p:pic>
+    </p:spTree>
+  </p:cSld>
+  <p:clrMapOvr>
+    <a:masterClrMapping/>
+  </p:clrMapOvr>
+  <p:timing>
+    <p:tnLst>
+      <p:par>
+        <p:cTn id="1" dur="indefinite" restart="never" nodeType="tmRoot"/>
+      </p:par>
+    </p:tnLst>
+  </p:timing>
+</p:sld>
+</file>
+
+<file path=ppt/slides/slide25.xml><?xml version="1.0" encoding="utf-8"?>
+<p:sld xmlns:a="http://schemas.openxmlformats.org/drawingml/2006/main" xmlns:r="http://schemas.openxmlformats.org/officeDocument/2006/relationships" xmlns:p="http://schemas.openxmlformats.org/presentationml/2006/main">
+  <p:cSld>
+    <p:spTree>
+      <p:nvGrpSpPr>
+        <p:cNvPr id="1" name=""/>
+        <p:cNvGrpSpPr/>
+        <p:nvPr/>
+      </p:nvGrpSpPr>
+      <p:grpSpPr>
+        <a:xfrm>
+          <a:off x="0" y="0"/>
+          <a:ext cx="0" cy="0"/>
+          <a:chOff x="0" y="0"/>
+          <a:chExt cx="0" cy="0"/>
+        </a:xfrm>
+      </p:grpSpPr>
+      <p:sp>
+        <p:nvSpPr>
+          <p:cNvPr id="2" name="Titel 1"/>
+          <p:cNvSpPr>
+            <a:spLocks noGrp="1"/>
+          </p:cNvSpPr>
+          <p:nvPr>
+            <p:ph type="title"/>
+          </p:nvPr>
+        </p:nvSpPr>
+        <p:spPr>
+          <a:xfrm>
+            <a:off x="866607" y="201371"/>
+            <a:ext cx="6126540" cy="690024"/>
+          </a:xfrm>
+        </p:spPr>
+        <p:txBody>
+          <a:bodyPr>
+            <a:normAutofit fontScale="90000"/>
+          </a:bodyPr>
+          <a:lstStyle/>
+          <a:p>
+            <a:r>
+              <a:rPr lang="de-DE" dirty="0"/>
+              <a:t>Selbstreflektion</a:t>
+            </a:r>
+          </a:p>
+        </p:txBody>
+      </p:sp>
+      <p:sp>
+        <p:nvSpPr>
+          <p:cNvPr id="3" name="Inhaltsplatzhalter 2"/>
+          <p:cNvSpPr>
+            <a:spLocks noGrp="1"/>
+          </p:cNvSpPr>
+          <p:nvPr>
+            <p:ph idx="1"/>
+          </p:nvPr>
+        </p:nvSpPr>
+        <p:spPr>
+          <a:xfrm>
+            <a:off x="866607" y="1244780"/>
+            <a:ext cx="10515600" cy="4351338"/>
+          </a:xfrm>
+        </p:spPr>
+        <p:txBody>
+          <a:bodyPr/>
+          <a:lstStyle/>
+          <a:p>
+            <a:endParaRPr lang="de-DE" dirty="0"/>
+          </a:p>
+        </p:txBody>
+      </p:sp>
+      <p:pic>
+        <p:nvPicPr>
+          <p:cNvPr id="4" name="Grafik 3"/>
+          <p:cNvPicPr>
+            <a:picLocks noChangeAspect="1"/>
+          </p:cNvPicPr>
+          <p:nvPr/>
+        </p:nvPicPr>
+        <p:blipFill>
+          <a:blip r:embed="rId2" cstate="print">
+            <a:extLst>
+              <a:ext uri="{28A0092B-C50C-407E-A947-70E740481C1C}">
+                <a14:useLocalDpi xmlns:a14="http://schemas.microsoft.com/office/drawing/2010/main" val="0"/>
+              </a:ext>
+            </a:extLst>
+          </a:blip>
+          <a:stretch>
+            <a:fillRect/>
+          </a:stretch>
+        </p:blipFill>
+        <p:spPr>
+          <a:xfrm>
+            <a:off x="17595" y="3325"/>
+            <a:ext cx="849012" cy="851140"/>
+          </a:xfrm>
+          <a:prstGeom prst="rect">
+            <a:avLst/>
+          </a:prstGeom>
+          <a:effectLst/>
+        </p:spPr>
+      </p:pic>
+      <p:cxnSp>
+        <p:nvCxnSpPr>
+          <p:cNvPr id="5" name="Gerader Verbinder 4"/>
+          <p:cNvCxnSpPr/>
+          <p:nvPr/>
+        </p:nvCxnSpPr>
+        <p:spPr>
+          <a:xfrm>
+            <a:off x="0" y="879893"/>
+            <a:ext cx="10668000" cy="0"/>
+          </a:xfrm>
+          <a:prstGeom prst="line">
+            <a:avLst/>
+          </a:prstGeom>
+        </p:spPr>
+        <p:style>
+          <a:lnRef idx="3">
+            <a:schemeClr val="accent2"/>
+          </a:lnRef>
+          <a:fillRef idx="0">
+            <a:schemeClr val="accent2"/>
+          </a:fillRef>
+          <a:effectRef idx="2">
+            <a:schemeClr val="accent2"/>
+          </a:effectRef>
+          <a:fontRef idx="minor">
+            <a:schemeClr val="tx1"/>
+          </a:fontRef>
+        </p:style>
+      </p:cxnSp>
+      <p:cxnSp>
+        <p:nvCxnSpPr>
+          <p:cNvPr id="6" name="Gerader Verbinder 5"/>
+          <p:cNvCxnSpPr/>
+          <p:nvPr/>
+        </p:nvCxnSpPr>
+        <p:spPr>
+          <a:xfrm>
+            <a:off x="1524000" y="6311660"/>
+            <a:ext cx="10668000" cy="0"/>
+          </a:xfrm>
+          <a:prstGeom prst="line">
+            <a:avLst/>
+          </a:prstGeom>
+        </p:spPr>
+        <p:style>
+          <a:lnRef idx="3">
+            <a:schemeClr val="accent2"/>
+          </a:lnRef>
+          <a:fillRef idx="0">
+            <a:schemeClr val="accent2"/>
+          </a:fillRef>
+          <a:effectRef idx="2">
+            <a:schemeClr val="accent2"/>
+          </a:effectRef>
+          <a:fontRef idx="minor">
+            <a:schemeClr val="tx1"/>
+          </a:fontRef>
+        </p:style>
+      </p:cxnSp>
+    </p:spTree>
+    <p:extLst>
+      <p:ext uri="{BB962C8B-B14F-4D97-AF65-F5344CB8AC3E}">
+        <p14:creationId xmlns:p14="http://schemas.microsoft.com/office/powerpoint/2010/main" val="4074636198"/>
+      </p:ext>
+    </p:extLst>
+  </p:cSld>
+  <p:clrMapOvr>
+    <a:masterClrMapping/>
+  </p:clrMapOvr>
+  <p:timing>
+    <p:tnLst>
+      <p:par>
+        <p:cTn id="1" dur="indefinite" restart="never" nodeType="tmRoot"/>
+      </p:par>
+    </p:tnLst>
+  </p:timing>
 </p:sld>
 </file>
 
@@ -3667,6 +6363,13 @@
   <p:clrMapOvr>
     <a:masterClrMapping/>
   </p:clrMapOvr>
+  <p:timing>
+    <p:tnLst>
+      <p:par>
+        <p:cTn id="1" dur="indefinite" restart="never" nodeType="tmRoot"/>
+      </p:par>
+    </p:tnLst>
+  </p:timing>
 </p:sld>
 </file>
 
@@ -3700,7 +6403,7 @@
         <p:spPr>
           <a:xfrm>
             <a:off x="866607" y="201371"/>
-            <a:ext cx="4878238" cy="690024"/>
+            <a:ext cx="8055324" cy="690024"/>
           </a:xfrm>
         </p:spPr>
         <p:txBody>
@@ -3711,31 +6414,201 @@
           <a:p>
             <a:r>
               <a:rPr lang="de-DE" dirty="0"/>
-              <a:t>UML - Diagramme</a:t>
-            </a:r>
-          </a:p>
-        </p:txBody>
-      </p:sp>
-      <p:sp>
-        <p:nvSpPr>
-          <p:cNvPr id="3" name="Inhaltsplatzhalter 2"/>
-          <p:cNvSpPr>
-            <a:spLocks noGrp="1"/>
-          </p:cNvSpPr>
+              <a:t>UML </a:t>
+            </a:r>
+            <a:r>
+              <a:rPr lang="de-DE" dirty="0" smtClean="0"/>
+              <a:t>– Diagramme via TOPCASED</a:t>
+            </a:r>
+            <a:endParaRPr lang="de-DE" dirty="0"/>
+          </a:p>
+        </p:txBody>
+      </p:sp>
+      <p:pic>
+        <p:nvPicPr>
+          <p:cNvPr id="7" name="Содержимое 6" descr="14 uml.png"/>
+          <p:cNvPicPr>
+            <a:picLocks noGrp="1" noChangeAspect="1"/>
+          </p:cNvPicPr>
           <p:nvPr>
             <p:ph idx="1"/>
           </p:nvPr>
-        </p:nvSpPr>
-        <p:spPr>
-          <a:xfrm>
-            <a:off x="866607" y="1244780"/>
-            <a:ext cx="10515600" cy="4351338"/>
-          </a:xfrm>
-        </p:spPr>
-        <p:txBody>
-          <a:bodyPr/>
-          <a:lstStyle/>
-          <a:p>
+        </p:nvPicPr>
+        <p:blipFill>
+          <a:blip r:embed="rId2" cstate="print"/>
+          <a:stretch>
+            <a:fillRect/>
+          </a:stretch>
+        </p:blipFill>
+        <p:spPr>
+          <a:xfrm>
+            <a:off x="2462670" y="1472650"/>
+            <a:ext cx="7323810" cy="3895238"/>
+          </a:xfrm>
+        </p:spPr>
+      </p:pic>
+      <p:pic>
+        <p:nvPicPr>
+          <p:cNvPr id="4" name="Grafik 3"/>
+          <p:cNvPicPr>
+            <a:picLocks noChangeAspect="1"/>
+          </p:cNvPicPr>
+          <p:nvPr/>
+        </p:nvPicPr>
+        <p:blipFill>
+          <a:blip r:embed="rId3" cstate="print">
+            <a:extLst>
+              <a:ext uri="{28A0092B-C50C-407E-A947-70E740481C1C}">
+                <a14:useLocalDpi xmlns:a14="http://schemas.microsoft.com/office/drawing/2010/main" val="0"/>
+              </a:ext>
+            </a:extLst>
+          </a:blip>
+          <a:stretch>
+            <a:fillRect/>
+          </a:stretch>
+        </p:blipFill>
+        <p:spPr>
+          <a:xfrm>
+            <a:off x="17595" y="3325"/>
+            <a:ext cx="849012" cy="851140"/>
+          </a:xfrm>
+          <a:prstGeom prst="rect">
+            <a:avLst/>
+          </a:prstGeom>
+          <a:effectLst/>
+        </p:spPr>
+      </p:pic>
+      <p:cxnSp>
+        <p:nvCxnSpPr>
+          <p:cNvPr id="5" name="Gerader Verbinder 4"/>
+          <p:cNvCxnSpPr/>
+          <p:nvPr/>
+        </p:nvCxnSpPr>
+        <p:spPr>
+          <a:xfrm>
+            <a:off x="0" y="879893"/>
+            <a:ext cx="10668000" cy="0"/>
+          </a:xfrm>
+          <a:prstGeom prst="line">
+            <a:avLst/>
+          </a:prstGeom>
+        </p:spPr>
+        <p:style>
+          <a:lnRef idx="3">
+            <a:schemeClr val="accent2"/>
+          </a:lnRef>
+          <a:fillRef idx="0">
+            <a:schemeClr val="accent2"/>
+          </a:fillRef>
+          <a:effectRef idx="2">
+            <a:schemeClr val="accent2"/>
+          </a:effectRef>
+          <a:fontRef idx="minor">
+            <a:schemeClr val="tx1"/>
+          </a:fontRef>
+        </p:style>
+      </p:cxnSp>
+      <p:cxnSp>
+        <p:nvCxnSpPr>
+          <p:cNvPr id="6" name="Gerader Verbinder 5"/>
+          <p:cNvCxnSpPr/>
+          <p:nvPr/>
+        </p:nvCxnSpPr>
+        <p:spPr>
+          <a:xfrm>
+            <a:off x="1524000" y="6311660"/>
+            <a:ext cx="10668000" cy="0"/>
+          </a:xfrm>
+          <a:prstGeom prst="line">
+            <a:avLst/>
+          </a:prstGeom>
+        </p:spPr>
+        <p:style>
+          <a:lnRef idx="3">
+            <a:schemeClr val="accent2"/>
+          </a:lnRef>
+          <a:fillRef idx="0">
+            <a:schemeClr val="accent2"/>
+          </a:fillRef>
+          <a:effectRef idx="2">
+            <a:schemeClr val="accent2"/>
+          </a:effectRef>
+          <a:fontRef idx="minor">
+            <a:schemeClr val="tx1"/>
+          </a:fontRef>
+        </p:style>
+      </p:cxnSp>
+    </p:spTree>
+    <p:extLst>
+      <p:ext uri="{BB962C8B-B14F-4D97-AF65-F5344CB8AC3E}">
+        <p14:creationId xmlns:p14="http://schemas.microsoft.com/office/powerpoint/2010/main" val="1787357985"/>
+      </p:ext>
+    </p:extLst>
+  </p:cSld>
+  <p:clrMapOvr>
+    <a:masterClrMapping/>
+  </p:clrMapOvr>
+  <p:timing>
+    <p:tnLst>
+      <p:par>
+        <p:cTn id="1" dur="indefinite" restart="never" nodeType="tmRoot"/>
+      </p:par>
+    </p:tnLst>
+  </p:timing>
+</p:sld>
+</file>
+
+<file path=ppt/slides/slide5.xml><?xml version="1.0" encoding="utf-8"?>
+<p:sld xmlns:a="http://schemas.openxmlformats.org/drawingml/2006/main" xmlns:r="http://schemas.openxmlformats.org/officeDocument/2006/relationships" xmlns:p="http://schemas.openxmlformats.org/presentationml/2006/main">
+  <p:cSld>
+    <p:spTree>
+      <p:nvGrpSpPr>
+        <p:cNvPr id="1" name=""/>
+        <p:cNvGrpSpPr/>
+        <p:nvPr/>
+      </p:nvGrpSpPr>
+      <p:grpSpPr>
+        <a:xfrm>
+          <a:off x="0" y="0"/>
+          <a:ext cx="0" cy="0"/>
+          <a:chOff x="0" y="0"/>
+          <a:chExt cx="0" cy="0"/>
+        </a:xfrm>
+      </p:grpSpPr>
+      <p:sp>
+        <p:nvSpPr>
+          <p:cNvPr id="2" name="Titel 1"/>
+          <p:cNvSpPr>
+            <a:spLocks noGrp="1"/>
+          </p:cNvSpPr>
+          <p:nvPr>
+            <p:ph type="title"/>
+          </p:nvPr>
+        </p:nvSpPr>
+        <p:spPr>
+          <a:xfrm>
+            <a:off x="866607" y="201371"/>
+            <a:ext cx="8055324" cy="690024"/>
+          </a:xfrm>
+        </p:spPr>
+        <p:txBody>
+          <a:bodyPr>
+            <a:normAutofit fontScale="90000"/>
+          </a:bodyPr>
+          <a:lstStyle/>
+          <a:p>
+            <a:r>
+              <a:rPr lang="de-DE" dirty="0"/>
+              <a:t>UML </a:t>
+            </a:r>
+            <a:r>
+              <a:rPr lang="de-DE" dirty="0" smtClean="0"/>
+              <a:t>– </a:t>
+            </a:r>
+            <a:r>
+              <a:rPr lang="de-DE" dirty="0" smtClean="0"/>
+              <a:t>Anwendungsfalldiagramm</a:t>
+            </a:r>
             <a:endParaRPr lang="de-DE" dirty="0"/>
           </a:p>
         </p:txBody>
@@ -3831,20 +6704,51 @@
           </a:fontRef>
         </p:style>
       </p:cxnSp>
+      <p:pic>
+        <p:nvPicPr>
+          <p:cNvPr id="8" name="Содержимое 3" descr="DezHexAnwendungsfalldiagramm.png"/>
+          <p:cNvPicPr>
+            <a:picLocks noChangeAspect="1"/>
+          </p:cNvPicPr>
+          <p:nvPr/>
+        </p:nvPicPr>
+        <p:blipFill>
+          <a:blip r:embed="rId3" cstate="print"/>
+          <a:stretch>
+            <a:fillRect/>
+          </a:stretch>
+        </p:blipFill>
+        <p:spPr>
+          <a:xfrm>
+            <a:off x="1524000" y="1089441"/>
+            <a:ext cx="8651924" cy="5110698"/>
+          </a:xfrm>
+          <a:prstGeom prst="rect">
+            <a:avLst/>
+          </a:prstGeom>
+        </p:spPr>
+      </p:pic>
     </p:spTree>
     <p:extLst>
       <p:ext uri="{BB962C8B-B14F-4D97-AF65-F5344CB8AC3E}">
-        <p14:creationId xmlns:p14="http://schemas.microsoft.com/office/powerpoint/2010/main" val="1787357985"/>
+        <p14:creationId xmlns:p14="http://schemas.microsoft.com/office/powerpoint/2010/main" val="3241636145"/>
       </p:ext>
     </p:extLst>
   </p:cSld>
   <p:clrMapOvr>
     <a:masterClrMapping/>
   </p:clrMapOvr>
+  <p:timing>
+    <p:tnLst>
+      <p:par>
+        <p:cTn id="1" dur="indefinite" restart="never" nodeType="tmRoot"/>
+      </p:par>
+    </p:tnLst>
+  </p:timing>
 </p:sld>
 </file>
 
-<file path=ppt/slides/slide5.xml><?xml version="1.0" encoding="utf-8"?>
+<file path=ppt/slides/slide6.xml><?xml version="1.0" encoding="utf-8"?>
 <p:sld xmlns:a="http://schemas.openxmlformats.org/drawingml/2006/main" xmlns:r="http://schemas.openxmlformats.org/officeDocument/2006/relationships" xmlns:p="http://schemas.openxmlformats.org/presentationml/2006/main">
   <p:cSld>
     <p:spTree>
@@ -3874,7 +6778,7 @@
         <p:spPr>
           <a:xfrm>
             <a:off x="866607" y="201371"/>
-            <a:ext cx="4878238" cy="690024"/>
+            <a:ext cx="8055324" cy="690024"/>
           </a:xfrm>
         </p:spPr>
         <p:txBody>
@@ -3885,31 +6789,16 @@
           <a:p>
             <a:r>
               <a:rPr lang="de-DE" dirty="0"/>
-              <a:t>Dokumentationen</a:t>
-            </a:r>
-          </a:p>
-        </p:txBody>
-      </p:sp>
-      <p:sp>
-        <p:nvSpPr>
-          <p:cNvPr id="3" name="Inhaltsplatzhalter 2"/>
-          <p:cNvSpPr>
-            <a:spLocks noGrp="1"/>
-          </p:cNvSpPr>
-          <p:nvPr>
-            <p:ph idx="1"/>
-          </p:nvPr>
-        </p:nvSpPr>
-        <p:spPr>
-          <a:xfrm>
-            <a:off x="866607" y="1244780"/>
-            <a:ext cx="10515600" cy="4351338"/>
-          </a:xfrm>
-        </p:spPr>
-        <p:txBody>
-          <a:bodyPr/>
-          <a:lstStyle/>
-          <a:p>
+              <a:t>UML </a:t>
+            </a:r>
+            <a:r>
+              <a:rPr lang="de-DE" dirty="0" smtClean="0"/>
+              <a:t>– </a:t>
+            </a:r>
+            <a:r>
+              <a:rPr lang="de-DE" dirty="0" smtClean="0"/>
+              <a:t>Aktivitätsdiagramm</a:t>
+            </a:r>
             <a:endParaRPr lang="de-DE" dirty="0"/>
           </a:p>
         </p:txBody>
@@ -4005,20 +6894,50 @@
           </a:fontRef>
         </p:style>
       </p:cxnSp>
+      <p:pic>
+        <p:nvPicPr>
+          <p:cNvPr id="7" name="Содержимое 3" descr="DezHexAktivitätsdiagramm.png"/>
+          <p:cNvPicPr>
+            <a:picLocks noGrp="1" noChangeAspect="1"/>
+          </p:cNvPicPr>
+          <p:nvPr>
+            <p:ph idx="1"/>
+          </p:nvPr>
+        </p:nvPicPr>
+        <p:blipFill>
+          <a:blip r:embed="rId3" cstate="print"/>
+          <a:stretch>
+            <a:fillRect/>
+          </a:stretch>
+        </p:blipFill>
+        <p:spPr>
+          <a:xfrm>
+            <a:off x="1524000" y="916823"/>
+            <a:ext cx="8428583" cy="5129044"/>
+          </a:xfrm>
+        </p:spPr>
+      </p:pic>
     </p:spTree>
     <p:extLst>
       <p:ext uri="{BB962C8B-B14F-4D97-AF65-F5344CB8AC3E}">
-        <p14:creationId xmlns:p14="http://schemas.microsoft.com/office/powerpoint/2010/main" val="1581545210"/>
+        <p14:creationId xmlns:p14="http://schemas.microsoft.com/office/powerpoint/2010/main" val="4265485583"/>
       </p:ext>
     </p:extLst>
   </p:cSld>
   <p:clrMapOvr>
     <a:masterClrMapping/>
   </p:clrMapOvr>
+  <p:timing>
+    <p:tnLst>
+      <p:par>
+        <p:cTn id="1" dur="indefinite" restart="never" nodeType="tmRoot"/>
+      </p:par>
+    </p:tnLst>
+  </p:timing>
 </p:sld>
 </file>
 
-<file path=ppt/slides/slide6.xml><?xml version="1.0" encoding="utf-8"?>
+<file path=ppt/slides/slide7.xml><?xml version="1.0" encoding="utf-8"?>
 <p:sld xmlns:a="http://schemas.openxmlformats.org/drawingml/2006/main" xmlns:r="http://schemas.openxmlformats.org/officeDocument/2006/relationships" xmlns:p="http://schemas.openxmlformats.org/presentationml/2006/main">
   <p:cSld>
     <p:spTree>
@@ -4048,7 +6967,7 @@
         <p:spPr>
           <a:xfrm>
             <a:off x="866607" y="201371"/>
-            <a:ext cx="4878238" cy="690024"/>
+            <a:ext cx="8055324" cy="690024"/>
           </a:xfrm>
         </p:spPr>
         <p:txBody>
@@ -4059,92 +6978,17 @@
           <a:p>
             <a:r>
               <a:rPr lang="de-DE" dirty="0"/>
-              <a:t>Dokumentationen</a:t>
-            </a:r>
-          </a:p>
-        </p:txBody>
-      </p:sp>
-      <p:sp>
-        <p:nvSpPr>
-          <p:cNvPr id="3" name="Inhaltsplatzhalter 2"/>
-          <p:cNvSpPr>
-            <a:spLocks noGrp="1"/>
-          </p:cNvSpPr>
-          <p:nvPr>
-            <p:ph idx="1"/>
-          </p:nvPr>
-        </p:nvSpPr>
-        <p:spPr>
-          <a:xfrm>
-            <a:off x="866607" y="1244780"/>
-            <a:ext cx="10515600" cy="4351338"/>
-          </a:xfrm>
-        </p:spPr>
-        <p:txBody>
-          <a:bodyPr/>
-          <a:lstStyle/>
-          <a:p>
-            <a:r>
-              <a:rPr lang="de-DE" dirty="0"/>
-              <a:t>Administratorendokumentation:</a:t>
-            </a:r>
-          </a:p>
-          <a:p>
-            <a:pPr lvl="1"/>
-            <a:r>
-              <a:rPr lang="de-DE" dirty="0"/>
-              <a:t>Wenige Systemvoraussetzungen (Windows, Java 8 oder höher)</a:t>
-            </a:r>
-          </a:p>
-          <a:p>
-            <a:pPr lvl="1"/>
-            <a:r>
-              <a:rPr lang="de-DE" dirty="0"/>
-              <a:t>Verknüpfung oder Ablage der exe-Datei auf dem Desktop</a:t>
-            </a:r>
-          </a:p>
-          <a:p>
-            <a:pPr marL="0" indent="0">
-              <a:buNone/>
-            </a:pPr>
+              <a:t>UML </a:t>
+            </a:r>
+            <a:r>
+              <a:rPr lang="de-DE" dirty="0" smtClean="0"/>
+              <a:t>– </a:t>
+            </a:r>
+            <a:r>
+              <a:rPr lang="de-DE" dirty="0" smtClean="0"/>
+              <a:t>Klassendiagramm</a:t>
+            </a:r>
             <a:endParaRPr lang="de-DE" dirty="0"/>
-          </a:p>
-          <a:p>
-            <a:r>
-              <a:rPr lang="de-DE" dirty="0"/>
-              <a:t>Anwenderdokumentation:</a:t>
-            </a:r>
-          </a:p>
-          <a:p>
-            <a:pPr lvl="1"/>
-            <a:r>
-              <a:rPr lang="de-DE" dirty="0"/>
-              <a:t>Kinder als Nutzer </a:t>
-            </a:r>
-            <a:r>
-              <a:rPr lang="de-DE" dirty="0">
-                <a:sym typeface="Wingdings" panose="05000000000000000000" pitchFamily="2" charset="2"/>
-              </a:rPr>
-              <a:t> entsprechend kinderfreundlich gestaltet</a:t>
-            </a:r>
-          </a:p>
-          <a:p>
-            <a:pPr lvl="1"/>
-            <a:r>
-              <a:rPr lang="de-DE"/>
-              <a:t>Detaillierte </a:t>
-            </a:r>
-            <a:r>
-              <a:rPr lang="de-DE" dirty="0"/>
-              <a:t>Anleitung</a:t>
-            </a:r>
-          </a:p>
-          <a:p>
-            <a:pPr lvl="1"/>
-            <a:r>
-              <a:rPr lang="de-DE" dirty="0"/>
-              <a:t>Kleine Übungsbeispiele mit Lösungen</a:t>
-            </a:r>
           </a:p>
         </p:txBody>
       </p:sp>
@@ -4239,20 +7083,51 @@
           </a:fontRef>
         </p:style>
       </p:cxnSp>
+      <p:pic>
+        <p:nvPicPr>
+          <p:cNvPr id="8" name="Содержимое 3" descr="DezHexKlassendiagramm.png"/>
+          <p:cNvPicPr>
+            <a:picLocks noChangeAspect="1"/>
+          </p:cNvPicPr>
+          <p:nvPr/>
+        </p:nvPicPr>
+        <p:blipFill>
+          <a:blip r:embed="rId3" cstate="print"/>
+          <a:stretch>
+            <a:fillRect/>
+          </a:stretch>
+        </p:blipFill>
+        <p:spPr>
+          <a:xfrm>
+            <a:off x="1524000" y="1063741"/>
+            <a:ext cx="9144000" cy="4995058"/>
+          </a:xfrm>
+          <a:prstGeom prst="rect">
+            <a:avLst/>
+          </a:prstGeom>
+        </p:spPr>
+      </p:pic>
     </p:spTree>
     <p:extLst>
       <p:ext uri="{BB962C8B-B14F-4D97-AF65-F5344CB8AC3E}">
-        <p14:creationId xmlns:p14="http://schemas.microsoft.com/office/powerpoint/2010/main" val="329994621"/>
+        <p14:creationId xmlns:p14="http://schemas.microsoft.com/office/powerpoint/2010/main" val="3292862998"/>
       </p:ext>
     </p:extLst>
   </p:cSld>
   <p:clrMapOvr>
     <a:masterClrMapping/>
   </p:clrMapOvr>
+  <p:timing>
+    <p:tnLst>
+      <p:par>
+        <p:cTn id="1" dur="indefinite" restart="never" nodeType="tmRoot"/>
+      </p:par>
+    </p:tnLst>
+  </p:timing>
 </p:sld>
 </file>
 
-<file path=ppt/slides/slide7.xml><?xml version="1.0" encoding="utf-8"?>
+<file path=ppt/slides/slide8.xml><?xml version="1.0" encoding="utf-8"?>
 <p:sld xmlns:a="http://schemas.openxmlformats.org/drawingml/2006/main" xmlns:r="http://schemas.openxmlformats.org/officeDocument/2006/relationships" xmlns:p="http://schemas.openxmlformats.org/presentationml/2006/main">
   <p:cSld>
     <p:spTree>
@@ -4282,7 +7157,7 @@
         <p:spPr>
           <a:xfrm>
             <a:off x="866607" y="201371"/>
-            <a:ext cx="7564276" cy="690024"/>
+            <a:ext cx="8055324" cy="690024"/>
           </a:xfrm>
         </p:spPr>
         <p:txBody>
@@ -4293,31 +7168,16 @@
           <a:p>
             <a:r>
               <a:rPr lang="de-DE" dirty="0"/>
-              <a:t>Verwendete SWT - Werkezeuge</a:t>
-            </a:r>
-          </a:p>
-        </p:txBody>
-      </p:sp>
-      <p:sp>
-        <p:nvSpPr>
-          <p:cNvPr id="3" name="Inhaltsplatzhalter 2"/>
-          <p:cNvSpPr>
-            <a:spLocks noGrp="1"/>
-          </p:cNvSpPr>
-          <p:nvPr>
-            <p:ph idx="1"/>
-          </p:nvPr>
-        </p:nvSpPr>
-        <p:spPr>
-          <a:xfrm>
-            <a:off x="866607" y="1244780"/>
-            <a:ext cx="10515600" cy="4351338"/>
-          </a:xfrm>
-        </p:spPr>
-        <p:txBody>
-          <a:bodyPr/>
-          <a:lstStyle/>
-          <a:p>
+              <a:t>UML </a:t>
+            </a:r>
+            <a:r>
+              <a:rPr lang="de-DE" dirty="0" smtClean="0"/>
+              <a:t>– </a:t>
+            </a:r>
+            <a:r>
+              <a:rPr lang="de-DE" dirty="0" smtClean="0"/>
+              <a:t>Sequenzdiagramm</a:t>
+            </a:r>
             <a:endParaRPr lang="de-DE" dirty="0"/>
           </a:p>
         </p:txBody>
@@ -4413,20 +7273,50 @@
           </a:fontRef>
         </p:style>
       </p:cxnSp>
+      <p:pic>
+        <p:nvPicPr>
+          <p:cNvPr id="7" name="Содержимое 3" descr="DezHexSequenzdiagramm.png"/>
+          <p:cNvPicPr>
+            <a:picLocks noGrp="1" noChangeAspect="1"/>
+          </p:cNvPicPr>
+          <p:nvPr>
+            <p:ph idx="1"/>
+          </p:nvPr>
+        </p:nvPicPr>
+        <p:blipFill>
+          <a:blip r:embed="rId3" cstate="print"/>
+          <a:stretch>
+            <a:fillRect/>
+          </a:stretch>
+        </p:blipFill>
+        <p:spPr>
+          <a:xfrm>
+            <a:off x="1524000" y="975734"/>
+            <a:ext cx="8114581" cy="5263089"/>
+          </a:xfrm>
+        </p:spPr>
+      </p:pic>
     </p:spTree>
     <p:extLst>
       <p:ext uri="{BB962C8B-B14F-4D97-AF65-F5344CB8AC3E}">
-        <p14:creationId xmlns:p14="http://schemas.microsoft.com/office/powerpoint/2010/main" val="3592684440"/>
+        <p14:creationId xmlns:p14="http://schemas.microsoft.com/office/powerpoint/2010/main" val="1800573294"/>
       </p:ext>
     </p:extLst>
   </p:cSld>
   <p:clrMapOvr>
     <a:masterClrMapping/>
   </p:clrMapOvr>
+  <p:timing>
+    <p:tnLst>
+      <p:par>
+        <p:cTn id="1" dur="indefinite" restart="never" nodeType="tmRoot"/>
+      </p:par>
+    </p:tnLst>
+  </p:timing>
 </p:sld>
 </file>
 
-<file path=ppt/slides/slide8.xml><?xml version="1.0" encoding="utf-8"?>
+<file path=ppt/slides/slide9.xml><?xml version="1.0" encoding="utf-8"?>
 <p:sld xmlns:a="http://schemas.openxmlformats.org/drawingml/2006/main" xmlns:r="http://schemas.openxmlformats.org/officeDocument/2006/relationships" xmlns:p="http://schemas.openxmlformats.org/presentationml/2006/main">
   <p:cSld>
     <p:spTree>
@@ -4456,7 +7346,7 @@
         <p:spPr>
           <a:xfrm>
             <a:off x="866607" y="201371"/>
-            <a:ext cx="6126540" cy="690024"/>
+            <a:ext cx="4878238" cy="690024"/>
           </a:xfrm>
         </p:spPr>
         <p:txBody>
@@ -4467,32 +7357,8 @@
           <a:p>
             <a:r>
               <a:rPr lang="de-DE" dirty="0"/>
-              <a:t>Drittanbieter - Software</a:t>
-            </a:r>
-          </a:p>
-        </p:txBody>
-      </p:sp>
-      <p:sp>
-        <p:nvSpPr>
-          <p:cNvPr id="3" name="Inhaltsplatzhalter 2"/>
-          <p:cNvSpPr>
-            <a:spLocks noGrp="1"/>
-          </p:cNvSpPr>
-          <p:nvPr>
-            <p:ph idx="1"/>
-          </p:nvPr>
-        </p:nvSpPr>
-        <p:spPr>
-          <a:xfrm>
-            <a:off x="866607" y="1244780"/>
-            <a:ext cx="10515600" cy="4351338"/>
-          </a:xfrm>
-        </p:spPr>
-        <p:txBody>
-          <a:bodyPr/>
-          <a:lstStyle/>
-          <a:p>
-            <a:endParaRPr lang="de-DE" dirty="0"/>
+              <a:t>Dokumentationen</a:t>
+            </a:r>
           </a:p>
         </p:txBody>
       </p:sp>
@@ -4587,190 +7453,271 @@
           </a:fontRef>
         </p:style>
       </p:cxnSp>
+      <p:sp>
+        <p:nvSpPr>
+          <p:cNvPr id="7" name="Inhaltsplatzhalter 2"/>
+          <p:cNvSpPr txBox="1">
+            <a:spLocks/>
+          </p:cNvSpPr>
+          <p:nvPr/>
+        </p:nvSpPr>
+        <p:spPr>
+          <a:xfrm>
+            <a:off x="1019007" y="1397180"/>
+            <a:ext cx="10515600" cy="4351338"/>
+          </a:xfrm>
+          <a:prstGeom prst="rect">
+            <a:avLst/>
+          </a:prstGeom>
+        </p:spPr>
+        <p:txBody>
+          <a:bodyPr vert="horz" lIns="91440" tIns="45720" rIns="91440" bIns="45720" rtlCol="0">
+            <a:normAutofit/>
+          </a:bodyPr>
+          <a:lstStyle>
+            <a:lvl1pPr marL="228600" indent="-228600" algn="l" defTabSz="914400" rtl="0" eaLnBrk="1" latinLnBrk="0" hangingPunct="1">
+              <a:lnSpc>
+                <a:spcPct val="90000"/>
+              </a:lnSpc>
+              <a:spcBef>
+                <a:spcPts val="1000"/>
+              </a:spcBef>
+              <a:buFont typeface="Arial" panose="020B0604020202020204" pitchFamily="34" charset="0"/>
+              <a:buChar char="•"/>
+              <a:defRPr sz="2800" kern="1200">
+                <a:solidFill>
+                  <a:schemeClr val="tx1"/>
+                </a:solidFill>
+                <a:latin typeface="+mn-lt"/>
+                <a:ea typeface="+mn-ea"/>
+                <a:cs typeface="+mn-cs"/>
+              </a:defRPr>
+            </a:lvl1pPr>
+            <a:lvl2pPr marL="685800" indent="-228600" algn="l" defTabSz="914400" rtl="0" eaLnBrk="1" latinLnBrk="0" hangingPunct="1">
+              <a:lnSpc>
+                <a:spcPct val="90000"/>
+              </a:lnSpc>
+              <a:spcBef>
+                <a:spcPts val="500"/>
+              </a:spcBef>
+              <a:buFont typeface="Arial" panose="020B0604020202020204" pitchFamily="34" charset="0"/>
+              <a:buChar char="•"/>
+              <a:defRPr sz="2400" kern="1200">
+                <a:solidFill>
+                  <a:schemeClr val="tx1"/>
+                </a:solidFill>
+                <a:latin typeface="+mn-lt"/>
+                <a:ea typeface="+mn-ea"/>
+                <a:cs typeface="+mn-cs"/>
+              </a:defRPr>
+            </a:lvl2pPr>
+            <a:lvl3pPr marL="1143000" indent="-228600" algn="l" defTabSz="914400" rtl="0" eaLnBrk="1" latinLnBrk="0" hangingPunct="1">
+              <a:lnSpc>
+                <a:spcPct val="90000"/>
+              </a:lnSpc>
+              <a:spcBef>
+                <a:spcPts val="500"/>
+              </a:spcBef>
+              <a:buFont typeface="Arial" panose="020B0604020202020204" pitchFamily="34" charset="0"/>
+              <a:buChar char="•"/>
+              <a:defRPr sz="2000" kern="1200">
+                <a:solidFill>
+                  <a:schemeClr val="tx1"/>
+                </a:solidFill>
+                <a:latin typeface="+mn-lt"/>
+                <a:ea typeface="+mn-ea"/>
+                <a:cs typeface="+mn-cs"/>
+              </a:defRPr>
+            </a:lvl3pPr>
+            <a:lvl4pPr marL="1600200" indent="-228600" algn="l" defTabSz="914400" rtl="0" eaLnBrk="1" latinLnBrk="0" hangingPunct="1">
+              <a:lnSpc>
+                <a:spcPct val="90000"/>
+              </a:lnSpc>
+              <a:spcBef>
+                <a:spcPts val="500"/>
+              </a:spcBef>
+              <a:buFont typeface="Arial" panose="020B0604020202020204" pitchFamily="34" charset="0"/>
+              <a:buChar char="•"/>
+              <a:defRPr sz="1800" kern="1200">
+                <a:solidFill>
+                  <a:schemeClr val="tx1"/>
+                </a:solidFill>
+                <a:latin typeface="+mn-lt"/>
+                <a:ea typeface="+mn-ea"/>
+                <a:cs typeface="+mn-cs"/>
+              </a:defRPr>
+            </a:lvl4pPr>
+            <a:lvl5pPr marL="2057400" indent="-228600" algn="l" defTabSz="914400" rtl="0" eaLnBrk="1" latinLnBrk="0" hangingPunct="1">
+              <a:lnSpc>
+                <a:spcPct val="90000"/>
+              </a:lnSpc>
+              <a:spcBef>
+                <a:spcPts val="500"/>
+              </a:spcBef>
+              <a:buFont typeface="Arial" panose="020B0604020202020204" pitchFamily="34" charset="0"/>
+              <a:buChar char="•"/>
+              <a:defRPr sz="1800" kern="1200">
+                <a:solidFill>
+                  <a:schemeClr val="tx1"/>
+                </a:solidFill>
+                <a:latin typeface="+mn-lt"/>
+                <a:ea typeface="+mn-ea"/>
+                <a:cs typeface="+mn-cs"/>
+              </a:defRPr>
+            </a:lvl5pPr>
+            <a:lvl6pPr marL="2514600" indent="-228600" algn="l" defTabSz="914400" rtl="0" eaLnBrk="1" latinLnBrk="0" hangingPunct="1">
+              <a:lnSpc>
+                <a:spcPct val="90000"/>
+              </a:lnSpc>
+              <a:spcBef>
+                <a:spcPts val="500"/>
+              </a:spcBef>
+              <a:buFont typeface="Arial" panose="020B0604020202020204" pitchFamily="34" charset="0"/>
+              <a:buChar char="•"/>
+              <a:defRPr sz="1800" kern="1200">
+                <a:solidFill>
+                  <a:schemeClr val="tx1"/>
+                </a:solidFill>
+                <a:latin typeface="+mn-lt"/>
+                <a:ea typeface="+mn-ea"/>
+                <a:cs typeface="+mn-cs"/>
+              </a:defRPr>
+            </a:lvl6pPr>
+            <a:lvl7pPr marL="2971800" indent="-228600" algn="l" defTabSz="914400" rtl="0" eaLnBrk="1" latinLnBrk="0" hangingPunct="1">
+              <a:lnSpc>
+                <a:spcPct val="90000"/>
+              </a:lnSpc>
+              <a:spcBef>
+                <a:spcPts val="500"/>
+              </a:spcBef>
+              <a:buFont typeface="Arial" panose="020B0604020202020204" pitchFamily="34" charset="0"/>
+              <a:buChar char="•"/>
+              <a:defRPr sz="1800" kern="1200">
+                <a:solidFill>
+                  <a:schemeClr val="tx1"/>
+                </a:solidFill>
+                <a:latin typeface="+mn-lt"/>
+                <a:ea typeface="+mn-ea"/>
+                <a:cs typeface="+mn-cs"/>
+              </a:defRPr>
+            </a:lvl7pPr>
+            <a:lvl8pPr marL="3429000" indent="-228600" algn="l" defTabSz="914400" rtl="0" eaLnBrk="1" latinLnBrk="0" hangingPunct="1">
+              <a:lnSpc>
+                <a:spcPct val="90000"/>
+              </a:lnSpc>
+              <a:spcBef>
+                <a:spcPts val="500"/>
+              </a:spcBef>
+              <a:buFont typeface="Arial" panose="020B0604020202020204" pitchFamily="34" charset="0"/>
+              <a:buChar char="•"/>
+              <a:defRPr sz="1800" kern="1200">
+                <a:solidFill>
+                  <a:schemeClr val="tx1"/>
+                </a:solidFill>
+                <a:latin typeface="+mn-lt"/>
+                <a:ea typeface="+mn-ea"/>
+                <a:cs typeface="+mn-cs"/>
+              </a:defRPr>
+            </a:lvl8pPr>
+            <a:lvl9pPr marL="3886200" indent="-228600" algn="l" defTabSz="914400" rtl="0" eaLnBrk="1" latinLnBrk="0" hangingPunct="1">
+              <a:lnSpc>
+                <a:spcPct val="90000"/>
+              </a:lnSpc>
+              <a:spcBef>
+                <a:spcPts val="500"/>
+              </a:spcBef>
+              <a:buFont typeface="Arial" panose="020B0604020202020204" pitchFamily="34" charset="0"/>
+              <a:buChar char="•"/>
+              <a:defRPr sz="1800" kern="1200">
+                <a:solidFill>
+                  <a:schemeClr val="tx1"/>
+                </a:solidFill>
+                <a:latin typeface="+mn-lt"/>
+                <a:ea typeface="+mn-ea"/>
+                <a:cs typeface="+mn-cs"/>
+              </a:defRPr>
+            </a:lvl9pPr>
+          </a:lstStyle>
+          <a:p>
+            <a:r>
+              <a:rPr lang="de-DE" smtClean="0"/>
+              <a:t>Administratorendokumentation:</a:t>
+            </a:r>
+          </a:p>
+          <a:p>
+            <a:pPr lvl="1"/>
+            <a:r>
+              <a:rPr lang="de-DE" smtClean="0"/>
+              <a:t>Wenige Systemvoraussetzungen (Windows, Java 8 oder höher)</a:t>
+            </a:r>
+          </a:p>
+          <a:p>
+            <a:pPr lvl="1"/>
+            <a:r>
+              <a:rPr lang="de-DE" smtClean="0"/>
+              <a:t>Verknüpfung oder Ablage der exe-Datei auf dem Desktop</a:t>
+            </a:r>
+          </a:p>
+          <a:p>
+            <a:pPr marL="0" indent="0">
+              <a:buFont typeface="Arial" panose="020B0604020202020204" pitchFamily="34" charset="0"/>
+              <a:buNone/>
+            </a:pPr>
+            <a:endParaRPr lang="de-DE" smtClean="0"/>
+          </a:p>
+          <a:p>
+            <a:r>
+              <a:rPr lang="de-DE" smtClean="0"/>
+              <a:t>Anwenderdokumentation:</a:t>
+            </a:r>
+          </a:p>
+          <a:p>
+            <a:pPr lvl="1"/>
+            <a:r>
+              <a:rPr lang="de-DE" smtClean="0"/>
+              <a:t>Kinder als Nutzer </a:t>
+            </a:r>
+            <a:r>
+              <a:rPr lang="de-DE" smtClean="0">
+                <a:sym typeface="Wingdings" panose="05000000000000000000" pitchFamily="2" charset="2"/>
+              </a:rPr>
+              <a:t> entsprechend kinderfreundlich gestaltet</a:t>
+            </a:r>
+          </a:p>
+          <a:p>
+            <a:pPr lvl="1"/>
+            <a:r>
+              <a:rPr lang="de-DE" smtClean="0"/>
+              <a:t>Detaillierte Anleitung</a:t>
+            </a:r>
+          </a:p>
+          <a:p>
+            <a:pPr lvl="1"/>
+            <a:r>
+              <a:rPr lang="de-DE" smtClean="0"/>
+              <a:t>Kleine Übungsbeispiele mit Lösungen</a:t>
+            </a:r>
+            <a:endParaRPr lang="de-DE" dirty="0"/>
+          </a:p>
+        </p:txBody>
+      </p:sp>
     </p:spTree>
     <p:extLst>
       <p:ext uri="{BB962C8B-B14F-4D97-AF65-F5344CB8AC3E}">
-        <p14:creationId xmlns:p14="http://schemas.microsoft.com/office/powerpoint/2010/main" val="1925289598"/>
+        <p14:creationId xmlns:p14="http://schemas.microsoft.com/office/powerpoint/2010/main" val="1581545210"/>
       </p:ext>
     </p:extLst>
   </p:cSld>
   <p:clrMapOvr>
     <a:masterClrMapping/>
   </p:clrMapOvr>
-</p:sld>
-</file>
-
-<file path=ppt/slides/slide9.xml><?xml version="1.0" encoding="utf-8"?>
-<p:sld xmlns:a="http://schemas.openxmlformats.org/drawingml/2006/main" xmlns:r="http://schemas.openxmlformats.org/officeDocument/2006/relationships" xmlns:p="http://schemas.openxmlformats.org/presentationml/2006/main">
-  <p:cSld>
-    <p:spTree>
-      <p:nvGrpSpPr>
-        <p:cNvPr id="1" name=""/>
-        <p:cNvGrpSpPr/>
-        <p:nvPr/>
-      </p:nvGrpSpPr>
-      <p:grpSpPr>
-        <a:xfrm>
-          <a:off x="0" y="0"/>
-          <a:ext cx="0" cy="0"/>
-          <a:chOff x="0" y="0"/>
-          <a:chExt cx="0" cy="0"/>
-        </a:xfrm>
-      </p:grpSpPr>
-      <p:sp>
-        <p:nvSpPr>
-          <p:cNvPr id="2" name="Titel 1"/>
-          <p:cNvSpPr>
-            <a:spLocks noGrp="1"/>
-          </p:cNvSpPr>
-          <p:nvPr>
-            <p:ph type="title"/>
-          </p:nvPr>
-        </p:nvSpPr>
-        <p:spPr>
-          <a:xfrm>
-            <a:off x="866607" y="201371"/>
-            <a:ext cx="6126540" cy="690024"/>
-          </a:xfrm>
-        </p:spPr>
-        <p:txBody>
-          <a:bodyPr>
-            <a:normAutofit fontScale="90000"/>
-          </a:bodyPr>
-          <a:lstStyle/>
-          <a:p>
-            <a:r>
-              <a:rPr lang="de-DE" dirty="0"/>
-              <a:t>Selbstreflektion</a:t>
-            </a:r>
-          </a:p>
-        </p:txBody>
-      </p:sp>
-      <p:sp>
-        <p:nvSpPr>
-          <p:cNvPr id="3" name="Inhaltsplatzhalter 2"/>
-          <p:cNvSpPr>
-            <a:spLocks noGrp="1"/>
-          </p:cNvSpPr>
-          <p:nvPr>
-            <p:ph idx="1"/>
-          </p:nvPr>
-        </p:nvSpPr>
-        <p:spPr>
-          <a:xfrm>
-            <a:off x="866607" y="1244780"/>
-            <a:ext cx="10515600" cy="4351338"/>
-          </a:xfrm>
-        </p:spPr>
-        <p:txBody>
-          <a:bodyPr/>
-          <a:lstStyle/>
-          <a:p>
-            <a:endParaRPr lang="de-DE" dirty="0"/>
-          </a:p>
-        </p:txBody>
-      </p:sp>
-      <p:pic>
-        <p:nvPicPr>
-          <p:cNvPr id="4" name="Grafik 3"/>
-          <p:cNvPicPr>
-            <a:picLocks noChangeAspect="1"/>
-          </p:cNvPicPr>
-          <p:nvPr/>
-        </p:nvPicPr>
-        <p:blipFill>
-          <a:blip r:embed="rId2" cstate="print">
-            <a:extLst>
-              <a:ext uri="{28A0092B-C50C-407E-A947-70E740481C1C}">
-                <a14:useLocalDpi xmlns:a14="http://schemas.microsoft.com/office/drawing/2010/main" val="0"/>
-              </a:ext>
-            </a:extLst>
-          </a:blip>
-          <a:stretch>
-            <a:fillRect/>
-          </a:stretch>
-        </p:blipFill>
-        <p:spPr>
-          <a:xfrm>
-            <a:off x="17595" y="3325"/>
-            <a:ext cx="849012" cy="851140"/>
-          </a:xfrm>
-          <a:prstGeom prst="rect">
-            <a:avLst/>
-          </a:prstGeom>
-          <a:effectLst/>
-        </p:spPr>
-      </p:pic>
-      <p:cxnSp>
-        <p:nvCxnSpPr>
-          <p:cNvPr id="5" name="Gerader Verbinder 4"/>
-          <p:cNvCxnSpPr/>
-          <p:nvPr/>
-        </p:nvCxnSpPr>
-        <p:spPr>
-          <a:xfrm>
-            <a:off x="0" y="879893"/>
-            <a:ext cx="10668000" cy="0"/>
-          </a:xfrm>
-          <a:prstGeom prst="line">
-            <a:avLst/>
-          </a:prstGeom>
-        </p:spPr>
-        <p:style>
-          <a:lnRef idx="3">
-            <a:schemeClr val="accent2"/>
-          </a:lnRef>
-          <a:fillRef idx="0">
-            <a:schemeClr val="accent2"/>
-          </a:fillRef>
-          <a:effectRef idx="2">
-            <a:schemeClr val="accent2"/>
-          </a:effectRef>
-          <a:fontRef idx="minor">
-            <a:schemeClr val="tx1"/>
-          </a:fontRef>
-        </p:style>
-      </p:cxnSp>
-      <p:cxnSp>
-        <p:nvCxnSpPr>
-          <p:cNvPr id="6" name="Gerader Verbinder 5"/>
-          <p:cNvCxnSpPr/>
-          <p:nvPr/>
-        </p:nvCxnSpPr>
-        <p:spPr>
-          <a:xfrm>
-            <a:off x="1524000" y="6311660"/>
-            <a:ext cx="10668000" cy="0"/>
-          </a:xfrm>
-          <a:prstGeom prst="line">
-            <a:avLst/>
-          </a:prstGeom>
-        </p:spPr>
-        <p:style>
-          <a:lnRef idx="3">
-            <a:schemeClr val="accent2"/>
-          </a:lnRef>
-          <a:fillRef idx="0">
-            <a:schemeClr val="accent2"/>
-          </a:fillRef>
-          <a:effectRef idx="2">
-            <a:schemeClr val="accent2"/>
-          </a:effectRef>
-          <a:fontRef idx="minor">
-            <a:schemeClr val="tx1"/>
-          </a:fontRef>
-        </p:style>
-      </p:cxnSp>
-    </p:spTree>
-    <p:extLst>
-      <p:ext uri="{BB962C8B-B14F-4D97-AF65-F5344CB8AC3E}">
-        <p14:creationId xmlns:p14="http://schemas.microsoft.com/office/powerpoint/2010/main" val="4074636198"/>
-      </p:ext>
-    </p:extLst>
-  </p:cSld>
-  <p:clrMapOvr>
-    <a:masterClrMapping/>
-  </p:clrMapOvr>
+  <p:timing>
+    <p:tnLst>
+      <p:par>
+        <p:cTn id="1" dur="indefinite" restart="never" nodeType="tmRoot"/>
+      </p:par>
+    </p:tnLst>
+  </p:timing>
 </p:sld>
 </file>
 
@@ -4817,7 +7764,7 @@
     </a:clrScheme>
     <a:fontScheme name="Office">
       <a:majorFont>
-        <a:latin typeface="Calibri Light" panose="020F0302020204030204"/>
+        <a:latin typeface="Calibri Light"/>
         <a:ea typeface=""/>
         <a:cs typeface=""/>
         <a:font script="Jpan" typeface="ＭＳ Ｐゴシック"/>
@@ -4852,7 +7799,7 @@
         <a:font script="Geor" typeface="Sylfaen"/>
       </a:majorFont>
       <a:minorFont>
-        <a:latin typeface="Calibri" panose="020F0502020204030204"/>
+        <a:latin typeface="Calibri"/>
         <a:ea typeface=""/>
         <a:cs typeface=""/>
         <a:font script="Jpan" typeface="ＭＳ Ｐゴシック"/>

--- a/Präsentation/DezHex.pptx
+++ b/Präsentation/DezHex.pptx
@@ -13,23 +13,18 @@
     <p:sldId id="282" r:id="rId7"/>
     <p:sldId id="283" r:id="rId8"/>
     <p:sldId id="284" r:id="rId9"/>
-    <p:sldId id="259" r:id="rId10"/>
-    <p:sldId id="285" r:id="rId11"/>
-    <p:sldId id="271" r:id="rId12"/>
-    <p:sldId id="272" r:id="rId13"/>
-    <p:sldId id="273" r:id="rId14"/>
+    <p:sldId id="285" r:id="rId10"/>
+    <p:sldId id="271" r:id="rId11"/>
+    <p:sldId id="272" r:id="rId12"/>
+    <p:sldId id="273" r:id="rId13"/>
+    <p:sldId id="288" r:id="rId14"/>
     <p:sldId id="260" r:id="rId15"/>
     <p:sldId id="287" r:id="rId16"/>
     <p:sldId id="286" r:id="rId17"/>
     <p:sldId id="261" r:id="rId18"/>
-    <p:sldId id="274" r:id="rId19"/>
-    <p:sldId id="275" r:id="rId20"/>
-    <p:sldId id="276" r:id="rId21"/>
-    <p:sldId id="277" r:id="rId22"/>
-    <p:sldId id="278" r:id="rId23"/>
-    <p:sldId id="279" r:id="rId24"/>
-    <p:sldId id="280" r:id="rId25"/>
-    <p:sldId id="264" r:id="rId26"/>
+    <p:sldId id="276" r:id="rId19"/>
+    <p:sldId id="277" r:id="rId20"/>
+    <p:sldId id="264" r:id="rId21"/>
   </p:sldIdLst>
   <p:sldSz cx="12192000" cy="6858000"/>
   <p:notesSz cx="6858000" cy="9144000"/>
@@ -3300,6 +3295,325 @@
       </p:grpSpPr>
       <p:sp>
         <p:nvSpPr>
+          <p:cNvPr id="3" name="Содержимое 2"/>
+          <p:cNvSpPr>
+            <a:spLocks noGrp="1"/>
+          </p:cNvSpPr>
+          <p:nvPr>
+            <p:ph idx="1"/>
+          </p:nvPr>
+        </p:nvSpPr>
+        <p:spPr/>
+        <p:txBody>
+          <a:bodyPr/>
+          <a:lstStyle/>
+          <a:p>
+            <a:r>
+              <a:rPr lang="de-DE" dirty="0" smtClean="0"/>
+              <a:t>Vorgehensweise</a:t>
+            </a:r>
+            <a:endParaRPr lang="de-DE" dirty="0"/>
+          </a:p>
+        </p:txBody>
+      </p:sp>
+      <p:sp>
+        <p:nvSpPr>
+          <p:cNvPr id="4" name="Заголовок 1"/>
+          <p:cNvSpPr>
+            <a:spLocks noGrp="1"/>
+          </p:cNvSpPr>
+          <p:nvPr>
+            <p:ph type="title"/>
+          </p:nvPr>
+        </p:nvSpPr>
+        <p:spPr>
+          <a:solidFill>
+            <a:schemeClr val="tx2">
+              <a:lumMod val="20000"/>
+              <a:lumOff val="80000"/>
+            </a:schemeClr>
+          </a:solidFill>
+        </p:spPr>
+        <p:txBody>
+          <a:bodyPr/>
+          <a:lstStyle/>
+          <a:p>
+            <a:r>
+              <a:rPr lang="de-DE" dirty="0" smtClean="0">
+                <a:solidFill>
+                  <a:srgbClr val="183BD2"/>
+                </a:solidFill>
+              </a:rPr>
+              <a:t>Entwicklerdokumentation(2)</a:t>
+            </a:r>
+            <a:endParaRPr lang="de-DE" dirty="0"/>
+          </a:p>
+        </p:txBody>
+      </p:sp>
+      <p:pic>
+        <p:nvPicPr>
+          <p:cNvPr id="2050" name="Picture 2" descr="C:\Users\Serhiy\Desktop\SE\doxyFenster.png"/>
+          <p:cNvPicPr>
+            <a:picLocks noChangeAspect="1" noChangeArrowheads="1"/>
+          </p:cNvPicPr>
+          <p:nvPr/>
+        </p:nvPicPr>
+        <p:blipFill>
+          <a:blip r:embed="rId2" cstate="print"/>
+          <a:srcRect/>
+          <a:stretch>
+            <a:fillRect/>
+          </a:stretch>
+        </p:blipFill>
+        <p:spPr bwMode="auto">
+          <a:xfrm>
+            <a:off x="888274" y="2204864"/>
+            <a:ext cx="10489475" cy="4581128"/>
+          </a:xfrm>
+          <a:prstGeom prst="rect">
+            <a:avLst/>
+          </a:prstGeom>
+          <a:noFill/>
+        </p:spPr>
+      </p:pic>
+    </p:spTree>
+  </p:cSld>
+  <p:clrMapOvr>
+    <a:masterClrMapping/>
+  </p:clrMapOvr>
+  <p:timing>
+    <p:tnLst>
+      <p:par>
+        <p:cTn id="1" dur="indefinite" restart="never" nodeType="tmRoot"/>
+      </p:par>
+    </p:tnLst>
+  </p:timing>
+</p:sld>
+</file>
+
+<file path=ppt/slides/slide11.xml><?xml version="1.0" encoding="utf-8"?>
+<p:sld xmlns:a="http://schemas.openxmlformats.org/drawingml/2006/main" xmlns:r="http://schemas.openxmlformats.org/officeDocument/2006/relationships" xmlns:p="http://schemas.openxmlformats.org/presentationml/2006/main">
+  <p:cSld>
+    <p:spTree>
+      <p:nvGrpSpPr>
+        <p:cNvPr id="1" name=""/>
+        <p:cNvGrpSpPr/>
+        <p:nvPr/>
+      </p:nvGrpSpPr>
+      <p:grpSpPr>
+        <a:xfrm>
+          <a:off x="0" y="0"/>
+          <a:ext cx="0" cy="0"/>
+          <a:chOff x="0" y="0"/>
+          <a:chExt cx="0" cy="0"/>
+        </a:xfrm>
+      </p:grpSpPr>
+      <p:sp>
+        <p:nvSpPr>
+          <p:cNvPr id="4" name="Заголовок 1"/>
+          <p:cNvSpPr>
+            <a:spLocks noGrp="1"/>
+          </p:cNvSpPr>
+          <p:nvPr>
+            <p:ph type="title"/>
+          </p:nvPr>
+        </p:nvSpPr>
+        <p:spPr>
+          <a:solidFill>
+            <a:schemeClr val="tx2">
+              <a:lumMod val="20000"/>
+              <a:lumOff val="80000"/>
+            </a:schemeClr>
+          </a:solidFill>
+        </p:spPr>
+        <p:txBody>
+          <a:bodyPr/>
+          <a:lstStyle/>
+          <a:p>
+            <a:r>
+              <a:rPr lang="de-DE" dirty="0" smtClean="0">
+                <a:solidFill>
+                  <a:srgbClr val="183BD2"/>
+                </a:solidFill>
+              </a:rPr>
+              <a:t>Entwicklerdokumentation(3)</a:t>
+            </a:r>
+            <a:endParaRPr lang="de-DE" dirty="0"/>
+          </a:p>
+        </p:txBody>
+      </p:sp>
+      <p:sp>
+        <p:nvSpPr>
+          <p:cNvPr id="6" name="Содержимое 5"/>
+          <p:cNvSpPr>
+            <a:spLocks noGrp="1"/>
+          </p:cNvSpPr>
+          <p:nvPr>
+            <p:ph idx="1"/>
+          </p:nvPr>
+        </p:nvSpPr>
+        <p:spPr/>
+        <p:txBody>
+          <a:bodyPr/>
+          <a:lstStyle/>
+          <a:p>
+            <a:r>
+              <a:rPr lang="de-DE" dirty="0" smtClean="0"/>
+              <a:t>Generierte Dokumentation</a:t>
+            </a:r>
+            <a:endParaRPr lang="de-DE" dirty="0"/>
+          </a:p>
+        </p:txBody>
+      </p:sp>
+      <p:pic>
+        <p:nvPicPr>
+          <p:cNvPr id="3074" name="Picture 2" descr="C:\Users\Serhiy\Desktop\SE\doxyFertig.png"/>
+          <p:cNvPicPr>
+            <a:picLocks noChangeAspect="1" noChangeArrowheads="1"/>
+          </p:cNvPicPr>
+          <p:nvPr/>
+        </p:nvPicPr>
+        <p:blipFill>
+          <a:blip r:embed="rId2" cstate="print"/>
+          <a:srcRect/>
+          <a:stretch>
+            <a:fillRect/>
+          </a:stretch>
+        </p:blipFill>
+        <p:spPr bwMode="auto">
+          <a:xfrm>
+            <a:off x="815413" y="2348880"/>
+            <a:ext cx="10657184" cy="3744416"/>
+          </a:xfrm>
+          <a:prstGeom prst="rect">
+            <a:avLst/>
+          </a:prstGeom>
+          <a:noFill/>
+        </p:spPr>
+      </p:pic>
+    </p:spTree>
+  </p:cSld>
+  <p:clrMapOvr>
+    <a:masterClrMapping/>
+  </p:clrMapOvr>
+  <p:timing>
+    <p:tnLst>
+      <p:par>
+        <p:cTn id="1" dur="indefinite" restart="never" nodeType="tmRoot"/>
+      </p:par>
+    </p:tnLst>
+  </p:timing>
+</p:sld>
+</file>
+
+<file path=ppt/slides/slide12.xml><?xml version="1.0" encoding="utf-8"?>
+<p:sld xmlns:a="http://schemas.openxmlformats.org/drawingml/2006/main" xmlns:r="http://schemas.openxmlformats.org/officeDocument/2006/relationships" xmlns:p="http://schemas.openxmlformats.org/presentationml/2006/main">
+  <p:cSld>
+    <p:spTree>
+      <p:nvGrpSpPr>
+        <p:cNvPr id="1" name=""/>
+        <p:cNvGrpSpPr/>
+        <p:nvPr/>
+      </p:nvGrpSpPr>
+      <p:grpSpPr>
+        <a:xfrm>
+          <a:off x="0" y="0"/>
+          <a:ext cx="0" cy="0"/>
+          <a:chOff x="0" y="0"/>
+          <a:chExt cx="0" cy="0"/>
+        </a:xfrm>
+      </p:grpSpPr>
+      <p:pic>
+        <p:nvPicPr>
+          <p:cNvPr id="5" name="Содержимое 4" descr="doxyFertig2.png"/>
+          <p:cNvPicPr>
+            <a:picLocks noGrp="1" noChangeAspect="1"/>
+          </p:cNvPicPr>
+          <p:nvPr>
+            <p:ph idx="1"/>
+          </p:nvPr>
+        </p:nvPicPr>
+        <p:blipFill>
+          <a:blip r:embed="rId2" cstate="print"/>
+          <a:stretch>
+            <a:fillRect/>
+          </a:stretch>
+        </p:blipFill>
+        <p:spPr>
+          <a:xfrm>
+            <a:off x="914400" y="2509952"/>
+            <a:ext cx="10437223" cy="2706461"/>
+          </a:xfrm>
+        </p:spPr>
+      </p:pic>
+      <p:sp>
+        <p:nvSpPr>
+          <p:cNvPr id="4" name="Заголовок 1"/>
+          <p:cNvSpPr>
+            <a:spLocks noGrp="1"/>
+          </p:cNvSpPr>
+          <p:nvPr>
+            <p:ph type="title"/>
+          </p:nvPr>
+        </p:nvSpPr>
+        <p:spPr>
+          <a:solidFill>
+            <a:schemeClr val="tx2">
+              <a:lumMod val="20000"/>
+              <a:lumOff val="80000"/>
+            </a:schemeClr>
+          </a:solidFill>
+        </p:spPr>
+        <p:txBody>
+          <a:bodyPr/>
+          <a:lstStyle/>
+          <a:p>
+            <a:r>
+              <a:rPr lang="de-DE" dirty="0" smtClean="0">
+                <a:solidFill>
+                  <a:srgbClr val="183BD2"/>
+                </a:solidFill>
+              </a:rPr>
+              <a:t>Entwicklerdokumentation(4)</a:t>
+            </a:r>
+            <a:endParaRPr lang="de-DE" dirty="0"/>
+          </a:p>
+        </p:txBody>
+      </p:sp>
+    </p:spTree>
+  </p:cSld>
+  <p:clrMapOvr>
+    <a:masterClrMapping/>
+  </p:clrMapOvr>
+  <p:timing>
+    <p:tnLst>
+      <p:par>
+        <p:cTn id="1" dur="indefinite" restart="never" nodeType="tmRoot"/>
+      </p:par>
+    </p:tnLst>
+  </p:timing>
+</p:sld>
+</file>
+
+<file path=ppt/slides/slide13.xml><?xml version="1.0" encoding="utf-8"?>
+<p:sld xmlns:a="http://schemas.openxmlformats.org/drawingml/2006/main" xmlns:r="http://schemas.openxmlformats.org/officeDocument/2006/relationships" xmlns:p="http://schemas.openxmlformats.org/presentationml/2006/main">
+  <p:cSld>
+    <p:spTree>
+      <p:nvGrpSpPr>
+        <p:cNvPr id="1" name=""/>
+        <p:cNvGrpSpPr/>
+        <p:nvPr/>
+      </p:nvGrpSpPr>
+      <p:grpSpPr>
+        <a:xfrm>
+          <a:off x="0" y="0"/>
+          <a:ext cx="0" cy="0"/>
+          <a:chOff x="0" y="0"/>
+          <a:chExt cx="0" cy="0"/>
+        </a:xfrm>
+      </p:grpSpPr>
+      <p:sp>
+        <p:nvSpPr>
           <p:cNvPr id="2" name="Titel 1"/>
           <p:cNvSpPr>
             <a:spLocks noGrp="1"/>
@@ -3311,7 +3625,7 @@
         <p:spPr>
           <a:xfrm>
             <a:off x="866607" y="201371"/>
-            <a:ext cx="5833242" cy="690024"/>
+            <a:ext cx="4878238" cy="690024"/>
           </a:xfrm>
         </p:spPr>
         <p:txBody>
@@ -3321,10 +3635,9 @@
           <a:lstStyle/>
           <a:p>
             <a:r>
-              <a:rPr lang="de-DE" dirty="0" smtClean="0"/>
-              <a:t>Entwicklerdokumentation</a:t>
-            </a:r>
-            <a:endParaRPr lang="de-DE" dirty="0"/>
+              <a:rPr lang="de-DE" dirty="0"/>
+              <a:t>Dokumentationen</a:t>
+            </a:r>
           </a:p>
         </p:txBody>
       </p:sp>
@@ -3429,8 +3742,8 @@
         </p:nvSpPr>
         <p:spPr>
           <a:xfrm>
-            <a:off x="1208314" y="1244839"/>
-            <a:ext cx="10515600" cy="650156"/>
+            <a:off x="1524000" y="1374177"/>
+            <a:ext cx="9144000" cy="4351338"/>
           </a:xfrm>
           <a:prstGeom prst="rect">
             <a:avLst/>
@@ -3606,373 +3919,73 @@
           </a:lstStyle>
           <a:p>
             <a:r>
-              <a:rPr lang="de-DE" dirty="0" err="1"/>
-              <a:t>Doxygen</a:t>
-            </a:r>
-            <a:r>
-              <a:rPr lang="de-DE" dirty="0"/>
-              <a:t> – Kommentar Block</a:t>
-            </a:r>
-          </a:p>
-          <a:p>
-            <a:pPr marL="457200" lvl="1" indent="0">
+              <a:rPr lang="de-DE" dirty="0" smtClean="0"/>
+              <a:t>Administratorendokumentation:</a:t>
+            </a:r>
+          </a:p>
+          <a:p>
+            <a:pPr lvl="1"/>
+            <a:r>
+              <a:rPr lang="de-DE" dirty="0" smtClean="0"/>
+              <a:t>Wenige Systemvoraussetzungen (Windows, Java 8 oder höher)</a:t>
+            </a:r>
+          </a:p>
+          <a:p>
+            <a:pPr lvl="1"/>
+            <a:r>
+              <a:rPr lang="de-DE" dirty="0" smtClean="0"/>
+              <a:t>Verknüpfung oder Ablage der exe-Datei auf dem Desktop</a:t>
+            </a:r>
+          </a:p>
+          <a:p>
+            <a:pPr marL="0" indent="0">
+              <a:buFont typeface="Arial" panose="020B0604020202020204" pitchFamily="34" charset="0"/>
               <a:buNone/>
             </a:pPr>
+            <a:endParaRPr lang="de-DE" dirty="0" smtClean="0"/>
+          </a:p>
+          <a:p>
+            <a:r>
+              <a:rPr lang="de-DE" dirty="0" smtClean="0"/>
+              <a:t>Anwenderdokumentation:</a:t>
+            </a:r>
+          </a:p>
+          <a:p>
+            <a:pPr lvl="1"/>
+            <a:r>
+              <a:rPr lang="de-DE" dirty="0" smtClean="0"/>
+              <a:t>Kinder als Nutzer </a:t>
+            </a:r>
+            <a:r>
+              <a:rPr lang="de-DE" dirty="0" smtClean="0">
+                <a:sym typeface="Wingdings" panose="05000000000000000000" pitchFamily="2" charset="2"/>
+              </a:rPr>
+              <a:t> entsprechend kinderfreundlich gestaltet</a:t>
+            </a:r>
+          </a:p>
+          <a:p>
+            <a:pPr lvl="1"/>
+            <a:r>
+              <a:rPr lang="de-DE" dirty="0" smtClean="0"/>
+              <a:t>Detaillierte Anleitung</a:t>
+            </a:r>
+          </a:p>
+          <a:p>
+            <a:pPr lvl="1"/>
+            <a:r>
+              <a:rPr lang="de-DE" dirty="0" smtClean="0"/>
+              <a:t>Kleine Übungsbeispiele mit Lösungen</a:t>
+            </a:r>
             <a:endParaRPr lang="de-DE" dirty="0"/>
           </a:p>
         </p:txBody>
       </p:sp>
-      <p:pic>
-        <p:nvPicPr>
-          <p:cNvPr id="8" name="Picture 4" descr="C:\Users\Serhiy\Desktop\SE\doxyKommentar.png"/>
-          <p:cNvPicPr>
-            <a:picLocks noChangeAspect="1" noChangeArrowheads="1"/>
-          </p:cNvPicPr>
-          <p:nvPr/>
-        </p:nvPicPr>
-        <p:blipFill>
-          <a:blip r:embed="rId3" cstate="print"/>
-          <a:srcRect/>
-          <a:stretch>
-            <a:fillRect/>
-          </a:stretch>
-        </p:blipFill>
-        <p:spPr bwMode="auto">
-          <a:xfrm>
-            <a:off x="1524000" y="1983812"/>
-            <a:ext cx="9884229" cy="3981450"/>
-          </a:xfrm>
-          <a:prstGeom prst="rect">
-            <a:avLst/>
-          </a:prstGeom>
-          <a:noFill/>
-        </p:spPr>
-      </p:pic>
     </p:spTree>
     <p:extLst>
       <p:ext uri="{BB962C8B-B14F-4D97-AF65-F5344CB8AC3E}">
-        <p14:creationId xmlns:p14="http://schemas.microsoft.com/office/powerpoint/2010/main" val="1836287674"/>
+        <p14:creationId xmlns:p14="http://schemas.microsoft.com/office/powerpoint/2010/main" val="924516342"/>
       </p:ext>
     </p:extLst>
-  </p:cSld>
-  <p:clrMapOvr>
-    <a:masterClrMapping/>
-  </p:clrMapOvr>
-  <p:timing>
-    <p:tnLst>
-      <p:par>
-        <p:cTn id="1" dur="indefinite" restart="never" nodeType="tmRoot"/>
-      </p:par>
-    </p:tnLst>
-  </p:timing>
-</p:sld>
-</file>
-
-<file path=ppt/slides/slide11.xml><?xml version="1.0" encoding="utf-8"?>
-<p:sld xmlns:a="http://schemas.openxmlformats.org/drawingml/2006/main" xmlns:r="http://schemas.openxmlformats.org/officeDocument/2006/relationships" xmlns:p="http://schemas.openxmlformats.org/presentationml/2006/main">
-  <p:cSld>
-    <p:spTree>
-      <p:nvGrpSpPr>
-        <p:cNvPr id="1" name=""/>
-        <p:cNvGrpSpPr/>
-        <p:nvPr/>
-      </p:nvGrpSpPr>
-      <p:grpSpPr>
-        <a:xfrm>
-          <a:off x="0" y="0"/>
-          <a:ext cx="0" cy="0"/>
-          <a:chOff x="0" y="0"/>
-          <a:chExt cx="0" cy="0"/>
-        </a:xfrm>
-      </p:grpSpPr>
-      <p:sp>
-        <p:nvSpPr>
-          <p:cNvPr id="3" name="Содержимое 2"/>
-          <p:cNvSpPr>
-            <a:spLocks noGrp="1"/>
-          </p:cNvSpPr>
-          <p:nvPr>
-            <p:ph idx="1"/>
-          </p:nvPr>
-        </p:nvSpPr>
-        <p:spPr/>
-        <p:txBody>
-          <a:bodyPr/>
-          <a:lstStyle/>
-          <a:p>
-            <a:r>
-              <a:rPr lang="de-DE" dirty="0" smtClean="0"/>
-              <a:t>Vorgehensweise</a:t>
-            </a:r>
-            <a:endParaRPr lang="de-DE" dirty="0"/>
-          </a:p>
-        </p:txBody>
-      </p:sp>
-      <p:sp>
-        <p:nvSpPr>
-          <p:cNvPr id="4" name="Заголовок 1"/>
-          <p:cNvSpPr>
-            <a:spLocks noGrp="1"/>
-          </p:cNvSpPr>
-          <p:nvPr>
-            <p:ph type="title"/>
-          </p:nvPr>
-        </p:nvSpPr>
-        <p:spPr>
-          <a:solidFill>
-            <a:schemeClr val="tx2">
-              <a:lumMod val="20000"/>
-              <a:lumOff val="80000"/>
-            </a:schemeClr>
-          </a:solidFill>
-        </p:spPr>
-        <p:txBody>
-          <a:bodyPr/>
-          <a:lstStyle/>
-          <a:p>
-            <a:r>
-              <a:rPr lang="de-DE" dirty="0" smtClean="0">
-                <a:solidFill>
-                  <a:srgbClr val="183BD2"/>
-                </a:solidFill>
-              </a:rPr>
-              <a:t>Entwicklerdokumentation(2)</a:t>
-            </a:r>
-            <a:endParaRPr lang="de-DE" dirty="0"/>
-          </a:p>
-        </p:txBody>
-      </p:sp>
-      <p:pic>
-        <p:nvPicPr>
-          <p:cNvPr id="2050" name="Picture 2" descr="C:\Users\Serhiy\Desktop\SE\doxyFenster.png"/>
-          <p:cNvPicPr>
-            <a:picLocks noChangeAspect="1" noChangeArrowheads="1"/>
-          </p:cNvPicPr>
-          <p:nvPr/>
-        </p:nvPicPr>
-        <p:blipFill>
-          <a:blip r:embed="rId2" cstate="print"/>
-          <a:srcRect/>
-          <a:stretch>
-            <a:fillRect/>
-          </a:stretch>
-        </p:blipFill>
-        <p:spPr bwMode="auto">
-          <a:xfrm>
-            <a:off x="888274" y="2204864"/>
-            <a:ext cx="10489475" cy="4581128"/>
-          </a:xfrm>
-          <a:prstGeom prst="rect">
-            <a:avLst/>
-          </a:prstGeom>
-          <a:noFill/>
-        </p:spPr>
-      </p:pic>
-    </p:spTree>
-  </p:cSld>
-  <p:clrMapOvr>
-    <a:masterClrMapping/>
-  </p:clrMapOvr>
-  <p:timing>
-    <p:tnLst>
-      <p:par>
-        <p:cTn id="1" dur="indefinite" restart="never" nodeType="tmRoot"/>
-      </p:par>
-    </p:tnLst>
-  </p:timing>
-</p:sld>
-</file>
-
-<file path=ppt/slides/slide12.xml><?xml version="1.0" encoding="utf-8"?>
-<p:sld xmlns:a="http://schemas.openxmlformats.org/drawingml/2006/main" xmlns:r="http://schemas.openxmlformats.org/officeDocument/2006/relationships" xmlns:p="http://schemas.openxmlformats.org/presentationml/2006/main">
-  <p:cSld>
-    <p:spTree>
-      <p:nvGrpSpPr>
-        <p:cNvPr id="1" name=""/>
-        <p:cNvGrpSpPr/>
-        <p:nvPr/>
-      </p:nvGrpSpPr>
-      <p:grpSpPr>
-        <a:xfrm>
-          <a:off x="0" y="0"/>
-          <a:ext cx="0" cy="0"/>
-          <a:chOff x="0" y="0"/>
-          <a:chExt cx="0" cy="0"/>
-        </a:xfrm>
-      </p:grpSpPr>
-      <p:sp>
-        <p:nvSpPr>
-          <p:cNvPr id="4" name="Заголовок 1"/>
-          <p:cNvSpPr>
-            <a:spLocks noGrp="1"/>
-          </p:cNvSpPr>
-          <p:nvPr>
-            <p:ph type="title"/>
-          </p:nvPr>
-        </p:nvSpPr>
-        <p:spPr>
-          <a:solidFill>
-            <a:schemeClr val="tx2">
-              <a:lumMod val="20000"/>
-              <a:lumOff val="80000"/>
-            </a:schemeClr>
-          </a:solidFill>
-        </p:spPr>
-        <p:txBody>
-          <a:bodyPr/>
-          <a:lstStyle/>
-          <a:p>
-            <a:r>
-              <a:rPr lang="de-DE" dirty="0" smtClean="0">
-                <a:solidFill>
-                  <a:srgbClr val="183BD2"/>
-                </a:solidFill>
-              </a:rPr>
-              <a:t>Entwicklerdokumentation(3)</a:t>
-            </a:r>
-            <a:endParaRPr lang="de-DE" dirty="0"/>
-          </a:p>
-        </p:txBody>
-      </p:sp>
-      <p:sp>
-        <p:nvSpPr>
-          <p:cNvPr id="6" name="Содержимое 5"/>
-          <p:cNvSpPr>
-            <a:spLocks noGrp="1"/>
-          </p:cNvSpPr>
-          <p:nvPr>
-            <p:ph idx="1"/>
-          </p:nvPr>
-        </p:nvSpPr>
-        <p:spPr/>
-        <p:txBody>
-          <a:bodyPr/>
-          <a:lstStyle/>
-          <a:p>
-            <a:r>
-              <a:rPr lang="de-DE" dirty="0" smtClean="0"/>
-              <a:t>Generierte Dokumentation</a:t>
-            </a:r>
-            <a:endParaRPr lang="de-DE" dirty="0"/>
-          </a:p>
-        </p:txBody>
-      </p:sp>
-      <p:pic>
-        <p:nvPicPr>
-          <p:cNvPr id="3074" name="Picture 2" descr="C:\Users\Serhiy\Desktop\SE\doxyFertig.png"/>
-          <p:cNvPicPr>
-            <a:picLocks noChangeAspect="1" noChangeArrowheads="1"/>
-          </p:cNvPicPr>
-          <p:nvPr/>
-        </p:nvPicPr>
-        <p:blipFill>
-          <a:blip r:embed="rId2" cstate="print"/>
-          <a:srcRect/>
-          <a:stretch>
-            <a:fillRect/>
-          </a:stretch>
-        </p:blipFill>
-        <p:spPr bwMode="auto">
-          <a:xfrm>
-            <a:off x="815413" y="2348880"/>
-            <a:ext cx="10657184" cy="3744416"/>
-          </a:xfrm>
-          <a:prstGeom prst="rect">
-            <a:avLst/>
-          </a:prstGeom>
-          <a:noFill/>
-        </p:spPr>
-      </p:pic>
-    </p:spTree>
-  </p:cSld>
-  <p:clrMapOvr>
-    <a:masterClrMapping/>
-  </p:clrMapOvr>
-  <p:timing>
-    <p:tnLst>
-      <p:par>
-        <p:cTn id="1" dur="indefinite" restart="never" nodeType="tmRoot"/>
-      </p:par>
-    </p:tnLst>
-  </p:timing>
-</p:sld>
-</file>
-
-<file path=ppt/slides/slide13.xml><?xml version="1.0" encoding="utf-8"?>
-<p:sld xmlns:a="http://schemas.openxmlformats.org/drawingml/2006/main" xmlns:r="http://schemas.openxmlformats.org/officeDocument/2006/relationships" xmlns:p="http://schemas.openxmlformats.org/presentationml/2006/main">
-  <p:cSld>
-    <p:spTree>
-      <p:nvGrpSpPr>
-        <p:cNvPr id="1" name=""/>
-        <p:cNvGrpSpPr/>
-        <p:nvPr/>
-      </p:nvGrpSpPr>
-      <p:grpSpPr>
-        <a:xfrm>
-          <a:off x="0" y="0"/>
-          <a:ext cx="0" cy="0"/>
-          <a:chOff x="0" y="0"/>
-          <a:chExt cx="0" cy="0"/>
-        </a:xfrm>
-      </p:grpSpPr>
-      <p:pic>
-        <p:nvPicPr>
-          <p:cNvPr id="5" name="Содержимое 4" descr="doxyFertig2.png"/>
-          <p:cNvPicPr>
-            <a:picLocks noGrp="1" noChangeAspect="1"/>
-          </p:cNvPicPr>
-          <p:nvPr>
-            <p:ph idx="1"/>
-          </p:nvPr>
-        </p:nvPicPr>
-        <p:blipFill>
-          <a:blip r:embed="rId2" cstate="print"/>
-          <a:stretch>
-            <a:fillRect/>
-          </a:stretch>
-        </p:blipFill>
-        <p:spPr>
-          <a:xfrm>
-            <a:off x="914400" y="2509952"/>
-            <a:ext cx="10437223" cy="2706461"/>
-          </a:xfrm>
-        </p:spPr>
-      </p:pic>
-      <p:sp>
-        <p:nvSpPr>
-          <p:cNvPr id="4" name="Заголовок 1"/>
-          <p:cNvSpPr>
-            <a:spLocks noGrp="1"/>
-          </p:cNvSpPr>
-          <p:nvPr>
-            <p:ph type="title"/>
-          </p:nvPr>
-        </p:nvSpPr>
-        <p:spPr>
-          <a:solidFill>
-            <a:schemeClr val="tx2">
-              <a:lumMod val="20000"/>
-              <a:lumOff val="80000"/>
-            </a:schemeClr>
-          </a:solidFill>
-        </p:spPr>
-        <p:txBody>
-          <a:bodyPr/>
-          <a:lstStyle/>
-          <a:p>
-            <a:r>
-              <a:rPr lang="de-DE" dirty="0" smtClean="0">
-                <a:solidFill>
-                  <a:srgbClr val="183BD2"/>
-                </a:solidFill>
-              </a:rPr>
-              <a:t>Entwicklerdokumentation(4)</a:t>
-            </a:r>
-            <a:endParaRPr lang="de-DE" dirty="0"/>
-          </a:p>
-        </p:txBody>
-      </p:sp>
-    </p:spTree>
   </p:cSld>
   <p:clrMapOvr>
     <a:masterClrMapping/>
@@ -4959,9 +4972,32 @@
           <a:chExt cx="0" cy="0"/>
         </a:xfrm>
       </p:grpSpPr>
-      <p:sp>
-        <p:nvSpPr>
-          <p:cNvPr id="2" name="Заголовок 1"/>
+      <p:pic>
+        <p:nvPicPr>
+          <p:cNvPr id="5" name="Содержимое 4" descr="jsmooth1p6.png"/>
+          <p:cNvPicPr>
+            <a:picLocks noGrp="1" noChangeAspect="1"/>
+          </p:cNvPicPr>
+          <p:nvPr>
+            <p:ph idx="1"/>
+          </p:nvPr>
+        </p:nvPicPr>
+        <p:blipFill>
+          <a:blip r:embed="rId2" cstate="print"/>
+          <a:stretch>
+            <a:fillRect/>
+          </a:stretch>
+        </p:blipFill>
+        <p:spPr>
+          <a:xfrm>
+            <a:off x="2298515" y="1835335"/>
+            <a:ext cx="7594971" cy="4525963"/>
+          </a:xfrm>
+        </p:spPr>
+      </p:pic>
+      <p:sp>
+        <p:nvSpPr>
+          <p:cNvPr id="4" name="Заголовок 1"/>
           <p:cNvSpPr>
             <a:spLocks noGrp="1"/>
           </p:cNvSpPr>
@@ -5000,7 +5036,7 @@
                   <a:srgbClr val="183BD2"/>
                 </a:solidFill>
               </a:rPr>
-              <a:t>Drittanbieter-Software(1)	</a:t>
+              <a:t>Drittanbieter-Software(3)	</a:t>
             </a:r>
             <a:r>
               <a:rPr lang="de-DE" dirty="0" smtClean="0"/>
@@ -5013,55 +5049,6 @@
           </a:p>
         </p:txBody>
       </p:sp>
-      <p:sp>
-        <p:nvSpPr>
-          <p:cNvPr id="3" name="Содержимое 2"/>
-          <p:cNvSpPr>
-            <a:spLocks noGrp="1"/>
-          </p:cNvSpPr>
-          <p:nvPr>
-            <p:ph idx="1"/>
-          </p:nvPr>
-        </p:nvSpPr>
-        <p:spPr/>
-        <p:txBody>
-          <a:bodyPr/>
-          <a:lstStyle/>
-          <a:p>
-            <a:r>
-              <a:rPr lang="de-DE" dirty="0" err="1" smtClean="0"/>
-              <a:t>JSmooth</a:t>
-            </a:r>
-            <a:endParaRPr lang="de-DE" dirty="0"/>
-          </a:p>
-        </p:txBody>
-      </p:sp>
-      <p:pic>
-        <p:nvPicPr>
-          <p:cNvPr id="4098" name="Picture 2" descr="C:\Users\Serhiy\Desktop\SE\jsmooth1.png"/>
-          <p:cNvPicPr>
-            <a:picLocks noChangeAspect="1" noChangeArrowheads="1"/>
-          </p:cNvPicPr>
-          <p:nvPr/>
-        </p:nvPicPr>
-        <p:blipFill>
-          <a:blip r:embed="rId2" cstate="print"/>
-          <a:srcRect/>
-          <a:stretch>
-            <a:fillRect/>
-          </a:stretch>
-        </p:blipFill>
-        <p:spPr bwMode="auto">
-          <a:xfrm>
-            <a:off x="2063552" y="2420888"/>
-            <a:ext cx="8663517" cy="3810000"/>
-          </a:xfrm>
-          <a:prstGeom prst="rect">
-            <a:avLst/>
-          </a:prstGeom>
-          <a:noFill/>
-        </p:spPr>
-      </p:pic>
     </p:spTree>
   </p:cSld>
   <p:clrMapOvr>
@@ -5094,9 +5081,63 @@
           <a:chExt cx="0" cy="0"/>
         </a:xfrm>
       </p:grpSpPr>
+      <p:sp>
+        <p:nvSpPr>
+          <p:cNvPr id="4" name="Заголовок 1"/>
+          <p:cNvSpPr>
+            <a:spLocks noGrp="1"/>
+          </p:cNvSpPr>
+          <p:nvPr>
+            <p:ph type="title"/>
+          </p:nvPr>
+        </p:nvSpPr>
+        <p:spPr>
+          <a:solidFill>
+            <a:schemeClr val="tx2">
+              <a:lumMod val="20000"/>
+              <a:lumOff val="80000"/>
+            </a:schemeClr>
+          </a:solidFill>
+        </p:spPr>
+        <p:txBody>
+          <a:bodyPr>
+            <a:normAutofit fontScale="90000"/>
+          </a:bodyPr>
+          <a:lstStyle/>
+          <a:p>
+            <a:r>
+              <a:rPr lang="de-DE" dirty="0" smtClean="0"/>
+              <a:t/>
+            </a:r>
+            <a:br>
+              <a:rPr lang="de-DE" dirty="0" smtClean="0"/>
+            </a:br>
+            <a:r>
+              <a:rPr lang="de-DE" dirty="0" smtClean="0"/>
+              <a:t> </a:t>
+            </a:r>
+            <a:r>
+              <a:rPr lang="de-DE" dirty="0" smtClean="0">
+                <a:solidFill>
+                  <a:srgbClr val="183BD2"/>
+                </a:solidFill>
+              </a:rPr>
+              <a:t>Drittanbieter-Software(4)	</a:t>
+            </a:r>
+            <a:r>
+              <a:rPr lang="de-DE" dirty="0" smtClean="0"/>
+              <a:t/>
+            </a:r>
+            <a:br>
+              <a:rPr lang="de-DE" dirty="0" smtClean="0"/>
+            </a:br>
+            <a:endParaRPr lang="de-DE" dirty="0"/>
+          </a:p>
+        </p:txBody>
+      </p:sp>
       <p:pic>
         <p:nvPicPr>
-          <p:cNvPr id="5" name="Содержимое 4" descr="jsmooth1p5.png"/>
+          <p:cNvPr id="7" name="Содержимое 6" descr="jsmooth2.png"/>
           <p:cNvPicPr>
             <a:picLocks noGrp="1" noChangeAspect="1"/>
           </p:cNvPicPr>
@@ -5112,65 +5153,11 @@
         </p:blipFill>
         <p:spPr>
           <a:xfrm>
-            <a:off x="2298515" y="1835335"/>
-            <a:ext cx="7594971" cy="4525963"/>
+            <a:off x="2056836" y="1967443"/>
+            <a:ext cx="8078328" cy="3791479"/>
           </a:xfrm>
         </p:spPr>
       </p:pic>
-      <p:sp>
-        <p:nvSpPr>
-          <p:cNvPr id="6" name="Заголовок 1"/>
-          <p:cNvSpPr>
-            <a:spLocks noGrp="1"/>
-          </p:cNvSpPr>
-          <p:nvPr>
-            <p:ph type="title"/>
-          </p:nvPr>
-        </p:nvSpPr>
-        <p:spPr>
-          <a:solidFill>
-            <a:schemeClr val="tx2">
-              <a:lumMod val="20000"/>
-              <a:lumOff val="80000"/>
-            </a:schemeClr>
-          </a:solidFill>
-        </p:spPr>
-        <p:txBody>
-          <a:bodyPr>
-            <a:normAutofit fontScale="90000"/>
-          </a:bodyPr>
-          <a:lstStyle/>
-          <a:p>
-            <a:r>
-              <a:rPr lang="de-DE" dirty="0" smtClean="0"/>
-              <a:t/>
-            </a:r>
-            <a:br>
-              <a:rPr lang="de-DE" dirty="0" smtClean="0"/>
-            </a:br>
-            <a:r>
-              <a:rPr lang="de-DE" dirty="0" smtClean="0"/>
-              <a:t> </a:t>
-            </a:r>
-            <a:r>
-              <a:rPr lang="de-DE" dirty="0" smtClean="0">
-                <a:solidFill>
-                  <a:srgbClr val="183BD2"/>
-                </a:solidFill>
-              </a:rPr>
-              <a:t>Drittanbieter-Software(2)	</a:t>
-            </a:r>
-            <a:r>
-              <a:rPr lang="de-DE" dirty="0" smtClean="0"/>
-              <a:t/>
-            </a:r>
-            <a:br>
-              <a:rPr lang="de-DE" dirty="0" smtClean="0"/>
-            </a:br>
-            <a:endParaRPr lang="de-DE" dirty="0"/>
-          </a:p>
-        </p:txBody>
-      </p:sp>
     </p:spTree>
   </p:cSld>
   <p:clrMapOvr>
@@ -5244,8 +5231,8 @@
         </p:nvSpPr>
         <p:spPr>
           <a:xfrm>
-            <a:off x="866607" y="1244780"/>
-            <a:ext cx="10515600" cy="4351338"/>
+            <a:off x="1523999" y="1244780"/>
+            <a:ext cx="9858207" cy="4351338"/>
           </a:xfrm>
         </p:spPr>
         <p:txBody>
@@ -5483,551 +5470,6 @@
           <a:chExt cx="0" cy="0"/>
         </a:xfrm>
       </p:grpSpPr>
-      <p:pic>
-        <p:nvPicPr>
-          <p:cNvPr id="5" name="Содержимое 4" descr="jsmooth1p6.png"/>
-          <p:cNvPicPr>
-            <a:picLocks noGrp="1" noChangeAspect="1"/>
-          </p:cNvPicPr>
-          <p:nvPr>
-            <p:ph idx="1"/>
-          </p:nvPr>
-        </p:nvPicPr>
-        <p:blipFill>
-          <a:blip r:embed="rId2" cstate="print"/>
-          <a:stretch>
-            <a:fillRect/>
-          </a:stretch>
-        </p:blipFill>
-        <p:spPr>
-          <a:xfrm>
-            <a:off x="2298515" y="1835335"/>
-            <a:ext cx="7594971" cy="4525963"/>
-          </a:xfrm>
-        </p:spPr>
-      </p:pic>
-      <p:sp>
-        <p:nvSpPr>
-          <p:cNvPr id="4" name="Заголовок 1"/>
-          <p:cNvSpPr>
-            <a:spLocks noGrp="1"/>
-          </p:cNvSpPr>
-          <p:nvPr>
-            <p:ph type="title"/>
-          </p:nvPr>
-        </p:nvSpPr>
-        <p:spPr>
-          <a:solidFill>
-            <a:schemeClr val="tx2">
-              <a:lumMod val="20000"/>
-              <a:lumOff val="80000"/>
-            </a:schemeClr>
-          </a:solidFill>
-        </p:spPr>
-        <p:txBody>
-          <a:bodyPr>
-            <a:normAutofit fontScale="90000"/>
-          </a:bodyPr>
-          <a:lstStyle/>
-          <a:p>
-            <a:r>
-              <a:rPr lang="de-DE" dirty="0" smtClean="0"/>
-              <a:t/>
-            </a:r>
-            <a:br>
-              <a:rPr lang="de-DE" dirty="0" smtClean="0"/>
-            </a:br>
-            <a:r>
-              <a:rPr lang="de-DE" dirty="0" smtClean="0"/>
-              <a:t> </a:t>
-            </a:r>
-            <a:r>
-              <a:rPr lang="de-DE" dirty="0" smtClean="0">
-                <a:solidFill>
-                  <a:srgbClr val="183BD2"/>
-                </a:solidFill>
-              </a:rPr>
-              <a:t>Drittanbieter-Software(3)	</a:t>
-            </a:r>
-            <a:r>
-              <a:rPr lang="de-DE" dirty="0" smtClean="0"/>
-              <a:t/>
-            </a:r>
-            <a:br>
-              <a:rPr lang="de-DE" dirty="0" smtClean="0"/>
-            </a:br>
-            <a:endParaRPr lang="de-DE" dirty="0"/>
-          </a:p>
-        </p:txBody>
-      </p:sp>
-    </p:spTree>
-  </p:cSld>
-  <p:clrMapOvr>
-    <a:masterClrMapping/>
-  </p:clrMapOvr>
-  <p:timing>
-    <p:tnLst>
-      <p:par>
-        <p:cTn id="1" dur="indefinite" restart="never" nodeType="tmRoot"/>
-      </p:par>
-    </p:tnLst>
-  </p:timing>
-</p:sld>
-</file>
-
-<file path=ppt/slides/slide21.xml><?xml version="1.0" encoding="utf-8"?>
-<p:sld xmlns:a="http://schemas.openxmlformats.org/drawingml/2006/main" xmlns:r="http://schemas.openxmlformats.org/officeDocument/2006/relationships" xmlns:p="http://schemas.openxmlformats.org/presentationml/2006/main">
-  <p:cSld>
-    <p:spTree>
-      <p:nvGrpSpPr>
-        <p:cNvPr id="1" name=""/>
-        <p:cNvGrpSpPr/>
-        <p:nvPr/>
-      </p:nvGrpSpPr>
-      <p:grpSpPr>
-        <a:xfrm>
-          <a:off x="0" y="0"/>
-          <a:ext cx="0" cy="0"/>
-          <a:chOff x="0" y="0"/>
-          <a:chExt cx="0" cy="0"/>
-        </a:xfrm>
-      </p:grpSpPr>
-      <p:sp>
-        <p:nvSpPr>
-          <p:cNvPr id="4" name="Заголовок 1"/>
-          <p:cNvSpPr>
-            <a:spLocks noGrp="1"/>
-          </p:cNvSpPr>
-          <p:nvPr>
-            <p:ph type="title"/>
-          </p:nvPr>
-        </p:nvSpPr>
-        <p:spPr>
-          <a:solidFill>
-            <a:schemeClr val="tx2">
-              <a:lumMod val="20000"/>
-              <a:lumOff val="80000"/>
-            </a:schemeClr>
-          </a:solidFill>
-        </p:spPr>
-        <p:txBody>
-          <a:bodyPr>
-            <a:normAutofit fontScale="90000"/>
-          </a:bodyPr>
-          <a:lstStyle/>
-          <a:p>
-            <a:r>
-              <a:rPr lang="de-DE" dirty="0" smtClean="0"/>
-              <a:t/>
-            </a:r>
-            <a:br>
-              <a:rPr lang="de-DE" dirty="0" smtClean="0"/>
-            </a:br>
-            <a:r>
-              <a:rPr lang="de-DE" dirty="0" smtClean="0"/>
-              <a:t> </a:t>
-            </a:r>
-            <a:r>
-              <a:rPr lang="de-DE" dirty="0" smtClean="0">
-                <a:solidFill>
-                  <a:srgbClr val="183BD2"/>
-                </a:solidFill>
-              </a:rPr>
-              <a:t>Drittanbieter-Software(4)	</a:t>
-            </a:r>
-            <a:r>
-              <a:rPr lang="de-DE" dirty="0" smtClean="0"/>
-              <a:t/>
-            </a:r>
-            <a:br>
-              <a:rPr lang="de-DE" dirty="0" smtClean="0"/>
-            </a:br>
-            <a:endParaRPr lang="de-DE" dirty="0"/>
-          </a:p>
-        </p:txBody>
-      </p:sp>
-      <p:pic>
-        <p:nvPicPr>
-          <p:cNvPr id="7" name="Содержимое 6" descr="jsmooth2.png"/>
-          <p:cNvPicPr>
-            <a:picLocks noGrp="1" noChangeAspect="1"/>
-          </p:cNvPicPr>
-          <p:nvPr>
-            <p:ph idx="1"/>
-          </p:nvPr>
-        </p:nvPicPr>
-        <p:blipFill>
-          <a:blip r:embed="rId2" cstate="print"/>
-          <a:stretch>
-            <a:fillRect/>
-          </a:stretch>
-        </p:blipFill>
-        <p:spPr>
-          <a:xfrm>
-            <a:off x="2056836" y="1967443"/>
-            <a:ext cx="8078328" cy="3791479"/>
-          </a:xfrm>
-        </p:spPr>
-      </p:pic>
-    </p:spTree>
-  </p:cSld>
-  <p:clrMapOvr>
-    <a:masterClrMapping/>
-  </p:clrMapOvr>
-  <p:timing>
-    <p:tnLst>
-      <p:par>
-        <p:cTn id="1" dur="indefinite" restart="never" nodeType="tmRoot"/>
-      </p:par>
-    </p:tnLst>
-  </p:timing>
-</p:sld>
-</file>
-
-<file path=ppt/slides/slide22.xml><?xml version="1.0" encoding="utf-8"?>
-<p:sld xmlns:a="http://schemas.openxmlformats.org/drawingml/2006/main" xmlns:r="http://schemas.openxmlformats.org/officeDocument/2006/relationships" xmlns:p="http://schemas.openxmlformats.org/presentationml/2006/main">
-  <p:cSld>
-    <p:spTree>
-      <p:nvGrpSpPr>
-        <p:cNvPr id="1" name=""/>
-        <p:cNvGrpSpPr/>
-        <p:nvPr/>
-      </p:nvGrpSpPr>
-      <p:grpSpPr>
-        <a:xfrm>
-          <a:off x="0" y="0"/>
-          <a:ext cx="0" cy="0"/>
-          <a:chOff x="0" y="0"/>
-          <a:chExt cx="0" cy="0"/>
-        </a:xfrm>
-      </p:grpSpPr>
-      <p:pic>
-        <p:nvPicPr>
-          <p:cNvPr id="5" name="Содержимое 4" descr="jsmooth3.png"/>
-          <p:cNvPicPr>
-            <a:picLocks noGrp="1" noChangeAspect="1"/>
-          </p:cNvPicPr>
-          <p:nvPr>
-            <p:ph idx="1"/>
-          </p:nvPr>
-        </p:nvPicPr>
-        <p:blipFill>
-          <a:blip r:embed="rId2" cstate="print"/>
-          <a:stretch>
-            <a:fillRect/>
-          </a:stretch>
-        </p:blipFill>
-        <p:spPr>
-          <a:xfrm>
-            <a:off x="2198643" y="1783083"/>
-            <a:ext cx="7794715" cy="4525963"/>
-          </a:xfrm>
-        </p:spPr>
-      </p:pic>
-      <p:sp>
-        <p:nvSpPr>
-          <p:cNvPr id="4" name="Заголовок 1"/>
-          <p:cNvSpPr>
-            <a:spLocks noGrp="1"/>
-          </p:cNvSpPr>
-          <p:nvPr>
-            <p:ph type="title"/>
-          </p:nvPr>
-        </p:nvSpPr>
-        <p:spPr>
-          <a:solidFill>
-            <a:schemeClr val="tx2">
-              <a:lumMod val="20000"/>
-              <a:lumOff val="80000"/>
-            </a:schemeClr>
-          </a:solidFill>
-        </p:spPr>
-        <p:txBody>
-          <a:bodyPr>
-            <a:normAutofit fontScale="90000"/>
-          </a:bodyPr>
-          <a:lstStyle/>
-          <a:p>
-            <a:r>
-              <a:rPr lang="de-DE" dirty="0" smtClean="0"/>
-              <a:t/>
-            </a:r>
-            <a:br>
-              <a:rPr lang="de-DE" dirty="0" smtClean="0"/>
-            </a:br>
-            <a:r>
-              <a:rPr lang="de-DE" dirty="0" smtClean="0"/>
-              <a:t> </a:t>
-            </a:r>
-            <a:r>
-              <a:rPr lang="de-DE" dirty="0" smtClean="0">
-                <a:solidFill>
-                  <a:srgbClr val="183BD2"/>
-                </a:solidFill>
-              </a:rPr>
-              <a:t>Drittanbieter-Software(5)	</a:t>
-            </a:r>
-            <a:r>
-              <a:rPr lang="de-DE" dirty="0" smtClean="0"/>
-              <a:t/>
-            </a:r>
-            <a:br>
-              <a:rPr lang="de-DE" dirty="0" smtClean="0"/>
-            </a:br>
-            <a:endParaRPr lang="de-DE" dirty="0"/>
-          </a:p>
-        </p:txBody>
-      </p:sp>
-    </p:spTree>
-  </p:cSld>
-  <p:clrMapOvr>
-    <a:masterClrMapping/>
-  </p:clrMapOvr>
-  <p:timing>
-    <p:tnLst>
-      <p:par>
-        <p:cTn id="1" dur="indefinite" restart="never" nodeType="tmRoot"/>
-      </p:par>
-    </p:tnLst>
-  </p:timing>
-</p:sld>
-</file>
-
-<file path=ppt/slides/slide23.xml><?xml version="1.0" encoding="utf-8"?>
-<p:sld xmlns:a="http://schemas.openxmlformats.org/drawingml/2006/main" xmlns:r="http://schemas.openxmlformats.org/officeDocument/2006/relationships" xmlns:p="http://schemas.openxmlformats.org/presentationml/2006/main">
-  <p:cSld>
-    <p:spTree>
-      <p:nvGrpSpPr>
-        <p:cNvPr id="1" name=""/>
-        <p:cNvGrpSpPr/>
-        <p:nvPr/>
-      </p:nvGrpSpPr>
-      <p:grpSpPr>
-        <a:xfrm>
-          <a:off x="0" y="0"/>
-          <a:ext cx="0" cy="0"/>
-          <a:chOff x="0" y="0"/>
-          <a:chExt cx="0" cy="0"/>
-        </a:xfrm>
-      </p:grpSpPr>
-      <p:pic>
-        <p:nvPicPr>
-          <p:cNvPr id="5" name="Содержимое 4" descr="jsmooth4.png"/>
-          <p:cNvPicPr>
-            <a:picLocks noGrp="1" noChangeAspect="1"/>
-          </p:cNvPicPr>
-          <p:nvPr>
-            <p:ph idx="1"/>
-          </p:nvPr>
-        </p:nvPicPr>
-        <p:blipFill>
-          <a:blip r:embed="rId2" cstate="print"/>
-          <a:stretch>
-            <a:fillRect/>
-          </a:stretch>
-        </p:blipFill>
-        <p:spPr>
-          <a:xfrm>
-            <a:off x="2298515" y="1809209"/>
-            <a:ext cx="7594971" cy="4525963"/>
-          </a:xfrm>
-        </p:spPr>
-      </p:pic>
-      <p:sp>
-        <p:nvSpPr>
-          <p:cNvPr id="4" name="Заголовок 1"/>
-          <p:cNvSpPr>
-            <a:spLocks noGrp="1"/>
-          </p:cNvSpPr>
-          <p:nvPr>
-            <p:ph type="title"/>
-          </p:nvPr>
-        </p:nvSpPr>
-        <p:spPr>
-          <a:solidFill>
-            <a:schemeClr val="tx2">
-              <a:lumMod val="20000"/>
-              <a:lumOff val="80000"/>
-            </a:schemeClr>
-          </a:solidFill>
-        </p:spPr>
-        <p:txBody>
-          <a:bodyPr>
-            <a:normAutofit fontScale="90000"/>
-          </a:bodyPr>
-          <a:lstStyle/>
-          <a:p>
-            <a:r>
-              <a:rPr lang="de-DE" dirty="0" smtClean="0"/>
-              <a:t/>
-            </a:r>
-            <a:br>
-              <a:rPr lang="de-DE" dirty="0" smtClean="0"/>
-            </a:br>
-            <a:r>
-              <a:rPr lang="de-DE" dirty="0" smtClean="0"/>
-              <a:t> </a:t>
-            </a:r>
-            <a:r>
-              <a:rPr lang="de-DE" dirty="0" smtClean="0">
-                <a:solidFill>
-                  <a:srgbClr val="183BD2"/>
-                </a:solidFill>
-              </a:rPr>
-              <a:t>Drittanbieter-Software(6)	</a:t>
-            </a:r>
-            <a:r>
-              <a:rPr lang="de-DE" dirty="0" smtClean="0"/>
-              <a:t/>
-            </a:r>
-            <a:br>
-              <a:rPr lang="de-DE" dirty="0" smtClean="0"/>
-            </a:br>
-            <a:endParaRPr lang="de-DE" dirty="0"/>
-          </a:p>
-        </p:txBody>
-      </p:sp>
-    </p:spTree>
-  </p:cSld>
-  <p:clrMapOvr>
-    <a:masterClrMapping/>
-  </p:clrMapOvr>
-  <p:timing>
-    <p:tnLst>
-      <p:par>
-        <p:cTn id="1" dur="indefinite" restart="never" nodeType="tmRoot"/>
-      </p:par>
-    </p:tnLst>
-  </p:timing>
-</p:sld>
-</file>
-
-<file path=ppt/slides/slide24.xml><?xml version="1.0" encoding="utf-8"?>
-<p:sld xmlns:a="http://schemas.openxmlformats.org/drawingml/2006/main" xmlns:r="http://schemas.openxmlformats.org/officeDocument/2006/relationships" xmlns:p="http://schemas.openxmlformats.org/presentationml/2006/main">
-  <p:cSld>
-    <p:spTree>
-      <p:nvGrpSpPr>
-        <p:cNvPr id="1" name=""/>
-        <p:cNvGrpSpPr/>
-        <p:nvPr/>
-      </p:nvGrpSpPr>
-      <p:grpSpPr>
-        <a:xfrm>
-          <a:off x="0" y="0"/>
-          <a:ext cx="0" cy="0"/>
-          <a:chOff x="0" y="0"/>
-          <a:chExt cx="0" cy="0"/>
-        </a:xfrm>
-      </p:grpSpPr>
-      <p:sp>
-        <p:nvSpPr>
-          <p:cNvPr id="4" name="Заголовок 1"/>
-          <p:cNvSpPr>
-            <a:spLocks noGrp="1"/>
-          </p:cNvSpPr>
-          <p:nvPr>
-            <p:ph type="title"/>
-          </p:nvPr>
-        </p:nvSpPr>
-        <p:spPr>
-          <a:solidFill>
-            <a:schemeClr val="tx2">
-              <a:lumMod val="20000"/>
-              <a:lumOff val="80000"/>
-            </a:schemeClr>
-          </a:solidFill>
-        </p:spPr>
-        <p:txBody>
-          <a:bodyPr>
-            <a:normAutofit fontScale="90000"/>
-          </a:bodyPr>
-          <a:lstStyle/>
-          <a:p>
-            <a:r>
-              <a:rPr lang="de-DE" dirty="0" smtClean="0"/>
-              <a:t/>
-            </a:r>
-            <a:br>
-              <a:rPr lang="de-DE" dirty="0" smtClean="0"/>
-            </a:br>
-            <a:r>
-              <a:rPr lang="de-DE" dirty="0" smtClean="0"/>
-              <a:t> </a:t>
-            </a:r>
-            <a:r>
-              <a:rPr lang="de-DE" dirty="0" smtClean="0">
-                <a:solidFill>
-                  <a:srgbClr val="183BD2"/>
-                </a:solidFill>
-              </a:rPr>
-              <a:t>Drittanbieter-Software(7)	</a:t>
-            </a:r>
-            <a:r>
-              <a:rPr lang="de-DE" dirty="0" smtClean="0"/>
-              <a:t/>
-            </a:r>
-            <a:br>
-              <a:rPr lang="de-DE" dirty="0" smtClean="0"/>
-            </a:br>
-            <a:endParaRPr lang="de-DE" dirty="0"/>
-          </a:p>
-        </p:txBody>
-      </p:sp>
-      <p:pic>
-        <p:nvPicPr>
-          <p:cNvPr id="7" name="Содержимое 6" descr="5.png"/>
-          <p:cNvPicPr>
-            <a:picLocks noGrp="1" noChangeAspect="1"/>
-          </p:cNvPicPr>
-          <p:nvPr>
-            <p:ph idx="1"/>
-          </p:nvPr>
-        </p:nvPicPr>
-        <p:blipFill>
-          <a:blip r:embed="rId2" cstate="print"/>
-          <a:stretch>
-            <a:fillRect/>
-          </a:stretch>
-        </p:blipFill>
-        <p:spPr>
-          <a:xfrm>
-            <a:off x="875212" y="1770020"/>
-            <a:ext cx="10450285" cy="4525963"/>
-          </a:xfrm>
-        </p:spPr>
-      </p:pic>
-    </p:spTree>
-  </p:cSld>
-  <p:clrMapOvr>
-    <a:masterClrMapping/>
-  </p:clrMapOvr>
-  <p:timing>
-    <p:tnLst>
-      <p:par>
-        <p:cTn id="1" dur="indefinite" restart="never" nodeType="tmRoot"/>
-      </p:par>
-    </p:tnLst>
-  </p:timing>
-</p:sld>
-</file>
-
-<file path=ppt/slides/slide25.xml><?xml version="1.0" encoding="utf-8"?>
-<p:sld xmlns:a="http://schemas.openxmlformats.org/drawingml/2006/main" xmlns:r="http://schemas.openxmlformats.org/officeDocument/2006/relationships" xmlns:p="http://schemas.openxmlformats.org/presentationml/2006/main">
-  <p:cSld>
-    <p:spTree>
-      <p:nvGrpSpPr>
-        <p:cNvPr id="1" name=""/>
-        <p:cNvGrpSpPr/>
-        <p:nvPr/>
-      </p:nvGrpSpPr>
-      <p:grpSpPr>
-        <a:xfrm>
-          <a:off x="0" y="0"/>
-          <a:ext cx="0" cy="0"/>
-          <a:chOff x="0" y="0"/>
-          <a:chExt cx="0" cy="0"/>
-        </a:xfrm>
-      </p:grpSpPr>
       <p:sp>
         <p:nvSpPr>
           <p:cNvPr id="2" name="Titel 1"/>
@@ -6603,11 +6045,7 @@
             </a:r>
             <a:r>
               <a:rPr lang="de-DE" dirty="0" smtClean="0"/>
-              <a:t>– </a:t>
-            </a:r>
-            <a:r>
-              <a:rPr lang="de-DE" dirty="0" smtClean="0"/>
-              <a:t>Anwendungsfalldiagramm</a:t>
+              <a:t>– Anwendungsfalldiagramm</a:t>
             </a:r>
             <a:endParaRPr lang="de-DE" dirty="0"/>
           </a:p>
@@ -6793,11 +6231,7 @@
             </a:r>
             <a:r>
               <a:rPr lang="de-DE" dirty="0" smtClean="0"/>
-              <a:t>– </a:t>
-            </a:r>
-            <a:r>
-              <a:rPr lang="de-DE" dirty="0" smtClean="0"/>
-              <a:t>Aktivitätsdiagramm</a:t>
+              <a:t>– Aktivitätsdiagramm</a:t>
             </a:r>
             <a:endParaRPr lang="de-DE" dirty="0"/>
           </a:p>
@@ -6982,11 +6416,7 @@
             </a:r>
             <a:r>
               <a:rPr lang="de-DE" dirty="0" smtClean="0"/>
-              <a:t>– </a:t>
-            </a:r>
-            <a:r>
-              <a:rPr lang="de-DE" dirty="0" smtClean="0"/>
-              <a:t>Klassendiagramm</a:t>
+              <a:t>– Klassendiagramm</a:t>
             </a:r>
             <a:endParaRPr lang="de-DE" dirty="0"/>
           </a:p>
@@ -7172,11 +6602,7 @@
             </a:r>
             <a:r>
               <a:rPr lang="de-DE" dirty="0" smtClean="0"/>
-              <a:t>– </a:t>
-            </a:r>
-            <a:r>
-              <a:rPr lang="de-DE" dirty="0" smtClean="0"/>
-              <a:t>Sequenzdiagramm</a:t>
+              <a:t>– Sequenzdiagramm</a:t>
             </a:r>
             <a:endParaRPr lang="de-DE" dirty="0"/>
           </a:p>
@@ -7346,7 +6772,7 @@
         <p:spPr>
           <a:xfrm>
             <a:off x="866607" y="201371"/>
-            <a:ext cx="4878238" cy="690024"/>
+            <a:ext cx="5833242" cy="690024"/>
           </a:xfrm>
         </p:spPr>
         <p:txBody>
@@ -7356,9 +6782,10 @@
           <a:lstStyle/>
           <a:p>
             <a:r>
-              <a:rPr lang="de-DE" dirty="0"/>
-              <a:t>Dokumentationen</a:t>
-            </a:r>
+              <a:rPr lang="de-DE" dirty="0" smtClean="0"/>
+              <a:t>Entwicklerdokumentation</a:t>
+            </a:r>
+            <a:endParaRPr lang="de-DE" dirty="0"/>
           </a:p>
         </p:txBody>
       </p:sp>
@@ -7463,8 +6890,8 @@
         </p:nvSpPr>
         <p:spPr>
           <a:xfrm>
-            <a:off x="1019007" y="1397180"/>
-            <a:ext cx="10515600" cy="4351338"/>
+            <a:off x="1208314" y="1244839"/>
+            <a:ext cx="10515600" cy="650156"/>
           </a:xfrm>
           <a:prstGeom prst="rect">
             <a:avLst/>
@@ -7640,71 +7067,52 @@
           </a:lstStyle>
           <a:p>
             <a:r>
-              <a:rPr lang="de-DE" smtClean="0"/>
-              <a:t>Administratorendokumentation:</a:t>
-            </a:r>
-          </a:p>
-          <a:p>
-            <a:pPr lvl="1"/>
-            <a:r>
-              <a:rPr lang="de-DE" smtClean="0"/>
-              <a:t>Wenige Systemvoraussetzungen (Windows, Java 8 oder höher)</a:t>
-            </a:r>
-          </a:p>
-          <a:p>
-            <a:pPr lvl="1"/>
-            <a:r>
-              <a:rPr lang="de-DE" smtClean="0"/>
-              <a:t>Verknüpfung oder Ablage der exe-Datei auf dem Desktop</a:t>
-            </a:r>
-          </a:p>
-          <a:p>
-            <a:pPr marL="0" indent="0">
-              <a:buFont typeface="Arial" panose="020B0604020202020204" pitchFamily="34" charset="0"/>
+              <a:rPr lang="de-DE" dirty="0" err="1"/>
+              <a:t>Doxygen</a:t>
+            </a:r>
+            <a:r>
+              <a:rPr lang="de-DE" dirty="0"/>
+              <a:t> – Kommentar Block</a:t>
+            </a:r>
+          </a:p>
+          <a:p>
+            <a:pPr marL="457200" lvl="1" indent="0">
               <a:buNone/>
             </a:pPr>
-            <a:endParaRPr lang="de-DE" smtClean="0"/>
-          </a:p>
-          <a:p>
-            <a:r>
-              <a:rPr lang="de-DE" smtClean="0"/>
-              <a:t>Anwenderdokumentation:</a:t>
-            </a:r>
-          </a:p>
-          <a:p>
-            <a:pPr lvl="1"/>
-            <a:r>
-              <a:rPr lang="de-DE" smtClean="0"/>
-              <a:t>Kinder als Nutzer </a:t>
-            </a:r>
-            <a:r>
-              <a:rPr lang="de-DE" smtClean="0">
-                <a:sym typeface="Wingdings" panose="05000000000000000000" pitchFamily="2" charset="2"/>
-              </a:rPr>
-              <a:t> entsprechend kinderfreundlich gestaltet</a:t>
-            </a:r>
-          </a:p>
-          <a:p>
-            <a:pPr lvl="1"/>
-            <a:r>
-              <a:rPr lang="de-DE" smtClean="0"/>
-              <a:t>Detaillierte Anleitung</a:t>
-            </a:r>
-          </a:p>
-          <a:p>
-            <a:pPr lvl="1"/>
-            <a:r>
-              <a:rPr lang="de-DE" smtClean="0"/>
-              <a:t>Kleine Übungsbeispiele mit Lösungen</a:t>
-            </a:r>
             <a:endParaRPr lang="de-DE" dirty="0"/>
           </a:p>
         </p:txBody>
       </p:sp>
+      <p:pic>
+        <p:nvPicPr>
+          <p:cNvPr id="8" name="Picture 4" descr="C:\Users\Serhiy\Desktop\SE\doxyKommentar.png"/>
+          <p:cNvPicPr>
+            <a:picLocks noChangeAspect="1" noChangeArrowheads="1"/>
+          </p:cNvPicPr>
+          <p:nvPr/>
+        </p:nvPicPr>
+        <p:blipFill>
+          <a:blip r:embed="rId3" cstate="print"/>
+          <a:srcRect/>
+          <a:stretch>
+            <a:fillRect/>
+          </a:stretch>
+        </p:blipFill>
+        <p:spPr bwMode="auto">
+          <a:xfrm>
+            <a:off x="1524000" y="1983812"/>
+            <a:ext cx="9884229" cy="3981450"/>
+          </a:xfrm>
+          <a:prstGeom prst="rect">
+            <a:avLst/>
+          </a:prstGeom>
+          <a:noFill/>
+        </p:spPr>
+      </p:pic>
     </p:spTree>
     <p:extLst>
       <p:ext uri="{BB962C8B-B14F-4D97-AF65-F5344CB8AC3E}">
-        <p14:creationId xmlns:p14="http://schemas.microsoft.com/office/powerpoint/2010/main" val="1581545210"/>
+        <p14:creationId xmlns:p14="http://schemas.microsoft.com/office/powerpoint/2010/main" val="1836287674"/>
       </p:ext>
     </p:extLst>
   </p:cSld>

--- a/Präsentation/DezHex.pptx
+++ b/Präsentation/DezHex.pptx
@@ -5616,25 +5616,25 @@
           <a:p>
             <a:r>
               <a:rPr lang="de-DE" i="1" dirty="0"/>
-              <a:t>verbreiteter </a:t>
+              <a:t>Verbreitet</a:t>
             </a:r>
           </a:p>
           <a:p>
             <a:r>
               <a:rPr lang="de-DE" i="1" dirty="0"/>
-              <a:t>schnell</a:t>
+              <a:t>Schnell</a:t>
             </a:r>
           </a:p>
           <a:p>
             <a:r>
               <a:rPr lang="de-DE" i="1" dirty="0"/>
-              <a:t>effizient </a:t>
+              <a:t>Effizient </a:t>
             </a:r>
           </a:p>
           <a:p>
             <a:r>
               <a:rPr lang="de-DE" i="1" dirty="0"/>
-              <a:t>verfügt über Desktopversion</a:t>
+              <a:t>Verfügt über Desktopversion</a:t>
             </a:r>
             <a:endParaRPr lang="de-DE" dirty="0"/>
           </a:p>
@@ -5853,7 +5853,7 @@
           <a:p>
             <a:r>
               <a:rPr lang="de-DE" dirty="0"/>
-              <a:t>Gleichzeitiges Arbeiten mehrerer Benutzer möglich</a:t>
+              <a:t>Gleichzeitiges Arbeiten mehrerer Nutzer möglich</a:t>
             </a:r>
           </a:p>
           <a:p>
@@ -5865,7 +5865,7 @@
           <a:p>
             <a:r>
               <a:rPr lang="de-DE" dirty="0"/>
-              <a:t>unkompliziert</a:t>
+              <a:t>Unkompliziert</a:t>
             </a:r>
           </a:p>
         </p:txBody>
@@ -6082,7 +6082,7 @@
             </a:pPr>
             <a:r>
               <a:rPr lang="de-DE" dirty="0"/>
-              <a:t>Download link: </a:t>
+              <a:t>Download Link: </a:t>
             </a:r>
             <a:r>
               <a:rPr lang="de-DE" dirty="0">
@@ -8124,11 +8124,7 @@
           <a:p>
             <a:r>
               <a:rPr lang="de-DE" dirty="0"/>
-              <a:t>Quellcode</a:t>
-            </a:r>
-            <a:r>
-              <a:rPr lang="de-DE" dirty="0"/>
-              <a:t> – </a:t>
+              <a:t>Quellcode – </a:t>
             </a:r>
             <a:r>
               <a:rPr lang="de-DE" dirty="0" err="1"/>
@@ -8138,7 +8134,6 @@
               <a:rPr lang="de-DE" dirty="0"/>
               <a:t> </a:t>
             </a:r>
-            <a:endParaRPr lang="de-DE" dirty="0"/>
           </a:p>
         </p:txBody>
       </p:sp>
@@ -10738,7 +10733,7 @@
           <a:p>
             <a:r>
               <a:rPr lang="de-DE" dirty="0"/>
-              <a:t>Beliebig Erweiterbar und Anpassbar</a:t>
+              <a:t>Beliebig erweiterbar und anpassbar</a:t>
             </a:r>
           </a:p>
           <a:p>
@@ -10750,13 +10745,13 @@
           <a:p>
             <a:r>
               <a:rPr lang="de-DE" dirty="0"/>
-              <a:t>neue Funktionen</a:t>
+              <a:t>Neue Funktionen</a:t>
             </a:r>
           </a:p>
           <a:p>
             <a:r>
               <a:rPr lang="de-DE" dirty="0"/>
-              <a:t>Übersetzung in Andere Sprachen möglich</a:t>
+              <a:t>Übersetzung in andere Sprachen möglich</a:t>
             </a:r>
           </a:p>
           <a:p>

--- a/Präsentation/DezHex.pptx
+++ b/Präsentation/DezHex.pptx
@@ -5015,7 +5015,7 @@
             <a:pPr lvl="1"/>
             <a:r>
               <a:rPr lang="de-DE" dirty="0"/>
-              <a:t>Detaillierte Anleitung</a:t>
+              <a:t>Detaillierte Schritt-für-Schrittanleitung</a:t>
             </a:r>
           </a:p>
           <a:p>

--- a/Präsentation/DezHex.pptx
+++ b/Präsentation/DezHex.pptx
@@ -1,9 +1,12 @@
 
 <file path=ppt/presentation.xml><?xml version="1.0" encoding="utf-8"?>
-<p:presentation xmlns:a="http://schemas.openxmlformats.org/drawingml/2006/main" xmlns:r="http://schemas.openxmlformats.org/officeDocument/2006/relationships" xmlns:p="http://schemas.openxmlformats.org/presentationml/2006/main" saveSubsetFonts="1">
+<p:presentation xmlns:a="http://schemas.openxmlformats.org/drawingml/2006/main" xmlns:r="http://schemas.openxmlformats.org/officeDocument/2006/relationships" xmlns:p="http://schemas.openxmlformats.org/presentationml/2006/main" showSpecialPlsOnTitleSld="0" saveSubsetFonts="1">
   <p:sldMasterIdLst>
     <p:sldMasterId id="2147483648" r:id="rId1"/>
   </p:sldMasterIdLst>
+  <p:notesMasterIdLst>
+    <p:notesMasterId r:id="rId26"/>
+  </p:notesMasterIdLst>
   <p:sldIdLst>
     <p:sldId id="256" r:id="rId2"/>
     <p:sldId id="257" r:id="rId3"/>
@@ -19,17 +22,16 @@
     <p:sldId id="283" r:id="rId13"/>
     <p:sldId id="284" r:id="rId14"/>
     <p:sldId id="285" r:id="rId15"/>
-    <p:sldId id="271" r:id="rId16"/>
-    <p:sldId id="272" r:id="rId17"/>
-    <p:sldId id="273" r:id="rId18"/>
+    <p:sldId id="294" r:id="rId16"/>
+    <p:sldId id="295" r:id="rId17"/>
+    <p:sldId id="296" r:id="rId18"/>
     <p:sldId id="288" r:id="rId19"/>
     <p:sldId id="260" r:id="rId20"/>
     <p:sldId id="287" r:id="rId21"/>
     <p:sldId id="286" r:id="rId22"/>
     <p:sldId id="261" r:id="rId23"/>
-    <p:sldId id="276" r:id="rId24"/>
-    <p:sldId id="277" r:id="rId25"/>
-    <p:sldId id="264" r:id="rId26"/>
+    <p:sldId id="297" r:id="rId24"/>
+    <p:sldId id="264" r:id="rId25"/>
   </p:sldIdLst>
   <p:sldSz cx="12192000" cy="6858000"/>
   <p:notesSz cx="6858000" cy="9144000"/>
@@ -151,6 +153,439 @@
 <p1510:revInfo xmlns:a="http://schemas.openxmlformats.org/drawingml/2006/main" xmlns:r="http://schemas.openxmlformats.org/officeDocument/2006/relationships" xmlns:p1510="http://schemas.microsoft.com/office/powerpoint/2015/10/main"/>
 </file>
 
+<file path=ppt/notesMasters/notesMaster1.xml><?xml version="1.0" encoding="utf-8"?>
+<p:notesMaster xmlns:a="http://schemas.openxmlformats.org/drawingml/2006/main" xmlns:r="http://schemas.openxmlformats.org/officeDocument/2006/relationships" xmlns:p="http://schemas.openxmlformats.org/presentationml/2006/main">
+  <p:cSld>
+    <p:bg>
+      <p:bgRef idx="1001">
+        <a:schemeClr val="bg1"/>
+      </p:bgRef>
+    </p:bg>
+    <p:spTree>
+      <p:nvGrpSpPr>
+        <p:cNvPr id="1" name=""/>
+        <p:cNvGrpSpPr/>
+        <p:nvPr/>
+      </p:nvGrpSpPr>
+      <p:grpSpPr>
+        <a:xfrm>
+          <a:off x="0" y="0"/>
+          <a:ext cx="0" cy="0"/>
+          <a:chOff x="0" y="0"/>
+          <a:chExt cx="0" cy="0"/>
+        </a:xfrm>
+      </p:grpSpPr>
+      <p:sp>
+        <p:nvSpPr>
+          <p:cNvPr id="2" name="Kopfzeilenplatzhalter 1"/>
+          <p:cNvSpPr>
+            <a:spLocks noGrp="1"/>
+          </p:cNvSpPr>
+          <p:nvPr>
+            <p:ph type="hdr" sz="quarter"/>
+          </p:nvPr>
+        </p:nvSpPr>
+        <p:spPr>
+          <a:xfrm>
+            <a:off x="0" y="0"/>
+            <a:ext cx="2971800" cy="458788"/>
+          </a:xfrm>
+          <a:prstGeom prst="rect">
+            <a:avLst/>
+          </a:prstGeom>
+        </p:spPr>
+        <p:txBody>
+          <a:bodyPr vert="horz" lIns="91440" tIns="45720" rIns="91440" bIns="45720" rtlCol="0"/>
+          <a:lstStyle>
+            <a:lvl1pPr algn="l">
+              <a:defRPr sz="1200"/>
+            </a:lvl1pPr>
+          </a:lstStyle>
+          <a:p>
+            <a:endParaRPr lang="de-DE"/>
+          </a:p>
+        </p:txBody>
+      </p:sp>
+      <p:sp>
+        <p:nvSpPr>
+          <p:cNvPr id="3" name="Datumsplatzhalter 2"/>
+          <p:cNvSpPr>
+            <a:spLocks noGrp="1"/>
+          </p:cNvSpPr>
+          <p:nvPr>
+            <p:ph type="dt" idx="1"/>
+          </p:nvPr>
+        </p:nvSpPr>
+        <p:spPr>
+          <a:xfrm>
+            <a:off x="3884613" y="0"/>
+            <a:ext cx="2971800" cy="458788"/>
+          </a:xfrm>
+          <a:prstGeom prst="rect">
+            <a:avLst/>
+          </a:prstGeom>
+        </p:spPr>
+        <p:txBody>
+          <a:bodyPr vert="horz" lIns="91440" tIns="45720" rIns="91440" bIns="45720" rtlCol="0"/>
+          <a:lstStyle>
+            <a:lvl1pPr algn="r">
+              <a:defRPr sz="1200"/>
+            </a:lvl1pPr>
+          </a:lstStyle>
+          <a:p>
+            <a:fld id="{5C93C0A5-2D18-464A-9955-1E7F0DF27D49}" type="datetimeFigureOut">
+              <a:rPr lang="de-DE" smtClean="0"/>
+              <a:t>29.06.2017</a:t>
+            </a:fld>
+            <a:endParaRPr lang="de-DE"/>
+          </a:p>
+        </p:txBody>
+      </p:sp>
+      <p:sp>
+        <p:nvSpPr>
+          <p:cNvPr id="4" name="Folienbildplatzhalter 3"/>
+          <p:cNvSpPr>
+            <a:spLocks noGrp="1" noRot="1" noChangeAspect="1"/>
+          </p:cNvSpPr>
+          <p:nvPr>
+            <p:ph type="sldImg" idx="2"/>
+          </p:nvPr>
+        </p:nvSpPr>
+        <p:spPr>
+          <a:xfrm>
+            <a:off x="685800" y="1143000"/>
+            <a:ext cx="5486400" cy="3086100"/>
+          </a:xfrm>
+          <a:prstGeom prst="rect">
+            <a:avLst/>
+          </a:prstGeom>
+          <a:noFill/>
+          <a:ln w="12700">
+            <a:solidFill>
+              <a:prstClr val="black"/>
+            </a:solidFill>
+          </a:ln>
+        </p:spPr>
+        <p:txBody>
+          <a:bodyPr vert="horz" lIns="91440" tIns="45720" rIns="91440" bIns="45720" rtlCol="0" anchor="ctr"/>
+          <a:lstStyle/>
+          <a:p>
+            <a:endParaRPr lang="de-DE"/>
+          </a:p>
+        </p:txBody>
+      </p:sp>
+      <p:sp>
+        <p:nvSpPr>
+          <p:cNvPr id="5" name="Notizenplatzhalter 4"/>
+          <p:cNvSpPr>
+            <a:spLocks noGrp="1"/>
+          </p:cNvSpPr>
+          <p:nvPr>
+            <p:ph type="body" sz="quarter" idx="3"/>
+          </p:nvPr>
+        </p:nvSpPr>
+        <p:spPr>
+          <a:xfrm>
+            <a:off x="685800" y="4400550"/>
+            <a:ext cx="5486400" cy="3600450"/>
+          </a:xfrm>
+          <a:prstGeom prst="rect">
+            <a:avLst/>
+          </a:prstGeom>
+        </p:spPr>
+        <p:txBody>
+          <a:bodyPr vert="horz" lIns="91440" tIns="45720" rIns="91440" bIns="45720" rtlCol="0"/>
+          <a:lstStyle/>
+          <a:p>
+            <a:pPr lvl="0"/>
+            <a:r>
+              <a:rPr lang="de-DE"/>
+              <a:t>Textmasterformat bearbeiten</a:t>
+            </a:r>
+          </a:p>
+          <a:p>
+            <a:pPr lvl="1"/>
+            <a:r>
+              <a:rPr lang="de-DE"/>
+              <a:t>Zweite Ebene</a:t>
+            </a:r>
+          </a:p>
+          <a:p>
+            <a:pPr lvl="2"/>
+            <a:r>
+              <a:rPr lang="de-DE"/>
+              <a:t>Dritte Ebene</a:t>
+            </a:r>
+          </a:p>
+          <a:p>
+            <a:pPr lvl="3"/>
+            <a:r>
+              <a:rPr lang="de-DE"/>
+              <a:t>Vierte Ebene</a:t>
+            </a:r>
+          </a:p>
+          <a:p>
+            <a:pPr lvl="4"/>
+            <a:r>
+              <a:rPr lang="de-DE"/>
+              <a:t>Fünfte Ebene</a:t>
+            </a:r>
+          </a:p>
+        </p:txBody>
+      </p:sp>
+      <p:sp>
+        <p:nvSpPr>
+          <p:cNvPr id="6" name="Fußzeilenplatzhalter 5"/>
+          <p:cNvSpPr>
+            <a:spLocks noGrp="1"/>
+          </p:cNvSpPr>
+          <p:nvPr>
+            <p:ph type="ftr" sz="quarter" idx="4"/>
+          </p:nvPr>
+        </p:nvSpPr>
+        <p:spPr>
+          <a:xfrm>
+            <a:off x="0" y="8685213"/>
+            <a:ext cx="2971800" cy="458787"/>
+          </a:xfrm>
+          <a:prstGeom prst="rect">
+            <a:avLst/>
+          </a:prstGeom>
+        </p:spPr>
+        <p:txBody>
+          <a:bodyPr vert="horz" lIns="91440" tIns="45720" rIns="91440" bIns="45720" rtlCol="0" anchor="b"/>
+          <a:lstStyle>
+            <a:lvl1pPr algn="l">
+              <a:defRPr sz="1200"/>
+            </a:lvl1pPr>
+          </a:lstStyle>
+          <a:p>
+            <a:endParaRPr lang="de-DE"/>
+          </a:p>
+        </p:txBody>
+      </p:sp>
+      <p:sp>
+        <p:nvSpPr>
+          <p:cNvPr id="7" name="Foliennummernplatzhalter 6"/>
+          <p:cNvSpPr>
+            <a:spLocks noGrp="1"/>
+          </p:cNvSpPr>
+          <p:nvPr>
+            <p:ph type="sldNum" sz="quarter" idx="5"/>
+          </p:nvPr>
+        </p:nvSpPr>
+        <p:spPr>
+          <a:xfrm>
+            <a:off x="3884613" y="8685213"/>
+            <a:ext cx="2971800" cy="458787"/>
+          </a:xfrm>
+          <a:prstGeom prst="rect">
+            <a:avLst/>
+          </a:prstGeom>
+        </p:spPr>
+        <p:txBody>
+          <a:bodyPr vert="horz" lIns="91440" tIns="45720" rIns="91440" bIns="45720" rtlCol="0" anchor="b"/>
+          <a:lstStyle>
+            <a:lvl1pPr algn="r">
+              <a:defRPr sz="1200"/>
+            </a:lvl1pPr>
+          </a:lstStyle>
+          <a:p>
+            <a:fld id="{EBC87761-28F3-428C-9EBE-64778AEF7058}" type="slidenum">
+              <a:rPr lang="de-DE" smtClean="0"/>
+              <a:t>‹Nr.›</a:t>
+            </a:fld>
+            <a:endParaRPr lang="de-DE"/>
+          </a:p>
+        </p:txBody>
+      </p:sp>
+    </p:spTree>
+    <p:extLst>
+      <p:ext uri="{BB962C8B-B14F-4D97-AF65-F5344CB8AC3E}">
+        <p14:creationId xmlns:p14="http://schemas.microsoft.com/office/powerpoint/2010/main" val="556899749"/>
+      </p:ext>
+    </p:extLst>
+  </p:cSld>
+  <p:clrMap bg1="lt1" tx1="dk1" bg2="lt2" tx2="dk2" accent1="accent1" accent2="accent2" accent3="accent3" accent4="accent4" accent5="accent5" accent6="accent6" hlink="hlink" folHlink="folHlink"/>
+  <p:notesStyle>
+    <a:lvl1pPr marL="0" algn="l" defTabSz="914400" rtl="0" eaLnBrk="1" latinLnBrk="0" hangingPunct="1">
+      <a:defRPr sz="1200" kern="1200">
+        <a:solidFill>
+          <a:schemeClr val="tx1"/>
+        </a:solidFill>
+        <a:latin typeface="+mn-lt"/>
+        <a:ea typeface="+mn-ea"/>
+        <a:cs typeface="+mn-cs"/>
+      </a:defRPr>
+    </a:lvl1pPr>
+    <a:lvl2pPr marL="457200" algn="l" defTabSz="914400" rtl="0" eaLnBrk="1" latinLnBrk="0" hangingPunct="1">
+      <a:defRPr sz="1200" kern="1200">
+        <a:solidFill>
+          <a:schemeClr val="tx1"/>
+        </a:solidFill>
+        <a:latin typeface="+mn-lt"/>
+        <a:ea typeface="+mn-ea"/>
+        <a:cs typeface="+mn-cs"/>
+      </a:defRPr>
+    </a:lvl2pPr>
+    <a:lvl3pPr marL="914400" algn="l" defTabSz="914400" rtl="0" eaLnBrk="1" latinLnBrk="0" hangingPunct="1">
+      <a:defRPr sz="1200" kern="1200">
+        <a:solidFill>
+          <a:schemeClr val="tx1"/>
+        </a:solidFill>
+        <a:latin typeface="+mn-lt"/>
+        <a:ea typeface="+mn-ea"/>
+        <a:cs typeface="+mn-cs"/>
+      </a:defRPr>
+    </a:lvl3pPr>
+    <a:lvl4pPr marL="1371600" algn="l" defTabSz="914400" rtl="0" eaLnBrk="1" latinLnBrk="0" hangingPunct="1">
+      <a:defRPr sz="1200" kern="1200">
+        <a:solidFill>
+          <a:schemeClr val="tx1"/>
+        </a:solidFill>
+        <a:latin typeface="+mn-lt"/>
+        <a:ea typeface="+mn-ea"/>
+        <a:cs typeface="+mn-cs"/>
+      </a:defRPr>
+    </a:lvl4pPr>
+    <a:lvl5pPr marL="1828800" algn="l" defTabSz="914400" rtl="0" eaLnBrk="1" latinLnBrk="0" hangingPunct="1">
+      <a:defRPr sz="1200" kern="1200">
+        <a:solidFill>
+          <a:schemeClr val="tx1"/>
+        </a:solidFill>
+        <a:latin typeface="+mn-lt"/>
+        <a:ea typeface="+mn-ea"/>
+        <a:cs typeface="+mn-cs"/>
+      </a:defRPr>
+    </a:lvl5pPr>
+    <a:lvl6pPr marL="2286000" algn="l" defTabSz="914400" rtl="0" eaLnBrk="1" latinLnBrk="0" hangingPunct="1">
+      <a:defRPr sz="1200" kern="1200">
+        <a:solidFill>
+          <a:schemeClr val="tx1"/>
+        </a:solidFill>
+        <a:latin typeface="+mn-lt"/>
+        <a:ea typeface="+mn-ea"/>
+        <a:cs typeface="+mn-cs"/>
+      </a:defRPr>
+    </a:lvl6pPr>
+    <a:lvl7pPr marL="2743200" algn="l" defTabSz="914400" rtl="0" eaLnBrk="1" latinLnBrk="0" hangingPunct="1">
+      <a:defRPr sz="1200" kern="1200">
+        <a:solidFill>
+          <a:schemeClr val="tx1"/>
+        </a:solidFill>
+        <a:latin typeface="+mn-lt"/>
+        <a:ea typeface="+mn-ea"/>
+        <a:cs typeface="+mn-cs"/>
+      </a:defRPr>
+    </a:lvl7pPr>
+    <a:lvl8pPr marL="3200400" algn="l" defTabSz="914400" rtl="0" eaLnBrk="1" latinLnBrk="0" hangingPunct="1">
+      <a:defRPr sz="1200" kern="1200">
+        <a:solidFill>
+          <a:schemeClr val="tx1"/>
+        </a:solidFill>
+        <a:latin typeface="+mn-lt"/>
+        <a:ea typeface="+mn-ea"/>
+        <a:cs typeface="+mn-cs"/>
+      </a:defRPr>
+    </a:lvl8pPr>
+    <a:lvl9pPr marL="3657600" algn="l" defTabSz="914400" rtl="0" eaLnBrk="1" latinLnBrk="0" hangingPunct="1">
+      <a:defRPr sz="1200" kern="1200">
+        <a:solidFill>
+          <a:schemeClr val="tx1"/>
+        </a:solidFill>
+        <a:latin typeface="+mn-lt"/>
+        <a:ea typeface="+mn-ea"/>
+        <a:cs typeface="+mn-cs"/>
+      </a:defRPr>
+    </a:lvl9pPr>
+  </p:notesStyle>
+</p:notesMaster>
+</file>
+
+<file path=ppt/notesSlides/notesSlide1.xml><?xml version="1.0" encoding="utf-8"?>
+<p:notes xmlns:a="http://schemas.openxmlformats.org/drawingml/2006/main" xmlns:r="http://schemas.openxmlformats.org/officeDocument/2006/relationships" xmlns:p="http://schemas.openxmlformats.org/presentationml/2006/main">
+  <p:cSld>
+    <p:spTree>
+      <p:nvGrpSpPr>
+        <p:cNvPr id="1" name=""/>
+        <p:cNvGrpSpPr/>
+        <p:nvPr/>
+      </p:nvGrpSpPr>
+      <p:grpSpPr>
+        <a:xfrm>
+          <a:off x="0" y="0"/>
+          <a:ext cx="0" cy="0"/>
+          <a:chOff x="0" y="0"/>
+          <a:chExt cx="0" cy="0"/>
+        </a:xfrm>
+      </p:grpSpPr>
+      <p:sp>
+        <p:nvSpPr>
+          <p:cNvPr id="2" name="Folienbildplatzhalter 1"/>
+          <p:cNvSpPr>
+            <a:spLocks noGrp="1" noRot="1" noChangeAspect="1"/>
+          </p:cNvSpPr>
+          <p:nvPr>
+            <p:ph type="sldImg"/>
+          </p:nvPr>
+        </p:nvSpPr>
+        <p:spPr/>
+      </p:sp>
+      <p:sp>
+        <p:nvSpPr>
+          <p:cNvPr id="3" name="Notizenplatzhalter 2"/>
+          <p:cNvSpPr>
+            <a:spLocks noGrp="1"/>
+          </p:cNvSpPr>
+          <p:nvPr>
+            <p:ph type="body" idx="1"/>
+          </p:nvPr>
+        </p:nvSpPr>
+        <p:spPr/>
+        <p:txBody>
+          <a:bodyPr/>
+          <a:lstStyle/>
+          <a:p>
+            <a:endParaRPr lang="de-DE"/>
+          </a:p>
+        </p:txBody>
+      </p:sp>
+      <p:sp>
+        <p:nvSpPr>
+          <p:cNvPr id="4" name="Foliennummernplatzhalter 3"/>
+          <p:cNvSpPr>
+            <a:spLocks noGrp="1"/>
+          </p:cNvSpPr>
+          <p:nvPr>
+            <p:ph type="sldNum" sz="quarter" idx="10"/>
+          </p:nvPr>
+        </p:nvSpPr>
+        <p:spPr/>
+        <p:txBody>
+          <a:bodyPr/>
+          <a:lstStyle/>
+          <a:p>
+            <a:fld id="{EBC87761-28F3-428C-9EBE-64778AEF7058}" type="slidenum">
+              <a:rPr lang="de-DE" smtClean="0"/>
+              <a:t>24</a:t>
+            </a:fld>
+            <a:endParaRPr lang="de-DE"/>
+          </a:p>
+        </p:txBody>
+      </p:sp>
+    </p:spTree>
+    <p:extLst>
+      <p:ext uri="{BB962C8B-B14F-4D97-AF65-F5344CB8AC3E}">
+        <p14:creationId xmlns:p14="http://schemas.microsoft.com/office/powerpoint/2010/main" val="3979071707"/>
+      </p:ext>
+    </p:extLst>
+  </p:cSld>
+  <p:clrMapOvr>
+    <a:masterClrMapping/>
+  </p:clrMapOvr>
+</p:notes>
+</file>
+
 <file path=ppt/slideLayouts/slideLayout1.xml><?xml version="1.0" encoding="utf-8"?>
 <p:sldLayout xmlns:a="http://schemas.openxmlformats.org/drawingml/2006/main" xmlns:r="http://schemas.openxmlformats.org/officeDocument/2006/relationships" xmlns:p="http://schemas.openxmlformats.org/presentationml/2006/main" type="title" preserve="1">
   <p:cSld name="Titelfolie">
@@ -278,9 +713,8 @@
           <a:bodyPr/>
           <a:lstStyle/>
           <a:p>
-            <a:fld id="{C791A2B9-412A-4824-920F-8CF70E1AACCF}" type="datetimeFigureOut">
+            <a:fld id="{0F8EF1C7-2DA9-468E-9AFF-7BAE0CD4893D}" type="datetime1">
               <a:rPr lang="de-DE" smtClean="0"/>
-              <a:pPr/>
               <a:t>29.06.2017</a:t>
             </a:fld>
             <a:endParaRPr lang="de-DE"/>
@@ -302,7 +736,10 @@
           <a:bodyPr/>
           <a:lstStyle/>
           <a:p>
-            <a:endParaRPr lang="de-DE"/>
+            <a:r>
+              <a:rPr lang="de-DE"/>
+              <a:t>DezHex - Christopher Praas / Serhiy Bolkum / Anna Krauß / Wiebke Rochler</a:t>
+            </a:r>
           </a:p>
         </p:txBody>
       </p:sp>
@@ -448,9 +885,8 @@
           <a:bodyPr/>
           <a:lstStyle/>
           <a:p>
-            <a:fld id="{C791A2B9-412A-4824-920F-8CF70E1AACCF}" type="datetimeFigureOut">
+            <a:fld id="{E04AB1F7-1213-4864-BB32-2056F8F1E7AD}" type="datetime1">
               <a:rPr lang="de-DE" smtClean="0"/>
-              <a:pPr/>
               <a:t>29.06.2017</a:t>
             </a:fld>
             <a:endParaRPr lang="de-DE"/>
@@ -472,7 +908,10 @@
           <a:bodyPr/>
           <a:lstStyle/>
           <a:p>
-            <a:endParaRPr lang="de-DE"/>
+            <a:r>
+              <a:rPr lang="de-DE"/>
+              <a:t>DezHex - Christopher Praas / Serhiy Bolkum / Anna Krauß / Wiebke Rochler</a:t>
+            </a:r>
           </a:p>
         </p:txBody>
       </p:sp>
@@ -628,9 +1067,8 @@
           <a:bodyPr/>
           <a:lstStyle/>
           <a:p>
-            <a:fld id="{C791A2B9-412A-4824-920F-8CF70E1AACCF}" type="datetimeFigureOut">
+            <a:fld id="{C60E7AE7-8BE2-4A92-9088-B62BEE1D3902}" type="datetime1">
               <a:rPr lang="de-DE" smtClean="0"/>
-              <a:pPr/>
               <a:t>29.06.2017</a:t>
             </a:fld>
             <a:endParaRPr lang="de-DE"/>
@@ -652,7 +1090,10 @@
           <a:bodyPr/>
           <a:lstStyle/>
           <a:p>
-            <a:endParaRPr lang="de-DE"/>
+            <a:r>
+              <a:rPr lang="de-DE"/>
+              <a:t>DezHex - Christopher Praas / Serhiy Bolkum / Anna Krauß / Wiebke Rochler</a:t>
+            </a:r>
           </a:p>
         </p:txBody>
       </p:sp>
@@ -798,9 +1239,8 @@
           <a:bodyPr/>
           <a:lstStyle/>
           <a:p>
-            <a:fld id="{C791A2B9-412A-4824-920F-8CF70E1AACCF}" type="datetimeFigureOut">
+            <a:fld id="{126CE635-00D0-4F56-8BE4-16F3033DBC11}" type="datetime1">
               <a:rPr lang="de-DE" smtClean="0"/>
-              <a:pPr/>
               <a:t>29.06.2017</a:t>
             </a:fld>
             <a:endParaRPr lang="de-DE"/>
@@ -822,7 +1262,10 @@
           <a:bodyPr/>
           <a:lstStyle/>
           <a:p>
-            <a:endParaRPr lang="de-DE"/>
+            <a:r>
+              <a:rPr lang="de-DE"/>
+              <a:t>DezHex - Christopher Praas / Serhiy Bolkum / Anna Krauß / Wiebke Rochler</a:t>
+            </a:r>
           </a:p>
         </p:txBody>
       </p:sp>
@@ -1045,9 +1488,8 @@
           <a:bodyPr/>
           <a:lstStyle/>
           <a:p>
-            <a:fld id="{C791A2B9-412A-4824-920F-8CF70E1AACCF}" type="datetimeFigureOut">
+            <a:fld id="{FC6547F6-156C-45BC-A9DB-1481BA0E997A}" type="datetime1">
               <a:rPr lang="de-DE" smtClean="0"/>
-              <a:pPr/>
               <a:t>29.06.2017</a:t>
             </a:fld>
             <a:endParaRPr lang="de-DE"/>
@@ -1069,7 +1511,10 @@
           <a:bodyPr/>
           <a:lstStyle/>
           <a:p>
-            <a:endParaRPr lang="de-DE"/>
+            <a:r>
+              <a:rPr lang="de-DE"/>
+              <a:t>DezHex - Christopher Praas / Serhiy Bolkum / Anna Krauß / Wiebke Rochler</a:t>
+            </a:r>
           </a:p>
         </p:txBody>
       </p:sp>
@@ -1276,9 +1721,8 @@
           <a:bodyPr/>
           <a:lstStyle/>
           <a:p>
-            <a:fld id="{C791A2B9-412A-4824-920F-8CF70E1AACCF}" type="datetimeFigureOut">
+            <a:fld id="{BE5C666B-9B4A-436A-9DF8-BC1EEFD25A1C}" type="datetime1">
               <a:rPr lang="de-DE" smtClean="0"/>
-              <a:pPr/>
               <a:t>29.06.2017</a:t>
             </a:fld>
             <a:endParaRPr lang="de-DE"/>
@@ -1300,7 +1744,10 @@
           <a:bodyPr/>
           <a:lstStyle/>
           <a:p>
-            <a:endParaRPr lang="de-DE"/>
+            <a:r>
+              <a:rPr lang="de-DE"/>
+              <a:t>DezHex - Christopher Praas / Serhiy Bolkum / Anna Krauß / Wiebke Rochler</a:t>
+            </a:r>
           </a:p>
         </p:txBody>
       </p:sp>
@@ -1642,9 +2089,8 @@
           <a:bodyPr/>
           <a:lstStyle/>
           <a:p>
-            <a:fld id="{C791A2B9-412A-4824-920F-8CF70E1AACCF}" type="datetimeFigureOut">
+            <a:fld id="{1F4E4AF6-F7CD-4BF9-A257-A1DEFBA0B1C3}" type="datetime1">
               <a:rPr lang="de-DE" smtClean="0"/>
-              <a:pPr/>
               <a:t>29.06.2017</a:t>
             </a:fld>
             <a:endParaRPr lang="de-DE"/>
@@ -1666,7 +2112,10 @@
           <a:bodyPr/>
           <a:lstStyle/>
           <a:p>
-            <a:endParaRPr lang="de-DE"/>
+            <a:r>
+              <a:rPr lang="de-DE"/>
+              <a:t>DezHex - Christopher Praas / Serhiy Bolkum / Anna Krauß / Wiebke Rochler</a:t>
+            </a:r>
           </a:p>
         </p:txBody>
       </p:sp>
@@ -1761,9 +2210,8 @@
           <a:bodyPr/>
           <a:lstStyle/>
           <a:p>
-            <a:fld id="{C791A2B9-412A-4824-920F-8CF70E1AACCF}" type="datetimeFigureOut">
+            <a:fld id="{32092A8A-F82E-4000-B8D3-6C0D7F15AEE9}" type="datetime1">
               <a:rPr lang="de-DE" smtClean="0"/>
-              <a:pPr/>
               <a:t>29.06.2017</a:t>
             </a:fld>
             <a:endParaRPr lang="de-DE"/>
@@ -1785,7 +2233,10 @@
           <a:bodyPr/>
           <a:lstStyle/>
           <a:p>
-            <a:endParaRPr lang="de-DE"/>
+            <a:r>
+              <a:rPr lang="de-DE"/>
+              <a:t>DezHex - Christopher Praas / Serhiy Bolkum / Anna Krauß / Wiebke Rochler</a:t>
+            </a:r>
           </a:p>
         </p:txBody>
       </p:sp>
@@ -1858,9 +2309,8 @@
           <a:bodyPr/>
           <a:lstStyle/>
           <a:p>
-            <a:fld id="{C791A2B9-412A-4824-920F-8CF70E1AACCF}" type="datetimeFigureOut">
+            <a:fld id="{46C3FC4A-F4C5-4E64-9440-B5ACE80B646F}" type="datetime1">
               <a:rPr lang="de-DE" smtClean="0"/>
-              <a:pPr/>
               <a:t>29.06.2017</a:t>
             </a:fld>
             <a:endParaRPr lang="de-DE"/>
@@ -1882,7 +2332,10 @@
           <a:bodyPr/>
           <a:lstStyle/>
           <a:p>
-            <a:endParaRPr lang="de-DE"/>
+            <a:r>
+              <a:rPr lang="de-DE"/>
+              <a:t>DezHex - Christopher Praas / Serhiy Bolkum / Anna Krauß / Wiebke Rochler</a:t>
+            </a:r>
           </a:p>
         </p:txBody>
       </p:sp>
@@ -2135,9 +2588,8 @@
           <a:bodyPr/>
           <a:lstStyle/>
           <a:p>
-            <a:fld id="{C791A2B9-412A-4824-920F-8CF70E1AACCF}" type="datetimeFigureOut">
+            <a:fld id="{53CCB112-3299-4873-8C5B-9AF02EE4707D}" type="datetime1">
               <a:rPr lang="de-DE" smtClean="0"/>
-              <a:pPr/>
               <a:t>29.06.2017</a:t>
             </a:fld>
             <a:endParaRPr lang="de-DE"/>
@@ -2159,7 +2611,10 @@
           <a:bodyPr/>
           <a:lstStyle/>
           <a:p>
-            <a:endParaRPr lang="de-DE"/>
+            <a:r>
+              <a:rPr lang="de-DE"/>
+              <a:t>DezHex - Christopher Praas / Serhiy Bolkum / Anna Krauß / Wiebke Rochler</a:t>
+            </a:r>
           </a:p>
         </p:txBody>
       </p:sp>
@@ -2389,9 +2844,8 @@
           <a:bodyPr/>
           <a:lstStyle/>
           <a:p>
-            <a:fld id="{C791A2B9-412A-4824-920F-8CF70E1AACCF}" type="datetimeFigureOut">
+            <a:fld id="{9B0039EA-15C5-40AF-87F2-41C7B6BCB861}" type="datetime1">
               <a:rPr lang="de-DE" smtClean="0"/>
-              <a:pPr/>
               <a:t>29.06.2017</a:t>
             </a:fld>
             <a:endParaRPr lang="de-DE"/>
@@ -2413,7 +2867,10 @@
           <a:bodyPr/>
           <a:lstStyle/>
           <a:p>
-            <a:endParaRPr lang="de-DE"/>
+            <a:r>
+              <a:rPr lang="de-DE"/>
+              <a:t>DezHex - Christopher Praas / Serhiy Bolkum / Anna Krauß / Wiebke Rochler</a:t>
+            </a:r>
           </a:p>
         </p:txBody>
       </p:sp>
@@ -2602,9 +3059,8 @@
             </a:lvl1pPr>
           </a:lstStyle>
           <a:p>
-            <a:fld id="{C791A2B9-412A-4824-920F-8CF70E1AACCF}" type="datetimeFigureOut">
+            <a:fld id="{256195D5-B185-42FA-ABD4-55A5CC1924FF}" type="datetime1">
               <a:rPr lang="de-DE" smtClean="0"/>
-              <a:pPr/>
               <a:t>29.06.2017</a:t>
             </a:fld>
             <a:endParaRPr lang="de-DE"/>
@@ -2644,7 +3100,10 @@
             </a:lvl1pPr>
           </a:lstStyle>
           <a:p>
-            <a:endParaRPr lang="de-DE"/>
+            <a:r>
+              <a:rPr lang="de-DE"/>
+              <a:t>DezHex - Christopher Praas / Serhiy Bolkum / Anna Krauß / Wiebke Rochler</a:t>
+            </a:r>
           </a:p>
         </p:txBody>
       </p:sp>
@@ -2711,6 +3170,7 @@
     <p:sldLayoutId id="2147483658" r:id="rId10"/>
     <p:sldLayoutId id="2147483659" r:id="rId11"/>
   </p:sldLayoutIdLst>
+  <p:hf hdr="0" dt="0"/>
   <p:txStyles>
     <p:titleStyle>
       <a:lvl1pPr algn="l" defTabSz="914400" rtl="0" eaLnBrk="1" latinLnBrk="0" hangingPunct="1">
@@ -3435,6 +3895,85 @@
           </a:prstGeom>
         </p:spPr>
       </p:pic>
+      <p:sp>
+        <p:nvSpPr>
+          <p:cNvPr id="3" name="Fußzeilenplatzhalter 2"/>
+          <p:cNvSpPr>
+            <a:spLocks noGrp="1"/>
+          </p:cNvSpPr>
+          <p:nvPr>
+            <p:ph type="ftr" sz="quarter" idx="11"/>
+          </p:nvPr>
+        </p:nvSpPr>
+        <p:spPr/>
+        <p:txBody>
+          <a:bodyPr/>
+          <a:lstStyle/>
+          <a:p>
+            <a:r>
+              <a:rPr lang="de-DE" dirty="0" err="1"/>
+              <a:t>DezHex</a:t>
+            </a:r>
+            <a:r>
+              <a:rPr lang="de-DE" dirty="0"/>
+              <a:t> - Christopher </a:t>
+            </a:r>
+            <a:r>
+              <a:rPr lang="de-DE" dirty="0" err="1"/>
+              <a:t>Praas</a:t>
+            </a:r>
+            <a:r>
+              <a:rPr lang="de-DE" dirty="0"/>
+              <a:t> / </a:t>
+            </a:r>
+            <a:r>
+              <a:rPr lang="de-DE" dirty="0" err="1"/>
+              <a:t>Serhiy</a:t>
+            </a:r>
+            <a:r>
+              <a:rPr lang="de-DE" dirty="0"/>
+              <a:t> </a:t>
+            </a:r>
+            <a:r>
+              <a:rPr lang="de-DE" dirty="0" err="1"/>
+              <a:t>Bolkun</a:t>
+            </a:r>
+            <a:r>
+              <a:rPr lang="de-DE" dirty="0"/>
+              <a:t> / Anna Krauß / Wiebke </a:t>
+            </a:r>
+            <a:r>
+              <a:rPr lang="de-DE" dirty="0" err="1"/>
+              <a:t>Rochler</a:t>
+            </a:r>
+            <a:endParaRPr lang="de-DE" dirty="0"/>
+          </a:p>
+        </p:txBody>
+      </p:sp>
+      <p:sp>
+        <p:nvSpPr>
+          <p:cNvPr id="7" name="Foliennummernplatzhalter 6"/>
+          <p:cNvSpPr>
+            <a:spLocks noGrp="1"/>
+          </p:cNvSpPr>
+          <p:nvPr>
+            <p:ph type="sldNum" sz="quarter" idx="12"/>
+          </p:nvPr>
+        </p:nvSpPr>
+        <p:spPr/>
+        <p:txBody>
+          <a:bodyPr/>
+          <a:lstStyle/>
+          <a:p>
+            <a:fld id="{0A3C3FF0-3A20-4DD4-BD5A-9DD4AC9CB3DF}" type="slidenum">
+              <a:rPr lang="de-DE" smtClean="0"/>
+              <a:pPr/>
+              <a:t>10</a:t>
+            </a:fld>
+            <a:endParaRPr lang="de-DE"/>
+          </a:p>
+        </p:txBody>
+      </p:sp>
     </p:spTree>
     <p:extLst>
       <p:ext uri="{BB962C8B-B14F-4D97-AF65-F5344CB8AC3E}">
@@ -3608,6 +4147,85 @@
           </a:xfrm>
         </p:spPr>
       </p:pic>
+      <p:sp>
+        <p:nvSpPr>
+          <p:cNvPr id="3" name="Fußzeilenplatzhalter 2"/>
+          <p:cNvSpPr>
+            <a:spLocks noGrp="1"/>
+          </p:cNvSpPr>
+          <p:nvPr>
+            <p:ph type="ftr" sz="quarter" idx="11"/>
+          </p:nvPr>
+        </p:nvSpPr>
+        <p:spPr/>
+        <p:txBody>
+          <a:bodyPr/>
+          <a:lstStyle/>
+          <a:p>
+            <a:r>
+              <a:rPr lang="de-DE" dirty="0" err="1"/>
+              <a:t>DezHex</a:t>
+            </a:r>
+            <a:r>
+              <a:rPr lang="de-DE" dirty="0"/>
+              <a:t> - Christopher </a:t>
+            </a:r>
+            <a:r>
+              <a:rPr lang="de-DE" dirty="0" err="1"/>
+              <a:t>Praas</a:t>
+            </a:r>
+            <a:r>
+              <a:rPr lang="de-DE" dirty="0"/>
+              <a:t> / </a:t>
+            </a:r>
+            <a:r>
+              <a:rPr lang="de-DE" dirty="0" err="1"/>
+              <a:t>Serhiy</a:t>
+            </a:r>
+            <a:r>
+              <a:rPr lang="de-DE" dirty="0"/>
+              <a:t> </a:t>
+            </a:r>
+            <a:r>
+              <a:rPr lang="de-DE" dirty="0" err="1"/>
+              <a:t>Bolkun</a:t>
+            </a:r>
+            <a:r>
+              <a:rPr lang="de-DE" dirty="0"/>
+              <a:t> / Anna Krauß / Wiebke </a:t>
+            </a:r>
+            <a:r>
+              <a:rPr lang="de-DE" dirty="0" err="1"/>
+              <a:t>Rochler</a:t>
+            </a:r>
+            <a:endParaRPr lang="de-DE" dirty="0"/>
+          </a:p>
+        </p:txBody>
+      </p:sp>
+      <p:sp>
+        <p:nvSpPr>
+          <p:cNvPr id="8" name="Foliennummernplatzhalter 7"/>
+          <p:cNvSpPr>
+            <a:spLocks noGrp="1"/>
+          </p:cNvSpPr>
+          <p:nvPr>
+            <p:ph type="sldNum" sz="quarter" idx="12"/>
+          </p:nvPr>
+        </p:nvSpPr>
+        <p:spPr/>
+        <p:txBody>
+          <a:bodyPr/>
+          <a:lstStyle/>
+          <a:p>
+            <a:fld id="{0A3C3FF0-3A20-4DD4-BD5A-9DD4AC9CB3DF}" type="slidenum">
+              <a:rPr lang="de-DE" smtClean="0"/>
+              <a:pPr/>
+              <a:t>11</a:t>
+            </a:fld>
+            <a:endParaRPr lang="de-DE"/>
+          </a:p>
+        </p:txBody>
+      </p:sp>
     </p:spTree>
     <p:extLst>
       <p:ext uri="{BB962C8B-B14F-4D97-AF65-F5344CB8AC3E}">
@@ -3782,6 +4400,85 @@
           </a:prstGeom>
         </p:spPr>
       </p:pic>
+      <p:sp>
+        <p:nvSpPr>
+          <p:cNvPr id="3" name="Fußzeilenplatzhalter 2"/>
+          <p:cNvSpPr>
+            <a:spLocks noGrp="1"/>
+          </p:cNvSpPr>
+          <p:nvPr>
+            <p:ph type="ftr" sz="quarter" idx="11"/>
+          </p:nvPr>
+        </p:nvSpPr>
+        <p:spPr/>
+        <p:txBody>
+          <a:bodyPr/>
+          <a:lstStyle/>
+          <a:p>
+            <a:r>
+              <a:rPr lang="de-DE" dirty="0" err="1"/>
+              <a:t>DezHex</a:t>
+            </a:r>
+            <a:r>
+              <a:rPr lang="de-DE" dirty="0"/>
+              <a:t> - Christopher </a:t>
+            </a:r>
+            <a:r>
+              <a:rPr lang="de-DE" dirty="0" err="1"/>
+              <a:t>Praas</a:t>
+            </a:r>
+            <a:r>
+              <a:rPr lang="de-DE" dirty="0"/>
+              <a:t> / </a:t>
+            </a:r>
+            <a:r>
+              <a:rPr lang="de-DE" dirty="0" err="1"/>
+              <a:t>Serhiy</a:t>
+            </a:r>
+            <a:r>
+              <a:rPr lang="de-DE" dirty="0"/>
+              <a:t> </a:t>
+            </a:r>
+            <a:r>
+              <a:rPr lang="de-DE" dirty="0" err="1"/>
+              <a:t>Bolkun</a:t>
+            </a:r>
+            <a:r>
+              <a:rPr lang="de-DE" dirty="0"/>
+              <a:t> / Anna Krauß / Wiebke </a:t>
+            </a:r>
+            <a:r>
+              <a:rPr lang="de-DE" dirty="0" err="1"/>
+              <a:t>Rochler</a:t>
+            </a:r>
+            <a:endParaRPr lang="de-DE" dirty="0"/>
+          </a:p>
+        </p:txBody>
+      </p:sp>
+      <p:sp>
+        <p:nvSpPr>
+          <p:cNvPr id="7" name="Foliennummernplatzhalter 6"/>
+          <p:cNvSpPr>
+            <a:spLocks noGrp="1"/>
+          </p:cNvSpPr>
+          <p:nvPr>
+            <p:ph type="sldNum" sz="quarter" idx="12"/>
+          </p:nvPr>
+        </p:nvSpPr>
+        <p:spPr/>
+        <p:txBody>
+          <a:bodyPr/>
+          <a:lstStyle/>
+          <a:p>
+            <a:fld id="{0A3C3FF0-3A20-4DD4-BD5A-9DD4AC9CB3DF}" type="slidenum">
+              <a:rPr lang="de-DE" smtClean="0"/>
+              <a:pPr/>
+              <a:t>12</a:t>
+            </a:fld>
+            <a:endParaRPr lang="de-DE"/>
+          </a:p>
+        </p:txBody>
+      </p:sp>
     </p:spTree>
     <p:extLst>
       <p:ext uri="{BB962C8B-B14F-4D97-AF65-F5344CB8AC3E}">
@@ -3955,6 +4652,85 @@
           </a:xfrm>
         </p:spPr>
       </p:pic>
+      <p:sp>
+        <p:nvSpPr>
+          <p:cNvPr id="3" name="Fußzeilenplatzhalter 2"/>
+          <p:cNvSpPr>
+            <a:spLocks noGrp="1"/>
+          </p:cNvSpPr>
+          <p:nvPr>
+            <p:ph type="ftr" sz="quarter" idx="11"/>
+          </p:nvPr>
+        </p:nvSpPr>
+        <p:spPr/>
+        <p:txBody>
+          <a:bodyPr/>
+          <a:lstStyle/>
+          <a:p>
+            <a:r>
+              <a:rPr lang="de-DE" dirty="0" err="1"/>
+              <a:t>DezHex</a:t>
+            </a:r>
+            <a:r>
+              <a:rPr lang="de-DE" dirty="0"/>
+              <a:t> - Christopher </a:t>
+            </a:r>
+            <a:r>
+              <a:rPr lang="de-DE" dirty="0" err="1"/>
+              <a:t>Praas</a:t>
+            </a:r>
+            <a:r>
+              <a:rPr lang="de-DE" dirty="0"/>
+              <a:t> / </a:t>
+            </a:r>
+            <a:r>
+              <a:rPr lang="de-DE" dirty="0" err="1"/>
+              <a:t>Serhiy</a:t>
+            </a:r>
+            <a:r>
+              <a:rPr lang="de-DE" dirty="0"/>
+              <a:t> </a:t>
+            </a:r>
+            <a:r>
+              <a:rPr lang="de-DE" dirty="0" err="1"/>
+              <a:t>Bolkun</a:t>
+            </a:r>
+            <a:r>
+              <a:rPr lang="de-DE" dirty="0"/>
+              <a:t> / Anna Krauß / Wiebke </a:t>
+            </a:r>
+            <a:r>
+              <a:rPr lang="de-DE" dirty="0" err="1"/>
+              <a:t>Rochler</a:t>
+            </a:r>
+            <a:endParaRPr lang="de-DE" dirty="0"/>
+          </a:p>
+        </p:txBody>
+      </p:sp>
+      <p:sp>
+        <p:nvSpPr>
+          <p:cNvPr id="8" name="Foliennummernplatzhalter 7"/>
+          <p:cNvSpPr>
+            <a:spLocks noGrp="1"/>
+          </p:cNvSpPr>
+          <p:nvPr>
+            <p:ph type="sldNum" sz="quarter" idx="12"/>
+          </p:nvPr>
+        </p:nvSpPr>
+        <p:spPr/>
+        <p:txBody>
+          <a:bodyPr/>
+          <a:lstStyle/>
+          <a:p>
+            <a:fld id="{0A3C3FF0-3A20-4DD4-BD5A-9DD4AC9CB3DF}" type="slidenum">
+              <a:rPr lang="de-DE" smtClean="0"/>
+              <a:pPr/>
+              <a:t>13</a:t>
+            </a:fld>
+            <a:endParaRPr lang="de-DE"/>
+          </a:p>
+        </p:txBody>
+      </p:sp>
     </p:spTree>
     <p:extLst>
       <p:ext uri="{BB962C8B-B14F-4D97-AF65-F5344CB8AC3E}">
@@ -4334,6 +5110,85 @@
           <a:noFill/>
         </p:spPr>
       </p:pic>
+      <p:sp>
+        <p:nvSpPr>
+          <p:cNvPr id="3" name="Fußzeilenplatzhalter 2"/>
+          <p:cNvSpPr>
+            <a:spLocks noGrp="1"/>
+          </p:cNvSpPr>
+          <p:nvPr>
+            <p:ph type="ftr" sz="quarter" idx="11"/>
+          </p:nvPr>
+        </p:nvSpPr>
+        <p:spPr/>
+        <p:txBody>
+          <a:bodyPr/>
+          <a:lstStyle/>
+          <a:p>
+            <a:r>
+              <a:rPr lang="de-DE" dirty="0" err="1"/>
+              <a:t>DezHex</a:t>
+            </a:r>
+            <a:r>
+              <a:rPr lang="de-DE" dirty="0"/>
+              <a:t> - Christopher </a:t>
+            </a:r>
+            <a:r>
+              <a:rPr lang="de-DE" dirty="0" err="1"/>
+              <a:t>Praas</a:t>
+            </a:r>
+            <a:r>
+              <a:rPr lang="de-DE" dirty="0"/>
+              <a:t> / </a:t>
+            </a:r>
+            <a:r>
+              <a:rPr lang="de-DE" dirty="0" err="1"/>
+              <a:t>Serhiy</a:t>
+            </a:r>
+            <a:r>
+              <a:rPr lang="de-DE" dirty="0"/>
+              <a:t> </a:t>
+            </a:r>
+            <a:r>
+              <a:rPr lang="de-DE" dirty="0" err="1"/>
+              <a:t>Bolkun</a:t>
+            </a:r>
+            <a:r>
+              <a:rPr lang="de-DE" dirty="0"/>
+              <a:t> / Anna Krauß / Wiebke </a:t>
+            </a:r>
+            <a:r>
+              <a:rPr lang="de-DE" dirty="0" err="1"/>
+              <a:t>Rochler</a:t>
+            </a:r>
+            <a:endParaRPr lang="de-DE" dirty="0"/>
+          </a:p>
+        </p:txBody>
+      </p:sp>
+      <p:sp>
+        <p:nvSpPr>
+          <p:cNvPr id="9" name="Foliennummernplatzhalter 8"/>
+          <p:cNvSpPr>
+            <a:spLocks noGrp="1"/>
+          </p:cNvSpPr>
+          <p:nvPr>
+            <p:ph type="sldNum" sz="quarter" idx="12"/>
+          </p:nvPr>
+        </p:nvSpPr>
+        <p:spPr/>
+        <p:txBody>
+          <a:bodyPr/>
+          <a:lstStyle/>
+          <a:p>
+            <a:fld id="{0A3C3FF0-3A20-4DD4-BD5A-9DD4AC9CB3DF}" type="slidenum">
+              <a:rPr lang="de-DE" smtClean="0"/>
+              <a:pPr/>
+              <a:t>14</a:t>
+            </a:fld>
+            <a:endParaRPr lang="de-DE"/>
+          </a:p>
+        </p:txBody>
+      </p:sp>
     </p:spTree>
     <p:extLst>
       <p:ext uri="{BB962C8B-B14F-4D97-AF65-F5344CB8AC3E}">
@@ -4366,314 +5221,18 @@
       </p:grpSpPr>
       <p:sp>
         <p:nvSpPr>
-          <p:cNvPr id="3" name="Содержимое 2"/>
+          <p:cNvPr id="2" name="Titel 1"/>
           <p:cNvSpPr>
             <a:spLocks noGrp="1"/>
           </p:cNvSpPr>
           <p:nvPr>
-            <p:ph idx="1"/>
-          </p:nvPr>
-        </p:nvSpPr>
-        <p:spPr/>
-        <p:txBody>
-          <a:bodyPr/>
-          <a:lstStyle/>
-          <a:p>
-            <a:r>
-              <a:rPr lang="de-DE" dirty="0"/>
-              <a:t>Vorgehensweise</a:t>
-            </a:r>
-          </a:p>
-        </p:txBody>
-      </p:sp>
-      <p:sp>
-        <p:nvSpPr>
-          <p:cNvPr id="4" name="Заголовок 1"/>
-          <p:cNvSpPr>
-            <a:spLocks noGrp="1"/>
-          </p:cNvSpPr>
-          <p:nvPr>
             <p:ph type="title"/>
           </p:nvPr>
         </p:nvSpPr>
         <p:spPr>
-          <a:solidFill>
-            <a:schemeClr val="tx2">
-              <a:lumMod val="20000"/>
-              <a:lumOff val="80000"/>
-            </a:schemeClr>
-          </a:solidFill>
-        </p:spPr>
-        <p:txBody>
-          <a:bodyPr/>
-          <a:lstStyle/>
-          <a:p>
-            <a:r>
-              <a:rPr lang="de-DE" dirty="0">
-                <a:solidFill>
-                  <a:srgbClr val="183BD2"/>
-                </a:solidFill>
-              </a:rPr>
-              <a:t>Entwicklerdokumentation(2)</a:t>
-            </a:r>
-            <a:endParaRPr lang="de-DE" dirty="0"/>
-          </a:p>
-        </p:txBody>
-      </p:sp>
-      <p:pic>
-        <p:nvPicPr>
-          <p:cNvPr id="2050" name="Picture 2" descr="C:\Users\Serhiy\Desktop\SE\doxyFenster.png"/>
-          <p:cNvPicPr>
-            <a:picLocks noChangeAspect="1" noChangeArrowheads="1"/>
-          </p:cNvPicPr>
-          <p:nvPr/>
-        </p:nvPicPr>
-        <p:blipFill>
-          <a:blip r:embed="rId2" cstate="print"/>
-          <a:srcRect/>
-          <a:stretch>
-            <a:fillRect/>
-          </a:stretch>
-        </p:blipFill>
-        <p:spPr bwMode="auto">
-          <a:xfrm>
-            <a:off x="888274" y="2204864"/>
-            <a:ext cx="10489475" cy="4581128"/>
-          </a:xfrm>
-          <a:prstGeom prst="rect">
-            <a:avLst/>
-          </a:prstGeom>
-          <a:noFill/>
-        </p:spPr>
-      </p:pic>
-    </p:spTree>
-  </p:cSld>
-  <p:clrMapOvr>
-    <a:masterClrMapping/>
-  </p:clrMapOvr>
-</p:sld>
-</file>
-
-<file path=ppt/slides/slide16.xml><?xml version="1.0" encoding="utf-8"?>
-<p:sld xmlns:a="http://schemas.openxmlformats.org/drawingml/2006/main" xmlns:r="http://schemas.openxmlformats.org/officeDocument/2006/relationships" xmlns:p="http://schemas.openxmlformats.org/presentationml/2006/main">
-  <p:cSld>
-    <p:spTree>
-      <p:nvGrpSpPr>
-        <p:cNvPr id="1" name=""/>
-        <p:cNvGrpSpPr/>
-        <p:nvPr/>
-      </p:nvGrpSpPr>
-      <p:grpSpPr>
-        <a:xfrm>
-          <a:off x="0" y="0"/>
-          <a:ext cx="0" cy="0"/>
-          <a:chOff x="0" y="0"/>
-          <a:chExt cx="0" cy="0"/>
-        </a:xfrm>
-      </p:grpSpPr>
-      <p:sp>
-        <p:nvSpPr>
-          <p:cNvPr id="4" name="Заголовок 1"/>
-          <p:cNvSpPr>
-            <a:spLocks noGrp="1"/>
-          </p:cNvSpPr>
-          <p:nvPr>
-            <p:ph type="title"/>
-          </p:nvPr>
-        </p:nvSpPr>
-        <p:spPr>
-          <a:solidFill>
-            <a:schemeClr val="tx2">
-              <a:lumMod val="20000"/>
-              <a:lumOff val="80000"/>
-            </a:schemeClr>
-          </a:solidFill>
-        </p:spPr>
-        <p:txBody>
-          <a:bodyPr/>
-          <a:lstStyle/>
-          <a:p>
-            <a:r>
-              <a:rPr lang="de-DE" dirty="0">
-                <a:solidFill>
-                  <a:srgbClr val="183BD2"/>
-                </a:solidFill>
-              </a:rPr>
-              <a:t>Entwicklerdokumentation(3)</a:t>
-            </a:r>
-            <a:endParaRPr lang="de-DE" dirty="0"/>
-          </a:p>
-        </p:txBody>
-      </p:sp>
-      <p:sp>
-        <p:nvSpPr>
-          <p:cNvPr id="6" name="Содержимое 5"/>
-          <p:cNvSpPr>
-            <a:spLocks noGrp="1"/>
-          </p:cNvSpPr>
-          <p:nvPr>
-            <p:ph idx="1"/>
-          </p:nvPr>
-        </p:nvSpPr>
-        <p:spPr/>
-        <p:txBody>
-          <a:bodyPr/>
-          <a:lstStyle/>
-          <a:p>
-            <a:r>
-              <a:rPr lang="de-DE" dirty="0"/>
-              <a:t>Generierte Dokumentation</a:t>
-            </a:r>
-          </a:p>
-        </p:txBody>
-      </p:sp>
-      <p:pic>
-        <p:nvPicPr>
-          <p:cNvPr id="3074" name="Picture 2" descr="C:\Users\Serhiy\Desktop\SE\doxyFertig.png"/>
-          <p:cNvPicPr>
-            <a:picLocks noChangeAspect="1" noChangeArrowheads="1"/>
-          </p:cNvPicPr>
-          <p:nvPr/>
-        </p:nvPicPr>
-        <p:blipFill>
-          <a:blip r:embed="rId2" cstate="print"/>
-          <a:srcRect/>
-          <a:stretch>
-            <a:fillRect/>
-          </a:stretch>
-        </p:blipFill>
-        <p:spPr bwMode="auto">
-          <a:xfrm>
-            <a:off x="815413" y="2348880"/>
-            <a:ext cx="10657184" cy="3744416"/>
-          </a:xfrm>
-          <a:prstGeom prst="rect">
-            <a:avLst/>
-          </a:prstGeom>
-          <a:noFill/>
-        </p:spPr>
-      </p:pic>
-    </p:spTree>
-  </p:cSld>
-  <p:clrMapOvr>
-    <a:masterClrMapping/>
-  </p:clrMapOvr>
-</p:sld>
-</file>
-
-<file path=ppt/slides/slide17.xml><?xml version="1.0" encoding="utf-8"?>
-<p:sld xmlns:a="http://schemas.openxmlformats.org/drawingml/2006/main" xmlns:r="http://schemas.openxmlformats.org/officeDocument/2006/relationships" xmlns:p="http://schemas.openxmlformats.org/presentationml/2006/main">
-  <p:cSld>
-    <p:spTree>
-      <p:nvGrpSpPr>
-        <p:cNvPr id="1" name=""/>
-        <p:cNvGrpSpPr/>
-        <p:nvPr/>
-      </p:nvGrpSpPr>
-      <p:grpSpPr>
-        <a:xfrm>
-          <a:off x="0" y="0"/>
-          <a:ext cx="0" cy="0"/>
-          <a:chOff x="0" y="0"/>
-          <a:chExt cx="0" cy="0"/>
-        </a:xfrm>
-      </p:grpSpPr>
-      <p:pic>
-        <p:nvPicPr>
-          <p:cNvPr id="5" name="Содержимое 4" descr="doxyFertig2.png"/>
-          <p:cNvPicPr>
-            <a:picLocks noGrp="1" noChangeAspect="1"/>
-          </p:cNvPicPr>
-          <p:nvPr>
-            <p:ph idx="1"/>
-          </p:nvPr>
-        </p:nvPicPr>
-        <p:blipFill>
-          <a:blip r:embed="rId2" cstate="print"/>
-          <a:stretch>
-            <a:fillRect/>
-          </a:stretch>
-        </p:blipFill>
-        <p:spPr>
-          <a:xfrm>
-            <a:off x="914400" y="2509952"/>
-            <a:ext cx="10437223" cy="2706461"/>
-          </a:xfrm>
-        </p:spPr>
-      </p:pic>
-      <p:sp>
-        <p:nvSpPr>
-          <p:cNvPr id="4" name="Заголовок 1"/>
-          <p:cNvSpPr>
-            <a:spLocks noGrp="1"/>
-          </p:cNvSpPr>
-          <p:nvPr>
-            <p:ph type="title"/>
-          </p:nvPr>
-        </p:nvSpPr>
-        <p:spPr>
-          <a:solidFill>
-            <a:schemeClr val="tx2">
-              <a:lumMod val="20000"/>
-              <a:lumOff val="80000"/>
-            </a:schemeClr>
-          </a:solidFill>
-        </p:spPr>
-        <p:txBody>
-          <a:bodyPr/>
-          <a:lstStyle/>
-          <a:p>
-            <a:r>
-              <a:rPr lang="de-DE" dirty="0">
-                <a:solidFill>
-                  <a:srgbClr val="183BD2"/>
-                </a:solidFill>
-              </a:rPr>
-              <a:t>Entwicklerdokumentation(4)</a:t>
-            </a:r>
-            <a:endParaRPr lang="de-DE" dirty="0"/>
-          </a:p>
-        </p:txBody>
-      </p:sp>
-    </p:spTree>
-  </p:cSld>
-  <p:clrMapOvr>
-    <a:masterClrMapping/>
-  </p:clrMapOvr>
-</p:sld>
-</file>
-
-<file path=ppt/slides/slide18.xml><?xml version="1.0" encoding="utf-8"?>
-<p:sld xmlns:a="http://schemas.openxmlformats.org/drawingml/2006/main" xmlns:r="http://schemas.openxmlformats.org/officeDocument/2006/relationships" xmlns:p="http://schemas.openxmlformats.org/presentationml/2006/main">
-  <p:cSld>
-    <p:spTree>
-      <p:nvGrpSpPr>
-        <p:cNvPr id="1" name=""/>
-        <p:cNvGrpSpPr/>
-        <p:nvPr/>
-      </p:nvGrpSpPr>
-      <p:grpSpPr>
-        <a:xfrm>
-          <a:off x="0" y="0"/>
-          <a:ext cx="0" cy="0"/>
-          <a:chOff x="0" y="0"/>
-          <a:chExt cx="0" cy="0"/>
-        </a:xfrm>
-      </p:grpSpPr>
-      <p:sp>
-        <p:nvSpPr>
-          <p:cNvPr id="2" name="Titel 1"/>
-          <p:cNvSpPr>
-            <a:spLocks noGrp="1"/>
-          </p:cNvSpPr>
-          <p:nvPr>
-            <p:ph type="title"/>
-          </p:nvPr>
-        </p:nvSpPr>
-        <p:spPr>
-          <a:xfrm>
-            <a:off x="866607" y="201371"/>
-            <a:ext cx="4878238" cy="690024"/>
+          <a:xfrm>
+            <a:off x="866606" y="201371"/>
+            <a:ext cx="8530435" cy="690024"/>
           </a:xfrm>
         </p:spPr>
         <p:txBody>
@@ -4684,7 +5243,7 @@
           <a:p>
             <a:r>
               <a:rPr lang="de-DE" dirty="0"/>
-              <a:t>Dokumentationen</a:t>
+              <a:t>Entwicklerdokumentation (2)</a:t>
             </a:r>
           </a:p>
         </p:txBody>
@@ -4790,8 +5349,8 @@
         </p:nvSpPr>
         <p:spPr>
           <a:xfrm>
-            <a:off x="1524000" y="1374177"/>
-            <a:ext cx="9144000" cy="4351338"/>
+            <a:off x="1208314" y="1244839"/>
+            <a:ext cx="10515600" cy="650156"/>
           </a:xfrm>
           <a:prstGeom prst="rect">
             <a:avLst/>
@@ -4968,69 +5527,126 @@
           <a:p>
             <a:r>
               <a:rPr lang="de-DE" dirty="0"/>
-              <a:t>Administratorendokumentation:</a:t>
-            </a:r>
-          </a:p>
-          <a:p>
-            <a:pPr lvl="1"/>
-            <a:r>
-              <a:rPr lang="de-DE" dirty="0"/>
-              <a:t>Wenige Systemvoraussetzungen (Windows, Java 8 oder höher)</a:t>
-            </a:r>
-          </a:p>
-          <a:p>
-            <a:pPr lvl="1"/>
-            <a:r>
-              <a:rPr lang="de-DE" dirty="0"/>
-              <a:t>Verknüpfung oder Ablage der exe-Datei auf dem Desktop</a:t>
-            </a:r>
-          </a:p>
-          <a:p>
-            <a:pPr marL="0" indent="0">
-              <a:buFont typeface="Arial" panose="020B0604020202020204" pitchFamily="34" charset="0"/>
+              <a:t>Vorgehensweise</a:t>
+            </a:r>
+          </a:p>
+          <a:p>
+            <a:pPr marL="457200" lvl="1" indent="0">
               <a:buNone/>
             </a:pPr>
             <a:endParaRPr lang="de-DE" dirty="0"/>
           </a:p>
-          <a:p>
-            <a:r>
-              <a:rPr lang="de-DE" dirty="0"/>
-              <a:t>Anwenderdokumentation:</a:t>
-            </a:r>
-          </a:p>
-          <a:p>
-            <a:pPr lvl="1"/>
-            <a:r>
-              <a:rPr lang="de-DE" dirty="0"/>
-              <a:t>Kinder als Nutzer </a:t>
-            </a:r>
-            <a:r>
-              <a:rPr lang="de-DE" dirty="0">
-                <a:sym typeface="Wingdings" panose="05000000000000000000" pitchFamily="2" charset="2"/>
-              </a:rPr>
-              <a:t> entsprechend kinderfreundlich gestaltet</a:t>
-            </a:r>
-          </a:p>
-          <a:p>
-            <a:pPr lvl="1"/>
-            <a:r>
-              <a:rPr lang="de-DE" dirty="0"/>
-              <a:t>Detaillierte Schritt-für-Schrittanleitung</a:t>
-            </a:r>
-          </a:p>
-          <a:p>
-            <a:pPr lvl="1"/>
-            <a:r>
-              <a:rPr lang="de-DE" dirty="0"/>
-              <a:t>Kleine Übungsbeispiele mit Lösungen</a:t>
-            </a:r>
+        </p:txBody>
+      </p:sp>
+      <p:pic>
+        <p:nvPicPr>
+          <p:cNvPr id="9" name="Picture 2" descr="C:\Users\Serhiy\Desktop\SE\doxyFenster.png"/>
+          <p:cNvPicPr>
+            <a:picLocks noChangeAspect="1" noChangeArrowheads="1"/>
+          </p:cNvPicPr>
+          <p:nvPr/>
+        </p:nvPicPr>
+        <p:blipFill>
+          <a:blip r:embed="rId3" cstate="print"/>
+          <a:srcRect/>
+          <a:stretch>
+            <a:fillRect/>
+          </a:stretch>
+        </p:blipFill>
+        <p:spPr bwMode="auto">
+          <a:xfrm>
+            <a:off x="1524000" y="1656271"/>
+            <a:ext cx="8769573" cy="4307335"/>
+          </a:xfrm>
+          <a:prstGeom prst="rect">
+            <a:avLst/>
+          </a:prstGeom>
+          <a:noFill/>
+        </p:spPr>
+      </p:pic>
+      <p:sp>
+        <p:nvSpPr>
+          <p:cNvPr id="3" name="Fußzeilenplatzhalter 2"/>
+          <p:cNvSpPr>
+            <a:spLocks noGrp="1"/>
+          </p:cNvSpPr>
+          <p:nvPr>
+            <p:ph type="ftr" sz="quarter" idx="11"/>
+          </p:nvPr>
+        </p:nvSpPr>
+        <p:spPr/>
+        <p:txBody>
+          <a:bodyPr/>
+          <a:lstStyle/>
+          <a:p>
+            <a:r>
+              <a:rPr lang="de-DE" dirty="0" err="1"/>
+              <a:t>DezHex</a:t>
+            </a:r>
+            <a:r>
+              <a:rPr lang="de-DE" dirty="0"/>
+              <a:t> - Christopher </a:t>
+            </a:r>
+            <a:r>
+              <a:rPr lang="de-DE" dirty="0" err="1"/>
+              <a:t>Praas</a:t>
+            </a:r>
+            <a:r>
+              <a:rPr lang="de-DE" dirty="0"/>
+              <a:t> / </a:t>
+            </a:r>
+            <a:r>
+              <a:rPr lang="de-DE" dirty="0" err="1"/>
+              <a:t>Serhiy</a:t>
+            </a:r>
+            <a:r>
+              <a:rPr lang="de-DE" dirty="0"/>
+              <a:t> </a:t>
+            </a:r>
+            <a:r>
+              <a:rPr lang="de-DE" dirty="0" err="1"/>
+              <a:t>Bolkun</a:t>
+            </a:r>
+            <a:r>
+              <a:rPr lang="de-DE" dirty="0"/>
+              <a:t> / Anna Krauß / Wiebke </a:t>
+            </a:r>
+            <a:r>
+              <a:rPr lang="de-DE" dirty="0" err="1"/>
+              <a:t>Rochler</a:t>
+            </a:r>
+            <a:endParaRPr lang="de-DE" dirty="0"/>
+          </a:p>
+        </p:txBody>
+      </p:sp>
+      <p:sp>
+        <p:nvSpPr>
+          <p:cNvPr id="10" name="Foliennummernplatzhalter 9"/>
+          <p:cNvSpPr>
+            <a:spLocks noGrp="1"/>
+          </p:cNvSpPr>
+          <p:nvPr>
+            <p:ph type="sldNum" sz="quarter" idx="12"/>
+          </p:nvPr>
+        </p:nvSpPr>
+        <p:spPr/>
+        <p:txBody>
+          <a:bodyPr/>
+          <a:lstStyle/>
+          <a:p>
+            <a:fld id="{0A3C3FF0-3A20-4DD4-BD5A-9DD4AC9CB3DF}" type="slidenum">
+              <a:rPr lang="de-DE" smtClean="0"/>
+              <a:pPr/>
+              <a:t>15</a:t>
+            </a:fld>
+            <a:endParaRPr lang="de-DE"/>
           </a:p>
         </p:txBody>
       </p:sp>
     </p:spTree>
     <p:extLst>
       <p:ext uri="{BB962C8B-B14F-4D97-AF65-F5344CB8AC3E}">
-        <p14:creationId xmlns:p14="http://schemas.microsoft.com/office/powerpoint/2010/main" val="924516342"/>
+        <p14:creationId xmlns:p14="http://schemas.microsoft.com/office/powerpoint/2010/main" val="336590201"/>
       </p:ext>
     </p:extLst>
   </p:cSld>
@@ -5040,7 +5656,7 @@
 </p:sld>
 </file>
 
-<file path=ppt/slides/slide19.xml><?xml version="1.0" encoding="utf-8"?>
+<file path=ppt/slides/slide16.xml><?xml version="1.0" encoding="utf-8"?>
 <p:sld xmlns:a="http://schemas.openxmlformats.org/drawingml/2006/main" xmlns:r="http://schemas.openxmlformats.org/officeDocument/2006/relationships" xmlns:p="http://schemas.openxmlformats.org/presentationml/2006/main">
   <p:cSld>
     <p:spTree>
@@ -5069,8 +5685,8 @@
         </p:nvSpPr>
         <p:spPr>
           <a:xfrm>
-            <a:off x="866607" y="201371"/>
-            <a:ext cx="7564276" cy="690024"/>
+            <a:off x="866606" y="201371"/>
+            <a:ext cx="8530435" cy="690024"/>
           </a:xfrm>
         </p:spPr>
         <p:txBody>
@@ -5081,86 +5697,8 @@
           <a:p>
             <a:r>
               <a:rPr lang="de-DE" dirty="0"/>
-              <a:t>Verwendete Softwaretools</a:t>
-            </a:r>
-          </a:p>
-        </p:txBody>
-      </p:sp>
-      <p:sp>
-        <p:nvSpPr>
-          <p:cNvPr id="3" name="Inhaltsplatzhalter 2"/>
-          <p:cNvSpPr>
-            <a:spLocks noGrp="1"/>
-          </p:cNvSpPr>
-          <p:nvPr>
-            <p:ph idx="1"/>
-          </p:nvPr>
-        </p:nvSpPr>
-        <p:spPr>
-          <a:xfrm>
-            <a:off x="1524000" y="1365550"/>
-            <a:ext cx="2543702" cy="4023084"/>
-          </a:xfrm>
-        </p:spPr>
-        <p:txBody>
-          <a:bodyPr>
-            <a:normAutofit lnSpcReduction="10000"/>
-          </a:bodyPr>
-          <a:lstStyle/>
-          <a:p>
-            <a:endParaRPr lang="de-DE" dirty="0"/>
-          </a:p>
-          <a:p>
-            <a:r>
-              <a:rPr lang="de-DE" dirty="0" err="1"/>
-              <a:t>GitHub</a:t>
-            </a:r>
-            <a:endParaRPr lang="de-DE" dirty="0"/>
-          </a:p>
-          <a:p>
-            <a:r>
-              <a:rPr lang="de-DE" dirty="0" err="1"/>
-              <a:t>Topcased</a:t>
-            </a:r>
-            <a:endParaRPr lang="de-DE" dirty="0"/>
-          </a:p>
-          <a:p>
-            <a:r>
-              <a:rPr lang="de-DE" dirty="0" err="1"/>
-              <a:t>NinjaMock</a:t>
-            </a:r>
-            <a:endParaRPr lang="de-DE" dirty="0"/>
-          </a:p>
-          <a:p>
-            <a:r>
-              <a:rPr lang="de-DE" dirty="0" err="1"/>
-              <a:t>Eclipse</a:t>
-            </a:r>
-            <a:r>
-              <a:rPr lang="de-DE" dirty="0"/>
-              <a:t> </a:t>
-            </a:r>
-          </a:p>
-          <a:p>
-            <a:r>
-              <a:rPr lang="de-DE" dirty="0" err="1"/>
-              <a:t>Gradle</a:t>
-            </a:r>
-            <a:endParaRPr lang="de-DE" dirty="0"/>
-          </a:p>
-          <a:p>
-            <a:r>
-              <a:rPr lang="de-DE" dirty="0" err="1"/>
-              <a:t>JUnit</a:t>
-            </a:r>
-            <a:endParaRPr lang="de-DE" dirty="0"/>
-          </a:p>
-          <a:p>
-            <a:r>
-              <a:rPr lang="de-DE" dirty="0" err="1"/>
-              <a:t>Doxygen</a:t>
-            </a:r>
-            <a:endParaRPr lang="de-DE" dirty="0"/>
+              <a:t>Entwicklerdokumentation (3)</a:t>
+            </a:r>
           </a:p>
         </p:txBody>
       </p:sp>
@@ -5255,1710 +5793,9 @@
           </a:fontRef>
         </p:style>
       </p:cxnSp>
-    </p:spTree>
-    <p:extLst>
-      <p:ext uri="{BB962C8B-B14F-4D97-AF65-F5344CB8AC3E}">
-        <p14:creationId xmlns:p14="http://schemas.microsoft.com/office/powerpoint/2010/main" val="3592684440"/>
-      </p:ext>
-    </p:extLst>
-  </p:cSld>
-  <p:clrMapOvr>
-    <a:masterClrMapping/>
-  </p:clrMapOvr>
-</p:sld>
-</file>
-
-<file path=ppt/slides/slide2.xml><?xml version="1.0" encoding="utf-8"?>
-<p:sld xmlns:a="http://schemas.openxmlformats.org/drawingml/2006/main" xmlns:r="http://schemas.openxmlformats.org/officeDocument/2006/relationships" xmlns:p="http://schemas.openxmlformats.org/presentationml/2006/main">
-  <p:cSld>
-    <p:spTree>
-      <p:nvGrpSpPr>
-        <p:cNvPr id="1" name=""/>
-        <p:cNvGrpSpPr/>
-        <p:nvPr/>
-      </p:nvGrpSpPr>
-      <p:grpSpPr>
-        <a:xfrm>
-          <a:off x="0" y="0"/>
-          <a:ext cx="0" cy="0"/>
-          <a:chOff x="0" y="0"/>
-          <a:chExt cx="0" cy="0"/>
-        </a:xfrm>
-      </p:grpSpPr>
-      <p:sp>
-        <p:nvSpPr>
-          <p:cNvPr id="2" name="Titel 1"/>
-          <p:cNvSpPr>
-            <a:spLocks noGrp="1"/>
-          </p:cNvSpPr>
-          <p:nvPr>
-            <p:ph type="title"/>
-          </p:nvPr>
-        </p:nvSpPr>
-        <p:spPr>
-          <a:xfrm>
-            <a:off x="866607" y="201371"/>
-            <a:ext cx="4878238" cy="690024"/>
-          </a:xfrm>
-        </p:spPr>
-        <p:txBody>
-          <a:bodyPr>
-            <a:normAutofit fontScale="90000"/>
-          </a:bodyPr>
-          <a:lstStyle/>
-          <a:p>
-            <a:r>
-              <a:rPr lang="de-DE" dirty="0"/>
-              <a:t>Gliederung</a:t>
-            </a:r>
-          </a:p>
-        </p:txBody>
-      </p:sp>
-      <p:sp>
-        <p:nvSpPr>
-          <p:cNvPr id="3" name="Inhaltsplatzhalter 2"/>
-          <p:cNvSpPr>
-            <a:spLocks noGrp="1"/>
-          </p:cNvSpPr>
-          <p:nvPr>
-            <p:ph idx="1"/>
-          </p:nvPr>
-        </p:nvSpPr>
-        <p:spPr>
-          <a:xfrm>
-            <a:off x="1523999" y="1244780"/>
-            <a:ext cx="9858207" cy="4351338"/>
-          </a:xfrm>
-        </p:spPr>
-        <p:txBody>
-          <a:bodyPr/>
-          <a:lstStyle/>
-          <a:p>
-            <a:pPr marL="514350" indent="-514350">
-              <a:buFont typeface="+mj-lt"/>
-              <a:buAutoNum type="arabicPeriod"/>
-            </a:pPr>
-            <a:r>
-              <a:rPr lang="de-DE" dirty="0"/>
-              <a:t>Einleitung</a:t>
-            </a:r>
-            <a:br>
-              <a:rPr lang="de-DE" dirty="0"/>
-            </a:br>
-            <a:r>
-              <a:rPr lang="de-DE" dirty="0"/>
-              <a:t>1.1   Vorstellung</a:t>
-            </a:r>
-            <a:br>
-              <a:rPr lang="de-DE" dirty="0"/>
-            </a:br>
-            <a:r>
-              <a:rPr lang="de-DE" dirty="0"/>
-              <a:t>1.2   Motivation</a:t>
-            </a:r>
-            <a:br>
-              <a:rPr lang="de-DE" dirty="0"/>
-            </a:br>
-            <a:r>
-              <a:rPr lang="de-DE" dirty="0"/>
-              <a:t>1.3   Produktvorstellung</a:t>
-            </a:r>
-          </a:p>
-          <a:p>
-            <a:pPr marL="514350" indent="-514350">
-              <a:buFont typeface="+mj-lt"/>
-              <a:buAutoNum type="arabicPeriod"/>
-            </a:pPr>
-            <a:r>
-              <a:rPr lang="de-DE" dirty="0"/>
-              <a:t>Quellcode</a:t>
-            </a:r>
-          </a:p>
-          <a:p>
-            <a:pPr marL="514350" indent="-514350">
-              <a:buFont typeface="+mj-lt"/>
-              <a:buAutoNum type="arabicPeriod"/>
-            </a:pPr>
-            <a:r>
-              <a:rPr lang="de-DE" dirty="0"/>
-              <a:t>UML-Diagramme</a:t>
-            </a:r>
-          </a:p>
-          <a:p>
-            <a:pPr marL="514350" indent="-514350">
-              <a:buFont typeface="+mj-lt"/>
-              <a:buAutoNum type="arabicPeriod"/>
-            </a:pPr>
-            <a:r>
-              <a:rPr lang="de-DE" dirty="0"/>
-              <a:t>Dokumentationen</a:t>
-            </a:r>
-          </a:p>
-          <a:p>
-            <a:pPr marL="514350" indent="-514350">
-              <a:buFont typeface="+mj-lt"/>
-              <a:buAutoNum type="arabicPeriod"/>
-            </a:pPr>
-            <a:r>
-              <a:rPr lang="de-DE" dirty="0"/>
-              <a:t>Verwendete Softwaretools und Drittanbieter-Software</a:t>
-            </a:r>
-          </a:p>
-          <a:p>
-            <a:pPr marL="514350" indent="-514350">
-              <a:buFont typeface="+mj-lt"/>
-              <a:buAutoNum type="arabicPeriod"/>
-            </a:pPr>
-            <a:r>
-              <a:rPr lang="de-DE" dirty="0"/>
-              <a:t>Selbstreflektion</a:t>
-            </a:r>
-          </a:p>
-          <a:p>
-            <a:pPr marL="514350" indent="-514350">
-              <a:buFont typeface="+mj-lt"/>
-              <a:buAutoNum type="arabicPeriod"/>
-            </a:pPr>
-            <a:endParaRPr lang="de-DE" dirty="0"/>
-          </a:p>
-          <a:p>
-            <a:pPr marL="514350" indent="-514350">
-              <a:buFont typeface="+mj-lt"/>
-              <a:buAutoNum type="arabicPeriod"/>
-            </a:pPr>
-            <a:endParaRPr lang="de-DE" dirty="0"/>
-          </a:p>
-          <a:p>
-            <a:pPr marL="514350" indent="-514350">
-              <a:buFont typeface="+mj-lt"/>
-              <a:buAutoNum type="arabicPeriod"/>
-            </a:pPr>
-            <a:endParaRPr lang="de-DE" dirty="0"/>
-          </a:p>
-        </p:txBody>
-      </p:sp>
-      <p:pic>
-        <p:nvPicPr>
-          <p:cNvPr id="4" name="Grafik 3"/>
-          <p:cNvPicPr>
-            <a:picLocks noChangeAspect="1"/>
-          </p:cNvPicPr>
-          <p:nvPr/>
-        </p:nvPicPr>
-        <p:blipFill>
-          <a:blip r:embed="rId2" cstate="print">
-            <a:extLst>
-              <a:ext uri="{28A0092B-C50C-407E-A947-70E740481C1C}">
-                <a14:useLocalDpi xmlns:a14="http://schemas.microsoft.com/office/drawing/2010/main" val="0"/>
-              </a:ext>
-            </a:extLst>
-          </a:blip>
-          <a:stretch>
-            <a:fillRect/>
-          </a:stretch>
-        </p:blipFill>
-        <p:spPr>
-          <a:xfrm>
-            <a:off x="17595" y="3325"/>
-            <a:ext cx="849012" cy="851140"/>
-          </a:xfrm>
-          <a:prstGeom prst="rect">
-            <a:avLst/>
-          </a:prstGeom>
-          <a:effectLst/>
-        </p:spPr>
-      </p:pic>
-      <p:cxnSp>
-        <p:nvCxnSpPr>
-          <p:cNvPr id="5" name="Gerader Verbinder 4"/>
-          <p:cNvCxnSpPr/>
-          <p:nvPr/>
-        </p:nvCxnSpPr>
-        <p:spPr>
-          <a:xfrm>
-            <a:off x="0" y="879893"/>
-            <a:ext cx="10668000" cy="0"/>
-          </a:xfrm>
-          <a:prstGeom prst="line">
-            <a:avLst/>
-          </a:prstGeom>
-        </p:spPr>
-        <p:style>
-          <a:lnRef idx="3">
-            <a:schemeClr val="accent2"/>
-          </a:lnRef>
-          <a:fillRef idx="0">
-            <a:schemeClr val="accent2"/>
-          </a:fillRef>
-          <a:effectRef idx="2">
-            <a:schemeClr val="accent2"/>
-          </a:effectRef>
-          <a:fontRef idx="minor">
-            <a:schemeClr val="tx1"/>
-          </a:fontRef>
-        </p:style>
-      </p:cxnSp>
-      <p:cxnSp>
-        <p:nvCxnSpPr>
-          <p:cNvPr id="6" name="Gerader Verbinder 5"/>
-          <p:cNvCxnSpPr/>
-          <p:nvPr/>
-        </p:nvCxnSpPr>
-        <p:spPr>
-          <a:xfrm>
-            <a:off x="1524000" y="6311660"/>
-            <a:ext cx="10668000" cy="0"/>
-          </a:xfrm>
-          <a:prstGeom prst="line">
-            <a:avLst/>
-          </a:prstGeom>
-        </p:spPr>
-        <p:style>
-          <a:lnRef idx="3">
-            <a:schemeClr val="accent2"/>
-          </a:lnRef>
-          <a:fillRef idx="0">
-            <a:schemeClr val="accent2"/>
-          </a:fillRef>
-          <a:effectRef idx="2">
-            <a:schemeClr val="accent2"/>
-          </a:effectRef>
-          <a:fontRef idx="minor">
-            <a:schemeClr val="tx1"/>
-          </a:fontRef>
-        </p:style>
-      </p:cxnSp>
-    </p:spTree>
-    <p:extLst>
-      <p:ext uri="{BB962C8B-B14F-4D97-AF65-F5344CB8AC3E}">
-        <p14:creationId xmlns:p14="http://schemas.microsoft.com/office/powerpoint/2010/main" val="438102538"/>
-      </p:ext>
-    </p:extLst>
-  </p:cSld>
-  <p:clrMapOvr>
-    <a:masterClrMapping/>
-  </p:clrMapOvr>
-</p:sld>
-</file>
-
-<file path=ppt/slides/slide20.xml><?xml version="1.0" encoding="utf-8"?>
-<p:sld xmlns:a="http://schemas.openxmlformats.org/drawingml/2006/main" xmlns:r="http://schemas.openxmlformats.org/officeDocument/2006/relationships" xmlns:p="http://schemas.openxmlformats.org/presentationml/2006/main">
-  <p:cSld>
-    <p:spTree>
-      <p:nvGrpSpPr>
-        <p:cNvPr id="1" name=""/>
-        <p:cNvGrpSpPr/>
-        <p:nvPr/>
-      </p:nvGrpSpPr>
-      <p:grpSpPr>
-        <a:xfrm>
-          <a:off x="0" y="0"/>
-          <a:ext cx="0" cy="0"/>
-          <a:chOff x="0" y="0"/>
-          <a:chExt cx="0" cy="0"/>
-        </a:xfrm>
-      </p:grpSpPr>
-      <p:sp>
-        <p:nvSpPr>
-          <p:cNvPr id="2" name="Titel 1"/>
-          <p:cNvSpPr>
-            <a:spLocks noGrp="1"/>
-          </p:cNvSpPr>
-          <p:nvPr>
-            <p:ph type="title"/>
-          </p:nvPr>
-        </p:nvSpPr>
-        <p:spPr>
-          <a:xfrm>
-            <a:off x="866607" y="201371"/>
-            <a:ext cx="7564276" cy="690024"/>
-          </a:xfrm>
-        </p:spPr>
-        <p:txBody>
-          <a:bodyPr>
-            <a:normAutofit fontScale="90000"/>
-          </a:bodyPr>
-          <a:lstStyle/>
-          <a:p>
-            <a:r>
-              <a:rPr lang="de-DE" dirty="0"/>
-              <a:t>Verwendete SWT - </a:t>
-            </a:r>
-            <a:r>
-              <a:rPr lang="de-DE" dirty="0" err="1"/>
-              <a:t>GitHub</a:t>
-            </a:r>
-            <a:endParaRPr lang="de-DE" dirty="0"/>
-          </a:p>
-        </p:txBody>
-      </p:sp>
-      <p:sp>
-        <p:nvSpPr>
-          <p:cNvPr id="3" name="Inhaltsplatzhalter 2"/>
-          <p:cNvSpPr>
-            <a:spLocks noGrp="1"/>
-          </p:cNvSpPr>
-          <p:nvPr>
-            <p:ph idx="1"/>
-          </p:nvPr>
-        </p:nvSpPr>
-        <p:spPr>
-          <a:xfrm>
-            <a:off x="8603411" y="1167318"/>
-            <a:ext cx="2800710" cy="2869846"/>
-          </a:xfrm>
-        </p:spPr>
-        <p:txBody>
-          <a:bodyPr>
-            <a:normAutofit/>
-          </a:bodyPr>
-          <a:lstStyle/>
-          <a:p>
-            <a:r>
-              <a:rPr lang="de-DE" i="1" dirty="0"/>
-              <a:t>Verbreitet</a:t>
-            </a:r>
-          </a:p>
-          <a:p>
-            <a:r>
-              <a:rPr lang="de-DE" i="1" dirty="0"/>
-              <a:t>Schnell</a:t>
-            </a:r>
-          </a:p>
-          <a:p>
-            <a:r>
-              <a:rPr lang="de-DE" i="1" dirty="0"/>
-              <a:t>Effizient </a:t>
-            </a:r>
-          </a:p>
-          <a:p>
-            <a:r>
-              <a:rPr lang="de-DE" i="1" dirty="0"/>
-              <a:t>Verfügt über Desktopversion</a:t>
-            </a:r>
-            <a:endParaRPr lang="de-DE" dirty="0"/>
-          </a:p>
-        </p:txBody>
-      </p:sp>
-      <p:pic>
-        <p:nvPicPr>
-          <p:cNvPr id="4" name="Grafik 3"/>
-          <p:cNvPicPr>
-            <a:picLocks noChangeAspect="1"/>
-          </p:cNvPicPr>
-          <p:nvPr/>
-        </p:nvPicPr>
-        <p:blipFill>
-          <a:blip r:embed="rId2" cstate="print">
-            <a:extLst>
-              <a:ext uri="{28A0092B-C50C-407E-A947-70E740481C1C}">
-                <a14:useLocalDpi xmlns:a14="http://schemas.microsoft.com/office/drawing/2010/main" val="0"/>
-              </a:ext>
-            </a:extLst>
-          </a:blip>
-          <a:stretch>
-            <a:fillRect/>
-          </a:stretch>
-        </p:blipFill>
-        <p:spPr>
-          <a:xfrm>
-            <a:off x="17595" y="3325"/>
-            <a:ext cx="849012" cy="851140"/>
-          </a:xfrm>
-          <a:prstGeom prst="rect">
-            <a:avLst/>
-          </a:prstGeom>
-          <a:effectLst/>
-        </p:spPr>
-      </p:pic>
-      <p:cxnSp>
-        <p:nvCxnSpPr>
-          <p:cNvPr id="5" name="Gerader Verbinder 4"/>
-          <p:cNvCxnSpPr/>
-          <p:nvPr/>
-        </p:nvCxnSpPr>
-        <p:spPr>
-          <a:xfrm>
-            <a:off x="0" y="879893"/>
-            <a:ext cx="10668000" cy="0"/>
-          </a:xfrm>
-          <a:prstGeom prst="line">
-            <a:avLst/>
-          </a:prstGeom>
-        </p:spPr>
-        <p:style>
-          <a:lnRef idx="3">
-            <a:schemeClr val="accent2"/>
-          </a:lnRef>
-          <a:fillRef idx="0">
-            <a:schemeClr val="accent2"/>
-          </a:fillRef>
-          <a:effectRef idx="2">
-            <a:schemeClr val="accent2"/>
-          </a:effectRef>
-          <a:fontRef idx="minor">
-            <a:schemeClr val="tx1"/>
-          </a:fontRef>
-        </p:style>
-      </p:cxnSp>
-      <p:cxnSp>
-        <p:nvCxnSpPr>
-          <p:cNvPr id="6" name="Gerader Verbinder 5"/>
-          <p:cNvCxnSpPr/>
-          <p:nvPr/>
-        </p:nvCxnSpPr>
-        <p:spPr>
-          <a:xfrm>
-            <a:off x="1524000" y="6311660"/>
-            <a:ext cx="10668000" cy="0"/>
-          </a:xfrm>
-          <a:prstGeom prst="line">
-            <a:avLst/>
-          </a:prstGeom>
-        </p:spPr>
-        <p:style>
-          <a:lnRef idx="3">
-            <a:schemeClr val="accent2"/>
-          </a:lnRef>
-          <a:fillRef idx="0">
-            <a:schemeClr val="accent2"/>
-          </a:fillRef>
-          <a:effectRef idx="2">
-            <a:schemeClr val="accent2"/>
-          </a:effectRef>
-          <a:fontRef idx="minor">
-            <a:schemeClr val="tx1"/>
-          </a:fontRef>
-        </p:style>
-      </p:cxnSp>
-      <p:pic>
-        <p:nvPicPr>
-          <p:cNvPr id="7" name="Grafik 6"/>
-          <p:cNvPicPr>
-            <a:picLocks noChangeAspect="1"/>
-          </p:cNvPicPr>
-          <p:nvPr/>
-        </p:nvPicPr>
-        <p:blipFill>
-          <a:blip r:embed="rId3" cstate="print">
-            <a:extLst>
-              <a:ext uri="{28A0092B-C50C-407E-A947-70E740481C1C}">
-                <a14:useLocalDpi xmlns:a14="http://schemas.microsoft.com/office/drawing/2010/main" val="0"/>
-              </a:ext>
-            </a:extLst>
-          </a:blip>
-          <a:stretch>
-            <a:fillRect/>
-          </a:stretch>
-        </p:blipFill>
-        <p:spPr>
-          <a:xfrm>
-            <a:off x="1285488" y="1167318"/>
-            <a:ext cx="7145395" cy="4690257"/>
-          </a:xfrm>
-          <a:prstGeom prst="rect">
-            <a:avLst/>
-          </a:prstGeom>
-        </p:spPr>
-      </p:pic>
-    </p:spTree>
-    <p:extLst>
-      <p:ext uri="{BB962C8B-B14F-4D97-AF65-F5344CB8AC3E}">
-        <p14:creationId xmlns:p14="http://schemas.microsoft.com/office/powerpoint/2010/main" val="1565029412"/>
-      </p:ext>
-    </p:extLst>
-  </p:cSld>
-  <p:clrMapOvr>
-    <a:masterClrMapping/>
-  </p:clrMapOvr>
-</p:sld>
-</file>
-
-<file path=ppt/slides/slide21.xml><?xml version="1.0" encoding="utf-8"?>
-<p:sld xmlns:a="http://schemas.openxmlformats.org/drawingml/2006/main" xmlns:r="http://schemas.openxmlformats.org/officeDocument/2006/relationships" xmlns:p="http://schemas.openxmlformats.org/presentationml/2006/main">
-  <p:cSld>
-    <p:spTree>
-      <p:nvGrpSpPr>
-        <p:cNvPr id="1" name=""/>
-        <p:cNvGrpSpPr/>
-        <p:nvPr/>
-      </p:nvGrpSpPr>
-      <p:grpSpPr>
-        <a:xfrm>
-          <a:off x="0" y="0"/>
-          <a:ext cx="0" cy="0"/>
-          <a:chOff x="0" y="0"/>
-          <a:chExt cx="0" cy="0"/>
-        </a:xfrm>
-      </p:grpSpPr>
-      <p:sp>
-        <p:nvSpPr>
-          <p:cNvPr id="2" name="Titel 1"/>
-          <p:cNvSpPr>
-            <a:spLocks noGrp="1"/>
-          </p:cNvSpPr>
-          <p:nvPr>
-            <p:ph type="title"/>
-          </p:nvPr>
-        </p:nvSpPr>
-        <p:spPr>
-          <a:xfrm>
-            <a:off x="866607" y="201371"/>
-            <a:ext cx="7564276" cy="690024"/>
-          </a:xfrm>
-        </p:spPr>
-        <p:txBody>
-          <a:bodyPr>
-            <a:normAutofit fontScale="90000"/>
-          </a:bodyPr>
-          <a:lstStyle/>
-          <a:p>
-            <a:r>
-              <a:rPr lang="de-DE" dirty="0"/>
-              <a:t>Verwendete SWT - </a:t>
-            </a:r>
-            <a:r>
-              <a:rPr lang="de-DE" dirty="0" err="1"/>
-              <a:t>NinjaMock</a:t>
-            </a:r>
-            <a:endParaRPr lang="de-DE" dirty="0"/>
-          </a:p>
-        </p:txBody>
-      </p:sp>
-      <p:sp>
-        <p:nvSpPr>
-          <p:cNvPr id="3" name="Inhaltsplatzhalter 2"/>
-          <p:cNvSpPr>
-            <a:spLocks noGrp="1"/>
-          </p:cNvSpPr>
-          <p:nvPr>
-            <p:ph idx="1"/>
-          </p:nvPr>
-        </p:nvSpPr>
-        <p:spPr>
-          <a:xfrm>
-            <a:off x="8925463" y="1296538"/>
-            <a:ext cx="3266537" cy="4707033"/>
-          </a:xfrm>
-        </p:spPr>
-        <p:txBody>
-          <a:bodyPr/>
-          <a:lstStyle/>
-          <a:p>
-            <a:r>
-              <a:rPr lang="de-DE" dirty="0"/>
-              <a:t>Online verfügbar</a:t>
-            </a:r>
-          </a:p>
-          <a:p>
-            <a:r>
-              <a:rPr lang="de-DE" dirty="0"/>
-              <a:t>Gleichzeitiges Arbeiten mehrerer Nutzer möglich</a:t>
-            </a:r>
-          </a:p>
-          <a:p>
-            <a:r>
-              <a:rPr lang="de-DE" dirty="0"/>
-              <a:t>Intuitiv</a:t>
-            </a:r>
-          </a:p>
-          <a:p>
-            <a:r>
-              <a:rPr lang="de-DE" dirty="0"/>
-              <a:t>Unkompliziert</a:t>
-            </a:r>
-          </a:p>
-        </p:txBody>
-      </p:sp>
-      <p:pic>
-        <p:nvPicPr>
-          <p:cNvPr id="4" name="Grafik 3"/>
-          <p:cNvPicPr>
-            <a:picLocks noChangeAspect="1"/>
-          </p:cNvPicPr>
-          <p:nvPr/>
-        </p:nvPicPr>
-        <p:blipFill>
-          <a:blip r:embed="rId2" cstate="print">
-            <a:extLst>
-              <a:ext uri="{28A0092B-C50C-407E-A947-70E740481C1C}">
-                <a14:useLocalDpi xmlns:a14="http://schemas.microsoft.com/office/drawing/2010/main" val="0"/>
-              </a:ext>
-            </a:extLst>
-          </a:blip>
-          <a:stretch>
-            <a:fillRect/>
-          </a:stretch>
-        </p:blipFill>
-        <p:spPr>
-          <a:xfrm>
-            <a:off x="17595" y="3325"/>
-            <a:ext cx="849012" cy="851140"/>
-          </a:xfrm>
-          <a:prstGeom prst="rect">
-            <a:avLst/>
-          </a:prstGeom>
-          <a:effectLst/>
-        </p:spPr>
-      </p:pic>
-      <p:cxnSp>
-        <p:nvCxnSpPr>
-          <p:cNvPr id="5" name="Gerader Verbinder 4"/>
-          <p:cNvCxnSpPr/>
-          <p:nvPr/>
-        </p:nvCxnSpPr>
-        <p:spPr>
-          <a:xfrm>
-            <a:off x="0" y="879893"/>
-            <a:ext cx="10668000" cy="0"/>
-          </a:xfrm>
-          <a:prstGeom prst="line">
-            <a:avLst/>
-          </a:prstGeom>
-        </p:spPr>
-        <p:style>
-          <a:lnRef idx="3">
-            <a:schemeClr val="accent2"/>
-          </a:lnRef>
-          <a:fillRef idx="0">
-            <a:schemeClr val="accent2"/>
-          </a:fillRef>
-          <a:effectRef idx="2">
-            <a:schemeClr val="accent2"/>
-          </a:effectRef>
-          <a:fontRef idx="minor">
-            <a:schemeClr val="tx1"/>
-          </a:fontRef>
-        </p:style>
-      </p:cxnSp>
-      <p:cxnSp>
-        <p:nvCxnSpPr>
-          <p:cNvPr id="6" name="Gerader Verbinder 5"/>
-          <p:cNvCxnSpPr/>
-          <p:nvPr/>
-        </p:nvCxnSpPr>
-        <p:spPr>
-          <a:xfrm>
-            <a:off x="1524000" y="6311660"/>
-            <a:ext cx="10668000" cy="0"/>
-          </a:xfrm>
-          <a:prstGeom prst="line">
-            <a:avLst/>
-          </a:prstGeom>
-        </p:spPr>
-        <p:style>
-          <a:lnRef idx="3">
-            <a:schemeClr val="accent2"/>
-          </a:lnRef>
-          <a:fillRef idx="0">
-            <a:schemeClr val="accent2"/>
-          </a:fillRef>
-          <a:effectRef idx="2">
-            <a:schemeClr val="accent2"/>
-          </a:effectRef>
-          <a:fontRef idx="minor">
-            <a:schemeClr val="tx1"/>
-          </a:fontRef>
-        </p:style>
-      </p:cxnSp>
-      <p:pic>
-        <p:nvPicPr>
-          <p:cNvPr id="7" name="Grafik 6"/>
-          <p:cNvPicPr>
-            <a:picLocks noChangeAspect="1"/>
-          </p:cNvPicPr>
-          <p:nvPr/>
-        </p:nvPicPr>
-        <p:blipFill>
-          <a:blip r:embed="rId3" cstate="print">
-            <a:extLst>
-              <a:ext uri="{28A0092B-C50C-407E-A947-70E740481C1C}">
-                <a14:useLocalDpi xmlns:a14="http://schemas.microsoft.com/office/drawing/2010/main" val="0"/>
-              </a:ext>
-            </a:extLst>
-          </a:blip>
-          <a:stretch>
-            <a:fillRect/>
-          </a:stretch>
-        </p:blipFill>
-        <p:spPr>
-          <a:xfrm>
-            <a:off x="651839" y="1250886"/>
-            <a:ext cx="7993811" cy="4689781"/>
-          </a:xfrm>
-          <a:prstGeom prst="rect">
-            <a:avLst/>
-          </a:prstGeom>
-        </p:spPr>
-      </p:pic>
-    </p:spTree>
-    <p:extLst>
-      <p:ext uri="{BB962C8B-B14F-4D97-AF65-F5344CB8AC3E}">
-        <p14:creationId xmlns:p14="http://schemas.microsoft.com/office/powerpoint/2010/main" val="540480175"/>
-      </p:ext>
-    </p:extLst>
-  </p:cSld>
-  <p:clrMapOvr>
-    <a:masterClrMapping/>
-  </p:clrMapOvr>
-</p:sld>
-</file>
-
-<file path=ppt/slides/slide22.xml><?xml version="1.0" encoding="utf-8"?>
-<p:sld xmlns:a="http://schemas.openxmlformats.org/drawingml/2006/main" xmlns:r="http://schemas.openxmlformats.org/officeDocument/2006/relationships" xmlns:p="http://schemas.openxmlformats.org/presentationml/2006/main">
-  <p:cSld>
-    <p:spTree>
-      <p:nvGrpSpPr>
-        <p:cNvPr id="1" name=""/>
-        <p:cNvGrpSpPr/>
-        <p:nvPr/>
-      </p:nvGrpSpPr>
-      <p:grpSpPr>
-        <a:xfrm>
-          <a:off x="0" y="0"/>
-          <a:ext cx="0" cy="0"/>
-          <a:chOff x="0" y="0"/>
-          <a:chExt cx="0" cy="0"/>
-        </a:xfrm>
-      </p:grpSpPr>
-      <p:sp>
-        <p:nvSpPr>
-          <p:cNvPr id="2" name="Titel 1"/>
-          <p:cNvSpPr>
-            <a:spLocks noGrp="1"/>
-          </p:cNvSpPr>
-          <p:nvPr>
-            <p:ph type="title"/>
-          </p:nvPr>
-        </p:nvSpPr>
-        <p:spPr>
-          <a:xfrm>
-            <a:off x="866607" y="201371"/>
-            <a:ext cx="6126540" cy="690024"/>
-          </a:xfrm>
-        </p:spPr>
-        <p:txBody>
-          <a:bodyPr>
-            <a:normAutofit fontScale="90000"/>
-          </a:bodyPr>
-          <a:lstStyle/>
-          <a:p>
-            <a:r>
-              <a:rPr lang="de-DE" dirty="0"/>
-              <a:t>Drittanbieter - Software</a:t>
-            </a:r>
-          </a:p>
-        </p:txBody>
-      </p:sp>
-      <p:sp>
-        <p:nvSpPr>
-          <p:cNvPr id="3" name="Inhaltsplatzhalter 2"/>
-          <p:cNvSpPr>
-            <a:spLocks noGrp="1"/>
-          </p:cNvSpPr>
-          <p:nvPr>
-            <p:ph idx="1"/>
-          </p:nvPr>
-        </p:nvSpPr>
-        <p:spPr>
-          <a:xfrm>
-            <a:off x="866607" y="1244780"/>
-            <a:ext cx="10515600" cy="4351338"/>
-          </a:xfrm>
-        </p:spPr>
-        <p:txBody>
-          <a:bodyPr/>
-          <a:lstStyle/>
-          <a:p>
-            <a:r>
-              <a:rPr lang="de-DE" dirty="0" err="1"/>
-              <a:t>JSmooth</a:t>
-            </a:r>
-            <a:endParaRPr lang="de-DE" dirty="0"/>
-          </a:p>
-          <a:p>
-            <a:pPr>
-              <a:buNone/>
-            </a:pPr>
-            <a:r>
-              <a:rPr lang="de-DE" dirty="0"/>
-              <a:t>Download Link: </a:t>
-            </a:r>
-            <a:r>
-              <a:rPr lang="de-DE" dirty="0">
-                <a:solidFill>
-                  <a:schemeClr val="accent1">
-                    <a:lumMod val="75000"/>
-                  </a:schemeClr>
-                </a:solidFill>
-              </a:rPr>
-              <a:t>http://jsmooth.sourceforge.net/download.php</a:t>
-            </a:r>
-          </a:p>
-        </p:txBody>
-      </p:sp>
-      <p:pic>
-        <p:nvPicPr>
-          <p:cNvPr id="4" name="Grafik 3"/>
-          <p:cNvPicPr>
-            <a:picLocks noChangeAspect="1"/>
-          </p:cNvPicPr>
-          <p:nvPr/>
-        </p:nvPicPr>
-        <p:blipFill>
-          <a:blip r:embed="rId2" cstate="print">
-            <a:extLst>
-              <a:ext uri="{28A0092B-C50C-407E-A947-70E740481C1C}">
-                <a14:useLocalDpi xmlns:a14="http://schemas.microsoft.com/office/drawing/2010/main" val="0"/>
-              </a:ext>
-            </a:extLst>
-          </a:blip>
-          <a:stretch>
-            <a:fillRect/>
-          </a:stretch>
-        </p:blipFill>
-        <p:spPr>
-          <a:xfrm>
-            <a:off x="17595" y="3325"/>
-            <a:ext cx="849012" cy="851140"/>
-          </a:xfrm>
-          <a:prstGeom prst="rect">
-            <a:avLst/>
-          </a:prstGeom>
-          <a:effectLst/>
-        </p:spPr>
-      </p:pic>
-      <p:cxnSp>
-        <p:nvCxnSpPr>
-          <p:cNvPr id="5" name="Gerader Verbinder 4"/>
-          <p:cNvCxnSpPr/>
-          <p:nvPr/>
-        </p:nvCxnSpPr>
-        <p:spPr>
-          <a:xfrm>
-            <a:off x="0" y="879893"/>
-            <a:ext cx="10668000" cy="0"/>
-          </a:xfrm>
-          <a:prstGeom prst="line">
-            <a:avLst/>
-          </a:prstGeom>
-        </p:spPr>
-        <p:style>
-          <a:lnRef idx="3">
-            <a:schemeClr val="accent2"/>
-          </a:lnRef>
-          <a:fillRef idx="0">
-            <a:schemeClr val="accent2"/>
-          </a:fillRef>
-          <a:effectRef idx="2">
-            <a:schemeClr val="accent2"/>
-          </a:effectRef>
-          <a:fontRef idx="minor">
-            <a:schemeClr val="tx1"/>
-          </a:fontRef>
-        </p:style>
-      </p:cxnSp>
-      <p:cxnSp>
-        <p:nvCxnSpPr>
-          <p:cNvPr id="6" name="Gerader Verbinder 5"/>
-          <p:cNvCxnSpPr/>
-          <p:nvPr/>
-        </p:nvCxnSpPr>
-        <p:spPr>
-          <a:xfrm>
-            <a:off x="1524000" y="6311660"/>
-            <a:ext cx="10668000" cy="0"/>
-          </a:xfrm>
-          <a:prstGeom prst="line">
-            <a:avLst/>
-          </a:prstGeom>
-        </p:spPr>
-        <p:style>
-          <a:lnRef idx="3">
-            <a:schemeClr val="accent2"/>
-          </a:lnRef>
-          <a:fillRef idx="0">
-            <a:schemeClr val="accent2"/>
-          </a:fillRef>
-          <a:effectRef idx="2">
-            <a:schemeClr val="accent2"/>
-          </a:effectRef>
-          <a:fontRef idx="minor">
-            <a:schemeClr val="tx1"/>
-          </a:fontRef>
-        </p:style>
-      </p:cxnSp>
-      <p:pic>
-        <p:nvPicPr>
-          <p:cNvPr id="1026" name="Picture 2" descr="C:\Users\Serhiy\Desktop\download.png"/>
-          <p:cNvPicPr>
-            <a:picLocks noChangeAspect="1" noChangeArrowheads="1"/>
-          </p:cNvPicPr>
-          <p:nvPr/>
-        </p:nvPicPr>
-        <p:blipFill>
-          <a:blip r:embed="rId3" cstate="print"/>
-          <a:srcRect/>
-          <a:stretch>
-            <a:fillRect/>
-          </a:stretch>
-        </p:blipFill>
-        <p:spPr bwMode="auto">
-          <a:xfrm>
-            <a:off x="8210062" y="2773973"/>
-            <a:ext cx="1962150" cy="781050"/>
-          </a:xfrm>
-          <a:prstGeom prst="rect">
-            <a:avLst/>
-          </a:prstGeom>
-          <a:noFill/>
-        </p:spPr>
-      </p:pic>
-    </p:spTree>
-    <p:extLst>
-      <p:ext uri="{BB962C8B-B14F-4D97-AF65-F5344CB8AC3E}">
-        <p14:creationId xmlns:p14="http://schemas.microsoft.com/office/powerpoint/2010/main" val="1925289598"/>
-      </p:ext>
-    </p:extLst>
-  </p:cSld>
-  <p:clrMapOvr>
-    <a:masterClrMapping/>
-  </p:clrMapOvr>
-</p:sld>
-</file>
-
-<file path=ppt/slides/slide23.xml><?xml version="1.0" encoding="utf-8"?>
-<p:sld xmlns:a="http://schemas.openxmlformats.org/drawingml/2006/main" xmlns:r="http://schemas.openxmlformats.org/officeDocument/2006/relationships" xmlns:p="http://schemas.openxmlformats.org/presentationml/2006/main">
-  <p:cSld>
-    <p:spTree>
-      <p:nvGrpSpPr>
-        <p:cNvPr id="1" name=""/>
-        <p:cNvGrpSpPr/>
-        <p:nvPr/>
-      </p:nvGrpSpPr>
-      <p:grpSpPr>
-        <a:xfrm>
-          <a:off x="0" y="0"/>
-          <a:ext cx="0" cy="0"/>
-          <a:chOff x="0" y="0"/>
-          <a:chExt cx="0" cy="0"/>
-        </a:xfrm>
-      </p:grpSpPr>
-      <p:pic>
-        <p:nvPicPr>
-          <p:cNvPr id="5" name="Содержимое 4" descr="jsmooth1p6.png"/>
-          <p:cNvPicPr>
-            <a:picLocks noGrp="1" noChangeAspect="1"/>
-          </p:cNvPicPr>
-          <p:nvPr>
-            <p:ph idx="1"/>
-          </p:nvPr>
-        </p:nvPicPr>
-        <p:blipFill>
-          <a:blip r:embed="rId2" cstate="print"/>
-          <a:stretch>
-            <a:fillRect/>
-          </a:stretch>
-        </p:blipFill>
-        <p:spPr>
-          <a:xfrm>
-            <a:off x="2298515" y="1835335"/>
-            <a:ext cx="7594971" cy="4525963"/>
-          </a:xfrm>
-        </p:spPr>
-      </p:pic>
-      <p:sp>
-        <p:nvSpPr>
-          <p:cNvPr id="4" name="Заголовок 1"/>
-          <p:cNvSpPr>
-            <a:spLocks noGrp="1"/>
-          </p:cNvSpPr>
-          <p:nvPr>
-            <p:ph type="title"/>
-          </p:nvPr>
-        </p:nvSpPr>
-        <p:spPr>
-          <a:solidFill>
-            <a:schemeClr val="tx2">
-              <a:lumMod val="20000"/>
-              <a:lumOff val="80000"/>
-            </a:schemeClr>
-          </a:solidFill>
-        </p:spPr>
-        <p:txBody>
-          <a:bodyPr>
-            <a:normAutofit fontScale="90000"/>
-          </a:bodyPr>
-          <a:lstStyle/>
-          <a:p>
-            <a:br>
-              <a:rPr lang="de-DE" dirty="0"/>
-            </a:br>
-            <a:r>
-              <a:rPr lang="de-DE" dirty="0"/>
-              <a:t> </a:t>
-            </a:r>
-            <a:r>
-              <a:rPr lang="de-DE" dirty="0">
-                <a:solidFill>
-                  <a:srgbClr val="183BD2"/>
-                </a:solidFill>
-              </a:rPr>
-              <a:t>Drittanbieter-Software(3)	</a:t>
-            </a:r>
-            <a:br>
-              <a:rPr lang="de-DE" dirty="0"/>
-            </a:br>
-            <a:endParaRPr lang="de-DE" dirty="0"/>
-          </a:p>
-        </p:txBody>
-      </p:sp>
-    </p:spTree>
-  </p:cSld>
-  <p:clrMapOvr>
-    <a:masterClrMapping/>
-  </p:clrMapOvr>
-</p:sld>
-</file>
-
-<file path=ppt/slides/slide24.xml><?xml version="1.0" encoding="utf-8"?>
-<p:sld xmlns:a="http://schemas.openxmlformats.org/drawingml/2006/main" xmlns:r="http://schemas.openxmlformats.org/officeDocument/2006/relationships" xmlns:p="http://schemas.openxmlformats.org/presentationml/2006/main">
-  <p:cSld>
-    <p:spTree>
-      <p:nvGrpSpPr>
-        <p:cNvPr id="1" name=""/>
-        <p:cNvGrpSpPr/>
-        <p:nvPr/>
-      </p:nvGrpSpPr>
-      <p:grpSpPr>
-        <a:xfrm>
-          <a:off x="0" y="0"/>
-          <a:ext cx="0" cy="0"/>
-          <a:chOff x="0" y="0"/>
-          <a:chExt cx="0" cy="0"/>
-        </a:xfrm>
-      </p:grpSpPr>
-      <p:sp>
-        <p:nvSpPr>
-          <p:cNvPr id="4" name="Заголовок 1"/>
-          <p:cNvSpPr>
-            <a:spLocks noGrp="1"/>
-          </p:cNvSpPr>
-          <p:nvPr>
-            <p:ph type="title"/>
-          </p:nvPr>
-        </p:nvSpPr>
-        <p:spPr>
-          <a:solidFill>
-            <a:schemeClr val="tx2">
-              <a:lumMod val="20000"/>
-              <a:lumOff val="80000"/>
-            </a:schemeClr>
-          </a:solidFill>
-        </p:spPr>
-        <p:txBody>
-          <a:bodyPr>
-            <a:normAutofit fontScale="90000"/>
-          </a:bodyPr>
-          <a:lstStyle/>
-          <a:p>
-            <a:br>
-              <a:rPr lang="de-DE" dirty="0"/>
-            </a:br>
-            <a:r>
-              <a:rPr lang="de-DE" dirty="0"/>
-              <a:t> </a:t>
-            </a:r>
-            <a:r>
-              <a:rPr lang="de-DE" dirty="0">
-                <a:solidFill>
-                  <a:srgbClr val="183BD2"/>
-                </a:solidFill>
-              </a:rPr>
-              <a:t>Drittanbieter-Software(4)	</a:t>
-            </a:r>
-            <a:br>
-              <a:rPr lang="de-DE" dirty="0"/>
-            </a:br>
-            <a:endParaRPr lang="de-DE" dirty="0"/>
-          </a:p>
-        </p:txBody>
-      </p:sp>
-      <p:pic>
-        <p:nvPicPr>
-          <p:cNvPr id="7" name="Содержимое 6" descr="jsmooth2.png"/>
-          <p:cNvPicPr>
-            <a:picLocks noGrp="1" noChangeAspect="1"/>
-          </p:cNvPicPr>
-          <p:nvPr>
-            <p:ph idx="1"/>
-          </p:nvPr>
-        </p:nvPicPr>
-        <p:blipFill>
-          <a:blip r:embed="rId2" cstate="print"/>
-          <a:stretch>
-            <a:fillRect/>
-          </a:stretch>
-        </p:blipFill>
-        <p:spPr>
-          <a:xfrm>
-            <a:off x="2056836" y="1967443"/>
-            <a:ext cx="8078328" cy="3791479"/>
-          </a:xfrm>
-        </p:spPr>
-      </p:pic>
-    </p:spTree>
-  </p:cSld>
-  <p:clrMapOvr>
-    <a:masterClrMapping/>
-  </p:clrMapOvr>
-</p:sld>
-</file>
-
-<file path=ppt/slides/slide25.xml><?xml version="1.0" encoding="utf-8"?>
-<p:sld xmlns:a="http://schemas.openxmlformats.org/drawingml/2006/main" xmlns:r="http://schemas.openxmlformats.org/officeDocument/2006/relationships" xmlns:p="http://schemas.openxmlformats.org/presentationml/2006/main">
-  <p:cSld>
-    <p:spTree>
-      <p:nvGrpSpPr>
-        <p:cNvPr id="1" name=""/>
-        <p:cNvGrpSpPr/>
-        <p:nvPr/>
-      </p:nvGrpSpPr>
-      <p:grpSpPr>
-        <a:xfrm>
-          <a:off x="0" y="0"/>
-          <a:ext cx="0" cy="0"/>
-          <a:chOff x="0" y="0"/>
-          <a:chExt cx="0" cy="0"/>
-        </a:xfrm>
-      </p:grpSpPr>
-      <p:sp>
-        <p:nvSpPr>
-          <p:cNvPr id="2" name="Titel 1"/>
-          <p:cNvSpPr>
-            <a:spLocks noGrp="1"/>
-          </p:cNvSpPr>
-          <p:nvPr>
-            <p:ph type="title"/>
-          </p:nvPr>
-        </p:nvSpPr>
-        <p:spPr>
-          <a:xfrm>
-            <a:off x="866607" y="201371"/>
-            <a:ext cx="6126540" cy="690024"/>
-          </a:xfrm>
-        </p:spPr>
-        <p:txBody>
-          <a:bodyPr>
-            <a:normAutofit fontScale="90000"/>
-          </a:bodyPr>
-          <a:lstStyle/>
-          <a:p>
-            <a:r>
-              <a:rPr lang="de-DE" dirty="0"/>
-              <a:t>Selbstreflektion</a:t>
-            </a:r>
-          </a:p>
-        </p:txBody>
-      </p:sp>
-      <p:sp>
-        <p:nvSpPr>
-          <p:cNvPr id="3" name="Inhaltsplatzhalter 2"/>
-          <p:cNvSpPr>
-            <a:spLocks noGrp="1"/>
-          </p:cNvSpPr>
-          <p:nvPr>
-            <p:ph idx="1"/>
-          </p:nvPr>
-        </p:nvSpPr>
-        <p:spPr>
-          <a:xfrm>
-            <a:off x="866607" y="1244780"/>
-            <a:ext cx="10515600" cy="4351338"/>
-          </a:xfrm>
-        </p:spPr>
-        <p:txBody>
-          <a:bodyPr/>
-          <a:lstStyle/>
-          <a:p>
-            <a:endParaRPr lang="de-DE" dirty="0"/>
-          </a:p>
-        </p:txBody>
-      </p:sp>
-      <p:pic>
-        <p:nvPicPr>
-          <p:cNvPr id="4" name="Grafik 3"/>
-          <p:cNvPicPr>
-            <a:picLocks noChangeAspect="1"/>
-          </p:cNvPicPr>
-          <p:nvPr/>
-        </p:nvPicPr>
-        <p:blipFill>
-          <a:blip r:embed="rId2" cstate="print">
-            <a:extLst>
-              <a:ext uri="{28A0092B-C50C-407E-A947-70E740481C1C}">
-                <a14:useLocalDpi xmlns:a14="http://schemas.microsoft.com/office/drawing/2010/main" val="0"/>
-              </a:ext>
-            </a:extLst>
-          </a:blip>
-          <a:stretch>
-            <a:fillRect/>
-          </a:stretch>
-        </p:blipFill>
-        <p:spPr>
-          <a:xfrm>
-            <a:off x="17595" y="3325"/>
-            <a:ext cx="849012" cy="851140"/>
-          </a:xfrm>
-          <a:prstGeom prst="rect">
-            <a:avLst/>
-          </a:prstGeom>
-          <a:effectLst/>
-        </p:spPr>
-      </p:pic>
-      <p:cxnSp>
-        <p:nvCxnSpPr>
-          <p:cNvPr id="5" name="Gerader Verbinder 4"/>
-          <p:cNvCxnSpPr/>
-          <p:nvPr/>
-        </p:nvCxnSpPr>
-        <p:spPr>
-          <a:xfrm>
-            <a:off x="0" y="879893"/>
-            <a:ext cx="10668000" cy="0"/>
-          </a:xfrm>
-          <a:prstGeom prst="line">
-            <a:avLst/>
-          </a:prstGeom>
-        </p:spPr>
-        <p:style>
-          <a:lnRef idx="3">
-            <a:schemeClr val="accent2"/>
-          </a:lnRef>
-          <a:fillRef idx="0">
-            <a:schemeClr val="accent2"/>
-          </a:fillRef>
-          <a:effectRef idx="2">
-            <a:schemeClr val="accent2"/>
-          </a:effectRef>
-          <a:fontRef idx="minor">
-            <a:schemeClr val="tx1"/>
-          </a:fontRef>
-        </p:style>
-      </p:cxnSp>
-      <p:cxnSp>
-        <p:nvCxnSpPr>
-          <p:cNvPr id="6" name="Gerader Verbinder 5"/>
-          <p:cNvCxnSpPr/>
-          <p:nvPr/>
-        </p:nvCxnSpPr>
-        <p:spPr>
-          <a:xfrm>
-            <a:off x="1524000" y="6311660"/>
-            <a:ext cx="10668000" cy="0"/>
-          </a:xfrm>
-          <a:prstGeom prst="line">
-            <a:avLst/>
-          </a:prstGeom>
-        </p:spPr>
-        <p:style>
-          <a:lnRef idx="3">
-            <a:schemeClr val="accent2"/>
-          </a:lnRef>
-          <a:fillRef idx="0">
-            <a:schemeClr val="accent2"/>
-          </a:fillRef>
-          <a:effectRef idx="2">
-            <a:schemeClr val="accent2"/>
-          </a:effectRef>
-          <a:fontRef idx="minor">
-            <a:schemeClr val="tx1"/>
-          </a:fontRef>
-        </p:style>
-      </p:cxnSp>
-    </p:spTree>
-    <p:extLst>
-      <p:ext uri="{BB962C8B-B14F-4D97-AF65-F5344CB8AC3E}">
-        <p14:creationId xmlns:p14="http://schemas.microsoft.com/office/powerpoint/2010/main" val="4074636198"/>
-      </p:ext>
-    </p:extLst>
-  </p:cSld>
-  <p:clrMapOvr>
-    <a:masterClrMapping/>
-  </p:clrMapOvr>
-</p:sld>
-</file>
-
-<file path=ppt/slides/slide3.xml><?xml version="1.0" encoding="utf-8"?>
-<p:sld xmlns:a="http://schemas.openxmlformats.org/drawingml/2006/main" xmlns:r="http://schemas.openxmlformats.org/officeDocument/2006/relationships" xmlns:p="http://schemas.openxmlformats.org/presentationml/2006/main">
-  <p:cSld>
-    <p:spTree>
-      <p:nvGrpSpPr>
-        <p:cNvPr id="1" name=""/>
-        <p:cNvGrpSpPr/>
-        <p:nvPr/>
-      </p:nvGrpSpPr>
-      <p:grpSpPr>
-        <a:xfrm>
-          <a:off x="0" y="0"/>
-          <a:ext cx="0" cy="0"/>
-          <a:chOff x="0" y="0"/>
-          <a:chExt cx="0" cy="0"/>
-        </a:xfrm>
-      </p:grpSpPr>
-      <p:sp>
-        <p:nvSpPr>
-          <p:cNvPr id="2" name="Titel 1"/>
-          <p:cNvSpPr>
-            <a:spLocks noGrp="1"/>
-          </p:cNvSpPr>
-          <p:nvPr>
-            <p:ph type="title"/>
-          </p:nvPr>
-        </p:nvSpPr>
-        <p:spPr>
-          <a:xfrm>
-            <a:off x="866607" y="201371"/>
-            <a:ext cx="9437978" cy="690024"/>
-          </a:xfrm>
-        </p:spPr>
-        <p:txBody>
-          <a:bodyPr>
-            <a:normAutofit fontScale="90000"/>
-          </a:bodyPr>
-          <a:lstStyle/>
-          <a:p>
-            <a:r>
-              <a:rPr lang="de-DE" dirty="0"/>
-              <a:t>Quellcode – Die Hauptklasse</a:t>
-            </a:r>
-          </a:p>
-        </p:txBody>
-      </p:sp>
-      <p:pic>
-        <p:nvPicPr>
-          <p:cNvPr id="4" name="Grafik 3"/>
-          <p:cNvPicPr>
-            <a:picLocks noChangeAspect="1"/>
-          </p:cNvPicPr>
-          <p:nvPr/>
-        </p:nvPicPr>
-        <p:blipFill>
-          <a:blip r:embed="rId2" cstate="print">
-            <a:extLst>
-              <a:ext uri="{28A0092B-C50C-407E-A947-70E740481C1C}">
-                <a14:useLocalDpi xmlns:a14="http://schemas.microsoft.com/office/drawing/2010/main" val="0"/>
-              </a:ext>
-            </a:extLst>
-          </a:blip>
-          <a:stretch>
-            <a:fillRect/>
-          </a:stretch>
-        </p:blipFill>
-        <p:spPr>
-          <a:xfrm>
-            <a:off x="17595" y="3325"/>
-            <a:ext cx="849012" cy="851140"/>
-          </a:xfrm>
-          <a:prstGeom prst="rect">
-            <a:avLst/>
-          </a:prstGeom>
-          <a:effectLst/>
-        </p:spPr>
-      </p:pic>
-      <p:cxnSp>
-        <p:nvCxnSpPr>
-          <p:cNvPr id="5" name="Gerader Verbinder 4"/>
-          <p:cNvCxnSpPr/>
-          <p:nvPr/>
-        </p:nvCxnSpPr>
-        <p:spPr>
-          <a:xfrm>
-            <a:off x="0" y="879893"/>
-            <a:ext cx="10668000" cy="0"/>
-          </a:xfrm>
-          <a:prstGeom prst="line">
-            <a:avLst/>
-          </a:prstGeom>
-        </p:spPr>
-        <p:style>
-          <a:lnRef idx="3">
-            <a:schemeClr val="accent2"/>
-          </a:lnRef>
-          <a:fillRef idx="0">
-            <a:schemeClr val="accent2"/>
-          </a:fillRef>
-          <a:effectRef idx="2">
-            <a:schemeClr val="accent2"/>
-          </a:effectRef>
-          <a:fontRef idx="minor">
-            <a:schemeClr val="tx1"/>
-          </a:fontRef>
-        </p:style>
-      </p:cxnSp>
-      <p:cxnSp>
-        <p:nvCxnSpPr>
-          <p:cNvPr id="6" name="Gerader Verbinder 5"/>
-          <p:cNvCxnSpPr/>
-          <p:nvPr/>
-        </p:nvCxnSpPr>
-        <p:spPr>
-          <a:xfrm>
-            <a:off x="1524000" y="6311660"/>
-            <a:ext cx="10668000" cy="0"/>
-          </a:xfrm>
-          <a:prstGeom prst="line">
-            <a:avLst/>
-          </a:prstGeom>
-        </p:spPr>
-        <p:style>
-          <a:lnRef idx="3">
-            <a:schemeClr val="accent2"/>
-          </a:lnRef>
-          <a:fillRef idx="0">
-            <a:schemeClr val="accent2"/>
-          </a:fillRef>
-          <a:effectRef idx="2">
-            <a:schemeClr val="accent2"/>
-          </a:effectRef>
-          <a:fontRef idx="minor">
-            <a:schemeClr val="tx1"/>
-          </a:fontRef>
-        </p:style>
-      </p:cxnSp>
-      <p:pic>
-        <p:nvPicPr>
-          <p:cNvPr id="14" name="Inhaltsplatzhalter 13" descr="Bildschirmausschnitt"/>
-          <p:cNvPicPr>
-            <a:picLocks noGrp="1" noChangeAspect="1"/>
-          </p:cNvPicPr>
-          <p:nvPr>
-            <p:ph idx="1"/>
-          </p:nvPr>
-        </p:nvPicPr>
-        <p:blipFill>
-          <a:blip r:embed="rId3">
-            <a:extLst>
-              <a:ext uri="{28A0092B-C50C-407E-A947-70E740481C1C}">
-                <a14:useLocalDpi xmlns:a14="http://schemas.microsoft.com/office/drawing/2010/main" val="0"/>
-              </a:ext>
-            </a:extLst>
-          </a:blip>
-          <a:stretch>
-            <a:fillRect/>
-          </a:stretch>
-        </p:blipFill>
-        <p:spPr>
-          <a:xfrm>
-            <a:off x="76108" y="916822"/>
-            <a:ext cx="6067321" cy="5379275"/>
-          </a:xfrm>
-        </p:spPr>
-      </p:pic>
-      <p:sp>
-        <p:nvSpPr>
-          <p:cNvPr id="15" name="Pfeil: nach unten 14"/>
-          <p:cNvSpPr/>
-          <p:nvPr/>
-        </p:nvSpPr>
-        <p:spPr>
-          <a:xfrm rot="5400000">
-            <a:off x="6540549" y="1369531"/>
-            <a:ext cx="331177" cy="1125415"/>
-          </a:xfrm>
-          <a:prstGeom prst="downArrow">
-            <a:avLst>
-              <a:gd name="adj1" fmla="val 50000"/>
-              <a:gd name="adj2" fmla="val 136725"/>
-            </a:avLst>
-          </a:prstGeom>
-        </p:spPr>
-        <p:style>
-          <a:lnRef idx="0">
-            <a:schemeClr val="accent1"/>
-          </a:lnRef>
-          <a:fillRef idx="3">
-            <a:schemeClr val="accent1"/>
-          </a:fillRef>
-          <a:effectRef idx="3">
-            <a:schemeClr val="accent1"/>
-          </a:effectRef>
-          <a:fontRef idx="minor">
-            <a:schemeClr val="lt1"/>
-          </a:fontRef>
-        </p:style>
-        <p:txBody>
-          <a:bodyPr rtlCol="0" anchor="ctr"/>
-          <a:lstStyle/>
-          <a:p>
-            <a:pPr algn="ctr"/>
-            <a:endParaRPr lang="de-DE"/>
-          </a:p>
-        </p:txBody>
-      </p:sp>
-      <p:sp>
-        <p:nvSpPr>
-          <p:cNvPr id="16" name="Textfeld 15"/>
-          <p:cNvSpPr txBox="1"/>
-          <p:nvPr/>
-        </p:nvSpPr>
-        <p:spPr>
-          <a:xfrm>
-            <a:off x="7719645" y="1220664"/>
-            <a:ext cx="3557953" cy="1754326"/>
-          </a:xfrm>
-          <a:prstGeom prst="rect">
-            <a:avLst/>
-          </a:prstGeom>
-          <a:noFill/>
-        </p:spPr>
-        <p:txBody>
-          <a:bodyPr wrap="square" rtlCol="0">
-            <a:spAutoFit/>
-          </a:bodyPr>
-          <a:lstStyle/>
-          <a:p>
-            <a:r>
-              <a:rPr lang="de-DE" b="1" dirty="0" err="1"/>
-              <a:t>launch</a:t>
-            </a:r>
-            <a:r>
-              <a:rPr lang="de-DE" b="1" dirty="0"/>
-              <a:t>(</a:t>
-            </a:r>
-            <a:r>
-              <a:rPr lang="de-DE" b="1" dirty="0" err="1"/>
-              <a:t>args</a:t>
-            </a:r>
-            <a:r>
-              <a:rPr lang="de-DE" b="1" dirty="0"/>
-              <a:t>);</a:t>
-            </a:r>
-          </a:p>
-          <a:p>
-            <a:pPr marL="342900" indent="-342900">
-              <a:buFont typeface="+mj-lt"/>
-              <a:buAutoNum type="arabicPeriod"/>
-            </a:pPr>
-            <a:r>
-              <a:rPr lang="de-DE" dirty="0"/>
-              <a:t>Erstellen einer Instanz</a:t>
-            </a:r>
-          </a:p>
-          <a:p>
-            <a:pPr marL="342900" indent="-342900">
-              <a:buFont typeface="+mj-lt"/>
-              <a:buAutoNum type="arabicPeriod"/>
-            </a:pPr>
-            <a:r>
-              <a:rPr lang="de-DE" dirty="0" err="1"/>
-              <a:t>init</a:t>
-            </a:r>
-            <a:r>
-              <a:rPr lang="de-DE" dirty="0"/>
-              <a:t>();</a:t>
-            </a:r>
-          </a:p>
-          <a:p>
-            <a:pPr marL="342900" indent="-342900">
-              <a:buFont typeface="+mj-lt"/>
-              <a:buAutoNum type="arabicPeriod"/>
-            </a:pPr>
-            <a:r>
-              <a:rPr lang="de-DE" dirty="0" err="1"/>
-              <a:t>start</a:t>
-            </a:r>
-            <a:r>
-              <a:rPr lang="de-DE" dirty="0"/>
-              <a:t>(</a:t>
-            </a:r>
-            <a:r>
-              <a:rPr lang="de-DE" dirty="0" err="1"/>
-              <a:t>javafx.stage.Stage</a:t>
-            </a:r>
-            <a:r>
-              <a:rPr lang="de-DE" dirty="0"/>
-              <a:t>);</a:t>
-            </a:r>
-          </a:p>
-          <a:p>
-            <a:pPr marL="342900" indent="-342900">
-              <a:buFont typeface="+mj-lt"/>
-              <a:buAutoNum type="arabicPeriod"/>
-            </a:pPr>
-            <a:r>
-              <a:rPr lang="de-DE" dirty="0"/>
-              <a:t>Warte auf </a:t>
-            </a:r>
-            <a:r>
-              <a:rPr lang="de-DE" dirty="0" err="1"/>
-              <a:t>Platform.exit</a:t>
-            </a:r>
-            <a:r>
-              <a:rPr lang="de-DE" dirty="0"/>
-              <a:t>() </a:t>
-            </a:r>
-          </a:p>
-          <a:p>
-            <a:pPr marL="342900" indent="-342900">
-              <a:buFont typeface="+mj-lt"/>
-              <a:buAutoNum type="arabicPeriod"/>
-            </a:pPr>
-            <a:r>
-              <a:rPr lang="de-DE" dirty="0" err="1"/>
-              <a:t>stop</a:t>
-            </a:r>
-            <a:r>
-              <a:rPr lang="de-DE" dirty="0"/>
-              <a:t>();</a:t>
-            </a:r>
-          </a:p>
-        </p:txBody>
-      </p:sp>
-      <p:pic>
-        <p:nvPicPr>
-          <p:cNvPr id="1026" name="Picture 2" descr="Bildergebnis für javafx logo"/>
-          <p:cNvPicPr>
-            <a:picLocks noChangeAspect="1" noChangeArrowheads="1"/>
-          </p:cNvPicPr>
-          <p:nvPr/>
-        </p:nvPicPr>
-        <p:blipFill>
-          <a:blip r:embed="rId4">
-            <a:extLst>
-              <a:ext uri="{28A0092B-C50C-407E-A947-70E740481C1C}">
-                <a14:useLocalDpi xmlns:a14="http://schemas.microsoft.com/office/drawing/2010/main" val="0"/>
-              </a:ext>
-            </a:extLst>
-          </a:blip>
-          <a:srcRect/>
-          <a:stretch>
-            <a:fillRect/>
-          </a:stretch>
-        </p:blipFill>
-        <p:spPr bwMode="auto">
-          <a:xfrm>
-            <a:off x="7063153" y="3512338"/>
-            <a:ext cx="4536831" cy="1892901"/>
-          </a:xfrm>
-          <a:prstGeom prst="rect">
-            <a:avLst/>
-          </a:prstGeom>
-          <a:noFill/>
-          <a:extLst>
-            <a:ext uri="{909E8E84-426E-40DD-AFC4-6F175D3DCCD1}">
-              <a14:hiddenFill xmlns:a14="http://schemas.microsoft.com/office/drawing/2010/main">
-                <a:solidFill>
-                  <a:srgbClr val="FFFFFF"/>
-                </a:solidFill>
-              </a14:hiddenFill>
-            </a:ext>
-          </a:extLst>
-        </p:spPr>
-      </p:pic>
-      <p:sp>
-        <p:nvSpPr>
-          <p:cNvPr id="18" name="Inhaltsplatzhalter 2"/>
+      <p:sp>
+        <p:nvSpPr>
+          <p:cNvPr id="7" name="Inhaltsplatzhalter 2"/>
           <p:cNvSpPr txBox="1">
             <a:spLocks/>
           </p:cNvSpPr>
@@ -6966,8 +5803,8 @@
         </p:nvSpPr>
         <p:spPr>
           <a:xfrm>
-            <a:off x="398583" y="1198680"/>
-            <a:ext cx="4308231" cy="600590"/>
+            <a:off x="1208314" y="1244839"/>
+            <a:ext cx="10515600" cy="650156"/>
           </a:xfrm>
           <a:prstGeom prst="rect">
             <a:avLst/>
@@ -7142,6 +5979,3723 @@
             </a:lvl9pPr>
           </a:lstStyle>
           <a:p>
+            <a:r>
+              <a:rPr lang="de-DE" dirty="0"/>
+              <a:t>Generierte Dokumentation</a:t>
+            </a:r>
+          </a:p>
+          <a:p>
+            <a:pPr marL="457200" lvl="1" indent="0">
+              <a:buNone/>
+            </a:pPr>
+            <a:endParaRPr lang="de-DE" dirty="0"/>
+          </a:p>
+        </p:txBody>
+      </p:sp>
+      <p:pic>
+        <p:nvPicPr>
+          <p:cNvPr id="8" name="Picture 2" descr="C:\Users\Serhiy\Desktop\SE\doxyFertig.png"/>
+          <p:cNvPicPr>
+            <a:picLocks noChangeAspect="1" noChangeArrowheads="1"/>
+          </p:cNvPicPr>
+          <p:nvPr/>
+        </p:nvPicPr>
+        <p:blipFill>
+          <a:blip r:embed="rId3" cstate="print"/>
+          <a:srcRect/>
+          <a:stretch>
+            <a:fillRect/>
+          </a:stretch>
+        </p:blipFill>
+        <p:spPr bwMode="auto">
+          <a:xfrm>
+            <a:off x="1524000" y="1894995"/>
+            <a:ext cx="8489830" cy="3744416"/>
+          </a:xfrm>
+          <a:prstGeom prst="rect">
+            <a:avLst/>
+          </a:prstGeom>
+          <a:noFill/>
+        </p:spPr>
+      </p:pic>
+      <p:sp>
+        <p:nvSpPr>
+          <p:cNvPr id="3" name="Fußzeilenplatzhalter 2"/>
+          <p:cNvSpPr>
+            <a:spLocks noGrp="1"/>
+          </p:cNvSpPr>
+          <p:nvPr>
+            <p:ph type="ftr" sz="quarter" idx="11"/>
+          </p:nvPr>
+        </p:nvSpPr>
+        <p:spPr/>
+        <p:txBody>
+          <a:bodyPr/>
+          <a:lstStyle/>
+          <a:p>
+            <a:r>
+              <a:rPr lang="de-DE" dirty="0" err="1"/>
+              <a:t>DezHex</a:t>
+            </a:r>
+            <a:r>
+              <a:rPr lang="de-DE" dirty="0"/>
+              <a:t> - Christopher </a:t>
+            </a:r>
+            <a:r>
+              <a:rPr lang="de-DE" dirty="0" err="1"/>
+              <a:t>Praas</a:t>
+            </a:r>
+            <a:r>
+              <a:rPr lang="de-DE" dirty="0"/>
+              <a:t> / </a:t>
+            </a:r>
+            <a:r>
+              <a:rPr lang="de-DE" dirty="0" err="1"/>
+              <a:t>Serhiy</a:t>
+            </a:r>
+            <a:r>
+              <a:rPr lang="de-DE" dirty="0"/>
+              <a:t> </a:t>
+            </a:r>
+            <a:r>
+              <a:rPr lang="de-DE" dirty="0" err="1"/>
+              <a:t>Bolkun</a:t>
+            </a:r>
+            <a:r>
+              <a:rPr lang="de-DE" dirty="0"/>
+              <a:t> / Anna Krauß / Wiebke </a:t>
+            </a:r>
+            <a:r>
+              <a:rPr lang="de-DE" dirty="0" err="1"/>
+              <a:t>Rochler</a:t>
+            </a:r>
+            <a:endParaRPr lang="de-DE" dirty="0"/>
+          </a:p>
+        </p:txBody>
+      </p:sp>
+      <p:sp>
+        <p:nvSpPr>
+          <p:cNvPr id="10" name="Foliennummernplatzhalter 9"/>
+          <p:cNvSpPr>
+            <a:spLocks noGrp="1"/>
+          </p:cNvSpPr>
+          <p:nvPr>
+            <p:ph type="sldNum" sz="quarter" idx="12"/>
+          </p:nvPr>
+        </p:nvSpPr>
+        <p:spPr/>
+        <p:txBody>
+          <a:bodyPr/>
+          <a:lstStyle/>
+          <a:p>
+            <a:fld id="{0A3C3FF0-3A20-4DD4-BD5A-9DD4AC9CB3DF}" type="slidenum">
+              <a:rPr lang="de-DE" smtClean="0"/>
+              <a:pPr/>
+              <a:t>16</a:t>
+            </a:fld>
+            <a:endParaRPr lang="de-DE"/>
+          </a:p>
+        </p:txBody>
+      </p:sp>
+    </p:spTree>
+    <p:extLst>
+      <p:ext uri="{BB962C8B-B14F-4D97-AF65-F5344CB8AC3E}">
+        <p14:creationId xmlns:p14="http://schemas.microsoft.com/office/powerpoint/2010/main" val="656070306"/>
+      </p:ext>
+    </p:extLst>
+  </p:cSld>
+  <p:clrMapOvr>
+    <a:masterClrMapping/>
+  </p:clrMapOvr>
+</p:sld>
+</file>
+
+<file path=ppt/slides/slide17.xml><?xml version="1.0" encoding="utf-8"?>
+<p:sld xmlns:a="http://schemas.openxmlformats.org/drawingml/2006/main" xmlns:r="http://schemas.openxmlformats.org/officeDocument/2006/relationships" xmlns:p="http://schemas.openxmlformats.org/presentationml/2006/main">
+  <p:cSld>
+    <p:spTree>
+      <p:nvGrpSpPr>
+        <p:cNvPr id="1" name=""/>
+        <p:cNvGrpSpPr/>
+        <p:nvPr/>
+      </p:nvGrpSpPr>
+      <p:grpSpPr>
+        <a:xfrm>
+          <a:off x="0" y="0"/>
+          <a:ext cx="0" cy="0"/>
+          <a:chOff x="0" y="0"/>
+          <a:chExt cx="0" cy="0"/>
+        </a:xfrm>
+      </p:grpSpPr>
+      <p:sp>
+        <p:nvSpPr>
+          <p:cNvPr id="2" name="Titel 1"/>
+          <p:cNvSpPr>
+            <a:spLocks noGrp="1"/>
+          </p:cNvSpPr>
+          <p:nvPr>
+            <p:ph type="title"/>
+          </p:nvPr>
+        </p:nvSpPr>
+        <p:spPr>
+          <a:xfrm>
+            <a:off x="866606" y="201371"/>
+            <a:ext cx="8530435" cy="690024"/>
+          </a:xfrm>
+        </p:spPr>
+        <p:txBody>
+          <a:bodyPr>
+            <a:normAutofit fontScale="90000"/>
+          </a:bodyPr>
+          <a:lstStyle/>
+          <a:p>
+            <a:r>
+              <a:rPr lang="de-DE" dirty="0"/>
+              <a:t>Entwicklerdokumentation (4)</a:t>
+            </a:r>
+          </a:p>
+        </p:txBody>
+      </p:sp>
+      <p:pic>
+        <p:nvPicPr>
+          <p:cNvPr id="4" name="Grafik 3"/>
+          <p:cNvPicPr>
+            <a:picLocks noChangeAspect="1"/>
+          </p:cNvPicPr>
+          <p:nvPr/>
+        </p:nvPicPr>
+        <p:blipFill>
+          <a:blip r:embed="rId2" cstate="print">
+            <a:extLst>
+              <a:ext uri="{28A0092B-C50C-407E-A947-70E740481C1C}">
+                <a14:useLocalDpi xmlns:a14="http://schemas.microsoft.com/office/drawing/2010/main" val="0"/>
+              </a:ext>
+            </a:extLst>
+          </a:blip>
+          <a:stretch>
+            <a:fillRect/>
+          </a:stretch>
+        </p:blipFill>
+        <p:spPr>
+          <a:xfrm>
+            <a:off x="17595" y="3325"/>
+            <a:ext cx="849012" cy="851140"/>
+          </a:xfrm>
+          <a:prstGeom prst="rect">
+            <a:avLst/>
+          </a:prstGeom>
+          <a:effectLst/>
+        </p:spPr>
+      </p:pic>
+      <p:cxnSp>
+        <p:nvCxnSpPr>
+          <p:cNvPr id="5" name="Gerader Verbinder 4"/>
+          <p:cNvCxnSpPr/>
+          <p:nvPr/>
+        </p:nvCxnSpPr>
+        <p:spPr>
+          <a:xfrm>
+            <a:off x="0" y="879893"/>
+            <a:ext cx="10668000" cy="0"/>
+          </a:xfrm>
+          <a:prstGeom prst="line">
+            <a:avLst/>
+          </a:prstGeom>
+        </p:spPr>
+        <p:style>
+          <a:lnRef idx="3">
+            <a:schemeClr val="accent2"/>
+          </a:lnRef>
+          <a:fillRef idx="0">
+            <a:schemeClr val="accent2"/>
+          </a:fillRef>
+          <a:effectRef idx="2">
+            <a:schemeClr val="accent2"/>
+          </a:effectRef>
+          <a:fontRef idx="minor">
+            <a:schemeClr val="tx1"/>
+          </a:fontRef>
+        </p:style>
+      </p:cxnSp>
+      <p:cxnSp>
+        <p:nvCxnSpPr>
+          <p:cNvPr id="6" name="Gerader Verbinder 5"/>
+          <p:cNvCxnSpPr/>
+          <p:nvPr/>
+        </p:nvCxnSpPr>
+        <p:spPr>
+          <a:xfrm>
+            <a:off x="1524000" y="6311660"/>
+            <a:ext cx="10668000" cy="0"/>
+          </a:xfrm>
+          <a:prstGeom prst="line">
+            <a:avLst/>
+          </a:prstGeom>
+        </p:spPr>
+        <p:style>
+          <a:lnRef idx="3">
+            <a:schemeClr val="accent2"/>
+          </a:lnRef>
+          <a:fillRef idx="0">
+            <a:schemeClr val="accent2"/>
+          </a:fillRef>
+          <a:effectRef idx="2">
+            <a:schemeClr val="accent2"/>
+          </a:effectRef>
+          <a:fontRef idx="minor">
+            <a:schemeClr val="tx1"/>
+          </a:fontRef>
+        </p:style>
+      </p:cxnSp>
+      <p:sp>
+        <p:nvSpPr>
+          <p:cNvPr id="7" name="Inhaltsplatzhalter 2"/>
+          <p:cNvSpPr txBox="1">
+            <a:spLocks/>
+          </p:cNvSpPr>
+          <p:nvPr/>
+        </p:nvSpPr>
+        <p:spPr>
+          <a:xfrm>
+            <a:off x="1208314" y="1244839"/>
+            <a:ext cx="10515600" cy="650156"/>
+          </a:xfrm>
+          <a:prstGeom prst="rect">
+            <a:avLst/>
+          </a:prstGeom>
+        </p:spPr>
+        <p:txBody>
+          <a:bodyPr vert="horz" lIns="91440" tIns="45720" rIns="91440" bIns="45720" rtlCol="0">
+            <a:normAutofit/>
+          </a:bodyPr>
+          <a:lstStyle>
+            <a:lvl1pPr marL="228600" indent="-228600" algn="l" defTabSz="914400" rtl="0" eaLnBrk="1" latinLnBrk="0" hangingPunct="1">
+              <a:lnSpc>
+                <a:spcPct val="90000"/>
+              </a:lnSpc>
+              <a:spcBef>
+                <a:spcPts val="1000"/>
+              </a:spcBef>
+              <a:buFont typeface="Arial" panose="020B0604020202020204" pitchFamily="34" charset="0"/>
+              <a:buChar char="•"/>
+              <a:defRPr sz="2800" kern="1200">
+                <a:solidFill>
+                  <a:schemeClr val="tx1"/>
+                </a:solidFill>
+                <a:latin typeface="+mn-lt"/>
+                <a:ea typeface="+mn-ea"/>
+                <a:cs typeface="+mn-cs"/>
+              </a:defRPr>
+            </a:lvl1pPr>
+            <a:lvl2pPr marL="685800" indent="-228600" algn="l" defTabSz="914400" rtl="0" eaLnBrk="1" latinLnBrk="0" hangingPunct="1">
+              <a:lnSpc>
+                <a:spcPct val="90000"/>
+              </a:lnSpc>
+              <a:spcBef>
+                <a:spcPts val="500"/>
+              </a:spcBef>
+              <a:buFont typeface="Arial" panose="020B0604020202020204" pitchFamily="34" charset="0"/>
+              <a:buChar char="•"/>
+              <a:defRPr sz="2400" kern="1200">
+                <a:solidFill>
+                  <a:schemeClr val="tx1"/>
+                </a:solidFill>
+                <a:latin typeface="+mn-lt"/>
+                <a:ea typeface="+mn-ea"/>
+                <a:cs typeface="+mn-cs"/>
+              </a:defRPr>
+            </a:lvl2pPr>
+            <a:lvl3pPr marL="1143000" indent="-228600" algn="l" defTabSz="914400" rtl="0" eaLnBrk="1" latinLnBrk="0" hangingPunct="1">
+              <a:lnSpc>
+                <a:spcPct val="90000"/>
+              </a:lnSpc>
+              <a:spcBef>
+                <a:spcPts val="500"/>
+              </a:spcBef>
+              <a:buFont typeface="Arial" panose="020B0604020202020204" pitchFamily="34" charset="0"/>
+              <a:buChar char="•"/>
+              <a:defRPr sz="2000" kern="1200">
+                <a:solidFill>
+                  <a:schemeClr val="tx1"/>
+                </a:solidFill>
+                <a:latin typeface="+mn-lt"/>
+                <a:ea typeface="+mn-ea"/>
+                <a:cs typeface="+mn-cs"/>
+              </a:defRPr>
+            </a:lvl3pPr>
+            <a:lvl4pPr marL="1600200" indent="-228600" algn="l" defTabSz="914400" rtl="0" eaLnBrk="1" latinLnBrk="0" hangingPunct="1">
+              <a:lnSpc>
+                <a:spcPct val="90000"/>
+              </a:lnSpc>
+              <a:spcBef>
+                <a:spcPts val="500"/>
+              </a:spcBef>
+              <a:buFont typeface="Arial" panose="020B0604020202020204" pitchFamily="34" charset="0"/>
+              <a:buChar char="•"/>
+              <a:defRPr sz="1800" kern="1200">
+                <a:solidFill>
+                  <a:schemeClr val="tx1"/>
+                </a:solidFill>
+                <a:latin typeface="+mn-lt"/>
+                <a:ea typeface="+mn-ea"/>
+                <a:cs typeface="+mn-cs"/>
+              </a:defRPr>
+            </a:lvl4pPr>
+            <a:lvl5pPr marL="2057400" indent="-228600" algn="l" defTabSz="914400" rtl="0" eaLnBrk="1" latinLnBrk="0" hangingPunct="1">
+              <a:lnSpc>
+                <a:spcPct val="90000"/>
+              </a:lnSpc>
+              <a:spcBef>
+                <a:spcPts val="500"/>
+              </a:spcBef>
+              <a:buFont typeface="Arial" panose="020B0604020202020204" pitchFamily="34" charset="0"/>
+              <a:buChar char="•"/>
+              <a:defRPr sz="1800" kern="1200">
+                <a:solidFill>
+                  <a:schemeClr val="tx1"/>
+                </a:solidFill>
+                <a:latin typeface="+mn-lt"/>
+                <a:ea typeface="+mn-ea"/>
+                <a:cs typeface="+mn-cs"/>
+              </a:defRPr>
+            </a:lvl5pPr>
+            <a:lvl6pPr marL="2514600" indent="-228600" algn="l" defTabSz="914400" rtl="0" eaLnBrk="1" latinLnBrk="0" hangingPunct="1">
+              <a:lnSpc>
+                <a:spcPct val="90000"/>
+              </a:lnSpc>
+              <a:spcBef>
+                <a:spcPts val="500"/>
+              </a:spcBef>
+              <a:buFont typeface="Arial" panose="020B0604020202020204" pitchFamily="34" charset="0"/>
+              <a:buChar char="•"/>
+              <a:defRPr sz="1800" kern="1200">
+                <a:solidFill>
+                  <a:schemeClr val="tx1"/>
+                </a:solidFill>
+                <a:latin typeface="+mn-lt"/>
+                <a:ea typeface="+mn-ea"/>
+                <a:cs typeface="+mn-cs"/>
+              </a:defRPr>
+            </a:lvl6pPr>
+            <a:lvl7pPr marL="2971800" indent="-228600" algn="l" defTabSz="914400" rtl="0" eaLnBrk="1" latinLnBrk="0" hangingPunct="1">
+              <a:lnSpc>
+                <a:spcPct val="90000"/>
+              </a:lnSpc>
+              <a:spcBef>
+                <a:spcPts val="500"/>
+              </a:spcBef>
+              <a:buFont typeface="Arial" panose="020B0604020202020204" pitchFamily="34" charset="0"/>
+              <a:buChar char="•"/>
+              <a:defRPr sz="1800" kern="1200">
+                <a:solidFill>
+                  <a:schemeClr val="tx1"/>
+                </a:solidFill>
+                <a:latin typeface="+mn-lt"/>
+                <a:ea typeface="+mn-ea"/>
+                <a:cs typeface="+mn-cs"/>
+              </a:defRPr>
+            </a:lvl7pPr>
+            <a:lvl8pPr marL="3429000" indent="-228600" algn="l" defTabSz="914400" rtl="0" eaLnBrk="1" latinLnBrk="0" hangingPunct="1">
+              <a:lnSpc>
+                <a:spcPct val="90000"/>
+              </a:lnSpc>
+              <a:spcBef>
+                <a:spcPts val="500"/>
+              </a:spcBef>
+              <a:buFont typeface="Arial" panose="020B0604020202020204" pitchFamily="34" charset="0"/>
+              <a:buChar char="•"/>
+              <a:defRPr sz="1800" kern="1200">
+                <a:solidFill>
+                  <a:schemeClr val="tx1"/>
+                </a:solidFill>
+                <a:latin typeface="+mn-lt"/>
+                <a:ea typeface="+mn-ea"/>
+                <a:cs typeface="+mn-cs"/>
+              </a:defRPr>
+            </a:lvl8pPr>
+            <a:lvl9pPr marL="3886200" indent="-228600" algn="l" defTabSz="914400" rtl="0" eaLnBrk="1" latinLnBrk="0" hangingPunct="1">
+              <a:lnSpc>
+                <a:spcPct val="90000"/>
+              </a:lnSpc>
+              <a:spcBef>
+                <a:spcPts val="500"/>
+              </a:spcBef>
+              <a:buFont typeface="Arial" panose="020B0604020202020204" pitchFamily="34" charset="0"/>
+              <a:buChar char="•"/>
+              <a:defRPr sz="1800" kern="1200">
+                <a:solidFill>
+                  <a:schemeClr val="tx1"/>
+                </a:solidFill>
+                <a:latin typeface="+mn-lt"/>
+                <a:ea typeface="+mn-ea"/>
+                <a:cs typeface="+mn-cs"/>
+              </a:defRPr>
+            </a:lvl9pPr>
+          </a:lstStyle>
+          <a:p>
+            <a:r>
+              <a:rPr lang="de-DE" dirty="0"/>
+              <a:t>Generierte Dokumentation</a:t>
+            </a:r>
+          </a:p>
+          <a:p>
+            <a:pPr marL="457200" lvl="1" indent="0">
+              <a:buNone/>
+            </a:pPr>
+            <a:endParaRPr lang="de-DE" dirty="0"/>
+          </a:p>
+        </p:txBody>
+      </p:sp>
+      <p:pic>
+        <p:nvPicPr>
+          <p:cNvPr id="9" name="Содержимое 4" descr="doxyFertig2.png"/>
+          <p:cNvPicPr>
+            <a:picLocks noGrp="1" noChangeAspect="1"/>
+          </p:cNvPicPr>
+          <p:nvPr>
+            <p:ph idx="1"/>
+          </p:nvPr>
+        </p:nvPicPr>
+        <p:blipFill>
+          <a:blip r:embed="rId3" cstate="print"/>
+          <a:stretch>
+            <a:fillRect/>
+          </a:stretch>
+        </p:blipFill>
+        <p:spPr>
+          <a:xfrm>
+            <a:off x="1524000" y="2130784"/>
+            <a:ext cx="10104408" cy="3401564"/>
+          </a:xfrm>
+        </p:spPr>
+      </p:pic>
+      <p:sp>
+        <p:nvSpPr>
+          <p:cNvPr id="3" name="Fußzeilenplatzhalter 2"/>
+          <p:cNvSpPr>
+            <a:spLocks noGrp="1"/>
+          </p:cNvSpPr>
+          <p:nvPr>
+            <p:ph type="ftr" sz="quarter" idx="11"/>
+          </p:nvPr>
+        </p:nvSpPr>
+        <p:spPr/>
+        <p:txBody>
+          <a:bodyPr/>
+          <a:lstStyle/>
+          <a:p>
+            <a:r>
+              <a:rPr lang="de-DE" dirty="0" err="1"/>
+              <a:t>DezHex</a:t>
+            </a:r>
+            <a:r>
+              <a:rPr lang="de-DE" dirty="0"/>
+              <a:t> - Christopher </a:t>
+            </a:r>
+            <a:r>
+              <a:rPr lang="de-DE" dirty="0" err="1"/>
+              <a:t>Praas</a:t>
+            </a:r>
+            <a:r>
+              <a:rPr lang="de-DE" dirty="0"/>
+              <a:t> / </a:t>
+            </a:r>
+            <a:r>
+              <a:rPr lang="de-DE" dirty="0" err="1"/>
+              <a:t>Serhiy</a:t>
+            </a:r>
+            <a:r>
+              <a:rPr lang="de-DE" dirty="0"/>
+              <a:t> </a:t>
+            </a:r>
+            <a:r>
+              <a:rPr lang="de-DE" dirty="0" err="1"/>
+              <a:t>Bolkun</a:t>
+            </a:r>
+            <a:r>
+              <a:rPr lang="de-DE" dirty="0"/>
+              <a:t> / Anna Krauß / Wiebke </a:t>
+            </a:r>
+            <a:r>
+              <a:rPr lang="de-DE" dirty="0" err="1"/>
+              <a:t>Rochler</a:t>
+            </a:r>
+            <a:endParaRPr lang="de-DE" dirty="0"/>
+          </a:p>
+        </p:txBody>
+      </p:sp>
+      <p:sp>
+        <p:nvSpPr>
+          <p:cNvPr id="10" name="Foliennummernplatzhalter 9"/>
+          <p:cNvSpPr>
+            <a:spLocks noGrp="1"/>
+          </p:cNvSpPr>
+          <p:nvPr>
+            <p:ph type="sldNum" sz="quarter" idx="12"/>
+          </p:nvPr>
+        </p:nvSpPr>
+        <p:spPr/>
+        <p:txBody>
+          <a:bodyPr/>
+          <a:lstStyle/>
+          <a:p>
+            <a:fld id="{0A3C3FF0-3A20-4DD4-BD5A-9DD4AC9CB3DF}" type="slidenum">
+              <a:rPr lang="de-DE" smtClean="0"/>
+              <a:pPr/>
+              <a:t>17</a:t>
+            </a:fld>
+            <a:endParaRPr lang="de-DE"/>
+          </a:p>
+        </p:txBody>
+      </p:sp>
+    </p:spTree>
+    <p:extLst>
+      <p:ext uri="{BB962C8B-B14F-4D97-AF65-F5344CB8AC3E}">
+        <p14:creationId xmlns:p14="http://schemas.microsoft.com/office/powerpoint/2010/main" val="3125192850"/>
+      </p:ext>
+    </p:extLst>
+  </p:cSld>
+  <p:clrMapOvr>
+    <a:masterClrMapping/>
+  </p:clrMapOvr>
+</p:sld>
+</file>
+
+<file path=ppt/slides/slide18.xml><?xml version="1.0" encoding="utf-8"?>
+<p:sld xmlns:a="http://schemas.openxmlformats.org/drawingml/2006/main" xmlns:r="http://schemas.openxmlformats.org/officeDocument/2006/relationships" xmlns:p="http://schemas.openxmlformats.org/presentationml/2006/main">
+  <p:cSld>
+    <p:spTree>
+      <p:nvGrpSpPr>
+        <p:cNvPr id="1" name=""/>
+        <p:cNvGrpSpPr/>
+        <p:nvPr/>
+      </p:nvGrpSpPr>
+      <p:grpSpPr>
+        <a:xfrm>
+          <a:off x="0" y="0"/>
+          <a:ext cx="0" cy="0"/>
+          <a:chOff x="0" y="0"/>
+          <a:chExt cx="0" cy="0"/>
+        </a:xfrm>
+      </p:grpSpPr>
+      <p:sp>
+        <p:nvSpPr>
+          <p:cNvPr id="2" name="Titel 1"/>
+          <p:cNvSpPr>
+            <a:spLocks noGrp="1"/>
+          </p:cNvSpPr>
+          <p:nvPr>
+            <p:ph type="title"/>
+          </p:nvPr>
+        </p:nvSpPr>
+        <p:spPr>
+          <a:xfrm>
+            <a:off x="866607" y="201371"/>
+            <a:ext cx="4878238" cy="690024"/>
+          </a:xfrm>
+        </p:spPr>
+        <p:txBody>
+          <a:bodyPr>
+            <a:normAutofit fontScale="90000"/>
+          </a:bodyPr>
+          <a:lstStyle/>
+          <a:p>
+            <a:r>
+              <a:rPr lang="de-DE" dirty="0"/>
+              <a:t>Dokumentationen</a:t>
+            </a:r>
+          </a:p>
+        </p:txBody>
+      </p:sp>
+      <p:pic>
+        <p:nvPicPr>
+          <p:cNvPr id="4" name="Grafik 3"/>
+          <p:cNvPicPr>
+            <a:picLocks noChangeAspect="1"/>
+          </p:cNvPicPr>
+          <p:nvPr/>
+        </p:nvPicPr>
+        <p:blipFill>
+          <a:blip r:embed="rId2" cstate="print">
+            <a:extLst>
+              <a:ext uri="{28A0092B-C50C-407E-A947-70E740481C1C}">
+                <a14:useLocalDpi xmlns:a14="http://schemas.microsoft.com/office/drawing/2010/main" val="0"/>
+              </a:ext>
+            </a:extLst>
+          </a:blip>
+          <a:stretch>
+            <a:fillRect/>
+          </a:stretch>
+        </p:blipFill>
+        <p:spPr>
+          <a:xfrm>
+            <a:off x="17595" y="3325"/>
+            <a:ext cx="849012" cy="851140"/>
+          </a:xfrm>
+          <a:prstGeom prst="rect">
+            <a:avLst/>
+          </a:prstGeom>
+          <a:effectLst/>
+        </p:spPr>
+      </p:pic>
+      <p:cxnSp>
+        <p:nvCxnSpPr>
+          <p:cNvPr id="5" name="Gerader Verbinder 4"/>
+          <p:cNvCxnSpPr/>
+          <p:nvPr/>
+        </p:nvCxnSpPr>
+        <p:spPr>
+          <a:xfrm>
+            <a:off x="0" y="879893"/>
+            <a:ext cx="10668000" cy="0"/>
+          </a:xfrm>
+          <a:prstGeom prst="line">
+            <a:avLst/>
+          </a:prstGeom>
+        </p:spPr>
+        <p:style>
+          <a:lnRef idx="3">
+            <a:schemeClr val="accent2"/>
+          </a:lnRef>
+          <a:fillRef idx="0">
+            <a:schemeClr val="accent2"/>
+          </a:fillRef>
+          <a:effectRef idx="2">
+            <a:schemeClr val="accent2"/>
+          </a:effectRef>
+          <a:fontRef idx="minor">
+            <a:schemeClr val="tx1"/>
+          </a:fontRef>
+        </p:style>
+      </p:cxnSp>
+      <p:cxnSp>
+        <p:nvCxnSpPr>
+          <p:cNvPr id="6" name="Gerader Verbinder 5"/>
+          <p:cNvCxnSpPr/>
+          <p:nvPr/>
+        </p:nvCxnSpPr>
+        <p:spPr>
+          <a:xfrm>
+            <a:off x="1524000" y="6311660"/>
+            <a:ext cx="10668000" cy="0"/>
+          </a:xfrm>
+          <a:prstGeom prst="line">
+            <a:avLst/>
+          </a:prstGeom>
+        </p:spPr>
+        <p:style>
+          <a:lnRef idx="3">
+            <a:schemeClr val="accent2"/>
+          </a:lnRef>
+          <a:fillRef idx="0">
+            <a:schemeClr val="accent2"/>
+          </a:fillRef>
+          <a:effectRef idx="2">
+            <a:schemeClr val="accent2"/>
+          </a:effectRef>
+          <a:fontRef idx="minor">
+            <a:schemeClr val="tx1"/>
+          </a:fontRef>
+        </p:style>
+      </p:cxnSp>
+      <p:sp>
+        <p:nvSpPr>
+          <p:cNvPr id="7" name="Inhaltsplatzhalter 2"/>
+          <p:cNvSpPr txBox="1">
+            <a:spLocks/>
+          </p:cNvSpPr>
+          <p:nvPr/>
+        </p:nvSpPr>
+        <p:spPr>
+          <a:xfrm>
+            <a:off x="1524000" y="1374177"/>
+            <a:ext cx="9144000" cy="4351338"/>
+          </a:xfrm>
+          <a:prstGeom prst="rect">
+            <a:avLst/>
+          </a:prstGeom>
+        </p:spPr>
+        <p:txBody>
+          <a:bodyPr vert="horz" lIns="91440" tIns="45720" rIns="91440" bIns="45720" rtlCol="0">
+            <a:normAutofit/>
+          </a:bodyPr>
+          <a:lstStyle>
+            <a:lvl1pPr marL="228600" indent="-228600" algn="l" defTabSz="914400" rtl="0" eaLnBrk="1" latinLnBrk="0" hangingPunct="1">
+              <a:lnSpc>
+                <a:spcPct val="90000"/>
+              </a:lnSpc>
+              <a:spcBef>
+                <a:spcPts val="1000"/>
+              </a:spcBef>
+              <a:buFont typeface="Arial" panose="020B0604020202020204" pitchFamily="34" charset="0"/>
+              <a:buChar char="•"/>
+              <a:defRPr sz="2800" kern="1200">
+                <a:solidFill>
+                  <a:schemeClr val="tx1"/>
+                </a:solidFill>
+                <a:latin typeface="+mn-lt"/>
+                <a:ea typeface="+mn-ea"/>
+                <a:cs typeface="+mn-cs"/>
+              </a:defRPr>
+            </a:lvl1pPr>
+            <a:lvl2pPr marL="685800" indent="-228600" algn="l" defTabSz="914400" rtl="0" eaLnBrk="1" latinLnBrk="0" hangingPunct="1">
+              <a:lnSpc>
+                <a:spcPct val="90000"/>
+              </a:lnSpc>
+              <a:spcBef>
+                <a:spcPts val="500"/>
+              </a:spcBef>
+              <a:buFont typeface="Arial" panose="020B0604020202020204" pitchFamily="34" charset="0"/>
+              <a:buChar char="•"/>
+              <a:defRPr sz="2400" kern="1200">
+                <a:solidFill>
+                  <a:schemeClr val="tx1"/>
+                </a:solidFill>
+                <a:latin typeface="+mn-lt"/>
+                <a:ea typeface="+mn-ea"/>
+                <a:cs typeface="+mn-cs"/>
+              </a:defRPr>
+            </a:lvl2pPr>
+            <a:lvl3pPr marL="1143000" indent="-228600" algn="l" defTabSz="914400" rtl="0" eaLnBrk="1" latinLnBrk="0" hangingPunct="1">
+              <a:lnSpc>
+                <a:spcPct val="90000"/>
+              </a:lnSpc>
+              <a:spcBef>
+                <a:spcPts val="500"/>
+              </a:spcBef>
+              <a:buFont typeface="Arial" panose="020B0604020202020204" pitchFamily="34" charset="0"/>
+              <a:buChar char="•"/>
+              <a:defRPr sz="2000" kern="1200">
+                <a:solidFill>
+                  <a:schemeClr val="tx1"/>
+                </a:solidFill>
+                <a:latin typeface="+mn-lt"/>
+                <a:ea typeface="+mn-ea"/>
+                <a:cs typeface="+mn-cs"/>
+              </a:defRPr>
+            </a:lvl3pPr>
+            <a:lvl4pPr marL="1600200" indent="-228600" algn="l" defTabSz="914400" rtl="0" eaLnBrk="1" latinLnBrk="0" hangingPunct="1">
+              <a:lnSpc>
+                <a:spcPct val="90000"/>
+              </a:lnSpc>
+              <a:spcBef>
+                <a:spcPts val="500"/>
+              </a:spcBef>
+              <a:buFont typeface="Arial" panose="020B0604020202020204" pitchFamily="34" charset="0"/>
+              <a:buChar char="•"/>
+              <a:defRPr sz="1800" kern="1200">
+                <a:solidFill>
+                  <a:schemeClr val="tx1"/>
+                </a:solidFill>
+                <a:latin typeface="+mn-lt"/>
+                <a:ea typeface="+mn-ea"/>
+                <a:cs typeface="+mn-cs"/>
+              </a:defRPr>
+            </a:lvl4pPr>
+            <a:lvl5pPr marL="2057400" indent="-228600" algn="l" defTabSz="914400" rtl="0" eaLnBrk="1" latinLnBrk="0" hangingPunct="1">
+              <a:lnSpc>
+                <a:spcPct val="90000"/>
+              </a:lnSpc>
+              <a:spcBef>
+                <a:spcPts val="500"/>
+              </a:spcBef>
+              <a:buFont typeface="Arial" panose="020B0604020202020204" pitchFamily="34" charset="0"/>
+              <a:buChar char="•"/>
+              <a:defRPr sz="1800" kern="1200">
+                <a:solidFill>
+                  <a:schemeClr val="tx1"/>
+                </a:solidFill>
+                <a:latin typeface="+mn-lt"/>
+                <a:ea typeface="+mn-ea"/>
+                <a:cs typeface="+mn-cs"/>
+              </a:defRPr>
+            </a:lvl5pPr>
+            <a:lvl6pPr marL="2514600" indent="-228600" algn="l" defTabSz="914400" rtl="0" eaLnBrk="1" latinLnBrk="0" hangingPunct="1">
+              <a:lnSpc>
+                <a:spcPct val="90000"/>
+              </a:lnSpc>
+              <a:spcBef>
+                <a:spcPts val="500"/>
+              </a:spcBef>
+              <a:buFont typeface="Arial" panose="020B0604020202020204" pitchFamily="34" charset="0"/>
+              <a:buChar char="•"/>
+              <a:defRPr sz="1800" kern="1200">
+                <a:solidFill>
+                  <a:schemeClr val="tx1"/>
+                </a:solidFill>
+                <a:latin typeface="+mn-lt"/>
+                <a:ea typeface="+mn-ea"/>
+                <a:cs typeface="+mn-cs"/>
+              </a:defRPr>
+            </a:lvl6pPr>
+            <a:lvl7pPr marL="2971800" indent="-228600" algn="l" defTabSz="914400" rtl="0" eaLnBrk="1" latinLnBrk="0" hangingPunct="1">
+              <a:lnSpc>
+                <a:spcPct val="90000"/>
+              </a:lnSpc>
+              <a:spcBef>
+                <a:spcPts val="500"/>
+              </a:spcBef>
+              <a:buFont typeface="Arial" panose="020B0604020202020204" pitchFamily="34" charset="0"/>
+              <a:buChar char="•"/>
+              <a:defRPr sz="1800" kern="1200">
+                <a:solidFill>
+                  <a:schemeClr val="tx1"/>
+                </a:solidFill>
+                <a:latin typeface="+mn-lt"/>
+                <a:ea typeface="+mn-ea"/>
+                <a:cs typeface="+mn-cs"/>
+              </a:defRPr>
+            </a:lvl7pPr>
+            <a:lvl8pPr marL="3429000" indent="-228600" algn="l" defTabSz="914400" rtl="0" eaLnBrk="1" latinLnBrk="0" hangingPunct="1">
+              <a:lnSpc>
+                <a:spcPct val="90000"/>
+              </a:lnSpc>
+              <a:spcBef>
+                <a:spcPts val="500"/>
+              </a:spcBef>
+              <a:buFont typeface="Arial" panose="020B0604020202020204" pitchFamily="34" charset="0"/>
+              <a:buChar char="•"/>
+              <a:defRPr sz="1800" kern="1200">
+                <a:solidFill>
+                  <a:schemeClr val="tx1"/>
+                </a:solidFill>
+                <a:latin typeface="+mn-lt"/>
+                <a:ea typeface="+mn-ea"/>
+                <a:cs typeface="+mn-cs"/>
+              </a:defRPr>
+            </a:lvl8pPr>
+            <a:lvl9pPr marL="3886200" indent="-228600" algn="l" defTabSz="914400" rtl="0" eaLnBrk="1" latinLnBrk="0" hangingPunct="1">
+              <a:lnSpc>
+                <a:spcPct val="90000"/>
+              </a:lnSpc>
+              <a:spcBef>
+                <a:spcPts val="500"/>
+              </a:spcBef>
+              <a:buFont typeface="Arial" panose="020B0604020202020204" pitchFamily="34" charset="0"/>
+              <a:buChar char="•"/>
+              <a:defRPr sz="1800" kern="1200">
+                <a:solidFill>
+                  <a:schemeClr val="tx1"/>
+                </a:solidFill>
+                <a:latin typeface="+mn-lt"/>
+                <a:ea typeface="+mn-ea"/>
+                <a:cs typeface="+mn-cs"/>
+              </a:defRPr>
+            </a:lvl9pPr>
+          </a:lstStyle>
+          <a:p>
+            <a:r>
+              <a:rPr lang="de-DE" dirty="0"/>
+              <a:t>Administratorendokumentation:</a:t>
+            </a:r>
+          </a:p>
+          <a:p>
+            <a:pPr lvl="1"/>
+            <a:r>
+              <a:rPr lang="de-DE" dirty="0"/>
+              <a:t>Wenige Systemvoraussetzungen (Windows, Java 8 oder höher)</a:t>
+            </a:r>
+          </a:p>
+          <a:p>
+            <a:pPr lvl="1"/>
+            <a:r>
+              <a:rPr lang="de-DE" dirty="0"/>
+              <a:t>Verknüpfung oder Ablage der exe-Datei auf dem Desktop</a:t>
+            </a:r>
+          </a:p>
+          <a:p>
+            <a:pPr marL="0" indent="0">
+              <a:buFont typeface="Arial" panose="020B0604020202020204" pitchFamily="34" charset="0"/>
+              <a:buNone/>
+            </a:pPr>
+            <a:endParaRPr lang="de-DE" dirty="0"/>
+          </a:p>
+          <a:p>
+            <a:r>
+              <a:rPr lang="de-DE" dirty="0"/>
+              <a:t>Anwenderdokumentation:</a:t>
+            </a:r>
+          </a:p>
+          <a:p>
+            <a:pPr lvl="1"/>
+            <a:r>
+              <a:rPr lang="de-DE" dirty="0"/>
+              <a:t>Kinder als Nutzer </a:t>
+            </a:r>
+            <a:r>
+              <a:rPr lang="de-DE" dirty="0">
+                <a:sym typeface="Wingdings" panose="05000000000000000000" pitchFamily="2" charset="2"/>
+              </a:rPr>
+              <a:t> entsprechend kinderfreundlich gestaltet</a:t>
+            </a:r>
+          </a:p>
+          <a:p>
+            <a:pPr lvl="1"/>
+            <a:r>
+              <a:rPr lang="de-DE" dirty="0"/>
+              <a:t>Detaillierte Anleitung</a:t>
+            </a:r>
+          </a:p>
+          <a:p>
+            <a:pPr lvl="1"/>
+            <a:r>
+              <a:rPr lang="de-DE" dirty="0"/>
+              <a:t>Kleine Übungsbeispiele mit Lösungen</a:t>
+            </a:r>
+          </a:p>
+        </p:txBody>
+      </p:sp>
+      <p:sp>
+        <p:nvSpPr>
+          <p:cNvPr id="3" name="Fußzeilenplatzhalter 2"/>
+          <p:cNvSpPr>
+            <a:spLocks noGrp="1"/>
+          </p:cNvSpPr>
+          <p:nvPr>
+            <p:ph type="ftr" sz="quarter" idx="11"/>
+          </p:nvPr>
+        </p:nvSpPr>
+        <p:spPr/>
+        <p:txBody>
+          <a:bodyPr/>
+          <a:lstStyle/>
+          <a:p>
+            <a:r>
+              <a:rPr lang="de-DE" dirty="0" err="1"/>
+              <a:t>DezHex</a:t>
+            </a:r>
+            <a:r>
+              <a:rPr lang="de-DE" dirty="0"/>
+              <a:t> - Christopher </a:t>
+            </a:r>
+            <a:r>
+              <a:rPr lang="de-DE" dirty="0" err="1"/>
+              <a:t>Praas</a:t>
+            </a:r>
+            <a:r>
+              <a:rPr lang="de-DE" dirty="0"/>
+              <a:t> / </a:t>
+            </a:r>
+            <a:r>
+              <a:rPr lang="de-DE" dirty="0" err="1"/>
+              <a:t>Serhiy</a:t>
+            </a:r>
+            <a:r>
+              <a:rPr lang="de-DE" dirty="0"/>
+              <a:t> </a:t>
+            </a:r>
+            <a:r>
+              <a:rPr lang="de-DE" dirty="0" err="1"/>
+              <a:t>Bolkun</a:t>
+            </a:r>
+            <a:r>
+              <a:rPr lang="de-DE" dirty="0"/>
+              <a:t> / Anna Krauß / Wiebke </a:t>
+            </a:r>
+            <a:r>
+              <a:rPr lang="de-DE" dirty="0" err="1"/>
+              <a:t>Rochler</a:t>
+            </a:r>
+            <a:endParaRPr lang="de-DE" dirty="0"/>
+          </a:p>
+        </p:txBody>
+      </p:sp>
+      <p:sp>
+        <p:nvSpPr>
+          <p:cNvPr id="8" name="Foliennummernplatzhalter 7"/>
+          <p:cNvSpPr>
+            <a:spLocks noGrp="1"/>
+          </p:cNvSpPr>
+          <p:nvPr>
+            <p:ph type="sldNum" sz="quarter" idx="12"/>
+          </p:nvPr>
+        </p:nvSpPr>
+        <p:spPr/>
+        <p:txBody>
+          <a:bodyPr/>
+          <a:lstStyle/>
+          <a:p>
+            <a:fld id="{0A3C3FF0-3A20-4DD4-BD5A-9DD4AC9CB3DF}" type="slidenum">
+              <a:rPr lang="de-DE" smtClean="0"/>
+              <a:pPr/>
+              <a:t>18</a:t>
+            </a:fld>
+            <a:endParaRPr lang="de-DE"/>
+          </a:p>
+        </p:txBody>
+      </p:sp>
+    </p:spTree>
+    <p:extLst>
+      <p:ext uri="{BB962C8B-B14F-4D97-AF65-F5344CB8AC3E}">
+        <p14:creationId xmlns:p14="http://schemas.microsoft.com/office/powerpoint/2010/main" val="924516342"/>
+      </p:ext>
+    </p:extLst>
+  </p:cSld>
+  <p:clrMapOvr>
+    <a:masterClrMapping/>
+  </p:clrMapOvr>
+</p:sld>
+</file>
+
+<file path=ppt/slides/slide19.xml><?xml version="1.0" encoding="utf-8"?>
+<p:sld xmlns:a="http://schemas.openxmlformats.org/drawingml/2006/main" xmlns:r="http://schemas.openxmlformats.org/officeDocument/2006/relationships" xmlns:p="http://schemas.openxmlformats.org/presentationml/2006/main">
+  <p:cSld>
+    <p:spTree>
+      <p:nvGrpSpPr>
+        <p:cNvPr id="1" name=""/>
+        <p:cNvGrpSpPr/>
+        <p:nvPr/>
+      </p:nvGrpSpPr>
+      <p:grpSpPr>
+        <a:xfrm>
+          <a:off x="0" y="0"/>
+          <a:ext cx="0" cy="0"/>
+          <a:chOff x="0" y="0"/>
+          <a:chExt cx="0" cy="0"/>
+        </a:xfrm>
+      </p:grpSpPr>
+      <p:sp>
+        <p:nvSpPr>
+          <p:cNvPr id="2" name="Titel 1"/>
+          <p:cNvSpPr>
+            <a:spLocks noGrp="1"/>
+          </p:cNvSpPr>
+          <p:nvPr>
+            <p:ph type="title"/>
+          </p:nvPr>
+        </p:nvSpPr>
+        <p:spPr>
+          <a:xfrm>
+            <a:off x="866607" y="201371"/>
+            <a:ext cx="7564276" cy="690024"/>
+          </a:xfrm>
+        </p:spPr>
+        <p:txBody>
+          <a:bodyPr>
+            <a:normAutofit fontScale="90000"/>
+          </a:bodyPr>
+          <a:lstStyle/>
+          <a:p>
+            <a:r>
+              <a:rPr lang="de-DE" dirty="0"/>
+              <a:t>Verwendete Softwaretools</a:t>
+            </a:r>
+          </a:p>
+        </p:txBody>
+      </p:sp>
+      <p:sp>
+        <p:nvSpPr>
+          <p:cNvPr id="3" name="Inhaltsplatzhalter 2"/>
+          <p:cNvSpPr>
+            <a:spLocks noGrp="1"/>
+          </p:cNvSpPr>
+          <p:nvPr>
+            <p:ph idx="1"/>
+          </p:nvPr>
+        </p:nvSpPr>
+        <p:spPr>
+          <a:xfrm>
+            <a:off x="1524000" y="1365550"/>
+            <a:ext cx="2543702" cy="4023084"/>
+          </a:xfrm>
+        </p:spPr>
+        <p:txBody>
+          <a:bodyPr>
+            <a:normAutofit lnSpcReduction="10000"/>
+          </a:bodyPr>
+          <a:lstStyle/>
+          <a:p>
+            <a:endParaRPr lang="de-DE" dirty="0"/>
+          </a:p>
+          <a:p>
+            <a:r>
+              <a:rPr lang="de-DE" dirty="0" err="1"/>
+              <a:t>GitHub</a:t>
+            </a:r>
+            <a:endParaRPr lang="de-DE" dirty="0"/>
+          </a:p>
+          <a:p>
+            <a:r>
+              <a:rPr lang="de-DE" dirty="0" err="1"/>
+              <a:t>Topcased</a:t>
+            </a:r>
+            <a:endParaRPr lang="de-DE" dirty="0"/>
+          </a:p>
+          <a:p>
+            <a:r>
+              <a:rPr lang="de-DE" dirty="0" err="1"/>
+              <a:t>NinjaMock</a:t>
+            </a:r>
+            <a:endParaRPr lang="de-DE" dirty="0"/>
+          </a:p>
+          <a:p>
+            <a:r>
+              <a:rPr lang="de-DE" dirty="0" err="1"/>
+              <a:t>Eclipse</a:t>
+            </a:r>
+            <a:r>
+              <a:rPr lang="de-DE" dirty="0"/>
+              <a:t> </a:t>
+            </a:r>
+          </a:p>
+          <a:p>
+            <a:r>
+              <a:rPr lang="de-DE" dirty="0" err="1"/>
+              <a:t>Gradle</a:t>
+            </a:r>
+            <a:endParaRPr lang="de-DE" dirty="0"/>
+          </a:p>
+          <a:p>
+            <a:r>
+              <a:rPr lang="de-DE" dirty="0" err="1"/>
+              <a:t>JUnit</a:t>
+            </a:r>
+            <a:endParaRPr lang="de-DE" dirty="0"/>
+          </a:p>
+          <a:p>
+            <a:r>
+              <a:rPr lang="de-DE" dirty="0" err="1"/>
+              <a:t>Doxygen</a:t>
+            </a:r>
+            <a:endParaRPr lang="de-DE" dirty="0"/>
+          </a:p>
+        </p:txBody>
+      </p:sp>
+      <p:pic>
+        <p:nvPicPr>
+          <p:cNvPr id="4" name="Grafik 3"/>
+          <p:cNvPicPr>
+            <a:picLocks noChangeAspect="1"/>
+          </p:cNvPicPr>
+          <p:nvPr/>
+        </p:nvPicPr>
+        <p:blipFill>
+          <a:blip r:embed="rId2" cstate="print">
+            <a:extLst>
+              <a:ext uri="{28A0092B-C50C-407E-A947-70E740481C1C}">
+                <a14:useLocalDpi xmlns:a14="http://schemas.microsoft.com/office/drawing/2010/main" val="0"/>
+              </a:ext>
+            </a:extLst>
+          </a:blip>
+          <a:stretch>
+            <a:fillRect/>
+          </a:stretch>
+        </p:blipFill>
+        <p:spPr>
+          <a:xfrm>
+            <a:off x="17595" y="3325"/>
+            <a:ext cx="849012" cy="851140"/>
+          </a:xfrm>
+          <a:prstGeom prst="rect">
+            <a:avLst/>
+          </a:prstGeom>
+          <a:effectLst/>
+        </p:spPr>
+      </p:pic>
+      <p:cxnSp>
+        <p:nvCxnSpPr>
+          <p:cNvPr id="5" name="Gerader Verbinder 4"/>
+          <p:cNvCxnSpPr/>
+          <p:nvPr/>
+        </p:nvCxnSpPr>
+        <p:spPr>
+          <a:xfrm>
+            <a:off x="0" y="879893"/>
+            <a:ext cx="10668000" cy="0"/>
+          </a:xfrm>
+          <a:prstGeom prst="line">
+            <a:avLst/>
+          </a:prstGeom>
+        </p:spPr>
+        <p:style>
+          <a:lnRef idx="3">
+            <a:schemeClr val="accent2"/>
+          </a:lnRef>
+          <a:fillRef idx="0">
+            <a:schemeClr val="accent2"/>
+          </a:fillRef>
+          <a:effectRef idx="2">
+            <a:schemeClr val="accent2"/>
+          </a:effectRef>
+          <a:fontRef idx="minor">
+            <a:schemeClr val="tx1"/>
+          </a:fontRef>
+        </p:style>
+      </p:cxnSp>
+      <p:cxnSp>
+        <p:nvCxnSpPr>
+          <p:cNvPr id="6" name="Gerader Verbinder 5"/>
+          <p:cNvCxnSpPr/>
+          <p:nvPr/>
+        </p:nvCxnSpPr>
+        <p:spPr>
+          <a:xfrm>
+            <a:off x="1524000" y="6311660"/>
+            <a:ext cx="10668000" cy="0"/>
+          </a:xfrm>
+          <a:prstGeom prst="line">
+            <a:avLst/>
+          </a:prstGeom>
+        </p:spPr>
+        <p:style>
+          <a:lnRef idx="3">
+            <a:schemeClr val="accent2"/>
+          </a:lnRef>
+          <a:fillRef idx="0">
+            <a:schemeClr val="accent2"/>
+          </a:fillRef>
+          <a:effectRef idx="2">
+            <a:schemeClr val="accent2"/>
+          </a:effectRef>
+          <a:fontRef idx="minor">
+            <a:schemeClr val="tx1"/>
+          </a:fontRef>
+        </p:style>
+      </p:cxnSp>
+      <p:sp>
+        <p:nvSpPr>
+          <p:cNvPr id="7" name="Fußzeilenplatzhalter 6"/>
+          <p:cNvSpPr>
+            <a:spLocks noGrp="1"/>
+          </p:cNvSpPr>
+          <p:nvPr>
+            <p:ph type="ftr" sz="quarter" idx="11"/>
+          </p:nvPr>
+        </p:nvSpPr>
+        <p:spPr/>
+        <p:txBody>
+          <a:bodyPr/>
+          <a:lstStyle/>
+          <a:p>
+            <a:r>
+              <a:rPr lang="de-DE" dirty="0" err="1"/>
+              <a:t>DezHex</a:t>
+            </a:r>
+            <a:r>
+              <a:rPr lang="de-DE" dirty="0"/>
+              <a:t> - Christopher </a:t>
+            </a:r>
+            <a:r>
+              <a:rPr lang="de-DE" dirty="0" err="1"/>
+              <a:t>Praas</a:t>
+            </a:r>
+            <a:r>
+              <a:rPr lang="de-DE" dirty="0"/>
+              <a:t> / </a:t>
+            </a:r>
+            <a:r>
+              <a:rPr lang="de-DE" dirty="0" err="1"/>
+              <a:t>Serhiy</a:t>
+            </a:r>
+            <a:r>
+              <a:rPr lang="de-DE" dirty="0"/>
+              <a:t> </a:t>
+            </a:r>
+            <a:r>
+              <a:rPr lang="de-DE" dirty="0" err="1"/>
+              <a:t>Bolkun</a:t>
+            </a:r>
+            <a:r>
+              <a:rPr lang="de-DE" dirty="0"/>
+              <a:t> / Anna Krauß / Wiebke </a:t>
+            </a:r>
+            <a:r>
+              <a:rPr lang="de-DE" dirty="0" err="1"/>
+              <a:t>Rochler</a:t>
+            </a:r>
+            <a:endParaRPr lang="de-DE" dirty="0"/>
+          </a:p>
+        </p:txBody>
+      </p:sp>
+      <p:sp>
+        <p:nvSpPr>
+          <p:cNvPr id="8" name="Foliennummernplatzhalter 7"/>
+          <p:cNvSpPr>
+            <a:spLocks noGrp="1"/>
+          </p:cNvSpPr>
+          <p:nvPr>
+            <p:ph type="sldNum" sz="quarter" idx="12"/>
+          </p:nvPr>
+        </p:nvSpPr>
+        <p:spPr/>
+        <p:txBody>
+          <a:bodyPr/>
+          <a:lstStyle/>
+          <a:p>
+            <a:fld id="{0A3C3FF0-3A20-4DD4-BD5A-9DD4AC9CB3DF}" type="slidenum">
+              <a:rPr lang="de-DE" smtClean="0"/>
+              <a:pPr/>
+              <a:t>19</a:t>
+            </a:fld>
+            <a:endParaRPr lang="de-DE"/>
+          </a:p>
+        </p:txBody>
+      </p:sp>
+    </p:spTree>
+    <p:extLst>
+      <p:ext uri="{BB962C8B-B14F-4D97-AF65-F5344CB8AC3E}">
+        <p14:creationId xmlns:p14="http://schemas.microsoft.com/office/powerpoint/2010/main" val="3592684440"/>
+      </p:ext>
+    </p:extLst>
+  </p:cSld>
+  <p:clrMapOvr>
+    <a:masterClrMapping/>
+  </p:clrMapOvr>
+</p:sld>
+</file>
+
+<file path=ppt/slides/slide2.xml><?xml version="1.0" encoding="utf-8"?>
+<p:sld xmlns:a="http://schemas.openxmlformats.org/drawingml/2006/main" xmlns:r="http://schemas.openxmlformats.org/officeDocument/2006/relationships" xmlns:p="http://schemas.openxmlformats.org/presentationml/2006/main">
+  <p:cSld>
+    <p:spTree>
+      <p:nvGrpSpPr>
+        <p:cNvPr id="1" name=""/>
+        <p:cNvGrpSpPr/>
+        <p:nvPr/>
+      </p:nvGrpSpPr>
+      <p:grpSpPr>
+        <a:xfrm>
+          <a:off x="0" y="0"/>
+          <a:ext cx="0" cy="0"/>
+          <a:chOff x="0" y="0"/>
+          <a:chExt cx="0" cy="0"/>
+        </a:xfrm>
+      </p:grpSpPr>
+      <p:sp>
+        <p:nvSpPr>
+          <p:cNvPr id="2" name="Titel 1"/>
+          <p:cNvSpPr>
+            <a:spLocks noGrp="1"/>
+          </p:cNvSpPr>
+          <p:nvPr>
+            <p:ph type="title"/>
+          </p:nvPr>
+        </p:nvSpPr>
+        <p:spPr>
+          <a:xfrm>
+            <a:off x="866607" y="201371"/>
+            <a:ext cx="4878238" cy="690024"/>
+          </a:xfrm>
+        </p:spPr>
+        <p:txBody>
+          <a:bodyPr>
+            <a:normAutofit fontScale="90000"/>
+          </a:bodyPr>
+          <a:lstStyle/>
+          <a:p>
+            <a:r>
+              <a:rPr lang="de-DE" dirty="0"/>
+              <a:t>Gliederung</a:t>
+            </a:r>
+          </a:p>
+        </p:txBody>
+      </p:sp>
+      <p:sp>
+        <p:nvSpPr>
+          <p:cNvPr id="3" name="Inhaltsplatzhalter 2"/>
+          <p:cNvSpPr>
+            <a:spLocks noGrp="1"/>
+          </p:cNvSpPr>
+          <p:nvPr>
+            <p:ph idx="1"/>
+          </p:nvPr>
+        </p:nvSpPr>
+        <p:spPr>
+          <a:xfrm>
+            <a:off x="1523999" y="1244780"/>
+            <a:ext cx="9858207" cy="4351338"/>
+          </a:xfrm>
+        </p:spPr>
+        <p:txBody>
+          <a:bodyPr/>
+          <a:lstStyle/>
+          <a:p>
+            <a:pPr marL="514350" indent="-514350">
+              <a:buFont typeface="+mj-lt"/>
+              <a:buAutoNum type="arabicPeriod"/>
+            </a:pPr>
+            <a:r>
+              <a:rPr lang="de-DE" dirty="0"/>
+              <a:t>Einleitung</a:t>
+            </a:r>
+            <a:br>
+              <a:rPr lang="de-DE" dirty="0"/>
+            </a:br>
+            <a:r>
+              <a:rPr lang="de-DE" dirty="0"/>
+              <a:t>1.1   Vorstellung</a:t>
+            </a:r>
+            <a:br>
+              <a:rPr lang="de-DE" dirty="0"/>
+            </a:br>
+            <a:r>
+              <a:rPr lang="de-DE" dirty="0"/>
+              <a:t>1.2   Motivation</a:t>
+            </a:r>
+            <a:br>
+              <a:rPr lang="de-DE" dirty="0"/>
+            </a:br>
+            <a:r>
+              <a:rPr lang="de-DE" dirty="0"/>
+              <a:t>1.3   Produktvorstellung</a:t>
+            </a:r>
+          </a:p>
+          <a:p>
+            <a:pPr marL="514350" indent="-514350">
+              <a:buFont typeface="+mj-lt"/>
+              <a:buAutoNum type="arabicPeriod"/>
+            </a:pPr>
+            <a:r>
+              <a:rPr lang="de-DE" dirty="0"/>
+              <a:t>Quellcode</a:t>
+            </a:r>
+          </a:p>
+          <a:p>
+            <a:pPr marL="514350" indent="-514350">
+              <a:buFont typeface="+mj-lt"/>
+              <a:buAutoNum type="arabicPeriod"/>
+            </a:pPr>
+            <a:r>
+              <a:rPr lang="de-DE" dirty="0"/>
+              <a:t>UML-Diagramme</a:t>
+            </a:r>
+          </a:p>
+          <a:p>
+            <a:pPr marL="514350" indent="-514350">
+              <a:buFont typeface="+mj-lt"/>
+              <a:buAutoNum type="arabicPeriod"/>
+            </a:pPr>
+            <a:r>
+              <a:rPr lang="de-DE" dirty="0"/>
+              <a:t>Dokumentationen</a:t>
+            </a:r>
+          </a:p>
+          <a:p>
+            <a:pPr marL="514350" indent="-514350">
+              <a:buFont typeface="+mj-lt"/>
+              <a:buAutoNum type="arabicPeriod"/>
+            </a:pPr>
+            <a:r>
+              <a:rPr lang="de-DE" dirty="0"/>
+              <a:t>Verwendete Softwaretools und Drittanbieter-Software</a:t>
+            </a:r>
+          </a:p>
+          <a:p>
+            <a:pPr marL="514350" indent="-514350">
+              <a:buFont typeface="+mj-lt"/>
+              <a:buAutoNum type="arabicPeriod"/>
+            </a:pPr>
+            <a:r>
+              <a:rPr lang="de-DE" dirty="0"/>
+              <a:t>Selbstreflektion</a:t>
+            </a:r>
+          </a:p>
+          <a:p>
+            <a:pPr marL="514350" indent="-514350">
+              <a:buFont typeface="+mj-lt"/>
+              <a:buAutoNum type="arabicPeriod"/>
+            </a:pPr>
+            <a:endParaRPr lang="de-DE" dirty="0"/>
+          </a:p>
+          <a:p>
+            <a:pPr marL="514350" indent="-514350">
+              <a:buFont typeface="+mj-lt"/>
+              <a:buAutoNum type="arabicPeriod"/>
+            </a:pPr>
+            <a:endParaRPr lang="de-DE" dirty="0"/>
+          </a:p>
+          <a:p>
+            <a:pPr marL="514350" indent="-514350">
+              <a:buFont typeface="+mj-lt"/>
+              <a:buAutoNum type="arabicPeriod"/>
+            </a:pPr>
+            <a:endParaRPr lang="de-DE" dirty="0"/>
+          </a:p>
+        </p:txBody>
+      </p:sp>
+      <p:pic>
+        <p:nvPicPr>
+          <p:cNvPr id="4" name="Grafik 3"/>
+          <p:cNvPicPr>
+            <a:picLocks noChangeAspect="1"/>
+          </p:cNvPicPr>
+          <p:nvPr/>
+        </p:nvPicPr>
+        <p:blipFill>
+          <a:blip r:embed="rId2" cstate="print">
+            <a:extLst>
+              <a:ext uri="{28A0092B-C50C-407E-A947-70E740481C1C}">
+                <a14:useLocalDpi xmlns:a14="http://schemas.microsoft.com/office/drawing/2010/main" val="0"/>
+              </a:ext>
+            </a:extLst>
+          </a:blip>
+          <a:stretch>
+            <a:fillRect/>
+          </a:stretch>
+        </p:blipFill>
+        <p:spPr>
+          <a:xfrm>
+            <a:off x="17595" y="3325"/>
+            <a:ext cx="849012" cy="851140"/>
+          </a:xfrm>
+          <a:prstGeom prst="rect">
+            <a:avLst/>
+          </a:prstGeom>
+          <a:effectLst/>
+        </p:spPr>
+      </p:pic>
+      <p:cxnSp>
+        <p:nvCxnSpPr>
+          <p:cNvPr id="5" name="Gerader Verbinder 4"/>
+          <p:cNvCxnSpPr/>
+          <p:nvPr/>
+        </p:nvCxnSpPr>
+        <p:spPr>
+          <a:xfrm>
+            <a:off x="0" y="879893"/>
+            <a:ext cx="10668000" cy="0"/>
+          </a:xfrm>
+          <a:prstGeom prst="line">
+            <a:avLst/>
+          </a:prstGeom>
+        </p:spPr>
+        <p:style>
+          <a:lnRef idx="3">
+            <a:schemeClr val="accent2"/>
+          </a:lnRef>
+          <a:fillRef idx="0">
+            <a:schemeClr val="accent2"/>
+          </a:fillRef>
+          <a:effectRef idx="2">
+            <a:schemeClr val="accent2"/>
+          </a:effectRef>
+          <a:fontRef idx="minor">
+            <a:schemeClr val="tx1"/>
+          </a:fontRef>
+        </p:style>
+      </p:cxnSp>
+      <p:cxnSp>
+        <p:nvCxnSpPr>
+          <p:cNvPr id="6" name="Gerader Verbinder 5"/>
+          <p:cNvCxnSpPr/>
+          <p:nvPr/>
+        </p:nvCxnSpPr>
+        <p:spPr>
+          <a:xfrm>
+            <a:off x="1524000" y="6311660"/>
+            <a:ext cx="10668000" cy="0"/>
+          </a:xfrm>
+          <a:prstGeom prst="line">
+            <a:avLst/>
+          </a:prstGeom>
+        </p:spPr>
+        <p:style>
+          <a:lnRef idx="3">
+            <a:schemeClr val="accent2"/>
+          </a:lnRef>
+          <a:fillRef idx="0">
+            <a:schemeClr val="accent2"/>
+          </a:fillRef>
+          <a:effectRef idx="2">
+            <a:schemeClr val="accent2"/>
+          </a:effectRef>
+          <a:fontRef idx="minor">
+            <a:schemeClr val="tx1"/>
+          </a:fontRef>
+        </p:style>
+      </p:cxnSp>
+      <p:sp>
+        <p:nvSpPr>
+          <p:cNvPr id="7" name="Fußzeilenplatzhalter 6"/>
+          <p:cNvSpPr>
+            <a:spLocks noGrp="1"/>
+          </p:cNvSpPr>
+          <p:nvPr>
+            <p:ph type="ftr" sz="quarter" idx="11"/>
+          </p:nvPr>
+        </p:nvSpPr>
+        <p:spPr/>
+        <p:txBody>
+          <a:bodyPr/>
+          <a:lstStyle/>
+          <a:p>
+            <a:r>
+              <a:rPr lang="de-DE" dirty="0" err="1"/>
+              <a:t>DezHex</a:t>
+            </a:r>
+            <a:r>
+              <a:rPr lang="de-DE" dirty="0"/>
+              <a:t> - Christopher </a:t>
+            </a:r>
+            <a:r>
+              <a:rPr lang="de-DE" dirty="0" err="1"/>
+              <a:t>Praas</a:t>
+            </a:r>
+            <a:r>
+              <a:rPr lang="de-DE" dirty="0"/>
+              <a:t> / </a:t>
+            </a:r>
+            <a:r>
+              <a:rPr lang="de-DE" dirty="0" err="1"/>
+              <a:t>Serhiy</a:t>
+            </a:r>
+            <a:r>
+              <a:rPr lang="de-DE" dirty="0"/>
+              <a:t> </a:t>
+            </a:r>
+            <a:r>
+              <a:rPr lang="de-DE" dirty="0" err="1"/>
+              <a:t>Bolkun</a:t>
+            </a:r>
+            <a:r>
+              <a:rPr lang="de-DE" dirty="0"/>
+              <a:t> / Anna Krauß / Wiebke </a:t>
+            </a:r>
+            <a:r>
+              <a:rPr lang="de-DE" dirty="0" err="1"/>
+              <a:t>Rochler</a:t>
+            </a:r>
+            <a:endParaRPr lang="de-DE" dirty="0"/>
+          </a:p>
+        </p:txBody>
+      </p:sp>
+      <p:sp>
+        <p:nvSpPr>
+          <p:cNvPr id="8" name="Foliennummernplatzhalter 7"/>
+          <p:cNvSpPr>
+            <a:spLocks noGrp="1"/>
+          </p:cNvSpPr>
+          <p:nvPr>
+            <p:ph type="sldNum" sz="quarter" idx="12"/>
+          </p:nvPr>
+        </p:nvSpPr>
+        <p:spPr/>
+        <p:txBody>
+          <a:bodyPr/>
+          <a:lstStyle/>
+          <a:p>
+            <a:fld id="{0A3C3FF0-3A20-4DD4-BD5A-9DD4AC9CB3DF}" type="slidenum">
+              <a:rPr lang="de-DE" smtClean="0"/>
+              <a:pPr/>
+              <a:t>2</a:t>
+            </a:fld>
+            <a:endParaRPr lang="de-DE"/>
+          </a:p>
+        </p:txBody>
+      </p:sp>
+    </p:spTree>
+    <p:extLst>
+      <p:ext uri="{BB962C8B-B14F-4D97-AF65-F5344CB8AC3E}">
+        <p14:creationId xmlns:p14="http://schemas.microsoft.com/office/powerpoint/2010/main" val="438102538"/>
+      </p:ext>
+    </p:extLst>
+  </p:cSld>
+  <p:clrMapOvr>
+    <a:masterClrMapping/>
+  </p:clrMapOvr>
+</p:sld>
+</file>
+
+<file path=ppt/slides/slide20.xml><?xml version="1.0" encoding="utf-8"?>
+<p:sld xmlns:a="http://schemas.openxmlformats.org/drawingml/2006/main" xmlns:r="http://schemas.openxmlformats.org/officeDocument/2006/relationships" xmlns:p="http://schemas.openxmlformats.org/presentationml/2006/main">
+  <p:cSld>
+    <p:spTree>
+      <p:nvGrpSpPr>
+        <p:cNvPr id="1" name=""/>
+        <p:cNvGrpSpPr/>
+        <p:nvPr/>
+      </p:nvGrpSpPr>
+      <p:grpSpPr>
+        <a:xfrm>
+          <a:off x="0" y="0"/>
+          <a:ext cx="0" cy="0"/>
+          <a:chOff x="0" y="0"/>
+          <a:chExt cx="0" cy="0"/>
+        </a:xfrm>
+      </p:grpSpPr>
+      <p:sp>
+        <p:nvSpPr>
+          <p:cNvPr id="2" name="Titel 1"/>
+          <p:cNvSpPr>
+            <a:spLocks noGrp="1"/>
+          </p:cNvSpPr>
+          <p:nvPr>
+            <p:ph type="title"/>
+          </p:nvPr>
+        </p:nvSpPr>
+        <p:spPr>
+          <a:xfrm>
+            <a:off x="866607" y="201371"/>
+            <a:ext cx="7564276" cy="690024"/>
+          </a:xfrm>
+        </p:spPr>
+        <p:txBody>
+          <a:bodyPr>
+            <a:normAutofit fontScale="90000"/>
+          </a:bodyPr>
+          <a:lstStyle/>
+          <a:p>
+            <a:r>
+              <a:rPr lang="de-DE" dirty="0"/>
+              <a:t>Verwendete SWT - </a:t>
+            </a:r>
+            <a:r>
+              <a:rPr lang="de-DE" dirty="0" err="1"/>
+              <a:t>GitHub</a:t>
+            </a:r>
+            <a:endParaRPr lang="de-DE" dirty="0"/>
+          </a:p>
+        </p:txBody>
+      </p:sp>
+      <p:sp>
+        <p:nvSpPr>
+          <p:cNvPr id="3" name="Inhaltsplatzhalter 2"/>
+          <p:cNvSpPr>
+            <a:spLocks noGrp="1"/>
+          </p:cNvSpPr>
+          <p:nvPr>
+            <p:ph idx="1"/>
+          </p:nvPr>
+        </p:nvSpPr>
+        <p:spPr>
+          <a:xfrm>
+            <a:off x="8603411" y="1167318"/>
+            <a:ext cx="2800710" cy="2869846"/>
+          </a:xfrm>
+        </p:spPr>
+        <p:txBody>
+          <a:bodyPr>
+            <a:normAutofit/>
+          </a:bodyPr>
+          <a:lstStyle/>
+          <a:p>
+            <a:r>
+              <a:rPr lang="de-DE" i="1" dirty="0"/>
+              <a:t>Verbreitet</a:t>
+            </a:r>
+          </a:p>
+          <a:p>
+            <a:r>
+              <a:rPr lang="de-DE" i="1" dirty="0"/>
+              <a:t>Schnell</a:t>
+            </a:r>
+          </a:p>
+          <a:p>
+            <a:r>
+              <a:rPr lang="de-DE" i="1" dirty="0"/>
+              <a:t>Effizient </a:t>
+            </a:r>
+          </a:p>
+          <a:p>
+            <a:r>
+              <a:rPr lang="de-DE" i="1" dirty="0"/>
+              <a:t>Verfügt über Desktopversion</a:t>
+            </a:r>
+            <a:endParaRPr lang="de-DE" dirty="0"/>
+          </a:p>
+        </p:txBody>
+      </p:sp>
+      <p:pic>
+        <p:nvPicPr>
+          <p:cNvPr id="4" name="Grafik 3"/>
+          <p:cNvPicPr>
+            <a:picLocks noChangeAspect="1"/>
+          </p:cNvPicPr>
+          <p:nvPr/>
+        </p:nvPicPr>
+        <p:blipFill>
+          <a:blip r:embed="rId2" cstate="print">
+            <a:extLst>
+              <a:ext uri="{28A0092B-C50C-407E-A947-70E740481C1C}">
+                <a14:useLocalDpi xmlns:a14="http://schemas.microsoft.com/office/drawing/2010/main" val="0"/>
+              </a:ext>
+            </a:extLst>
+          </a:blip>
+          <a:stretch>
+            <a:fillRect/>
+          </a:stretch>
+        </p:blipFill>
+        <p:spPr>
+          <a:xfrm>
+            <a:off x="17595" y="3325"/>
+            <a:ext cx="849012" cy="851140"/>
+          </a:xfrm>
+          <a:prstGeom prst="rect">
+            <a:avLst/>
+          </a:prstGeom>
+          <a:effectLst/>
+        </p:spPr>
+      </p:pic>
+      <p:cxnSp>
+        <p:nvCxnSpPr>
+          <p:cNvPr id="5" name="Gerader Verbinder 4"/>
+          <p:cNvCxnSpPr/>
+          <p:nvPr/>
+        </p:nvCxnSpPr>
+        <p:spPr>
+          <a:xfrm>
+            <a:off x="0" y="879893"/>
+            <a:ext cx="10668000" cy="0"/>
+          </a:xfrm>
+          <a:prstGeom prst="line">
+            <a:avLst/>
+          </a:prstGeom>
+        </p:spPr>
+        <p:style>
+          <a:lnRef idx="3">
+            <a:schemeClr val="accent2"/>
+          </a:lnRef>
+          <a:fillRef idx="0">
+            <a:schemeClr val="accent2"/>
+          </a:fillRef>
+          <a:effectRef idx="2">
+            <a:schemeClr val="accent2"/>
+          </a:effectRef>
+          <a:fontRef idx="minor">
+            <a:schemeClr val="tx1"/>
+          </a:fontRef>
+        </p:style>
+      </p:cxnSp>
+      <p:cxnSp>
+        <p:nvCxnSpPr>
+          <p:cNvPr id="6" name="Gerader Verbinder 5"/>
+          <p:cNvCxnSpPr/>
+          <p:nvPr/>
+        </p:nvCxnSpPr>
+        <p:spPr>
+          <a:xfrm>
+            <a:off x="1524000" y="6311660"/>
+            <a:ext cx="10668000" cy="0"/>
+          </a:xfrm>
+          <a:prstGeom prst="line">
+            <a:avLst/>
+          </a:prstGeom>
+        </p:spPr>
+        <p:style>
+          <a:lnRef idx="3">
+            <a:schemeClr val="accent2"/>
+          </a:lnRef>
+          <a:fillRef idx="0">
+            <a:schemeClr val="accent2"/>
+          </a:fillRef>
+          <a:effectRef idx="2">
+            <a:schemeClr val="accent2"/>
+          </a:effectRef>
+          <a:fontRef idx="minor">
+            <a:schemeClr val="tx1"/>
+          </a:fontRef>
+        </p:style>
+      </p:cxnSp>
+      <p:pic>
+        <p:nvPicPr>
+          <p:cNvPr id="7" name="Grafik 6"/>
+          <p:cNvPicPr>
+            <a:picLocks noChangeAspect="1"/>
+          </p:cNvPicPr>
+          <p:nvPr/>
+        </p:nvPicPr>
+        <p:blipFill>
+          <a:blip r:embed="rId3" cstate="print">
+            <a:extLst>
+              <a:ext uri="{28A0092B-C50C-407E-A947-70E740481C1C}">
+                <a14:useLocalDpi xmlns:a14="http://schemas.microsoft.com/office/drawing/2010/main" val="0"/>
+              </a:ext>
+            </a:extLst>
+          </a:blip>
+          <a:stretch>
+            <a:fillRect/>
+          </a:stretch>
+        </p:blipFill>
+        <p:spPr>
+          <a:xfrm>
+            <a:off x="1285488" y="1167318"/>
+            <a:ext cx="7145395" cy="4690257"/>
+          </a:xfrm>
+          <a:prstGeom prst="rect">
+            <a:avLst/>
+          </a:prstGeom>
+        </p:spPr>
+      </p:pic>
+      <p:sp>
+        <p:nvSpPr>
+          <p:cNvPr id="8" name="Fußzeilenplatzhalter 7"/>
+          <p:cNvSpPr>
+            <a:spLocks noGrp="1"/>
+          </p:cNvSpPr>
+          <p:nvPr>
+            <p:ph type="ftr" sz="quarter" idx="11"/>
+          </p:nvPr>
+        </p:nvSpPr>
+        <p:spPr/>
+        <p:txBody>
+          <a:bodyPr/>
+          <a:lstStyle/>
+          <a:p>
+            <a:r>
+              <a:rPr lang="de-DE" dirty="0" err="1"/>
+              <a:t>DezHex</a:t>
+            </a:r>
+            <a:r>
+              <a:rPr lang="de-DE" dirty="0"/>
+              <a:t> - Christopher </a:t>
+            </a:r>
+            <a:r>
+              <a:rPr lang="de-DE" dirty="0" err="1"/>
+              <a:t>Praas</a:t>
+            </a:r>
+            <a:r>
+              <a:rPr lang="de-DE" dirty="0"/>
+              <a:t> / </a:t>
+            </a:r>
+            <a:r>
+              <a:rPr lang="de-DE" dirty="0" err="1"/>
+              <a:t>Serhiy</a:t>
+            </a:r>
+            <a:r>
+              <a:rPr lang="de-DE" dirty="0"/>
+              <a:t> </a:t>
+            </a:r>
+            <a:r>
+              <a:rPr lang="de-DE" dirty="0" err="1"/>
+              <a:t>Bolkun</a:t>
+            </a:r>
+            <a:r>
+              <a:rPr lang="de-DE" dirty="0"/>
+              <a:t> / Anna Krauß / Wiebke </a:t>
+            </a:r>
+            <a:r>
+              <a:rPr lang="de-DE" dirty="0" err="1"/>
+              <a:t>Rochler</a:t>
+            </a:r>
+            <a:endParaRPr lang="de-DE" dirty="0"/>
+          </a:p>
+        </p:txBody>
+      </p:sp>
+      <p:sp>
+        <p:nvSpPr>
+          <p:cNvPr id="9" name="Foliennummernplatzhalter 8"/>
+          <p:cNvSpPr>
+            <a:spLocks noGrp="1"/>
+          </p:cNvSpPr>
+          <p:nvPr>
+            <p:ph type="sldNum" sz="quarter" idx="12"/>
+          </p:nvPr>
+        </p:nvSpPr>
+        <p:spPr/>
+        <p:txBody>
+          <a:bodyPr/>
+          <a:lstStyle/>
+          <a:p>
+            <a:fld id="{0A3C3FF0-3A20-4DD4-BD5A-9DD4AC9CB3DF}" type="slidenum">
+              <a:rPr lang="de-DE" smtClean="0"/>
+              <a:pPr/>
+              <a:t>20</a:t>
+            </a:fld>
+            <a:endParaRPr lang="de-DE"/>
+          </a:p>
+        </p:txBody>
+      </p:sp>
+    </p:spTree>
+    <p:extLst>
+      <p:ext uri="{BB962C8B-B14F-4D97-AF65-F5344CB8AC3E}">
+        <p14:creationId xmlns:p14="http://schemas.microsoft.com/office/powerpoint/2010/main" val="1565029412"/>
+      </p:ext>
+    </p:extLst>
+  </p:cSld>
+  <p:clrMapOvr>
+    <a:masterClrMapping/>
+  </p:clrMapOvr>
+</p:sld>
+</file>
+
+<file path=ppt/slides/slide21.xml><?xml version="1.0" encoding="utf-8"?>
+<p:sld xmlns:a="http://schemas.openxmlformats.org/drawingml/2006/main" xmlns:r="http://schemas.openxmlformats.org/officeDocument/2006/relationships" xmlns:p="http://schemas.openxmlformats.org/presentationml/2006/main">
+  <p:cSld>
+    <p:spTree>
+      <p:nvGrpSpPr>
+        <p:cNvPr id="1" name=""/>
+        <p:cNvGrpSpPr/>
+        <p:nvPr/>
+      </p:nvGrpSpPr>
+      <p:grpSpPr>
+        <a:xfrm>
+          <a:off x="0" y="0"/>
+          <a:ext cx="0" cy="0"/>
+          <a:chOff x="0" y="0"/>
+          <a:chExt cx="0" cy="0"/>
+        </a:xfrm>
+      </p:grpSpPr>
+      <p:sp>
+        <p:nvSpPr>
+          <p:cNvPr id="2" name="Titel 1"/>
+          <p:cNvSpPr>
+            <a:spLocks noGrp="1"/>
+          </p:cNvSpPr>
+          <p:nvPr>
+            <p:ph type="title"/>
+          </p:nvPr>
+        </p:nvSpPr>
+        <p:spPr>
+          <a:xfrm>
+            <a:off x="866607" y="201371"/>
+            <a:ext cx="7564276" cy="690024"/>
+          </a:xfrm>
+        </p:spPr>
+        <p:txBody>
+          <a:bodyPr>
+            <a:normAutofit fontScale="90000"/>
+          </a:bodyPr>
+          <a:lstStyle/>
+          <a:p>
+            <a:r>
+              <a:rPr lang="de-DE" dirty="0"/>
+              <a:t>Verwendete SWT - </a:t>
+            </a:r>
+            <a:r>
+              <a:rPr lang="de-DE" dirty="0" err="1"/>
+              <a:t>NinjaMock</a:t>
+            </a:r>
+            <a:endParaRPr lang="de-DE" dirty="0"/>
+          </a:p>
+        </p:txBody>
+      </p:sp>
+      <p:sp>
+        <p:nvSpPr>
+          <p:cNvPr id="3" name="Inhaltsplatzhalter 2"/>
+          <p:cNvSpPr>
+            <a:spLocks noGrp="1"/>
+          </p:cNvSpPr>
+          <p:nvPr>
+            <p:ph idx="1"/>
+          </p:nvPr>
+        </p:nvSpPr>
+        <p:spPr>
+          <a:xfrm>
+            <a:off x="8925463" y="1296538"/>
+            <a:ext cx="3266537" cy="4707033"/>
+          </a:xfrm>
+        </p:spPr>
+        <p:txBody>
+          <a:bodyPr/>
+          <a:lstStyle/>
+          <a:p>
+            <a:r>
+              <a:rPr lang="de-DE" dirty="0"/>
+              <a:t>Online verfügbar</a:t>
+            </a:r>
+          </a:p>
+          <a:p>
+            <a:r>
+              <a:rPr lang="de-DE" dirty="0"/>
+              <a:t>Gleichzeitiges Arbeiten mehrerer Nutzer möglich</a:t>
+            </a:r>
+          </a:p>
+          <a:p>
+            <a:r>
+              <a:rPr lang="de-DE" dirty="0"/>
+              <a:t>Intuitiv</a:t>
+            </a:r>
+          </a:p>
+          <a:p>
+            <a:r>
+              <a:rPr lang="de-DE" dirty="0"/>
+              <a:t>Unkompliziert</a:t>
+            </a:r>
+          </a:p>
+        </p:txBody>
+      </p:sp>
+      <p:pic>
+        <p:nvPicPr>
+          <p:cNvPr id="4" name="Grafik 3"/>
+          <p:cNvPicPr>
+            <a:picLocks noChangeAspect="1"/>
+          </p:cNvPicPr>
+          <p:nvPr/>
+        </p:nvPicPr>
+        <p:blipFill>
+          <a:blip r:embed="rId2" cstate="print">
+            <a:extLst>
+              <a:ext uri="{28A0092B-C50C-407E-A947-70E740481C1C}">
+                <a14:useLocalDpi xmlns:a14="http://schemas.microsoft.com/office/drawing/2010/main" val="0"/>
+              </a:ext>
+            </a:extLst>
+          </a:blip>
+          <a:stretch>
+            <a:fillRect/>
+          </a:stretch>
+        </p:blipFill>
+        <p:spPr>
+          <a:xfrm>
+            <a:off x="17595" y="3325"/>
+            <a:ext cx="849012" cy="851140"/>
+          </a:xfrm>
+          <a:prstGeom prst="rect">
+            <a:avLst/>
+          </a:prstGeom>
+          <a:effectLst/>
+        </p:spPr>
+      </p:pic>
+      <p:cxnSp>
+        <p:nvCxnSpPr>
+          <p:cNvPr id="5" name="Gerader Verbinder 4"/>
+          <p:cNvCxnSpPr/>
+          <p:nvPr/>
+        </p:nvCxnSpPr>
+        <p:spPr>
+          <a:xfrm>
+            <a:off x="0" y="879893"/>
+            <a:ext cx="10668000" cy="0"/>
+          </a:xfrm>
+          <a:prstGeom prst="line">
+            <a:avLst/>
+          </a:prstGeom>
+        </p:spPr>
+        <p:style>
+          <a:lnRef idx="3">
+            <a:schemeClr val="accent2"/>
+          </a:lnRef>
+          <a:fillRef idx="0">
+            <a:schemeClr val="accent2"/>
+          </a:fillRef>
+          <a:effectRef idx="2">
+            <a:schemeClr val="accent2"/>
+          </a:effectRef>
+          <a:fontRef idx="minor">
+            <a:schemeClr val="tx1"/>
+          </a:fontRef>
+        </p:style>
+      </p:cxnSp>
+      <p:cxnSp>
+        <p:nvCxnSpPr>
+          <p:cNvPr id="6" name="Gerader Verbinder 5"/>
+          <p:cNvCxnSpPr/>
+          <p:nvPr/>
+        </p:nvCxnSpPr>
+        <p:spPr>
+          <a:xfrm>
+            <a:off x="1524000" y="6311660"/>
+            <a:ext cx="10668000" cy="0"/>
+          </a:xfrm>
+          <a:prstGeom prst="line">
+            <a:avLst/>
+          </a:prstGeom>
+        </p:spPr>
+        <p:style>
+          <a:lnRef idx="3">
+            <a:schemeClr val="accent2"/>
+          </a:lnRef>
+          <a:fillRef idx="0">
+            <a:schemeClr val="accent2"/>
+          </a:fillRef>
+          <a:effectRef idx="2">
+            <a:schemeClr val="accent2"/>
+          </a:effectRef>
+          <a:fontRef idx="minor">
+            <a:schemeClr val="tx1"/>
+          </a:fontRef>
+        </p:style>
+      </p:cxnSp>
+      <p:pic>
+        <p:nvPicPr>
+          <p:cNvPr id="7" name="Grafik 6"/>
+          <p:cNvPicPr>
+            <a:picLocks noChangeAspect="1"/>
+          </p:cNvPicPr>
+          <p:nvPr/>
+        </p:nvPicPr>
+        <p:blipFill>
+          <a:blip r:embed="rId3" cstate="print">
+            <a:extLst>
+              <a:ext uri="{28A0092B-C50C-407E-A947-70E740481C1C}">
+                <a14:useLocalDpi xmlns:a14="http://schemas.microsoft.com/office/drawing/2010/main" val="0"/>
+              </a:ext>
+            </a:extLst>
+          </a:blip>
+          <a:stretch>
+            <a:fillRect/>
+          </a:stretch>
+        </p:blipFill>
+        <p:spPr>
+          <a:xfrm>
+            <a:off x="651839" y="1250886"/>
+            <a:ext cx="7993811" cy="4689781"/>
+          </a:xfrm>
+          <a:prstGeom prst="rect">
+            <a:avLst/>
+          </a:prstGeom>
+        </p:spPr>
+      </p:pic>
+      <p:sp>
+        <p:nvSpPr>
+          <p:cNvPr id="8" name="Fußzeilenplatzhalter 7"/>
+          <p:cNvSpPr>
+            <a:spLocks noGrp="1"/>
+          </p:cNvSpPr>
+          <p:nvPr>
+            <p:ph type="ftr" sz="quarter" idx="11"/>
+          </p:nvPr>
+        </p:nvSpPr>
+        <p:spPr/>
+        <p:txBody>
+          <a:bodyPr/>
+          <a:lstStyle/>
+          <a:p>
+            <a:r>
+              <a:rPr lang="de-DE" dirty="0" err="1"/>
+              <a:t>DezHex</a:t>
+            </a:r>
+            <a:r>
+              <a:rPr lang="de-DE" dirty="0"/>
+              <a:t> - Christopher </a:t>
+            </a:r>
+            <a:r>
+              <a:rPr lang="de-DE" dirty="0" err="1"/>
+              <a:t>Praas</a:t>
+            </a:r>
+            <a:r>
+              <a:rPr lang="de-DE" dirty="0"/>
+              <a:t> / </a:t>
+            </a:r>
+            <a:r>
+              <a:rPr lang="de-DE" dirty="0" err="1"/>
+              <a:t>Serhiy</a:t>
+            </a:r>
+            <a:r>
+              <a:rPr lang="de-DE" dirty="0"/>
+              <a:t> </a:t>
+            </a:r>
+            <a:r>
+              <a:rPr lang="de-DE" dirty="0" err="1"/>
+              <a:t>Bolkun</a:t>
+            </a:r>
+            <a:r>
+              <a:rPr lang="de-DE" dirty="0"/>
+              <a:t> / Anna Krauß / Wiebke </a:t>
+            </a:r>
+            <a:r>
+              <a:rPr lang="de-DE" dirty="0" err="1"/>
+              <a:t>Rochler</a:t>
+            </a:r>
+            <a:endParaRPr lang="de-DE" dirty="0"/>
+          </a:p>
+        </p:txBody>
+      </p:sp>
+      <p:sp>
+        <p:nvSpPr>
+          <p:cNvPr id="9" name="Foliennummernplatzhalter 8"/>
+          <p:cNvSpPr>
+            <a:spLocks noGrp="1"/>
+          </p:cNvSpPr>
+          <p:nvPr>
+            <p:ph type="sldNum" sz="quarter" idx="12"/>
+          </p:nvPr>
+        </p:nvSpPr>
+        <p:spPr/>
+        <p:txBody>
+          <a:bodyPr/>
+          <a:lstStyle/>
+          <a:p>
+            <a:fld id="{0A3C3FF0-3A20-4DD4-BD5A-9DD4AC9CB3DF}" type="slidenum">
+              <a:rPr lang="de-DE" smtClean="0"/>
+              <a:pPr/>
+              <a:t>21</a:t>
+            </a:fld>
+            <a:endParaRPr lang="de-DE"/>
+          </a:p>
+        </p:txBody>
+      </p:sp>
+    </p:spTree>
+    <p:extLst>
+      <p:ext uri="{BB962C8B-B14F-4D97-AF65-F5344CB8AC3E}">
+        <p14:creationId xmlns:p14="http://schemas.microsoft.com/office/powerpoint/2010/main" val="540480175"/>
+      </p:ext>
+    </p:extLst>
+  </p:cSld>
+  <p:clrMapOvr>
+    <a:masterClrMapping/>
+  </p:clrMapOvr>
+</p:sld>
+</file>
+
+<file path=ppt/slides/slide22.xml><?xml version="1.0" encoding="utf-8"?>
+<p:sld xmlns:a="http://schemas.openxmlformats.org/drawingml/2006/main" xmlns:r="http://schemas.openxmlformats.org/officeDocument/2006/relationships" xmlns:p="http://schemas.openxmlformats.org/presentationml/2006/main">
+  <p:cSld>
+    <p:spTree>
+      <p:nvGrpSpPr>
+        <p:cNvPr id="1" name=""/>
+        <p:cNvGrpSpPr/>
+        <p:nvPr/>
+      </p:nvGrpSpPr>
+      <p:grpSpPr>
+        <a:xfrm>
+          <a:off x="0" y="0"/>
+          <a:ext cx="0" cy="0"/>
+          <a:chOff x="0" y="0"/>
+          <a:chExt cx="0" cy="0"/>
+        </a:xfrm>
+      </p:grpSpPr>
+      <p:sp>
+        <p:nvSpPr>
+          <p:cNvPr id="2" name="Titel 1"/>
+          <p:cNvSpPr>
+            <a:spLocks noGrp="1"/>
+          </p:cNvSpPr>
+          <p:nvPr>
+            <p:ph type="title"/>
+          </p:nvPr>
+        </p:nvSpPr>
+        <p:spPr>
+          <a:xfrm>
+            <a:off x="866607" y="201371"/>
+            <a:ext cx="6126540" cy="690024"/>
+          </a:xfrm>
+        </p:spPr>
+        <p:txBody>
+          <a:bodyPr>
+            <a:normAutofit fontScale="90000"/>
+          </a:bodyPr>
+          <a:lstStyle/>
+          <a:p>
+            <a:r>
+              <a:rPr lang="de-DE" dirty="0"/>
+              <a:t>Drittanbieter - Software</a:t>
+            </a:r>
+          </a:p>
+        </p:txBody>
+      </p:sp>
+      <p:sp>
+        <p:nvSpPr>
+          <p:cNvPr id="3" name="Inhaltsplatzhalter 2"/>
+          <p:cNvSpPr>
+            <a:spLocks noGrp="1"/>
+          </p:cNvSpPr>
+          <p:nvPr>
+            <p:ph idx="1"/>
+          </p:nvPr>
+        </p:nvSpPr>
+        <p:spPr>
+          <a:xfrm>
+            <a:off x="1182909" y="1187271"/>
+            <a:ext cx="10515600" cy="4351338"/>
+          </a:xfrm>
+        </p:spPr>
+        <p:txBody>
+          <a:bodyPr/>
+          <a:lstStyle/>
+          <a:p>
+            <a:r>
+              <a:rPr lang="de-DE" dirty="0" err="1"/>
+              <a:t>Jsmooth</a:t>
+            </a:r>
+            <a:r>
+              <a:rPr lang="de-DE" dirty="0"/>
+              <a:t> - Download Link: </a:t>
+            </a:r>
+            <a:r>
+              <a:rPr lang="de-DE" dirty="0">
+                <a:solidFill>
+                  <a:schemeClr val="accent1">
+                    <a:lumMod val="75000"/>
+                  </a:schemeClr>
+                </a:solidFill>
+              </a:rPr>
+              <a:t>http://jsmooth.sourceforge.net/download.php</a:t>
+            </a:r>
+          </a:p>
+        </p:txBody>
+      </p:sp>
+      <p:pic>
+        <p:nvPicPr>
+          <p:cNvPr id="4" name="Grafik 3"/>
+          <p:cNvPicPr>
+            <a:picLocks noChangeAspect="1"/>
+          </p:cNvPicPr>
+          <p:nvPr/>
+        </p:nvPicPr>
+        <p:blipFill>
+          <a:blip r:embed="rId2" cstate="print">
+            <a:extLst>
+              <a:ext uri="{28A0092B-C50C-407E-A947-70E740481C1C}">
+                <a14:useLocalDpi xmlns:a14="http://schemas.microsoft.com/office/drawing/2010/main" val="0"/>
+              </a:ext>
+            </a:extLst>
+          </a:blip>
+          <a:stretch>
+            <a:fillRect/>
+          </a:stretch>
+        </p:blipFill>
+        <p:spPr>
+          <a:xfrm>
+            <a:off x="17595" y="3325"/>
+            <a:ext cx="849012" cy="851140"/>
+          </a:xfrm>
+          <a:prstGeom prst="rect">
+            <a:avLst/>
+          </a:prstGeom>
+          <a:effectLst/>
+        </p:spPr>
+      </p:pic>
+      <p:cxnSp>
+        <p:nvCxnSpPr>
+          <p:cNvPr id="5" name="Gerader Verbinder 4"/>
+          <p:cNvCxnSpPr/>
+          <p:nvPr/>
+        </p:nvCxnSpPr>
+        <p:spPr>
+          <a:xfrm>
+            <a:off x="0" y="879893"/>
+            <a:ext cx="10668000" cy="0"/>
+          </a:xfrm>
+          <a:prstGeom prst="line">
+            <a:avLst/>
+          </a:prstGeom>
+        </p:spPr>
+        <p:style>
+          <a:lnRef idx="3">
+            <a:schemeClr val="accent2"/>
+          </a:lnRef>
+          <a:fillRef idx="0">
+            <a:schemeClr val="accent2"/>
+          </a:fillRef>
+          <a:effectRef idx="2">
+            <a:schemeClr val="accent2"/>
+          </a:effectRef>
+          <a:fontRef idx="minor">
+            <a:schemeClr val="tx1"/>
+          </a:fontRef>
+        </p:style>
+      </p:cxnSp>
+      <p:cxnSp>
+        <p:nvCxnSpPr>
+          <p:cNvPr id="6" name="Gerader Verbinder 5"/>
+          <p:cNvCxnSpPr/>
+          <p:nvPr/>
+        </p:nvCxnSpPr>
+        <p:spPr>
+          <a:xfrm>
+            <a:off x="1524000" y="6311660"/>
+            <a:ext cx="10668000" cy="0"/>
+          </a:xfrm>
+          <a:prstGeom prst="line">
+            <a:avLst/>
+          </a:prstGeom>
+        </p:spPr>
+        <p:style>
+          <a:lnRef idx="3">
+            <a:schemeClr val="accent2"/>
+          </a:lnRef>
+          <a:fillRef idx="0">
+            <a:schemeClr val="accent2"/>
+          </a:fillRef>
+          <a:effectRef idx="2">
+            <a:schemeClr val="accent2"/>
+          </a:effectRef>
+          <a:fontRef idx="minor">
+            <a:schemeClr val="tx1"/>
+          </a:fontRef>
+        </p:style>
+      </p:cxnSp>
+      <p:pic>
+        <p:nvPicPr>
+          <p:cNvPr id="1026" name="Picture 2" descr="C:\Users\Serhiy\Desktop\download.png"/>
+          <p:cNvPicPr>
+            <a:picLocks noChangeAspect="1" noChangeArrowheads="1"/>
+          </p:cNvPicPr>
+          <p:nvPr/>
+        </p:nvPicPr>
+        <p:blipFill>
+          <a:blip r:embed="rId3" cstate="print"/>
+          <a:srcRect/>
+          <a:stretch>
+            <a:fillRect/>
+          </a:stretch>
+        </p:blipFill>
+        <p:spPr bwMode="auto">
+          <a:xfrm>
+            <a:off x="8583874" y="1244780"/>
+            <a:ext cx="1962150" cy="781050"/>
+          </a:xfrm>
+          <a:prstGeom prst="rect">
+            <a:avLst/>
+          </a:prstGeom>
+          <a:noFill/>
+        </p:spPr>
+      </p:pic>
+      <p:pic>
+        <p:nvPicPr>
+          <p:cNvPr id="8" name="Содержимое 4" descr="jsmooth1p6.png"/>
+          <p:cNvPicPr>
+            <a:picLocks noChangeAspect="1"/>
+          </p:cNvPicPr>
+          <p:nvPr/>
+        </p:nvPicPr>
+        <p:blipFill>
+          <a:blip r:embed="rId4" cstate="print"/>
+          <a:stretch>
+            <a:fillRect/>
+          </a:stretch>
+        </p:blipFill>
+        <p:spPr>
+          <a:xfrm>
+            <a:off x="1524000" y="2142543"/>
+            <a:ext cx="6996151" cy="4169117"/>
+          </a:xfrm>
+          <a:prstGeom prst="rect">
+            <a:avLst/>
+          </a:prstGeom>
+        </p:spPr>
+      </p:pic>
+      <p:sp>
+        <p:nvSpPr>
+          <p:cNvPr id="7" name="Fußzeilenplatzhalter 6"/>
+          <p:cNvSpPr>
+            <a:spLocks noGrp="1"/>
+          </p:cNvSpPr>
+          <p:nvPr>
+            <p:ph type="ftr" sz="quarter" idx="11"/>
+          </p:nvPr>
+        </p:nvSpPr>
+        <p:spPr/>
+        <p:txBody>
+          <a:bodyPr/>
+          <a:lstStyle/>
+          <a:p>
+            <a:r>
+              <a:rPr lang="de-DE" dirty="0" err="1"/>
+              <a:t>DezHex</a:t>
+            </a:r>
+            <a:r>
+              <a:rPr lang="de-DE" dirty="0"/>
+              <a:t> - Christopher </a:t>
+            </a:r>
+            <a:r>
+              <a:rPr lang="de-DE" dirty="0" err="1"/>
+              <a:t>Praas</a:t>
+            </a:r>
+            <a:r>
+              <a:rPr lang="de-DE" dirty="0"/>
+              <a:t> / </a:t>
+            </a:r>
+            <a:r>
+              <a:rPr lang="de-DE" dirty="0" err="1"/>
+              <a:t>Serhiy</a:t>
+            </a:r>
+            <a:r>
+              <a:rPr lang="de-DE" dirty="0"/>
+              <a:t> </a:t>
+            </a:r>
+            <a:r>
+              <a:rPr lang="de-DE" dirty="0" err="1"/>
+              <a:t>Bolkun</a:t>
+            </a:r>
+            <a:r>
+              <a:rPr lang="de-DE" dirty="0"/>
+              <a:t> / Anna Krauß / Wiebke </a:t>
+            </a:r>
+            <a:r>
+              <a:rPr lang="de-DE" dirty="0" err="1"/>
+              <a:t>Rochler</a:t>
+            </a:r>
+            <a:endParaRPr lang="de-DE" dirty="0"/>
+          </a:p>
+        </p:txBody>
+      </p:sp>
+      <p:sp>
+        <p:nvSpPr>
+          <p:cNvPr id="9" name="Foliennummernplatzhalter 8"/>
+          <p:cNvSpPr>
+            <a:spLocks noGrp="1"/>
+          </p:cNvSpPr>
+          <p:nvPr>
+            <p:ph type="sldNum" sz="quarter" idx="12"/>
+          </p:nvPr>
+        </p:nvSpPr>
+        <p:spPr/>
+        <p:txBody>
+          <a:bodyPr/>
+          <a:lstStyle/>
+          <a:p>
+            <a:fld id="{0A3C3FF0-3A20-4DD4-BD5A-9DD4AC9CB3DF}" type="slidenum">
+              <a:rPr lang="de-DE" smtClean="0"/>
+              <a:pPr/>
+              <a:t>22</a:t>
+            </a:fld>
+            <a:endParaRPr lang="de-DE"/>
+          </a:p>
+        </p:txBody>
+      </p:sp>
+    </p:spTree>
+    <p:extLst>
+      <p:ext uri="{BB962C8B-B14F-4D97-AF65-F5344CB8AC3E}">
+        <p14:creationId xmlns:p14="http://schemas.microsoft.com/office/powerpoint/2010/main" val="1925289598"/>
+      </p:ext>
+    </p:extLst>
+  </p:cSld>
+  <p:clrMapOvr>
+    <a:masterClrMapping/>
+  </p:clrMapOvr>
+</p:sld>
+</file>
+
+<file path=ppt/slides/slide23.xml><?xml version="1.0" encoding="utf-8"?>
+<p:sld xmlns:a="http://schemas.openxmlformats.org/drawingml/2006/main" xmlns:r="http://schemas.openxmlformats.org/officeDocument/2006/relationships" xmlns:p="http://schemas.openxmlformats.org/presentationml/2006/main">
+  <p:cSld>
+    <p:spTree>
+      <p:nvGrpSpPr>
+        <p:cNvPr id="1" name=""/>
+        <p:cNvGrpSpPr/>
+        <p:nvPr/>
+      </p:nvGrpSpPr>
+      <p:grpSpPr>
+        <a:xfrm>
+          <a:off x="0" y="0"/>
+          <a:ext cx="0" cy="0"/>
+          <a:chOff x="0" y="0"/>
+          <a:chExt cx="0" cy="0"/>
+        </a:xfrm>
+      </p:grpSpPr>
+      <p:sp>
+        <p:nvSpPr>
+          <p:cNvPr id="2" name="Titel 1"/>
+          <p:cNvSpPr>
+            <a:spLocks noGrp="1"/>
+          </p:cNvSpPr>
+          <p:nvPr>
+            <p:ph type="title"/>
+          </p:nvPr>
+        </p:nvSpPr>
+        <p:spPr>
+          <a:xfrm>
+            <a:off x="866607" y="201371"/>
+            <a:ext cx="6126540" cy="690024"/>
+          </a:xfrm>
+        </p:spPr>
+        <p:txBody>
+          <a:bodyPr>
+            <a:normAutofit fontScale="90000"/>
+          </a:bodyPr>
+          <a:lstStyle/>
+          <a:p>
+            <a:r>
+              <a:rPr lang="de-DE" dirty="0"/>
+              <a:t>Drittanbieter - Software</a:t>
+            </a:r>
+          </a:p>
+        </p:txBody>
+      </p:sp>
+      <p:pic>
+        <p:nvPicPr>
+          <p:cNvPr id="4" name="Grafik 3"/>
+          <p:cNvPicPr>
+            <a:picLocks noChangeAspect="1"/>
+          </p:cNvPicPr>
+          <p:nvPr/>
+        </p:nvPicPr>
+        <p:blipFill>
+          <a:blip r:embed="rId2" cstate="print">
+            <a:extLst>
+              <a:ext uri="{28A0092B-C50C-407E-A947-70E740481C1C}">
+                <a14:useLocalDpi xmlns:a14="http://schemas.microsoft.com/office/drawing/2010/main" val="0"/>
+              </a:ext>
+            </a:extLst>
+          </a:blip>
+          <a:stretch>
+            <a:fillRect/>
+          </a:stretch>
+        </p:blipFill>
+        <p:spPr>
+          <a:xfrm>
+            <a:off x="17595" y="3325"/>
+            <a:ext cx="849012" cy="851140"/>
+          </a:xfrm>
+          <a:prstGeom prst="rect">
+            <a:avLst/>
+          </a:prstGeom>
+          <a:effectLst/>
+        </p:spPr>
+      </p:pic>
+      <p:cxnSp>
+        <p:nvCxnSpPr>
+          <p:cNvPr id="5" name="Gerader Verbinder 4"/>
+          <p:cNvCxnSpPr/>
+          <p:nvPr/>
+        </p:nvCxnSpPr>
+        <p:spPr>
+          <a:xfrm>
+            <a:off x="0" y="879893"/>
+            <a:ext cx="10668000" cy="0"/>
+          </a:xfrm>
+          <a:prstGeom prst="line">
+            <a:avLst/>
+          </a:prstGeom>
+        </p:spPr>
+        <p:style>
+          <a:lnRef idx="3">
+            <a:schemeClr val="accent2"/>
+          </a:lnRef>
+          <a:fillRef idx="0">
+            <a:schemeClr val="accent2"/>
+          </a:fillRef>
+          <a:effectRef idx="2">
+            <a:schemeClr val="accent2"/>
+          </a:effectRef>
+          <a:fontRef idx="minor">
+            <a:schemeClr val="tx1"/>
+          </a:fontRef>
+        </p:style>
+      </p:cxnSp>
+      <p:cxnSp>
+        <p:nvCxnSpPr>
+          <p:cNvPr id="6" name="Gerader Verbinder 5"/>
+          <p:cNvCxnSpPr/>
+          <p:nvPr/>
+        </p:nvCxnSpPr>
+        <p:spPr>
+          <a:xfrm>
+            <a:off x="1524000" y="6311660"/>
+            <a:ext cx="10668000" cy="0"/>
+          </a:xfrm>
+          <a:prstGeom prst="line">
+            <a:avLst/>
+          </a:prstGeom>
+        </p:spPr>
+        <p:style>
+          <a:lnRef idx="3">
+            <a:schemeClr val="accent2"/>
+          </a:lnRef>
+          <a:fillRef idx="0">
+            <a:schemeClr val="accent2"/>
+          </a:fillRef>
+          <a:effectRef idx="2">
+            <a:schemeClr val="accent2"/>
+          </a:effectRef>
+          <a:fontRef idx="minor">
+            <a:schemeClr val="tx1"/>
+          </a:fontRef>
+        </p:style>
+      </p:cxnSp>
+      <p:pic>
+        <p:nvPicPr>
+          <p:cNvPr id="10" name="Содержимое 6" descr="jsmooth2.png"/>
+          <p:cNvPicPr>
+            <a:picLocks noChangeAspect="1"/>
+          </p:cNvPicPr>
+          <p:nvPr/>
+        </p:nvPicPr>
+        <p:blipFill>
+          <a:blip r:embed="rId3" cstate="print"/>
+          <a:stretch>
+            <a:fillRect/>
+          </a:stretch>
+        </p:blipFill>
+        <p:spPr>
+          <a:xfrm>
+            <a:off x="1524000" y="1700037"/>
+            <a:ext cx="8078328" cy="3791479"/>
+          </a:xfrm>
+          <a:prstGeom prst="rect">
+            <a:avLst/>
+          </a:prstGeom>
+        </p:spPr>
+      </p:pic>
+      <p:sp>
+        <p:nvSpPr>
+          <p:cNvPr id="9" name="Fußzeilenplatzhalter 8"/>
+          <p:cNvSpPr>
+            <a:spLocks noGrp="1"/>
+          </p:cNvSpPr>
+          <p:nvPr>
+            <p:ph type="ftr" sz="quarter" idx="11"/>
+          </p:nvPr>
+        </p:nvSpPr>
+        <p:spPr/>
+        <p:txBody>
+          <a:bodyPr/>
+          <a:lstStyle/>
+          <a:p>
+            <a:r>
+              <a:rPr lang="de-DE" dirty="0" err="1"/>
+              <a:t>DezHex</a:t>
+            </a:r>
+            <a:r>
+              <a:rPr lang="de-DE" dirty="0"/>
+              <a:t> - Christopher </a:t>
+            </a:r>
+            <a:r>
+              <a:rPr lang="de-DE" dirty="0" err="1"/>
+              <a:t>Praas</a:t>
+            </a:r>
+            <a:r>
+              <a:rPr lang="de-DE" dirty="0"/>
+              <a:t> / </a:t>
+            </a:r>
+            <a:r>
+              <a:rPr lang="de-DE" dirty="0" err="1"/>
+              <a:t>Serhiy</a:t>
+            </a:r>
+            <a:r>
+              <a:rPr lang="de-DE" dirty="0"/>
+              <a:t> </a:t>
+            </a:r>
+            <a:r>
+              <a:rPr lang="de-DE" dirty="0" err="1"/>
+              <a:t>Bolkun</a:t>
+            </a:r>
+            <a:r>
+              <a:rPr lang="de-DE" dirty="0"/>
+              <a:t> / Anna Krauß / Wiebke </a:t>
+            </a:r>
+            <a:r>
+              <a:rPr lang="de-DE" dirty="0" err="1"/>
+              <a:t>Rochler</a:t>
+            </a:r>
+            <a:endParaRPr lang="de-DE" dirty="0"/>
+          </a:p>
+        </p:txBody>
+      </p:sp>
+      <p:sp>
+        <p:nvSpPr>
+          <p:cNvPr id="11" name="Foliennummernplatzhalter 10"/>
+          <p:cNvSpPr>
+            <a:spLocks noGrp="1"/>
+          </p:cNvSpPr>
+          <p:nvPr>
+            <p:ph type="sldNum" sz="quarter" idx="12"/>
+          </p:nvPr>
+        </p:nvSpPr>
+        <p:spPr/>
+        <p:txBody>
+          <a:bodyPr/>
+          <a:lstStyle/>
+          <a:p>
+            <a:fld id="{0A3C3FF0-3A20-4DD4-BD5A-9DD4AC9CB3DF}" type="slidenum">
+              <a:rPr lang="de-DE" smtClean="0"/>
+              <a:pPr/>
+              <a:t>23</a:t>
+            </a:fld>
+            <a:endParaRPr lang="de-DE"/>
+          </a:p>
+        </p:txBody>
+      </p:sp>
+    </p:spTree>
+    <p:extLst>
+      <p:ext uri="{BB962C8B-B14F-4D97-AF65-F5344CB8AC3E}">
+        <p14:creationId xmlns:p14="http://schemas.microsoft.com/office/powerpoint/2010/main" val="2829682473"/>
+      </p:ext>
+    </p:extLst>
+  </p:cSld>
+  <p:clrMapOvr>
+    <a:masterClrMapping/>
+  </p:clrMapOvr>
+</p:sld>
+</file>
+
+<file path=ppt/slides/slide24.xml><?xml version="1.0" encoding="utf-8"?>
+<p:sld xmlns:a="http://schemas.openxmlformats.org/drawingml/2006/main" xmlns:r="http://schemas.openxmlformats.org/officeDocument/2006/relationships" xmlns:p="http://schemas.openxmlformats.org/presentationml/2006/main">
+  <p:cSld>
+    <p:spTree>
+      <p:nvGrpSpPr>
+        <p:cNvPr id="1" name=""/>
+        <p:cNvGrpSpPr/>
+        <p:nvPr/>
+      </p:nvGrpSpPr>
+      <p:grpSpPr>
+        <a:xfrm>
+          <a:off x="0" y="0"/>
+          <a:ext cx="0" cy="0"/>
+          <a:chOff x="0" y="0"/>
+          <a:chExt cx="0" cy="0"/>
+        </a:xfrm>
+      </p:grpSpPr>
+      <p:sp>
+        <p:nvSpPr>
+          <p:cNvPr id="2" name="Titel 1"/>
+          <p:cNvSpPr>
+            <a:spLocks noGrp="1"/>
+          </p:cNvSpPr>
+          <p:nvPr>
+            <p:ph type="title"/>
+          </p:nvPr>
+        </p:nvSpPr>
+        <p:spPr>
+          <a:xfrm>
+            <a:off x="866607" y="201371"/>
+            <a:ext cx="6126540" cy="690024"/>
+          </a:xfrm>
+        </p:spPr>
+        <p:txBody>
+          <a:bodyPr>
+            <a:normAutofit fontScale="90000"/>
+          </a:bodyPr>
+          <a:lstStyle/>
+          <a:p>
+            <a:r>
+              <a:rPr lang="de-DE" dirty="0"/>
+              <a:t>Selbstreflektion</a:t>
+            </a:r>
+          </a:p>
+        </p:txBody>
+      </p:sp>
+      <p:sp>
+        <p:nvSpPr>
+          <p:cNvPr id="3" name="Inhaltsplatzhalter 2"/>
+          <p:cNvSpPr>
+            <a:spLocks noGrp="1"/>
+          </p:cNvSpPr>
+          <p:nvPr>
+            <p:ph idx="1"/>
+          </p:nvPr>
+        </p:nvSpPr>
+        <p:spPr>
+          <a:xfrm>
+            <a:off x="1524000" y="1250531"/>
+            <a:ext cx="10515600" cy="4351338"/>
+          </a:xfrm>
+        </p:spPr>
+        <p:txBody>
+          <a:bodyPr/>
+          <a:lstStyle/>
+          <a:p>
+            <a:endParaRPr lang="de-DE" dirty="0"/>
+          </a:p>
+        </p:txBody>
+      </p:sp>
+      <p:pic>
+        <p:nvPicPr>
+          <p:cNvPr id="4" name="Grafik 3"/>
+          <p:cNvPicPr>
+            <a:picLocks noChangeAspect="1"/>
+          </p:cNvPicPr>
+          <p:nvPr/>
+        </p:nvPicPr>
+        <p:blipFill>
+          <a:blip r:embed="rId3" cstate="print">
+            <a:extLst>
+              <a:ext uri="{28A0092B-C50C-407E-A947-70E740481C1C}">
+                <a14:useLocalDpi xmlns:a14="http://schemas.microsoft.com/office/drawing/2010/main" val="0"/>
+              </a:ext>
+            </a:extLst>
+          </a:blip>
+          <a:stretch>
+            <a:fillRect/>
+          </a:stretch>
+        </p:blipFill>
+        <p:spPr>
+          <a:xfrm>
+            <a:off x="17595" y="3325"/>
+            <a:ext cx="849012" cy="851140"/>
+          </a:xfrm>
+          <a:prstGeom prst="rect">
+            <a:avLst/>
+          </a:prstGeom>
+          <a:effectLst/>
+        </p:spPr>
+      </p:pic>
+      <p:cxnSp>
+        <p:nvCxnSpPr>
+          <p:cNvPr id="5" name="Gerader Verbinder 4"/>
+          <p:cNvCxnSpPr/>
+          <p:nvPr/>
+        </p:nvCxnSpPr>
+        <p:spPr>
+          <a:xfrm>
+            <a:off x="0" y="879893"/>
+            <a:ext cx="10668000" cy="0"/>
+          </a:xfrm>
+          <a:prstGeom prst="line">
+            <a:avLst/>
+          </a:prstGeom>
+        </p:spPr>
+        <p:style>
+          <a:lnRef idx="3">
+            <a:schemeClr val="accent2"/>
+          </a:lnRef>
+          <a:fillRef idx="0">
+            <a:schemeClr val="accent2"/>
+          </a:fillRef>
+          <a:effectRef idx="2">
+            <a:schemeClr val="accent2"/>
+          </a:effectRef>
+          <a:fontRef idx="minor">
+            <a:schemeClr val="tx1"/>
+          </a:fontRef>
+        </p:style>
+      </p:cxnSp>
+      <p:cxnSp>
+        <p:nvCxnSpPr>
+          <p:cNvPr id="6" name="Gerader Verbinder 5"/>
+          <p:cNvCxnSpPr/>
+          <p:nvPr/>
+        </p:nvCxnSpPr>
+        <p:spPr>
+          <a:xfrm>
+            <a:off x="1524000" y="6311660"/>
+            <a:ext cx="10668000" cy="0"/>
+          </a:xfrm>
+          <a:prstGeom prst="line">
+            <a:avLst/>
+          </a:prstGeom>
+        </p:spPr>
+        <p:style>
+          <a:lnRef idx="3">
+            <a:schemeClr val="accent2"/>
+          </a:lnRef>
+          <a:fillRef idx="0">
+            <a:schemeClr val="accent2"/>
+          </a:fillRef>
+          <a:effectRef idx="2">
+            <a:schemeClr val="accent2"/>
+          </a:effectRef>
+          <a:fontRef idx="minor">
+            <a:schemeClr val="tx1"/>
+          </a:fontRef>
+        </p:style>
+      </p:cxnSp>
+      <p:sp>
+        <p:nvSpPr>
+          <p:cNvPr id="7" name="Fußzeilenplatzhalter 6"/>
+          <p:cNvSpPr>
+            <a:spLocks noGrp="1"/>
+          </p:cNvSpPr>
+          <p:nvPr>
+            <p:ph type="ftr" sz="quarter" idx="11"/>
+          </p:nvPr>
+        </p:nvSpPr>
+        <p:spPr/>
+        <p:txBody>
+          <a:bodyPr/>
+          <a:lstStyle/>
+          <a:p>
+            <a:r>
+              <a:rPr lang="de-DE" dirty="0" err="1"/>
+              <a:t>DezHex</a:t>
+            </a:r>
+            <a:r>
+              <a:rPr lang="de-DE" dirty="0"/>
+              <a:t> - Christopher </a:t>
+            </a:r>
+            <a:r>
+              <a:rPr lang="de-DE" dirty="0" err="1"/>
+              <a:t>Praas</a:t>
+            </a:r>
+            <a:r>
+              <a:rPr lang="de-DE" dirty="0"/>
+              <a:t> / </a:t>
+            </a:r>
+            <a:r>
+              <a:rPr lang="de-DE" dirty="0" err="1"/>
+              <a:t>Serhiy</a:t>
+            </a:r>
+            <a:r>
+              <a:rPr lang="de-DE" dirty="0"/>
+              <a:t> </a:t>
+            </a:r>
+            <a:r>
+              <a:rPr lang="de-DE" dirty="0" err="1"/>
+              <a:t>Bolkun</a:t>
+            </a:r>
+            <a:r>
+              <a:rPr lang="de-DE" dirty="0"/>
+              <a:t> / Anna Krauß / Wiebke </a:t>
+            </a:r>
+            <a:r>
+              <a:rPr lang="de-DE" dirty="0" err="1"/>
+              <a:t>Rochler</a:t>
+            </a:r>
+            <a:endParaRPr lang="de-DE" dirty="0"/>
+          </a:p>
+        </p:txBody>
+      </p:sp>
+      <p:sp>
+        <p:nvSpPr>
+          <p:cNvPr id="8" name="Foliennummernplatzhalter 7"/>
+          <p:cNvSpPr>
+            <a:spLocks noGrp="1"/>
+          </p:cNvSpPr>
+          <p:nvPr>
+            <p:ph type="sldNum" sz="quarter" idx="12"/>
+          </p:nvPr>
+        </p:nvSpPr>
+        <p:spPr/>
+        <p:txBody>
+          <a:bodyPr/>
+          <a:lstStyle/>
+          <a:p>
+            <a:fld id="{0A3C3FF0-3A20-4DD4-BD5A-9DD4AC9CB3DF}" type="slidenum">
+              <a:rPr lang="de-DE" smtClean="0"/>
+              <a:pPr/>
+              <a:t>24</a:t>
+            </a:fld>
+            <a:endParaRPr lang="de-DE"/>
+          </a:p>
+        </p:txBody>
+      </p:sp>
+    </p:spTree>
+    <p:extLst>
+      <p:ext uri="{BB962C8B-B14F-4D97-AF65-F5344CB8AC3E}">
+        <p14:creationId xmlns:p14="http://schemas.microsoft.com/office/powerpoint/2010/main" val="4074636198"/>
+      </p:ext>
+    </p:extLst>
+  </p:cSld>
+  <p:clrMapOvr>
+    <a:masterClrMapping/>
+  </p:clrMapOvr>
+</p:sld>
+</file>
+
+<file path=ppt/slides/slide3.xml><?xml version="1.0" encoding="utf-8"?>
+<p:sld xmlns:a="http://schemas.openxmlformats.org/drawingml/2006/main" xmlns:r="http://schemas.openxmlformats.org/officeDocument/2006/relationships" xmlns:p="http://schemas.openxmlformats.org/presentationml/2006/main">
+  <p:cSld>
+    <p:spTree>
+      <p:nvGrpSpPr>
+        <p:cNvPr id="1" name=""/>
+        <p:cNvGrpSpPr/>
+        <p:nvPr/>
+      </p:nvGrpSpPr>
+      <p:grpSpPr>
+        <a:xfrm>
+          <a:off x="0" y="0"/>
+          <a:ext cx="0" cy="0"/>
+          <a:chOff x="0" y="0"/>
+          <a:chExt cx="0" cy="0"/>
+        </a:xfrm>
+      </p:grpSpPr>
+      <p:sp>
+        <p:nvSpPr>
+          <p:cNvPr id="2" name="Titel 1"/>
+          <p:cNvSpPr>
+            <a:spLocks noGrp="1"/>
+          </p:cNvSpPr>
+          <p:nvPr>
+            <p:ph type="title"/>
+          </p:nvPr>
+        </p:nvSpPr>
+        <p:spPr>
+          <a:xfrm>
+            <a:off x="866607" y="201371"/>
+            <a:ext cx="9437978" cy="690024"/>
+          </a:xfrm>
+        </p:spPr>
+        <p:txBody>
+          <a:bodyPr>
+            <a:normAutofit fontScale="90000"/>
+          </a:bodyPr>
+          <a:lstStyle/>
+          <a:p>
+            <a:r>
+              <a:rPr lang="de-DE" dirty="0"/>
+              <a:t>Quellcode – Die Hauptklasse</a:t>
+            </a:r>
+          </a:p>
+        </p:txBody>
+      </p:sp>
+      <p:pic>
+        <p:nvPicPr>
+          <p:cNvPr id="4" name="Grafik 3"/>
+          <p:cNvPicPr>
+            <a:picLocks noChangeAspect="1"/>
+          </p:cNvPicPr>
+          <p:nvPr/>
+        </p:nvPicPr>
+        <p:blipFill>
+          <a:blip r:embed="rId2" cstate="print">
+            <a:extLst>
+              <a:ext uri="{28A0092B-C50C-407E-A947-70E740481C1C}">
+                <a14:useLocalDpi xmlns:a14="http://schemas.microsoft.com/office/drawing/2010/main" val="0"/>
+              </a:ext>
+            </a:extLst>
+          </a:blip>
+          <a:stretch>
+            <a:fillRect/>
+          </a:stretch>
+        </p:blipFill>
+        <p:spPr>
+          <a:xfrm>
+            <a:off x="17595" y="3325"/>
+            <a:ext cx="849012" cy="851140"/>
+          </a:xfrm>
+          <a:prstGeom prst="rect">
+            <a:avLst/>
+          </a:prstGeom>
+          <a:effectLst/>
+        </p:spPr>
+      </p:pic>
+      <p:cxnSp>
+        <p:nvCxnSpPr>
+          <p:cNvPr id="5" name="Gerader Verbinder 4"/>
+          <p:cNvCxnSpPr/>
+          <p:nvPr/>
+        </p:nvCxnSpPr>
+        <p:spPr>
+          <a:xfrm>
+            <a:off x="0" y="879893"/>
+            <a:ext cx="10668000" cy="0"/>
+          </a:xfrm>
+          <a:prstGeom prst="line">
+            <a:avLst/>
+          </a:prstGeom>
+        </p:spPr>
+        <p:style>
+          <a:lnRef idx="3">
+            <a:schemeClr val="accent2"/>
+          </a:lnRef>
+          <a:fillRef idx="0">
+            <a:schemeClr val="accent2"/>
+          </a:fillRef>
+          <a:effectRef idx="2">
+            <a:schemeClr val="accent2"/>
+          </a:effectRef>
+          <a:fontRef idx="minor">
+            <a:schemeClr val="tx1"/>
+          </a:fontRef>
+        </p:style>
+      </p:cxnSp>
+      <p:cxnSp>
+        <p:nvCxnSpPr>
+          <p:cNvPr id="6" name="Gerader Verbinder 5"/>
+          <p:cNvCxnSpPr/>
+          <p:nvPr/>
+        </p:nvCxnSpPr>
+        <p:spPr>
+          <a:xfrm>
+            <a:off x="1524000" y="6311660"/>
+            <a:ext cx="10668000" cy="0"/>
+          </a:xfrm>
+          <a:prstGeom prst="line">
+            <a:avLst/>
+          </a:prstGeom>
+        </p:spPr>
+        <p:style>
+          <a:lnRef idx="3">
+            <a:schemeClr val="accent2"/>
+          </a:lnRef>
+          <a:fillRef idx="0">
+            <a:schemeClr val="accent2"/>
+          </a:fillRef>
+          <a:effectRef idx="2">
+            <a:schemeClr val="accent2"/>
+          </a:effectRef>
+          <a:fontRef idx="minor">
+            <a:schemeClr val="tx1"/>
+          </a:fontRef>
+        </p:style>
+      </p:cxnSp>
+      <p:pic>
+        <p:nvPicPr>
+          <p:cNvPr id="14" name="Inhaltsplatzhalter 13" descr="Bildschirmausschnitt"/>
+          <p:cNvPicPr>
+            <a:picLocks noGrp="1" noChangeAspect="1"/>
+          </p:cNvPicPr>
+          <p:nvPr>
+            <p:ph idx="1"/>
+          </p:nvPr>
+        </p:nvPicPr>
+        <p:blipFill>
+          <a:blip r:embed="rId3">
+            <a:extLst>
+              <a:ext uri="{28A0092B-C50C-407E-A947-70E740481C1C}">
+                <a14:useLocalDpi xmlns:a14="http://schemas.microsoft.com/office/drawing/2010/main" val="0"/>
+              </a:ext>
+            </a:extLst>
+          </a:blip>
+          <a:stretch>
+            <a:fillRect/>
+          </a:stretch>
+        </p:blipFill>
+        <p:spPr>
+          <a:xfrm>
+            <a:off x="76108" y="916822"/>
+            <a:ext cx="6067321" cy="5379275"/>
+          </a:xfrm>
+        </p:spPr>
+      </p:pic>
+      <p:sp>
+        <p:nvSpPr>
+          <p:cNvPr id="15" name="Pfeil: nach unten 14"/>
+          <p:cNvSpPr/>
+          <p:nvPr/>
+        </p:nvSpPr>
+        <p:spPr>
+          <a:xfrm rot="5400000">
+            <a:off x="6540549" y="1369531"/>
+            <a:ext cx="331177" cy="1125415"/>
+          </a:xfrm>
+          <a:prstGeom prst="downArrow">
+            <a:avLst>
+              <a:gd name="adj1" fmla="val 50000"/>
+              <a:gd name="adj2" fmla="val 136725"/>
+            </a:avLst>
+          </a:prstGeom>
+        </p:spPr>
+        <p:style>
+          <a:lnRef idx="0">
+            <a:schemeClr val="accent1"/>
+          </a:lnRef>
+          <a:fillRef idx="3">
+            <a:schemeClr val="accent1"/>
+          </a:fillRef>
+          <a:effectRef idx="3">
+            <a:schemeClr val="accent1"/>
+          </a:effectRef>
+          <a:fontRef idx="minor">
+            <a:schemeClr val="lt1"/>
+          </a:fontRef>
+        </p:style>
+        <p:txBody>
+          <a:bodyPr rtlCol="0" anchor="ctr"/>
+          <a:lstStyle/>
+          <a:p>
+            <a:pPr algn="ctr"/>
+            <a:endParaRPr lang="de-DE"/>
+          </a:p>
+        </p:txBody>
+      </p:sp>
+      <p:sp>
+        <p:nvSpPr>
+          <p:cNvPr id="16" name="Textfeld 15"/>
+          <p:cNvSpPr txBox="1"/>
+          <p:nvPr/>
+        </p:nvSpPr>
+        <p:spPr>
+          <a:xfrm>
+            <a:off x="7719645" y="1220664"/>
+            <a:ext cx="3557953" cy="1754326"/>
+          </a:xfrm>
+          <a:prstGeom prst="rect">
+            <a:avLst/>
+          </a:prstGeom>
+          <a:noFill/>
+        </p:spPr>
+        <p:txBody>
+          <a:bodyPr wrap="square" rtlCol="0">
+            <a:spAutoFit/>
+          </a:bodyPr>
+          <a:lstStyle/>
+          <a:p>
+            <a:r>
+              <a:rPr lang="de-DE" b="1" dirty="0" err="1"/>
+              <a:t>launch</a:t>
+            </a:r>
+            <a:r>
+              <a:rPr lang="de-DE" b="1" dirty="0"/>
+              <a:t>(</a:t>
+            </a:r>
+            <a:r>
+              <a:rPr lang="de-DE" b="1" dirty="0" err="1"/>
+              <a:t>args</a:t>
+            </a:r>
+            <a:r>
+              <a:rPr lang="de-DE" b="1" dirty="0"/>
+              <a:t>);</a:t>
+            </a:r>
+          </a:p>
+          <a:p>
+            <a:pPr marL="342900" indent="-342900">
+              <a:buFont typeface="+mj-lt"/>
+              <a:buAutoNum type="arabicPeriod"/>
+            </a:pPr>
+            <a:r>
+              <a:rPr lang="de-DE" dirty="0"/>
+              <a:t>Erstellen einer Instanz</a:t>
+            </a:r>
+          </a:p>
+          <a:p>
+            <a:pPr marL="342900" indent="-342900">
+              <a:buFont typeface="+mj-lt"/>
+              <a:buAutoNum type="arabicPeriod"/>
+            </a:pPr>
+            <a:r>
+              <a:rPr lang="de-DE" dirty="0" err="1"/>
+              <a:t>init</a:t>
+            </a:r>
+            <a:r>
+              <a:rPr lang="de-DE" dirty="0"/>
+              <a:t>();</a:t>
+            </a:r>
+          </a:p>
+          <a:p>
+            <a:pPr marL="342900" indent="-342900">
+              <a:buFont typeface="+mj-lt"/>
+              <a:buAutoNum type="arabicPeriod"/>
+            </a:pPr>
+            <a:r>
+              <a:rPr lang="de-DE" dirty="0" err="1"/>
+              <a:t>start</a:t>
+            </a:r>
+            <a:r>
+              <a:rPr lang="de-DE" dirty="0"/>
+              <a:t>(</a:t>
+            </a:r>
+            <a:r>
+              <a:rPr lang="de-DE" dirty="0" err="1"/>
+              <a:t>javafx.stage.Stage</a:t>
+            </a:r>
+            <a:r>
+              <a:rPr lang="de-DE" dirty="0"/>
+              <a:t>);</a:t>
+            </a:r>
+          </a:p>
+          <a:p>
+            <a:pPr marL="342900" indent="-342900">
+              <a:buFont typeface="+mj-lt"/>
+              <a:buAutoNum type="arabicPeriod"/>
+            </a:pPr>
+            <a:r>
+              <a:rPr lang="de-DE" dirty="0"/>
+              <a:t>Warte auf </a:t>
+            </a:r>
+            <a:r>
+              <a:rPr lang="de-DE" dirty="0" err="1"/>
+              <a:t>Platform.exit</a:t>
+            </a:r>
+            <a:r>
+              <a:rPr lang="de-DE" dirty="0"/>
+              <a:t>() </a:t>
+            </a:r>
+          </a:p>
+          <a:p>
+            <a:pPr marL="342900" indent="-342900">
+              <a:buFont typeface="+mj-lt"/>
+              <a:buAutoNum type="arabicPeriod"/>
+            </a:pPr>
+            <a:r>
+              <a:rPr lang="de-DE" dirty="0" err="1"/>
+              <a:t>stop</a:t>
+            </a:r>
+            <a:r>
+              <a:rPr lang="de-DE" dirty="0"/>
+              <a:t>();</a:t>
+            </a:r>
+          </a:p>
+        </p:txBody>
+      </p:sp>
+      <p:pic>
+        <p:nvPicPr>
+          <p:cNvPr id="1026" name="Picture 2" descr="Bildergebnis für javafx logo"/>
+          <p:cNvPicPr>
+            <a:picLocks noChangeAspect="1" noChangeArrowheads="1"/>
+          </p:cNvPicPr>
+          <p:nvPr/>
+        </p:nvPicPr>
+        <p:blipFill>
+          <a:blip r:embed="rId4">
+            <a:extLst>
+              <a:ext uri="{28A0092B-C50C-407E-A947-70E740481C1C}">
+                <a14:useLocalDpi xmlns:a14="http://schemas.microsoft.com/office/drawing/2010/main" val="0"/>
+              </a:ext>
+            </a:extLst>
+          </a:blip>
+          <a:srcRect/>
+          <a:stretch>
+            <a:fillRect/>
+          </a:stretch>
+        </p:blipFill>
+        <p:spPr bwMode="auto">
+          <a:xfrm>
+            <a:off x="7063153" y="3512338"/>
+            <a:ext cx="4536831" cy="1892901"/>
+          </a:xfrm>
+          <a:prstGeom prst="rect">
+            <a:avLst/>
+          </a:prstGeom>
+          <a:noFill/>
+          <a:extLst>
+            <a:ext uri="{909E8E84-426E-40DD-AFC4-6F175D3DCCD1}">
+              <a14:hiddenFill xmlns:a14="http://schemas.microsoft.com/office/drawing/2010/main">
+                <a:solidFill>
+                  <a:srgbClr val="FFFFFF"/>
+                </a:solidFill>
+              </a14:hiddenFill>
+            </a:ext>
+          </a:extLst>
+        </p:spPr>
+      </p:pic>
+      <p:sp>
+        <p:nvSpPr>
+          <p:cNvPr id="18" name="Inhaltsplatzhalter 2"/>
+          <p:cNvSpPr txBox="1">
+            <a:spLocks/>
+          </p:cNvSpPr>
+          <p:nvPr/>
+        </p:nvSpPr>
+        <p:spPr>
+          <a:xfrm>
+            <a:off x="398583" y="1198680"/>
+            <a:ext cx="4308231" cy="600590"/>
+          </a:xfrm>
+          <a:prstGeom prst="rect">
+            <a:avLst/>
+          </a:prstGeom>
+        </p:spPr>
+        <p:txBody>
+          <a:bodyPr vert="horz" lIns="91440" tIns="45720" rIns="91440" bIns="45720" rtlCol="0">
+            <a:normAutofit/>
+          </a:bodyPr>
+          <a:lstStyle>
+            <a:lvl1pPr marL="228600" indent="-228600" algn="l" defTabSz="914400" rtl="0" eaLnBrk="1" latinLnBrk="0" hangingPunct="1">
+              <a:lnSpc>
+                <a:spcPct val="90000"/>
+              </a:lnSpc>
+              <a:spcBef>
+                <a:spcPts val="1000"/>
+              </a:spcBef>
+              <a:buFont typeface="Arial" panose="020B0604020202020204" pitchFamily="34" charset="0"/>
+              <a:buChar char="•"/>
+              <a:defRPr sz="2800" kern="1200">
+                <a:solidFill>
+                  <a:schemeClr val="tx1"/>
+                </a:solidFill>
+                <a:latin typeface="+mn-lt"/>
+                <a:ea typeface="+mn-ea"/>
+                <a:cs typeface="+mn-cs"/>
+              </a:defRPr>
+            </a:lvl1pPr>
+            <a:lvl2pPr marL="685800" indent="-228600" algn="l" defTabSz="914400" rtl="0" eaLnBrk="1" latinLnBrk="0" hangingPunct="1">
+              <a:lnSpc>
+                <a:spcPct val="90000"/>
+              </a:lnSpc>
+              <a:spcBef>
+                <a:spcPts val="500"/>
+              </a:spcBef>
+              <a:buFont typeface="Arial" panose="020B0604020202020204" pitchFamily="34" charset="0"/>
+              <a:buChar char="•"/>
+              <a:defRPr sz="2400" kern="1200">
+                <a:solidFill>
+                  <a:schemeClr val="tx1"/>
+                </a:solidFill>
+                <a:latin typeface="+mn-lt"/>
+                <a:ea typeface="+mn-ea"/>
+                <a:cs typeface="+mn-cs"/>
+              </a:defRPr>
+            </a:lvl2pPr>
+            <a:lvl3pPr marL="1143000" indent="-228600" algn="l" defTabSz="914400" rtl="0" eaLnBrk="1" latinLnBrk="0" hangingPunct="1">
+              <a:lnSpc>
+                <a:spcPct val="90000"/>
+              </a:lnSpc>
+              <a:spcBef>
+                <a:spcPts val="500"/>
+              </a:spcBef>
+              <a:buFont typeface="Arial" panose="020B0604020202020204" pitchFamily="34" charset="0"/>
+              <a:buChar char="•"/>
+              <a:defRPr sz="2000" kern="1200">
+                <a:solidFill>
+                  <a:schemeClr val="tx1"/>
+                </a:solidFill>
+                <a:latin typeface="+mn-lt"/>
+                <a:ea typeface="+mn-ea"/>
+                <a:cs typeface="+mn-cs"/>
+              </a:defRPr>
+            </a:lvl3pPr>
+            <a:lvl4pPr marL="1600200" indent="-228600" algn="l" defTabSz="914400" rtl="0" eaLnBrk="1" latinLnBrk="0" hangingPunct="1">
+              <a:lnSpc>
+                <a:spcPct val="90000"/>
+              </a:lnSpc>
+              <a:spcBef>
+                <a:spcPts val="500"/>
+              </a:spcBef>
+              <a:buFont typeface="Arial" panose="020B0604020202020204" pitchFamily="34" charset="0"/>
+              <a:buChar char="•"/>
+              <a:defRPr sz="1800" kern="1200">
+                <a:solidFill>
+                  <a:schemeClr val="tx1"/>
+                </a:solidFill>
+                <a:latin typeface="+mn-lt"/>
+                <a:ea typeface="+mn-ea"/>
+                <a:cs typeface="+mn-cs"/>
+              </a:defRPr>
+            </a:lvl4pPr>
+            <a:lvl5pPr marL="2057400" indent="-228600" algn="l" defTabSz="914400" rtl="0" eaLnBrk="1" latinLnBrk="0" hangingPunct="1">
+              <a:lnSpc>
+                <a:spcPct val="90000"/>
+              </a:lnSpc>
+              <a:spcBef>
+                <a:spcPts val="500"/>
+              </a:spcBef>
+              <a:buFont typeface="Arial" panose="020B0604020202020204" pitchFamily="34" charset="0"/>
+              <a:buChar char="•"/>
+              <a:defRPr sz="1800" kern="1200">
+                <a:solidFill>
+                  <a:schemeClr val="tx1"/>
+                </a:solidFill>
+                <a:latin typeface="+mn-lt"/>
+                <a:ea typeface="+mn-ea"/>
+                <a:cs typeface="+mn-cs"/>
+              </a:defRPr>
+            </a:lvl5pPr>
+            <a:lvl6pPr marL="2514600" indent="-228600" algn="l" defTabSz="914400" rtl="0" eaLnBrk="1" latinLnBrk="0" hangingPunct="1">
+              <a:lnSpc>
+                <a:spcPct val="90000"/>
+              </a:lnSpc>
+              <a:spcBef>
+                <a:spcPts val="500"/>
+              </a:spcBef>
+              <a:buFont typeface="Arial" panose="020B0604020202020204" pitchFamily="34" charset="0"/>
+              <a:buChar char="•"/>
+              <a:defRPr sz="1800" kern="1200">
+                <a:solidFill>
+                  <a:schemeClr val="tx1"/>
+                </a:solidFill>
+                <a:latin typeface="+mn-lt"/>
+                <a:ea typeface="+mn-ea"/>
+                <a:cs typeface="+mn-cs"/>
+              </a:defRPr>
+            </a:lvl6pPr>
+            <a:lvl7pPr marL="2971800" indent="-228600" algn="l" defTabSz="914400" rtl="0" eaLnBrk="1" latinLnBrk="0" hangingPunct="1">
+              <a:lnSpc>
+                <a:spcPct val="90000"/>
+              </a:lnSpc>
+              <a:spcBef>
+                <a:spcPts val="500"/>
+              </a:spcBef>
+              <a:buFont typeface="Arial" panose="020B0604020202020204" pitchFamily="34" charset="0"/>
+              <a:buChar char="•"/>
+              <a:defRPr sz="1800" kern="1200">
+                <a:solidFill>
+                  <a:schemeClr val="tx1"/>
+                </a:solidFill>
+                <a:latin typeface="+mn-lt"/>
+                <a:ea typeface="+mn-ea"/>
+                <a:cs typeface="+mn-cs"/>
+              </a:defRPr>
+            </a:lvl7pPr>
+            <a:lvl8pPr marL="3429000" indent="-228600" algn="l" defTabSz="914400" rtl="0" eaLnBrk="1" latinLnBrk="0" hangingPunct="1">
+              <a:lnSpc>
+                <a:spcPct val="90000"/>
+              </a:lnSpc>
+              <a:spcBef>
+                <a:spcPts val="500"/>
+              </a:spcBef>
+              <a:buFont typeface="Arial" panose="020B0604020202020204" pitchFamily="34" charset="0"/>
+              <a:buChar char="•"/>
+              <a:defRPr sz="1800" kern="1200">
+                <a:solidFill>
+                  <a:schemeClr val="tx1"/>
+                </a:solidFill>
+                <a:latin typeface="+mn-lt"/>
+                <a:ea typeface="+mn-ea"/>
+                <a:cs typeface="+mn-cs"/>
+              </a:defRPr>
+            </a:lvl8pPr>
+            <a:lvl9pPr marL="3886200" indent="-228600" algn="l" defTabSz="914400" rtl="0" eaLnBrk="1" latinLnBrk="0" hangingPunct="1">
+              <a:lnSpc>
+                <a:spcPct val="90000"/>
+              </a:lnSpc>
+              <a:spcBef>
+                <a:spcPts val="500"/>
+              </a:spcBef>
+              <a:buFont typeface="Arial" panose="020B0604020202020204" pitchFamily="34" charset="0"/>
+              <a:buChar char="•"/>
+              <a:defRPr sz="1800" kern="1200">
+                <a:solidFill>
+                  <a:schemeClr val="tx1"/>
+                </a:solidFill>
+                <a:latin typeface="+mn-lt"/>
+                <a:ea typeface="+mn-ea"/>
+                <a:cs typeface="+mn-cs"/>
+              </a:defRPr>
+            </a:lvl9pPr>
+          </a:lstStyle>
+          <a:p>
             <a:pPr marL="0" indent="0">
               <a:buNone/>
             </a:pPr>
@@ -7246,6 +9800,85 @@
               <a:rPr lang="de-DE" sz="2400" dirty="0"/>
               <a:t>Pflichtenheft – Muss-Kriterien</a:t>
             </a:r>
+          </a:p>
+        </p:txBody>
+      </p:sp>
+      <p:sp>
+        <p:nvSpPr>
+          <p:cNvPr id="3" name="Fußzeilenplatzhalter 2"/>
+          <p:cNvSpPr>
+            <a:spLocks noGrp="1"/>
+          </p:cNvSpPr>
+          <p:nvPr>
+            <p:ph type="ftr" sz="quarter" idx="11"/>
+          </p:nvPr>
+        </p:nvSpPr>
+        <p:spPr/>
+        <p:txBody>
+          <a:bodyPr/>
+          <a:lstStyle/>
+          <a:p>
+            <a:r>
+              <a:rPr lang="de-DE" dirty="0" err="1"/>
+              <a:t>DezHex</a:t>
+            </a:r>
+            <a:r>
+              <a:rPr lang="de-DE" dirty="0"/>
+              <a:t> - Christopher </a:t>
+            </a:r>
+            <a:r>
+              <a:rPr lang="de-DE" dirty="0" err="1"/>
+              <a:t>Praas</a:t>
+            </a:r>
+            <a:r>
+              <a:rPr lang="de-DE" dirty="0"/>
+              <a:t> / </a:t>
+            </a:r>
+            <a:r>
+              <a:rPr lang="de-DE" dirty="0" err="1"/>
+              <a:t>Serhiy</a:t>
+            </a:r>
+            <a:r>
+              <a:rPr lang="de-DE" dirty="0"/>
+              <a:t> </a:t>
+            </a:r>
+            <a:r>
+              <a:rPr lang="de-DE" dirty="0" err="1"/>
+              <a:t>Bolkun</a:t>
+            </a:r>
+            <a:r>
+              <a:rPr lang="de-DE" dirty="0"/>
+              <a:t> / Anna Krauß / Wiebke </a:t>
+            </a:r>
+            <a:r>
+              <a:rPr lang="de-DE" dirty="0" err="1"/>
+              <a:t>Rochler</a:t>
+            </a:r>
+            <a:endParaRPr lang="de-DE" dirty="0"/>
+          </a:p>
+        </p:txBody>
+      </p:sp>
+      <p:sp>
+        <p:nvSpPr>
+          <p:cNvPr id="7" name="Foliennummernplatzhalter 6"/>
+          <p:cNvSpPr>
+            <a:spLocks noGrp="1"/>
+          </p:cNvSpPr>
+          <p:nvPr>
+            <p:ph type="sldNum" sz="quarter" idx="12"/>
+          </p:nvPr>
+        </p:nvSpPr>
+        <p:spPr/>
+        <p:txBody>
+          <a:bodyPr/>
+          <a:lstStyle/>
+          <a:p>
+            <a:fld id="{0A3C3FF0-3A20-4DD4-BD5A-9DD4AC9CB3DF}" type="slidenum">
+              <a:rPr lang="de-DE" smtClean="0"/>
+              <a:pPr/>
+              <a:t>3</a:t>
+            </a:fld>
+            <a:endParaRPr lang="de-DE"/>
           </a:p>
         </p:txBody>
       </p:sp>
@@ -7899,6 +10532,85 @@
           </a:prstGeom>
         </p:spPr>
       </p:pic>
+      <p:sp>
+        <p:nvSpPr>
+          <p:cNvPr id="3" name="Fußzeilenplatzhalter 2"/>
+          <p:cNvSpPr>
+            <a:spLocks noGrp="1"/>
+          </p:cNvSpPr>
+          <p:nvPr>
+            <p:ph type="ftr" sz="quarter" idx="11"/>
+          </p:nvPr>
+        </p:nvSpPr>
+        <p:spPr/>
+        <p:txBody>
+          <a:bodyPr/>
+          <a:lstStyle/>
+          <a:p>
+            <a:r>
+              <a:rPr lang="de-DE" dirty="0" err="1"/>
+              <a:t>DezHex</a:t>
+            </a:r>
+            <a:r>
+              <a:rPr lang="de-DE" dirty="0"/>
+              <a:t> - Christopher </a:t>
+            </a:r>
+            <a:r>
+              <a:rPr lang="de-DE" dirty="0" err="1"/>
+              <a:t>Praas</a:t>
+            </a:r>
+            <a:r>
+              <a:rPr lang="de-DE" dirty="0"/>
+              <a:t> / </a:t>
+            </a:r>
+            <a:r>
+              <a:rPr lang="de-DE" dirty="0" err="1"/>
+              <a:t>Serhiy</a:t>
+            </a:r>
+            <a:r>
+              <a:rPr lang="de-DE" dirty="0"/>
+              <a:t> </a:t>
+            </a:r>
+            <a:r>
+              <a:rPr lang="de-DE" dirty="0" err="1"/>
+              <a:t>Bolkun</a:t>
+            </a:r>
+            <a:r>
+              <a:rPr lang="de-DE" dirty="0"/>
+              <a:t> / Anna Krauß / Wiebke </a:t>
+            </a:r>
+            <a:r>
+              <a:rPr lang="de-DE" dirty="0" err="1"/>
+              <a:t>Rochler</a:t>
+            </a:r>
+            <a:endParaRPr lang="de-DE" dirty="0"/>
+          </a:p>
+        </p:txBody>
+      </p:sp>
+      <p:sp>
+        <p:nvSpPr>
+          <p:cNvPr id="7" name="Foliennummernplatzhalter 6"/>
+          <p:cNvSpPr>
+            <a:spLocks noGrp="1"/>
+          </p:cNvSpPr>
+          <p:nvPr>
+            <p:ph type="sldNum" sz="quarter" idx="12"/>
+          </p:nvPr>
+        </p:nvSpPr>
+        <p:spPr/>
+        <p:txBody>
+          <a:bodyPr/>
+          <a:lstStyle/>
+          <a:p>
+            <a:fld id="{0A3C3FF0-3A20-4DD4-BD5A-9DD4AC9CB3DF}" type="slidenum">
+              <a:rPr lang="de-DE" smtClean="0"/>
+              <a:pPr/>
+              <a:t>4</a:t>
+            </a:fld>
+            <a:endParaRPr lang="de-DE"/>
+          </a:p>
+        </p:txBody>
+      </p:sp>
     </p:spTree>
     <p:extLst>
       <p:ext uri="{BB962C8B-B14F-4D97-AF65-F5344CB8AC3E}">
@@ -8375,6 +11087,85 @@
               </a:rPr>
               <a:t>2a3</a:t>
             </a:r>
+          </a:p>
+        </p:txBody>
+      </p:sp>
+      <p:sp>
+        <p:nvSpPr>
+          <p:cNvPr id="3" name="Fußzeilenplatzhalter 2"/>
+          <p:cNvSpPr>
+            <a:spLocks noGrp="1"/>
+          </p:cNvSpPr>
+          <p:nvPr>
+            <p:ph type="ftr" sz="quarter" idx="11"/>
+          </p:nvPr>
+        </p:nvSpPr>
+        <p:spPr/>
+        <p:txBody>
+          <a:bodyPr/>
+          <a:lstStyle/>
+          <a:p>
+            <a:r>
+              <a:rPr lang="de-DE" dirty="0" err="1"/>
+              <a:t>DezHex</a:t>
+            </a:r>
+            <a:r>
+              <a:rPr lang="de-DE" dirty="0"/>
+              <a:t> - Christopher </a:t>
+            </a:r>
+            <a:r>
+              <a:rPr lang="de-DE" dirty="0" err="1"/>
+              <a:t>Praas</a:t>
+            </a:r>
+            <a:r>
+              <a:rPr lang="de-DE" dirty="0"/>
+              <a:t> / </a:t>
+            </a:r>
+            <a:r>
+              <a:rPr lang="de-DE" dirty="0" err="1"/>
+              <a:t>Serhiy</a:t>
+            </a:r>
+            <a:r>
+              <a:rPr lang="de-DE" dirty="0"/>
+              <a:t> </a:t>
+            </a:r>
+            <a:r>
+              <a:rPr lang="de-DE" dirty="0" err="1"/>
+              <a:t>Bolkun</a:t>
+            </a:r>
+            <a:r>
+              <a:rPr lang="de-DE" dirty="0"/>
+              <a:t> / Anna Krauß / Wiebke </a:t>
+            </a:r>
+            <a:r>
+              <a:rPr lang="de-DE" dirty="0" err="1"/>
+              <a:t>Rochler</a:t>
+            </a:r>
+            <a:endParaRPr lang="de-DE" dirty="0"/>
+          </a:p>
+        </p:txBody>
+      </p:sp>
+      <p:sp>
+        <p:nvSpPr>
+          <p:cNvPr id="7" name="Foliennummernplatzhalter 6"/>
+          <p:cNvSpPr>
+            <a:spLocks noGrp="1"/>
+          </p:cNvSpPr>
+          <p:nvPr>
+            <p:ph type="sldNum" sz="quarter" idx="12"/>
+          </p:nvPr>
+        </p:nvSpPr>
+        <p:spPr/>
+        <p:txBody>
+          <a:bodyPr/>
+          <a:lstStyle/>
+          <a:p>
+            <a:fld id="{0A3C3FF0-3A20-4DD4-BD5A-9DD4AC9CB3DF}" type="slidenum">
+              <a:rPr lang="de-DE" smtClean="0"/>
+              <a:pPr/>
+              <a:t>5</a:t>
+            </a:fld>
+            <a:endParaRPr lang="de-DE"/>
           </a:p>
         </p:txBody>
       </p:sp>
@@ -9164,6 +11955,85 @@
           </a:p>
         </p:txBody>
       </p:sp>
+      <p:sp>
+        <p:nvSpPr>
+          <p:cNvPr id="3" name="Fußzeilenplatzhalter 2"/>
+          <p:cNvSpPr>
+            <a:spLocks noGrp="1"/>
+          </p:cNvSpPr>
+          <p:nvPr>
+            <p:ph type="ftr" sz="quarter" idx="11"/>
+          </p:nvPr>
+        </p:nvSpPr>
+        <p:spPr/>
+        <p:txBody>
+          <a:bodyPr/>
+          <a:lstStyle/>
+          <a:p>
+            <a:r>
+              <a:rPr lang="de-DE" dirty="0" err="1"/>
+              <a:t>DezHex</a:t>
+            </a:r>
+            <a:r>
+              <a:rPr lang="de-DE" dirty="0"/>
+              <a:t> - Christopher </a:t>
+            </a:r>
+            <a:r>
+              <a:rPr lang="de-DE" dirty="0" err="1"/>
+              <a:t>Praas</a:t>
+            </a:r>
+            <a:r>
+              <a:rPr lang="de-DE" dirty="0"/>
+              <a:t> / </a:t>
+            </a:r>
+            <a:r>
+              <a:rPr lang="de-DE" dirty="0" err="1"/>
+              <a:t>Serhiy</a:t>
+            </a:r>
+            <a:r>
+              <a:rPr lang="de-DE" dirty="0"/>
+              <a:t> </a:t>
+            </a:r>
+            <a:r>
+              <a:rPr lang="de-DE" dirty="0" err="1"/>
+              <a:t>Bolkun</a:t>
+            </a:r>
+            <a:r>
+              <a:rPr lang="de-DE" dirty="0"/>
+              <a:t> / Anna Krauß / Wiebke </a:t>
+            </a:r>
+            <a:r>
+              <a:rPr lang="de-DE" dirty="0" err="1"/>
+              <a:t>Rochler</a:t>
+            </a:r>
+            <a:endParaRPr lang="de-DE" dirty="0"/>
+          </a:p>
+        </p:txBody>
+      </p:sp>
+      <p:sp>
+        <p:nvSpPr>
+          <p:cNvPr id="7" name="Foliennummernplatzhalter 6"/>
+          <p:cNvSpPr>
+            <a:spLocks noGrp="1"/>
+          </p:cNvSpPr>
+          <p:nvPr>
+            <p:ph type="sldNum" sz="quarter" idx="12"/>
+          </p:nvPr>
+        </p:nvSpPr>
+        <p:spPr/>
+        <p:txBody>
+          <a:bodyPr/>
+          <a:lstStyle/>
+          <a:p>
+            <a:fld id="{0A3C3FF0-3A20-4DD4-BD5A-9DD4AC9CB3DF}" type="slidenum">
+              <a:rPr lang="de-DE" smtClean="0"/>
+              <a:pPr/>
+              <a:t>6</a:t>
+            </a:fld>
+            <a:endParaRPr lang="de-DE"/>
+          </a:p>
+        </p:txBody>
+      </p:sp>
     </p:spTree>
     <p:extLst>
       <p:ext uri="{BB962C8B-B14F-4D97-AF65-F5344CB8AC3E}">
@@ -9935,6 +12805,85 @@
           </a:prstGeom>
         </p:spPr>
       </p:pic>
+      <p:sp>
+        <p:nvSpPr>
+          <p:cNvPr id="3" name="Fußzeilenplatzhalter 2"/>
+          <p:cNvSpPr>
+            <a:spLocks noGrp="1"/>
+          </p:cNvSpPr>
+          <p:nvPr>
+            <p:ph type="ftr" sz="quarter" idx="11"/>
+          </p:nvPr>
+        </p:nvSpPr>
+        <p:spPr/>
+        <p:txBody>
+          <a:bodyPr/>
+          <a:lstStyle/>
+          <a:p>
+            <a:r>
+              <a:rPr lang="de-DE" dirty="0" err="1"/>
+              <a:t>DezHex</a:t>
+            </a:r>
+            <a:r>
+              <a:rPr lang="de-DE" dirty="0"/>
+              <a:t> - Christopher </a:t>
+            </a:r>
+            <a:r>
+              <a:rPr lang="de-DE" dirty="0" err="1"/>
+              <a:t>Praas</a:t>
+            </a:r>
+            <a:r>
+              <a:rPr lang="de-DE" dirty="0"/>
+              <a:t> / </a:t>
+            </a:r>
+            <a:r>
+              <a:rPr lang="de-DE" dirty="0" err="1"/>
+              <a:t>Serhiy</a:t>
+            </a:r>
+            <a:r>
+              <a:rPr lang="de-DE" dirty="0"/>
+              <a:t> </a:t>
+            </a:r>
+            <a:r>
+              <a:rPr lang="de-DE" dirty="0" err="1"/>
+              <a:t>Bolkun</a:t>
+            </a:r>
+            <a:r>
+              <a:rPr lang="de-DE" dirty="0"/>
+              <a:t> / Anna Krauß / Wiebke </a:t>
+            </a:r>
+            <a:r>
+              <a:rPr lang="de-DE" dirty="0" err="1"/>
+              <a:t>Rochler</a:t>
+            </a:r>
+            <a:endParaRPr lang="de-DE" dirty="0"/>
+          </a:p>
+        </p:txBody>
+      </p:sp>
+      <p:sp>
+        <p:nvSpPr>
+          <p:cNvPr id="7" name="Foliennummernplatzhalter 6"/>
+          <p:cNvSpPr>
+            <a:spLocks noGrp="1"/>
+          </p:cNvSpPr>
+          <p:nvPr>
+            <p:ph type="sldNum" sz="quarter" idx="12"/>
+          </p:nvPr>
+        </p:nvSpPr>
+        <p:spPr/>
+        <p:txBody>
+          <a:bodyPr/>
+          <a:lstStyle/>
+          <a:p>
+            <a:fld id="{0A3C3FF0-3A20-4DD4-BD5A-9DD4AC9CB3DF}" type="slidenum">
+              <a:rPr lang="de-DE" smtClean="0"/>
+              <a:pPr/>
+              <a:t>7</a:t>
+            </a:fld>
+            <a:endParaRPr lang="de-DE"/>
+          </a:p>
+        </p:txBody>
+      </p:sp>
     </p:spTree>
     <p:extLst>
       <p:ext uri="{BB962C8B-B14F-4D97-AF65-F5344CB8AC3E}">
@@ -10777,6 +13726,85 @@
           </a:p>
         </p:txBody>
       </p:sp>
+      <p:sp>
+        <p:nvSpPr>
+          <p:cNvPr id="3" name="Fußzeilenplatzhalter 2"/>
+          <p:cNvSpPr>
+            <a:spLocks noGrp="1"/>
+          </p:cNvSpPr>
+          <p:nvPr>
+            <p:ph type="ftr" sz="quarter" idx="11"/>
+          </p:nvPr>
+        </p:nvSpPr>
+        <p:spPr/>
+        <p:txBody>
+          <a:bodyPr/>
+          <a:lstStyle/>
+          <a:p>
+            <a:r>
+              <a:rPr lang="de-DE" dirty="0" err="1"/>
+              <a:t>DezHex</a:t>
+            </a:r>
+            <a:r>
+              <a:rPr lang="de-DE" dirty="0"/>
+              <a:t> - Christopher </a:t>
+            </a:r>
+            <a:r>
+              <a:rPr lang="de-DE" dirty="0" err="1"/>
+              <a:t>Praas</a:t>
+            </a:r>
+            <a:r>
+              <a:rPr lang="de-DE" dirty="0"/>
+              <a:t> / </a:t>
+            </a:r>
+            <a:r>
+              <a:rPr lang="de-DE" dirty="0" err="1"/>
+              <a:t>Serhiy</a:t>
+            </a:r>
+            <a:r>
+              <a:rPr lang="de-DE" dirty="0"/>
+              <a:t> </a:t>
+            </a:r>
+            <a:r>
+              <a:rPr lang="de-DE" dirty="0" err="1"/>
+              <a:t>Bolkun</a:t>
+            </a:r>
+            <a:r>
+              <a:rPr lang="de-DE" dirty="0"/>
+              <a:t> / Anna Krauß / Wiebke </a:t>
+            </a:r>
+            <a:r>
+              <a:rPr lang="de-DE" dirty="0" err="1"/>
+              <a:t>Rochler</a:t>
+            </a:r>
+            <a:endParaRPr lang="de-DE" dirty="0"/>
+          </a:p>
+        </p:txBody>
+      </p:sp>
+      <p:sp>
+        <p:nvSpPr>
+          <p:cNvPr id="7" name="Foliennummernplatzhalter 6"/>
+          <p:cNvSpPr>
+            <a:spLocks noGrp="1"/>
+          </p:cNvSpPr>
+          <p:nvPr>
+            <p:ph type="sldNum" sz="quarter" idx="12"/>
+          </p:nvPr>
+        </p:nvSpPr>
+        <p:spPr/>
+        <p:txBody>
+          <a:bodyPr/>
+          <a:lstStyle/>
+          <a:p>
+            <a:fld id="{0A3C3FF0-3A20-4DD4-BD5A-9DD4AC9CB3DF}" type="slidenum">
+              <a:rPr lang="de-DE" smtClean="0"/>
+              <a:pPr/>
+              <a:t>8</a:t>
+            </a:fld>
+            <a:endParaRPr lang="de-DE"/>
+          </a:p>
+        </p:txBody>
+      </p:sp>
     </p:spTree>
     <p:extLst>
       <p:ext uri="{BB962C8B-B14F-4D97-AF65-F5344CB8AC3E}">
@@ -11089,6 +14117,85 @@
           </a:fontRef>
         </p:style>
       </p:cxnSp>
+      <p:sp>
+        <p:nvSpPr>
+          <p:cNvPr id="3" name="Fußzeilenplatzhalter 2"/>
+          <p:cNvSpPr>
+            <a:spLocks noGrp="1"/>
+          </p:cNvSpPr>
+          <p:nvPr>
+            <p:ph type="ftr" sz="quarter" idx="11"/>
+          </p:nvPr>
+        </p:nvSpPr>
+        <p:spPr/>
+        <p:txBody>
+          <a:bodyPr/>
+          <a:lstStyle/>
+          <a:p>
+            <a:r>
+              <a:rPr lang="de-DE" dirty="0" err="1"/>
+              <a:t>DezHex</a:t>
+            </a:r>
+            <a:r>
+              <a:rPr lang="de-DE" dirty="0"/>
+              <a:t> - Christopher </a:t>
+            </a:r>
+            <a:r>
+              <a:rPr lang="de-DE" dirty="0" err="1"/>
+              <a:t>Praas</a:t>
+            </a:r>
+            <a:r>
+              <a:rPr lang="de-DE" dirty="0"/>
+              <a:t> / </a:t>
+            </a:r>
+            <a:r>
+              <a:rPr lang="de-DE" dirty="0" err="1"/>
+              <a:t>Serhiy</a:t>
+            </a:r>
+            <a:r>
+              <a:rPr lang="de-DE" dirty="0"/>
+              <a:t> </a:t>
+            </a:r>
+            <a:r>
+              <a:rPr lang="de-DE" dirty="0" err="1"/>
+              <a:t>Bolkun</a:t>
+            </a:r>
+            <a:r>
+              <a:rPr lang="de-DE" dirty="0"/>
+              <a:t> / Anna Krauß / Wiebke </a:t>
+            </a:r>
+            <a:r>
+              <a:rPr lang="de-DE" dirty="0" err="1"/>
+              <a:t>Rochler</a:t>
+            </a:r>
+            <a:endParaRPr lang="de-DE" dirty="0"/>
+          </a:p>
+        </p:txBody>
+      </p:sp>
+      <p:sp>
+        <p:nvSpPr>
+          <p:cNvPr id="8" name="Foliennummernplatzhalter 7"/>
+          <p:cNvSpPr>
+            <a:spLocks noGrp="1"/>
+          </p:cNvSpPr>
+          <p:nvPr>
+            <p:ph type="sldNum" sz="quarter" idx="12"/>
+          </p:nvPr>
+        </p:nvSpPr>
+        <p:spPr/>
+        <p:txBody>
+          <a:bodyPr/>
+          <a:lstStyle/>
+          <a:p>
+            <a:fld id="{0A3C3FF0-3A20-4DD4-BD5A-9DD4AC9CB3DF}" type="slidenum">
+              <a:rPr lang="de-DE" smtClean="0"/>
+              <a:pPr/>
+              <a:t>9</a:t>
+            </a:fld>
+            <a:endParaRPr lang="de-DE"/>
+          </a:p>
+        </p:txBody>
+      </p:sp>
     </p:spTree>
     <p:extLst>
       <p:ext uri="{BB962C8B-B14F-4D97-AF65-F5344CB8AC3E}">
@@ -11361,4 +14468,265 @@
     </a:ext>
   </a:extLst>
 </a:theme>
+</file>
+
+<file path=ppt/theme/theme2.xml><?xml version="1.0" encoding="utf-8"?>
+<a:theme xmlns:a="http://schemas.openxmlformats.org/drawingml/2006/main" name="Office Theme">
+  <a:themeElements>
+    <a:clrScheme name="Office">
+      <a:dk1>
+        <a:sysClr val="windowText" lastClr="000000"/>
+      </a:dk1>
+      <a:lt1>
+        <a:sysClr val="window" lastClr="FFFFFF"/>
+      </a:lt1>
+      <a:dk2>
+        <a:srgbClr val="44546A"/>
+      </a:dk2>
+      <a:lt2>
+        <a:srgbClr val="E7E6E6"/>
+      </a:lt2>
+      <a:accent1>
+        <a:srgbClr val="5B9BD5"/>
+      </a:accent1>
+      <a:accent2>
+        <a:srgbClr val="ED7D31"/>
+      </a:accent2>
+      <a:accent3>
+        <a:srgbClr val="A5A5A5"/>
+      </a:accent3>
+      <a:accent4>
+        <a:srgbClr val="FFC000"/>
+      </a:accent4>
+      <a:accent5>
+        <a:srgbClr val="4472C4"/>
+      </a:accent5>
+      <a:accent6>
+        <a:srgbClr val="70AD47"/>
+      </a:accent6>
+      <a:hlink>
+        <a:srgbClr val="0563C1"/>
+      </a:hlink>
+      <a:folHlink>
+        <a:srgbClr val="954F72"/>
+      </a:folHlink>
+    </a:clrScheme>
+    <a:fontScheme name="Office">
+      <a:majorFont>
+        <a:latin typeface="Calibri Light" panose="020F0302020204030204"/>
+        <a:ea typeface=""/>
+        <a:cs typeface=""/>
+        <a:font script="Jpan" typeface="ＭＳ Ｐゴシック"/>
+        <a:font script="Hang" typeface="맑은 고딕"/>
+        <a:font script="Hans" typeface="宋体"/>
+        <a:font script="Hant" typeface="新細明體"/>
+        <a:font script="Arab" typeface="Times New Roman"/>
+        <a:font script="Hebr" typeface="Times New Roman"/>
+        <a:font script="Thai" typeface="Angsana New"/>
+        <a:font script="Ethi" typeface="Nyala"/>
+        <a:font script="Beng" typeface="Vrinda"/>
+        <a:font script="Gujr" typeface="Shruti"/>
+        <a:font script="Khmr" typeface="MoolBoran"/>
+        <a:font script="Knda" typeface="Tunga"/>
+        <a:font script="Guru" typeface="Raavi"/>
+        <a:font script="Cans" typeface="Euphemia"/>
+        <a:font script="Cher" typeface="Plantagenet Cherokee"/>
+        <a:font script="Yiii" typeface="Microsoft Yi Baiti"/>
+        <a:font script="Tibt" typeface="Microsoft Himalaya"/>
+        <a:font script="Thaa" typeface="MV Boli"/>
+        <a:font script="Deva" typeface="Mangal"/>
+        <a:font script="Telu" typeface="Gautami"/>
+        <a:font script="Taml" typeface="Latha"/>
+        <a:font script="Syrc" typeface="Estrangelo Edessa"/>
+        <a:font script="Orya" typeface="Kalinga"/>
+        <a:font script="Mlym" typeface="Kartika"/>
+        <a:font script="Laoo" typeface="DokChampa"/>
+        <a:font script="Sinh" typeface="Iskoola Pota"/>
+        <a:font script="Mong" typeface="Mongolian Baiti"/>
+        <a:font script="Viet" typeface="Times New Roman"/>
+        <a:font script="Uigh" typeface="Microsoft Uighur"/>
+        <a:font script="Geor" typeface="Sylfaen"/>
+      </a:majorFont>
+      <a:minorFont>
+        <a:latin typeface="Calibri" panose="020F0502020204030204"/>
+        <a:ea typeface=""/>
+        <a:cs typeface=""/>
+        <a:font script="Jpan" typeface="ＭＳ Ｐゴシック"/>
+        <a:font script="Hang" typeface="맑은 고딕"/>
+        <a:font script="Hans" typeface="宋体"/>
+        <a:font script="Hant" typeface="新細明體"/>
+        <a:font script="Arab" typeface="Arial"/>
+        <a:font script="Hebr" typeface="Arial"/>
+        <a:font script="Thai" typeface="Cordia New"/>
+        <a:font script="Ethi" typeface="Nyala"/>
+        <a:font script="Beng" typeface="Vrinda"/>
+        <a:font script="Gujr" typeface="Shruti"/>
+        <a:font script="Khmr" typeface="DaunPenh"/>
+        <a:font script="Knda" typeface="Tunga"/>
+        <a:font script="Guru" typeface="Raavi"/>
+        <a:font script="Cans" typeface="Euphemia"/>
+        <a:font script="Cher" typeface="Plantagenet Cherokee"/>
+        <a:font script="Yiii" typeface="Microsoft Yi Baiti"/>
+        <a:font script="Tibt" typeface="Microsoft Himalaya"/>
+        <a:font script="Thaa" typeface="MV Boli"/>
+        <a:font script="Deva" typeface="Mangal"/>
+        <a:font script="Telu" typeface="Gautami"/>
+        <a:font script="Taml" typeface="Latha"/>
+        <a:font script="Syrc" typeface="Estrangelo Edessa"/>
+        <a:font script="Orya" typeface="Kalinga"/>
+        <a:font script="Mlym" typeface="Kartika"/>
+        <a:font script="Laoo" typeface="DokChampa"/>
+        <a:font script="Sinh" typeface="Iskoola Pota"/>
+        <a:font script="Mong" typeface="Mongolian Baiti"/>
+        <a:font script="Viet" typeface="Arial"/>
+        <a:font script="Uigh" typeface="Microsoft Uighur"/>
+        <a:font script="Geor" typeface="Sylfaen"/>
+      </a:minorFont>
+    </a:fontScheme>
+    <a:fmtScheme name="Office">
+      <a:fillStyleLst>
+        <a:solidFill>
+          <a:schemeClr val="phClr"/>
+        </a:solidFill>
+        <a:gradFill rotWithShape="1">
+          <a:gsLst>
+            <a:gs pos="0">
+              <a:schemeClr val="phClr">
+                <a:lumMod val="110000"/>
+                <a:satMod val="105000"/>
+                <a:tint val="67000"/>
+              </a:schemeClr>
+            </a:gs>
+            <a:gs pos="50000">
+              <a:schemeClr val="phClr">
+                <a:lumMod val="105000"/>
+                <a:satMod val="103000"/>
+                <a:tint val="73000"/>
+              </a:schemeClr>
+            </a:gs>
+            <a:gs pos="100000">
+              <a:schemeClr val="phClr">
+                <a:lumMod val="105000"/>
+                <a:satMod val="109000"/>
+                <a:tint val="81000"/>
+              </a:schemeClr>
+            </a:gs>
+          </a:gsLst>
+          <a:lin ang="5400000" scaled="0"/>
+        </a:gradFill>
+        <a:gradFill rotWithShape="1">
+          <a:gsLst>
+            <a:gs pos="0">
+              <a:schemeClr val="phClr">
+                <a:satMod val="103000"/>
+                <a:lumMod val="102000"/>
+                <a:tint val="94000"/>
+              </a:schemeClr>
+            </a:gs>
+            <a:gs pos="50000">
+              <a:schemeClr val="phClr">
+                <a:satMod val="110000"/>
+                <a:lumMod val="100000"/>
+                <a:shade val="100000"/>
+              </a:schemeClr>
+            </a:gs>
+            <a:gs pos="100000">
+              <a:schemeClr val="phClr">
+                <a:lumMod val="99000"/>
+                <a:satMod val="120000"/>
+                <a:shade val="78000"/>
+              </a:schemeClr>
+            </a:gs>
+          </a:gsLst>
+          <a:lin ang="5400000" scaled="0"/>
+        </a:gradFill>
+      </a:fillStyleLst>
+      <a:lnStyleLst>
+        <a:ln w="6350" cap="flat" cmpd="sng" algn="ctr">
+          <a:solidFill>
+            <a:schemeClr val="phClr"/>
+          </a:solidFill>
+          <a:prstDash val="solid"/>
+          <a:miter lim="800000"/>
+        </a:ln>
+        <a:ln w="12700" cap="flat" cmpd="sng" algn="ctr">
+          <a:solidFill>
+            <a:schemeClr val="phClr"/>
+          </a:solidFill>
+          <a:prstDash val="solid"/>
+          <a:miter lim="800000"/>
+        </a:ln>
+        <a:ln w="19050" cap="flat" cmpd="sng" algn="ctr">
+          <a:solidFill>
+            <a:schemeClr val="phClr"/>
+          </a:solidFill>
+          <a:prstDash val="solid"/>
+          <a:miter lim="800000"/>
+        </a:ln>
+      </a:lnStyleLst>
+      <a:effectStyleLst>
+        <a:effectStyle>
+          <a:effectLst/>
+        </a:effectStyle>
+        <a:effectStyle>
+          <a:effectLst/>
+        </a:effectStyle>
+        <a:effectStyle>
+          <a:effectLst>
+            <a:outerShdw blurRad="57150" dist="19050" dir="5400000" algn="ctr" rotWithShape="0">
+              <a:srgbClr val="000000">
+                <a:alpha val="63000"/>
+              </a:srgbClr>
+            </a:outerShdw>
+          </a:effectLst>
+        </a:effectStyle>
+      </a:effectStyleLst>
+      <a:bgFillStyleLst>
+        <a:solidFill>
+          <a:schemeClr val="phClr"/>
+        </a:solidFill>
+        <a:solidFill>
+          <a:schemeClr val="phClr">
+            <a:tint val="95000"/>
+            <a:satMod val="170000"/>
+          </a:schemeClr>
+        </a:solidFill>
+        <a:gradFill rotWithShape="1">
+          <a:gsLst>
+            <a:gs pos="0">
+              <a:schemeClr val="phClr">
+                <a:tint val="93000"/>
+                <a:satMod val="150000"/>
+                <a:shade val="98000"/>
+                <a:lumMod val="102000"/>
+              </a:schemeClr>
+            </a:gs>
+            <a:gs pos="50000">
+              <a:schemeClr val="phClr">
+                <a:tint val="98000"/>
+                <a:satMod val="130000"/>
+                <a:shade val="90000"/>
+                <a:lumMod val="103000"/>
+              </a:schemeClr>
+            </a:gs>
+            <a:gs pos="100000">
+              <a:schemeClr val="phClr">
+                <a:shade val="63000"/>
+                <a:satMod val="120000"/>
+              </a:schemeClr>
+            </a:gs>
+          </a:gsLst>
+          <a:lin ang="5400000" scaled="0"/>
+        </a:gradFill>
+      </a:bgFillStyleLst>
+    </a:fmtScheme>
+  </a:themeElements>
+  <a:objectDefaults/>
+  <a:extraClrSchemeLst/>
+  <a:extLst>
+    <a:ext uri="{05A4C25C-085E-4340-85A3-A5531E510DB2}">
+      <thm15:themeFamily xmlns:thm15="http://schemas.microsoft.com/office/thememl/2012/main" name="Office Theme" id="{62F939B6-93AF-4DB8-9C6B-D6C7DFDC589F}" vid="{4A3C46E8-61CC-4603-A589-7422A47A8E4A}"/>
+    </a:ext>
+  </a:extLst>
+</a:theme>
 </file>
--- a/Präsentation/DezHex.pptx
+++ b/Präsentation/DezHex.pptx
@@ -7095,8 +7095,8 @@
         </p:nvSpPr>
         <p:spPr>
           <a:xfrm>
-            <a:off x="1524000" y="1365550"/>
-            <a:ext cx="2543702" cy="4023084"/>
+            <a:off x="1523999" y="1365550"/>
+            <a:ext cx="8626415" cy="4023084"/>
           </a:xfrm>
         </p:spPr>
         <p:txBody>
@@ -7109,55 +7109,132 @@
           </a:p>
           <a:p>
             <a:r>
+              <a:rPr lang="de-DE" dirty="0" smtClean="0"/>
+              <a:t>Versionsverwaltung - </a:t>
+            </a:r>
+            <a:r>
+              <a:rPr lang="de-DE" b="1" dirty="0" err="1" smtClean="0"/>
+              <a:t>GitHub</a:t>
+            </a:r>
+            <a:endParaRPr lang="de-DE" b="1" dirty="0"/>
+          </a:p>
+          <a:p>
+            <a:r>
+              <a:rPr lang="de-DE" dirty="0"/>
+              <a:t>UML-Tool</a:t>
+            </a:r>
+            <a:r>
+              <a:rPr lang="de-DE" b="1" dirty="0"/>
+              <a:t> </a:t>
+            </a:r>
+            <a:r>
+              <a:rPr lang="de-DE" b="1" dirty="0" smtClean="0"/>
+              <a:t>- </a:t>
+            </a:r>
+            <a:r>
+              <a:rPr lang="de-DE" b="1" dirty="0" err="1" smtClean="0"/>
+              <a:t>Topcased</a:t>
+            </a:r>
+            <a:endParaRPr lang="de-DE" b="1" dirty="0"/>
+          </a:p>
+          <a:p>
+            <a:r>
               <a:rPr lang="de-DE" dirty="0" err="1"/>
-              <a:t>GitHub</a:t>
+              <a:t>Prototyping</a:t>
+            </a:r>
+            <a:r>
+              <a:rPr lang="de-DE" dirty="0"/>
+              <a:t> der </a:t>
+            </a:r>
+            <a:r>
+              <a:rPr lang="de-DE" dirty="0" smtClean="0"/>
+              <a:t>Benutzerschnittstelle - </a:t>
+            </a:r>
+            <a:r>
+              <a:rPr lang="de-DE" b="1" dirty="0" err="1" smtClean="0"/>
+              <a:t>NinjaMock</a:t>
+            </a:r>
+            <a:endParaRPr lang="de-DE" b="1" dirty="0"/>
+          </a:p>
+          <a:p>
+            <a:r>
+              <a:rPr lang="de-DE" dirty="0"/>
+              <a:t>IDE/Editor</a:t>
+            </a:r>
+            <a:r>
+              <a:rPr lang="de-DE" b="1" dirty="0"/>
+              <a:t> </a:t>
+            </a:r>
+            <a:r>
+              <a:rPr lang="de-DE" b="1" dirty="0" smtClean="0"/>
+              <a:t>- </a:t>
+            </a:r>
+            <a:r>
+              <a:rPr lang="de-DE" b="1" dirty="0" err="1" smtClean="0"/>
+              <a:t>Eclipse</a:t>
+            </a:r>
+            <a:r>
+              <a:rPr lang="de-DE" b="1" dirty="0" smtClean="0"/>
+              <a:t> </a:t>
             </a:r>
             <a:endParaRPr lang="de-DE" dirty="0"/>
           </a:p>
           <a:p>
             <a:r>
-              <a:rPr lang="de-DE" dirty="0" err="1"/>
-              <a:t>Topcased</a:t>
-            </a:r>
-            <a:endParaRPr lang="de-DE" dirty="0"/>
-          </a:p>
-          <a:p>
-            <a:r>
-              <a:rPr lang="de-DE" dirty="0" err="1"/>
-              <a:t>NinjaMock</a:t>
-            </a:r>
-            <a:endParaRPr lang="de-DE" dirty="0"/>
-          </a:p>
-          <a:p>
-            <a:r>
-              <a:rPr lang="de-DE" dirty="0" err="1"/>
-              <a:t>Eclipse</a:t>
-            </a:r>
+              <a:rPr lang="de-DE" dirty="0" err="1" smtClean="0"/>
+              <a:t>Build</a:t>
+            </a:r>
+            <a:r>
+              <a:rPr lang="de-DE" dirty="0" smtClean="0"/>
+              <a:t>-Tool</a:t>
+            </a:r>
+            <a:r>
+              <a:rPr lang="de-DE" b="1" dirty="0" smtClean="0"/>
+              <a:t> - </a:t>
+            </a:r>
+            <a:r>
+              <a:rPr lang="de-DE" b="1" dirty="0" err="1" smtClean="0"/>
+              <a:t>Gradle</a:t>
+            </a:r>
+            <a:endParaRPr lang="de-DE" b="1" dirty="0"/>
+          </a:p>
+          <a:p>
             <a:r>
               <a:rPr lang="de-DE" dirty="0"/>
+              <a:t>Test-Automatisierung</a:t>
+            </a:r>
+            <a:r>
+              <a:rPr lang="de-DE" b="1" dirty="0"/>
               <a:t> </a:t>
             </a:r>
-          </a:p>
-          <a:p>
-            <a:r>
-              <a:rPr lang="de-DE" dirty="0" err="1"/>
-              <a:t>Gradle</a:t>
-            </a:r>
-            <a:endParaRPr lang="de-DE" dirty="0"/>
-          </a:p>
-          <a:p>
-            <a:r>
-              <a:rPr lang="de-DE" dirty="0" err="1"/>
+            <a:r>
+              <a:rPr lang="de-DE" b="1" dirty="0" smtClean="0"/>
+              <a:t>- </a:t>
+            </a:r>
+            <a:r>
+              <a:rPr lang="de-DE" b="1" dirty="0" err="1" smtClean="0"/>
               <a:t>JUnit</a:t>
             </a:r>
-            <a:endParaRPr lang="de-DE" dirty="0"/>
-          </a:p>
-          <a:p>
-            <a:r>
-              <a:rPr lang="de-DE" dirty="0" err="1"/>
+            <a:endParaRPr lang="de-DE" b="1" dirty="0"/>
+          </a:p>
+          <a:p>
+            <a:r>
+              <a:rPr lang="de-DE" dirty="0"/>
+              <a:t>Dokumentationstool</a:t>
+            </a:r>
+            <a:r>
+              <a:rPr lang="de-DE" b="1" dirty="0"/>
+              <a:t> </a:t>
+            </a:r>
+            <a:r>
+              <a:rPr lang="de-DE" b="1" dirty="0" smtClean="0"/>
+              <a:t>- </a:t>
+            </a:r>
+            <a:r>
+              <a:rPr lang="de-DE" b="1" dirty="0" err="1" smtClean="0"/>
               <a:t>Doxygen</a:t>
             </a:r>
-            <a:endParaRPr lang="de-DE" dirty="0"/>
+            <a:endParaRPr lang="de-DE" b="1" dirty="0"/>
           </a:p>
         </p:txBody>
       </p:sp>
@@ -7770,28 +7847,27 @@
           <a:lstStyle/>
           <a:p>
             <a:r>
-              <a:rPr lang="de-DE" i="1" dirty="0"/>
+              <a:rPr lang="de-DE" dirty="0"/>
               <a:t>Verbreitet</a:t>
             </a:r>
           </a:p>
           <a:p>
             <a:r>
-              <a:rPr lang="de-DE" i="1" dirty="0"/>
+              <a:rPr lang="de-DE" dirty="0"/>
               <a:t>Schnell</a:t>
             </a:r>
           </a:p>
           <a:p>
             <a:r>
-              <a:rPr lang="de-DE" i="1" dirty="0"/>
+              <a:rPr lang="de-DE" dirty="0"/>
               <a:t>Effizient </a:t>
             </a:r>
           </a:p>
           <a:p>
             <a:r>
-              <a:rPr lang="de-DE" i="1" dirty="0"/>
+              <a:rPr lang="de-DE" dirty="0"/>
               <a:t>Verfügt über Desktopversion</a:t>
             </a:r>
-            <a:endParaRPr lang="de-DE" dirty="0"/>
           </a:p>
         </p:txBody>
       </p:sp>
@@ -8936,30 +9012,3470 @@
           </a:p>
         </p:txBody>
       </p:sp>
-      <p:sp>
-        <p:nvSpPr>
-          <p:cNvPr id="3" name="Inhaltsplatzhalter 2"/>
-          <p:cNvSpPr>
-            <a:spLocks noGrp="1"/>
-          </p:cNvSpPr>
+      <p:graphicFrame>
+        <p:nvGraphicFramePr>
+          <p:cNvPr id="9" name="Inhaltsplatzhalter 8"/>
+          <p:cNvGraphicFramePr>
+            <a:graphicFrameLocks noGrp="1"/>
+          </p:cNvGraphicFramePr>
           <p:nvPr>
             <p:ph idx="1"/>
+            <p:extLst>
+              <p:ext uri="{D42A27DB-BD31-4B8C-83A1-F6EECF244321}">
+                <p14:modId xmlns:p14="http://schemas.microsoft.com/office/powerpoint/2010/main" val="2058306077"/>
+              </p:ext>
+            </p:extLst>
           </p:nvPr>
-        </p:nvSpPr>
-        <p:spPr>
-          <a:xfrm>
-            <a:off x="1524000" y="1250531"/>
-            <a:ext cx="10515600" cy="4351338"/>
-          </a:xfrm>
-        </p:spPr>
-        <p:txBody>
-          <a:bodyPr/>
-          <a:lstStyle/>
-          <a:p>
-            <a:endParaRPr lang="de-DE" dirty="0"/>
-          </a:p>
-        </p:txBody>
-      </p:sp>
+        </p:nvGraphicFramePr>
+        <p:xfrm>
+          <a:off x="1524000" y="908648"/>
+          <a:ext cx="9671552" cy="5356998"/>
+        </p:xfrm>
+        <a:graphic>
+          <a:graphicData uri="http://schemas.openxmlformats.org/drawingml/2006/table">
+            <a:tbl>
+              <a:tblPr firstRow="1" firstCol="1" bandRow="1">
+                <a:tableStyleId>{5C22544A-7EE6-4342-B048-85BDC9FD1C3A}</a:tableStyleId>
+              </a:tblPr>
+              <a:tblGrid>
+                <a:gridCol w="2165251"/>
+                <a:gridCol w="1795615"/>
+                <a:gridCol w="1880558"/>
+                <a:gridCol w="2116347"/>
+                <a:gridCol w="1713781"/>
+              </a:tblGrid>
+              <a:tr h="312597">
+                <a:tc gridSpan="3">
+                  <a:txBody>
+                    <a:bodyPr/>
+                    <a:lstStyle/>
+                    <a:p>
+                      <a:pPr algn="ctr">
+                        <a:lnSpc>
+                          <a:spcPct val="115000"/>
+                        </a:lnSpc>
+                        <a:spcAft>
+                          <a:spcPts val="0"/>
+                        </a:spcAft>
+                      </a:pPr>
+                      <a:r>
+                        <a:rPr lang="de-DE" sz="1600" dirty="0">
+                          <a:effectLst/>
+                        </a:rPr>
+                        <a:t>Aufwands- und Kostenschätzung</a:t>
+                      </a:r>
+                      <a:endParaRPr lang="de-DE" sz="1100" dirty="0">
+                        <a:solidFill>
+                          <a:srgbClr val="000000"/>
+                        </a:solidFill>
+                        <a:effectLst/>
+                        <a:latin typeface="Arial" panose="020B0604020202020204" pitchFamily="34" charset="0"/>
+                        <a:ea typeface="Arial" panose="020B0604020202020204" pitchFamily="34" charset="0"/>
+                      </a:endParaRPr>
+                    </a:p>
+                  </a:txBody>
+                  <a:tcPr marL="45764" marR="45764" marT="0" marB="0" anchor="b"/>
+                </a:tc>
+                <a:tc hMerge="1">
+                  <a:txBody>
+                    <a:bodyPr/>
+                    <a:lstStyle/>
+                    <a:p>
+                      <a:endParaRPr lang="de-DE"/>
+                    </a:p>
+                  </a:txBody>
+                  <a:tcPr/>
+                </a:tc>
+                <a:tc hMerge="1">
+                  <a:txBody>
+                    <a:bodyPr/>
+                    <a:lstStyle/>
+                    <a:p>
+                      <a:endParaRPr lang="de-DE"/>
+                    </a:p>
+                  </a:txBody>
+                  <a:tcPr/>
+                </a:tc>
+                <a:tc gridSpan="2">
+                  <a:txBody>
+                    <a:bodyPr/>
+                    <a:lstStyle/>
+                    <a:p>
+                      <a:pPr algn="ctr">
+                        <a:lnSpc>
+                          <a:spcPct val="115000"/>
+                        </a:lnSpc>
+                        <a:spcAft>
+                          <a:spcPts val="0"/>
+                        </a:spcAft>
+                      </a:pPr>
+                      <a:r>
+                        <a:rPr lang="de-DE" sz="1600" dirty="0">
+                          <a:effectLst/>
+                        </a:rPr>
+                        <a:t>Rechnungsstellung</a:t>
+                      </a:r>
+                      <a:endParaRPr lang="de-DE" sz="1100" dirty="0">
+                        <a:solidFill>
+                          <a:srgbClr val="000000"/>
+                        </a:solidFill>
+                        <a:effectLst/>
+                        <a:latin typeface="Arial" panose="020B0604020202020204" pitchFamily="34" charset="0"/>
+                        <a:ea typeface="Arial" panose="020B0604020202020204" pitchFamily="34" charset="0"/>
+                      </a:endParaRPr>
+                    </a:p>
+                  </a:txBody>
+                  <a:tcPr marL="45764" marR="45764" marT="0" marB="0"/>
+                </a:tc>
+                <a:tc hMerge="1">
+                  <a:txBody>
+                    <a:bodyPr/>
+                    <a:lstStyle/>
+                    <a:p>
+                      <a:endParaRPr lang="de-DE"/>
+                    </a:p>
+                  </a:txBody>
+                  <a:tcPr/>
+                </a:tc>
+              </a:tr>
+              <a:tr h="216525">
+                <a:tc gridSpan="3">
+                  <a:txBody>
+                    <a:bodyPr/>
+                    <a:lstStyle/>
+                    <a:p>
+                      <a:pPr algn="ctr">
+                        <a:lnSpc>
+                          <a:spcPct val="115000"/>
+                        </a:lnSpc>
+                        <a:spcAft>
+                          <a:spcPts val="0"/>
+                        </a:spcAft>
+                      </a:pPr>
+                      <a:r>
+                        <a:rPr lang="de-DE" sz="1100">
+                          <a:effectLst/>
+                        </a:rPr>
+                        <a:t> </a:t>
+                      </a:r>
+                      <a:endParaRPr lang="de-DE" sz="1100">
+                        <a:solidFill>
+                          <a:srgbClr val="000000"/>
+                        </a:solidFill>
+                        <a:effectLst/>
+                        <a:latin typeface="Arial" panose="020B0604020202020204" pitchFamily="34" charset="0"/>
+                        <a:ea typeface="Arial" panose="020B0604020202020204" pitchFamily="34" charset="0"/>
+                      </a:endParaRPr>
+                    </a:p>
+                  </a:txBody>
+                  <a:tcPr marL="45764" marR="45764" marT="0" marB="0" anchor="b"/>
+                </a:tc>
+                <a:tc hMerge="1">
+                  <a:txBody>
+                    <a:bodyPr/>
+                    <a:lstStyle/>
+                    <a:p>
+                      <a:endParaRPr lang="de-DE"/>
+                    </a:p>
+                  </a:txBody>
+                  <a:tcPr/>
+                </a:tc>
+                <a:tc hMerge="1">
+                  <a:txBody>
+                    <a:bodyPr/>
+                    <a:lstStyle/>
+                    <a:p>
+                      <a:endParaRPr lang="de-DE"/>
+                    </a:p>
+                  </a:txBody>
+                  <a:tcPr/>
+                </a:tc>
+                <a:tc gridSpan="2">
+                  <a:txBody>
+                    <a:bodyPr/>
+                    <a:lstStyle/>
+                    <a:p>
+                      <a:pPr algn="ctr">
+                        <a:lnSpc>
+                          <a:spcPct val="115000"/>
+                        </a:lnSpc>
+                        <a:spcAft>
+                          <a:spcPts val="0"/>
+                        </a:spcAft>
+                      </a:pPr>
+                      <a:r>
+                        <a:rPr lang="de-DE" sz="1200">
+                          <a:effectLst/>
+                        </a:rPr>
+                        <a:t>(Reflexion auf Kalkulation)</a:t>
+                      </a:r>
+                      <a:endParaRPr lang="de-DE" sz="1100">
+                        <a:solidFill>
+                          <a:srgbClr val="000000"/>
+                        </a:solidFill>
+                        <a:effectLst/>
+                        <a:latin typeface="Arial" panose="020B0604020202020204" pitchFamily="34" charset="0"/>
+                        <a:ea typeface="Arial" panose="020B0604020202020204" pitchFamily="34" charset="0"/>
+                      </a:endParaRPr>
+                    </a:p>
+                  </a:txBody>
+                  <a:tcPr marL="45764" marR="45764" marT="0" marB="0"/>
+                </a:tc>
+                <a:tc hMerge="1">
+                  <a:txBody>
+                    <a:bodyPr/>
+                    <a:lstStyle/>
+                    <a:p>
+                      <a:endParaRPr lang="de-DE"/>
+                    </a:p>
+                  </a:txBody>
+                  <a:tcPr/>
+                </a:tc>
+              </a:tr>
+              <a:tr h="252612">
+                <a:tc gridSpan="3">
+                  <a:txBody>
+                    <a:bodyPr/>
+                    <a:lstStyle/>
+                    <a:p>
+                      <a:pPr algn="ctr">
+                        <a:lnSpc>
+                          <a:spcPct val="115000"/>
+                        </a:lnSpc>
+                        <a:spcAft>
+                          <a:spcPts val="0"/>
+                        </a:spcAft>
+                      </a:pPr>
+                      <a:r>
+                        <a:rPr lang="de-DE" sz="1500">
+                          <a:effectLst/>
+                        </a:rPr>
+                        <a:t> vom 26.01.2017</a:t>
+                      </a:r>
+                      <a:endParaRPr lang="de-DE" sz="1100">
+                        <a:solidFill>
+                          <a:srgbClr val="000000"/>
+                        </a:solidFill>
+                        <a:effectLst/>
+                        <a:latin typeface="Arial" panose="020B0604020202020204" pitchFamily="34" charset="0"/>
+                        <a:ea typeface="Arial" panose="020B0604020202020204" pitchFamily="34" charset="0"/>
+                      </a:endParaRPr>
+                    </a:p>
+                  </a:txBody>
+                  <a:tcPr marL="45764" marR="45764" marT="0" marB="0"/>
+                </a:tc>
+                <a:tc hMerge="1">
+                  <a:txBody>
+                    <a:bodyPr/>
+                    <a:lstStyle/>
+                    <a:p>
+                      <a:endParaRPr lang="de-DE"/>
+                    </a:p>
+                  </a:txBody>
+                  <a:tcPr/>
+                </a:tc>
+                <a:tc hMerge="1">
+                  <a:txBody>
+                    <a:bodyPr/>
+                    <a:lstStyle/>
+                    <a:p>
+                      <a:endParaRPr lang="de-DE"/>
+                    </a:p>
+                  </a:txBody>
+                  <a:tcPr/>
+                </a:tc>
+                <a:tc gridSpan="2">
+                  <a:txBody>
+                    <a:bodyPr/>
+                    <a:lstStyle/>
+                    <a:p>
+                      <a:pPr algn="ctr">
+                        <a:lnSpc>
+                          <a:spcPct val="115000"/>
+                        </a:lnSpc>
+                        <a:spcAft>
+                          <a:spcPts val="0"/>
+                        </a:spcAft>
+                      </a:pPr>
+                      <a:r>
+                        <a:rPr lang="de-DE" sz="1500">
+                          <a:effectLst/>
+                        </a:rPr>
+                        <a:t> vom 08.06.2017</a:t>
+                      </a:r>
+                      <a:endParaRPr lang="de-DE" sz="1100">
+                        <a:solidFill>
+                          <a:srgbClr val="000000"/>
+                        </a:solidFill>
+                        <a:effectLst/>
+                        <a:latin typeface="Arial" panose="020B0604020202020204" pitchFamily="34" charset="0"/>
+                        <a:ea typeface="Arial" panose="020B0604020202020204" pitchFamily="34" charset="0"/>
+                      </a:endParaRPr>
+                    </a:p>
+                  </a:txBody>
+                  <a:tcPr marL="45764" marR="45764" marT="0" marB="0"/>
+                </a:tc>
+                <a:tc hMerge="1">
+                  <a:txBody>
+                    <a:bodyPr/>
+                    <a:lstStyle/>
+                    <a:p>
+                      <a:endParaRPr lang="de-DE"/>
+                    </a:p>
+                  </a:txBody>
+                  <a:tcPr/>
+                </a:tc>
+              </a:tr>
+              <a:tr h="588383">
+                <a:tc>
+                  <a:txBody>
+                    <a:bodyPr/>
+                    <a:lstStyle/>
+                    <a:p>
+                      <a:pPr>
+                        <a:lnSpc>
+                          <a:spcPct val="115000"/>
+                        </a:lnSpc>
+                        <a:spcAft>
+                          <a:spcPts val="0"/>
+                        </a:spcAft>
+                      </a:pPr>
+                      <a:r>
+                        <a:rPr lang="de-DE" sz="1100">
+                          <a:effectLst/>
+                        </a:rPr>
+                        <a:t>Arbeitsphase</a:t>
+                      </a:r>
+                      <a:endParaRPr lang="de-DE" sz="1100">
+                        <a:solidFill>
+                          <a:srgbClr val="000000"/>
+                        </a:solidFill>
+                        <a:effectLst/>
+                        <a:latin typeface="Arial" panose="020B0604020202020204" pitchFamily="34" charset="0"/>
+                        <a:ea typeface="Arial" panose="020B0604020202020204" pitchFamily="34" charset="0"/>
+                      </a:endParaRPr>
+                    </a:p>
+                  </a:txBody>
+                  <a:tcPr marL="45764" marR="45764" marT="0" marB="0" anchor="ctr"/>
+                </a:tc>
+                <a:tc>
+                  <a:txBody>
+                    <a:bodyPr/>
+                    <a:lstStyle/>
+                    <a:p>
+                      <a:pPr algn="ctr">
+                        <a:lnSpc>
+                          <a:spcPct val="115000"/>
+                        </a:lnSpc>
+                        <a:spcAft>
+                          <a:spcPts val="0"/>
+                        </a:spcAft>
+                      </a:pPr>
+                      <a:r>
+                        <a:rPr lang="de-DE" sz="1100">
+                          <a:effectLst/>
+                        </a:rPr>
+                        <a:t>Soll-Arbeits-stunden</a:t>
+                      </a:r>
+                      <a:endParaRPr lang="de-DE" sz="1100">
+                        <a:solidFill>
+                          <a:srgbClr val="000000"/>
+                        </a:solidFill>
+                        <a:effectLst/>
+                        <a:latin typeface="Arial" panose="020B0604020202020204" pitchFamily="34" charset="0"/>
+                        <a:ea typeface="Arial" panose="020B0604020202020204" pitchFamily="34" charset="0"/>
+                      </a:endParaRPr>
+                    </a:p>
+                  </a:txBody>
+                  <a:tcPr marL="45764" marR="45764" marT="0" marB="0" anchor="ctr"/>
+                </a:tc>
+                <a:tc>
+                  <a:txBody>
+                    <a:bodyPr/>
+                    <a:lstStyle/>
+                    <a:p>
+                      <a:pPr algn="ctr">
+                        <a:lnSpc>
+                          <a:spcPct val="115000"/>
+                        </a:lnSpc>
+                        <a:spcAft>
+                          <a:spcPts val="0"/>
+                        </a:spcAft>
+                      </a:pPr>
+                      <a:r>
+                        <a:rPr lang="de-DE" sz="1100">
+                          <a:effectLst/>
+                        </a:rPr>
+                        <a:t>Soll-Kosten</a:t>
+                      </a:r>
+                      <a:endParaRPr lang="de-DE" sz="1100">
+                        <a:solidFill>
+                          <a:srgbClr val="000000"/>
+                        </a:solidFill>
+                        <a:effectLst/>
+                        <a:latin typeface="Arial" panose="020B0604020202020204" pitchFamily="34" charset="0"/>
+                        <a:ea typeface="Arial" panose="020B0604020202020204" pitchFamily="34" charset="0"/>
+                      </a:endParaRPr>
+                    </a:p>
+                  </a:txBody>
+                  <a:tcPr marL="45764" marR="45764" marT="0" marB="0" anchor="ctr"/>
+                </a:tc>
+                <a:tc>
+                  <a:txBody>
+                    <a:bodyPr/>
+                    <a:lstStyle/>
+                    <a:p>
+                      <a:pPr algn="ctr">
+                        <a:lnSpc>
+                          <a:spcPct val="115000"/>
+                        </a:lnSpc>
+                        <a:spcAft>
+                          <a:spcPts val="0"/>
+                        </a:spcAft>
+                      </a:pPr>
+                      <a:r>
+                        <a:rPr lang="de-DE" sz="1100">
+                          <a:effectLst/>
+                        </a:rPr>
+                        <a:t>Ist-Arbeitsstunden</a:t>
+                      </a:r>
+                      <a:endParaRPr lang="de-DE" sz="1100">
+                        <a:solidFill>
+                          <a:srgbClr val="000000"/>
+                        </a:solidFill>
+                        <a:effectLst/>
+                        <a:latin typeface="Arial" panose="020B0604020202020204" pitchFamily="34" charset="0"/>
+                        <a:ea typeface="Arial" panose="020B0604020202020204" pitchFamily="34" charset="0"/>
+                      </a:endParaRPr>
+                    </a:p>
+                  </a:txBody>
+                  <a:tcPr marL="45764" marR="45764" marT="0" marB="0" anchor="ctr"/>
+                </a:tc>
+                <a:tc>
+                  <a:txBody>
+                    <a:bodyPr/>
+                    <a:lstStyle/>
+                    <a:p>
+                      <a:pPr algn="ctr">
+                        <a:lnSpc>
+                          <a:spcPct val="115000"/>
+                        </a:lnSpc>
+                        <a:spcAft>
+                          <a:spcPts val="0"/>
+                        </a:spcAft>
+                      </a:pPr>
+                      <a:r>
+                        <a:rPr lang="de-DE" sz="1100">
+                          <a:effectLst/>
+                        </a:rPr>
+                        <a:t>Ist-Kosten</a:t>
+                      </a:r>
+                      <a:endParaRPr lang="de-DE" sz="1100">
+                        <a:solidFill>
+                          <a:srgbClr val="000000"/>
+                        </a:solidFill>
+                        <a:effectLst/>
+                        <a:latin typeface="Arial" panose="020B0604020202020204" pitchFamily="34" charset="0"/>
+                        <a:ea typeface="Arial" panose="020B0604020202020204" pitchFamily="34" charset="0"/>
+                      </a:endParaRPr>
+                    </a:p>
+                  </a:txBody>
+                  <a:tcPr marL="45764" marR="45764" marT="0" marB="0" anchor="ctr"/>
+                </a:tc>
+              </a:tr>
+              <a:tr h="198481">
+                <a:tc>
+                  <a:txBody>
+                    <a:bodyPr/>
+                    <a:lstStyle/>
+                    <a:p>
+                      <a:pPr>
+                        <a:lnSpc>
+                          <a:spcPct val="115000"/>
+                        </a:lnSpc>
+                        <a:spcAft>
+                          <a:spcPts val="0"/>
+                        </a:spcAft>
+                      </a:pPr>
+                      <a:r>
+                        <a:rPr lang="de-DE" sz="1100">
+                          <a:effectLst/>
+                        </a:rPr>
+                        <a:t>Auftrag:</a:t>
+                      </a:r>
+                      <a:endParaRPr lang="de-DE" sz="1100">
+                        <a:solidFill>
+                          <a:srgbClr val="000000"/>
+                        </a:solidFill>
+                        <a:effectLst/>
+                        <a:latin typeface="Arial" panose="020B0604020202020204" pitchFamily="34" charset="0"/>
+                        <a:ea typeface="Arial" panose="020B0604020202020204" pitchFamily="34" charset="0"/>
+                      </a:endParaRPr>
+                    </a:p>
+                  </a:txBody>
+                  <a:tcPr marL="45764" marR="45764" marT="0" marB="0" anchor="ctr"/>
+                </a:tc>
+                <a:tc>
+                  <a:txBody>
+                    <a:bodyPr/>
+                    <a:lstStyle/>
+                    <a:p>
+                      <a:pPr algn="ctr">
+                        <a:lnSpc>
+                          <a:spcPct val="115000"/>
+                        </a:lnSpc>
+                        <a:spcAft>
+                          <a:spcPts val="0"/>
+                        </a:spcAft>
+                      </a:pPr>
+                      <a:r>
+                        <a:rPr lang="de-DE" sz="1100">
+                          <a:effectLst/>
+                        </a:rPr>
+                        <a:t>5</a:t>
+                      </a:r>
+                      <a:endParaRPr lang="de-DE" sz="1100">
+                        <a:solidFill>
+                          <a:srgbClr val="000000"/>
+                        </a:solidFill>
+                        <a:effectLst/>
+                        <a:latin typeface="Arial" panose="020B0604020202020204" pitchFamily="34" charset="0"/>
+                        <a:ea typeface="Arial" panose="020B0604020202020204" pitchFamily="34" charset="0"/>
+                      </a:endParaRPr>
+                    </a:p>
+                  </a:txBody>
+                  <a:tcPr marL="45764" marR="45764" marT="0" marB="0" anchor="ctr"/>
+                </a:tc>
+                <a:tc>
+                  <a:txBody>
+                    <a:bodyPr/>
+                    <a:lstStyle/>
+                    <a:p>
+                      <a:pPr algn="r">
+                        <a:lnSpc>
+                          <a:spcPct val="115000"/>
+                        </a:lnSpc>
+                        <a:spcAft>
+                          <a:spcPts val="0"/>
+                        </a:spcAft>
+                      </a:pPr>
+                      <a:r>
+                        <a:rPr lang="de-DE" sz="1100">
+                          <a:effectLst/>
+                        </a:rPr>
+                        <a:t>-</a:t>
+                      </a:r>
+                      <a:endParaRPr lang="de-DE" sz="1100">
+                        <a:solidFill>
+                          <a:srgbClr val="000000"/>
+                        </a:solidFill>
+                        <a:effectLst/>
+                        <a:latin typeface="Arial" panose="020B0604020202020204" pitchFamily="34" charset="0"/>
+                        <a:ea typeface="Arial" panose="020B0604020202020204" pitchFamily="34" charset="0"/>
+                      </a:endParaRPr>
+                    </a:p>
+                  </a:txBody>
+                  <a:tcPr marL="45764" marR="45764" marT="0" marB="0" anchor="ctr"/>
+                </a:tc>
+                <a:tc>
+                  <a:txBody>
+                    <a:bodyPr/>
+                    <a:lstStyle/>
+                    <a:p>
+                      <a:pPr algn="ctr">
+                        <a:lnSpc>
+                          <a:spcPct val="115000"/>
+                        </a:lnSpc>
+                        <a:spcAft>
+                          <a:spcPts val="0"/>
+                        </a:spcAft>
+                      </a:pPr>
+                      <a:r>
+                        <a:rPr lang="de-DE" sz="1100">
+                          <a:effectLst/>
+                        </a:rPr>
+                        <a:t>5</a:t>
+                      </a:r>
+                      <a:endParaRPr lang="de-DE" sz="1100">
+                        <a:solidFill>
+                          <a:srgbClr val="000000"/>
+                        </a:solidFill>
+                        <a:effectLst/>
+                        <a:latin typeface="Arial" panose="020B0604020202020204" pitchFamily="34" charset="0"/>
+                        <a:ea typeface="Arial" panose="020B0604020202020204" pitchFamily="34" charset="0"/>
+                      </a:endParaRPr>
+                    </a:p>
+                  </a:txBody>
+                  <a:tcPr marL="45764" marR="45764" marT="0" marB="0" anchor="ctr"/>
+                </a:tc>
+                <a:tc>
+                  <a:txBody>
+                    <a:bodyPr/>
+                    <a:lstStyle/>
+                    <a:p>
+                      <a:pPr algn="r">
+                        <a:lnSpc>
+                          <a:spcPct val="115000"/>
+                        </a:lnSpc>
+                        <a:spcAft>
+                          <a:spcPts val="0"/>
+                        </a:spcAft>
+                      </a:pPr>
+                      <a:r>
+                        <a:rPr lang="de-DE" sz="1100">
+                          <a:effectLst/>
+                        </a:rPr>
+                        <a:t>-</a:t>
+                      </a:r>
+                      <a:endParaRPr lang="de-DE" sz="1100">
+                        <a:solidFill>
+                          <a:srgbClr val="000000"/>
+                        </a:solidFill>
+                        <a:effectLst/>
+                        <a:latin typeface="Arial" panose="020B0604020202020204" pitchFamily="34" charset="0"/>
+                        <a:ea typeface="Arial" panose="020B0604020202020204" pitchFamily="34" charset="0"/>
+                      </a:endParaRPr>
+                    </a:p>
+                  </a:txBody>
+                  <a:tcPr marL="45764" marR="45764" marT="0" marB="0" anchor="ctr"/>
+                </a:tc>
+              </a:tr>
+              <a:tr h="198481">
+                <a:tc>
+                  <a:txBody>
+                    <a:bodyPr/>
+                    <a:lstStyle/>
+                    <a:p>
+                      <a:pPr>
+                        <a:lnSpc>
+                          <a:spcPct val="115000"/>
+                        </a:lnSpc>
+                        <a:spcAft>
+                          <a:spcPts val="0"/>
+                        </a:spcAft>
+                      </a:pPr>
+                      <a:r>
+                        <a:rPr lang="de-DE" sz="1100">
+                          <a:effectLst/>
+                        </a:rPr>
+                        <a:t>- Lastenheft analysieren</a:t>
+                      </a:r>
+                      <a:endParaRPr lang="de-DE" sz="1100">
+                        <a:solidFill>
+                          <a:srgbClr val="000000"/>
+                        </a:solidFill>
+                        <a:effectLst/>
+                        <a:latin typeface="Arial" panose="020B0604020202020204" pitchFamily="34" charset="0"/>
+                        <a:ea typeface="Arial" panose="020B0604020202020204" pitchFamily="34" charset="0"/>
+                      </a:endParaRPr>
+                    </a:p>
+                  </a:txBody>
+                  <a:tcPr marL="45764" marR="45764" marT="0" marB="0" anchor="ctr"/>
+                </a:tc>
+                <a:tc>
+                  <a:txBody>
+                    <a:bodyPr/>
+                    <a:lstStyle/>
+                    <a:p>
+                      <a:pPr algn="ctr">
+                        <a:lnSpc>
+                          <a:spcPct val="115000"/>
+                        </a:lnSpc>
+                        <a:spcAft>
+                          <a:spcPts val="0"/>
+                        </a:spcAft>
+                      </a:pPr>
+                      <a:r>
+                        <a:rPr lang="de-DE" sz="1100">
+                          <a:effectLst/>
+                        </a:rPr>
+                        <a:t>3</a:t>
+                      </a:r>
+                      <a:endParaRPr lang="de-DE" sz="1100">
+                        <a:solidFill>
+                          <a:srgbClr val="000000"/>
+                        </a:solidFill>
+                        <a:effectLst/>
+                        <a:latin typeface="Arial" panose="020B0604020202020204" pitchFamily="34" charset="0"/>
+                        <a:ea typeface="Arial" panose="020B0604020202020204" pitchFamily="34" charset="0"/>
+                      </a:endParaRPr>
+                    </a:p>
+                  </a:txBody>
+                  <a:tcPr marL="45764" marR="45764" marT="0" marB="0" anchor="ctr"/>
+                </a:tc>
+                <a:tc>
+                  <a:txBody>
+                    <a:bodyPr/>
+                    <a:lstStyle/>
+                    <a:p>
+                      <a:pPr algn="r">
+                        <a:lnSpc>
+                          <a:spcPct val="115000"/>
+                        </a:lnSpc>
+                        <a:spcAft>
+                          <a:spcPts val="0"/>
+                        </a:spcAft>
+                      </a:pPr>
+                      <a:r>
+                        <a:rPr lang="de-DE" sz="1100">
+                          <a:effectLst/>
+                        </a:rPr>
+                        <a:t>-</a:t>
+                      </a:r>
+                      <a:endParaRPr lang="de-DE" sz="1100">
+                        <a:solidFill>
+                          <a:srgbClr val="000000"/>
+                        </a:solidFill>
+                        <a:effectLst/>
+                        <a:latin typeface="Arial" panose="020B0604020202020204" pitchFamily="34" charset="0"/>
+                        <a:ea typeface="Arial" panose="020B0604020202020204" pitchFamily="34" charset="0"/>
+                      </a:endParaRPr>
+                    </a:p>
+                  </a:txBody>
+                  <a:tcPr marL="45764" marR="45764" marT="0" marB="0" anchor="ctr"/>
+                </a:tc>
+                <a:tc>
+                  <a:txBody>
+                    <a:bodyPr/>
+                    <a:lstStyle/>
+                    <a:p>
+                      <a:pPr algn="ctr">
+                        <a:lnSpc>
+                          <a:spcPct val="115000"/>
+                        </a:lnSpc>
+                        <a:spcAft>
+                          <a:spcPts val="0"/>
+                        </a:spcAft>
+                      </a:pPr>
+                      <a:r>
+                        <a:rPr lang="de-DE" sz="1100">
+                          <a:effectLst/>
+                        </a:rPr>
+                        <a:t>3</a:t>
+                      </a:r>
+                      <a:endParaRPr lang="de-DE" sz="1100">
+                        <a:solidFill>
+                          <a:srgbClr val="000000"/>
+                        </a:solidFill>
+                        <a:effectLst/>
+                        <a:latin typeface="Arial" panose="020B0604020202020204" pitchFamily="34" charset="0"/>
+                        <a:ea typeface="Arial" panose="020B0604020202020204" pitchFamily="34" charset="0"/>
+                      </a:endParaRPr>
+                    </a:p>
+                  </a:txBody>
+                  <a:tcPr marL="45764" marR="45764" marT="0" marB="0" anchor="ctr"/>
+                </a:tc>
+                <a:tc>
+                  <a:txBody>
+                    <a:bodyPr/>
+                    <a:lstStyle/>
+                    <a:p>
+                      <a:pPr algn="r">
+                        <a:lnSpc>
+                          <a:spcPct val="115000"/>
+                        </a:lnSpc>
+                        <a:spcAft>
+                          <a:spcPts val="0"/>
+                        </a:spcAft>
+                      </a:pPr>
+                      <a:r>
+                        <a:rPr lang="de-DE" sz="1100">
+                          <a:effectLst/>
+                        </a:rPr>
+                        <a:t>-</a:t>
+                      </a:r>
+                      <a:endParaRPr lang="de-DE" sz="1100">
+                        <a:solidFill>
+                          <a:srgbClr val="000000"/>
+                        </a:solidFill>
+                        <a:effectLst/>
+                        <a:latin typeface="Arial" panose="020B0604020202020204" pitchFamily="34" charset="0"/>
+                        <a:ea typeface="Arial" panose="020B0604020202020204" pitchFamily="34" charset="0"/>
+                      </a:endParaRPr>
+                    </a:p>
+                  </a:txBody>
+                  <a:tcPr marL="45764" marR="45764" marT="0" marB="0" anchor="ctr"/>
+                </a:tc>
+              </a:tr>
+              <a:tr h="198481">
+                <a:tc>
+                  <a:txBody>
+                    <a:bodyPr/>
+                    <a:lstStyle/>
+                    <a:p>
+                      <a:pPr>
+                        <a:lnSpc>
+                          <a:spcPct val="115000"/>
+                        </a:lnSpc>
+                        <a:spcAft>
+                          <a:spcPts val="0"/>
+                        </a:spcAft>
+                      </a:pPr>
+                      <a:r>
+                        <a:rPr lang="de-DE" sz="1100">
+                          <a:effectLst/>
+                        </a:rPr>
+                        <a:t>- Zeit- und Kostenplanung</a:t>
+                      </a:r>
+                      <a:endParaRPr lang="de-DE" sz="1100">
+                        <a:solidFill>
+                          <a:srgbClr val="000000"/>
+                        </a:solidFill>
+                        <a:effectLst/>
+                        <a:latin typeface="Arial" panose="020B0604020202020204" pitchFamily="34" charset="0"/>
+                        <a:ea typeface="Arial" panose="020B0604020202020204" pitchFamily="34" charset="0"/>
+                      </a:endParaRPr>
+                    </a:p>
+                  </a:txBody>
+                  <a:tcPr marL="45764" marR="45764" marT="0" marB="0" anchor="ctr"/>
+                </a:tc>
+                <a:tc>
+                  <a:txBody>
+                    <a:bodyPr/>
+                    <a:lstStyle/>
+                    <a:p>
+                      <a:pPr algn="ctr">
+                        <a:lnSpc>
+                          <a:spcPct val="115000"/>
+                        </a:lnSpc>
+                        <a:spcAft>
+                          <a:spcPts val="0"/>
+                        </a:spcAft>
+                      </a:pPr>
+                      <a:r>
+                        <a:rPr lang="de-DE" sz="1100">
+                          <a:effectLst/>
+                        </a:rPr>
+                        <a:t>2</a:t>
+                      </a:r>
+                      <a:endParaRPr lang="de-DE" sz="1100">
+                        <a:solidFill>
+                          <a:srgbClr val="000000"/>
+                        </a:solidFill>
+                        <a:effectLst/>
+                        <a:latin typeface="Arial" panose="020B0604020202020204" pitchFamily="34" charset="0"/>
+                        <a:ea typeface="Arial" panose="020B0604020202020204" pitchFamily="34" charset="0"/>
+                      </a:endParaRPr>
+                    </a:p>
+                  </a:txBody>
+                  <a:tcPr marL="45764" marR="45764" marT="0" marB="0" anchor="ctr"/>
+                </a:tc>
+                <a:tc>
+                  <a:txBody>
+                    <a:bodyPr/>
+                    <a:lstStyle/>
+                    <a:p>
+                      <a:pPr algn="r">
+                        <a:lnSpc>
+                          <a:spcPct val="115000"/>
+                        </a:lnSpc>
+                        <a:spcAft>
+                          <a:spcPts val="0"/>
+                        </a:spcAft>
+                      </a:pPr>
+                      <a:r>
+                        <a:rPr lang="de-DE" sz="1100">
+                          <a:effectLst/>
+                        </a:rPr>
+                        <a:t>-</a:t>
+                      </a:r>
+                      <a:endParaRPr lang="de-DE" sz="1100">
+                        <a:solidFill>
+                          <a:srgbClr val="000000"/>
+                        </a:solidFill>
+                        <a:effectLst/>
+                        <a:latin typeface="Arial" panose="020B0604020202020204" pitchFamily="34" charset="0"/>
+                        <a:ea typeface="Arial" panose="020B0604020202020204" pitchFamily="34" charset="0"/>
+                      </a:endParaRPr>
+                    </a:p>
+                  </a:txBody>
+                  <a:tcPr marL="45764" marR="45764" marT="0" marB="0" anchor="ctr"/>
+                </a:tc>
+                <a:tc>
+                  <a:txBody>
+                    <a:bodyPr/>
+                    <a:lstStyle/>
+                    <a:p>
+                      <a:pPr algn="ctr">
+                        <a:lnSpc>
+                          <a:spcPct val="115000"/>
+                        </a:lnSpc>
+                        <a:spcAft>
+                          <a:spcPts val="0"/>
+                        </a:spcAft>
+                      </a:pPr>
+                      <a:r>
+                        <a:rPr lang="de-DE" sz="1100">
+                          <a:effectLst/>
+                        </a:rPr>
+                        <a:t>2</a:t>
+                      </a:r>
+                      <a:endParaRPr lang="de-DE" sz="1100">
+                        <a:solidFill>
+                          <a:srgbClr val="000000"/>
+                        </a:solidFill>
+                        <a:effectLst/>
+                        <a:latin typeface="Arial" panose="020B0604020202020204" pitchFamily="34" charset="0"/>
+                        <a:ea typeface="Arial" panose="020B0604020202020204" pitchFamily="34" charset="0"/>
+                      </a:endParaRPr>
+                    </a:p>
+                  </a:txBody>
+                  <a:tcPr marL="45764" marR="45764" marT="0" marB="0" anchor="ctr"/>
+                </a:tc>
+                <a:tc>
+                  <a:txBody>
+                    <a:bodyPr/>
+                    <a:lstStyle/>
+                    <a:p>
+                      <a:pPr algn="r">
+                        <a:lnSpc>
+                          <a:spcPct val="115000"/>
+                        </a:lnSpc>
+                        <a:spcAft>
+                          <a:spcPts val="0"/>
+                        </a:spcAft>
+                      </a:pPr>
+                      <a:r>
+                        <a:rPr lang="de-DE" sz="1100">
+                          <a:effectLst/>
+                        </a:rPr>
+                        <a:t>-</a:t>
+                      </a:r>
+                      <a:endParaRPr lang="de-DE" sz="1100">
+                        <a:solidFill>
+                          <a:srgbClr val="000000"/>
+                        </a:solidFill>
+                        <a:effectLst/>
+                        <a:latin typeface="Arial" panose="020B0604020202020204" pitchFamily="34" charset="0"/>
+                        <a:ea typeface="Arial" panose="020B0604020202020204" pitchFamily="34" charset="0"/>
+                      </a:endParaRPr>
+                    </a:p>
+                  </a:txBody>
+                  <a:tcPr marL="45764" marR="45764" marT="0" marB="0" anchor="ctr"/>
+                </a:tc>
+              </a:tr>
+              <a:tr h="198481">
+                <a:tc>
+                  <a:txBody>
+                    <a:bodyPr/>
+                    <a:lstStyle/>
+                    <a:p>
+                      <a:pPr>
+                        <a:lnSpc>
+                          <a:spcPct val="115000"/>
+                        </a:lnSpc>
+                        <a:spcAft>
+                          <a:spcPts val="0"/>
+                        </a:spcAft>
+                      </a:pPr>
+                      <a:r>
+                        <a:rPr lang="de-DE" sz="1100">
+                          <a:effectLst/>
+                        </a:rPr>
+                        <a:t>Anforderungsdefinition:</a:t>
+                      </a:r>
+                      <a:endParaRPr lang="de-DE" sz="1100">
+                        <a:solidFill>
+                          <a:srgbClr val="000000"/>
+                        </a:solidFill>
+                        <a:effectLst/>
+                        <a:latin typeface="Arial" panose="020B0604020202020204" pitchFamily="34" charset="0"/>
+                        <a:ea typeface="Arial" panose="020B0604020202020204" pitchFamily="34" charset="0"/>
+                      </a:endParaRPr>
+                    </a:p>
+                  </a:txBody>
+                  <a:tcPr marL="45764" marR="45764" marT="0" marB="0" anchor="ctr"/>
+                </a:tc>
+                <a:tc>
+                  <a:txBody>
+                    <a:bodyPr/>
+                    <a:lstStyle/>
+                    <a:p>
+                      <a:pPr algn="ctr">
+                        <a:lnSpc>
+                          <a:spcPct val="115000"/>
+                        </a:lnSpc>
+                        <a:spcAft>
+                          <a:spcPts val="0"/>
+                        </a:spcAft>
+                      </a:pPr>
+                      <a:r>
+                        <a:rPr lang="de-DE" sz="1100">
+                          <a:effectLst/>
+                        </a:rPr>
+                        <a:t>4</a:t>
+                      </a:r>
+                      <a:endParaRPr lang="de-DE" sz="1100">
+                        <a:solidFill>
+                          <a:srgbClr val="000000"/>
+                        </a:solidFill>
+                        <a:effectLst/>
+                        <a:latin typeface="Arial" panose="020B0604020202020204" pitchFamily="34" charset="0"/>
+                        <a:ea typeface="Arial" panose="020B0604020202020204" pitchFamily="34" charset="0"/>
+                      </a:endParaRPr>
+                    </a:p>
+                  </a:txBody>
+                  <a:tcPr marL="45764" marR="45764" marT="0" marB="0" anchor="ctr"/>
+                </a:tc>
+                <a:tc>
+                  <a:txBody>
+                    <a:bodyPr/>
+                    <a:lstStyle/>
+                    <a:p>
+                      <a:pPr algn="r">
+                        <a:lnSpc>
+                          <a:spcPct val="115000"/>
+                        </a:lnSpc>
+                        <a:spcAft>
+                          <a:spcPts val="0"/>
+                        </a:spcAft>
+                      </a:pPr>
+                      <a:r>
+                        <a:rPr lang="de-DE" sz="1100">
+                          <a:effectLst/>
+                        </a:rPr>
+                        <a:t>80 €</a:t>
+                      </a:r>
+                      <a:endParaRPr lang="de-DE" sz="1100">
+                        <a:solidFill>
+                          <a:srgbClr val="000000"/>
+                        </a:solidFill>
+                        <a:effectLst/>
+                        <a:latin typeface="Arial" panose="020B0604020202020204" pitchFamily="34" charset="0"/>
+                        <a:ea typeface="Arial" panose="020B0604020202020204" pitchFamily="34" charset="0"/>
+                      </a:endParaRPr>
+                    </a:p>
+                  </a:txBody>
+                  <a:tcPr marL="45764" marR="45764" marT="0" marB="0" anchor="ctr"/>
+                </a:tc>
+                <a:tc>
+                  <a:txBody>
+                    <a:bodyPr/>
+                    <a:lstStyle/>
+                    <a:p>
+                      <a:pPr algn="ctr">
+                        <a:lnSpc>
+                          <a:spcPct val="115000"/>
+                        </a:lnSpc>
+                        <a:spcAft>
+                          <a:spcPts val="0"/>
+                        </a:spcAft>
+                      </a:pPr>
+                      <a:r>
+                        <a:rPr lang="de-DE" sz="1100">
+                          <a:effectLst/>
+                        </a:rPr>
+                        <a:t>4</a:t>
+                      </a:r>
+                      <a:endParaRPr lang="de-DE" sz="1100">
+                        <a:solidFill>
+                          <a:srgbClr val="000000"/>
+                        </a:solidFill>
+                        <a:effectLst/>
+                        <a:latin typeface="Arial" panose="020B0604020202020204" pitchFamily="34" charset="0"/>
+                        <a:ea typeface="Arial" panose="020B0604020202020204" pitchFamily="34" charset="0"/>
+                      </a:endParaRPr>
+                    </a:p>
+                  </a:txBody>
+                  <a:tcPr marL="45764" marR="45764" marT="0" marB="0" anchor="ctr"/>
+                </a:tc>
+                <a:tc>
+                  <a:txBody>
+                    <a:bodyPr/>
+                    <a:lstStyle/>
+                    <a:p>
+                      <a:pPr algn="r">
+                        <a:lnSpc>
+                          <a:spcPct val="115000"/>
+                        </a:lnSpc>
+                        <a:spcAft>
+                          <a:spcPts val="0"/>
+                        </a:spcAft>
+                      </a:pPr>
+                      <a:r>
+                        <a:rPr lang="de-DE" sz="1100">
+                          <a:effectLst/>
+                        </a:rPr>
+                        <a:t>80 €</a:t>
+                      </a:r>
+                      <a:endParaRPr lang="de-DE" sz="1100">
+                        <a:solidFill>
+                          <a:srgbClr val="000000"/>
+                        </a:solidFill>
+                        <a:effectLst/>
+                        <a:latin typeface="Arial" panose="020B0604020202020204" pitchFamily="34" charset="0"/>
+                        <a:ea typeface="Arial" panose="020B0604020202020204" pitchFamily="34" charset="0"/>
+                      </a:endParaRPr>
+                    </a:p>
+                  </a:txBody>
+                  <a:tcPr marL="45764" marR="45764" marT="0" marB="0" anchor="ctr"/>
+                </a:tc>
+              </a:tr>
+              <a:tr h="198481">
+                <a:tc>
+                  <a:txBody>
+                    <a:bodyPr/>
+                    <a:lstStyle/>
+                    <a:p>
+                      <a:pPr>
+                        <a:lnSpc>
+                          <a:spcPct val="115000"/>
+                        </a:lnSpc>
+                        <a:spcAft>
+                          <a:spcPts val="0"/>
+                        </a:spcAft>
+                      </a:pPr>
+                      <a:r>
+                        <a:rPr lang="de-DE" sz="1100">
+                          <a:effectLst/>
+                        </a:rPr>
+                        <a:t>&gt;Ergebnis: Pflichtenheft</a:t>
+                      </a:r>
+                      <a:endParaRPr lang="de-DE" sz="1100">
+                        <a:solidFill>
+                          <a:srgbClr val="000000"/>
+                        </a:solidFill>
+                        <a:effectLst/>
+                        <a:latin typeface="Arial" panose="020B0604020202020204" pitchFamily="34" charset="0"/>
+                        <a:ea typeface="Arial" panose="020B0604020202020204" pitchFamily="34" charset="0"/>
+                      </a:endParaRPr>
+                    </a:p>
+                  </a:txBody>
+                  <a:tcPr marL="45764" marR="45764" marT="0" marB="0" anchor="ctr"/>
+                </a:tc>
+                <a:tc>
+                  <a:txBody>
+                    <a:bodyPr/>
+                    <a:lstStyle/>
+                    <a:p>
+                      <a:pPr algn="ctr">
+                        <a:lnSpc>
+                          <a:spcPct val="115000"/>
+                        </a:lnSpc>
+                        <a:spcAft>
+                          <a:spcPts val="0"/>
+                        </a:spcAft>
+                      </a:pPr>
+                      <a:r>
+                        <a:rPr lang="de-DE" sz="1100">
+                          <a:effectLst/>
+                        </a:rPr>
+                        <a:t>4</a:t>
+                      </a:r>
+                      <a:endParaRPr lang="de-DE" sz="1100">
+                        <a:solidFill>
+                          <a:srgbClr val="000000"/>
+                        </a:solidFill>
+                        <a:effectLst/>
+                        <a:latin typeface="Arial" panose="020B0604020202020204" pitchFamily="34" charset="0"/>
+                        <a:ea typeface="Arial" panose="020B0604020202020204" pitchFamily="34" charset="0"/>
+                      </a:endParaRPr>
+                    </a:p>
+                  </a:txBody>
+                  <a:tcPr marL="45764" marR="45764" marT="0" marB="0" anchor="ctr"/>
+                </a:tc>
+                <a:tc>
+                  <a:txBody>
+                    <a:bodyPr/>
+                    <a:lstStyle/>
+                    <a:p>
+                      <a:pPr algn="r">
+                        <a:lnSpc>
+                          <a:spcPct val="115000"/>
+                        </a:lnSpc>
+                        <a:spcAft>
+                          <a:spcPts val="0"/>
+                        </a:spcAft>
+                      </a:pPr>
+                      <a:r>
+                        <a:rPr lang="de-DE" sz="1100">
+                          <a:effectLst/>
+                        </a:rPr>
+                        <a:t>80 €</a:t>
+                      </a:r>
+                      <a:endParaRPr lang="de-DE" sz="1100">
+                        <a:solidFill>
+                          <a:srgbClr val="000000"/>
+                        </a:solidFill>
+                        <a:effectLst/>
+                        <a:latin typeface="Arial" panose="020B0604020202020204" pitchFamily="34" charset="0"/>
+                        <a:ea typeface="Arial" panose="020B0604020202020204" pitchFamily="34" charset="0"/>
+                      </a:endParaRPr>
+                    </a:p>
+                  </a:txBody>
+                  <a:tcPr marL="45764" marR="45764" marT="0" marB="0" anchor="ctr"/>
+                </a:tc>
+                <a:tc>
+                  <a:txBody>
+                    <a:bodyPr/>
+                    <a:lstStyle/>
+                    <a:p>
+                      <a:pPr algn="ctr">
+                        <a:lnSpc>
+                          <a:spcPct val="115000"/>
+                        </a:lnSpc>
+                        <a:spcAft>
+                          <a:spcPts val="0"/>
+                        </a:spcAft>
+                      </a:pPr>
+                      <a:r>
+                        <a:rPr lang="de-DE" sz="1100">
+                          <a:effectLst/>
+                        </a:rPr>
+                        <a:t>4</a:t>
+                      </a:r>
+                      <a:endParaRPr lang="de-DE" sz="1100">
+                        <a:solidFill>
+                          <a:srgbClr val="000000"/>
+                        </a:solidFill>
+                        <a:effectLst/>
+                        <a:latin typeface="Arial" panose="020B0604020202020204" pitchFamily="34" charset="0"/>
+                        <a:ea typeface="Arial" panose="020B0604020202020204" pitchFamily="34" charset="0"/>
+                      </a:endParaRPr>
+                    </a:p>
+                  </a:txBody>
+                  <a:tcPr marL="45764" marR="45764" marT="0" marB="0" anchor="ctr"/>
+                </a:tc>
+                <a:tc>
+                  <a:txBody>
+                    <a:bodyPr/>
+                    <a:lstStyle/>
+                    <a:p>
+                      <a:pPr algn="r">
+                        <a:lnSpc>
+                          <a:spcPct val="115000"/>
+                        </a:lnSpc>
+                        <a:spcAft>
+                          <a:spcPts val="0"/>
+                        </a:spcAft>
+                      </a:pPr>
+                      <a:r>
+                        <a:rPr lang="de-DE" sz="1100">
+                          <a:effectLst/>
+                        </a:rPr>
+                        <a:t>80 €</a:t>
+                      </a:r>
+                      <a:endParaRPr lang="de-DE" sz="1100">
+                        <a:solidFill>
+                          <a:srgbClr val="000000"/>
+                        </a:solidFill>
+                        <a:effectLst/>
+                        <a:latin typeface="Arial" panose="020B0604020202020204" pitchFamily="34" charset="0"/>
+                        <a:ea typeface="Arial" panose="020B0604020202020204" pitchFamily="34" charset="0"/>
+                      </a:endParaRPr>
+                    </a:p>
+                  </a:txBody>
+                  <a:tcPr marL="45764" marR="45764" marT="0" marB="0" anchor="ctr"/>
+                </a:tc>
+              </a:tr>
+              <a:tr h="198481">
+                <a:tc>
+                  <a:txBody>
+                    <a:bodyPr/>
+                    <a:lstStyle/>
+                    <a:p>
+                      <a:pPr>
+                        <a:lnSpc>
+                          <a:spcPct val="115000"/>
+                        </a:lnSpc>
+                        <a:spcAft>
+                          <a:spcPts val="0"/>
+                        </a:spcAft>
+                      </a:pPr>
+                      <a:r>
+                        <a:rPr lang="de-DE" sz="1100">
+                          <a:effectLst/>
+                        </a:rPr>
+                        <a:t>Analyse und Entwurf:</a:t>
+                      </a:r>
+                      <a:endParaRPr lang="de-DE" sz="1100">
+                        <a:solidFill>
+                          <a:srgbClr val="000000"/>
+                        </a:solidFill>
+                        <a:effectLst/>
+                        <a:latin typeface="Arial" panose="020B0604020202020204" pitchFamily="34" charset="0"/>
+                        <a:ea typeface="Arial" panose="020B0604020202020204" pitchFamily="34" charset="0"/>
+                      </a:endParaRPr>
+                    </a:p>
+                  </a:txBody>
+                  <a:tcPr marL="45764" marR="45764" marT="0" marB="0" anchor="ctr"/>
+                </a:tc>
+                <a:tc>
+                  <a:txBody>
+                    <a:bodyPr/>
+                    <a:lstStyle/>
+                    <a:p>
+                      <a:pPr algn="ctr">
+                        <a:lnSpc>
+                          <a:spcPct val="115000"/>
+                        </a:lnSpc>
+                        <a:spcAft>
+                          <a:spcPts val="0"/>
+                        </a:spcAft>
+                      </a:pPr>
+                      <a:r>
+                        <a:rPr lang="de-DE" sz="1100">
+                          <a:effectLst/>
+                        </a:rPr>
+                        <a:t>4</a:t>
+                      </a:r>
+                      <a:endParaRPr lang="de-DE" sz="1100">
+                        <a:solidFill>
+                          <a:srgbClr val="000000"/>
+                        </a:solidFill>
+                        <a:effectLst/>
+                        <a:latin typeface="Arial" panose="020B0604020202020204" pitchFamily="34" charset="0"/>
+                        <a:ea typeface="Arial" panose="020B0604020202020204" pitchFamily="34" charset="0"/>
+                      </a:endParaRPr>
+                    </a:p>
+                  </a:txBody>
+                  <a:tcPr marL="45764" marR="45764" marT="0" marB="0" anchor="ctr"/>
+                </a:tc>
+                <a:tc>
+                  <a:txBody>
+                    <a:bodyPr/>
+                    <a:lstStyle/>
+                    <a:p>
+                      <a:pPr algn="r">
+                        <a:lnSpc>
+                          <a:spcPct val="115000"/>
+                        </a:lnSpc>
+                        <a:spcAft>
+                          <a:spcPts val="0"/>
+                        </a:spcAft>
+                      </a:pPr>
+                      <a:r>
+                        <a:rPr lang="de-DE" sz="1100">
+                          <a:effectLst/>
+                        </a:rPr>
+                        <a:t>80 €</a:t>
+                      </a:r>
+                      <a:endParaRPr lang="de-DE" sz="1100">
+                        <a:solidFill>
+                          <a:srgbClr val="000000"/>
+                        </a:solidFill>
+                        <a:effectLst/>
+                        <a:latin typeface="Arial" panose="020B0604020202020204" pitchFamily="34" charset="0"/>
+                        <a:ea typeface="Arial" panose="020B0604020202020204" pitchFamily="34" charset="0"/>
+                      </a:endParaRPr>
+                    </a:p>
+                  </a:txBody>
+                  <a:tcPr marL="45764" marR="45764" marT="0" marB="0" anchor="ctr"/>
+                </a:tc>
+                <a:tc>
+                  <a:txBody>
+                    <a:bodyPr/>
+                    <a:lstStyle/>
+                    <a:p>
+                      <a:pPr algn="ctr">
+                        <a:lnSpc>
+                          <a:spcPct val="115000"/>
+                        </a:lnSpc>
+                        <a:spcAft>
+                          <a:spcPts val="0"/>
+                        </a:spcAft>
+                      </a:pPr>
+                      <a:r>
+                        <a:rPr lang="de-DE" sz="1100">
+                          <a:effectLst/>
+                        </a:rPr>
+                        <a:t>4</a:t>
+                      </a:r>
+                      <a:endParaRPr lang="de-DE" sz="1100">
+                        <a:solidFill>
+                          <a:srgbClr val="000000"/>
+                        </a:solidFill>
+                        <a:effectLst/>
+                        <a:latin typeface="Arial" panose="020B0604020202020204" pitchFamily="34" charset="0"/>
+                        <a:ea typeface="Arial" panose="020B0604020202020204" pitchFamily="34" charset="0"/>
+                      </a:endParaRPr>
+                    </a:p>
+                  </a:txBody>
+                  <a:tcPr marL="45764" marR="45764" marT="0" marB="0" anchor="ctr"/>
+                </a:tc>
+                <a:tc>
+                  <a:txBody>
+                    <a:bodyPr/>
+                    <a:lstStyle/>
+                    <a:p>
+                      <a:pPr algn="r">
+                        <a:lnSpc>
+                          <a:spcPct val="115000"/>
+                        </a:lnSpc>
+                        <a:spcAft>
+                          <a:spcPts val="0"/>
+                        </a:spcAft>
+                      </a:pPr>
+                      <a:r>
+                        <a:rPr lang="de-DE" sz="1100">
+                          <a:effectLst/>
+                        </a:rPr>
+                        <a:t>80 €</a:t>
+                      </a:r>
+                      <a:endParaRPr lang="de-DE" sz="1100">
+                        <a:solidFill>
+                          <a:srgbClr val="000000"/>
+                        </a:solidFill>
+                        <a:effectLst/>
+                        <a:latin typeface="Arial" panose="020B0604020202020204" pitchFamily="34" charset="0"/>
+                        <a:ea typeface="Arial" panose="020B0604020202020204" pitchFamily="34" charset="0"/>
+                      </a:endParaRPr>
+                    </a:p>
+                  </a:txBody>
+                  <a:tcPr marL="45764" marR="45764" marT="0" marB="0" anchor="ctr"/>
+                </a:tc>
+              </a:tr>
+              <a:tr h="198481">
+                <a:tc>
+                  <a:txBody>
+                    <a:bodyPr/>
+                    <a:lstStyle/>
+                    <a:p>
+                      <a:pPr>
+                        <a:lnSpc>
+                          <a:spcPct val="115000"/>
+                        </a:lnSpc>
+                        <a:spcAft>
+                          <a:spcPts val="0"/>
+                        </a:spcAft>
+                      </a:pPr>
+                      <a:r>
+                        <a:rPr lang="de-DE" sz="1100">
+                          <a:effectLst/>
+                        </a:rPr>
+                        <a:t>- Analyse</a:t>
+                      </a:r>
+                      <a:endParaRPr lang="de-DE" sz="1100">
+                        <a:solidFill>
+                          <a:srgbClr val="000000"/>
+                        </a:solidFill>
+                        <a:effectLst/>
+                        <a:latin typeface="Arial" panose="020B0604020202020204" pitchFamily="34" charset="0"/>
+                        <a:ea typeface="Arial" panose="020B0604020202020204" pitchFamily="34" charset="0"/>
+                      </a:endParaRPr>
+                    </a:p>
+                  </a:txBody>
+                  <a:tcPr marL="45764" marR="45764" marT="0" marB="0" anchor="ctr"/>
+                </a:tc>
+                <a:tc>
+                  <a:txBody>
+                    <a:bodyPr/>
+                    <a:lstStyle/>
+                    <a:p>
+                      <a:pPr algn="ctr">
+                        <a:lnSpc>
+                          <a:spcPct val="115000"/>
+                        </a:lnSpc>
+                        <a:spcAft>
+                          <a:spcPts val="0"/>
+                        </a:spcAft>
+                      </a:pPr>
+                      <a:r>
+                        <a:rPr lang="de-DE" sz="1100">
+                          <a:effectLst/>
+                        </a:rPr>
+                        <a:t>2</a:t>
+                      </a:r>
+                      <a:endParaRPr lang="de-DE" sz="1100">
+                        <a:solidFill>
+                          <a:srgbClr val="000000"/>
+                        </a:solidFill>
+                        <a:effectLst/>
+                        <a:latin typeface="Arial" panose="020B0604020202020204" pitchFamily="34" charset="0"/>
+                        <a:ea typeface="Arial" panose="020B0604020202020204" pitchFamily="34" charset="0"/>
+                      </a:endParaRPr>
+                    </a:p>
+                  </a:txBody>
+                  <a:tcPr marL="45764" marR="45764" marT="0" marB="0" anchor="ctr"/>
+                </a:tc>
+                <a:tc>
+                  <a:txBody>
+                    <a:bodyPr/>
+                    <a:lstStyle/>
+                    <a:p>
+                      <a:pPr algn="r">
+                        <a:lnSpc>
+                          <a:spcPct val="115000"/>
+                        </a:lnSpc>
+                        <a:spcAft>
+                          <a:spcPts val="0"/>
+                        </a:spcAft>
+                      </a:pPr>
+                      <a:r>
+                        <a:rPr lang="de-DE" sz="1100">
+                          <a:effectLst/>
+                        </a:rPr>
+                        <a:t>40 €</a:t>
+                      </a:r>
+                      <a:endParaRPr lang="de-DE" sz="1100">
+                        <a:solidFill>
+                          <a:srgbClr val="000000"/>
+                        </a:solidFill>
+                        <a:effectLst/>
+                        <a:latin typeface="Arial" panose="020B0604020202020204" pitchFamily="34" charset="0"/>
+                        <a:ea typeface="Arial" panose="020B0604020202020204" pitchFamily="34" charset="0"/>
+                      </a:endParaRPr>
+                    </a:p>
+                  </a:txBody>
+                  <a:tcPr marL="45764" marR="45764" marT="0" marB="0" anchor="ctr"/>
+                </a:tc>
+                <a:tc>
+                  <a:txBody>
+                    <a:bodyPr/>
+                    <a:lstStyle/>
+                    <a:p>
+                      <a:pPr algn="ctr">
+                        <a:lnSpc>
+                          <a:spcPct val="115000"/>
+                        </a:lnSpc>
+                        <a:spcAft>
+                          <a:spcPts val="0"/>
+                        </a:spcAft>
+                      </a:pPr>
+                      <a:r>
+                        <a:rPr lang="de-DE" sz="1100">
+                          <a:effectLst/>
+                        </a:rPr>
+                        <a:t>2</a:t>
+                      </a:r>
+                      <a:endParaRPr lang="de-DE" sz="1100">
+                        <a:solidFill>
+                          <a:srgbClr val="000000"/>
+                        </a:solidFill>
+                        <a:effectLst/>
+                        <a:latin typeface="Arial" panose="020B0604020202020204" pitchFamily="34" charset="0"/>
+                        <a:ea typeface="Arial" panose="020B0604020202020204" pitchFamily="34" charset="0"/>
+                      </a:endParaRPr>
+                    </a:p>
+                  </a:txBody>
+                  <a:tcPr marL="45764" marR="45764" marT="0" marB="0" anchor="ctr"/>
+                </a:tc>
+                <a:tc>
+                  <a:txBody>
+                    <a:bodyPr/>
+                    <a:lstStyle/>
+                    <a:p>
+                      <a:pPr algn="r">
+                        <a:lnSpc>
+                          <a:spcPct val="115000"/>
+                        </a:lnSpc>
+                        <a:spcAft>
+                          <a:spcPts val="0"/>
+                        </a:spcAft>
+                      </a:pPr>
+                      <a:r>
+                        <a:rPr lang="de-DE" sz="1100">
+                          <a:effectLst/>
+                        </a:rPr>
+                        <a:t>40 €</a:t>
+                      </a:r>
+                      <a:endParaRPr lang="de-DE" sz="1100">
+                        <a:solidFill>
+                          <a:srgbClr val="000000"/>
+                        </a:solidFill>
+                        <a:effectLst/>
+                        <a:latin typeface="Arial" panose="020B0604020202020204" pitchFamily="34" charset="0"/>
+                        <a:ea typeface="Arial" panose="020B0604020202020204" pitchFamily="34" charset="0"/>
+                      </a:endParaRPr>
+                    </a:p>
+                  </a:txBody>
+                  <a:tcPr marL="45764" marR="45764" marT="0" marB="0" anchor="ctr"/>
+                </a:tc>
+              </a:tr>
+              <a:tr h="198481">
+                <a:tc>
+                  <a:txBody>
+                    <a:bodyPr/>
+                    <a:lstStyle/>
+                    <a:p>
+                      <a:pPr>
+                        <a:lnSpc>
+                          <a:spcPct val="115000"/>
+                        </a:lnSpc>
+                        <a:spcAft>
+                          <a:spcPts val="0"/>
+                        </a:spcAft>
+                      </a:pPr>
+                      <a:r>
+                        <a:rPr lang="de-DE" sz="1100">
+                          <a:effectLst/>
+                        </a:rPr>
+                        <a:t>- Entwurf</a:t>
+                      </a:r>
+                      <a:endParaRPr lang="de-DE" sz="1100">
+                        <a:solidFill>
+                          <a:srgbClr val="000000"/>
+                        </a:solidFill>
+                        <a:effectLst/>
+                        <a:latin typeface="Arial" panose="020B0604020202020204" pitchFamily="34" charset="0"/>
+                        <a:ea typeface="Arial" panose="020B0604020202020204" pitchFamily="34" charset="0"/>
+                      </a:endParaRPr>
+                    </a:p>
+                  </a:txBody>
+                  <a:tcPr marL="45764" marR="45764" marT="0" marB="0" anchor="ctr"/>
+                </a:tc>
+                <a:tc>
+                  <a:txBody>
+                    <a:bodyPr/>
+                    <a:lstStyle/>
+                    <a:p>
+                      <a:pPr algn="ctr">
+                        <a:lnSpc>
+                          <a:spcPct val="115000"/>
+                        </a:lnSpc>
+                        <a:spcAft>
+                          <a:spcPts val="0"/>
+                        </a:spcAft>
+                      </a:pPr>
+                      <a:r>
+                        <a:rPr lang="de-DE" sz="1100">
+                          <a:effectLst/>
+                        </a:rPr>
+                        <a:t>2</a:t>
+                      </a:r>
+                      <a:endParaRPr lang="de-DE" sz="1100">
+                        <a:solidFill>
+                          <a:srgbClr val="000000"/>
+                        </a:solidFill>
+                        <a:effectLst/>
+                        <a:latin typeface="Arial" panose="020B0604020202020204" pitchFamily="34" charset="0"/>
+                        <a:ea typeface="Arial" panose="020B0604020202020204" pitchFamily="34" charset="0"/>
+                      </a:endParaRPr>
+                    </a:p>
+                  </a:txBody>
+                  <a:tcPr marL="45764" marR="45764" marT="0" marB="0" anchor="ctr"/>
+                </a:tc>
+                <a:tc>
+                  <a:txBody>
+                    <a:bodyPr/>
+                    <a:lstStyle/>
+                    <a:p>
+                      <a:pPr algn="r">
+                        <a:lnSpc>
+                          <a:spcPct val="115000"/>
+                        </a:lnSpc>
+                        <a:spcAft>
+                          <a:spcPts val="0"/>
+                        </a:spcAft>
+                      </a:pPr>
+                      <a:r>
+                        <a:rPr lang="de-DE" sz="1100">
+                          <a:effectLst/>
+                        </a:rPr>
+                        <a:t>40 €</a:t>
+                      </a:r>
+                      <a:endParaRPr lang="de-DE" sz="1100">
+                        <a:solidFill>
+                          <a:srgbClr val="000000"/>
+                        </a:solidFill>
+                        <a:effectLst/>
+                        <a:latin typeface="Arial" panose="020B0604020202020204" pitchFamily="34" charset="0"/>
+                        <a:ea typeface="Arial" panose="020B0604020202020204" pitchFamily="34" charset="0"/>
+                      </a:endParaRPr>
+                    </a:p>
+                  </a:txBody>
+                  <a:tcPr marL="45764" marR="45764" marT="0" marB="0" anchor="ctr"/>
+                </a:tc>
+                <a:tc>
+                  <a:txBody>
+                    <a:bodyPr/>
+                    <a:lstStyle/>
+                    <a:p>
+                      <a:pPr algn="ctr">
+                        <a:lnSpc>
+                          <a:spcPct val="115000"/>
+                        </a:lnSpc>
+                        <a:spcAft>
+                          <a:spcPts val="0"/>
+                        </a:spcAft>
+                      </a:pPr>
+                      <a:r>
+                        <a:rPr lang="de-DE" sz="1100">
+                          <a:effectLst/>
+                        </a:rPr>
+                        <a:t>2</a:t>
+                      </a:r>
+                      <a:endParaRPr lang="de-DE" sz="1100">
+                        <a:solidFill>
+                          <a:srgbClr val="000000"/>
+                        </a:solidFill>
+                        <a:effectLst/>
+                        <a:latin typeface="Arial" panose="020B0604020202020204" pitchFamily="34" charset="0"/>
+                        <a:ea typeface="Arial" panose="020B0604020202020204" pitchFamily="34" charset="0"/>
+                      </a:endParaRPr>
+                    </a:p>
+                  </a:txBody>
+                  <a:tcPr marL="45764" marR="45764" marT="0" marB="0" anchor="ctr"/>
+                </a:tc>
+                <a:tc>
+                  <a:txBody>
+                    <a:bodyPr/>
+                    <a:lstStyle/>
+                    <a:p>
+                      <a:pPr algn="r">
+                        <a:lnSpc>
+                          <a:spcPct val="115000"/>
+                        </a:lnSpc>
+                        <a:spcAft>
+                          <a:spcPts val="0"/>
+                        </a:spcAft>
+                      </a:pPr>
+                      <a:r>
+                        <a:rPr lang="de-DE" sz="1100">
+                          <a:effectLst/>
+                        </a:rPr>
+                        <a:t>40 €</a:t>
+                      </a:r>
+                      <a:endParaRPr lang="de-DE" sz="1100">
+                        <a:solidFill>
+                          <a:srgbClr val="000000"/>
+                        </a:solidFill>
+                        <a:effectLst/>
+                        <a:latin typeface="Arial" panose="020B0604020202020204" pitchFamily="34" charset="0"/>
+                        <a:ea typeface="Arial" panose="020B0604020202020204" pitchFamily="34" charset="0"/>
+                      </a:endParaRPr>
+                    </a:p>
+                  </a:txBody>
+                  <a:tcPr marL="45764" marR="45764" marT="0" marB="0" anchor="ctr"/>
+                </a:tc>
+              </a:tr>
+              <a:tr h="215741">
+                <a:tc>
+                  <a:txBody>
+                    <a:bodyPr/>
+                    <a:lstStyle/>
+                    <a:p>
+                      <a:pPr>
+                        <a:lnSpc>
+                          <a:spcPct val="115000"/>
+                        </a:lnSpc>
+                        <a:spcAft>
+                          <a:spcPts val="0"/>
+                        </a:spcAft>
+                      </a:pPr>
+                      <a:r>
+                        <a:rPr lang="de-DE" sz="1100">
+                          <a:effectLst/>
+                        </a:rPr>
+                        <a:t>Implementierung:</a:t>
+                      </a:r>
+                      <a:endParaRPr lang="de-DE" sz="1100">
+                        <a:solidFill>
+                          <a:srgbClr val="000000"/>
+                        </a:solidFill>
+                        <a:effectLst/>
+                        <a:latin typeface="Arial" panose="020B0604020202020204" pitchFamily="34" charset="0"/>
+                        <a:ea typeface="Arial" panose="020B0604020202020204" pitchFamily="34" charset="0"/>
+                      </a:endParaRPr>
+                    </a:p>
+                  </a:txBody>
+                  <a:tcPr marL="45764" marR="45764" marT="0" marB="0" anchor="ctr"/>
+                </a:tc>
+                <a:tc>
+                  <a:txBody>
+                    <a:bodyPr/>
+                    <a:lstStyle/>
+                    <a:p>
+                      <a:pPr algn="ctr">
+                        <a:lnSpc>
+                          <a:spcPct val="115000"/>
+                        </a:lnSpc>
+                        <a:spcAft>
+                          <a:spcPts val="0"/>
+                        </a:spcAft>
+                      </a:pPr>
+                      <a:r>
+                        <a:rPr lang="de-DE" sz="1100">
+                          <a:effectLst/>
+                        </a:rPr>
+                        <a:t>8</a:t>
+                      </a:r>
+                      <a:endParaRPr lang="de-DE" sz="1100">
+                        <a:solidFill>
+                          <a:srgbClr val="000000"/>
+                        </a:solidFill>
+                        <a:effectLst/>
+                        <a:latin typeface="Arial" panose="020B0604020202020204" pitchFamily="34" charset="0"/>
+                        <a:ea typeface="Arial" panose="020B0604020202020204" pitchFamily="34" charset="0"/>
+                      </a:endParaRPr>
+                    </a:p>
+                  </a:txBody>
+                  <a:tcPr marL="45764" marR="45764" marT="0" marB="0" anchor="ctr"/>
+                </a:tc>
+                <a:tc>
+                  <a:txBody>
+                    <a:bodyPr/>
+                    <a:lstStyle/>
+                    <a:p>
+                      <a:pPr algn="r">
+                        <a:lnSpc>
+                          <a:spcPct val="115000"/>
+                        </a:lnSpc>
+                        <a:spcAft>
+                          <a:spcPts val="0"/>
+                        </a:spcAft>
+                      </a:pPr>
+                      <a:r>
+                        <a:rPr lang="de-DE" sz="1100">
+                          <a:effectLst/>
+                        </a:rPr>
+                        <a:t>160 €</a:t>
+                      </a:r>
+                      <a:endParaRPr lang="de-DE" sz="1100">
+                        <a:solidFill>
+                          <a:srgbClr val="000000"/>
+                        </a:solidFill>
+                        <a:effectLst/>
+                        <a:latin typeface="Arial" panose="020B0604020202020204" pitchFamily="34" charset="0"/>
+                        <a:ea typeface="Arial" panose="020B0604020202020204" pitchFamily="34" charset="0"/>
+                      </a:endParaRPr>
+                    </a:p>
+                  </a:txBody>
+                  <a:tcPr marL="45764" marR="45764" marT="0" marB="0" anchor="ctr"/>
+                </a:tc>
+                <a:tc>
+                  <a:txBody>
+                    <a:bodyPr/>
+                    <a:lstStyle/>
+                    <a:p>
+                      <a:pPr algn="ctr">
+                        <a:lnSpc>
+                          <a:spcPct val="115000"/>
+                        </a:lnSpc>
+                        <a:spcAft>
+                          <a:spcPts val="0"/>
+                        </a:spcAft>
+                      </a:pPr>
+                      <a:r>
+                        <a:rPr lang="de-DE" sz="1100">
+                          <a:effectLst/>
+                        </a:rPr>
+                        <a:t>24</a:t>
+                      </a:r>
+                      <a:endParaRPr lang="de-DE" sz="1100">
+                        <a:solidFill>
+                          <a:srgbClr val="000000"/>
+                        </a:solidFill>
+                        <a:effectLst/>
+                        <a:latin typeface="Arial" panose="020B0604020202020204" pitchFamily="34" charset="0"/>
+                        <a:ea typeface="Arial" panose="020B0604020202020204" pitchFamily="34" charset="0"/>
+                      </a:endParaRPr>
+                    </a:p>
+                  </a:txBody>
+                  <a:tcPr marL="45764" marR="45764" marT="0" marB="0" anchor="ctr"/>
+                </a:tc>
+                <a:tc>
+                  <a:txBody>
+                    <a:bodyPr/>
+                    <a:lstStyle/>
+                    <a:p>
+                      <a:pPr algn="r">
+                        <a:lnSpc>
+                          <a:spcPct val="115000"/>
+                        </a:lnSpc>
+                        <a:spcAft>
+                          <a:spcPts val="0"/>
+                        </a:spcAft>
+                      </a:pPr>
+                      <a:r>
+                        <a:rPr lang="de-DE" sz="1100">
+                          <a:effectLst/>
+                        </a:rPr>
+                        <a:t>480 €</a:t>
+                      </a:r>
+                      <a:endParaRPr lang="de-DE" sz="1100">
+                        <a:solidFill>
+                          <a:srgbClr val="000000"/>
+                        </a:solidFill>
+                        <a:effectLst/>
+                        <a:latin typeface="Arial" panose="020B0604020202020204" pitchFamily="34" charset="0"/>
+                        <a:ea typeface="Arial" panose="020B0604020202020204" pitchFamily="34" charset="0"/>
+                      </a:endParaRPr>
+                    </a:p>
+                  </a:txBody>
+                  <a:tcPr marL="45764" marR="45764" marT="0" marB="0" anchor="ctr"/>
+                </a:tc>
+              </a:tr>
+              <a:tr h="396963">
+                <a:tc>
+                  <a:txBody>
+                    <a:bodyPr/>
+                    <a:lstStyle/>
+                    <a:p>
+                      <a:pPr>
+                        <a:lnSpc>
+                          <a:spcPct val="115000"/>
+                        </a:lnSpc>
+                        <a:spcAft>
+                          <a:spcPts val="0"/>
+                        </a:spcAft>
+                      </a:pPr>
+                      <a:r>
+                        <a:rPr lang="de-DE" sz="1100">
+                          <a:effectLst/>
+                        </a:rPr>
+                        <a:t>- Entwicklung Benutzeroberfläche</a:t>
+                      </a:r>
+                      <a:endParaRPr lang="de-DE" sz="1100">
+                        <a:solidFill>
+                          <a:srgbClr val="000000"/>
+                        </a:solidFill>
+                        <a:effectLst/>
+                        <a:latin typeface="Arial" panose="020B0604020202020204" pitchFamily="34" charset="0"/>
+                        <a:ea typeface="Arial" panose="020B0604020202020204" pitchFamily="34" charset="0"/>
+                      </a:endParaRPr>
+                    </a:p>
+                  </a:txBody>
+                  <a:tcPr marL="45764" marR="45764" marT="0" marB="0" anchor="ctr"/>
+                </a:tc>
+                <a:tc>
+                  <a:txBody>
+                    <a:bodyPr/>
+                    <a:lstStyle/>
+                    <a:p>
+                      <a:pPr algn="ctr">
+                        <a:lnSpc>
+                          <a:spcPct val="115000"/>
+                        </a:lnSpc>
+                        <a:spcAft>
+                          <a:spcPts val="0"/>
+                        </a:spcAft>
+                      </a:pPr>
+                      <a:r>
+                        <a:rPr lang="de-DE" sz="1100">
+                          <a:effectLst/>
+                        </a:rPr>
+                        <a:t>3</a:t>
+                      </a:r>
+                      <a:endParaRPr lang="de-DE" sz="1100">
+                        <a:solidFill>
+                          <a:srgbClr val="000000"/>
+                        </a:solidFill>
+                        <a:effectLst/>
+                        <a:latin typeface="Arial" panose="020B0604020202020204" pitchFamily="34" charset="0"/>
+                        <a:ea typeface="Arial" panose="020B0604020202020204" pitchFamily="34" charset="0"/>
+                      </a:endParaRPr>
+                    </a:p>
+                  </a:txBody>
+                  <a:tcPr marL="45764" marR="45764" marT="0" marB="0" anchor="ctr"/>
+                </a:tc>
+                <a:tc>
+                  <a:txBody>
+                    <a:bodyPr/>
+                    <a:lstStyle/>
+                    <a:p>
+                      <a:pPr algn="r">
+                        <a:lnSpc>
+                          <a:spcPct val="115000"/>
+                        </a:lnSpc>
+                        <a:spcAft>
+                          <a:spcPts val="0"/>
+                        </a:spcAft>
+                      </a:pPr>
+                      <a:r>
+                        <a:rPr lang="de-DE" sz="1100">
+                          <a:effectLst/>
+                        </a:rPr>
+                        <a:t>60 €</a:t>
+                      </a:r>
+                      <a:endParaRPr lang="de-DE" sz="1100">
+                        <a:solidFill>
+                          <a:srgbClr val="000000"/>
+                        </a:solidFill>
+                        <a:effectLst/>
+                        <a:latin typeface="Arial" panose="020B0604020202020204" pitchFamily="34" charset="0"/>
+                        <a:ea typeface="Arial" panose="020B0604020202020204" pitchFamily="34" charset="0"/>
+                      </a:endParaRPr>
+                    </a:p>
+                  </a:txBody>
+                  <a:tcPr marL="45764" marR="45764" marT="0" marB="0" anchor="ctr"/>
+                </a:tc>
+                <a:tc>
+                  <a:txBody>
+                    <a:bodyPr/>
+                    <a:lstStyle/>
+                    <a:p>
+                      <a:pPr algn="ctr">
+                        <a:lnSpc>
+                          <a:spcPct val="115000"/>
+                        </a:lnSpc>
+                        <a:spcAft>
+                          <a:spcPts val="0"/>
+                        </a:spcAft>
+                      </a:pPr>
+                      <a:r>
+                        <a:rPr lang="de-DE" sz="1100">
+                          <a:effectLst/>
+                        </a:rPr>
+                        <a:t>3</a:t>
+                      </a:r>
+                      <a:endParaRPr lang="de-DE" sz="1100">
+                        <a:solidFill>
+                          <a:srgbClr val="000000"/>
+                        </a:solidFill>
+                        <a:effectLst/>
+                        <a:latin typeface="Arial" panose="020B0604020202020204" pitchFamily="34" charset="0"/>
+                        <a:ea typeface="Arial" panose="020B0604020202020204" pitchFamily="34" charset="0"/>
+                      </a:endParaRPr>
+                    </a:p>
+                  </a:txBody>
+                  <a:tcPr marL="45764" marR="45764" marT="0" marB="0" anchor="ctr"/>
+                </a:tc>
+                <a:tc>
+                  <a:txBody>
+                    <a:bodyPr/>
+                    <a:lstStyle/>
+                    <a:p>
+                      <a:pPr algn="r">
+                        <a:lnSpc>
+                          <a:spcPct val="115000"/>
+                        </a:lnSpc>
+                        <a:spcAft>
+                          <a:spcPts val="0"/>
+                        </a:spcAft>
+                      </a:pPr>
+                      <a:r>
+                        <a:rPr lang="de-DE" sz="1100">
+                          <a:effectLst/>
+                        </a:rPr>
+                        <a:t>60 €</a:t>
+                      </a:r>
+                      <a:endParaRPr lang="de-DE" sz="1100">
+                        <a:solidFill>
+                          <a:srgbClr val="000000"/>
+                        </a:solidFill>
+                        <a:effectLst/>
+                        <a:latin typeface="Arial" panose="020B0604020202020204" pitchFamily="34" charset="0"/>
+                        <a:ea typeface="Arial" panose="020B0604020202020204" pitchFamily="34" charset="0"/>
+                      </a:endParaRPr>
+                    </a:p>
+                  </a:txBody>
+                  <a:tcPr marL="45764" marR="45764" marT="0" marB="0" anchor="ctr"/>
+                </a:tc>
+              </a:tr>
+              <a:tr h="198481">
+                <a:tc>
+                  <a:txBody>
+                    <a:bodyPr/>
+                    <a:lstStyle/>
+                    <a:p>
+                      <a:pPr>
+                        <a:lnSpc>
+                          <a:spcPct val="115000"/>
+                        </a:lnSpc>
+                        <a:spcAft>
+                          <a:spcPts val="0"/>
+                        </a:spcAft>
+                      </a:pPr>
+                      <a:r>
+                        <a:rPr lang="de-DE" sz="1100">
+                          <a:effectLst/>
+                        </a:rPr>
+                        <a:t>- Funktionalität Aufbau</a:t>
+                      </a:r>
+                      <a:endParaRPr lang="de-DE" sz="1100">
+                        <a:solidFill>
+                          <a:srgbClr val="000000"/>
+                        </a:solidFill>
+                        <a:effectLst/>
+                        <a:latin typeface="Arial" panose="020B0604020202020204" pitchFamily="34" charset="0"/>
+                        <a:ea typeface="Arial" panose="020B0604020202020204" pitchFamily="34" charset="0"/>
+                      </a:endParaRPr>
+                    </a:p>
+                  </a:txBody>
+                  <a:tcPr marL="45764" marR="45764" marT="0" marB="0" anchor="ctr"/>
+                </a:tc>
+                <a:tc>
+                  <a:txBody>
+                    <a:bodyPr/>
+                    <a:lstStyle/>
+                    <a:p>
+                      <a:pPr algn="ctr">
+                        <a:lnSpc>
+                          <a:spcPct val="115000"/>
+                        </a:lnSpc>
+                        <a:spcAft>
+                          <a:spcPts val="0"/>
+                        </a:spcAft>
+                      </a:pPr>
+                      <a:r>
+                        <a:rPr lang="de-DE" sz="1100">
+                          <a:effectLst/>
+                        </a:rPr>
+                        <a:t>5</a:t>
+                      </a:r>
+                      <a:endParaRPr lang="de-DE" sz="1100">
+                        <a:solidFill>
+                          <a:srgbClr val="000000"/>
+                        </a:solidFill>
+                        <a:effectLst/>
+                        <a:latin typeface="Arial" panose="020B0604020202020204" pitchFamily="34" charset="0"/>
+                        <a:ea typeface="Arial" panose="020B0604020202020204" pitchFamily="34" charset="0"/>
+                      </a:endParaRPr>
+                    </a:p>
+                  </a:txBody>
+                  <a:tcPr marL="45764" marR="45764" marT="0" marB="0" anchor="ctr"/>
+                </a:tc>
+                <a:tc>
+                  <a:txBody>
+                    <a:bodyPr/>
+                    <a:lstStyle/>
+                    <a:p>
+                      <a:pPr algn="r">
+                        <a:lnSpc>
+                          <a:spcPct val="115000"/>
+                        </a:lnSpc>
+                        <a:spcAft>
+                          <a:spcPts val="0"/>
+                        </a:spcAft>
+                      </a:pPr>
+                      <a:r>
+                        <a:rPr lang="de-DE" sz="1100">
+                          <a:effectLst/>
+                        </a:rPr>
+                        <a:t>100 €</a:t>
+                      </a:r>
+                      <a:endParaRPr lang="de-DE" sz="1100">
+                        <a:solidFill>
+                          <a:srgbClr val="000000"/>
+                        </a:solidFill>
+                        <a:effectLst/>
+                        <a:latin typeface="Arial" panose="020B0604020202020204" pitchFamily="34" charset="0"/>
+                        <a:ea typeface="Arial" panose="020B0604020202020204" pitchFamily="34" charset="0"/>
+                      </a:endParaRPr>
+                    </a:p>
+                  </a:txBody>
+                  <a:tcPr marL="45764" marR="45764" marT="0" marB="0" anchor="ctr"/>
+                </a:tc>
+                <a:tc>
+                  <a:txBody>
+                    <a:bodyPr/>
+                    <a:lstStyle/>
+                    <a:p>
+                      <a:pPr algn="ctr">
+                        <a:lnSpc>
+                          <a:spcPct val="115000"/>
+                        </a:lnSpc>
+                        <a:spcAft>
+                          <a:spcPts val="0"/>
+                        </a:spcAft>
+                      </a:pPr>
+                      <a:r>
+                        <a:rPr lang="de-DE" sz="1100">
+                          <a:effectLst/>
+                        </a:rPr>
+                        <a:t>21</a:t>
+                      </a:r>
+                      <a:endParaRPr lang="de-DE" sz="1100">
+                        <a:solidFill>
+                          <a:srgbClr val="000000"/>
+                        </a:solidFill>
+                        <a:effectLst/>
+                        <a:latin typeface="Arial" panose="020B0604020202020204" pitchFamily="34" charset="0"/>
+                        <a:ea typeface="Arial" panose="020B0604020202020204" pitchFamily="34" charset="0"/>
+                      </a:endParaRPr>
+                    </a:p>
+                  </a:txBody>
+                  <a:tcPr marL="45764" marR="45764" marT="0" marB="0" anchor="ctr"/>
+                </a:tc>
+                <a:tc>
+                  <a:txBody>
+                    <a:bodyPr/>
+                    <a:lstStyle/>
+                    <a:p>
+                      <a:pPr algn="r">
+                        <a:lnSpc>
+                          <a:spcPct val="115000"/>
+                        </a:lnSpc>
+                        <a:spcAft>
+                          <a:spcPts val="0"/>
+                        </a:spcAft>
+                      </a:pPr>
+                      <a:r>
+                        <a:rPr lang="de-DE" sz="1100">
+                          <a:effectLst/>
+                        </a:rPr>
+                        <a:t>420 €</a:t>
+                      </a:r>
+                      <a:endParaRPr lang="de-DE" sz="1100">
+                        <a:solidFill>
+                          <a:srgbClr val="000000"/>
+                        </a:solidFill>
+                        <a:effectLst/>
+                        <a:latin typeface="Arial" panose="020B0604020202020204" pitchFamily="34" charset="0"/>
+                        <a:ea typeface="Arial" panose="020B0604020202020204" pitchFamily="34" charset="0"/>
+                      </a:endParaRPr>
+                    </a:p>
+                  </a:txBody>
+                  <a:tcPr marL="45764" marR="45764" marT="0" marB="0" anchor="ctr"/>
+                </a:tc>
+              </a:tr>
+              <a:tr h="198481">
+                <a:tc>
+                  <a:txBody>
+                    <a:bodyPr/>
+                    <a:lstStyle/>
+                    <a:p>
+                      <a:pPr>
+                        <a:lnSpc>
+                          <a:spcPct val="115000"/>
+                        </a:lnSpc>
+                        <a:spcAft>
+                          <a:spcPts val="0"/>
+                        </a:spcAft>
+                      </a:pPr>
+                      <a:r>
+                        <a:rPr lang="de-DE" sz="1100">
+                          <a:effectLst/>
+                        </a:rPr>
+                        <a:t>Test:</a:t>
+                      </a:r>
+                      <a:endParaRPr lang="de-DE" sz="1100">
+                        <a:solidFill>
+                          <a:srgbClr val="000000"/>
+                        </a:solidFill>
+                        <a:effectLst/>
+                        <a:latin typeface="Arial" panose="020B0604020202020204" pitchFamily="34" charset="0"/>
+                        <a:ea typeface="Arial" panose="020B0604020202020204" pitchFamily="34" charset="0"/>
+                      </a:endParaRPr>
+                    </a:p>
+                  </a:txBody>
+                  <a:tcPr marL="45764" marR="45764" marT="0" marB="0" anchor="ctr"/>
+                </a:tc>
+                <a:tc>
+                  <a:txBody>
+                    <a:bodyPr/>
+                    <a:lstStyle/>
+                    <a:p>
+                      <a:pPr algn="ctr">
+                        <a:lnSpc>
+                          <a:spcPct val="115000"/>
+                        </a:lnSpc>
+                        <a:spcAft>
+                          <a:spcPts val="0"/>
+                        </a:spcAft>
+                      </a:pPr>
+                      <a:r>
+                        <a:rPr lang="de-DE" sz="1100">
+                          <a:effectLst/>
+                        </a:rPr>
+                        <a:t>1</a:t>
+                      </a:r>
+                      <a:endParaRPr lang="de-DE" sz="1100">
+                        <a:solidFill>
+                          <a:srgbClr val="000000"/>
+                        </a:solidFill>
+                        <a:effectLst/>
+                        <a:latin typeface="Arial" panose="020B0604020202020204" pitchFamily="34" charset="0"/>
+                        <a:ea typeface="Arial" panose="020B0604020202020204" pitchFamily="34" charset="0"/>
+                      </a:endParaRPr>
+                    </a:p>
+                  </a:txBody>
+                  <a:tcPr marL="45764" marR="45764" marT="0" marB="0" anchor="ctr"/>
+                </a:tc>
+                <a:tc>
+                  <a:txBody>
+                    <a:bodyPr/>
+                    <a:lstStyle/>
+                    <a:p>
+                      <a:pPr algn="r">
+                        <a:lnSpc>
+                          <a:spcPct val="115000"/>
+                        </a:lnSpc>
+                        <a:spcAft>
+                          <a:spcPts val="0"/>
+                        </a:spcAft>
+                      </a:pPr>
+                      <a:r>
+                        <a:rPr lang="de-DE" sz="1100">
+                          <a:effectLst/>
+                          <a:highlight>
+                            <a:srgbClr val="FFFFFF"/>
+                          </a:highlight>
+                        </a:rPr>
+                        <a:t>-</a:t>
+                      </a:r>
+                      <a:endParaRPr lang="de-DE" sz="1100">
+                        <a:solidFill>
+                          <a:srgbClr val="000000"/>
+                        </a:solidFill>
+                        <a:effectLst/>
+                        <a:latin typeface="Arial" panose="020B0604020202020204" pitchFamily="34" charset="0"/>
+                        <a:ea typeface="Arial" panose="020B0604020202020204" pitchFamily="34" charset="0"/>
+                      </a:endParaRPr>
+                    </a:p>
+                  </a:txBody>
+                  <a:tcPr marL="45764" marR="45764" marT="0" marB="0" anchor="ctr"/>
+                </a:tc>
+                <a:tc>
+                  <a:txBody>
+                    <a:bodyPr/>
+                    <a:lstStyle/>
+                    <a:p>
+                      <a:pPr algn="ctr">
+                        <a:lnSpc>
+                          <a:spcPct val="115000"/>
+                        </a:lnSpc>
+                        <a:spcAft>
+                          <a:spcPts val="0"/>
+                        </a:spcAft>
+                      </a:pPr>
+                      <a:r>
+                        <a:rPr lang="de-DE" sz="1100">
+                          <a:effectLst/>
+                        </a:rPr>
+                        <a:t>1</a:t>
+                      </a:r>
+                      <a:endParaRPr lang="de-DE" sz="1100">
+                        <a:solidFill>
+                          <a:srgbClr val="000000"/>
+                        </a:solidFill>
+                        <a:effectLst/>
+                        <a:latin typeface="Arial" panose="020B0604020202020204" pitchFamily="34" charset="0"/>
+                        <a:ea typeface="Arial" panose="020B0604020202020204" pitchFamily="34" charset="0"/>
+                      </a:endParaRPr>
+                    </a:p>
+                  </a:txBody>
+                  <a:tcPr marL="45764" marR="45764" marT="0" marB="0" anchor="ctr"/>
+                </a:tc>
+                <a:tc>
+                  <a:txBody>
+                    <a:bodyPr/>
+                    <a:lstStyle/>
+                    <a:p>
+                      <a:pPr algn="r">
+                        <a:lnSpc>
+                          <a:spcPct val="115000"/>
+                        </a:lnSpc>
+                        <a:spcAft>
+                          <a:spcPts val="0"/>
+                        </a:spcAft>
+                      </a:pPr>
+                      <a:r>
+                        <a:rPr lang="de-DE" sz="1100">
+                          <a:effectLst/>
+                          <a:highlight>
+                            <a:srgbClr val="FFFFFF"/>
+                          </a:highlight>
+                        </a:rPr>
+                        <a:t>-</a:t>
+                      </a:r>
+                      <a:endParaRPr lang="de-DE" sz="1100">
+                        <a:solidFill>
+                          <a:srgbClr val="000000"/>
+                        </a:solidFill>
+                        <a:effectLst/>
+                        <a:latin typeface="Arial" panose="020B0604020202020204" pitchFamily="34" charset="0"/>
+                        <a:ea typeface="Arial" panose="020B0604020202020204" pitchFamily="34" charset="0"/>
+                      </a:endParaRPr>
+                    </a:p>
+                  </a:txBody>
+                  <a:tcPr marL="45764" marR="45764" marT="0" marB="0" anchor="ctr"/>
+                </a:tc>
+              </a:tr>
+              <a:tr h="198481">
+                <a:tc>
+                  <a:txBody>
+                    <a:bodyPr/>
+                    <a:lstStyle/>
+                    <a:p>
+                      <a:pPr>
+                        <a:lnSpc>
+                          <a:spcPct val="115000"/>
+                        </a:lnSpc>
+                        <a:spcAft>
+                          <a:spcPts val="0"/>
+                        </a:spcAft>
+                      </a:pPr>
+                      <a:r>
+                        <a:rPr lang="de-DE" sz="1100">
+                          <a:effectLst/>
+                        </a:rPr>
+                        <a:t>- Test fertiges Produkt</a:t>
+                      </a:r>
+                      <a:endParaRPr lang="de-DE" sz="1100">
+                        <a:solidFill>
+                          <a:srgbClr val="000000"/>
+                        </a:solidFill>
+                        <a:effectLst/>
+                        <a:latin typeface="Arial" panose="020B0604020202020204" pitchFamily="34" charset="0"/>
+                        <a:ea typeface="Arial" panose="020B0604020202020204" pitchFamily="34" charset="0"/>
+                      </a:endParaRPr>
+                    </a:p>
+                  </a:txBody>
+                  <a:tcPr marL="45764" marR="45764" marT="0" marB="0" anchor="ctr"/>
+                </a:tc>
+                <a:tc>
+                  <a:txBody>
+                    <a:bodyPr/>
+                    <a:lstStyle/>
+                    <a:p>
+                      <a:pPr algn="ctr">
+                        <a:lnSpc>
+                          <a:spcPct val="115000"/>
+                        </a:lnSpc>
+                        <a:spcAft>
+                          <a:spcPts val="0"/>
+                        </a:spcAft>
+                      </a:pPr>
+                      <a:r>
+                        <a:rPr lang="de-DE" sz="1100">
+                          <a:effectLst/>
+                        </a:rPr>
+                        <a:t>1</a:t>
+                      </a:r>
+                      <a:endParaRPr lang="de-DE" sz="1100">
+                        <a:solidFill>
+                          <a:srgbClr val="000000"/>
+                        </a:solidFill>
+                        <a:effectLst/>
+                        <a:latin typeface="Arial" panose="020B0604020202020204" pitchFamily="34" charset="0"/>
+                        <a:ea typeface="Arial" panose="020B0604020202020204" pitchFamily="34" charset="0"/>
+                      </a:endParaRPr>
+                    </a:p>
+                  </a:txBody>
+                  <a:tcPr marL="45764" marR="45764" marT="0" marB="0" anchor="ctr"/>
+                </a:tc>
+                <a:tc>
+                  <a:txBody>
+                    <a:bodyPr/>
+                    <a:lstStyle/>
+                    <a:p>
+                      <a:pPr algn="r">
+                        <a:lnSpc>
+                          <a:spcPct val="115000"/>
+                        </a:lnSpc>
+                        <a:spcAft>
+                          <a:spcPts val="0"/>
+                        </a:spcAft>
+                      </a:pPr>
+                      <a:r>
+                        <a:rPr lang="de-DE" sz="1100">
+                          <a:effectLst/>
+                        </a:rPr>
+                        <a:t>-</a:t>
+                      </a:r>
+                      <a:endParaRPr lang="de-DE" sz="1100">
+                        <a:solidFill>
+                          <a:srgbClr val="000000"/>
+                        </a:solidFill>
+                        <a:effectLst/>
+                        <a:latin typeface="Arial" panose="020B0604020202020204" pitchFamily="34" charset="0"/>
+                        <a:ea typeface="Arial" panose="020B0604020202020204" pitchFamily="34" charset="0"/>
+                      </a:endParaRPr>
+                    </a:p>
+                  </a:txBody>
+                  <a:tcPr marL="45764" marR="45764" marT="0" marB="0" anchor="ctr"/>
+                </a:tc>
+                <a:tc>
+                  <a:txBody>
+                    <a:bodyPr/>
+                    <a:lstStyle/>
+                    <a:p>
+                      <a:pPr algn="ctr">
+                        <a:lnSpc>
+                          <a:spcPct val="115000"/>
+                        </a:lnSpc>
+                        <a:spcAft>
+                          <a:spcPts val="0"/>
+                        </a:spcAft>
+                      </a:pPr>
+                      <a:r>
+                        <a:rPr lang="de-DE" sz="1100">
+                          <a:effectLst/>
+                        </a:rPr>
+                        <a:t>1</a:t>
+                      </a:r>
+                      <a:endParaRPr lang="de-DE" sz="1100">
+                        <a:solidFill>
+                          <a:srgbClr val="000000"/>
+                        </a:solidFill>
+                        <a:effectLst/>
+                        <a:latin typeface="Arial" panose="020B0604020202020204" pitchFamily="34" charset="0"/>
+                        <a:ea typeface="Arial" panose="020B0604020202020204" pitchFamily="34" charset="0"/>
+                      </a:endParaRPr>
+                    </a:p>
+                  </a:txBody>
+                  <a:tcPr marL="45764" marR="45764" marT="0" marB="0" anchor="ctr"/>
+                </a:tc>
+                <a:tc>
+                  <a:txBody>
+                    <a:bodyPr/>
+                    <a:lstStyle/>
+                    <a:p>
+                      <a:pPr algn="r">
+                        <a:lnSpc>
+                          <a:spcPct val="115000"/>
+                        </a:lnSpc>
+                        <a:spcAft>
+                          <a:spcPts val="0"/>
+                        </a:spcAft>
+                      </a:pPr>
+                      <a:r>
+                        <a:rPr lang="de-DE" sz="1100">
+                          <a:effectLst/>
+                        </a:rPr>
+                        <a:t>-</a:t>
+                      </a:r>
+                      <a:endParaRPr lang="de-DE" sz="1100">
+                        <a:solidFill>
+                          <a:srgbClr val="000000"/>
+                        </a:solidFill>
+                        <a:effectLst/>
+                        <a:latin typeface="Arial" panose="020B0604020202020204" pitchFamily="34" charset="0"/>
+                        <a:ea typeface="Arial" panose="020B0604020202020204" pitchFamily="34" charset="0"/>
+                      </a:endParaRPr>
+                    </a:p>
+                  </a:txBody>
+                  <a:tcPr marL="45764" marR="45764" marT="0" marB="0" anchor="ctr"/>
+                </a:tc>
+              </a:tr>
+              <a:tr h="198481">
+                <a:tc>
+                  <a:txBody>
+                    <a:bodyPr/>
+                    <a:lstStyle/>
+                    <a:p>
+                      <a:pPr>
+                        <a:lnSpc>
+                          <a:spcPct val="115000"/>
+                        </a:lnSpc>
+                        <a:spcAft>
+                          <a:spcPts val="0"/>
+                        </a:spcAft>
+                      </a:pPr>
+                      <a:r>
+                        <a:rPr lang="de-DE" sz="1100">
+                          <a:effectLst/>
+                        </a:rPr>
+                        <a:t>Dokumentation: </a:t>
+                      </a:r>
+                      <a:endParaRPr lang="de-DE" sz="1100">
+                        <a:solidFill>
+                          <a:srgbClr val="000000"/>
+                        </a:solidFill>
+                        <a:effectLst/>
+                        <a:latin typeface="Arial" panose="020B0604020202020204" pitchFamily="34" charset="0"/>
+                        <a:ea typeface="Arial" panose="020B0604020202020204" pitchFamily="34" charset="0"/>
+                      </a:endParaRPr>
+                    </a:p>
+                  </a:txBody>
+                  <a:tcPr marL="45764" marR="45764" marT="0" marB="0" anchor="ctr"/>
+                </a:tc>
+                <a:tc>
+                  <a:txBody>
+                    <a:bodyPr/>
+                    <a:lstStyle/>
+                    <a:p>
+                      <a:pPr algn="ctr">
+                        <a:lnSpc>
+                          <a:spcPct val="115000"/>
+                        </a:lnSpc>
+                        <a:spcAft>
+                          <a:spcPts val="0"/>
+                        </a:spcAft>
+                      </a:pPr>
+                      <a:r>
+                        <a:rPr lang="de-DE" sz="1100">
+                          <a:effectLst/>
+                        </a:rPr>
+                        <a:t>4</a:t>
+                      </a:r>
+                      <a:endParaRPr lang="de-DE" sz="1100">
+                        <a:solidFill>
+                          <a:srgbClr val="000000"/>
+                        </a:solidFill>
+                        <a:effectLst/>
+                        <a:latin typeface="Arial" panose="020B0604020202020204" pitchFamily="34" charset="0"/>
+                        <a:ea typeface="Arial" panose="020B0604020202020204" pitchFamily="34" charset="0"/>
+                      </a:endParaRPr>
+                    </a:p>
+                  </a:txBody>
+                  <a:tcPr marL="45764" marR="45764" marT="0" marB="0" anchor="ctr"/>
+                </a:tc>
+                <a:tc>
+                  <a:txBody>
+                    <a:bodyPr/>
+                    <a:lstStyle/>
+                    <a:p>
+                      <a:pPr algn="r">
+                        <a:lnSpc>
+                          <a:spcPct val="115000"/>
+                        </a:lnSpc>
+                        <a:spcAft>
+                          <a:spcPts val="0"/>
+                        </a:spcAft>
+                      </a:pPr>
+                      <a:r>
+                        <a:rPr lang="de-DE" sz="1100">
+                          <a:effectLst/>
+                        </a:rPr>
+                        <a:t>80 €</a:t>
+                      </a:r>
+                      <a:endParaRPr lang="de-DE" sz="1100">
+                        <a:solidFill>
+                          <a:srgbClr val="000000"/>
+                        </a:solidFill>
+                        <a:effectLst/>
+                        <a:latin typeface="Arial" panose="020B0604020202020204" pitchFamily="34" charset="0"/>
+                        <a:ea typeface="Arial" panose="020B0604020202020204" pitchFamily="34" charset="0"/>
+                      </a:endParaRPr>
+                    </a:p>
+                  </a:txBody>
+                  <a:tcPr marL="45764" marR="45764" marT="0" marB="0" anchor="ctr"/>
+                </a:tc>
+                <a:tc>
+                  <a:txBody>
+                    <a:bodyPr/>
+                    <a:lstStyle/>
+                    <a:p>
+                      <a:pPr algn="ctr">
+                        <a:lnSpc>
+                          <a:spcPct val="115000"/>
+                        </a:lnSpc>
+                        <a:spcAft>
+                          <a:spcPts val="0"/>
+                        </a:spcAft>
+                      </a:pPr>
+                      <a:r>
+                        <a:rPr lang="de-DE" sz="1100">
+                          <a:effectLst/>
+                        </a:rPr>
+                        <a:t>11</a:t>
+                      </a:r>
+                      <a:endParaRPr lang="de-DE" sz="1100">
+                        <a:solidFill>
+                          <a:srgbClr val="000000"/>
+                        </a:solidFill>
+                        <a:effectLst/>
+                        <a:latin typeface="Arial" panose="020B0604020202020204" pitchFamily="34" charset="0"/>
+                        <a:ea typeface="Arial" panose="020B0604020202020204" pitchFamily="34" charset="0"/>
+                      </a:endParaRPr>
+                    </a:p>
+                  </a:txBody>
+                  <a:tcPr marL="45764" marR="45764" marT="0" marB="0" anchor="ctr"/>
+                </a:tc>
+                <a:tc>
+                  <a:txBody>
+                    <a:bodyPr/>
+                    <a:lstStyle/>
+                    <a:p>
+                      <a:pPr algn="r">
+                        <a:lnSpc>
+                          <a:spcPct val="115000"/>
+                        </a:lnSpc>
+                        <a:spcAft>
+                          <a:spcPts val="0"/>
+                        </a:spcAft>
+                      </a:pPr>
+                      <a:r>
+                        <a:rPr lang="de-DE" sz="1100">
+                          <a:effectLst/>
+                        </a:rPr>
+                        <a:t>220 €</a:t>
+                      </a:r>
+                      <a:endParaRPr lang="de-DE" sz="1100">
+                        <a:solidFill>
+                          <a:srgbClr val="000000"/>
+                        </a:solidFill>
+                        <a:effectLst/>
+                        <a:latin typeface="Arial" panose="020B0604020202020204" pitchFamily="34" charset="0"/>
+                        <a:ea typeface="Arial" panose="020B0604020202020204" pitchFamily="34" charset="0"/>
+                      </a:endParaRPr>
+                    </a:p>
+                  </a:txBody>
+                  <a:tcPr marL="45764" marR="45764" marT="0" marB="0" anchor="ctr"/>
+                </a:tc>
+              </a:tr>
+              <a:tr h="198481">
+                <a:tc>
+                  <a:txBody>
+                    <a:bodyPr/>
+                    <a:lstStyle/>
+                    <a:p>
+                      <a:pPr>
+                        <a:lnSpc>
+                          <a:spcPct val="115000"/>
+                        </a:lnSpc>
+                        <a:spcAft>
+                          <a:spcPts val="0"/>
+                        </a:spcAft>
+                      </a:pPr>
+                      <a:r>
+                        <a:rPr lang="de-DE" sz="1100">
+                          <a:effectLst/>
+                        </a:rPr>
+                        <a:t>&gt;Ergebnis: Dokumentationen</a:t>
+                      </a:r>
+                      <a:endParaRPr lang="de-DE" sz="1100">
+                        <a:solidFill>
+                          <a:srgbClr val="000000"/>
+                        </a:solidFill>
+                        <a:effectLst/>
+                        <a:latin typeface="Arial" panose="020B0604020202020204" pitchFamily="34" charset="0"/>
+                        <a:ea typeface="Arial" panose="020B0604020202020204" pitchFamily="34" charset="0"/>
+                      </a:endParaRPr>
+                    </a:p>
+                  </a:txBody>
+                  <a:tcPr marL="45764" marR="45764" marT="0" marB="0" anchor="ctr"/>
+                </a:tc>
+                <a:tc>
+                  <a:txBody>
+                    <a:bodyPr/>
+                    <a:lstStyle/>
+                    <a:p>
+                      <a:pPr algn="ctr">
+                        <a:lnSpc>
+                          <a:spcPct val="115000"/>
+                        </a:lnSpc>
+                        <a:spcAft>
+                          <a:spcPts val="0"/>
+                        </a:spcAft>
+                      </a:pPr>
+                      <a:r>
+                        <a:rPr lang="de-DE" sz="1100">
+                          <a:effectLst/>
+                        </a:rPr>
+                        <a:t>4</a:t>
+                      </a:r>
+                      <a:endParaRPr lang="de-DE" sz="1100">
+                        <a:solidFill>
+                          <a:srgbClr val="000000"/>
+                        </a:solidFill>
+                        <a:effectLst/>
+                        <a:latin typeface="Arial" panose="020B0604020202020204" pitchFamily="34" charset="0"/>
+                        <a:ea typeface="Arial" panose="020B0604020202020204" pitchFamily="34" charset="0"/>
+                      </a:endParaRPr>
+                    </a:p>
+                  </a:txBody>
+                  <a:tcPr marL="45764" marR="45764" marT="0" marB="0" anchor="ctr"/>
+                </a:tc>
+                <a:tc>
+                  <a:txBody>
+                    <a:bodyPr/>
+                    <a:lstStyle/>
+                    <a:p>
+                      <a:pPr algn="r">
+                        <a:lnSpc>
+                          <a:spcPct val="115000"/>
+                        </a:lnSpc>
+                        <a:spcAft>
+                          <a:spcPts val="0"/>
+                        </a:spcAft>
+                      </a:pPr>
+                      <a:r>
+                        <a:rPr lang="de-DE" sz="1100">
+                          <a:effectLst/>
+                        </a:rPr>
+                        <a:t>80 €</a:t>
+                      </a:r>
+                      <a:endParaRPr lang="de-DE" sz="1100">
+                        <a:solidFill>
+                          <a:srgbClr val="000000"/>
+                        </a:solidFill>
+                        <a:effectLst/>
+                        <a:latin typeface="Arial" panose="020B0604020202020204" pitchFamily="34" charset="0"/>
+                        <a:ea typeface="Arial" panose="020B0604020202020204" pitchFamily="34" charset="0"/>
+                      </a:endParaRPr>
+                    </a:p>
+                  </a:txBody>
+                  <a:tcPr marL="45764" marR="45764" marT="0" marB="0" anchor="ctr"/>
+                </a:tc>
+                <a:tc>
+                  <a:txBody>
+                    <a:bodyPr/>
+                    <a:lstStyle/>
+                    <a:p>
+                      <a:pPr algn="ctr">
+                        <a:lnSpc>
+                          <a:spcPct val="115000"/>
+                        </a:lnSpc>
+                        <a:spcAft>
+                          <a:spcPts val="0"/>
+                        </a:spcAft>
+                      </a:pPr>
+                      <a:r>
+                        <a:rPr lang="de-DE" sz="1100">
+                          <a:effectLst/>
+                        </a:rPr>
+                        <a:t>11</a:t>
+                      </a:r>
+                      <a:endParaRPr lang="de-DE" sz="1100">
+                        <a:solidFill>
+                          <a:srgbClr val="000000"/>
+                        </a:solidFill>
+                        <a:effectLst/>
+                        <a:latin typeface="Arial" panose="020B0604020202020204" pitchFamily="34" charset="0"/>
+                        <a:ea typeface="Arial" panose="020B0604020202020204" pitchFamily="34" charset="0"/>
+                      </a:endParaRPr>
+                    </a:p>
+                  </a:txBody>
+                  <a:tcPr marL="45764" marR="45764" marT="0" marB="0" anchor="ctr"/>
+                </a:tc>
+                <a:tc>
+                  <a:txBody>
+                    <a:bodyPr/>
+                    <a:lstStyle/>
+                    <a:p>
+                      <a:pPr algn="r">
+                        <a:lnSpc>
+                          <a:spcPct val="115000"/>
+                        </a:lnSpc>
+                        <a:spcAft>
+                          <a:spcPts val="0"/>
+                        </a:spcAft>
+                      </a:pPr>
+                      <a:r>
+                        <a:rPr lang="de-DE" sz="1100">
+                          <a:effectLst/>
+                        </a:rPr>
+                        <a:t>220 €</a:t>
+                      </a:r>
+                      <a:endParaRPr lang="de-DE" sz="1100">
+                        <a:solidFill>
+                          <a:srgbClr val="000000"/>
+                        </a:solidFill>
+                        <a:effectLst/>
+                        <a:latin typeface="Arial" panose="020B0604020202020204" pitchFamily="34" charset="0"/>
+                        <a:ea typeface="Arial" panose="020B0604020202020204" pitchFamily="34" charset="0"/>
+                      </a:endParaRPr>
+                    </a:p>
+                  </a:txBody>
+                  <a:tcPr marL="45764" marR="45764" marT="0" marB="0" anchor="ctr"/>
+                </a:tc>
+              </a:tr>
+              <a:tr h="198481">
+                <a:tc>
+                  <a:txBody>
+                    <a:bodyPr/>
+                    <a:lstStyle/>
+                    <a:p>
+                      <a:pPr>
+                        <a:lnSpc>
+                          <a:spcPct val="115000"/>
+                        </a:lnSpc>
+                        <a:spcAft>
+                          <a:spcPts val="0"/>
+                        </a:spcAft>
+                      </a:pPr>
+                      <a:r>
+                        <a:rPr lang="de-DE" sz="1100">
+                          <a:effectLst/>
+                        </a:rPr>
+                        <a:t>Öffentlichkeitsarbeit:</a:t>
+                      </a:r>
+                      <a:endParaRPr lang="de-DE" sz="1100">
+                        <a:solidFill>
+                          <a:srgbClr val="000000"/>
+                        </a:solidFill>
+                        <a:effectLst/>
+                        <a:latin typeface="Arial" panose="020B0604020202020204" pitchFamily="34" charset="0"/>
+                        <a:ea typeface="Arial" panose="020B0604020202020204" pitchFamily="34" charset="0"/>
+                      </a:endParaRPr>
+                    </a:p>
+                  </a:txBody>
+                  <a:tcPr marL="45764" marR="45764" marT="0" marB="0" anchor="ctr"/>
+                </a:tc>
+                <a:tc>
+                  <a:txBody>
+                    <a:bodyPr/>
+                    <a:lstStyle/>
+                    <a:p>
+                      <a:pPr algn="ctr">
+                        <a:lnSpc>
+                          <a:spcPct val="115000"/>
+                        </a:lnSpc>
+                        <a:spcAft>
+                          <a:spcPts val="0"/>
+                        </a:spcAft>
+                      </a:pPr>
+                      <a:r>
+                        <a:rPr lang="de-DE" sz="1100">
+                          <a:effectLst/>
+                        </a:rPr>
+                        <a:t>6</a:t>
+                      </a:r>
+                      <a:endParaRPr lang="de-DE" sz="1100">
+                        <a:solidFill>
+                          <a:srgbClr val="000000"/>
+                        </a:solidFill>
+                        <a:effectLst/>
+                        <a:latin typeface="Arial" panose="020B0604020202020204" pitchFamily="34" charset="0"/>
+                        <a:ea typeface="Arial" panose="020B0604020202020204" pitchFamily="34" charset="0"/>
+                      </a:endParaRPr>
+                    </a:p>
+                  </a:txBody>
+                  <a:tcPr marL="45764" marR="45764" marT="0" marB="0" anchor="ctr"/>
+                </a:tc>
+                <a:tc>
+                  <a:txBody>
+                    <a:bodyPr/>
+                    <a:lstStyle/>
+                    <a:p>
+                      <a:pPr algn="r">
+                        <a:lnSpc>
+                          <a:spcPct val="115000"/>
+                        </a:lnSpc>
+                        <a:spcAft>
+                          <a:spcPts val="0"/>
+                        </a:spcAft>
+                      </a:pPr>
+                      <a:r>
+                        <a:rPr lang="de-DE" sz="1100">
+                          <a:effectLst/>
+                        </a:rPr>
+                        <a:t>-</a:t>
+                      </a:r>
+                      <a:endParaRPr lang="de-DE" sz="1100">
+                        <a:solidFill>
+                          <a:srgbClr val="000000"/>
+                        </a:solidFill>
+                        <a:effectLst/>
+                        <a:latin typeface="Arial" panose="020B0604020202020204" pitchFamily="34" charset="0"/>
+                        <a:ea typeface="Arial" panose="020B0604020202020204" pitchFamily="34" charset="0"/>
+                      </a:endParaRPr>
+                    </a:p>
+                  </a:txBody>
+                  <a:tcPr marL="45764" marR="45764" marT="0" marB="0" anchor="ctr"/>
+                </a:tc>
+                <a:tc>
+                  <a:txBody>
+                    <a:bodyPr/>
+                    <a:lstStyle/>
+                    <a:p>
+                      <a:pPr algn="ctr">
+                        <a:lnSpc>
+                          <a:spcPct val="115000"/>
+                        </a:lnSpc>
+                        <a:spcAft>
+                          <a:spcPts val="0"/>
+                        </a:spcAft>
+                      </a:pPr>
+                      <a:r>
+                        <a:rPr lang="de-DE" sz="1100">
+                          <a:effectLst/>
+                        </a:rPr>
+                        <a:t>6</a:t>
+                      </a:r>
+                      <a:endParaRPr lang="de-DE" sz="1100">
+                        <a:solidFill>
+                          <a:srgbClr val="000000"/>
+                        </a:solidFill>
+                        <a:effectLst/>
+                        <a:latin typeface="Arial" panose="020B0604020202020204" pitchFamily="34" charset="0"/>
+                        <a:ea typeface="Arial" panose="020B0604020202020204" pitchFamily="34" charset="0"/>
+                      </a:endParaRPr>
+                    </a:p>
+                  </a:txBody>
+                  <a:tcPr marL="45764" marR="45764" marT="0" marB="0" anchor="ctr"/>
+                </a:tc>
+                <a:tc>
+                  <a:txBody>
+                    <a:bodyPr/>
+                    <a:lstStyle/>
+                    <a:p>
+                      <a:pPr algn="r">
+                        <a:lnSpc>
+                          <a:spcPct val="115000"/>
+                        </a:lnSpc>
+                        <a:spcAft>
+                          <a:spcPts val="0"/>
+                        </a:spcAft>
+                      </a:pPr>
+                      <a:r>
+                        <a:rPr lang="de-DE" sz="1100">
+                          <a:effectLst/>
+                        </a:rPr>
+                        <a:t>-</a:t>
+                      </a:r>
+                      <a:endParaRPr lang="de-DE" sz="1100">
+                        <a:solidFill>
+                          <a:srgbClr val="000000"/>
+                        </a:solidFill>
+                        <a:effectLst/>
+                        <a:latin typeface="Arial" panose="020B0604020202020204" pitchFamily="34" charset="0"/>
+                        <a:ea typeface="Arial" panose="020B0604020202020204" pitchFamily="34" charset="0"/>
+                      </a:endParaRPr>
+                    </a:p>
+                  </a:txBody>
+                  <a:tcPr marL="45764" marR="45764" marT="0" marB="0" anchor="ctr"/>
+                </a:tc>
+              </a:tr>
+              <a:tr h="198481">
+                <a:tc>
+                  <a:txBody>
+                    <a:bodyPr/>
+                    <a:lstStyle/>
+                    <a:p>
+                      <a:pPr>
+                        <a:lnSpc>
+                          <a:spcPct val="115000"/>
+                        </a:lnSpc>
+                        <a:spcAft>
+                          <a:spcPts val="0"/>
+                        </a:spcAft>
+                      </a:pPr>
+                      <a:r>
+                        <a:rPr lang="de-DE" sz="1100">
+                          <a:effectLst/>
+                        </a:rPr>
+                        <a:t>- Rufbereitschaft</a:t>
+                      </a:r>
+                      <a:endParaRPr lang="de-DE" sz="1100">
+                        <a:solidFill>
+                          <a:srgbClr val="000000"/>
+                        </a:solidFill>
+                        <a:effectLst/>
+                        <a:latin typeface="Arial" panose="020B0604020202020204" pitchFamily="34" charset="0"/>
+                        <a:ea typeface="Arial" panose="020B0604020202020204" pitchFamily="34" charset="0"/>
+                      </a:endParaRPr>
+                    </a:p>
+                  </a:txBody>
+                  <a:tcPr marL="45764" marR="45764" marT="0" marB="0" anchor="ctr"/>
+                </a:tc>
+                <a:tc>
+                  <a:txBody>
+                    <a:bodyPr/>
+                    <a:lstStyle/>
+                    <a:p>
+                      <a:pPr algn="ctr">
+                        <a:lnSpc>
+                          <a:spcPct val="115000"/>
+                        </a:lnSpc>
+                        <a:spcAft>
+                          <a:spcPts val="0"/>
+                        </a:spcAft>
+                      </a:pPr>
+                      <a:r>
+                        <a:rPr lang="de-DE" sz="1100">
+                          <a:effectLst/>
+                        </a:rPr>
+                        <a:t>-</a:t>
+                      </a:r>
+                      <a:endParaRPr lang="de-DE" sz="1100">
+                        <a:solidFill>
+                          <a:srgbClr val="000000"/>
+                        </a:solidFill>
+                        <a:effectLst/>
+                        <a:latin typeface="Arial" panose="020B0604020202020204" pitchFamily="34" charset="0"/>
+                        <a:ea typeface="Arial" panose="020B0604020202020204" pitchFamily="34" charset="0"/>
+                      </a:endParaRPr>
+                    </a:p>
+                  </a:txBody>
+                  <a:tcPr marL="45764" marR="45764" marT="0" marB="0" anchor="ctr"/>
+                </a:tc>
+                <a:tc>
+                  <a:txBody>
+                    <a:bodyPr/>
+                    <a:lstStyle/>
+                    <a:p>
+                      <a:pPr algn="r">
+                        <a:lnSpc>
+                          <a:spcPct val="115000"/>
+                        </a:lnSpc>
+                        <a:spcAft>
+                          <a:spcPts val="0"/>
+                        </a:spcAft>
+                      </a:pPr>
+                      <a:r>
+                        <a:rPr lang="de-DE" sz="1100">
+                          <a:effectLst/>
+                        </a:rPr>
+                        <a:t>-</a:t>
+                      </a:r>
+                      <a:endParaRPr lang="de-DE" sz="1100">
+                        <a:solidFill>
+                          <a:srgbClr val="000000"/>
+                        </a:solidFill>
+                        <a:effectLst/>
+                        <a:latin typeface="Arial" panose="020B0604020202020204" pitchFamily="34" charset="0"/>
+                        <a:ea typeface="Arial" panose="020B0604020202020204" pitchFamily="34" charset="0"/>
+                      </a:endParaRPr>
+                    </a:p>
+                  </a:txBody>
+                  <a:tcPr marL="45764" marR="45764" marT="0" marB="0" anchor="ctr"/>
+                </a:tc>
+                <a:tc>
+                  <a:txBody>
+                    <a:bodyPr/>
+                    <a:lstStyle/>
+                    <a:p>
+                      <a:pPr algn="ctr">
+                        <a:lnSpc>
+                          <a:spcPct val="115000"/>
+                        </a:lnSpc>
+                        <a:spcAft>
+                          <a:spcPts val="0"/>
+                        </a:spcAft>
+                      </a:pPr>
+                      <a:r>
+                        <a:rPr lang="de-DE" sz="1100">
+                          <a:effectLst/>
+                        </a:rPr>
+                        <a:t>-</a:t>
+                      </a:r>
+                      <a:endParaRPr lang="de-DE" sz="1100">
+                        <a:solidFill>
+                          <a:srgbClr val="000000"/>
+                        </a:solidFill>
+                        <a:effectLst/>
+                        <a:latin typeface="Arial" panose="020B0604020202020204" pitchFamily="34" charset="0"/>
+                        <a:ea typeface="Arial" panose="020B0604020202020204" pitchFamily="34" charset="0"/>
+                      </a:endParaRPr>
+                    </a:p>
+                  </a:txBody>
+                  <a:tcPr marL="45764" marR="45764" marT="0" marB="0" anchor="ctr"/>
+                </a:tc>
+                <a:tc>
+                  <a:txBody>
+                    <a:bodyPr/>
+                    <a:lstStyle/>
+                    <a:p>
+                      <a:pPr algn="r">
+                        <a:lnSpc>
+                          <a:spcPct val="115000"/>
+                        </a:lnSpc>
+                        <a:spcAft>
+                          <a:spcPts val="0"/>
+                        </a:spcAft>
+                      </a:pPr>
+                      <a:r>
+                        <a:rPr lang="de-DE" sz="1100">
+                          <a:effectLst/>
+                        </a:rPr>
+                        <a:t>-</a:t>
+                      </a:r>
+                      <a:endParaRPr lang="de-DE" sz="1100">
+                        <a:solidFill>
+                          <a:srgbClr val="000000"/>
+                        </a:solidFill>
+                        <a:effectLst/>
+                        <a:latin typeface="Arial" panose="020B0604020202020204" pitchFamily="34" charset="0"/>
+                        <a:ea typeface="Arial" panose="020B0604020202020204" pitchFamily="34" charset="0"/>
+                      </a:endParaRPr>
+                    </a:p>
+                  </a:txBody>
+                  <a:tcPr marL="45764" marR="45764" marT="0" marB="0" anchor="ctr"/>
+                </a:tc>
+              </a:tr>
+              <a:tr h="198481">
+                <a:tc>
+                  <a:txBody>
+                    <a:bodyPr/>
+                    <a:lstStyle/>
+                    <a:p>
+                      <a:pPr>
+                        <a:lnSpc>
+                          <a:spcPct val="115000"/>
+                        </a:lnSpc>
+                        <a:spcAft>
+                          <a:spcPts val="0"/>
+                        </a:spcAft>
+                      </a:pPr>
+                      <a:r>
+                        <a:rPr lang="de-DE" sz="1100">
+                          <a:effectLst/>
+                        </a:rPr>
+                        <a:t>- Projektbegleitung</a:t>
+                      </a:r>
+                      <a:endParaRPr lang="de-DE" sz="1100">
+                        <a:solidFill>
+                          <a:srgbClr val="000000"/>
+                        </a:solidFill>
+                        <a:effectLst/>
+                        <a:latin typeface="Arial" panose="020B0604020202020204" pitchFamily="34" charset="0"/>
+                        <a:ea typeface="Arial" panose="020B0604020202020204" pitchFamily="34" charset="0"/>
+                      </a:endParaRPr>
+                    </a:p>
+                  </a:txBody>
+                  <a:tcPr marL="45764" marR="45764" marT="0" marB="0" anchor="ctr"/>
+                </a:tc>
+                <a:tc>
+                  <a:txBody>
+                    <a:bodyPr/>
+                    <a:lstStyle/>
+                    <a:p>
+                      <a:pPr algn="ctr">
+                        <a:lnSpc>
+                          <a:spcPct val="115000"/>
+                        </a:lnSpc>
+                        <a:spcAft>
+                          <a:spcPts val="0"/>
+                        </a:spcAft>
+                      </a:pPr>
+                      <a:r>
+                        <a:rPr lang="de-DE" sz="1100">
+                          <a:effectLst/>
+                        </a:rPr>
+                        <a:t>6</a:t>
+                      </a:r>
+                      <a:endParaRPr lang="de-DE" sz="1100">
+                        <a:solidFill>
+                          <a:srgbClr val="000000"/>
+                        </a:solidFill>
+                        <a:effectLst/>
+                        <a:latin typeface="Arial" panose="020B0604020202020204" pitchFamily="34" charset="0"/>
+                        <a:ea typeface="Arial" panose="020B0604020202020204" pitchFamily="34" charset="0"/>
+                      </a:endParaRPr>
+                    </a:p>
+                  </a:txBody>
+                  <a:tcPr marL="45764" marR="45764" marT="0" marB="0" anchor="ctr"/>
+                </a:tc>
+                <a:tc>
+                  <a:txBody>
+                    <a:bodyPr/>
+                    <a:lstStyle/>
+                    <a:p>
+                      <a:pPr algn="r">
+                        <a:lnSpc>
+                          <a:spcPct val="115000"/>
+                        </a:lnSpc>
+                        <a:spcAft>
+                          <a:spcPts val="0"/>
+                        </a:spcAft>
+                      </a:pPr>
+                      <a:r>
+                        <a:rPr lang="de-DE" sz="1100">
+                          <a:effectLst/>
+                        </a:rPr>
+                        <a:t>-</a:t>
+                      </a:r>
+                      <a:endParaRPr lang="de-DE" sz="1100">
+                        <a:solidFill>
+                          <a:srgbClr val="000000"/>
+                        </a:solidFill>
+                        <a:effectLst/>
+                        <a:latin typeface="Arial" panose="020B0604020202020204" pitchFamily="34" charset="0"/>
+                        <a:ea typeface="Arial" panose="020B0604020202020204" pitchFamily="34" charset="0"/>
+                      </a:endParaRPr>
+                    </a:p>
+                  </a:txBody>
+                  <a:tcPr marL="45764" marR="45764" marT="0" marB="0" anchor="ctr"/>
+                </a:tc>
+                <a:tc>
+                  <a:txBody>
+                    <a:bodyPr/>
+                    <a:lstStyle/>
+                    <a:p>
+                      <a:pPr algn="ctr">
+                        <a:lnSpc>
+                          <a:spcPct val="115000"/>
+                        </a:lnSpc>
+                        <a:spcAft>
+                          <a:spcPts val="0"/>
+                        </a:spcAft>
+                      </a:pPr>
+                      <a:r>
+                        <a:rPr lang="de-DE" sz="1100">
+                          <a:effectLst/>
+                        </a:rPr>
+                        <a:t>6</a:t>
+                      </a:r>
+                      <a:endParaRPr lang="de-DE" sz="1100">
+                        <a:solidFill>
+                          <a:srgbClr val="000000"/>
+                        </a:solidFill>
+                        <a:effectLst/>
+                        <a:latin typeface="Arial" panose="020B0604020202020204" pitchFamily="34" charset="0"/>
+                        <a:ea typeface="Arial" panose="020B0604020202020204" pitchFamily="34" charset="0"/>
+                      </a:endParaRPr>
+                    </a:p>
+                  </a:txBody>
+                  <a:tcPr marL="45764" marR="45764" marT="0" marB="0" anchor="ctr"/>
+                </a:tc>
+                <a:tc>
+                  <a:txBody>
+                    <a:bodyPr/>
+                    <a:lstStyle/>
+                    <a:p>
+                      <a:pPr algn="r">
+                        <a:lnSpc>
+                          <a:spcPct val="115000"/>
+                        </a:lnSpc>
+                        <a:spcAft>
+                          <a:spcPts val="0"/>
+                        </a:spcAft>
+                      </a:pPr>
+                      <a:r>
+                        <a:rPr lang="de-DE" sz="1100">
+                          <a:effectLst/>
+                        </a:rPr>
+                        <a:t>-</a:t>
+                      </a:r>
+                      <a:endParaRPr lang="de-DE" sz="1100">
+                        <a:solidFill>
+                          <a:srgbClr val="000000"/>
+                        </a:solidFill>
+                        <a:effectLst/>
+                        <a:latin typeface="Arial" panose="020B0604020202020204" pitchFamily="34" charset="0"/>
+                        <a:ea typeface="Arial" panose="020B0604020202020204" pitchFamily="34" charset="0"/>
+                      </a:endParaRPr>
+                    </a:p>
+                  </a:txBody>
+                  <a:tcPr marL="45764" marR="45764" marT="0" marB="0" anchor="ctr"/>
+                </a:tc>
+              </a:tr>
+              <a:tr h="198481">
+                <a:tc>
+                  <a:txBody>
+                    <a:bodyPr/>
+                    <a:lstStyle/>
+                    <a:p>
+                      <a:pPr>
+                        <a:lnSpc>
+                          <a:spcPct val="115000"/>
+                        </a:lnSpc>
+                        <a:spcAft>
+                          <a:spcPts val="0"/>
+                        </a:spcAft>
+                      </a:pPr>
+                      <a:r>
+                        <a:rPr lang="de-DE" sz="1100">
+                          <a:effectLst/>
+                        </a:rPr>
+                        <a:t>Gesamt</a:t>
+                      </a:r>
+                      <a:endParaRPr lang="de-DE" sz="1100">
+                        <a:solidFill>
+                          <a:srgbClr val="000000"/>
+                        </a:solidFill>
+                        <a:effectLst/>
+                        <a:latin typeface="Arial" panose="020B0604020202020204" pitchFamily="34" charset="0"/>
+                        <a:ea typeface="Arial" panose="020B0604020202020204" pitchFamily="34" charset="0"/>
+                      </a:endParaRPr>
+                    </a:p>
+                  </a:txBody>
+                  <a:tcPr marL="45764" marR="45764" marT="0" marB="0" anchor="ctr"/>
+                </a:tc>
+                <a:tc>
+                  <a:txBody>
+                    <a:bodyPr/>
+                    <a:lstStyle/>
+                    <a:p>
+                      <a:pPr algn="ctr">
+                        <a:lnSpc>
+                          <a:spcPct val="115000"/>
+                        </a:lnSpc>
+                        <a:spcAft>
+                          <a:spcPts val="0"/>
+                        </a:spcAft>
+                      </a:pPr>
+                      <a:r>
+                        <a:rPr lang="de-DE" sz="1100">
+                          <a:effectLst/>
+                        </a:rPr>
+                        <a:t>33</a:t>
+                      </a:r>
+                      <a:endParaRPr lang="de-DE" sz="1100">
+                        <a:solidFill>
+                          <a:srgbClr val="000000"/>
+                        </a:solidFill>
+                        <a:effectLst/>
+                        <a:latin typeface="Arial" panose="020B0604020202020204" pitchFamily="34" charset="0"/>
+                        <a:ea typeface="Arial" panose="020B0604020202020204" pitchFamily="34" charset="0"/>
+                      </a:endParaRPr>
+                    </a:p>
+                  </a:txBody>
+                  <a:tcPr marL="45764" marR="45764" marT="0" marB="0" anchor="ctr"/>
+                </a:tc>
+                <a:tc>
+                  <a:txBody>
+                    <a:bodyPr/>
+                    <a:lstStyle/>
+                    <a:p>
+                      <a:pPr algn="r">
+                        <a:lnSpc>
+                          <a:spcPct val="115000"/>
+                        </a:lnSpc>
+                        <a:spcAft>
+                          <a:spcPts val="0"/>
+                        </a:spcAft>
+                      </a:pPr>
+                      <a:r>
+                        <a:rPr lang="de-DE" sz="1100" u="dbl">
+                          <a:effectLst/>
+                        </a:rPr>
+                        <a:t>400 €</a:t>
+                      </a:r>
+                      <a:endParaRPr lang="de-DE" sz="1100">
+                        <a:solidFill>
+                          <a:srgbClr val="000000"/>
+                        </a:solidFill>
+                        <a:effectLst/>
+                        <a:latin typeface="Arial" panose="020B0604020202020204" pitchFamily="34" charset="0"/>
+                        <a:ea typeface="Arial" panose="020B0604020202020204" pitchFamily="34" charset="0"/>
+                      </a:endParaRPr>
+                    </a:p>
+                  </a:txBody>
+                  <a:tcPr marL="45764" marR="45764" marT="0" marB="0" anchor="ctr"/>
+                </a:tc>
+                <a:tc>
+                  <a:txBody>
+                    <a:bodyPr/>
+                    <a:lstStyle/>
+                    <a:p>
+                      <a:pPr algn="ctr">
+                        <a:lnSpc>
+                          <a:spcPct val="115000"/>
+                        </a:lnSpc>
+                        <a:spcAft>
+                          <a:spcPts val="0"/>
+                        </a:spcAft>
+                      </a:pPr>
+                      <a:r>
+                        <a:rPr lang="de-DE" sz="1100">
+                          <a:effectLst/>
+                        </a:rPr>
+                        <a:t>55</a:t>
+                      </a:r>
+                      <a:endParaRPr lang="de-DE" sz="1100">
+                        <a:solidFill>
+                          <a:srgbClr val="000000"/>
+                        </a:solidFill>
+                        <a:effectLst/>
+                        <a:latin typeface="Arial" panose="020B0604020202020204" pitchFamily="34" charset="0"/>
+                        <a:ea typeface="Arial" panose="020B0604020202020204" pitchFamily="34" charset="0"/>
+                      </a:endParaRPr>
+                    </a:p>
+                  </a:txBody>
+                  <a:tcPr marL="45764" marR="45764" marT="0" marB="0" anchor="ctr"/>
+                </a:tc>
+                <a:tc>
+                  <a:txBody>
+                    <a:bodyPr/>
+                    <a:lstStyle/>
+                    <a:p>
+                      <a:pPr algn="r">
+                        <a:lnSpc>
+                          <a:spcPct val="115000"/>
+                        </a:lnSpc>
+                        <a:spcAft>
+                          <a:spcPts val="0"/>
+                        </a:spcAft>
+                      </a:pPr>
+                      <a:r>
+                        <a:rPr lang="de-DE" sz="1100" u="dbl" dirty="0">
+                          <a:effectLst/>
+                        </a:rPr>
+                        <a:t>860 €</a:t>
+                      </a:r>
+                      <a:endParaRPr lang="de-DE" sz="1100" dirty="0">
+                        <a:solidFill>
+                          <a:srgbClr val="000000"/>
+                        </a:solidFill>
+                        <a:effectLst/>
+                        <a:latin typeface="Arial" panose="020B0604020202020204" pitchFamily="34" charset="0"/>
+                        <a:ea typeface="Arial" panose="020B0604020202020204" pitchFamily="34" charset="0"/>
+                      </a:endParaRPr>
+                    </a:p>
+                  </a:txBody>
+                  <a:tcPr marL="45764" marR="45764" marT="0" marB="0" anchor="ctr"/>
+                </a:tc>
+              </a:tr>
+            </a:tbl>
+          </a:graphicData>
+        </a:graphic>
+      </p:graphicFrame>
       <p:pic>
         <p:nvPicPr>
           <p:cNvPr id="4" name="Grafik 3"/>

--- a/Präsentation/DezHex.pptx
+++ b/Präsentation/DezHex.pptx
@@ -5,7 +5,7 @@
     <p:sldMasterId id="2147483648" r:id="rId1"/>
   </p:sldMasterIdLst>
   <p:notesMasterIdLst>
-    <p:notesMasterId r:id="rId26"/>
+    <p:notesMasterId r:id="rId27"/>
   </p:notesMasterIdLst>
   <p:sldIdLst>
     <p:sldId id="256" r:id="rId2"/>
@@ -32,6 +32,7 @@
     <p:sldId id="261" r:id="rId23"/>
     <p:sldId id="297" r:id="rId24"/>
     <p:sldId id="264" r:id="rId25"/>
+    <p:sldId id="298" r:id="rId26"/>
   </p:sldIdLst>
   <p:sldSz cx="12192000" cy="6858000"/>
   <p:notesSz cx="6858000" cy="9144000"/>
@@ -12659,6 +12660,339 @@
 </p:sld>
 </file>
 
+<file path=ppt/slides/slide25.xml><?xml version="1.0" encoding="utf-8"?>
+<p:sld xmlns:a="http://schemas.openxmlformats.org/drawingml/2006/main" xmlns:r="http://schemas.openxmlformats.org/officeDocument/2006/relationships" xmlns:p="http://schemas.openxmlformats.org/presentationml/2006/main">
+  <p:cSld>
+    <p:spTree>
+      <p:nvGrpSpPr>
+        <p:cNvPr id="1" name=""/>
+        <p:cNvGrpSpPr/>
+        <p:nvPr/>
+      </p:nvGrpSpPr>
+      <p:grpSpPr>
+        <a:xfrm>
+          <a:off x="0" y="0"/>
+          <a:ext cx="0" cy="0"/>
+          <a:chOff x="0" y="0"/>
+          <a:chExt cx="0" cy="0"/>
+        </a:xfrm>
+      </p:grpSpPr>
+      <p:sp>
+        <p:nvSpPr>
+          <p:cNvPr id="2" name="Titel 1"/>
+          <p:cNvSpPr>
+            <a:spLocks noGrp="1"/>
+          </p:cNvSpPr>
+          <p:nvPr>
+            <p:ph type="ctrTitle"/>
+          </p:nvPr>
+        </p:nvSpPr>
+        <p:spPr>
+          <a:xfrm>
+            <a:off x="1524000" y="897988"/>
+            <a:ext cx="9144000" cy="1019805"/>
+          </a:xfrm>
+          <a:effectLst>
+            <a:outerShdw blurRad="76200" dir="18900000" sy="23000" kx="-1200000" algn="bl" rotWithShape="0">
+              <a:prstClr val="black">
+                <a:alpha val="20000"/>
+              </a:prstClr>
+            </a:outerShdw>
+            <a:softEdge rad="12700"/>
+          </a:effectLst>
+        </p:spPr>
+        <p:txBody>
+          <a:bodyPr>
+            <a:normAutofit/>
+          </a:bodyPr>
+          <a:lstStyle/>
+          <a:p>
+            <a:r>
+              <a:rPr lang="de-DE" sz="4800" b="1" dirty="0" smtClean="0"/>
+              <a:t>Vielen Dank für Ihre Aufmerksamkeit</a:t>
+            </a:r>
+            <a:endParaRPr lang="de-DE" sz="4800" b="1" dirty="0"/>
+          </a:p>
+        </p:txBody>
+      </p:sp>
+      <p:sp>
+        <p:nvSpPr>
+          <p:cNvPr id="3" name="Untertitel 2"/>
+          <p:cNvSpPr>
+            <a:spLocks noGrp="1"/>
+          </p:cNvSpPr>
+          <p:nvPr>
+            <p:ph type="subTitle" idx="1"/>
+          </p:nvPr>
+        </p:nvSpPr>
+        <p:spPr>
+          <a:xfrm>
+            <a:off x="1524000" y="5405887"/>
+            <a:ext cx="9144000" cy="546339"/>
+          </a:xfrm>
+        </p:spPr>
+        <p:txBody>
+          <a:bodyPr/>
+          <a:lstStyle/>
+          <a:p>
+            <a:r>
+              <a:rPr lang="de-DE" dirty="0" smtClean="0"/>
+              <a:t>Christopher </a:t>
+            </a:r>
+            <a:r>
+              <a:rPr lang="de-DE" dirty="0" err="1"/>
+              <a:t>Praas</a:t>
+            </a:r>
+            <a:r>
+              <a:rPr lang="de-DE" dirty="0"/>
+              <a:t> / </a:t>
+            </a:r>
+            <a:r>
+              <a:rPr lang="de-DE" dirty="0" err="1"/>
+              <a:t>Serhiy</a:t>
+            </a:r>
+            <a:r>
+              <a:rPr lang="de-DE" dirty="0"/>
+              <a:t> </a:t>
+            </a:r>
+            <a:r>
+              <a:rPr lang="de-DE" dirty="0" err="1"/>
+              <a:t>Bolkun</a:t>
+            </a:r>
+            <a:r>
+              <a:rPr lang="de-DE" dirty="0"/>
+              <a:t> / Anna Krauß / Wiebke Rochler</a:t>
+            </a:r>
+          </a:p>
+        </p:txBody>
+      </p:sp>
+      <p:pic>
+        <p:nvPicPr>
+          <p:cNvPr id="4" name="Grafik 3"/>
+          <p:cNvPicPr>
+            <a:picLocks noChangeAspect="1"/>
+          </p:cNvPicPr>
+          <p:nvPr/>
+        </p:nvPicPr>
+        <p:blipFill>
+          <a:blip r:embed="rId2" cstate="print">
+            <a:extLst>
+              <a:ext uri="{28A0092B-C50C-407E-A947-70E740481C1C}">
+                <a14:useLocalDpi xmlns:a14="http://schemas.microsoft.com/office/drawing/2010/main" val="0"/>
+              </a:ext>
+            </a:extLst>
+          </a:blip>
+          <a:stretch>
+            <a:fillRect/>
+          </a:stretch>
+        </p:blipFill>
+        <p:spPr>
+          <a:xfrm>
+            <a:off x="4233383" y="1860763"/>
+            <a:ext cx="3288155" cy="3296396"/>
+          </a:xfrm>
+          <a:prstGeom prst="rect">
+            <a:avLst/>
+          </a:prstGeom>
+          <a:effectLst>
+            <a:outerShdw blurRad="76200" dir="18900000" sy="23000" kx="-1200000" algn="bl" rotWithShape="0">
+              <a:prstClr val="black">
+                <a:alpha val="20000"/>
+              </a:prstClr>
+            </a:outerShdw>
+          </a:effectLst>
+        </p:spPr>
+      </p:pic>
+      <p:cxnSp>
+        <p:nvCxnSpPr>
+          <p:cNvPr id="8" name="Gerader Verbinder 7"/>
+          <p:cNvCxnSpPr/>
+          <p:nvPr/>
+        </p:nvCxnSpPr>
+        <p:spPr>
+          <a:xfrm>
+            <a:off x="0" y="615350"/>
+            <a:ext cx="10668000" cy="0"/>
+          </a:xfrm>
+          <a:prstGeom prst="line">
+            <a:avLst/>
+          </a:prstGeom>
+        </p:spPr>
+        <p:style>
+          <a:lnRef idx="3">
+            <a:schemeClr val="accent2"/>
+          </a:lnRef>
+          <a:fillRef idx="0">
+            <a:schemeClr val="accent2"/>
+          </a:fillRef>
+          <a:effectRef idx="2">
+            <a:schemeClr val="accent2"/>
+          </a:effectRef>
+          <a:fontRef idx="minor">
+            <a:schemeClr val="tx1"/>
+          </a:fontRef>
+        </p:style>
+      </p:cxnSp>
+      <p:cxnSp>
+        <p:nvCxnSpPr>
+          <p:cNvPr id="9" name="Gerader Verbinder 8"/>
+          <p:cNvCxnSpPr/>
+          <p:nvPr/>
+        </p:nvCxnSpPr>
+        <p:spPr>
+          <a:xfrm>
+            <a:off x="1524000" y="5903343"/>
+            <a:ext cx="10668000" cy="0"/>
+          </a:xfrm>
+          <a:prstGeom prst="line">
+            <a:avLst/>
+          </a:prstGeom>
+        </p:spPr>
+        <p:style>
+          <a:lnRef idx="3">
+            <a:schemeClr val="accent2"/>
+          </a:lnRef>
+          <a:fillRef idx="0">
+            <a:schemeClr val="accent2"/>
+          </a:fillRef>
+          <a:effectRef idx="2">
+            <a:schemeClr val="accent2"/>
+          </a:effectRef>
+          <a:fontRef idx="minor">
+            <a:schemeClr val="tx1"/>
+          </a:fontRef>
+        </p:style>
+      </p:cxnSp>
+      <p:cxnSp>
+        <p:nvCxnSpPr>
+          <p:cNvPr id="10" name="Gerader Verbinder 9"/>
+          <p:cNvCxnSpPr/>
+          <p:nvPr/>
+        </p:nvCxnSpPr>
+        <p:spPr>
+          <a:xfrm>
+            <a:off x="-1503871" y="497456"/>
+            <a:ext cx="10668000" cy="0"/>
+          </a:xfrm>
+          <a:prstGeom prst="line">
+            <a:avLst/>
+          </a:prstGeom>
+        </p:spPr>
+        <p:style>
+          <a:lnRef idx="3">
+            <a:schemeClr val="accent2"/>
+          </a:lnRef>
+          <a:fillRef idx="0">
+            <a:schemeClr val="accent2"/>
+          </a:fillRef>
+          <a:effectRef idx="2">
+            <a:schemeClr val="accent2"/>
+          </a:effectRef>
+          <a:fontRef idx="minor">
+            <a:schemeClr val="tx1"/>
+          </a:fontRef>
+        </p:style>
+      </p:cxnSp>
+      <p:cxnSp>
+        <p:nvCxnSpPr>
+          <p:cNvPr id="11" name="Gerader Verbinder 10"/>
+          <p:cNvCxnSpPr/>
+          <p:nvPr/>
+        </p:nvCxnSpPr>
+        <p:spPr>
+          <a:xfrm>
+            <a:off x="3197527" y="6003984"/>
+            <a:ext cx="10668000" cy="0"/>
+          </a:xfrm>
+          <a:prstGeom prst="line">
+            <a:avLst/>
+          </a:prstGeom>
+        </p:spPr>
+        <p:style>
+          <a:lnRef idx="3">
+            <a:schemeClr val="accent2"/>
+          </a:lnRef>
+          <a:fillRef idx="0">
+            <a:schemeClr val="accent2"/>
+          </a:fillRef>
+          <a:effectRef idx="2">
+            <a:schemeClr val="accent2"/>
+          </a:effectRef>
+          <a:fontRef idx="minor">
+            <a:schemeClr val="tx1"/>
+          </a:fontRef>
+        </p:style>
+      </p:cxnSp>
+      <p:sp>
+        <p:nvSpPr>
+          <p:cNvPr id="12" name="Titel 1"/>
+          <p:cNvSpPr txBox="1">
+            <a:spLocks/>
+          </p:cNvSpPr>
+          <p:nvPr/>
+        </p:nvSpPr>
+        <p:spPr>
+          <a:xfrm>
+            <a:off x="1524000" y="3890703"/>
+            <a:ext cx="4431099" cy="1019805"/>
+          </a:xfrm>
+          <a:prstGeom prst="rect">
+            <a:avLst/>
+          </a:prstGeom>
+          <a:effectLst>
+            <a:outerShdw blurRad="76200" dir="18900000" sy="23000" kx="-1200000" algn="bl" rotWithShape="0">
+              <a:prstClr val="black">
+                <a:alpha val="20000"/>
+              </a:prstClr>
+            </a:outerShdw>
+            <a:softEdge rad="12700"/>
+          </a:effectLst>
+        </p:spPr>
+        <p:txBody>
+          <a:bodyPr vert="horz" lIns="91440" tIns="45720" rIns="91440" bIns="45720" rtlCol="0" anchor="b">
+            <a:normAutofit/>
+          </a:bodyPr>
+          <a:lstStyle>
+            <a:lvl1pPr algn="ctr" defTabSz="914400" rtl="0" eaLnBrk="1" latinLnBrk="0" hangingPunct="1">
+              <a:lnSpc>
+                <a:spcPct val="90000"/>
+              </a:lnSpc>
+              <a:spcBef>
+                <a:spcPct val="0"/>
+              </a:spcBef>
+              <a:buNone/>
+              <a:defRPr sz="6000" kern="1200">
+                <a:solidFill>
+                  <a:schemeClr val="tx1"/>
+                </a:solidFill>
+                <a:latin typeface="+mj-lt"/>
+                <a:ea typeface="+mj-ea"/>
+                <a:cs typeface="+mj-cs"/>
+              </a:defRPr>
+            </a:lvl1pPr>
+          </a:lstStyle>
+          <a:p>
+            <a:r>
+              <a:rPr lang="de-DE" sz="4800" b="1" dirty="0" err="1" smtClean="0"/>
+              <a:t>DezHex</a:t>
+            </a:r>
+            <a:endParaRPr lang="de-DE" sz="4800" b="1" dirty="0"/>
+          </a:p>
+        </p:txBody>
+      </p:sp>
+    </p:spTree>
+    <p:extLst>
+      <p:ext uri="{BB962C8B-B14F-4D97-AF65-F5344CB8AC3E}">
+        <p14:creationId xmlns:p14="http://schemas.microsoft.com/office/powerpoint/2010/main" val="1433333394"/>
+      </p:ext>
+    </p:extLst>
+  </p:cSld>
+  <p:clrMapOvr>
+    <a:masterClrMapping/>
+  </p:clrMapOvr>
+</p:sld>
+</file>
+
 <file path=ppt/slides/slide3.xml><?xml version="1.0" encoding="utf-8"?>
 <p:sld xmlns:a="http://schemas.openxmlformats.org/drawingml/2006/main" xmlns:r="http://schemas.openxmlformats.org/officeDocument/2006/relationships" xmlns:p="http://schemas.openxmlformats.org/presentationml/2006/main">
   <p:cSld>

--- a/Präsentation/DezHex.pptx
+++ b/Präsentation/DezHex.pptx
@@ -7110,11 +7110,11 @@
           </a:p>
           <a:p>
             <a:r>
-              <a:rPr lang="de-DE" dirty="0" smtClean="0"/>
+              <a:rPr lang="de-DE" dirty="0"/>
               <a:t>Versionsverwaltung - </a:t>
             </a:r>
             <a:r>
-              <a:rPr lang="de-DE" b="1" dirty="0" err="1" smtClean="0"/>
+              <a:rPr lang="de-DE" b="1" dirty="0" err="1"/>
               <a:t>GitHub</a:t>
             </a:r>
             <a:endParaRPr lang="de-DE" b="1" dirty="0"/>
@@ -7126,14 +7126,10 @@
             </a:r>
             <a:r>
               <a:rPr lang="de-DE" b="1" dirty="0"/>
-              <a:t> </a:t>
-            </a:r>
-            <a:r>
-              <a:rPr lang="de-DE" b="1" dirty="0" smtClean="0"/>
-              <a:t>- </a:t>
-            </a:r>
-            <a:r>
-              <a:rPr lang="de-DE" b="1" dirty="0" err="1" smtClean="0"/>
+              <a:t> - </a:t>
+            </a:r>
+            <a:r>
+              <a:rPr lang="de-DE" b="1" dirty="0" err="1"/>
               <a:t>Topcased</a:t>
             </a:r>
             <a:endParaRPr lang="de-DE" b="1" dirty="0"/>
@@ -7145,14 +7141,10 @@
             </a:r>
             <a:r>
               <a:rPr lang="de-DE" dirty="0"/>
-              <a:t> der </a:t>
-            </a:r>
-            <a:r>
-              <a:rPr lang="de-DE" dirty="0" smtClean="0"/>
-              <a:t>Benutzerschnittstelle - </a:t>
-            </a:r>
-            <a:r>
-              <a:rPr lang="de-DE" b="1" dirty="0" err="1" smtClean="0"/>
+              <a:t> der Benutzerschnittstelle - </a:t>
+            </a:r>
+            <a:r>
+              <a:rPr lang="de-DE" b="1" dirty="0" err="1"/>
               <a:t>NinjaMock</a:t>
             </a:r>
             <a:endParaRPr lang="de-DE" b="1" dirty="0"/>
@@ -7164,37 +7156,33 @@
             </a:r>
             <a:r>
               <a:rPr lang="de-DE" b="1" dirty="0"/>
+              <a:t> - </a:t>
+            </a:r>
+            <a:r>
+              <a:rPr lang="de-DE" b="1" dirty="0" err="1"/>
+              <a:t>Eclipse</a:t>
+            </a:r>
+            <a:r>
+              <a:rPr lang="de-DE" b="1" dirty="0"/>
               <a:t> </a:t>
             </a:r>
-            <a:r>
-              <a:rPr lang="de-DE" b="1" dirty="0" smtClean="0"/>
-              <a:t>- </a:t>
-            </a:r>
-            <a:r>
-              <a:rPr lang="de-DE" b="1" dirty="0" err="1" smtClean="0"/>
-              <a:t>Eclipse</a:t>
-            </a:r>
-            <a:r>
-              <a:rPr lang="de-DE" b="1" dirty="0" smtClean="0"/>
-              <a:t> </a:t>
-            </a:r>
             <a:endParaRPr lang="de-DE" dirty="0"/>
           </a:p>
           <a:p>
             <a:r>
-              <a:rPr lang="de-DE" dirty="0" err="1" smtClean="0"/>
+              <a:rPr lang="de-DE" dirty="0" err="1"/>
               <a:t>Build</a:t>
             </a:r>
             <a:r>
-              <a:rPr lang="de-DE" dirty="0" smtClean="0"/>
+              <a:rPr lang="de-DE" dirty="0"/>
               <a:t>-Tool</a:t>
             </a:r>
             <a:r>
-              <a:rPr lang="de-DE" b="1" dirty="0" smtClean="0"/>
+              <a:rPr lang="de-DE" b="1" dirty="0"/>
               <a:t> - </a:t>
             </a:r>
             <a:r>
-              <a:rPr lang="de-DE" b="1" dirty="0" err="1" smtClean="0"/>
+              <a:rPr lang="de-DE" b="1" dirty="0" err="1"/>
               <a:t>Gradle</a:t>
             </a:r>
             <a:endParaRPr lang="de-DE" b="1" dirty="0"/>
@@ -7206,14 +7194,10 @@
             </a:r>
             <a:r>
               <a:rPr lang="de-DE" b="1" dirty="0"/>
-              <a:t> </a:t>
-            </a:r>
-            <a:r>
-              <a:rPr lang="de-DE" b="1" dirty="0" smtClean="0"/>
-              <a:t>- </a:t>
-            </a:r>
-            <a:r>
-              <a:rPr lang="de-DE" b="1" dirty="0" err="1" smtClean="0"/>
+              <a:t> - </a:t>
+            </a:r>
+            <a:r>
+              <a:rPr lang="de-DE" b="1" dirty="0" err="1"/>
               <a:t>JUnit</a:t>
             </a:r>
             <a:endParaRPr lang="de-DE" b="1" dirty="0"/>
@@ -7225,14 +7209,10 @@
             </a:r>
             <a:r>
               <a:rPr lang="de-DE" b="1" dirty="0"/>
-              <a:t> </a:t>
-            </a:r>
-            <a:r>
-              <a:rPr lang="de-DE" b="1" dirty="0" smtClean="0"/>
-              <a:t>- </a:t>
-            </a:r>
-            <a:r>
-              <a:rPr lang="de-DE" b="1" dirty="0" err="1" smtClean="0"/>
+              <a:t> - </a:t>
+            </a:r>
+            <a:r>
+              <a:rPr lang="de-DE" b="1" dirty="0" err="1"/>
               <a:t>Doxygen</a:t>
             </a:r>
             <a:endParaRPr lang="de-DE" b="1" dirty="0"/>
@@ -9023,14 +9003,14 @@
             <p:ph idx="1"/>
             <p:extLst>
               <p:ext uri="{D42A27DB-BD31-4B8C-83A1-F6EECF244321}">
-                <p14:modId xmlns:p14="http://schemas.microsoft.com/office/powerpoint/2010/main" val="2058306077"/>
+                <p14:modId xmlns:p14="http://schemas.microsoft.com/office/powerpoint/2010/main" val="1839539044"/>
               </p:ext>
             </p:extLst>
           </p:nvPr>
         </p:nvGraphicFramePr>
         <p:xfrm>
           <a:off x="1524000" y="908648"/>
-          <a:ext cx="9671552" cy="5356998"/>
+          <a:ext cx="9671552" cy="5380162"/>
         </p:xfrm>
         <a:graphic>
           <a:graphicData uri="http://schemas.openxmlformats.org/drawingml/2006/table">
@@ -9039,11 +9019,41 @@
                 <a:tableStyleId>{5C22544A-7EE6-4342-B048-85BDC9FD1C3A}</a:tableStyleId>
               </a:tblPr>
               <a:tblGrid>
-                <a:gridCol w="2165251"/>
-                <a:gridCol w="1795615"/>
-                <a:gridCol w="1880558"/>
-                <a:gridCol w="2116347"/>
-                <a:gridCol w="1713781"/>
+                <a:gridCol w="2165251">
+                  <a:extLst>
+                    <a:ext uri="{9D8B030D-6E8A-4147-A177-3AD203B41FA5}">
+                      <a16:colId xmlns:a16="http://schemas.microsoft.com/office/drawing/2014/main" val="20000"/>
+                    </a:ext>
+                  </a:extLst>
+                </a:gridCol>
+                <a:gridCol w="1795615">
+                  <a:extLst>
+                    <a:ext uri="{9D8B030D-6E8A-4147-A177-3AD203B41FA5}">
+                      <a16:colId xmlns:a16="http://schemas.microsoft.com/office/drawing/2014/main" val="20001"/>
+                    </a:ext>
+                  </a:extLst>
+                </a:gridCol>
+                <a:gridCol w="1880558">
+                  <a:extLst>
+                    <a:ext uri="{9D8B030D-6E8A-4147-A177-3AD203B41FA5}">
+                      <a16:colId xmlns:a16="http://schemas.microsoft.com/office/drawing/2014/main" val="20002"/>
+                    </a:ext>
+                  </a:extLst>
+                </a:gridCol>
+                <a:gridCol w="2116347">
+                  <a:extLst>
+                    <a:ext uri="{9D8B030D-6E8A-4147-A177-3AD203B41FA5}">
+                      <a16:colId xmlns:a16="http://schemas.microsoft.com/office/drawing/2014/main" val="20003"/>
+                    </a:ext>
+                  </a:extLst>
+                </a:gridCol>
+                <a:gridCol w="1713781">
+                  <a:extLst>
+                    <a:ext uri="{9D8B030D-6E8A-4147-A177-3AD203B41FA5}">
+                      <a16:colId xmlns:a16="http://schemas.microsoft.com/office/drawing/2014/main" val="20004"/>
+                    </a:ext>
+                  </a:extLst>
+                </a:gridCol>
               </a:tblGrid>
               <a:tr h="312597">
                 <a:tc gridSpan="3">
@@ -9138,6 +9148,11 @@
                   </a:txBody>
                   <a:tcPr/>
                 </a:tc>
+                <a:extLst>
+                  <a:ext uri="{0D108BD9-81ED-4DB2-BD59-A6C34878D82A}">
+                    <a16:rowId xmlns:a16="http://schemas.microsoft.com/office/drawing/2014/main" val="10000"/>
+                  </a:ext>
+                </a:extLst>
               </a:tr>
               <a:tr h="216525">
                 <a:tc gridSpan="3">
@@ -9205,12 +9220,12 @@
                         </a:spcAft>
                       </a:pPr>
                       <a:r>
-                        <a:rPr lang="de-DE" sz="1200">
+                        <a:rPr lang="de-DE" sz="1400" dirty="0">
                           <a:effectLst/>
                         </a:rPr>
                         <a:t>(Reflexion auf Kalkulation)</a:t>
                       </a:r>
-                      <a:endParaRPr lang="de-DE" sz="1100">
+                      <a:endParaRPr lang="de-DE" sz="1200" dirty="0">
                         <a:solidFill>
                           <a:srgbClr val="000000"/>
                         </a:solidFill>
@@ -9232,6 +9247,11 @@
                   </a:txBody>
                   <a:tcPr/>
                 </a:tc>
+                <a:extLst>
+                  <a:ext uri="{0D108BD9-81ED-4DB2-BD59-A6C34878D82A}">
+                    <a16:rowId xmlns:a16="http://schemas.microsoft.com/office/drawing/2014/main" val="10001"/>
+                  </a:ext>
+                </a:extLst>
               </a:tr>
               <a:tr h="252612">
                 <a:tc gridSpan="3">
@@ -9248,12 +9268,12 @@
                         </a:spcAft>
                       </a:pPr>
                       <a:r>
-                        <a:rPr lang="de-DE" sz="1500">
+                        <a:rPr lang="de-DE" sz="1500" dirty="0">
                           <a:effectLst/>
                         </a:rPr>
                         <a:t> vom 26.01.2017</a:t>
                       </a:r>
-                      <a:endParaRPr lang="de-DE" sz="1100">
+                      <a:endParaRPr lang="de-DE" sz="1100" dirty="0">
                         <a:solidFill>
                           <a:srgbClr val="000000"/>
                         </a:solidFill>
@@ -9326,6 +9346,11 @@
                   </a:txBody>
                   <a:tcPr/>
                 </a:tc>
+                <a:extLst>
+                  <a:ext uri="{0D108BD9-81ED-4DB2-BD59-A6C34878D82A}">
+                    <a16:rowId xmlns:a16="http://schemas.microsoft.com/office/drawing/2014/main" val="10002"/>
+                  </a:ext>
+                </a:extLst>
               </a:tr>
               <a:tr h="588383">
                 <a:tc>
@@ -9342,12 +9367,12 @@
                         </a:spcAft>
                       </a:pPr>
                       <a:r>
-                        <a:rPr lang="de-DE" sz="1100">
+                        <a:rPr lang="de-DE" sz="1200" dirty="0">
                           <a:effectLst/>
                         </a:rPr>
                         <a:t>Arbeitsphase</a:t>
                       </a:r>
-                      <a:endParaRPr lang="de-DE" sz="1100">
+                      <a:endParaRPr lang="de-DE" sz="1200" dirty="0">
                         <a:solidFill>
                           <a:srgbClr val="000000"/>
                         </a:solidFill>
@@ -9373,12 +9398,12 @@
                         </a:spcAft>
                       </a:pPr>
                       <a:r>
-                        <a:rPr lang="de-DE" sz="1100">
+                        <a:rPr lang="de-DE" sz="1200" dirty="0">
                           <a:effectLst/>
                         </a:rPr>
-                        <a:t>Soll-Arbeits-stunden</a:t>
+                        <a:t>Soll-Arbeitsstunden</a:t>
                       </a:r>
-                      <a:endParaRPr lang="de-DE" sz="1100">
+                      <a:endParaRPr lang="de-DE" sz="1200" dirty="0">
                         <a:solidFill>
                           <a:srgbClr val="000000"/>
                         </a:solidFill>
@@ -9404,12 +9429,12 @@
                         </a:spcAft>
                       </a:pPr>
                       <a:r>
-                        <a:rPr lang="de-DE" sz="1100">
+                        <a:rPr lang="de-DE" sz="1200" dirty="0">
                           <a:effectLst/>
                         </a:rPr>
                         <a:t>Soll-Kosten</a:t>
                       </a:r>
-                      <a:endParaRPr lang="de-DE" sz="1100">
+                      <a:endParaRPr lang="de-DE" sz="1200" dirty="0">
                         <a:solidFill>
                           <a:srgbClr val="000000"/>
                         </a:solidFill>
@@ -9435,12 +9460,12 @@
                         </a:spcAft>
                       </a:pPr>
                       <a:r>
-                        <a:rPr lang="de-DE" sz="1100">
+                        <a:rPr lang="de-DE" sz="1200">
                           <a:effectLst/>
                         </a:rPr>
                         <a:t>Ist-Arbeitsstunden</a:t>
                       </a:r>
-                      <a:endParaRPr lang="de-DE" sz="1100">
+                      <a:endParaRPr lang="de-DE" sz="1200">
                         <a:solidFill>
                           <a:srgbClr val="000000"/>
                         </a:solidFill>
@@ -9466,12 +9491,12 @@
                         </a:spcAft>
                       </a:pPr>
                       <a:r>
-                        <a:rPr lang="de-DE" sz="1100">
+                        <a:rPr lang="de-DE" sz="1200" dirty="0">
                           <a:effectLst/>
                         </a:rPr>
                         <a:t>Ist-Kosten</a:t>
                       </a:r>
-                      <a:endParaRPr lang="de-DE" sz="1100">
+                      <a:endParaRPr lang="de-DE" sz="1200" dirty="0">
                         <a:solidFill>
                           <a:srgbClr val="000000"/>
                         </a:solidFill>
@@ -9483,6 +9508,11 @@
                   </a:txBody>
                   <a:tcPr marL="45764" marR="45764" marT="0" marB="0" anchor="ctr"/>
                 </a:tc>
+                <a:extLst>
+                  <a:ext uri="{0D108BD9-81ED-4DB2-BD59-A6C34878D82A}">
+                    <a16:rowId xmlns:a16="http://schemas.microsoft.com/office/drawing/2014/main" val="10003"/>
+                  </a:ext>
+                </a:extLst>
               </a:tr>
               <a:tr h="198481">
                 <a:tc>
@@ -9499,12 +9529,12 @@
                         </a:spcAft>
                       </a:pPr>
                       <a:r>
-                        <a:rPr lang="de-DE" sz="1100">
+                        <a:rPr lang="de-DE" sz="1200" dirty="0">
                           <a:effectLst/>
                         </a:rPr>
                         <a:t>Auftrag:</a:t>
                       </a:r>
-                      <a:endParaRPr lang="de-DE" sz="1100">
+                      <a:endParaRPr lang="de-DE" sz="1200" dirty="0">
                         <a:solidFill>
                           <a:srgbClr val="000000"/>
                         </a:solidFill>
@@ -9530,12 +9560,12 @@
                         </a:spcAft>
                       </a:pPr>
                       <a:r>
-                        <a:rPr lang="de-DE" sz="1100">
+                        <a:rPr lang="de-DE" sz="1200">
                           <a:effectLst/>
                         </a:rPr>
                         <a:t>5</a:t>
                       </a:r>
-                      <a:endParaRPr lang="de-DE" sz="1100">
+                      <a:endParaRPr lang="de-DE" sz="1200">
                         <a:solidFill>
                           <a:srgbClr val="000000"/>
                         </a:solidFill>
@@ -9561,12 +9591,12 @@
                         </a:spcAft>
                       </a:pPr>
                       <a:r>
-                        <a:rPr lang="de-DE" sz="1100">
+                        <a:rPr lang="de-DE" sz="1200" dirty="0">
                           <a:effectLst/>
                         </a:rPr>
                         <a:t>-</a:t>
                       </a:r>
-                      <a:endParaRPr lang="de-DE" sz="1100">
+                      <a:endParaRPr lang="de-DE" sz="1200" dirty="0">
                         <a:solidFill>
                           <a:srgbClr val="000000"/>
                         </a:solidFill>
@@ -9592,12 +9622,12 @@
                         </a:spcAft>
                       </a:pPr>
                       <a:r>
-                        <a:rPr lang="de-DE" sz="1100">
+                        <a:rPr lang="de-DE" sz="1200">
                           <a:effectLst/>
                         </a:rPr>
                         <a:t>5</a:t>
                       </a:r>
-                      <a:endParaRPr lang="de-DE" sz="1100">
+                      <a:endParaRPr lang="de-DE" sz="1200">
                         <a:solidFill>
                           <a:srgbClr val="000000"/>
                         </a:solidFill>
@@ -9623,12 +9653,12 @@
                         </a:spcAft>
                       </a:pPr>
                       <a:r>
-                        <a:rPr lang="de-DE" sz="1100">
+                        <a:rPr lang="de-DE" sz="1200" dirty="0">
                           <a:effectLst/>
                         </a:rPr>
                         <a:t>-</a:t>
                       </a:r>
-                      <a:endParaRPr lang="de-DE" sz="1100">
+                      <a:endParaRPr lang="de-DE" sz="1200" dirty="0">
                         <a:solidFill>
                           <a:srgbClr val="000000"/>
                         </a:solidFill>
@@ -9640,6 +9670,11 @@
                   </a:txBody>
                   <a:tcPr marL="45764" marR="45764" marT="0" marB="0" anchor="ctr"/>
                 </a:tc>
+                <a:extLst>
+                  <a:ext uri="{0D108BD9-81ED-4DB2-BD59-A6C34878D82A}">
+                    <a16:rowId xmlns:a16="http://schemas.microsoft.com/office/drawing/2014/main" val="10004"/>
+                  </a:ext>
+                </a:extLst>
               </a:tr>
               <a:tr h="198481">
                 <a:tc>
@@ -9656,12 +9691,12 @@
                         </a:spcAft>
                       </a:pPr>
                       <a:r>
-                        <a:rPr lang="de-DE" sz="1100">
+                        <a:rPr lang="de-DE" sz="1200">
                           <a:effectLst/>
                         </a:rPr>
                         <a:t>- Lastenheft analysieren</a:t>
                       </a:r>
-                      <a:endParaRPr lang="de-DE" sz="1100">
+                      <a:endParaRPr lang="de-DE" sz="1200">
                         <a:solidFill>
                           <a:srgbClr val="000000"/>
                         </a:solidFill>
@@ -9687,12 +9722,12 @@
                         </a:spcAft>
                       </a:pPr>
                       <a:r>
-                        <a:rPr lang="de-DE" sz="1100">
+                        <a:rPr lang="de-DE" sz="1200">
                           <a:effectLst/>
                         </a:rPr>
                         <a:t>3</a:t>
                       </a:r>
-                      <a:endParaRPr lang="de-DE" sz="1100">
+                      <a:endParaRPr lang="de-DE" sz="1200">
                         <a:solidFill>
                           <a:srgbClr val="000000"/>
                         </a:solidFill>
@@ -9718,12 +9753,12 @@
                         </a:spcAft>
                       </a:pPr>
                       <a:r>
-                        <a:rPr lang="de-DE" sz="1100">
+                        <a:rPr lang="de-DE" sz="1200" dirty="0">
                           <a:effectLst/>
                         </a:rPr>
                         <a:t>-</a:t>
                       </a:r>
-                      <a:endParaRPr lang="de-DE" sz="1100">
+                      <a:endParaRPr lang="de-DE" sz="1200" dirty="0">
                         <a:solidFill>
                           <a:srgbClr val="000000"/>
                         </a:solidFill>
@@ -9749,12 +9784,12 @@
                         </a:spcAft>
                       </a:pPr>
                       <a:r>
-                        <a:rPr lang="de-DE" sz="1100">
+                        <a:rPr lang="de-DE" sz="1200">
                           <a:effectLst/>
                         </a:rPr>
                         <a:t>3</a:t>
                       </a:r>
-                      <a:endParaRPr lang="de-DE" sz="1100">
+                      <a:endParaRPr lang="de-DE" sz="1200">
                         <a:solidFill>
                           <a:srgbClr val="000000"/>
                         </a:solidFill>
@@ -9780,12 +9815,12 @@
                         </a:spcAft>
                       </a:pPr>
                       <a:r>
-                        <a:rPr lang="de-DE" sz="1100">
+                        <a:rPr lang="de-DE" sz="1200" dirty="0">
                           <a:effectLst/>
                         </a:rPr>
                         <a:t>-</a:t>
                       </a:r>
-                      <a:endParaRPr lang="de-DE" sz="1100">
+                      <a:endParaRPr lang="de-DE" sz="1200" dirty="0">
                         <a:solidFill>
                           <a:srgbClr val="000000"/>
                         </a:solidFill>
@@ -9797,6 +9832,11 @@
                   </a:txBody>
                   <a:tcPr marL="45764" marR="45764" marT="0" marB="0" anchor="ctr"/>
                 </a:tc>
+                <a:extLst>
+                  <a:ext uri="{0D108BD9-81ED-4DB2-BD59-A6C34878D82A}">
+                    <a16:rowId xmlns:a16="http://schemas.microsoft.com/office/drawing/2014/main" val="10005"/>
+                  </a:ext>
+                </a:extLst>
               </a:tr>
               <a:tr h="198481">
                 <a:tc>
@@ -9813,12 +9853,12 @@
                         </a:spcAft>
                       </a:pPr>
                       <a:r>
-                        <a:rPr lang="de-DE" sz="1100">
+                        <a:rPr lang="de-DE" sz="1200">
                           <a:effectLst/>
                         </a:rPr>
                         <a:t>- Zeit- und Kostenplanung</a:t>
                       </a:r>
-                      <a:endParaRPr lang="de-DE" sz="1100">
+                      <a:endParaRPr lang="de-DE" sz="1200">
                         <a:solidFill>
                           <a:srgbClr val="000000"/>
                         </a:solidFill>
@@ -9844,12 +9884,12 @@
                         </a:spcAft>
                       </a:pPr>
                       <a:r>
-                        <a:rPr lang="de-DE" sz="1100">
+                        <a:rPr lang="de-DE" sz="1200">
                           <a:effectLst/>
                         </a:rPr>
                         <a:t>2</a:t>
                       </a:r>
-                      <a:endParaRPr lang="de-DE" sz="1100">
+                      <a:endParaRPr lang="de-DE" sz="1200">
                         <a:solidFill>
                           <a:srgbClr val="000000"/>
                         </a:solidFill>
@@ -9875,12 +9915,12 @@
                         </a:spcAft>
                       </a:pPr>
                       <a:r>
-                        <a:rPr lang="de-DE" sz="1100">
+                        <a:rPr lang="de-DE" sz="1200" dirty="0">
                           <a:effectLst/>
                         </a:rPr>
                         <a:t>-</a:t>
                       </a:r>
-                      <a:endParaRPr lang="de-DE" sz="1100">
+                      <a:endParaRPr lang="de-DE" sz="1200" dirty="0">
                         <a:solidFill>
                           <a:srgbClr val="000000"/>
                         </a:solidFill>
@@ -9906,12 +9946,12 @@
                         </a:spcAft>
                       </a:pPr>
                       <a:r>
-                        <a:rPr lang="de-DE" sz="1100">
+                        <a:rPr lang="de-DE" sz="1200">
                           <a:effectLst/>
                         </a:rPr>
                         <a:t>2</a:t>
                       </a:r>
-                      <a:endParaRPr lang="de-DE" sz="1100">
+                      <a:endParaRPr lang="de-DE" sz="1200">
                         <a:solidFill>
                           <a:srgbClr val="000000"/>
                         </a:solidFill>
@@ -9937,12 +9977,12 @@
                         </a:spcAft>
                       </a:pPr>
                       <a:r>
-                        <a:rPr lang="de-DE" sz="1100">
+                        <a:rPr lang="de-DE" sz="1200" dirty="0">
                           <a:effectLst/>
                         </a:rPr>
                         <a:t>-</a:t>
                       </a:r>
-                      <a:endParaRPr lang="de-DE" sz="1100">
+                      <a:endParaRPr lang="de-DE" sz="1200" dirty="0">
                         <a:solidFill>
                           <a:srgbClr val="000000"/>
                         </a:solidFill>
@@ -9954,6 +9994,11 @@
                   </a:txBody>
                   <a:tcPr marL="45764" marR="45764" marT="0" marB="0" anchor="ctr"/>
                 </a:tc>
+                <a:extLst>
+                  <a:ext uri="{0D108BD9-81ED-4DB2-BD59-A6C34878D82A}">
+                    <a16:rowId xmlns:a16="http://schemas.microsoft.com/office/drawing/2014/main" val="10006"/>
+                  </a:ext>
+                </a:extLst>
               </a:tr>
               <a:tr h="198481">
                 <a:tc>
@@ -9970,12 +10015,12 @@
                         </a:spcAft>
                       </a:pPr>
                       <a:r>
-                        <a:rPr lang="de-DE" sz="1100">
+                        <a:rPr lang="de-DE" sz="1200">
                           <a:effectLst/>
                         </a:rPr>
                         <a:t>Anforderungsdefinition:</a:t>
                       </a:r>
-                      <a:endParaRPr lang="de-DE" sz="1100">
+                      <a:endParaRPr lang="de-DE" sz="1200">
                         <a:solidFill>
                           <a:srgbClr val="000000"/>
                         </a:solidFill>
@@ -10001,12 +10046,12 @@
                         </a:spcAft>
                       </a:pPr>
                       <a:r>
-                        <a:rPr lang="de-DE" sz="1100">
+                        <a:rPr lang="de-DE" sz="1200">
                           <a:effectLst/>
                         </a:rPr>
                         <a:t>4</a:t>
                       </a:r>
-                      <a:endParaRPr lang="de-DE" sz="1100">
+                      <a:endParaRPr lang="de-DE" sz="1200">
                         <a:solidFill>
                           <a:srgbClr val="000000"/>
                         </a:solidFill>
@@ -10032,12 +10077,12 @@
                         </a:spcAft>
                       </a:pPr>
                       <a:r>
-                        <a:rPr lang="de-DE" sz="1100">
+                        <a:rPr lang="de-DE" sz="1200" dirty="0">
                           <a:effectLst/>
                         </a:rPr>
                         <a:t>80 €</a:t>
                       </a:r>
-                      <a:endParaRPr lang="de-DE" sz="1100">
+                      <a:endParaRPr lang="de-DE" sz="1200" dirty="0">
                         <a:solidFill>
                           <a:srgbClr val="000000"/>
                         </a:solidFill>
@@ -10063,12 +10108,12 @@
                         </a:spcAft>
                       </a:pPr>
                       <a:r>
-                        <a:rPr lang="de-DE" sz="1100">
+                        <a:rPr lang="de-DE" sz="1200">
                           <a:effectLst/>
                         </a:rPr>
                         <a:t>4</a:t>
                       </a:r>
-                      <a:endParaRPr lang="de-DE" sz="1100">
+                      <a:endParaRPr lang="de-DE" sz="1200">
                         <a:solidFill>
                           <a:srgbClr val="000000"/>
                         </a:solidFill>
@@ -10094,12 +10139,12 @@
                         </a:spcAft>
                       </a:pPr>
                       <a:r>
-                        <a:rPr lang="de-DE" sz="1100">
+                        <a:rPr lang="de-DE" sz="1200" dirty="0">
                           <a:effectLst/>
                         </a:rPr>
                         <a:t>80 €</a:t>
                       </a:r>
-                      <a:endParaRPr lang="de-DE" sz="1100">
+                      <a:endParaRPr lang="de-DE" sz="1200" dirty="0">
                         <a:solidFill>
                           <a:srgbClr val="000000"/>
                         </a:solidFill>
@@ -10111,6 +10156,11 @@
                   </a:txBody>
                   <a:tcPr marL="45764" marR="45764" marT="0" marB="0" anchor="ctr"/>
                 </a:tc>
+                <a:extLst>
+                  <a:ext uri="{0D108BD9-81ED-4DB2-BD59-A6C34878D82A}">
+                    <a16:rowId xmlns:a16="http://schemas.microsoft.com/office/drawing/2014/main" val="10007"/>
+                  </a:ext>
+                </a:extLst>
               </a:tr>
               <a:tr h="198481">
                 <a:tc>
@@ -10127,12 +10177,12 @@
                         </a:spcAft>
                       </a:pPr>
                       <a:r>
-                        <a:rPr lang="de-DE" sz="1100">
+                        <a:rPr lang="de-DE" sz="1200">
                           <a:effectLst/>
                         </a:rPr>
                         <a:t>&gt;Ergebnis: Pflichtenheft</a:t>
                       </a:r>
-                      <a:endParaRPr lang="de-DE" sz="1100">
+                      <a:endParaRPr lang="de-DE" sz="1200">
                         <a:solidFill>
                           <a:srgbClr val="000000"/>
                         </a:solidFill>
@@ -10158,12 +10208,12 @@
                         </a:spcAft>
                       </a:pPr>
                       <a:r>
-                        <a:rPr lang="de-DE" sz="1100">
+                        <a:rPr lang="de-DE" sz="1200">
                           <a:effectLst/>
                         </a:rPr>
                         <a:t>4</a:t>
                       </a:r>
-                      <a:endParaRPr lang="de-DE" sz="1100">
+                      <a:endParaRPr lang="de-DE" sz="1200">
                         <a:solidFill>
                           <a:srgbClr val="000000"/>
                         </a:solidFill>
@@ -10189,12 +10239,12 @@
                         </a:spcAft>
                       </a:pPr>
                       <a:r>
-                        <a:rPr lang="de-DE" sz="1100">
+                        <a:rPr lang="de-DE" sz="1200">
                           <a:effectLst/>
                         </a:rPr>
                         <a:t>80 €</a:t>
                       </a:r>
-                      <a:endParaRPr lang="de-DE" sz="1100">
+                      <a:endParaRPr lang="de-DE" sz="1200">
                         <a:solidFill>
                           <a:srgbClr val="000000"/>
                         </a:solidFill>
@@ -10220,12 +10270,12 @@
                         </a:spcAft>
                       </a:pPr>
                       <a:r>
-                        <a:rPr lang="de-DE" sz="1100">
+                        <a:rPr lang="de-DE" sz="1200">
                           <a:effectLst/>
                         </a:rPr>
                         <a:t>4</a:t>
                       </a:r>
-                      <a:endParaRPr lang="de-DE" sz="1100">
+                      <a:endParaRPr lang="de-DE" sz="1200">
                         <a:solidFill>
                           <a:srgbClr val="000000"/>
                         </a:solidFill>
@@ -10251,12 +10301,12 @@
                         </a:spcAft>
                       </a:pPr>
                       <a:r>
-                        <a:rPr lang="de-DE" sz="1100">
+                        <a:rPr lang="de-DE" sz="1200">
                           <a:effectLst/>
                         </a:rPr>
                         <a:t>80 €</a:t>
                       </a:r>
-                      <a:endParaRPr lang="de-DE" sz="1100">
+                      <a:endParaRPr lang="de-DE" sz="1200">
                         <a:solidFill>
                           <a:srgbClr val="000000"/>
                         </a:solidFill>
@@ -10268,6 +10318,11 @@
                   </a:txBody>
                   <a:tcPr marL="45764" marR="45764" marT="0" marB="0" anchor="ctr"/>
                 </a:tc>
+                <a:extLst>
+                  <a:ext uri="{0D108BD9-81ED-4DB2-BD59-A6C34878D82A}">
+                    <a16:rowId xmlns:a16="http://schemas.microsoft.com/office/drawing/2014/main" val="10008"/>
+                  </a:ext>
+                </a:extLst>
               </a:tr>
               <a:tr h="198481">
                 <a:tc>
@@ -10284,12 +10339,12 @@
                         </a:spcAft>
                       </a:pPr>
                       <a:r>
-                        <a:rPr lang="de-DE" sz="1100">
+                        <a:rPr lang="de-DE" sz="1200">
                           <a:effectLst/>
                         </a:rPr>
                         <a:t>Analyse und Entwurf:</a:t>
                       </a:r>
-                      <a:endParaRPr lang="de-DE" sz="1100">
+                      <a:endParaRPr lang="de-DE" sz="1200">
                         <a:solidFill>
                           <a:srgbClr val="000000"/>
                         </a:solidFill>
@@ -10315,12 +10370,12 @@
                         </a:spcAft>
                       </a:pPr>
                       <a:r>
-                        <a:rPr lang="de-DE" sz="1100">
+                        <a:rPr lang="de-DE" sz="1200">
                           <a:effectLst/>
                         </a:rPr>
                         <a:t>4</a:t>
                       </a:r>
-                      <a:endParaRPr lang="de-DE" sz="1100">
+                      <a:endParaRPr lang="de-DE" sz="1200">
                         <a:solidFill>
                           <a:srgbClr val="000000"/>
                         </a:solidFill>
@@ -10346,12 +10401,12 @@
                         </a:spcAft>
                       </a:pPr>
                       <a:r>
-                        <a:rPr lang="de-DE" sz="1100">
+                        <a:rPr lang="de-DE" sz="1200" dirty="0">
                           <a:effectLst/>
                         </a:rPr>
                         <a:t>80 €</a:t>
                       </a:r>
-                      <a:endParaRPr lang="de-DE" sz="1100">
+                      <a:endParaRPr lang="de-DE" sz="1200" dirty="0">
                         <a:solidFill>
                           <a:srgbClr val="000000"/>
                         </a:solidFill>
@@ -10377,12 +10432,12 @@
                         </a:spcAft>
                       </a:pPr>
                       <a:r>
-                        <a:rPr lang="de-DE" sz="1100">
+                        <a:rPr lang="de-DE" sz="1200">
                           <a:effectLst/>
                         </a:rPr>
                         <a:t>4</a:t>
                       </a:r>
-                      <a:endParaRPr lang="de-DE" sz="1100">
+                      <a:endParaRPr lang="de-DE" sz="1200">
                         <a:solidFill>
                           <a:srgbClr val="000000"/>
                         </a:solidFill>
@@ -10408,12 +10463,12 @@
                         </a:spcAft>
                       </a:pPr>
                       <a:r>
-                        <a:rPr lang="de-DE" sz="1100">
+                        <a:rPr lang="de-DE" sz="1200" dirty="0">
                           <a:effectLst/>
                         </a:rPr>
                         <a:t>80 €</a:t>
                       </a:r>
-                      <a:endParaRPr lang="de-DE" sz="1100">
+                      <a:endParaRPr lang="de-DE" sz="1200" dirty="0">
                         <a:solidFill>
                           <a:srgbClr val="000000"/>
                         </a:solidFill>
@@ -10425,6 +10480,11 @@
                   </a:txBody>
                   <a:tcPr marL="45764" marR="45764" marT="0" marB="0" anchor="ctr"/>
                 </a:tc>
+                <a:extLst>
+                  <a:ext uri="{0D108BD9-81ED-4DB2-BD59-A6C34878D82A}">
+                    <a16:rowId xmlns:a16="http://schemas.microsoft.com/office/drawing/2014/main" val="10009"/>
+                  </a:ext>
+                </a:extLst>
               </a:tr>
               <a:tr h="198481">
                 <a:tc>
@@ -10441,12 +10501,12 @@
                         </a:spcAft>
                       </a:pPr>
                       <a:r>
-                        <a:rPr lang="de-DE" sz="1100">
+                        <a:rPr lang="de-DE" sz="1200">
                           <a:effectLst/>
                         </a:rPr>
                         <a:t>- Analyse</a:t>
                       </a:r>
-                      <a:endParaRPr lang="de-DE" sz="1100">
+                      <a:endParaRPr lang="de-DE" sz="1200">
                         <a:solidFill>
                           <a:srgbClr val="000000"/>
                         </a:solidFill>
@@ -10472,12 +10532,12 @@
                         </a:spcAft>
                       </a:pPr>
                       <a:r>
-                        <a:rPr lang="de-DE" sz="1100">
+                        <a:rPr lang="de-DE" sz="1200" dirty="0">
                           <a:effectLst/>
                         </a:rPr>
                         <a:t>2</a:t>
                       </a:r>
-                      <a:endParaRPr lang="de-DE" sz="1100">
+                      <a:endParaRPr lang="de-DE" sz="1200" dirty="0">
                         <a:solidFill>
                           <a:srgbClr val="000000"/>
                         </a:solidFill>
@@ -10503,12 +10563,12 @@
                         </a:spcAft>
                       </a:pPr>
                       <a:r>
-                        <a:rPr lang="de-DE" sz="1100">
+                        <a:rPr lang="de-DE" sz="1200" dirty="0">
                           <a:effectLst/>
                         </a:rPr>
                         <a:t>40 €</a:t>
                       </a:r>
-                      <a:endParaRPr lang="de-DE" sz="1100">
+                      <a:endParaRPr lang="de-DE" sz="1200" dirty="0">
                         <a:solidFill>
                           <a:srgbClr val="000000"/>
                         </a:solidFill>
@@ -10534,12 +10594,12 @@
                         </a:spcAft>
                       </a:pPr>
                       <a:r>
-                        <a:rPr lang="de-DE" sz="1100">
+                        <a:rPr lang="de-DE" sz="1200" dirty="0">
                           <a:effectLst/>
                         </a:rPr>
                         <a:t>2</a:t>
                       </a:r>
-                      <a:endParaRPr lang="de-DE" sz="1100">
+                      <a:endParaRPr lang="de-DE" sz="1200" dirty="0">
                         <a:solidFill>
                           <a:srgbClr val="000000"/>
                         </a:solidFill>
@@ -10565,12 +10625,12 @@
                         </a:spcAft>
                       </a:pPr>
                       <a:r>
-                        <a:rPr lang="de-DE" sz="1100">
+                        <a:rPr lang="de-DE" sz="1200" dirty="0">
                           <a:effectLst/>
                         </a:rPr>
                         <a:t>40 €</a:t>
                       </a:r>
-                      <a:endParaRPr lang="de-DE" sz="1100">
+                      <a:endParaRPr lang="de-DE" sz="1200" dirty="0">
                         <a:solidFill>
                           <a:srgbClr val="000000"/>
                         </a:solidFill>
@@ -10582,6 +10642,11 @@
                   </a:txBody>
                   <a:tcPr marL="45764" marR="45764" marT="0" marB="0" anchor="ctr"/>
                 </a:tc>
+                <a:extLst>
+                  <a:ext uri="{0D108BD9-81ED-4DB2-BD59-A6C34878D82A}">
+                    <a16:rowId xmlns:a16="http://schemas.microsoft.com/office/drawing/2014/main" val="10010"/>
+                  </a:ext>
+                </a:extLst>
               </a:tr>
               <a:tr h="198481">
                 <a:tc>
@@ -10598,12 +10663,12 @@
                         </a:spcAft>
                       </a:pPr>
                       <a:r>
-                        <a:rPr lang="de-DE" sz="1100">
+                        <a:rPr lang="de-DE" sz="1200">
                           <a:effectLst/>
                         </a:rPr>
                         <a:t>- Entwurf</a:t>
                       </a:r>
-                      <a:endParaRPr lang="de-DE" sz="1100">
+                      <a:endParaRPr lang="de-DE" sz="1200">
                         <a:solidFill>
                           <a:srgbClr val="000000"/>
                         </a:solidFill>
@@ -10629,12 +10694,12 @@
                         </a:spcAft>
                       </a:pPr>
                       <a:r>
-                        <a:rPr lang="de-DE" sz="1100">
+                        <a:rPr lang="de-DE" sz="1200">
                           <a:effectLst/>
                         </a:rPr>
                         <a:t>2</a:t>
                       </a:r>
-                      <a:endParaRPr lang="de-DE" sz="1100">
+                      <a:endParaRPr lang="de-DE" sz="1200">
                         <a:solidFill>
                           <a:srgbClr val="000000"/>
                         </a:solidFill>
@@ -10660,12 +10725,12 @@
                         </a:spcAft>
                       </a:pPr>
                       <a:r>
-                        <a:rPr lang="de-DE" sz="1100">
+                        <a:rPr lang="de-DE" sz="1200">
                           <a:effectLst/>
                         </a:rPr>
                         <a:t>40 €</a:t>
                       </a:r>
-                      <a:endParaRPr lang="de-DE" sz="1100">
+                      <a:endParaRPr lang="de-DE" sz="1200">
                         <a:solidFill>
                           <a:srgbClr val="000000"/>
                         </a:solidFill>
@@ -10691,12 +10756,12 @@
                         </a:spcAft>
                       </a:pPr>
                       <a:r>
-                        <a:rPr lang="de-DE" sz="1100">
+                        <a:rPr lang="de-DE" sz="1200" dirty="0">
                           <a:effectLst/>
                         </a:rPr>
                         <a:t>2</a:t>
                       </a:r>
-                      <a:endParaRPr lang="de-DE" sz="1100">
+                      <a:endParaRPr lang="de-DE" sz="1200" dirty="0">
                         <a:solidFill>
                           <a:srgbClr val="000000"/>
                         </a:solidFill>
@@ -10722,12 +10787,12 @@
                         </a:spcAft>
                       </a:pPr>
                       <a:r>
-                        <a:rPr lang="de-DE" sz="1100">
+                        <a:rPr lang="de-DE" sz="1200" dirty="0">
                           <a:effectLst/>
                         </a:rPr>
                         <a:t>40 €</a:t>
                       </a:r>
-                      <a:endParaRPr lang="de-DE" sz="1100">
+                      <a:endParaRPr lang="de-DE" sz="1200" dirty="0">
                         <a:solidFill>
                           <a:srgbClr val="000000"/>
                         </a:solidFill>
@@ -10739,6 +10804,11 @@
                   </a:txBody>
                   <a:tcPr marL="45764" marR="45764" marT="0" marB="0" anchor="ctr"/>
                 </a:tc>
+                <a:extLst>
+                  <a:ext uri="{0D108BD9-81ED-4DB2-BD59-A6C34878D82A}">
+                    <a16:rowId xmlns:a16="http://schemas.microsoft.com/office/drawing/2014/main" val="10011"/>
+                  </a:ext>
+                </a:extLst>
               </a:tr>
               <a:tr h="215741">
                 <a:tc>
@@ -10755,12 +10825,12 @@
                         </a:spcAft>
                       </a:pPr>
                       <a:r>
-                        <a:rPr lang="de-DE" sz="1100">
+                        <a:rPr lang="de-DE" sz="1200">
                           <a:effectLst/>
                         </a:rPr>
                         <a:t>Implementierung:</a:t>
                       </a:r>
-                      <a:endParaRPr lang="de-DE" sz="1100">
+                      <a:endParaRPr lang="de-DE" sz="1200">
                         <a:solidFill>
                           <a:srgbClr val="000000"/>
                         </a:solidFill>
@@ -10786,12 +10856,12 @@
                         </a:spcAft>
                       </a:pPr>
                       <a:r>
-                        <a:rPr lang="de-DE" sz="1100">
+                        <a:rPr lang="de-DE" sz="1200">
                           <a:effectLst/>
                         </a:rPr>
                         <a:t>8</a:t>
                       </a:r>
-                      <a:endParaRPr lang="de-DE" sz="1100">
+                      <a:endParaRPr lang="de-DE" sz="1200">
                         <a:solidFill>
                           <a:srgbClr val="000000"/>
                         </a:solidFill>
@@ -10817,12 +10887,12 @@
                         </a:spcAft>
                       </a:pPr>
                       <a:r>
-                        <a:rPr lang="de-DE" sz="1100">
+                        <a:rPr lang="de-DE" sz="1200">
                           <a:effectLst/>
                         </a:rPr>
                         <a:t>160 €</a:t>
                       </a:r>
-                      <a:endParaRPr lang="de-DE" sz="1100">
+                      <a:endParaRPr lang="de-DE" sz="1200">
                         <a:solidFill>
                           <a:srgbClr val="000000"/>
                         </a:solidFill>
@@ -10848,12 +10918,12 @@
                         </a:spcAft>
                       </a:pPr>
                       <a:r>
-                        <a:rPr lang="de-DE" sz="1100">
+                        <a:rPr lang="de-DE" sz="1200" dirty="0">
                           <a:effectLst/>
                         </a:rPr>
                         <a:t>24</a:t>
                       </a:r>
-                      <a:endParaRPr lang="de-DE" sz="1100">
+                      <a:endParaRPr lang="de-DE" sz="1200" dirty="0">
                         <a:solidFill>
                           <a:srgbClr val="000000"/>
                         </a:solidFill>
@@ -10879,12 +10949,12 @@
                         </a:spcAft>
                       </a:pPr>
                       <a:r>
-                        <a:rPr lang="de-DE" sz="1100">
+                        <a:rPr lang="de-DE" sz="1200" dirty="0">
                           <a:effectLst/>
                         </a:rPr>
                         <a:t>480 €</a:t>
                       </a:r>
-                      <a:endParaRPr lang="de-DE" sz="1100">
+                      <a:endParaRPr lang="de-DE" sz="1200" dirty="0">
                         <a:solidFill>
                           <a:srgbClr val="000000"/>
                         </a:solidFill>
@@ -10896,6 +10966,11 @@
                   </a:txBody>
                   <a:tcPr marL="45764" marR="45764" marT="0" marB="0" anchor="ctr"/>
                 </a:tc>
+                <a:extLst>
+                  <a:ext uri="{0D108BD9-81ED-4DB2-BD59-A6C34878D82A}">
+                    <a16:rowId xmlns:a16="http://schemas.microsoft.com/office/drawing/2014/main" val="10012"/>
+                  </a:ext>
+                </a:extLst>
               </a:tr>
               <a:tr h="396963">
                 <a:tc>
@@ -10912,12 +10987,12 @@
                         </a:spcAft>
                       </a:pPr>
                       <a:r>
-                        <a:rPr lang="de-DE" sz="1100">
+                        <a:rPr lang="de-DE" sz="1200">
                           <a:effectLst/>
                         </a:rPr>
                         <a:t>- Entwicklung Benutzeroberfläche</a:t>
                       </a:r>
-                      <a:endParaRPr lang="de-DE" sz="1100">
+                      <a:endParaRPr lang="de-DE" sz="1200">
                         <a:solidFill>
                           <a:srgbClr val="000000"/>
                         </a:solidFill>
@@ -10943,12 +11018,12 @@
                         </a:spcAft>
                       </a:pPr>
                       <a:r>
-                        <a:rPr lang="de-DE" sz="1100">
+                        <a:rPr lang="de-DE" sz="1200" dirty="0">
                           <a:effectLst/>
                         </a:rPr>
                         <a:t>3</a:t>
                       </a:r>
-                      <a:endParaRPr lang="de-DE" sz="1100">
+                      <a:endParaRPr lang="de-DE" sz="1200" dirty="0">
                         <a:solidFill>
                           <a:srgbClr val="000000"/>
                         </a:solidFill>
@@ -10974,12 +11049,12 @@
                         </a:spcAft>
                       </a:pPr>
                       <a:r>
-                        <a:rPr lang="de-DE" sz="1100">
+                        <a:rPr lang="de-DE" sz="1200">
                           <a:effectLst/>
                         </a:rPr>
                         <a:t>60 €</a:t>
                       </a:r>
-                      <a:endParaRPr lang="de-DE" sz="1100">
+                      <a:endParaRPr lang="de-DE" sz="1200">
                         <a:solidFill>
                           <a:srgbClr val="000000"/>
                         </a:solidFill>
@@ -11005,12 +11080,12 @@
                         </a:spcAft>
                       </a:pPr>
                       <a:r>
-                        <a:rPr lang="de-DE" sz="1100">
+                        <a:rPr lang="de-DE" sz="1200" dirty="0">
                           <a:effectLst/>
                         </a:rPr>
                         <a:t>3</a:t>
                       </a:r>
-                      <a:endParaRPr lang="de-DE" sz="1100">
+                      <a:endParaRPr lang="de-DE" sz="1200" dirty="0">
                         <a:solidFill>
                           <a:srgbClr val="000000"/>
                         </a:solidFill>
@@ -11036,12 +11111,12 @@
                         </a:spcAft>
                       </a:pPr>
                       <a:r>
-                        <a:rPr lang="de-DE" sz="1100">
+                        <a:rPr lang="de-DE" sz="1200" dirty="0">
                           <a:effectLst/>
                         </a:rPr>
                         <a:t>60 €</a:t>
                       </a:r>
-                      <a:endParaRPr lang="de-DE" sz="1100">
+                      <a:endParaRPr lang="de-DE" sz="1200" dirty="0">
                         <a:solidFill>
                           <a:srgbClr val="000000"/>
                         </a:solidFill>
@@ -11053,6 +11128,11 @@
                   </a:txBody>
                   <a:tcPr marL="45764" marR="45764" marT="0" marB="0" anchor="ctr"/>
                 </a:tc>
+                <a:extLst>
+                  <a:ext uri="{0D108BD9-81ED-4DB2-BD59-A6C34878D82A}">
+                    <a16:rowId xmlns:a16="http://schemas.microsoft.com/office/drawing/2014/main" val="10013"/>
+                  </a:ext>
+                </a:extLst>
               </a:tr>
               <a:tr h="198481">
                 <a:tc>
@@ -11069,12 +11149,12 @@
                         </a:spcAft>
                       </a:pPr>
                       <a:r>
-                        <a:rPr lang="de-DE" sz="1100">
+                        <a:rPr lang="de-DE" sz="1200">
                           <a:effectLst/>
                         </a:rPr>
                         <a:t>- Funktionalität Aufbau</a:t>
                       </a:r>
-                      <a:endParaRPr lang="de-DE" sz="1100">
+                      <a:endParaRPr lang="de-DE" sz="1200">
                         <a:solidFill>
                           <a:srgbClr val="000000"/>
                         </a:solidFill>
@@ -11100,12 +11180,12 @@
                         </a:spcAft>
                       </a:pPr>
                       <a:r>
-                        <a:rPr lang="de-DE" sz="1100">
+                        <a:rPr lang="de-DE" sz="1200">
                           <a:effectLst/>
                         </a:rPr>
                         <a:t>5</a:t>
                       </a:r>
-                      <a:endParaRPr lang="de-DE" sz="1100">
+                      <a:endParaRPr lang="de-DE" sz="1200">
                         <a:solidFill>
                           <a:srgbClr val="000000"/>
                         </a:solidFill>
@@ -11131,12 +11211,12 @@
                         </a:spcAft>
                       </a:pPr>
                       <a:r>
-                        <a:rPr lang="de-DE" sz="1100">
+                        <a:rPr lang="de-DE" sz="1200">
                           <a:effectLst/>
                         </a:rPr>
                         <a:t>100 €</a:t>
                       </a:r>
-                      <a:endParaRPr lang="de-DE" sz="1100">
+                      <a:endParaRPr lang="de-DE" sz="1200">
                         <a:solidFill>
                           <a:srgbClr val="000000"/>
                         </a:solidFill>
@@ -11162,12 +11242,12 @@
                         </a:spcAft>
                       </a:pPr>
                       <a:r>
-                        <a:rPr lang="de-DE" sz="1100">
+                        <a:rPr lang="de-DE" sz="1200">
                           <a:effectLst/>
                         </a:rPr>
                         <a:t>21</a:t>
                       </a:r>
-                      <a:endParaRPr lang="de-DE" sz="1100">
+                      <a:endParaRPr lang="de-DE" sz="1200">
                         <a:solidFill>
                           <a:srgbClr val="000000"/>
                         </a:solidFill>
@@ -11193,12 +11273,12 @@
                         </a:spcAft>
                       </a:pPr>
                       <a:r>
-                        <a:rPr lang="de-DE" sz="1100">
+                        <a:rPr lang="de-DE" sz="1200" dirty="0">
                           <a:effectLst/>
                         </a:rPr>
                         <a:t>420 €</a:t>
                       </a:r>
-                      <a:endParaRPr lang="de-DE" sz="1100">
+                      <a:endParaRPr lang="de-DE" sz="1200" dirty="0">
                         <a:solidFill>
                           <a:srgbClr val="000000"/>
                         </a:solidFill>
@@ -11210,6 +11290,11 @@
                   </a:txBody>
                   <a:tcPr marL="45764" marR="45764" marT="0" marB="0" anchor="ctr"/>
                 </a:tc>
+                <a:extLst>
+                  <a:ext uri="{0D108BD9-81ED-4DB2-BD59-A6C34878D82A}">
+                    <a16:rowId xmlns:a16="http://schemas.microsoft.com/office/drawing/2014/main" val="10014"/>
+                  </a:ext>
+                </a:extLst>
               </a:tr>
               <a:tr h="198481">
                 <a:tc>
@@ -11226,12 +11311,12 @@
                         </a:spcAft>
                       </a:pPr>
                       <a:r>
-                        <a:rPr lang="de-DE" sz="1100">
+                        <a:rPr lang="de-DE" sz="1200">
                           <a:effectLst/>
                         </a:rPr>
                         <a:t>Test:</a:t>
                       </a:r>
-                      <a:endParaRPr lang="de-DE" sz="1100">
+                      <a:endParaRPr lang="de-DE" sz="1200">
                         <a:solidFill>
                           <a:srgbClr val="000000"/>
                         </a:solidFill>
@@ -11257,12 +11342,12 @@
                         </a:spcAft>
                       </a:pPr>
                       <a:r>
-                        <a:rPr lang="de-DE" sz="1100">
+                        <a:rPr lang="de-DE" sz="1200">
                           <a:effectLst/>
                         </a:rPr>
                         <a:t>1</a:t>
                       </a:r>
-                      <a:endParaRPr lang="de-DE" sz="1100">
+                      <a:endParaRPr lang="de-DE" sz="1200">
                         <a:solidFill>
                           <a:srgbClr val="000000"/>
                         </a:solidFill>
@@ -11288,7 +11373,7 @@
                         </a:spcAft>
                       </a:pPr>
                       <a:r>
-                        <a:rPr lang="de-DE" sz="1100">
+                        <a:rPr lang="de-DE" sz="1200">
                           <a:effectLst/>
                           <a:highlight>
                             <a:srgbClr val="FFFFFF"/>
@@ -11296,7 +11381,7 @@
                         </a:rPr>
                         <a:t>-</a:t>
                       </a:r>
-                      <a:endParaRPr lang="de-DE" sz="1100">
+                      <a:endParaRPr lang="de-DE" sz="1200">
                         <a:solidFill>
                           <a:srgbClr val="000000"/>
                         </a:solidFill>
@@ -11322,12 +11407,12 @@
                         </a:spcAft>
                       </a:pPr>
                       <a:r>
-                        <a:rPr lang="de-DE" sz="1100">
+                        <a:rPr lang="de-DE" sz="1200">
                           <a:effectLst/>
                         </a:rPr>
                         <a:t>1</a:t>
                       </a:r>
-                      <a:endParaRPr lang="de-DE" sz="1100">
+                      <a:endParaRPr lang="de-DE" sz="1200">
                         <a:solidFill>
                           <a:srgbClr val="000000"/>
                         </a:solidFill>
@@ -11353,7 +11438,7 @@
                         </a:spcAft>
                       </a:pPr>
                       <a:r>
-                        <a:rPr lang="de-DE" sz="1100">
+                        <a:rPr lang="de-DE" sz="1200" dirty="0">
                           <a:effectLst/>
                           <a:highlight>
                             <a:srgbClr val="FFFFFF"/>
@@ -11361,7 +11446,7 @@
                         </a:rPr>
                         <a:t>-</a:t>
                       </a:r>
-                      <a:endParaRPr lang="de-DE" sz="1100">
+                      <a:endParaRPr lang="de-DE" sz="1200" dirty="0">
                         <a:solidFill>
                           <a:srgbClr val="000000"/>
                         </a:solidFill>
@@ -11373,6 +11458,11 @@
                   </a:txBody>
                   <a:tcPr marL="45764" marR="45764" marT="0" marB="0" anchor="ctr"/>
                 </a:tc>
+                <a:extLst>
+                  <a:ext uri="{0D108BD9-81ED-4DB2-BD59-A6C34878D82A}">
+                    <a16:rowId xmlns:a16="http://schemas.microsoft.com/office/drawing/2014/main" val="10015"/>
+                  </a:ext>
+                </a:extLst>
               </a:tr>
               <a:tr h="198481">
                 <a:tc>
@@ -11389,12 +11479,12 @@
                         </a:spcAft>
                       </a:pPr>
                       <a:r>
-                        <a:rPr lang="de-DE" sz="1100">
+                        <a:rPr lang="de-DE" sz="1200">
                           <a:effectLst/>
                         </a:rPr>
                         <a:t>- Test fertiges Produkt</a:t>
                       </a:r>
-                      <a:endParaRPr lang="de-DE" sz="1100">
+                      <a:endParaRPr lang="de-DE" sz="1200">
                         <a:solidFill>
                           <a:srgbClr val="000000"/>
                         </a:solidFill>
@@ -11420,12 +11510,12 @@
                         </a:spcAft>
                       </a:pPr>
                       <a:r>
-                        <a:rPr lang="de-DE" sz="1100">
+                        <a:rPr lang="de-DE" sz="1200">
                           <a:effectLst/>
                         </a:rPr>
                         <a:t>1</a:t>
                       </a:r>
-                      <a:endParaRPr lang="de-DE" sz="1100">
+                      <a:endParaRPr lang="de-DE" sz="1200">
                         <a:solidFill>
                           <a:srgbClr val="000000"/>
                         </a:solidFill>
@@ -11451,12 +11541,12 @@
                         </a:spcAft>
                       </a:pPr>
                       <a:r>
-                        <a:rPr lang="de-DE" sz="1100">
+                        <a:rPr lang="de-DE" sz="1200">
                           <a:effectLst/>
                         </a:rPr>
                         <a:t>-</a:t>
                       </a:r>
-                      <a:endParaRPr lang="de-DE" sz="1100">
+                      <a:endParaRPr lang="de-DE" sz="1200">
                         <a:solidFill>
                           <a:srgbClr val="000000"/>
                         </a:solidFill>
@@ -11482,12 +11572,12 @@
                         </a:spcAft>
                       </a:pPr>
                       <a:r>
-                        <a:rPr lang="de-DE" sz="1100">
+                        <a:rPr lang="de-DE" sz="1200">
                           <a:effectLst/>
                         </a:rPr>
                         <a:t>1</a:t>
                       </a:r>
-                      <a:endParaRPr lang="de-DE" sz="1100">
+                      <a:endParaRPr lang="de-DE" sz="1200">
                         <a:solidFill>
                           <a:srgbClr val="000000"/>
                         </a:solidFill>
@@ -11513,12 +11603,12 @@
                         </a:spcAft>
                       </a:pPr>
                       <a:r>
-                        <a:rPr lang="de-DE" sz="1100">
+                        <a:rPr lang="de-DE" sz="1200" dirty="0">
                           <a:effectLst/>
                         </a:rPr>
                         <a:t>-</a:t>
                       </a:r>
-                      <a:endParaRPr lang="de-DE" sz="1100">
+                      <a:endParaRPr lang="de-DE" sz="1200" dirty="0">
                         <a:solidFill>
                           <a:srgbClr val="000000"/>
                         </a:solidFill>
@@ -11530,6 +11620,11 @@
                   </a:txBody>
                   <a:tcPr marL="45764" marR="45764" marT="0" marB="0" anchor="ctr"/>
                 </a:tc>
+                <a:extLst>
+                  <a:ext uri="{0D108BD9-81ED-4DB2-BD59-A6C34878D82A}">
+                    <a16:rowId xmlns:a16="http://schemas.microsoft.com/office/drawing/2014/main" val="10016"/>
+                  </a:ext>
+                </a:extLst>
               </a:tr>
               <a:tr h="198481">
                 <a:tc>
@@ -11546,12 +11641,12 @@
                         </a:spcAft>
                       </a:pPr>
                       <a:r>
-                        <a:rPr lang="de-DE" sz="1100">
+                        <a:rPr lang="de-DE" sz="1200">
                           <a:effectLst/>
                         </a:rPr>
                         <a:t>Dokumentation: </a:t>
                       </a:r>
-                      <a:endParaRPr lang="de-DE" sz="1100">
+                      <a:endParaRPr lang="de-DE" sz="1200">
                         <a:solidFill>
                           <a:srgbClr val="000000"/>
                         </a:solidFill>
@@ -11577,12 +11672,12 @@
                         </a:spcAft>
                       </a:pPr>
                       <a:r>
-                        <a:rPr lang="de-DE" sz="1100">
+                        <a:rPr lang="de-DE" sz="1200">
                           <a:effectLst/>
                         </a:rPr>
                         <a:t>4</a:t>
                       </a:r>
-                      <a:endParaRPr lang="de-DE" sz="1100">
+                      <a:endParaRPr lang="de-DE" sz="1200">
                         <a:solidFill>
                           <a:srgbClr val="000000"/>
                         </a:solidFill>
@@ -11608,12 +11703,12 @@
                         </a:spcAft>
                       </a:pPr>
                       <a:r>
-                        <a:rPr lang="de-DE" sz="1100">
+                        <a:rPr lang="de-DE" sz="1200">
                           <a:effectLst/>
                         </a:rPr>
                         <a:t>80 €</a:t>
                       </a:r>
-                      <a:endParaRPr lang="de-DE" sz="1100">
+                      <a:endParaRPr lang="de-DE" sz="1200">
                         <a:solidFill>
                           <a:srgbClr val="000000"/>
                         </a:solidFill>
@@ -11639,12 +11734,12 @@
                         </a:spcAft>
                       </a:pPr>
                       <a:r>
-                        <a:rPr lang="de-DE" sz="1100">
+                        <a:rPr lang="de-DE" sz="1200">
                           <a:effectLst/>
                         </a:rPr>
                         <a:t>11</a:t>
                       </a:r>
-                      <a:endParaRPr lang="de-DE" sz="1100">
+                      <a:endParaRPr lang="de-DE" sz="1200">
                         <a:solidFill>
                           <a:srgbClr val="000000"/>
                         </a:solidFill>
@@ -11670,12 +11765,12 @@
                         </a:spcAft>
                       </a:pPr>
                       <a:r>
-                        <a:rPr lang="de-DE" sz="1100">
+                        <a:rPr lang="de-DE" sz="1200" dirty="0">
                           <a:effectLst/>
                         </a:rPr>
                         <a:t>220 €</a:t>
                       </a:r>
-                      <a:endParaRPr lang="de-DE" sz="1100">
+                      <a:endParaRPr lang="de-DE" sz="1200" dirty="0">
                         <a:solidFill>
                           <a:srgbClr val="000000"/>
                         </a:solidFill>
@@ -11687,6 +11782,11 @@
                   </a:txBody>
                   <a:tcPr marL="45764" marR="45764" marT="0" marB="0" anchor="ctr"/>
                 </a:tc>
+                <a:extLst>
+                  <a:ext uri="{0D108BD9-81ED-4DB2-BD59-A6C34878D82A}">
+                    <a16:rowId xmlns:a16="http://schemas.microsoft.com/office/drawing/2014/main" val="10017"/>
+                  </a:ext>
+                </a:extLst>
               </a:tr>
               <a:tr h="198481">
                 <a:tc>
@@ -11703,12 +11803,12 @@
                         </a:spcAft>
                       </a:pPr>
                       <a:r>
-                        <a:rPr lang="de-DE" sz="1100">
+                        <a:rPr lang="de-DE" sz="1200">
                           <a:effectLst/>
                         </a:rPr>
                         <a:t>&gt;Ergebnis: Dokumentationen</a:t>
                       </a:r>
-                      <a:endParaRPr lang="de-DE" sz="1100">
+                      <a:endParaRPr lang="de-DE" sz="1200">
                         <a:solidFill>
                           <a:srgbClr val="000000"/>
                         </a:solidFill>
@@ -11734,12 +11834,12 @@
                         </a:spcAft>
                       </a:pPr>
                       <a:r>
-                        <a:rPr lang="de-DE" sz="1100">
+                        <a:rPr lang="de-DE" sz="1200">
                           <a:effectLst/>
                         </a:rPr>
                         <a:t>4</a:t>
                       </a:r>
-                      <a:endParaRPr lang="de-DE" sz="1100">
+                      <a:endParaRPr lang="de-DE" sz="1200">
                         <a:solidFill>
                           <a:srgbClr val="000000"/>
                         </a:solidFill>
@@ -11765,12 +11865,12 @@
                         </a:spcAft>
                       </a:pPr>
                       <a:r>
-                        <a:rPr lang="de-DE" sz="1100">
+                        <a:rPr lang="de-DE" sz="1200">
                           <a:effectLst/>
                         </a:rPr>
                         <a:t>80 €</a:t>
                       </a:r>
-                      <a:endParaRPr lang="de-DE" sz="1100">
+                      <a:endParaRPr lang="de-DE" sz="1200">
                         <a:solidFill>
                           <a:srgbClr val="000000"/>
                         </a:solidFill>
@@ -11796,12 +11896,12 @@
                         </a:spcAft>
                       </a:pPr>
                       <a:r>
-                        <a:rPr lang="de-DE" sz="1100">
+                        <a:rPr lang="de-DE" sz="1200">
                           <a:effectLst/>
                         </a:rPr>
                         <a:t>11</a:t>
                       </a:r>
-                      <a:endParaRPr lang="de-DE" sz="1100">
+                      <a:endParaRPr lang="de-DE" sz="1200">
                         <a:solidFill>
                           <a:srgbClr val="000000"/>
                         </a:solidFill>
@@ -11827,12 +11927,12 @@
                         </a:spcAft>
                       </a:pPr>
                       <a:r>
-                        <a:rPr lang="de-DE" sz="1100">
+                        <a:rPr lang="de-DE" sz="1200" dirty="0">
                           <a:effectLst/>
                         </a:rPr>
                         <a:t>220 €</a:t>
                       </a:r>
-                      <a:endParaRPr lang="de-DE" sz="1100">
+                      <a:endParaRPr lang="de-DE" sz="1200" dirty="0">
                         <a:solidFill>
                           <a:srgbClr val="000000"/>
                         </a:solidFill>
@@ -11844,6 +11944,11 @@
                   </a:txBody>
                   <a:tcPr marL="45764" marR="45764" marT="0" marB="0" anchor="ctr"/>
                 </a:tc>
+                <a:extLst>
+                  <a:ext uri="{0D108BD9-81ED-4DB2-BD59-A6C34878D82A}">
+                    <a16:rowId xmlns:a16="http://schemas.microsoft.com/office/drawing/2014/main" val="10018"/>
+                  </a:ext>
+                </a:extLst>
               </a:tr>
               <a:tr h="198481">
                 <a:tc>
@@ -11860,12 +11965,12 @@
                         </a:spcAft>
                       </a:pPr>
                       <a:r>
-                        <a:rPr lang="de-DE" sz="1100">
+                        <a:rPr lang="de-DE" sz="1200">
                           <a:effectLst/>
                         </a:rPr>
                         <a:t>Öffentlichkeitsarbeit:</a:t>
                       </a:r>
-                      <a:endParaRPr lang="de-DE" sz="1100">
+                      <a:endParaRPr lang="de-DE" sz="1200">
                         <a:solidFill>
                           <a:srgbClr val="000000"/>
                         </a:solidFill>
@@ -11891,12 +11996,12 @@
                         </a:spcAft>
                       </a:pPr>
                       <a:r>
-                        <a:rPr lang="de-DE" sz="1100">
+                        <a:rPr lang="de-DE" sz="1200">
                           <a:effectLst/>
                         </a:rPr>
                         <a:t>6</a:t>
                       </a:r>
-                      <a:endParaRPr lang="de-DE" sz="1100">
+                      <a:endParaRPr lang="de-DE" sz="1200">
                         <a:solidFill>
                           <a:srgbClr val="000000"/>
                         </a:solidFill>
@@ -11922,12 +12027,12 @@
                         </a:spcAft>
                       </a:pPr>
                       <a:r>
-                        <a:rPr lang="de-DE" sz="1100">
+                        <a:rPr lang="de-DE" sz="1200">
                           <a:effectLst/>
                         </a:rPr>
                         <a:t>-</a:t>
                       </a:r>
-                      <a:endParaRPr lang="de-DE" sz="1100">
+                      <a:endParaRPr lang="de-DE" sz="1200">
                         <a:solidFill>
                           <a:srgbClr val="000000"/>
                         </a:solidFill>
@@ -11953,12 +12058,12 @@
                         </a:spcAft>
                       </a:pPr>
                       <a:r>
-                        <a:rPr lang="de-DE" sz="1100">
+                        <a:rPr lang="de-DE" sz="1200">
                           <a:effectLst/>
                         </a:rPr>
                         <a:t>6</a:t>
                       </a:r>
-                      <a:endParaRPr lang="de-DE" sz="1100">
+                      <a:endParaRPr lang="de-DE" sz="1200">
                         <a:solidFill>
                           <a:srgbClr val="000000"/>
                         </a:solidFill>
@@ -11984,12 +12089,12 @@
                         </a:spcAft>
                       </a:pPr>
                       <a:r>
-                        <a:rPr lang="de-DE" sz="1100">
+                        <a:rPr lang="de-DE" sz="1200" dirty="0">
                           <a:effectLst/>
                         </a:rPr>
                         <a:t>-</a:t>
                       </a:r>
-                      <a:endParaRPr lang="de-DE" sz="1100">
+                      <a:endParaRPr lang="de-DE" sz="1200" dirty="0">
                         <a:solidFill>
                           <a:srgbClr val="000000"/>
                         </a:solidFill>
@@ -12001,6 +12106,11 @@
                   </a:txBody>
                   <a:tcPr marL="45764" marR="45764" marT="0" marB="0" anchor="ctr"/>
                 </a:tc>
+                <a:extLst>
+                  <a:ext uri="{0D108BD9-81ED-4DB2-BD59-A6C34878D82A}">
+                    <a16:rowId xmlns:a16="http://schemas.microsoft.com/office/drawing/2014/main" val="10019"/>
+                  </a:ext>
+                </a:extLst>
               </a:tr>
               <a:tr h="198481">
                 <a:tc>
@@ -12017,12 +12127,12 @@
                         </a:spcAft>
                       </a:pPr>
                       <a:r>
-                        <a:rPr lang="de-DE" sz="1100">
+                        <a:rPr lang="de-DE" sz="1200">
                           <a:effectLst/>
                         </a:rPr>
                         <a:t>- Rufbereitschaft</a:t>
                       </a:r>
-                      <a:endParaRPr lang="de-DE" sz="1100">
+                      <a:endParaRPr lang="de-DE" sz="1200">
                         <a:solidFill>
                           <a:srgbClr val="000000"/>
                         </a:solidFill>
@@ -12048,12 +12158,12 @@
                         </a:spcAft>
                       </a:pPr>
                       <a:r>
-                        <a:rPr lang="de-DE" sz="1100">
+                        <a:rPr lang="de-DE" sz="1200">
                           <a:effectLst/>
                         </a:rPr>
                         <a:t>-</a:t>
                       </a:r>
-                      <a:endParaRPr lang="de-DE" sz="1100">
+                      <a:endParaRPr lang="de-DE" sz="1200">
                         <a:solidFill>
                           <a:srgbClr val="000000"/>
                         </a:solidFill>
@@ -12079,12 +12189,12 @@
                         </a:spcAft>
                       </a:pPr>
                       <a:r>
-                        <a:rPr lang="de-DE" sz="1100">
+                        <a:rPr lang="de-DE" sz="1200">
                           <a:effectLst/>
                         </a:rPr>
                         <a:t>-</a:t>
                       </a:r>
-                      <a:endParaRPr lang="de-DE" sz="1100">
+                      <a:endParaRPr lang="de-DE" sz="1200">
                         <a:solidFill>
                           <a:srgbClr val="000000"/>
                         </a:solidFill>
@@ -12110,12 +12220,12 @@
                         </a:spcAft>
                       </a:pPr>
                       <a:r>
-                        <a:rPr lang="de-DE" sz="1100">
+                        <a:rPr lang="de-DE" sz="1200">
                           <a:effectLst/>
                         </a:rPr>
                         <a:t>-</a:t>
                       </a:r>
-                      <a:endParaRPr lang="de-DE" sz="1100">
+                      <a:endParaRPr lang="de-DE" sz="1200">
                         <a:solidFill>
                           <a:srgbClr val="000000"/>
                         </a:solidFill>
@@ -12141,12 +12251,12 @@
                         </a:spcAft>
                       </a:pPr>
                       <a:r>
-                        <a:rPr lang="de-DE" sz="1100">
+                        <a:rPr lang="de-DE" sz="1200" dirty="0">
                           <a:effectLst/>
                         </a:rPr>
                         <a:t>-</a:t>
                       </a:r>
-                      <a:endParaRPr lang="de-DE" sz="1100">
+                      <a:endParaRPr lang="de-DE" sz="1200" dirty="0">
                         <a:solidFill>
                           <a:srgbClr val="000000"/>
                         </a:solidFill>
@@ -12158,6 +12268,11 @@
                   </a:txBody>
                   <a:tcPr marL="45764" marR="45764" marT="0" marB="0" anchor="ctr"/>
                 </a:tc>
+                <a:extLst>
+                  <a:ext uri="{0D108BD9-81ED-4DB2-BD59-A6C34878D82A}">
+                    <a16:rowId xmlns:a16="http://schemas.microsoft.com/office/drawing/2014/main" val="10020"/>
+                  </a:ext>
+                </a:extLst>
               </a:tr>
               <a:tr h="198481">
                 <a:tc>
@@ -12174,12 +12289,12 @@
                         </a:spcAft>
                       </a:pPr>
                       <a:r>
-                        <a:rPr lang="de-DE" sz="1100">
+                        <a:rPr lang="de-DE" sz="1200">
                           <a:effectLst/>
                         </a:rPr>
                         <a:t>- Projektbegleitung</a:t>
                       </a:r>
-                      <a:endParaRPr lang="de-DE" sz="1100">
+                      <a:endParaRPr lang="de-DE" sz="1200">
                         <a:solidFill>
                           <a:srgbClr val="000000"/>
                         </a:solidFill>
@@ -12205,12 +12320,12 @@
                         </a:spcAft>
                       </a:pPr>
                       <a:r>
-                        <a:rPr lang="de-DE" sz="1100">
+                        <a:rPr lang="de-DE" sz="1200">
                           <a:effectLst/>
                         </a:rPr>
                         <a:t>6</a:t>
                       </a:r>
-                      <a:endParaRPr lang="de-DE" sz="1100">
+                      <a:endParaRPr lang="de-DE" sz="1200">
                         <a:solidFill>
                           <a:srgbClr val="000000"/>
                         </a:solidFill>
@@ -12236,12 +12351,12 @@
                         </a:spcAft>
                       </a:pPr>
                       <a:r>
-                        <a:rPr lang="de-DE" sz="1100">
+                        <a:rPr lang="de-DE" sz="1200">
                           <a:effectLst/>
                         </a:rPr>
                         <a:t>-</a:t>
                       </a:r>
-                      <a:endParaRPr lang="de-DE" sz="1100">
+                      <a:endParaRPr lang="de-DE" sz="1200">
                         <a:solidFill>
                           <a:srgbClr val="000000"/>
                         </a:solidFill>
@@ -12267,12 +12382,12 @@
                         </a:spcAft>
                       </a:pPr>
                       <a:r>
-                        <a:rPr lang="de-DE" sz="1100">
+                        <a:rPr lang="de-DE" sz="1200">
                           <a:effectLst/>
                         </a:rPr>
                         <a:t>6</a:t>
                       </a:r>
-                      <a:endParaRPr lang="de-DE" sz="1100">
+                      <a:endParaRPr lang="de-DE" sz="1200">
                         <a:solidFill>
                           <a:srgbClr val="000000"/>
                         </a:solidFill>
@@ -12298,12 +12413,12 @@
                         </a:spcAft>
                       </a:pPr>
                       <a:r>
-                        <a:rPr lang="de-DE" sz="1100">
+                        <a:rPr lang="de-DE" sz="1200" dirty="0">
                           <a:effectLst/>
                         </a:rPr>
                         <a:t>-</a:t>
                       </a:r>
-                      <a:endParaRPr lang="de-DE" sz="1100">
+                      <a:endParaRPr lang="de-DE" sz="1200" dirty="0">
                         <a:solidFill>
                           <a:srgbClr val="000000"/>
                         </a:solidFill>
@@ -12315,6 +12430,11 @@
                   </a:txBody>
                   <a:tcPr marL="45764" marR="45764" marT="0" marB="0" anchor="ctr"/>
                 </a:tc>
+                <a:extLst>
+                  <a:ext uri="{0D108BD9-81ED-4DB2-BD59-A6C34878D82A}">
+                    <a16:rowId xmlns:a16="http://schemas.microsoft.com/office/drawing/2014/main" val="10021"/>
+                  </a:ext>
+                </a:extLst>
               </a:tr>
               <a:tr h="198481">
                 <a:tc>
@@ -12331,12 +12451,12 @@
                         </a:spcAft>
                       </a:pPr>
                       <a:r>
-                        <a:rPr lang="de-DE" sz="1100">
+                        <a:rPr lang="de-DE" sz="1200">
                           <a:effectLst/>
                         </a:rPr>
                         <a:t>Gesamt</a:t>
                       </a:r>
-                      <a:endParaRPr lang="de-DE" sz="1100">
+                      <a:endParaRPr lang="de-DE" sz="1200">
                         <a:solidFill>
                           <a:srgbClr val="000000"/>
                         </a:solidFill>
@@ -12362,12 +12482,12 @@
                         </a:spcAft>
                       </a:pPr>
                       <a:r>
-                        <a:rPr lang="de-DE" sz="1100">
+                        <a:rPr lang="de-DE" sz="1200">
                           <a:effectLst/>
                         </a:rPr>
                         <a:t>33</a:t>
                       </a:r>
-                      <a:endParaRPr lang="de-DE" sz="1100">
+                      <a:endParaRPr lang="de-DE" sz="1200">
                         <a:solidFill>
                           <a:srgbClr val="000000"/>
                         </a:solidFill>
@@ -12393,12 +12513,12 @@
                         </a:spcAft>
                       </a:pPr>
                       <a:r>
-                        <a:rPr lang="de-DE" sz="1100" u="dbl">
+                        <a:rPr lang="de-DE" sz="1200" u="dbl">
                           <a:effectLst/>
                         </a:rPr>
                         <a:t>400 €</a:t>
                       </a:r>
-                      <a:endParaRPr lang="de-DE" sz="1100">
+                      <a:endParaRPr lang="de-DE" sz="1200">
                         <a:solidFill>
                           <a:srgbClr val="000000"/>
                         </a:solidFill>
@@ -12424,12 +12544,12 @@
                         </a:spcAft>
                       </a:pPr>
                       <a:r>
-                        <a:rPr lang="de-DE" sz="1100">
+                        <a:rPr lang="de-DE" sz="1200">
                           <a:effectLst/>
                         </a:rPr>
                         <a:t>55</a:t>
                       </a:r>
-                      <a:endParaRPr lang="de-DE" sz="1100">
+                      <a:endParaRPr lang="de-DE" sz="1200">
                         <a:solidFill>
                           <a:srgbClr val="000000"/>
                         </a:solidFill>
@@ -12455,12 +12575,12 @@
                         </a:spcAft>
                       </a:pPr>
                       <a:r>
-                        <a:rPr lang="de-DE" sz="1100" u="dbl" dirty="0">
+                        <a:rPr lang="de-DE" sz="1200" u="dbl" dirty="0">
                           <a:effectLst/>
                         </a:rPr>
                         <a:t>860 €</a:t>
                       </a:r>
-                      <a:endParaRPr lang="de-DE" sz="1100" dirty="0">
+                      <a:endParaRPr lang="de-DE" sz="1200" dirty="0">
                         <a:solidFill>
                           <a:srgbClr val="000000"/>
                         </a:solidFill>
@@ -12472,6 +12592,11 @@
                   </a:txBody>
                   <a:tcPr marL="45764" marR="45764" marT="0" marB="0" anchor="ctr"/>
                 </a:tc>
+                <a:extLst>
+                  <a:ext uri="{0D108BD9-81ED-4DB2-BD59-A6C34878D82A}">
+                    <a16:rowId xmlns:a16="http://schemas.microsoft.com/office/drawing/2014/main" val="10022"/>
+                  </a:ext>
+                </a:extLst>
               </a:tr>
             </a:tbl>
           </a:graphicData>
@@ -12643,7 +12768,7 @@
               <a:pPr/>
               <a:t>24</a:t>
             </a:fld>
-            <a:endParaRPr lang="de-DE"/>
+            <a:endParaRPr lang="de-DE" dirty="0"/>
           </a:p>
         </p:txBody>
       </p:sp>
@@ -12708,10 +12833,9 @@
           <a:lstStyle/>
           <a:p>
             <a:r>
-              <a:rPr lang="de-DE" sz="4800" b="1" dirty="0" smtClean="0"/>
+              <a:rPr lang="de-DE" sz="4800" b="1" dirty="0"/>
               <a:t>Vielen Dank für Ihre Aufmerksamkeit</a:t>
             </a:r>
-            <a:endParaRPr lang="de-DE" sz="4800" b="1" dirty="0"/>
           </a:p>
         </p:txBody>
       </p:sp>
@@ -12736,7 +12860,7 @@
           <a:lstStyle/>
           <a:p>
             <a:r>
-              <a:rPr lang="de-DE" dirty="0" smtClean="0"/>
+              <a:rPr lang="de-DE" dirty="0"/>
               <a:t>Christopher </a:t>
             </a:r>
             <a:r>
@@ -12973,7 +13097,7 @@
           </a:lstStyle>
           <a:p>
             <a:r>
-              <a:rPr lang="de-DE" sz="4800" b="1" dirty="0" err="1" smtClean="0"/>
+              <a:rPr lang="de-DE" sz="4800" b="1" dirty="0" err="1"/>
               <a:t>DezHex</a:t>
             </a:r>
             <a:endParaRPr lang="de-DE" sz="4800" b="1" dirty="0"/>

--- a/Präsentation/DezHex.pptx
+++ b/Präsentation/DezHex.pptx
@@ -757,14 +757,18 @@
         <p:spPr/>
         <p:txBody>
           <a:bodyPr/>
-          <a:lstStyle/>
+          <a:lstStyle>
+            <a:lvl1pPr>
+              <a:defRPr sz="1600"/>
+            </a:lvl1pPr>
+          </a:lstStyle>
           <a:p>
             <a:fld id="{0A3C3FF0-3A20-4DD4-BD5A-9DD4AC9CB3DF}" type="slidenum">
               <a:rPr lang="de-DE" smtClean="0"/>
               <a:pPr/>
               <a:t>‹Nr.›</a:t>
             </a:fld>
-            <a:endParaRPr lang="de-DE"/>
+            <a:endParaRPr lang="de-DE" dirty="0"/>
           </a:p>
         </p:txBody>
       </p:sp>
@@ -3131,7 +3135,7 @@
           <a:bodyPr vert="horz" lIns="91440" tIns="45720" rIns="91440" bIns="45720" rtlCol="0" anchor="ctr"/>
           <a:lstStyle>
             <a:lvl1pPr algn="r">
-              <a:defRPr sz="1200">
+              <a:defRPr sz="1600">
                 <a:solidFill>
                   <a:schemeClr val="tx1">
                     <a:tint val="75000"/>
@@ -7737,7 +7741,7 @@
               <a:pPr/>
               <a:t>2</a:t>
             </a:fld>
-            <a:endParaRPr lang="de-DE"/>
+            <a:endParaRPr lang="de-DE" dirty="0"/>
           </a:p>
         </p:txBody>
       </p:sp>
@@ -9003,14 +9007,14 @@
             <p:ph idx="1"/>
             <p:extLst>
               <p:ext uri="{D42A27DB-BD31-4B8C-83A1-F6EECF244321}">
-                <p14:modId xmlns:p14="http://schemas.microsoft.com/office/powerpoint/2010/main" val="1839539044"/>
+                <p14:modId xmlns:p14="http://schemas.microsoft.com/office/powerpoint/2010/main" val="2165699351"/>
               </p:ext>
             </p:extLst>
           </p:nvPr>
         </p:nvGraphicFramePr>
         <p:xfrm>
           <a:off x="1524000" y="908648"/>
-          <a:ext cx="9671552" cy="5380162"/>
+          <a:ext cx="9671552" cy="5367276"/>
         </p:xfrm>
         <a:graphic>
           <a:graphicData uri="http://schemas.openxmlformats.org/drawingml/2006/table">
@@ -9220,12 +9224,12 @@
                         </a:spcAft>
                       </a:pPr>
                       <a:r>
-                        <a:rPr lang="de-DE" sz="1400" dirty="0">
+                        <a:rPr lang="de-DE" sz="1200" dirty="0">
                           <a:effectLst/>
                         </a:rPr>
                         <a:t>(Reflexion auf Kalkulation)</a:t>
                       </a:r>
-                      <a:endParaRPr lang="de-DE" sz="1200" dirty="0">
+                      <a:endParaRPr lang="de-DE" sz="1100" dirty="0">
                         <a:solidFill>
                           <a:srgbClr val="000000"/>
                         </a:solidFill>
@@ -9367,12 +9371,12 @@
                         </a:spcAft>
                       </a:pPr>
                       <a:r>
-                        <a:rPr lang="de-DE" sz="1200" dirty="0">
+                        <a:rPr lang="de-DE" sz="1100" dirty="0">
                           <a:effectLst/>
                         </a:rPr>
                         <a:t>Arbeitsphase</a:t>
                       </a:r>
-                      <a:endParaRPr lang="de-DE" sz="1200" dirty="0">
+                      <a:endParaRPr lang="de-DE" sz="1100" dirty="0">
                         <a:solidFill>
                           <a:srgbClr val="000000"/>
                         </a:solidFill>
@@ -9398,12 +9402,12 @@
                         </a:spcAft>
                       </a:pPr>
                       <a:r>
-                        <a:rPr lang="de-DE" sz="1200" dirty="0">
+                        <a:rPr lang="de-DE" sz="1100" dirty="0">
                           <a:effectLst/>
                         </a:rPr>
                         <a:t>Soll-Arbeitsstunden</a:t>
                       </a:r>
-                      <a:endParaRPr lang="de-DE" sz="1200" dirty="0">
+                      <a:endParaRPr lang="de-DE" sz="1100" dirty="0">
                         <a:solidFill>
                           <a:srgbClr val="000000"/>
                         </a:solidFill>
@@ -9429,12 +9433,12 @@
                         </a:spcAft>
                       </a:pPr>
                       <a:r>
-                        <a:rPr lang="de-DE" sz="1200" dirty="0">
+                        <a:rPr lang="de-DE" sz="1100" dirty="0">
                           <a:effectLst/>
                         </a:rPr>
                         <a:t>Soll-Kosten</a:t>
                       </a:r>
-                      <a:endParaRPr lang="de-DE" sz="1200" dirty="0">
+                      <a:endParaRPr lang="de-DE" sz="1100" dirty="0">
                         <a:solidFill>
                           <a:srgbClr val="000000"/>
                         </a:solidFill>
@@ -9460,12 +9464,12 @@
                         </a:spcAft>
                       </a:pPr>
                       <a:r>
-                        <a:rPr lang="de-DE" sz="1200">
+                        <a:rPr lang="de-DE" sz="1100">
                           <a:effectLst/>
                         </a:rPr>
                         <a:t>Ist-Arbeitsstunden</a:t>
                       </a:r>
-                      <a:endParaRPr lang="de-DE" sz="1200">
+                      <a:endParaRPr lang="de-DE" sz="1100">
                         <a:solidFill>
                           <a:srgbClr val="000000"/>
                         </a:solidFill>
@@ -9491,12 +9495,12 @@
                         </a:spcAft>
                       </a:pPr>
                       <a:r>
-                        <a:rPr lang="de-DE" sz="1200" dirty="0">
+                        <a:rPr lang="de-DE" sz="1100" dirty="0">
                           <a:effectLst/>
                         </a:rPr>
                         <a:t>Ist-Kosten</a:t>
                       </a:r>
-                      <a:endParaRPr lang="de-DE" sz="1200" dirty="0">
+                      <a:endParaRPr lang="de-DE" sz="1100" dirty="0">
                         <a:solidFill>
                           <a:srgbClr val="000000"/>
                         </a:solidFill>
@@ -9529,12 +9533,12 @@
                         </a:spcAft>
                       </a:pPr>
                       <a:r>
-                        <a:rPr lang="de-DE" sz="1200" dirty="0">
+                        <a:rPr lang="de-DE" sz="1100" dirty="0">
                           <a:effectLst/>
                         </a:rPr>
                         <a:t>Auftrag:</a:t>
                       </a:r>
-                      <a:endParaRPr lang="de-DE" sz="1200" dirty="0">
+                      <a:endParaRPr lang="de-DE" sz="1100" dirty="0">
                         <a:solidFill>
                           <a:srgbClr val="000000"/>
                         </a:solidFill>
@@ -9560,12 +9564,12 @@
                         </a:spcAft>
                       </a:pPr>
                       <a:r>
-                        <a:rPr lang="de-DE" sz="1200">
+                        <a:rPr lang="de-DE" sz="1100">
                           <a:effectLst/>
                         </a:rPr>
                         <a:t>5</a:t>
                       </a:r>
-                      <a:endParaRPr lang="de-DE" sz="1200">
+                      <a:endParaRPr lang="de-DE" sz="1100">
                         <a:solidFill>
                           <a:srgbClr val="000000"/>
                         </a:solidFill>
@@ -9591,12 +9595,12 @@
                         </a:spcAft>
                       </a:pPr>
                       <a:r>
-                        <a:rPr lang="de-DE" sz="1200" dirty="0">
+                        <a:rPr lang="de-DE" sz="1100" dirty="0">
                           <a:effectLst/>
                         </a:rPr>
                         <a:t>-</a:t>
                       </a:r>
-                      <a:endParaRPr lang="de-DE" sz="1200" dirty="0">
+                      <a:endParaRPr lang="de-DE" sz="1100" dirty="0">
                         <a:solidFill>
                           <a:srgbClr val="000000"/>
                         </a:solidFill>
@@ -9622,12 +9626,12 @@
                         </a:spcAft>
                       </a:pPr>
                       <a:r>
-                        <a:rPr lang="de-DE" sz="1200">
+                        <a:rPr lang="de-DE" sz="1100">
                           <a:effectLst/>
                         </a:rPr>
                         <a:t>5</a:t>
                       </a:r>
-                      <a:endParaRPr lang="de-DE" sz="1200">
+                      <a:endParaRPr lang="de-DE" sz="1100">
                         <a:solidFill>
                           <a:srgbClr val="000000"/>
                         </a:solidFill>
@@ -9653,12 +9657,12 @@
                         </a:spcAft>
                       </a:pPr>
                       <a:r>
-                        <a:rPr lang="de-DE" sz="1200" dirty="0">
+                        <a:rPr lang="de-DE" sz="1100" dirty="0">
                           <a:effectLst/>
                         </a:rPr>
                         <a:t>-</a:t>
                       </a:r>
-                      <a:endParaRPr lang="de-DE" sz="1200" dirty="0">
+                      <a:endParaRPr lang="de-DE" sz="1100" dirty="0">
                         <a:solidFill>
                           <a:srgbClr val="000000"/>
                         </a:solidFill>
@@ -9691,12 +9695,12 @@
                         </a:spcAft>
                       </a:pPr>
                       <a:r>
-                        <a:rPr lang="de-DE" sz="1200">
+                        <a:rPr lang="de-DE" sz="1100">
                           <a:effectLst/>
                         </a:rPr>
                         <a:t>- Lastenheft analysieren</a:t>
                       </a:r>
-                      <a:endParaRPr lang="de-DE" sz="1200">
+                      <a:endParaRPr lang="de-DE" sz="1100">
                         <a:solidFill>
                           <a:srgbClr val="000000"/>
                         </a:solidFill>
@@ -9722,12 +9726,12 @@
                         </a:spcAft>
                       </a:pPr>
                       <a:r>
-                        <a:rPr lang="de-DE" sz="1200">
+                        <a:rPr lang="de-DE" sz="1100">
                           <a:effectLst/>
                         </a:rPr>
                         <a:t>3</a:t>
                       </a:r>
-                      <a:endParaRPr lang="de-DE" sz="1200">
+                      <a:endParaRPr lang="de-DE" sz="1100">
                         <a:solidFill>
                           <a:srgbClr val="000000"/>
                         </a:solidFill>
@@ -9753,12 +9757,12 @@
                         </a:spcAft>
                       </a:pPr>
                       <a:r>
-                        <a:rPr lang="de-DE" sz="1200" dirty="0">
+                        <a:rPr lang="de-DE" sz="1100" dirty="0">
                           <a:effectLst/>
                         </a:rPr>
                         <a:t>-</a:t>
                       </a:r>
-                      <a:endParaRPr lang="de-DE" sz="1200" dirty="0">
+                      <a:endParaRPr lang="de-DE" sz="1100" dirty="0">
                         <a:solidFill>
                           <a:srgbClr val="000000"/>
                         </a:solidFill>
@@ -9784,12 +9788,12 @@
                         </a:spcAft>
                       </a:pPr>
                       <a:r>
-                        <a:rPr lang="de-DE" sz="1200">
+                        <a:rPr lang="de-DE" sz="1100">
                           <a:effectLst/>
                         </a:rPr>
                         <a:t>3</a:t>
                       </a:r>
-                      <a:endParaRPr lang="de-DE" sz="1200">
+                      <a:endParaRPr lang="de-DE" sz="1100">
                         <a:solidFill>
                           <a:srgbClr val="000000"/>
                         </a:solidFill>
@@ -9815,12 +9819,12 @@
                         </a:spcAft>
                       </a:pPr>
                       <a:r>
-                        <a:rPr lang="de-DE" sz="1200" dirty="0">
+                        <a:rPr lang="de-DE" sz="1100" dirty="0">
                           <a:effectLst/>
                         </a:rPr>
                         <a:t>-</a:t>
                       </a:r>
-                      <a:endParaRPr lang="de-DE" sz="1200" dirty="0">
+                      <a:endParaRPr lang="de-DE" sz="1100" dirty="0">
                         <a:solidFill>
                           <a:srgbClr val="000000"/>
                         </a:solidFill>
@@ -9853,12 +9857,12 @@
                         </a:spcAft>
                       </a:pPr>
                       <a:r>
-                        <a:rPr lang="de-DE" sz="1200">
+                        <a:rPr lang="de-DE" sz="1100" dirty="0">
                           <a:effectLst/>
                         </a:rPr>
                         <a:t>- Zeit- und Kostenplanung</a:t>
                       </a:r>
-                      <a:endParaRPr lang="de-DE" sz="1200">
+                      <a:endParaRPr lang="de-DE" sz="1100" dirty="0">
                         <a:solidFill>
                           <a:srgbClr val="000000"/>
                         </a:solidFill>
@@ -9884,12 +9888,12 @@
                         </a:spcAft>
                       </a:pPr>
                       <a:r>
-                        <a:rPr lang="de-DE" sz="1200">
+                        <a:rPr lang="de-DE" sz="1100">
                           <a:effectLst/>
                         </a:rPr>
                         <a:t>2</a:t>
                       </a:r>
-                      <a:endParaRPr lang="de-DE" sz="1200">
+                      <a:endParaRPr lang="de-DE" sz="1100">
                         <a:solidFill>
                           <a:srgbClr val="000000"/>
                         </a:solidFill>
@@ -9915,12 +9919,12 @@
                         </a:spcAft>
                       </a:pPr>
                       <a:r>
-                        <a:rPr lang="de-DE" sz="1200" dirty="0">
+                        <a:rPr lang="de-DE" sz="1100" dirty="0">
                           <a:effectLst/>
                         </a:rPr>
                         <a:t>-</a:t>
                       </a:r>
-                      <a:endParaRPr lang="de-DE" sz="1200" dirty="0">
+                      <a:endParaRPr lang="de-DE" sz="1100" dirty="0">
                         <a:solidFill>
                           <a:srgbClr val="000000"/>
                         </a:solidFill>
@@ -9946,12 +9950,12 @@
                         </a:spcAft>
                       </a:pPr>
                       <a:r>
-                        <a:rPr lang="de-DE" sz="1200">
+                        <a:rPr lang="de-DE" sz="1100">
                           <a:effectLst/>
                         </a:rPr>
                         <a:t>2</a:t>
                       </a:r>
-                      <a:endParaRPr lang="de-DE" sz="1200">
+                      <a:endParaRPr lang="de-DE" sz="1100">
                         <a:solidFill>
                           <a:srgbClr val="000000"/>
                         </a:solidFill>
@@ -9977,12 +9981,12 @@
                         </a:spcAft>
                       </a:pPr>
                       <a:r>
-                        <a:rPr lang="de-DE" sz="1200" dirty="0">
+                        <a:rPr lang="de-DE" sz="1100" dirty="0">
                           <a:effectLst/>
                         </a:rPr>
                         <a:t>-</a:t>
                       </a:r>
-                      <a:endParaRPr lang="de-DE" sz="1200" dirty="0">
+                      <a:endParaRPr lang="de-DE" sz="1100" dirty="0">
                         <a:solidFill>
                           <a:srgbClr val="000000"/>
                         </a:solidFill>
@@ -10015,12 +10019,12 @@
                         </a:spcAft>
                       </a:pPr>
                       <a:r>
-                        <a:rPr lang="de-DE" sz="1200">
+                        <a:rPr lang="de-DE" sz="1100" dirty="0">
                           <a:effectLst/>
                         </a:rPr>
                         <a:t>Anforderungsdefinition:</a:t>
                       </a:r>
-                      <a:endParaRPr lang="de-DE" sz="1200">
+                      <a:endParaRPr lang="de-DE" sz="1100" dirty="0">
                         <a:solidFill>
                           <a:srgbClr val="000000"/>
                         </a:solidFill>
@@ -10046,12 +10050,12 @@
                         </a:spcAft>
                       </a:pPr>
                       <a:r>
-                        <a:rPr lang="de-DE" sz="1200">
+                        <a:rPr lang="de-DE" sz="1100">
                           <a:effectLst/>
                         </a:rPr>
                         <a:t>4</a:t>
                       </a:r>
-                      <a:endParaRPr lang="de-DE" sz="1200">
+                      <a:endParaRPr lang="de-DE" sz="1100">
                         <a:solidFill>
                           <a:srgbClr val="000000"/>
                         </a:solidFill>
@@ -10077,12 +10081,12 @@
                         </a:spcAft>
                       </a:pPr>
                       <a:r>
-                        <a:rPr lang="de-DE" sz="1200" dirty="0">
+                        <a:rPr lang="de-DE" sz="1100" dirty="0">
                           <a:effectLst/>
                         </a:rPr>
                         <a:t>80 €</a:t>
                       </a:r>
-                      <a:endParaRPr lang="de-DE" sz="1200" dirty="0">
+                      <a:endParaRPr lang="de-DE" sz="1100" dirty="0">
                         <a:solidFill>
                           <a:srgbClr val="000000"/>
                         </a:solidFill>
@@ -10108,12 +10112,12 @@
                         </a:spcAft>
                       </a:pPr>
                       <a:r>
-                        <a:rPr lang="de-DE" sz="1200">
+                        <a:rPr lang="de-DE" sz="1100">
                           <a:effectLst/>
                         </a:rPr>
                         <a:t>4</a:t>
                       </a:r>
-                      <a:endParaRPr lang="de-DE" sz="1200">
+                      <a:endParaRPr lang="de-DE" sz="1100">
                         <a:solidFill>
                           <a:srgbClr val="000000"/>
                         </a:solidFill>
@@ -10139,12 +10143,12 @@
                         </a:spcAft>
                       </a:pPr>
                       <a:r>
-                        <a:rPr lang="de-DE" sz="1200" dirty="0">
+                        <a:rPr lang="de-DE" sz="1100" dirty="0">
                           <a:effectLst/>
                         </a:rPr>
                         <a:t>80 €</a:t>
                       </a:r>
-                      <a:endParaRPr lang="de-DE" sz="1200" dirty="0">
+                      <a:endParaRPr lang="de-DE" sz="1100" dirty="0">
                         <a:solidFill>
                           <a:srgbClr val="000000"/>
                         </a:solidFill>
@@ -10177,12 +10181,12 @@
                         </a:spcAft>
                       </a:pPr>
                       <a:r>
-                        <a:rPr lang="de-DE" sz="1200">
+                        <a:rPr lang="de-DE" sz="1100" dirty="0">
                           <a:effectLst/>
                         </a:rPr>
                         <a:t>&gt;Ergebnis: Pflichtenheft</a:t>
                       </a:r>
-                      <a:endParaRPr lang="de-DE" sz="1200">
+                      <a:endParaRPr lang="de-DE" sz="1100" dirty="0">
                         <a:solidFill>
                           <a:srgbClr val="000000"/>
                         </a:solidFill>
@@ -10208,12 +10212,12 @@
                         </a:spcAft>
                       </a:pPr>
                       <a:r>
-                        <a:rPr lang="de-DE" sz="1200">
+                        <a:rPr lang="de-DE" sz="1100">
                           <a:effectLst/>
                         </a:rPr>
                         <a:t>4</a:t>
                       </a:r>
-                      <a:endParaRPr lang="de-DE" sz="1200">
+                      <a:endParaRPr lang="de-DE" sz="1100">
                         <a:solidFill>
                           <a:srgbClr val="000000"/>
                         </a:solidFill>
@@ -10239,12 +10243,12 @@
                         </a:spcAft>
                       </a:pPr>
                       <a:r>
-                        <a:rPr lang="de-DE" sz="1200">
+                        <a:rPr lang="de-DE" sz="1100">
                           <a:effectLst/>
                         </a:rPr>
                         <a:t>80 €</a:t>
                       </a:r>
-                      <a:endParaRPr lang="de-DE" sz="1200">
+                      <a:endParaRPr lang="de-DE" sz="1100">
                         <a:solidFill>
                           <a:srgbClr val="000000"/>
                         </a:solidFill>
@@ -10270,12 +10274,12 @@
                         </a:spcAft>
                       </a:pPr>
                       <a:r>
-                        <a:rPr lang="de-DE" sz="1200">
+                        <a:rPr lang="de-DE" sz="1100">
                           <a:effectLst/>
                         </a:rPr>
                         <a:t>4</a:t>
                       </a:r>
-                      <a:endParaRPr lang="de-DE" sz="1200">
+                      <a:endParaRPr lang="de-DE" sz="1100">
                         <a:solidFill>
                           <a:srgbClr val="000000"/>
                         </a:solidFill>
@@ -10301,12 +10305,12 @@
                         </a:spcAft>
                       </a:pPr>
                       <a:r>
-                        <a:rPr lang="de-DE" sz="1200">
+                        <a:rPr lang="de-DE" sz="1100">
                           <a:effectLst/>
                         </a:rPr>
                         <a:t>80 €</a:t>
                       </a:r>
-                      <a:endParaRPr lang="de-DE" sz="1200">
+                      <a:endParaRPr lang="de-DE" sz="1100">
                         <a:solidFill>
                           <a:srgbClr val="000000"/>
                         </a:solidFill>
@@ -10339,12 +10343,12 @@
                         </a:spcAft>
                       </a:pPr>
                       <a:r>
-                        <a:rPr lang="de-DE" sz="1200">
+                        <a:rPr lang="de-DE" sz="1100" dirty="0">
                           <a:effectLst/>
                         </a:rPr>
                         <a:t>Analyse und Entwurf:</a:t>
                       </a:r>
-                      <a:endParaRPr lang="de-DE" sz="1200">
+                      <a:endParaRPr lang="de-DE" sz="1100" dirty="0">
                         <a:solidFill>
                           <a:srgbClr val="000000"/>
                         </a:solidFill>
@@ -10370,12 +10374,12 @@
                         </a:spcAft>
                       </a:pPr>
                       <a:r>
-                        <a:rPr lang="de-DE" sz="1200">
+                        <a:rPr lang="de-DE" sz="1100">
                           <a:effectLst/>
                         </a:rPr>
                         <a:t>4</a:t>
                       </a:r>
-                      <a:endParaRPr lang="de-DE" sz="1200">
+                      <a:endParaRPr lang="de-DE" sz="1100">
                         <a:solidFill>
                           <a:srgbClr val="000000"/>
                         </a:solidFill>
@@ -10401,12 +10405,12 @@
                         </a:spcAft>
                       </a:pPr>
                       <a:r>
-                        <a:rPr lang="de-DE" sz="1200" dirty="0">
+                        <a:rPr lang="de-DE" sz="1100" dirty="0">
                           <a:effectLst/>
                         </a:rPr>
                         <a:t>80 €</a:t>
                       </a:r>
-                      <a:endParaRPr lang="de-DE" sz="1200" dirty="0">
+                      <a:endParaRPr lang="de-DE" sz="1100" dirty="0">
                         <a:solidFill>
                           <a:srgbClr val="000000"/>
                         </a:solidFill>
@@ -10432,12 +10436,12 @@
                         </a:spcAft>
                       </a:pPr>
                       <a:r>
-                        <a:rPr lang="de-DE" sz="1200">
+                        <a:rPr lang="de-DE" sz="1100">
                           <a:effectLst/>
                         </a:rPr>
                         <a:t>4</a:t>
                       </a:r>
-                      <a:endParaRPr lang="de-DE" sz="1200">
+                      <a:endParaRPr lang="de-DE" sz="1100">
                         <a:solidFill>
                           <a:srgbClr val="000000"/>
                         </a:solidFill>
@@ -10463,12 +10467,12 @@
                         </a:spcAft>
                       </a:pPr>
                       <a:r>
-                        <a:rPr lang="de-DE" sz="1200" dirty="0">
+                        <a:rPr lang="de-DE" sz="1100" dirty="0">
                           <a:effectLst/>
                         </a:rPr>
                         <a:t>80 €</a:t>
                       </a:r>
-                      <a:endParaRPr lang="de-DE" sz="1200" dirty="0">
+                      <a:endParaRPr lang="de-DE" sz="1100" dirty="0">
                         <a:solidFill>
                           <a:srgbClr val="000000"/>
                         </a:solidFill>
@@ -10501,12 +10505,12 @@
                         </a:spcAft>
                       </a:pPr>
                       <a:r>
-                        <a:rPr lang="de-DE" sz="1200">
+                        <a:rPr lang="de-DE" sz="1100" dirty="0">
                           <a:effectLst/>
                         </a:rPr>
                         <a:t>- Analyse</a:t>
                       </a:r>
-                      <a:endParaRPr lang="de-DE" sz="1200">
+                      <a:endParaRPr lang="de-DE" sz="1100" dirty="0">
                         <a:solidFill>
                           <a:srgbClr val="000000"/>
                         </a:solidFill>
@@ -10532,12 +10536,12 @@
                         </a:spcAft>
                       </a:pPr>
                       <a:r>
-                        <a:rPr lang="de-DE" sz="1200" dirty="0">
+                        <a:rPr lang="de-DE" sz="1100" dirty="0">
                           <a:effectLst/>
                         </a:rPr>
                         <a:t>2</a:t>
                       </a:r>
-                      <a:endParaRPr lang="de-DE" sz="1200" dirty="0">
+                      <a:endParaRPr lang="de-DE" sz="1100" dirty="0">
                         <a:solidFill>
                           <a:srgbClr val="000000"/>
                         </a:solidFill>
@@ -10563,12 +10567,12 @@
                         </a:spcAft>
                       </a:pPr>
                       <a:r>
-                        <a:rPr lang="de-DE" sz="1200" dirty="0">
+                        <a:rPr lang="de-DE" sz="1100" dirty="0">
                           <a:effectLst/>
                         </a:rPr>
                         <a:t>40 €</a:t>
                       </a:r>
-                      <a:endParaRPr lang="de-DE" sz="1200" dirty="0">
+                      <a:endParaRPr lang="de-DE" sz="1100" dirty="0">
                         <a:solidFill>
                           <a:srgbClr val="000000"/>
                         </a:solidFill>
@@ -10594,12 +10598,12 @@
                         </a:spcAft>
                       </a:pPr>
                       <a:r>
-                        <a:rPr lang="de-DE" sz="1200" dirty="0">
+                        <a:rPr lang="de-DE" sz="1100" dirty="0">
                           <a:effectLst/>
                         </a:rPr>
                         <a:t>2</a:t>
                       </a:r>
-                      <a:endParaRPr lang="de-DE" sz="1200" dirty="0">
+                      <a:endParaRPr lang="de-DE" sz="1100" dirty="0">
                         <a:solidFill>
                           <a:srgbClr val="000000"/>
                         </a:solidFill>
@@ -10625,12 +10629,12 @@
                         </a:spcAft>
                       </a:pPr>
                       <a:r>
-                        <a:rPr lang="de-DE" sz="1200" dirty="0">
+                        <a:rPr lang="de-DE" sz="1100" dirty="0">
                           <a:effectLst/>
                         </a:rPr>
                         <a:t>40 €</a:t>
                       </a:r>
-                      <a:endParaRPr lang="de-DE" sz="1200" dirty="0">
+                      <a:endParaRPr lang="de-DE" sz="1100" dirty="0">
                         <a:solidFill>
                           <a:srgbClr val="000000"/>
                         </a:solidFill>
@@ -10663,12 +10667,12 @@
                         </a:spcAft>
                       </a:pPr>
                       <a:r>
-                        <a:rPr lang="de-DE" sz="1200">
+                        <a:rPr lang="de-DE" sz="1100">
                           <a:effectLst/>
                         </a:rPr>
                         <a:t>- Entwurf</a:t>
                       </a:r>
-                      <a:endParaRPr lang="de-DE" sz="1200">
+                      <a:endParaRPr lang="de-DE" sz="1100">
                         <a:solidFill>
                           <a:srgbClr val="000000"/>
                         </a:solidFill>
@@ -10694,12 +10698,12 @@
                         </a:spcAft>
                       </a:pPr>
                       <a:r>
-                        <a:rPr lang="de-DE" sz="1200">
+                        <a:rPr lang="de-DE" sz="1100">
                           <a:effectLst/>
                         </a:rPr>
                         <a:t>2</a:t>
                       </a:r>
-                      <a:endParaRPr lang="de-DE" sz="1200">
+                      <a:endParaRPr lang="de-DE" sz="1100">
                         <a:solidFill>
                           <a:srgbClr val="000000"/>
                         </a:solidFill>
@@ -10725,12 +10729,12 @@
                         </a:spcAft>
                       </a:pPr>
                       <a:r>
-                        <a:rPr lang="de-DE" sz="1200">
+                        <a:rPr lang="de-DE" sz="1100">
                           <a:effectLst/>
                         </a:rPr>
                         <a:t>40 €</a:t>
                       </a:r>
-                      <a:endParaRPr lang="de-DE" sz="1200">
+                      <a:endParaRPr lang="de-DE" sz="1100">
                         <a:solidFill>
                           <a:srgbClr val="000000"/>
                         </a:solidFill>
@@ -10756,12 +10760,12 @@
                         </a:spcAft>
                       </a:pPr>
                       <a:r>
-                        <a:rPr lang="de-DE" sz="1200" dirty="0">
+                        <a:rPr lang="de-DE" sz="1100" dirty="0">
                           <a:effectLst/>
                         </a:rPr>
                         <a:t>2</a:t>
                       </a:r>
-                      <a:endParaRPr lang="de-DE" sz="1200" dirty="0">
+                      <a:endParaRPr lang="de-DE" sz="1100" dirty="0">
                         <a:solidFill>
                           <a:srgbClr val="000000"/>
                         </a:solidFill>
@@ -10787,12 +10791,12 @@
                         </a:spcAft>
                       </a:pPr>
                       <a:r>
-                        <a:rPr lang="de-DE" sz="1200" dirty="0">
+                        <a:rPr lang="de-DE" sz="1100" dirty="0">
                           <a:effectLst/>
                         </a:rPr>
                         <a:t>40 €</a:t>
                       </a:r>
-                      <a:endParaRPr lang="de-DE" sz="1200" dirty="0">
+                      <a:endParaRPr lang="de-DE" sz="1100" dirty="0">
                         <a:solidFill>
                           <a:srgbClr val="000000"/>
                         </a:solidFill>
@@ -10825,12 +10829,12 @@
                         </a:spcAft>
                       </a:pPr>
                       <a:r>
-                        <a:rPr lang="de-DE" sz="1200">
+                        <a:rPr lang="de-DE" sz="1100">
                           <a:effectLst/>
                         </a:rPr>
                         <a:t>Implementierung:</a:t>
                       </a:r>
-                      <a:endParaRPr lang="de-DE" sz="1200">
+                      <a:endParaRPr lang="de-DE" sz="1100">
                         <a:solidFill>
                           <a:srgbClr val="000000"/>
                         </a:solidFill>
@@ -10856,12 +10860,12 @@
                         </a:spcAft>
                       </a:pPr>
                       <a:r>
-                        <a:rPr lang="de-DE" sz="1200">
+                        <a:rPr lang="de-DE" sz="1100" dirty="0">
                           <a:effectLst/>
                         </a:rPr>
                         <a:t>8</a:t>
                       </a:r>
-                      <a:endParaRPr lang="de-DE" sz="1200">
+                      <a:endParaRPr lang="de-DE" sz="1100" dirty="0">
                         <a:solidFill>
                           <a:srgbClr val="000000"/>
                         </a:solidFill>
@@ -10887,12 +10891,12 @@
                         </a:spcAft>
                       </a:pPr>
                       <a:r>
-                        <a:rPr lang="de-DE" sz="1200">
+                        <a:rPr lang="de-DE" sz="1100">
                           <a:effectLst/>
                         </a:rPr>
                         <a:t>160 €</a:t>
                       </a:r>
-                      <a:endParaRPr lang="de-DE" sz="1200">
+                      <a:endParaRPr lang="de-DE" sz="1100">
                         <a:solidFill>
                           <a:srgbClr val="000000"/>
                         </a:solidFill>
@@ -10918,12 +10922,12 @@
                         </a:spcAft>
                       </a:pPr>
                       <a:r>
-                        <a:rPr lang="de-DE" sz="1200" dirty="0">
+                        <a:rPr lang="de-DE" sz="1100" dirty="0">
                           <a:effectLst/>
                         </a:rPr>
                         <a:t>24</a:t>
                       </a:r>
-                      <a:endParaRPr lang="de-DE" sz="1200" dirty="0">
+                      <a:endParaRPr lang="de-DE" sz="1100" dirty="0">
                         <a:solidFill>
                           <a:srgbClr val="000000"/>
                         </a:solidFill>
@@ -10949,12 +10953,12 @@
                         </a:spcAft>
                       </a:pPr>
                       <a:r>
-                        <a:rPr lang="de-DE" sz="1200" dirty="0">
+                        <a:rPr lang="de-DE" sz="1100" dirty="0">
                           <a:effectLst/>
                         </a:rPr>
                         <a:t>480 €</a:t>
                       </a:r>
-                      <a:endParaRPr lang="de-DE" sz="1200" dirty="0">
+                      <a:endParaRPr lang="de-DE" sz="1100" dirty="0">
                         <a:solidFill>
                           <a:srgbClr val="000000"/>
                         </a:solidFill>
@@ -10987,12 +10991,12 @@
                         </a:spcAft>
                       </a:pPr>
                       <a:r>
-                        <a:rPr lang="de-DE" sz="1200">
+                        <a:rPr lang="de-DE" sz="1100">
                           <a:effectLst/>
                         </a:rPr>
                         <a:t>- Entwicklung Benutzeroberfläche</a:t>
                       </a:r>
-                      <a:endParaRPr lang="de-DE" sz="1200">
+                      <a:endParaRPr lang="de-DE" sz="1100">
                         <a:solidFill>
                           <a:srgbClr val="000000"/>
                         </a:solidFill>
@@ -11018,12 +11022,12 @@
                         </a:spcAft>
                       </a:pPr>
                       <a:r>
-                        <a:rPr lang="de-DE" sz="1200" dirty="0">
+                        <a:rPr lang="de-DE" sz="1100" dirty="0">
                           <a:effectLst/>
                         </a:rPr>
                         <a:t>3</a:t>
                       </a:r>
-                      <a:endParaRPr lang="de-DE" sz="1200" dirty="0">
+                      <a:endParaRPr lang="de-DE" sz="1100" dirty="0">
                         <a:solidFill>
                           <a:srgbClr val="000000"/>
                         </a:solidFill>
@@ -11049,12 +11053,12 @@
                         </a:spcAft>
                       </a:pPr>
                       <a:r>
-                        <a:rPr lang="de-DE" sz="1200">
+                        <a:rPr lang="de-DE" sz="1100">
                           <a:effectLst/>
                         </a:rPr>
                         <a:t>60 €</a:t>
                       </a:r>
-                      <a:endParaRPr lang="de-DE" sz="1200">
+                      <a:endParaRPr lang="de-DE" sz="1100">
                         <a:solidFill>
                           <a:srgbClr val="000000"/>
                         </a:solidFill>
@@ -11080,12 +11084,12 @@
                         </a:spcAft>
                       </a:pPr>
                       <a:r>
-                        <a:rPr lang="de-DE" sz="1200" dirty="0">
+                        <a:rPr lang="de-DE" sz="1100" dirty="0">
                           <a:effectLst/>
                         </a:rPr>
                         <a:t>3</a:t>
                       </a:r>
-                      <a:endParaRPr lang="de-DE" sz="1200" dirty="0">
+                      <a:endParaRPr lang="de-DE" sz="1100" dirty="0">
                         <a:solidFill>
                           <a:srgbClr val="000000"/>
                         </a:solidFill>
@@ -11111,12 +11115,12 @@
                         </a:spcAft>
                       </a:pPr>
                       <a:r>
-                        <a:rPr lang="de-DE" sz="1200" dirty="0">
+                        <a:rPr lang="de-DE" sz="1100" dirty="0">
                           <a:effectLst/>
                         </a:rPr>
                         <a:t>60 €</a:t>
                       </a:r>
-                      <a:endParaRPr lang="de-DE" sz="1200" dirty="0">
+                      <a:endParaRPr lang="de-DE" sz="1100" dirty="0">
                         <a:solidFill>
                           <a:srgbClr val="000000"/>
                         </a:solidFill>
@@ -11149,12 +11153,12 @@
                         </a:spcAft>
                       </a:pPr>
                       <a:r>
-                        <a:rPr lang="de-DE" sz="1200">
+                        <a:rPr lang="de-DE" sz="1100">
                           <a:effectLst/>
                         </a:rPr>
                         <a:t>- Funktionalität Aufbau</a:t>
                       </a:r>
-                      <a:endParaRPr lang="de-DE" sz="1200">
+                      <a:endParaRPr lang="de-DE" sz="1100">
                         <a:solidFill>
                           <a:srgbClr val="000000"/>
                         </a:solidFill>
@@ -11180,12 +11184,12 @@
                         </a:spcAft>
                       </a:pPr>
                       <a:r>
-                        <a:rPr lang="de-DE" sz="1200">
+                        <a:rPr lang="de-DE" sz="1100" dirty="0">
                           <a:effectLst/>
                         </a:rPr>
                         <a:t>5</a:t>
                       </a:r>
-                      <a:endParaRPr lang="de-DE" sz="1200">
+                      <a:endParaRPr lang="de-DE" sz="1100" dirty="0">
                         <a:solidFill>
                           <a:srgbClr val="000000"/>
                         </a:solidFill>
@@ -11211,12 +11215,12 @@
                         </a:spcAft>
                       </a:pPr>
                       <a:r>
-                        <a:rPr lang="de-DE" sz="1200">
+                        <a:rPr lang="de-DE" sz="1100">
                           <a:effectLst/>
                         </a:rPr>
                         <a:t>100 €</a:t>
                       </a:r>
-                      <a:endParaRPr lang="de-DE" sz="1200">
+                      <a:endParaRPr lang="de-DE" sz="1100">
                         <a:solidFill>
                           <a:srgbClr val="000000"/>
                         </a:solidFill>
@@ -11242,12 +11246,12 @@
                         </a:spcAft>
                       </a:pPr>
                       <a:r>
-                        <a:rPr lang="de-DE" sz="1200">
+                        <a:rPr lang="de-DE" sz="1100">
                           <a:effectLst/>
                         </a:rPr>
                         <a:t>21</a:t>
                       </a:r>
-                      <a:endParaRPr lang="de-DE" sz="1200">
+                      <a:endParaRPr lang="de-DE" sz="1100">
                         <a:solidFill>
                           <a:srgbClr val="000000"/>
                         </a:solidFill>
@@ -11273,12 +11277,12 @@
                         </a:spcAft>
                       </a:pPr>
                       <a:r>
-                        <a:rPr lang="de-DE" sz="1200" dirty="0">
+                        <a:rPr lang="de-DE" sz="1100" dirty="0">
                           <a:effectLst/>
                         </a:rPr>
                         <a:t>420 €</a:t>
                       </a:r>
-                      <a:endParaRPr lang="de-DE" sz="1200" dirty="0">
+                      <a:endParaRPr lang="de-DE" sz="1100" dirty="0">
                         <a:solidFill>
                           <a:srgbClr val="000000"/>
                         </a:solidFill>
@@ -11311,12 +11315,12 @@
                         </a:spcAft>
                       </a:pPr>
                       <a:r>
-                        <a:rPr lang="de-DE" sz="1200">
+                        <a:rPr lang="de-DE" sz="1100">
                           <a:effectLst/>
                         </a:rPr>
                         <a:t>Test:</a:t>
                       </a:r>
-                      <a:endParaRPr lang="de-DE" sz="1200">
+                      <a:endParaRPr lang="de-DE" sz="1100">
                         <a:solidFill>
                           <a:srgbClr val="000000"/>
                         </a:solidFill>
@@ -11342,12 +11346,12 @@
                         </a:spcAft>
                       </a:pPr>
                       <a:r>
-                        <a:rPr lang="de-DE" sz="1200">
+                        <a:rPr lang="de-DE" sz="1100" dirty="0">
                           <a:effectLst/>
                         </a:rPr>
                         <a:t>1</a:t>
                       </a:r>
-                      <a:endParaRPr lang="de-DE" sz="1200">
+                      <a:endParaRPr lang="de-DE" sz="1100" dirty="0">
                         <a:solidFill>
                           <a:srgbClr val="000000"/>
                         </a:solidFill>
@@ -11373,7 +11377,7 @@
                         </a:spcAft>
                       </a:pPr>
                       <a:r>
-                        <a:rPr lang="de-DE" sz="1200">
+                        <a:rPr lang="de-DE" sz="1100" dirty="0">
                           <a:effectLst/>
                           <a:highlight>
                             <a:srgbClr val="FFFFFF"/>
@@ -11381,7 +11385,7 @@
                         </a:rPr>
                         <a:t>-</a:t>
                       </a:r>
-                      <a:endParaRPr lang="de-DE" sz="1200">
+                      <a:endParaRPr lang="de-DE" sz="1100" dirty="0">
                         <a:solidFill>
                           <a:srgbClr val="000000"/>
                         </a:solidFill>
@@ -11407,12 +11411,12 @@
                         </a:spcAft>
                       </a:pPr>
                       <a:r>
-                        <a:rPr lang="de-DE" sz="1200">
+                        <a:rPr lang="de-DE" sz="1100">
                           <a:effectLst/>
                         </a:rPr>
                         <a:t>1</a:t>
                       </a:r>
-                      <a:endParaRPr lang="de-DE" sz="1200">
+                      <a:endParaRPr lang="de-DE" sz="1100">
                         <a:solidFill>
                           <a:srgbClr val="000000"/>
                         </a:solidFill>
@@ -11438,7 +11442,7 @@
                         </a:spcAft>
                       </a:pPr>
                       <a:r>
-                        <a:rPr lang="de-DE" sz="1200" dirty="0">
+                        <a:rPr lang="de-DE" sz="1100" dirty="0">
                           <a:effectLst/>
                           <a:highlight>
                             <a:srgbClr val="FFFFFF"/>
@@ -11446,7 +11450,7 @@
                         </a:rPr>
                         <a:t>-</a:t>
                       </a:r>
-                      <a:endParaRPr lang="de-DE" sz="1200" dirty="0">
+                      <a:endParaRPr lang="de-DE" sz="1100" dirty="0">
                         <a:solidFill>
                           <a:srgbClr val="000000"/>
                         </a:solidFill>
@@ -11479,12 +11483,12 @@
                         </a:spcAft>
                       </a:pPr>
                       <a:r>
-                        <a:rPr lang="de-DE" sz="1200">
+                        <a:rPr lang="de-DE" sz="1100">
                           <a:effectLst/>
                         </a:rPr>
                         <a:t>- Test fertiges Produkt</a:t>
                       </a:r>
-                      <a:endParaRPr lang="de-DE" sz="1200">
+                      <a:endParaRPr lang="de-DE" sz="1100">
                         <a:solidFill>
                           <a:srgbClr val="000000"/>
                         </a:solidFill>
@@ -11510,12 +11514,12 @@
                         </a:spcAft>
                       </a:pPr>
                       <a:r>
-                        <a:rPr lang="de-DE" sz="1200">
+                        <a:rPr lang="de-DE" sz="1100">
                           <a:effectLst/>
                         </a:rPr>
                         <a:t>1</a:t>
                       </a:r>
-                      <a:endParaRPr lang="de-DE" sz="1200">
+                      <a:endParaRPr lang="de-DE" sz="1100">
                         <a:solidFill>
                           <a:srgbClr val="000000"/>
                         </a:solidFill>
@@ -11541,12 +11545,12 @@
                         </a:spcAft>
                       </a:pPr>
                       <a:r>
-                        <a:rPr lang="de-DE" sz="1200">
+                        <a:rPr lang="de-DE" sz="1100" dirty="0">
                           <a:effectLst/>
                         </a:rPr>
                         <a:t>-</a:t>
                       </a:r>
-                      <a:endParaRPr lang="de-DE" sz="1200">
+                      <a:endParaRPr lang="de-DE" sz="1100" dirty="0">
                         <a:solidFill>
                           <a:srgbClr val="000000"/>
                         </a:solidFill>
@@ -11572,12 +11576,12 @@
                         </a:spcAft>
                       </a:pPr>
                       <a:r>
-                        <a:rPr lang="de-DE" sz="1200">
+                        <a:rPr lang="de-DE" sz="1100">
                           <a:effectLst/>
                         </a:rPr>
                         <a:t>1</a:t>
                       </a:r>
-                      <a:endParaRPr lang="de-DE" sz="1200">
+                      <a:endParaRPr lang="de-DE" sz="1100">
                         <a:solidFill>
                           <a:srgbClr val="000000"/>
                         </a:solidFill>
@@ -11603,12 +11607,12 @@
                         </a:spcAft>
                       </a:pPr>
                       <a:r>
-                        <a:rPr lang="de-DE" sz="1200" dirty="0">
+                        <a:rPr lang="de-DE" sz="1100" dirty="0">
                           <a:effectLst/>
                         </a:rPr>
                         <a:t>-</a:t>
                       </a:r>
-                      <a:endParaRPr lang="de-DE" sz="1200" dirty="0">
+                      <a:endParaRPr lang="de-DE" sz="1100" dirty="0">
                         <a:solidFill>
                           <a:srgbClr val="000000"/>
                         </a:solidFill>
@@ -11641,12 +11645,12 @@
                         </a:spcAft>
                       </a:pPr>
                       <a:r>
-                        <a:rPr lang="de-DE" sz="1200">
+                        <a:rPr lang="de-DE" sz="1100">
                           <a:effectLst/>
                         </a:rPr>
                         <a:t>Dokumentation: </a:t>
                       </a:r>
-                      <a:endParaRPr lang="de-DE" sz="1200">
+                      <a:endParaRPr lang="de-DE" sz="1100">
                         <a:solidFill>
                           <a:srgbClr val="000000"/>
                         </a:solidFill>
@@ -11672,12 +11676,12 @@
                         </a:spcAft>
                       </a:pPr>
                       <a:r>
-                        <a:rPr lang="de-DE" sz="1200">
+                        <a:rPr lang="de-DE" sz="1100">
                           <a:effectLst/>
                         </a:rPr>
                         <a:t>4</a:t>
                       </a:r>
-                      <a:endParaRPr lang="de-DE" sz="1200">
+                      <a:endParaRPr lang="de-DE" sz="1100">
                         <a:solidFill>
                           <a:srgbClr val="000000"/>
                         </a:solidFill>
@@ -11703,12 +11707,12 @@
                         </a:spcAft>
                       </a:pPr>
                       <a:r>
-                        <a:rPr lang="de-DE" sz="1200">
+                        <a:rPr lang="de-DE" sz="1100" dirty="0">
                           <a:effectLst/>
                         </a:rPr>
                         <a:t>80 €</a:t>
                       </a:r>
-                      <a:endParaRPr lang="de-DE" sz="1200">
+                      <a:endParaRPr lang="de-DE" sz="1100" dirty="0">
                         <a:solidFill>
                           <a:srgbClr val="000000"/>
                         </a:solidFill>
@@ -11734,12 +11738,12 @@
                         </a:spcAft>
                       </a:pPr>
                       <a:r>
-                        <a:rPr lang="de-DE" sz="1200">
+                        <a:rPr lang="de-DE" sz="1100">
                           <a:effectLst/>
                         </a:rPr>
                         <a:t>11</a:t>
                       </a:r>
-                      <a:endParaRPr lang="de-DE" sz="1200">
+                      <a:endParaRPr lang="de-DE" sz="1100">
                         <a:solidFill>
                           <a:srgbClr val="000000"/>
                         </a:solidFill>
@@ -11765,12 +11769,12 @@
                         </a:spcAft>
                       </a:pPr>
                       <a:r>
-                        <a:rPr lang="de-DE" sz="1200" dirty="0">
+                        <a:rPr lang="de-DE" sz="1100" dirty="0">
                           <a:effectLst/>
                         </a:rPr>
                         <a:t>220 €</a:t>
                       </a:r>
-                      <a:endParaRPr lang="de-DE" sz="1200" dirty="0">
+                      <a:endParaRPr lang="de-DE" sz="1100" dirty="0">
                         <a:solidFill>
                           <a:srgbClr val="000000"/>
                         </a:solidFill>
@@ -11803,12 +11807,12 @@
                         </a:spcAft>
                       </a:pPr>
                       <a:r>
-                        <a:rPr lang="de-DE" sz="1200">
+                        <a:rPr lang="de-DE" sz="1100">
                           <a:effectLst/>
                         </a:rPr>
                         <a:t>&gt;Ergebnis: Dokumentationen</a:t>
                       </a:r>
-                      <a:endParaRPr lang="de-DE" sz="1200">
+                      <a:endParaRPr lang="de-DE" sz="1100">
                         <a:solidFill>
                           <a:srgbClr val="000000"/>
                         </a:solidFill>
@@ -11834,12 +11838,12 @@
                         </a:spcAft>
                       </a:pPr>
                       <a:r>
-                        <a:rPr lang="de-DE" sz="1200">
+                        <a:rPr lang="de-DE" sz="1100">
                           <a:effectLst/>
                         </a:rPr>
                         <a:t>4</a:t>
                       </a:r>
-                      <a:endParaRPr lang="de-DE" sz="1200">
+                      <a:endParaRPr lang="de-DE" sz="1100">
                         <a:solidFill>
                           <a:srgbClr val="000000"/>
                         </a:solidFill>
@@ -11865,12 +11869,12 @@
                         </a:spcAft>
                       </a:pPr>
                       <a:r>
-                        <a:rPr lang="de-DE" sz="1200">
+                        <a:rPr lang="de-DE" sz="1100" dirty="0">
                           <a:effectLst/>
                         </a:rPr>
                         <a:t>80 €</a:t>
                       </a:r>
-                      <a:endParaRPr lang="de-DE" sz="1200">
+                      <a:endParaRPr lang="de-DE" sz="1100" dirty="0">
                         <a:solidFill>
                           <a:srgbClr val="000000"/>
                         </a:solidFill>
@@ -11896,12 +11900,12 @@
                         </a:spcAft>
                       </a:pPr>
                       <a:r>
-                        <a:rPr lang="de-DE" sz="1200">
+                        <a:rPr lang="de-DE" sz="1100" dirty="0">
                           <a:effectLst/>
                         </a:rPr>
                         <a:t>11</a:t>
                       </a:r>
-                      <a:endParaRPr lang="de-DE" sz="1200">
+                      <a:endParaRPr lang="de-DE" sz="1100" dirty="0">
                         <a:solidFill>
                           <a:srgbClr val="000000"/>
                         </a:solidFill>
@@ -11927,12 +11931,12 @@
                         </a:spcAft>
                       </a:pPr>
                       <a:r>
-                        <a:rPr lang="de-DE" sz="1200" dirty="0">
+                        <a:rPr lang="de-DE" sz="1100" dirty="0">
                           <a:effectLst/>
                         </a:rPr>
                         <a:t>220 €</a:t>
                       </a:r>
-                      <a:endParaRPr lang="de-DE" sz="1200" dirty="0">
+                      <a:endParaRPr lang="de-DE" sz="1100" dirty="0">
                         <a:solidFill>
                           <a:srgbClr val="000000"/>
                         </a:solidFill>
@@ -11965,12 +11969,12 @@
                         </a:spcAft>
                       </a:pPr>
                       <a:r>
-                        <a:rPr lang="de-DE" sz="1200">
+                        <a:rPr lang="de-DE" sz="1100">
                           <a:effectLst/>
                         </a:rPr>
                         <a:t>Öffentlichkeitsarbeit:</a:t>
                       </a:r>
-                      <a:endParaRPr lang="de-DE" sz="1200">
+                      <a:endParaRPr lang="de-DE" sz="1100">
                         <a:solidFill>
                           <a:srgbClr val="000000"/>
                         </a:solidFill>
@@ -11996,12 +12000,12 @@
                         </a:spcAft>
                       </a:pPr>
                       <a:r>
-                        <a:rPr lang="de-DE" sz="1200">
+                        <a:rPr lang="de-DE" sz="1100">
                           <a:effectLst/>
                         </a:rPr>
                         <a:t>6</a:t>
                       </a:r>
-                      <a:endParaRPr lang="de-DE" sz="1200">
+                      <a:endParaRPr lang="de-DE" sz="1100">
                         <a:solidFill>
                           <a:srgbClr val="000000"/>
                         </a:solidFill>
@@ -12027,12 +12031,12 @@
                         </a:spcAft>
                       </a:pPr>
                       <a:r>
-                        <a:rPr lang="de-DE" sz="1200">
+                        <a:rPr lang="de-DE" sz="1100">
                           <a:effectLst/>
                         </a:rPr>
                         <a:t>-</a:t>
                       </a:r>
-                      <a:endParaRPr lang="de-DE" sz="1200">
+                      <a:endParaRPr lang="de-DE" sz="1100">
                         <a:solidFill>
                           <a:srgbClr val="000000"/>
                         </a:solidFill>
@@ -12058,12 +12062,12 @@
                         </a:spcAft>
                       </a:pPr>
                       <a:r>
-                        <a:rPr lang="de-DE" sz="1200">
+                        <a:rPr lang="de-DE" sz="1100" dirty="0">
                           <a:effectLst/>
                         </a:rPr>
                         <a:t>6</a:t>
                       </a:r>
-                      <a:endParaRPr lang="de-DE" sz="1200">
+                      <a:endParaRPr lang="de-DE" sz="1100" dirty="0">
                         <a:solidFill>
                           <a:srgbClr val="000000"/>
                         </a:solidFill>
@@ -12089,12 +12093,12 @@
                         </a:spcAft>
                       </a:pPr>
                       <a:r>
-                        <a:rPr lang="de-DE" sz="1200" dirty="0">
+                        <a:rPr lang="de-DE" sz="1100" dirty="0">
                           <a:effectLst/>
                         </a:rPr>
                         <a:t>-</a:t>
                       </a:r>
-                      <a:endParaRPr lang="de-DE" sz="1200" dirty="0">
+                      <a:endParaRPr lang="de-DE" sz="1100" dirty="0">
                         <a:solidFill>
                           <a:srgbClr val="000000"/>
                         </a:solidFill>
@@ -12127,12 +12131,12 @@
                         </a:spcAft>
                       </a:pPr>
                       <a:r>
-                        <a:rPr lang="de-DE" sz="1200">
+                        <a:rPr lang="de-DE" sz="1100">
                           <a:effectLst/>
                         </a:rPr>
                         <a:t>- Rufbereitschaft</a:t>
                       </a:r>
-                      <a:endParaRPr lang="de-DE" sz="1200">
+                      <a:endParaRPr lang="de-DE" sz="1100">
                         <a:solidFill>
                           <a:srgbClr val="000000"/>
                         </a:solidFill>
@@ -12158,12 +12162,12 @@
                         </a:spcAft>
                       </a:pPr>
                       <a:r>
-                        <a:rPr lang="de-DE" sz="1200">
+                        <a:rPr lang="de-DE" sz="1100">
                           <a:effectLst/>
                         </a:rPr>
                         <a:t>-</a:t>
                       </a:r>
-                      <a:endParaRPr lang="de-DE" sz="1200">
+                      <a:endParaRPr lang="de-DE" sz="1100">
                         <a:solidFill>
                           <a:srgbClr val="000000"/>
                         </a:solidFill>
@@ -12189,12 +12193,12 @@
                         </a:spcAft>
                       </a:pPr>
                       <a:r>
-                        <a:rPr lang="de-DE" sz="1200">
+                        <a:rPr lang="de-DE" sz="1100">
                           <a:effectLst/>
                         </a:rPr>
                         <a:t>-</a:t>
                       </a:r>
-                      <a:endParaRPr lang="de-DE" sz="1200">
+                      <a:endParaRPr lang="de-DE" sz="1100">
                         <a:solidFill>
                           <a:srgbClr val="000000"/>
                         </a:solidFill>
@@ -12220,12 +12224,12 @@
                         </a:spcAft>
                       </a:pPr>
                       <a:r>
-                        <a:rPr lang="de-DE" sz="1200">
+                        <a:rPr lang="de-DE" sz="1100" dirty="0">
                           <a:effectLst/>
                         </a:rPr>
                         <a:t>-</a:t>
                       </a:r>
-                      <a:endParaRPr lang="de-DE" sz="1200">
+                      <a:endParaRPr lang="de-DE" sz="1100" dirty="0">
                         <a:solidFill>
                           <a:srgbClr val="000000"/>
                         </a:solidFill>
@@ -12251,12 +12255,12 @@
                         </a:spcAft>
                       </a:pPr>
                       <a:r>
-                        <a:rPr lang="de-DE" sz="1200" dirty="0">
+                        <a:rPr lang="de-DE" sz="1100" dirty="0">
                           <a:effectLst/>
                         </a:rPr>
                         <a:t>-</a:t>
                       </a:r>
-                      <a:endParaRPr lang="de-DE" sz="1200" dirty="0">
+                      <a:endParaRPr lang="de-DE" sz="1100" dirty="0">
                         <a:solidFill>
                           <a:srgbClr val="000000"/>
                         </a:solidFill>
@@ -12289,12 +12293,12 @@
                         </a:spcAft>
                       </a:pPr>
                       <a:r>
-                        <a:rPr lang="de-DE" sz="1200">
+                        <a:rPr lang="de-DE" sz="1100">
                           <a:effectLst/>
                         </a:rPr>
                         <a:t>- Projektbegleitung</a:t>
                       </a:r>
-                      <a:endParaRPr lang="de-DE" sz="1200">
+                      <a:endParaRPr lang="de-DE" sz="1100">
                         <a:solidFill>
                           <a:srgbClr val="000000"/>
                         </a:solidFill>
@@ -12320,12 +12324,12 @@
                         </a:spcAft>
                       </a:pPr>
                       <a:r>
-                        <a:rPr lang="de-DE" sz="1200">
+                        <a:rPr lang="de-DE" sz="1100">
                           <a:effectLst/>
                         </a:rPr>
                         <a:t>6</a:t>
                       </a:r>
-                      <a:endParaRPr lang="de-DE" sz="1200">
+                      <a:endParaRPr lang="de-DE" sz="1100">
                         <a:solidFill>
                           <a:srgbClr val="000000"/>
                         </a:solidFill>
@@ -12351,12 +12355,12 @@
                         </a:spcAft>
                       </a:pPr>
                       <a:r>
-                        <a:rPr lang="de-DE" sz="1200">
+                        <a:rPr lang="de-DE" sz="1100">
                           <a:effectLst/>
                         </a:rPr>
                         <a:t>-</a:t>
                       </a:r>
-                      <a:endParaRPr lang="de-DE" sz="1200">
+                      <a:endParaRPr lang="de-DE" sz="1100">
                         <a:solidFill>
                           <a:srgbClr val="000000"/>
                         </a:solidFill>
@@ -12382,12 +12386,12 @@
                         </a:spcAft>
                       </a:pPr>
                       <a:r>
-                        <a:rPr lang="de-DE" sz="1200">
+                        <a:rPr lang="de-DE" sz="1100" dirty="0">
                           <a:effectLst/>
                         </a:rPr>
                         <a:t>6</a:t>
                       </a:r>
-                      <a:endParaRPr lang="de-DE" sz="1200">
+                      <a:endParaRPr lang="de-DE" sz="1100" dirty="0">
                         <a:solidFill>
                           <a:srgbClr val="000000"/>
                         </a:solidFill>
@@ -12413,12 +12417,12 @@
                         </a:spcAft>
                       </a:pPr>
                       <a:r>
-                        <a:rPr lang="de-DE" sz="1200" dirty="0">
+                        <a:rPr lang="de-DE" sz="1100" dirty="0">
                           <a:effectLst/>
                         </a:rPr>
                         <a:t>-</a:t>
                       </a:r>
-                      <a:endParaRPr lang="de-DE" sz="1200" dirty="0">
+                      <a:endParaRPr lang="de-DE" sz="1100" dirty="0">
                         <a:solidFill>
                           <a:srgbClr val="000000"/>
                         </a:solidFill>
@@ -12451,12 +12455,12 @@
                         </a:spcAft>
                       </a:pPr>
                       <a:r>
-                        <a:rPr lang="de-DE" sz="1200">
+                        <a:rPr lang="de-DE" sz="1100">
                           <a:effectLst/>
                         </a:rPr>
                         <a:t>Gesamt</a:t>
                       </a:r>
-                      <a:endParaRPr lang="de-DE" sz="1200">
+                      <a:endParaRPr lang="de-DE" sz="1100">
                         <a:solidFill>
                           <a:srgbClr val="000000"/>
                         </a:solidFill>
@@ -12482,12 +12486,12 @@
                         </a:spcAft>
                       </a:pPr>
                       <a:r>
-                        <a:rPr lang="de-DE" sz="1200">
+                        <a:rPr lang="de-DE" sz="1100">
                           <a:effectLst/>
                         </a:rPr>
                         <a:t>33</a:t>
                       </a:r>
-                      <a:endParaRPr lang="de-DE" sz="1200">
+                      <a:endParaRPr lang="de-DE" sz="1100">
                         <a:solidFill>
                           <a:srgbClr val="000000"/>
                         </a:solidFill>
@@ -12513,12 +12517,12 @@
                         </a:spcAft>
                       </a:pPr>
                       <a:r>
-                        <a:rPr lang="de-DE" sz="1200" u="dbl">
+                        <a:rPr lang="de-DE" sz="1100" u="dbl">
                           <a:effectLst/>
                         </a:rPr>
                         <a:t>400 €</a:t>
                       </a:r>
-                      <a:endParaRPr lang="de-DE" sz="1200">
+                      <a:endParaRPr lang="de-DE" sz="1100">
                         <a:solidFill>
                           <a:srgbClr val="000000"/>
                         </a:solidFill>
@@ -12544,12 +12548,12 @@
                         </a:spcAft>
                       </a:pPr>
                       <a:r>
-                        <a:rPr lang="de-DE" sz="1200">
+                        <a:rPr lang="de-DE" sz="1100" dirty="0">
                           <a:effectLst/>
                         </a:rPr>
                         <a:t>55</a:t>
                       </a:r>
-                      <a:endParaRPr lang="de-DE" sz="1200">
+                      <a:endParaRPr lang="de-DE" sz="1100" dirty="0">
                         <a:solidFill>
                           <a:srgbClr val="000000"/>
                         </a:solidFill>
@@ -12575,12 +12579,12 @@
                         </a:spcAft>
                       </a:pPr>
                       <a:r>
-                        <a:rPr lang="de-DE" sz="1200" u="dbl" dirty="0">
+                        <a:rPr lang="de-DE" sz="1100" u="dbl" dirty="0">
                           <a:effectLst/>
                         </a:rPr>
                         <a:t>860 €</a:t>
                       </a:r>
-                      <a:endParaRPr lang="de-DE" sz="1200" dirty="0">
+                      <a:endParaRPr lang="de-DE" sz="1100" dirty="0">
                         <a:solidFill>
                           <a:srgbClr val="000000"/>
                         </a:solidFill>

--- a/Präsentation/DezHex.pptx
+++ b/Präsentation/DezHex.pptx
@@ -9007,14 +9007,14 @@
             <p:ph idx="1"/>
             <p:extLst>
               <p:ext uri="{D42A27DB-BD31-4B8C-83A1-F6EECF244321}">
-                <p14:modId xmlns:p14="http://schemas.microsoft.com/office/powerpoint/2010/main" val="2165699351"/>
+                <p14:modId xmlns:p14="http://schemas.microsoft.com/office/powerpoint/2010/main" val="2488166121"/>
               </p:ext>
             </p:extLst>
           </p:nvPr>
         </p:nvGraphicFramePr>
         <p:xfrm>
           <a:off x="1524000" y="908648"/>
-          <a:ext cx="9671552" cy="5367276"/>
+          <a:ext cx="10075653" cy="5378707"/>
         </p:xfrm>
         <a:graphic>
           <a:graphicData uri="http://schemas.openxmlformats.org/drawingml/2006/table">
@@ -9023,38 +9023,38 @@
                 <a:tableStyleId>{5C22544A-7EE6-4342-B048-85BDC9FD1C3A}</a:tableStyleId>
               </a:tblPr>
               <a:tblGrid>
-                <a:gridCol w="2165251">
+                <a:gridCol w="3490823">
                   <a:extLst>
                     <a:ext uri="{9D8B030D-6E8A-4147-A177-3AD203B41FA5}">
-                      <a16:colId xmlns:a16="http://schemas.microsoft.com/office/drawing/2014/main" val="20000"/>
+                      <a16:colId xmlns:a16="http://schemas.microsoft.com/office/drawing/2014/main" xmlns="" val="20000"/>
                     </a:ext>
                   </a:extLst>
                 </a:gridCol>
-                <a:gridCol w="1795615">
+                <a:gridCol w="2064588">
                   <a:extLst>
                     <a:ext uri="{9D8B030D-6E8A-4147-A177-3AD203B41FA5}">
-                      <a16:colId xmlns:a16="http://schemas.microsoft.com/office/drawing/2014/main" val="20001"/>
+                      <a16:colId xmlns:a16="http://schemas.microsoft.com/office/drawing/2014/main" xmlns="" val="20001"/>
                     </a:ext>
                   </a:extLst>
                 </a:gridCol>
-                <a:gridCol w="1880558">
+                <a:gridCol w="1460740">
                   <a:extLst>
                     <a:ext uri="{9D8B030D-6E8A-4147-A177-3AD203B41FA5}">
-                      <a16:colId xmlns:a16="http://schemas.microsoft.com/office/drawing/2014/main" val="20002"/>
+                      <a16:colId xmlns:a16="http://schemas.microsoft.com/office/drawing/2014/main" xmlns="" val="20002"/>
                     </a:ext>
                   </a:extLst>
                 </a:gridCol>
-                <a:gridCol w="2116347">
+                <a:gridCol w="1920815">
                   <a:extLst>
                     <a:ext uri="{9D8B030D-6E8A-4147-A177-3AD203B41FA5}">
-                      <a16:colId xmlns:a16="http://schemas.microsoft.com/office/drawing/2014/main" val="20003"/>
+                      <a16:colId xmlns:a16="http://schemas.microsoft.com/office/drawing/2014/main" xmlns="" val="20003"/>
                     </a:ext>
                   </a:extLst>
                 </a:gridCol>
-                <a:gridCol w="1713781">
+                <a:gridCol w="1138687">
                   <a:extLst>
                     <a:ext uri="{9D8B030D-6E8A-4147-A177-3AD203B41FA5}">
-                      <a16:colId xmlns:a16="http://schemas.microsoft.com/office/drawing/2014/main" val="20004"/>
+                      <a16:colId xmlns:a16="http://schemas.microsoft.com/office/drawing/2014/main" xmlns="" val="20004"/>
                     </a:ext>
                   </a:extLst>
                 </a:gridCol>
@@ -9074,12 +9074,12 @@
                         </a:spcAft>
                       </a:pPr>
                       <a:r>
-                        <a:rPr lang="de-DE" sz="1600" dirty="0">
+                        <a:rPr lang="de-DE" sz="1800" dirty="0">
                           <a:effectLst/>
                         </a:rPr>
                         <a:t>Aufwands- und Kostenschätzung</a:t>
                       </a:r>
-                      <a:endParaRPr lang="de-DE" sz="1100" dirty="0">
+                      <a:endParaRPr lang="de-DE" sz="1800" dirty="0">
                         <a:solidFill>
                           <a:srgbClr val="000000"/>
                         </a:solidFill>
@@ -9125,12 +9125,12 @@
                         </a:spcAft>
                       </a:pPr>
                       <a:r>
-                        <a:rPr lang="de-DE" sz="1600" dirty="0">
+                        <a:rPr lang="de-DE" sz="1800" dirty="0">
                           <a:effectLst/>
                         </a:rPr>
                         <a:t>Rechnungsstellung</a:t>
                       </a:r>
-                      <a:endParaRPr lang="de-DE" sz="1100" dirty="0">
+                      <a:endParaRPr lang="de-DE" sz="1800" dirty="0">
                         <a:solidFill>
                           <a:srgbClr val="000000"/>
                         </a:solidFill>
@@ -9154,106 +9154,7 @@
                 </a:tc>
                 <a:extLst>
                   <a:ext uri="{0D108BD9-81ED-4DB2-BD59-A6C34878D82A}">
-                    <a16:rowId xmlns:a16="http://schemas.microsoft.com/office/drawing/2014/main" val="10000"/>
-                  </a:ext>
-                </a:extLst>
-              </a:tr>
-              <a:tr h="216525">
-                <a:tc gridSpan="3">
-                  <a:txBody>
-                    <a:bodyPr/>
-                    <a:lstStyle/>
-                    <a:p>
-                      <a:pPr algn="ctr">
-                        <a:lnSpc>
-                          <a:spcPct val="115000"/>
-                        </a:lnSpc>
-                        <a:spcAft>
-                          <a:spcPts val="0"/>
-                        </a:spcAft>
-                      </a:pPr>
-                      <a:r>
-                        <a:rPr lang="de-DE" sz="1100">
-                          <a:effectLst/>
-                        </a:rPr>
-                        <a:t> </a:t>
-                      </a:r>
-                      <a:endParaRPr lang="de-DE" sz="1100">
-                        <a:solidFill>
-                          <a:srgbClr val="000000"/>
-                        </a:solidFill>
-                        <a:effectLst/>
-                        <a:latin typeface="Arial" panose="020B0604020202020204" pitchFamily="34" charset="0"/>
-                        <a:ea typeface="Arial" panose="020B0604020202020204" pitchFamily="34" charset="0"/>
-                      </a:endParaRPr>
-                    </a:p>
-                  </a:txBody>
-                  <a:tcPr marL="45764" marR="45764" marT="0" marB="0" anchor="b"/>
-                </a:tc>
-                <a:tc hMerge="1">
-                  <a:txBody>
-                    <a:bodyPr/>
-                    <a:lstStyle/>
-                    <a:p>
-                      <a:endParaRPr lang="de-DE"/>
-                    </a:p>
-                  </a:txBody>
-                  <a:tcPr/>
-                </a:tc>
-                <a:tc hMerge="1">
-                  <a:txBody>
-                    <a:bodyPr/>
-                    <a:lstStyle/>
-                    <a:p>
-                      <a:endParaRPr lang="de-DE"/>
-                    </a:p>
-                  </a:txBody>
-                  <a:tcPr/>
-                </a:tc>
-                <a:tc gridSpan="2">
-                  <a:txBody>
-                    <a:bodyPr/>
-                    <a:lstStyle/>
-                    <a:p>
-                      <a:pPr algn="ctr">
-                        <a:lnSpc>
-                          <a:spcPct val="115000"/>
-                        </a:lnSpc>
-                        <a:spcAft>
-                          <a:spcPts val="0"/>
-                        </a:spcAft>
-                      </a:pPr>
-                      <a:r>
-                        <a:rPr lang="de-DE" sz="1200" dirty="0">
-                          <a:effectLst/>
-                        </a:rPr>
-                        <a:t>(Reflexion auf Kalkulation)</a:t>
-                      </a:r>
-                      <a:endParaRPr lang="de-DE" sz="1100" dirty="0">
-                        <a:solidFill>
-                          <a:srgbClr val="000000"/>
-                        </a:solidFill>
-                        <a:effectLst/>
-                        <a:latin typeface="Arial" panose="020B0604020202020204" pitchFamily="34" charset="0"/>
-                        <a:ea typeface="Arial" panose="020B0604020202020204" pitchFamily="34" charset="0"/>
-                      </a:endParaRPr>
-                    </a:p>
-                  </a:txBody>
-                  <a:tcPr marL="45764" marR="45764" marT="0" marB="0"/>
-                </a:tc>
-                <a:tc hMerge="1">
-                  <a:txBody>
-                    <a:bodyPr/>
-                    <a:lstStyle/>
-                    <a:p>
-                      <a:endParaRPr lang="de-DE"/>
-                    </a:p>
-                  </a:txBody>
-                  <a:tcPr/>
-                </a:tc>
-                <a:extLst>
-                  <a:ext uri="{0D108BD9-81ED-4DB2-BD59-A6C34878D82A}">
-                    <a16:rowId xmlns:a16="http://schemas.microsoft.com/office/drawing/2014/main" val="10001"/>
+                    <a16:rowId xmlns:a16="http://schemas.microsoft.com/office/drawing/2014/main" xmlns="" val="10000"/>
                   </a:ext>
                 </a:extLst>
               </a:tr>
@@ -9272,12 +9173,12 @@
                         </a:spcAft>
                       </a:pPr>
                       <a:r>
-                        <a:rPr lang="de-DE" sz="1500" dirty="0">
+                        <a:rPr lang="de-DE" sz="1800" dirty="0">
                           <a:effectLst/>
                         </a:rPr>
                         <a:t> vom 26.01.2017</a:t>
                       </a:r>
-                      <a:endParaRPr lang="de-DE" sz="1100" dirty="0">
+                      <a:endParaRPr lang="de-DE" sz="1800" dirty="0">
                         <a:solidFill>
                           <a:srgbClr val="000000"/>
                         </a:solidFill>
@@ -9323,12 +9224,12 @@
                         </a:spcAft>
                       </a:pPr>
                       <a:r>
-                        <a:rPr lang="de-DE" sz="1500">
+                        <a:rPr lang="de-DE" sz="1800" dirty="0">
                           <a:effectLst/>
                         </a:rPr>
                         <a:t> vom 08.06.2017</a:t>
                       </a:r>
-                      <a:endParaRPr lang="de-DE" sz="1100">
+                      <a:endParaRPr lang="de-DE" sz="1800" dirty="0">
                         <a:solidFill>
                           <a:srgbClr val="000000"/>
                         </a:solidFill>
@@ -9352,7 +9253,7 @@
                 </a:tc>
                 <a:extLst>
                   <a:ext uri="{0D108BD9-81ED-4DB2-BD59-A6C34878D82A}">
-                    <a16:rowId xmlns:a16="http://schemas.microsoft.com/office/drawing/2014/main" val="10002"/>
+                    <a16:rowId xmlns:a16="http://schemas.microsoft.com/office/drawing/2014/main" xmlns="" val="10002"/>
                   </a:ext>
                 </a:extLst>
               </a:tr>
@@ -9371,12 +9272,12 @@
                         </a:spcAft>
                       </a:pPr>
                       <a:r>
-                        <a:rPr lang="de-DE" sz="1100" dirty="0">
+                        <a:rPr lang="de-DE" sz="1800" dirty="0">
                           <a:effectLst/>
                         </a:rPr>
                         <a:t>Arbeitsphase</a:t>
                       </a:r>
-                      <a:endParaRPr lang="de-DE" sz="1100" dirty="0">
+                      <a:endParaRPr lang="de-DE" sz="1800" dirty="0">
                         <a:solidFill>
                           <a:srgbClr val="000000"/>
                         </a:solidFill>
@@ -9402,12 +9303,12 @@
                         </a:spcAft>
                       </a:pPr>
                       <a:r>
-                        <a:rPr lang="de-DE" sz="1100" dirty="0">
+                        <a:rPr lang="de-DE" sz="1800" dirty="0">
                           <a:effectLst/>
                         </a:rPr>
                         <a:t>Soll-Arbeitsstunden</a:t>
                       </a:r>
-                      <a:endParaRPr lang="de-DE" sz="1100" dirty="0">
+                      <a:endParaRPr lang="de-DE" sz="1800" dirty="0">
                         <a:solidFill>
                           <a:srgbClr val="000000"/>
                         </a:solidFill>
@@ -9433,12 +9334,12 @@
                         </a:spcAft>
                       </a:pPr>
                       <a:r>
-                        <a:rPr lang="de-DE" sz="1100" dirty="0">
+                        <a:rPr lang="de-DE" sz="1800" dirty="0">
                           <a:effectLst/>
                         </a:rPr>
                         <a:t>Soll-Kosten</a:t>
                       </a:r>
-                      <a:endParaRPr lang="de-DE" sz="1100" dirty="0">
+                      <a:endParaRPr lang="de-DE" sz="1800" dirty="0">
                         <a:solidFill>
                           <a:srgbClr val="000000"/>
                         </a:solidFill>
@@ -9464,12 +9365,12 @@
                         </a:spcAft>
                       </a:pPr>
                       <a:r>
-                        <a:rPr lang="de-DE" sz="1100">
+                        <a:rPr lang="de-DE" sz="1800" dirty="0">
                           <a:effectLst/>
                         </a:rPr>
                         <a:t>Ist-Arbeitsstunden</a:t>
                       </a:r>
-                      <a:endParaRPr lang="de-DE" sz="1100">
+                      <a:endParaRPr lang="de-DE" sz="1800" dirty="0">
                         <a:solidFill>
                           <a:srgbClr val="000000"/>
                         </a:solidFill>
@@ -9495,12 +9396,12 @@
                         </a:spcAft>
                       </a:pPr>
                       <a:r>
-                        <a:rPr lang="de-DE" sz="1100" dirty="0">
+                        <a:rPr lang="de-DE" sz="1800" dirty="0">
                           <a:effectLst/>
                         </a:rPr>
                         <a:t>Ist-Kosten</a:t>
                       </a:r>
-                      <a:endParaRPr lang="de-DE" sz="1100" dirty="0">
+                      <a:endParaRPr lang="de-DE" sz="1800" dirty="0">
                         <a:solidFill>
                           <a:srgbClr val="000000"/>
                         </a:solidFill>
@@ -9514,7 +9415,7 @@
                 </a:tc>
                 <a:extLst>
                   <a:ext uri="{0D108BD9-81ED-4DB2-BD59-A6C34878D82A}">
-                    <a16:rowId xmlns:a16="http://schemas.microsoft.com/office/drawing/2014/main" val="10003"/>
+                    <a16:rowId xmlns:a16="http://schemas.microsoft.com/office/drawing/2014/main" xmlns="" val="10003"/>
                   </a:ext>
                 </a:extLst>
               </a:tr>
@@ -9533,12 +9434,12 @@
                         </a:spcAft>
                       </a:pPr>
                       <a:r>
-                        <a:rPr lang="de-DE" sz="1100" dirty="0">
+                        <a:rPr lang="de-DE" sz="1800" dirty="0">
                           <a:effectLst/>
                         </a:rPr>
                         <a:t>Auftrag:</a:t>
                       </a:r>
-                      <a:endParaRPr lang="de-DE" sz="1100" dirty="0">
+                      <a:endParaRPr lang="de-DE" sz="1800" dirty="0">
                         <a:solidFill>
                           <a:srgbClr val="000000"/>
                         </a:solidFill>
@@ -9564,12 +9465,12 @@
                         </a:spcAft>
                       </a:pPr>
                       <a:r>
-                        <a:rPr lang="de-DE" sz="1100">
+                        <a:rPr lang="de-DE" sz="1800">
                           <a:effectLst/>
                         </a:rPr>
                         <a:t>5</a:t>
                       </a:r>
-                      <a:endParaRPr lang="de-DE" sz="1100">
+                      <a:endParaRPr lang="de-DE" sz="1800">
                         <a:solidFill>
                           <a:srgbClr val="000000"/>
                         </a:solidFill>
@@ -9595,12 +9496,12 @@
                         </a:spcAft>
                       </a:pPr>
                       <a:r>
-                        <a:rPr lang="de-DE" sz="1100" dirty="0">
+                        <a:rPr lang="de-DE" sz="1800" dirty="0">
                           <a:effectLst/>
                         </a:rPr>
                         <a:t>-</a:t>
                       </a:r>
-                      <a:endParaRPr lang="de-DE" sz="1100" dirty="0">
+                      <a:endParaRPr lang="de-DE" sz="1800" dirty="0">
                         <a:solidFill>
                           <a:srgbClr val="000000"/>
                         </a:solidFill>
@@ -9626,12 +9527,12 @@
                         </a:spcAft>
                       </a:pPr>
                       <a:r>
-                        <a:rPr lang="de-DE" sz="1100">
+                        <a:rPr lang="de-DE" sz="1800">
                           <a:effectLst/>
                         </a:rPr>
                         <a:t>5</a:t>
                       </a:r>
-                      <a:endParaRPr lang="de-DE" sz="1100">
+                      <a:endParaRPr lang="de-DE" sz="1800">
                         <a:solidFill>
                           <a:srgbClr val="000000"/>
                         </a:solidFill>
@@ -9657,12 +9558,12 @@
                         </a:spcAft>
                       </a:pPr>
                       <a:r>
-                        <a:rPr lang="de-DE" sz="1100" dirty="0">
+                        <a:rPr lang="de-DE" sz="1800" dirty="0">
                           <a:effectLst/>
                         </a:rPr>
                         <a:t>-</a:t>
                       </a:r>
-                      <a:endParaRPr lang="de-DE" sz="1100" dirty="0">
+                      <a:endParaRPr lang="de-DE" sz="1800" dirty="0">
                         <a:solidFill>
                           <a:srgbClr val="000000"/>
                         </a:solidFill>
@@ -9676,7 +9577,7 @@
                 </a:tc>
                 <a:extLst>
                   <a:ext uri="{0D108BD9-81ED-4DB2-BD59-A6C34878D82A}">
-                    <a16:rowId xmlns:a16="http://schemas.microsoft.com/office/drawing/2014/main" val="10004"/>
+                    <a16:rowId xmlns:a16="http://schemas.microsoft.com/office/drawing/2014/main" xmlns="" val="10004"/>
                   </a:ext>
                 </a:extLst>
               </a:tr>
@@ -9695,12 +9596,12 @@
                         </a:spcAft>
                       </a:pPr>
                       <a:r>
-                        <a:rPr lang="de-DE" sz="1100">
+                        <a:rPr lang="de-DE" sz="1800" dirty="0">
                           <a:effectLst/>
                         </a:rPr>
-                        <a:t>- Lastenheft analysieren</a:t>
+                        <a:t>Anforderungsdefinition:</a:t>
                       </a:r>
-                      <a:endParaRPr lang="de-DE" sz="1100">
+                      <a:endParaRPr lang="de-DE" sz="1800" dirty="0">
                         <a:solidFill>
                           <a:srgbClr val="000000"/>
                         </a:solidFill>
@@ -9726,12 +9627,12 @@
                         </a:spcAft>
                       </a:pPr>
                       <a:r>
-                        <a:rPr lang="de-DE" sz="1100">
+                        <a:rPr lang="de-DE" sz="1800" dirty="0">
                           <a:effectLst/>
                         </a:rPr>
-                        <a:t>3</a:t>
+                        <a:t>4</a:t>
                       </a:r>
-                      <a:endParaRPr lang="de-DE" sz="1100">
+                      <a:endParaRPr lang="de-DE" sz="1800" dirty="0">
                         <a:solidFill>
                           <a:srgbClr val="000000"/>
                         </a:solidFill>
@@ -9757,12 +9658,12 @@
                         </a:spcAft>
                       </a:pPr>
                       <a:r>
-                        <a:rPr lang="de-DE" sz="1100" dirty="0">
+                        <a:rPr lang="de-DE" sz="1800" dirty="0">
                           <a:effectLst/>
                         </a:rPr>
-                        <a:t>-</a:t>
+                        <a:t>80 €</a:t>
                       </a:r>
-                      <a:endParaRPr lang="de-DE" sz="1100" dirty="0">
+                      <a:endParaRPr lang="de-DE" sz="1800" dirty="0">
                         <a:solidFill>
                           <a:srgbClr val="000000"/>
                         </a:solidFill>
@@ -9788,12 +9689,12 @@
                         </a:spcAft>
                       </a:pPr>
                       <a:r>
-                        <a:rPr lang="de-DE" sz="1100">
+                        <a:rPr lang="de-DE" sz="1800">
                           <a:effectLst/>
                         </a:rPr>
-                        <a:t>3</a:t>
+                        <a:t>4</a:t>
                       </a:r>
-                      <a:endParaRPr lang="de-DE" sz="1100">
+                      <a:endParaRPr lang="de-DE" sz="1800">
                         <a:solidFill>
                           <a:srgbClr val="000000"/>
                         </a:solidFill>
@@ -9819,12 +9720,12 @@
                         </a:spcAft>
                       </a:pPr>
                       <a:r>
-                        <a:rPr lang="de-DE" sz="1100" dirty="0">
+                        <a:rPr lang="de-DE" sz="1800" dirty="0">
                           <a:effectLst/>
                         </a:rPr>
-                        <a:t>-</a:t>
+                        <a:t>80 €</a:t>
                       </a:r>
-                      <a:endParaRPr lang="de-DE" sz="1100" dirty="0">
+                      <a:endParaRPr lang="de-DE" sz="1800" dirty="0">
                         <a:solidFill>
                           <a:srgbClr val="000000"/>
                         </a:solidFill>
@@ -9838,7 +9739,7 @@
                 </a:tc>
                 <a:extLst>
                   <a:ext uri="{0D108BD9-81ED-4DB2-BD59-A6C34878D82A}">
-                    <a16:rowId xmlns:a16="http://schemas.microsoft.com/office/drawing/2014/main" val="10005"/>
+                    <a16:rowId xmlns:a16="http://schemas.microsoft.com/office/drawing/2014/main" xmlns="" val="10007"/>
                   </a:ext>
                 </a:extLst>
               </a:tr>
@@ -9857,12 +9758,12 @@
                         </a:spcAft>
                       </a:pPr>
                       <a:r>
-                        <a:rPr lang="de-DE" sz="1100" dirty="0">
+                        <a:rPr lang="de-DE" sz="1800" dirty="0">
                           <a:effectLst/>
                         </a:rPr>
-                        <a:t>- Zeit- und Kostenplanung</a:t>
+                        <a:t>Analyse und Entwurf:</a:t>
                       </a:r>
-                      <a:endParaRPr lang="de-DE" sz="1100" dirty="0">
+                      <a:endParaRPr lang="de-DE" sz="1800" dirty="0">
                         <a:solidFill>
                           <a:srgbClr val="000000"/>
                         </a:solidFill>
@@ -9888,12 +9789,12 @@
                         </a:spcAft>
                       </a:pPr>
                       <a:r>
-                        <a:rPr lang="de-DE" sz="1100">
+                        <a:rPr lang="de-DE" sz="1800" dirty="0">
                           <a:effectLst/>
                         </a:rPr>
-                        <a:t>2</a:t>
+                        <a:t>4</a:t>
                       </a:r>
-                      <a:endParaRPr lang="de-DE" sz="1100">
+                      <a:endParaRPr lang="de-DE" sz="1800" dirty="0">
                         <a:solidFill>
                           <a:srgbClr val="000000"/>
                         </a:solidFill>
@@ -9919,12 +9820,12 @@
                         </a:spcAft>
                       </a:pPr>
                       <a:r>
-                        <a:rPr lang="de-DE" sz="1100" dirty="0">
+                        <a:rPr lang="de-DE" sz="1800" dirty="0">
                           <a:effectLst/>
                         </a:rPr>
-                        <a:t>-</a:t>
+                        <a:t>80 €</a:t>
                       </a:r>
-                      <a:endParaRPr lang="de-DE" sz="1100" dirty="0">
+                      <a:endParaRPr lang="de-DE" sz="1800" dirty="0">
                         <a:solidFill>
                           <a:srgbClr val="000000"/>
                         </a:solidFill>
@@ -9950,12 +9851,12 @@
                         </a:spcAft>
                       </a:pPr>
                       <a:r>
-                        <a:rPr lang="de-DE" sz="1100">
+                        <a:rPr lang="de-DE" sz="1800">
                           <a:effectLst/>
                         </a:rPr>
-                        <a:t>2</a:t>
+                        <a:t>4</a:t>
                       </a:r>
-                      <a:endParaRPr lang="de-DE" sz="1100">
+                      <a:endParaRPr lang="de-DE" sz="1800">
                         <a:solidFill>
                           <a:srgbClr val="000000"/>
                         </a:solidFill>
@@ -9981,12 +9882,12 @@
                         </a:spcAft>
                       </a:pPr>
                       <a:r>
-                        <a:rPr lang="de-DE" sz="1100" dirty="0">
+                        <a:rPr lang="de-DE" sz="1800" dirty="0">
                           <a:effectLst/>
                         </a:rPr>
-                        <a:t>-</a:t>
+                        <a:t>80 €</a:t>
                       </a:r>
-                      <a:endParaRPr lang="de-DE" sz="1100" dirty="0">
+                      <a:endParaRPr lang="de-DE" sz="1800" dirty="0">
                         <a:solidFill>
                           <a:srgbClr val="000000"/>
                         </a:solidFill>
@@ -10000,11 +9901,11 @@
                 </a:tc>
                 <a:extLst>
                   <a:ext uri="{0D108BD9-81ED-4DB2-BD59-A6C34878D82A}">
-                    <a16:rowId xmlns:a16="http://schemas.microsoft.com/office/drawing/2014/main" val="10006"/>
+                    <a16:rowId xmlns:a16="http://schemas.microsoft.com/office/drawing/2014/main" xmlns="" val="10009"/>
                   </a:ext>
                 </a:extLst>
               </a:tr>
-              <a:tr h="198481">
+              <a:tr h="215741">
                 <a:tc>
                   <a:txBody>
                     <a:bodyPr/>
@@ -10019,12 +9920,12 @@
                         </a:spcAft>
                       </a:pPr>
                       <a:r>
-                        <a:rPr lang="de-DE" sz="1100" dirty="0">
+                        <a:rPr lang="de-DE" sz="1800" dirty="0">
                           <a:effectLst/>
                         </a:rPr>
-                        <a:t>Anforderungsdefinition:</a:t>
+                        <a:t>Implementierung:</a:t>
                       </a:r>
-                      <a:endParaRPr lang="de-DE" sz="1100" dirty="0">
+                      <a:endParaRPr lang="de-DE" sz="1800" dirty="0">
                         <a:solidFill>
                           <a:srgbClr val="000000"/>
                         </a:solidFill>
@@ -10050,12 +9951,12 @@
                         </a:spcAft>
                       </a:pPr>
                       <a:r>
-                        <a:rPr lang="de-DE" sz="1100">
+                        <a:rPr lang="de-DE" sz="1800" dirty="0">
                           <a:effectLst/>
                         </a:rPr>
-                        <a:t>4</a:t>
+                        <a:t>8</a:t>
                       </a:r>
-                      <a:endParaRPr lang="de-DE" sz="1100">
+                      <a:endParaRPr lang="de-DE" sz="1800" dirty="0">
                         <a:solidFill>
                           <a:srgbClr val="000000"/>
                         </a:solidFill>
@@ -10081,12 +9982,12 @@
                         </a:spcAft>
                       </a:pPr>
                       <a:r>
-                        <a:rPr lang="de-DE" sz="1100" dirty="0">
+                        <a:rPr lang="de-DE" sz="1800" dirty="0">
                           <a:effectLst/>
                         </a:rPr>
-                        <a:t>80 €</a:t>
+                        <a:t>160 €</a:t>
                       </a:r>
-                      <a:endParaRPr lang="de-DE" sz="1100" dirty="0">
+                      <a:endParaRPr lang="de-DE" sz="1800" dirty="0">
                         <a:solidFill>
                           <a:srgbClr val="000000"/>
                         </a:solidFill>
@@ -10112,12 +10013,12 @@
                         </a:spcAft>
                       </a:pPr>
                       <a:r>
-                        <a:rPr lang="de-DE" sz="1100">
+                        <a:rPr lang="de-DE" sz="1800" dirty="0">
                           <a:effectLst/>
                         </a:rPr>
-                        <a:t>4</a:t>
+                        <a:t>24</a:t>
                       </a:r>
-                      <a:endParaRPr lang="de-DE" sz="1100">
+                      <a:endParaRPr lang="de-DE" sz="1800" dirty="0">
                         <a:solidFill>
                           <a:srgbClr val="000000"/>
                         </a:solidFill>
@@ -10143,12 +10044,12 @@
                         </a:spcAft>
                       </a:pPr>
                       <a:r>
-                        <a:rPr lang="de-DE" sz="1100" dirty="0">
+                        <a:rPr lang="de-DE" sz="1800" dirty="0">
                           <a:effectLst/>
                         </a:rPr>
-                        <a:t>80 €</a:t>
+                        <a:t>480 €</a:t>
                       </a:r>
-                      <a:endParaRPr lang="de-DE" sz="1100" dirty="0">
+                      <a:endParaRPr lang="de-DE" sz="1800" dirty="0">
                         <a:solidFill>
                           <a:srgbClr val="000000"/>
                         </a:solidFill>
@@ -10162,11 +10063,11 @@
                 </a:tc>
                 <a:extLst>
                   <a:ext uri="{0D108BD9-81ED-4DB2-BD59-A6C34878D82A}">
-                    <a16:rowId xmlns:a16="http://schemas.microsoft.com/office/drawing/2014/main" val="10007"/>
+                    <a16:rowId xmlns:a16="http://schemas.microsoft.com/office/drawing/2014/main" xmlns="" val="10012"/>
                   </a:ext>
                 </a:extLst>
               </a:tr>
-              <a:tr h="198481">
+              <a:tr h="396963">
                 <a:tc>
                   <a:txBody>
                     <a:bodyPr/>
@@ -10181,12 +10082,12 @@
                         </a:spcAft>
                       </a:pPr>
                       <a:r>
-                        <a:rPr lang="de-DE" sz="1100" dirty="0">
+                        <a:rPr lang="de-DE" sz="1800">
                           <a:effectLst/>
                         </a:rPr>
-                        <a:t>&gt;Ergebnis: Pflichtenheft</a:t>
+                        <a:t>- Entwicklung Benutzeroberfläche</a:t>
                       </a:r>
-                      <a:endParaRPr lang="de-DE" sz="1100" dirty="0">
+                      <a:endParaRPr lang="de-DE" sz="1800">
                         <a:solidFill>
                           <a:srgbClr val="000000"/>
                         </a:solidFill>
@@ -10212,12 +10113,12 @@
                         </a:spcAft>
                       </a:pPr>
                       <a:r>
-                        <a:rPr lang="de-DE" sz="1100">
+                        <a:rPr lang="de-DE" sz="1800" dirty="0">
                           <a:effectLst/>
                         </a:rPr>
-                        <a:t>4</a:t>
+                        <a:t>3</a:t>
                       </a:r>
-                      <a:endParaRPr lang="de-DE" sz="1100">
+                      <a:endParaRPr lang="de-DE" sz="1800" dirty="0">
                         <a:solidFill>
                           <a:srgbClr val="000000"/>
                         </a:solidFill>
@@ -10243,12 +10144,12 @@
                         </a:spcAft>
                       </a:pPr>
                       <a:r>
-                        <a:rPr lang="de-DE" sz="1100">
+                        <a:rPr lang="de-DE" sz="1800" dirty="0">
                           <a:effectLst/>
                         </a:rPr>
-                        <a:t>80 €</a:t>
+                        <a:t>60 €</a:t>
                       </a:r>
-                      <a:endParaRPr lang="de-DE" sz="1100">
+                      <a:endParaRPr lang="de-DE" sz="1800" dirty="0">
                         <a:solidFill>
                           <a:srgbClr val="000000"/>
                         </a:solidFill>
@@ -10274,12 +10175,12 @@
                         </a:spcAft>
                       </a:pPr>
                       <a:r>
-                        <a:rPr lang="de-DE" sz="1100">
+                        <a:rPr lang="de-DE" sz="1800" dirty="0">
                           <a:effectLst/>
                         </a:rPr>
-                        <a:t>4</a:t>
+                        <a:t>3</a:t>
                       </a:r>
-                      <a:endParaRPr lang="de-DE" sz="1100">
+                      <a:endParaRPr lang="de-DE" sz="1800" dirty="0">
                         <a:solidFill>
                           <a:srgbClr val="000000"/>
                         </a:solidFill>
@@ -10305,12 +10206,12 @@
                         </a:spcAft>
                       </a:pPr>
                       <a:r>
-                        <a:rPr lang="de-DE" sz="1100">
+                        <a:rPr lang="de-DE" sz="1800" dirty="0">
                           <a:effectLst/>
                         </a:rPr>
-                        <a:t>80 €</a:t>
+                        <a:t>60 €</a:t>
                       </a:r>
-                      <a:endParaRPr lang="de-DE" sz="1100">
+                      <a:endParaRPr lang="de-DE" sz="1800" dirty="0">
                         <a:solidFill>
                           <a:srgbClr val="000000"/>
                         </a:solidFill>
@@ -10324,7 +10225,7 @@
                 </a:tc>
                 <a:extLst>
                   <a:ext uri="{0D108BD9-81ED-4DB2-BD59-A6C34878D82A}">
-                    <a16:rowId xmlns:a16="http://schemas.microsoft.com/office/drawing/2014/main" val="10008"/>
+                    <a16:rowId xmlns:a16="http://schemas.microsoft.com/office/drawing/2014/main" xmlns="" val="10013"/>
                   </a:ext>
                 </a:extLst>
               </a:tr>
@@ -10343,12 +10244,12 @@
                         </a:spcAft>
                       </a:pPr>
                       <a:r>
-                        <a:rPr lang="de-DE" sz="1100" dirty="0">
+                        <a:rPr lang="de-DE" sz="1800">
                           <a:effectLst/>
                         </a:rPr>
-                        <a:t>Analyse und Entwurf:</a:t>
+                        <a:t>- Funktionalität Aufbau</a:t>
                       </a:r>
-                      <a:endParaRPr lang="de-DE" sz="1100" dirty="0">
+                      <a:endParaRPr lang="de-DE" sz="1800">
                         <a:solidFill>
                           <a:srgbClr val="000000"/>
                         </a:solidFill>
@@ -10374,12 +10275,12 @@
                         </a:spcAft>
                       </a:pPr>
                       <a:r>
-                        <a:rPr lang="de-DE" sz="1100">
+                        <a:rPr lang="de-DE" sz="1800" dirty="0">
                           <a:effectLst/>
                         </a:rPr>
-                        <a:t>4</a:t>
+                        <a:t>5</a:t>
                       </a:r>
-                      <a:endParaRPr lang="de-DE" sz="1100">
+                      <a:endParaRPr lang="de-DE" sz="1800" dirty="0">
                         <a:solidFill>
                           <a:srgbClr val="000000"/>
                         </a:solidFill>
@@ -10405,12 +10306,12 @@
                         </a:spcAft>
                       </a:pPr>
                       <a:r>
-                        <a:rPr lang="de-DE" sz="1100" dirty="0">
+                        <a:rPr lang="de-DE" sz="1800" dirty="0">
                           <a:effectLst/>
                         </a:rPr>
-                        <a:t>80 €</a:t>
+                        <a:t>100 €</a:t>
                       </a:r>
-                      <a:endParaRPr lang="de-DE" sz="1100" dirty="0">
+                      <a:endParaRPr lang="de-DE" sz="1800" dirty="0">
                         <a:solidFill>
                           <a:srgbClr val="000000"/>
                         </a:solidFill>
@@ -10436,12 +10337,12 @@
                         </a:spcAft>
                       </a:pPr>
                       <a:r>
-                        <a:rPr lang="de-DE" sz="1100">
+                        <a:rPr lang="de-DE" sz="1800" dirty="0">
                           <a:effectLst/>
                         </a:rPr>
-                        <a:t>4</a:t>
+                        <a:t>21</a:t>
                       </a:r>
-                      <a:endParaRPr lang="de-DE" sz="1100">
+                      <a:endParaRPr lang="de-DE" sz="1800" dirty="0">
                         <a:solidFill>
                           <a:srgbClr val="000000"/>
                         </a:solidFill>
@@ -10467,12 +10368,12 @@
                         </a:spcAft>
                       </a:pPr>
                       <a:r>
-                        <a:rPr lang="de-DE" sz="1100" dirty="0">
+                        <a:rPr lang="de-DE" sz="1800" dirty="0">
                           <a:effectLst/>
                         </a:rPr>
-                        <a:t>80 €</a:t>
+                        <a:t>420 €</a:t>
                       </a:r>
-                      <a:endParaRPr lang="de-DE" sz="1100" dirty="0">
+                      <a:endParaRPr lang="de-DE" sz="1800" dirty="0">
                         <a:solidFill>
                           <a:srgbClr val="000000"/>
                         </a:solidFill>
@@ -10486,7 +10387,7 @@
                 </a:tc>
                 <a:extLst>
                   <a:ext uri="{0D108BD9-81ED-4DB2-BD59-A6C34878D82A}">
-                    <a16:rowId xmlns:a16="http://schemas.microsoft.com/office/drawing/2014/main" val="10009"/>
+                    <a16:rowId xmlns:a16="http://schemas.microsoft.com/office/drawing/2014/main" xmlns="" val="10014"/>
                   </a:ext>
                 </a:extLst>
               </a:tr>
@@ -10505,12 +10406,12 @@
                         </a:spcAft>
                       </a:pPr>
                       <a:r>
-                        <a:rPr lang="de-DE" sz="1100" dirty="0">
+                        <a:rPr lang="de-DE" sz="1800">
                           <a:effectLst/>
                         </a:rPr>
-                        <a:t>- Analyse</a:t>
+                        <a:t>Test:</a:t>
                       </a:r>
-                      <a:endParaRPr lang="de-DE" sz="1100" dirty="0">
+                      <a:endParaRPr lang="de-DE" sz="1800">
                         <a:solidFill>
                           <a:srgbClr val="000000"/>
                         </a:solidFill>
@@ -10536,12 +10437,12 @@
                         </a:spcAft>
                       </a:pPr>
                       <a:r>
-                        <a:rPr lang="de-DE" sz="1100" dirty="0">
+                        <a:rPr lang="de-DE" sz="1800" dirty="0">
                           <a:effectLst/>
                         </a:rPr>
-                        <a:t>2</a:t>
+                        <a:t>1</a:t>
                       </a:r>
-                      <a:endParaRPr lang="de-DE" sz="1100" dirty="0">
+                      <a:endParaRPr lang="de-DE" sz="1800" dirty="0">
                         <a:solidFill>
                           <a:srgbClr val="000000"/>
                         </a:solidFill>
@@ -10567,12 +10468,15 @@
                         </a:spcAft>
                       </a:pPr>
                       <a:r>
-                        <a:rPr lang="de-DE" sz="1100" dirty="0">
+                        <a:rPr lang="de-DE" sz="1800" dirty="0">
                           <a:effectLst/>
+                          <a:highlight>
+                            <a:srgbClr val="FFFFFF"/>
+                          </a:highlight>
                         </a:rPr>
-                        <a:t>40 €</a:t>
+                        <a:t>-</a:t>
                       </a:r>
-                      <a:endParaRPr lang="de-DE" sz="1100" dirty="0">
+                      <a:endParaRPr lang="de-DE" sz="1800" dirty="0">
                         <a:solidFill>
                           <a:srgbClr val="000000"/>
                         </a:solidFill>
@@ -10598,12 +10502,12 @@
                         </a:spcAft>
                       </a:pPr>
                       <a:r>
-                        <a:rPr lang="de-DE" sz="1100" dirty="0">
+                        <a:rPr lang="de-DE" sz="1800" dirty="0">
                           <a:effectLst/>
                         </a:rPr>
-                        <a:t>2</a:t>
+                        <a:t>1</a:t>
                       </a:r>
-                      <a:endParaRPr lang="de-DE" sz="1100" dirty="0">
+                      <a:endParaRPr lang="de-DE" sz="1800" dirty="0">
                         <a:solidFill>
                           <a:srgbClr val="000000"/>
                         </a:solidFill>
@@ -10629,12 +10533,15 @@
                         </a:spcAft>
                       </a:pPr>
                       <a:r>
-                        <a:rPr lang="de-DE" sz="1100" dirty="0">
+                        <a:rPr lang="de-DE" sz="1800" dirty="0">
                           <a:effectLst/>
+                          <a:highlight>
+                            <a:srgbClr val="FFFFFF"/>
+                          </a:highlight>
                         </a:rPr>
-                        <a:t>40 €</a:t>
+                        <a:t>-</a:t>
                       </a:r>
-                      <a:endParaRPr lang="de-DE" sz="1100" dirty="0">
+                      <a:endParaRPr lang="de-DE" sz="1800" dirty="0">
                         <a:solidFill>
                           <a:srgbClr val="000000"/>
                         </a:solidFill>
@@ -10648,7 +10555,7 @@
                 </a:tc>
                 <a:extLst>
                   <a:ext uri="{0D108BD9-81ED-4DB2-BD59-A6C34878D82A}">
-                    <a16:rowId xmlns:a16="http://schemas.microsoft.com/office/drawing/2014/main" val="10010"/>
+                    <a16:rowId xmlns:a16="http://schemas.microsoft.com/office/drawing/2014/main" xmlns="" val="10015"/>
                   </a:ext>
                 </a:extLst>
               </a:tr>
@@ -10667,12 +10574,12 @@
                         </a:spcAft>
                       </a:pPr>
                       <a:r>
-                        <a:rPr lang="de-DE" sz="1100">
+                        <a:rPr lang="de-DE" sz="1800" dirty="0">
                           <a:effectLst/>
                         </a:rPr>
-                        <a:t>- Entwurf</a:t>
+                        <a:t>Dokumentation: </a:t>
                       </a:r>
-                      <a:endParaRPr lang="de-DE" sz="1100">
+                      <a:endParaRPr lang="de-DE" sz="1800" dirty="0">
                         <a:solidFill>
                           <a:srgbClr val="000000"/>
                         </a:solidFill>
@@ -10698,12 +10605,12 @@
                         </a:spcAft>
                       </a:pPr>
                       <a:r>
-                        <a:rPr lang="de-DE" sz="1100">
+                        <a:rPr lang="de-DE" sz="1800" dirty="0">
                           <a:effectLst/>
                         </a:rPr>
-                        <a:t>2</a:t>
+                        <a:t>4</a:t>
                       </a:r>
-                      <a:endParaRPr lang="de-DE" sz="1100">
+                      <a:endParaRPr lang="de-DE" sz="1800" dirty="0">
                         <a:solidFill>
                           <a:srgbClr val="000000"/>
                         </a:solidFill>
@@ -10729,12 +10636,12 @@
                         </a:spcAft>
                       </a:pPr>
                       <a:r>
-                        <a:rPr lang="de-DE" sz="1100">
+                        <a:rPr lang="de-DE" sz="1800" dirty="0">
                           <a:effectLst/>
                         </a:rPr>
-                        <a:t>40 €</a:t>
+                        <a:t>80 €</a:t>
                       </a:r>
-                      <a:endParaRPr lang="de-DE" sz="1100">
+                      <a:endParaRPr lang="de-DE" sz="1800" dirty="0">
                         <a:solidFill>
                           <a:srgbClr val="000000"/>
                         </a:solidFill>
@@ -10760,12 +10667,12 @@
                         </a:spcAft>
                       </a:pPr>
                       <a:r>
-                        <a:rPr lang="de-DE" sz="1100" dirty="0">
+                        <a:rPr lang="de-DE" sz="1800" dirty="0">
                           <a:effectLst/>
                         </a:rPr>
-                        <a:t>2</a:t>
+                        <a:t>11</a:t>
                       </a:r>
-                      <a:endParaRPr lang="de-DE" sz="1100" dirty="0">
+                      <a:endParaRPr lang="de-DE" sz="1800" dirty="0">
                         <a:solidFill>
                           <a:srgbClr val="000000"/>
                         </a:solidFill>
@@ -10791,12 +10698,12 @@
                         </a:spcAft>
                       </a:pPr>
                       <a:r>
-                        <a:rPr lang="de-DE" sz="1100" dirty="0">
+                        <a:rPr lang="de-DE" sz="1800" dirty="0">
                           <a:effectLst/>
                         </a:rPr>
-                        <a:t>40 €</a:t>
+                        <a:t>220 €</a:t>
                       </a:r>
-                      <a:endParaRPr lang="de-DE" sz="1100" dirty="0">
+                      <a:endParaRPr lang="de-DE" sz="1800" dirty="0">
                         <a:solidFill>
                           <a:srgbClr val="000000"/>
                         </a:solidFill>
@@ -10810,11 +10717,11 @@
                 </a:tc>
                 <a:extLst>
                   <a:ext uri="{0D108BD9-81ED-4DB2-BD59-A6C34878D82A}">
-                    <a16:rowId xmlns:a16="http://schemas.microsoft.com/office/drawing/2014/main" val="10011"/>
+                    <a16:rowId xmlns:a16="http://schemas.microsoft.com/office/drawing/2014/main" xmlns="" val="10017"/>
                   </a:ext>
                 </a:extLst>
               </a:tr>
-              <a:tr h="215741">
+              <a:tr h="198481">
                 <a:tc>
                   <a:txBody>
                     <a:bodyPr/>
@@ -10829,12 +10736,12 @@
                         </a:spcAft>
                       </a:pPr>
                       <a:r>
-                        <a:rPr lang="de-DE" sz="1100">
+                        <a:rPr lang="de-DE" sz="1800">
                           <a:effectLst/>
                         </a:rPr>
-                        <a:t>Implementierung:</a:t>
+                        <a:t>&gt;Ergebnis: Dokumentationen</a:t>
                       </a:r>
-                      <a:endParaRPr lang="de-DE" sz="1100">
+                      <a:endParaRPr lang="de-DE" sz="1800">
                         <a:solidFill>
                           <a:srgbClr val="000000"/>
                         </a:solidFill>
@@ -10860,12 +10767,12 @@
                         </a:spcAft>
                       </a:pPr>
                       <a:r>
-                        <a:rPr lang="de-DE" sz="1100" dirty="0">
+                        <a:rPr lang="de-DE" sz="1800">
                           <a:effectLst/>
                         </a:rPr>
-                        <a:t>8</a:t>
+                        <a:t>4</a:t>
                       </a:r>
-                      <a:endParaRPr lang="de-DE" sz="1100" dirty="0">
+                      <a:endParaRPr lang="de-DE" sz="1800">
                         <a:solidFill>
                           <a:srgbClr val="000000"/>
                         </a:solidFill>
@@ -10891,12 +10798,12 @@
                         </a:spcAft>
                       </a:pPr>
                       <a:r>
-                        <a:rPr lang="de-DE" sz="1100">
+                        <a:rPr lang="de-DE" sz="1800" dirty="0">
                           <a:effectLst/>
                         </a:rPr>
-                        <a:t>160 €</a:t>
+                        <a:t>80 €</a:t>
                       </a:r>
-                      <a:endParaRPr lang="de-DE" sz="1100">
+                      <a:endParaRPr lang="de-DE" sz="1800" dirty="0">
                         <a:solidFill>
                           <a:srgbClr val="000000"/>
                         </a:solidFill>
@@ -10922,12 +10829,12 @@
                         </a:spcAft>
                       </a:pPr>
                       <a:r>
-                        <a:rPr lang="de-DE" sz="1100" dirty="0">
+                        <a:rPr lang="de-DE" sz="1800" dirty="0">
                           <a:effectLst/>
                         </a:rPr>
-                        <a:t>24</a:t>
+                        <a:t>11</a:t>
                       </a:r>
-                      <a:endParaRPr lang="de-DE" sz="1100" dirty="0">
+                      <a:endParaRPr lang="de-DE" sz="1800" dirty="0">
                         <a:solidFill>
                           <a:srgbClr val="000000"/>
                         </a:solidFill>
@@ -10953,12 +10860,12 @@
                         </a:spcAft>
                       </a:pPr>
                       <a:r>
-                        <a:rPr lang="de-DE" sz="1100" dirty="0">
+                        <a:rPr lang="de-DE" sz="1800" dirty="0">
                           <a:effectLst/>
                         </a:rPr>
-                        <a:t>480 €</a:t>
+                        <a:t>220 €</a:t>
                       </a:r>
-                      <a:endParaRPr lang="de-DE" sz="1100" dirty="0">
+                      <a:endParaRPr lang="de-DE" sz="1800" dirty="0">
                         <a:solidFill>
                           <a:srgbClr val="000000"/>
                         </a:solidFill>
@@ -10972,11 +10879,11 @@
                 </a:tc>
                 <a:extLst>
                   <a:ext uri="{0D108BD9-81ED-4DB2-BD59-A6C34878D82A}">
-                    <a16:rowId xmlns:a16="http://schemas.microsoft.com/office/drawing/2014/main" val="10012"/>
+                    <a16:rowId xmlns:a16="http://schemas.microsoft.com/office/drawing/2014/main" xmlns="" val="10018"/>
                   </a:ext>
                 </a:extLst>
               </a:tr>
-              <a:tr h="396963">
+              <a:tr h="198481">
                 <a:tc>
                   <a:txBody>
                     <a:bodyPr/>
@@ -10991,12 +10898,12 @@
                         </a:spcAft>
                       </a:pPr>
                       <a:r>
-                        <a:rPr lang="de-DE" sz="1100">
+                        <a:rPr lang="de-DE" sz="1800">
                           <a:effectLst/>
                         </a:rPr>
-                        <a:t>- Entwicklung Benutzeroberfläche</a:t>
+                        <a:t>Öffentlichkeitsarbeit:</a:t>
                       </a:r>
-                      <a:endParaRPr lang="de-DE" sz="1100">
+                      <a:endParaRPr lang="de-DE" sz="1800">
                         <a:solidFill>
                           <a:srgbClr val="000000"/>
                         </a:solidFill>
@@ -11022,12 +10929,12 @@
                         </a:spcAft>
                       </a:pPr>
                       <a:r>
-                        <a:rPr lang="de-DE" sz="1100" dirty="0">
+                        <a:rPr lang="de-DE" sz="1800">
                           <a:effectLst/>
                         </a:rPr>
-                        <a:t>3</a:t>
+                        <a:t>6</a:t>
                       </a:r>
-                      <a:endParaRPr lang="de-DE" sz="1100" dirty="0">
+                      <a:endParaRPr lang="de-DE" sz="1800">
                         <a:solidFill>
                           <a:srgbClr val="000000"/>
                         </a:solidFill>
@@ -11053,12 +10960,12 @@
                         </a:spcAft>
                       </a:pPr>
                       <a:r>
-                        <a:rPr lang="de-DE" sz="1100">
+                        <a:rPr lang="de-DE" sz="1800">
                           <a:effectLst/>
                         </a:rPr>
-                        <a:t>60 €</a:t>
+                        <a:t>-</a:t>
                       </a:r>
-                      <a:endParaRPr lang="de-DE" sz="1100">
+                      <a:endParaRPr lang="de-DE" sz="1800">
                         <a:solidFill>
                           <a:srgbClr val="000000"/>
                         </a:solidFill>
@@ -11084,12 +10991,12 @@
                         </a:spcAft>
                       </a:pPr>
                       <a:r>
-                        <a:rPr lang="de-DE" sz="1100" dirty="0">
+                        <a:rPr lang="de-DE" sz="1800" dirty="0">
                           <a:effectLst/>
                         </a:rPr>
-                        <a:t>3</a:t>
+                        <a:t>6</a:t>
                       </a:r>
-                      <a:endParaRPr lang="de-DE" sz="1100" dirty="0">
+                      <a:endParaRPr lang="de-DE" sz="1800" dirty="0">
                         <a:solidFill>
                           <a:srgbClr val="000000"/>
                         </a:solidFill>
@@ -11115,12 +11022,12 @@
                         </a:spcAft>
                       </a:pPr>
                       <a:r>
-                        <a:rPr lang="de-DE" sz="1100" dirty="0">
+                        <a:rPr lang="de-DE" sz="1800" dirty="0">
                           <a:effectLst/>
                         </a:rPr>
-                        <a:t>60 €</a:t>
+                        <a:t>-</a:t>
                       </a:r>
-                      <a:endParaRPr lang="de-DE" sz="1100" dirty="0">
+                      <a:endParaRPr lang="de-DE" sz="1800" dirty="0">
                         <a:solidFill>
                           <a:srgbClr val="000000"/>
                         </a:solidFill>
@@ -11134,7 +11041,7 @@
                 </a:tc>
                 <a:extLst>
                   <a:ext uri="{0D108BD9-81ED-4DB2-BD59-A6C34878D82A}">
-                    <a16:rowId xmlns:a16="http://schemas.microsoft.com/office/drawing/2014/main" val="10013"/>
+                    <a16:rowId xmlns:a16="http://schemas.microsoft.com/office/drawing/2014/main" xmlns="" val="10019"/>
                   </a:ext>
                 </a:extLst>
               </a:tr>
@@ -11153,12 +11060,12 @@
                         </a:spcAft>
                       </a:pPr>
                       <a:r>
-                        <a:rPr lang="de-DE" sz="1100">
+                        <a:rPr lang="de-DE" sz="1800">
                           <a:effectLst/>
                         </a:rPr>
-                        <a:t>- Funktionalität Aufbau</a:t>
+                        <a:t>- Rufbereitschaft</a:t>
                       </a:r>
-                      <a:endParaRPr lang="de-DE" sz="1100">
+                      <a:endParaRPr lang="de-DE" sz="1800">
                         <a:solidFill>
                           <a:srgbClr val="000000"/>
                         </a:solidFill>
@@ -11184,12 +11091,12 @@
                         </a:spcAft>
                       </a:pPr>
                       <a:r>
-                        <a:rPr lang="de-DE" sz="1100" dirty="0">
+                        <a:rPr lang="de-DE" sz="1800">
                           <a:effectLst/>
                         </a:rPr>
-                        <a:t>5</a:t>
+                        <a:t>-</a:t>
                       </a:r>
-                      <a:endParaRPr lang="de-DE" sz="1100" dirty="0">
+                      <a:endParaRPr lang="de-DE" sz="1800">
                         <a:solidFill>
                           <a:srgbClr val="000000"/>
                         </a:solidFill>
@@ -11215,12 +11122,12 @@
                         </a:spcAft>
                       </a:pPr>
                       <a:r>
-                        <a:rPr lang="de-DE" sz="1100">
+                        <a:rPr lang="de-DE" sz="1800">
                           <a:effectLst/>
                         </a:rPr>
-                        <a:t>100 €</a:t>
+                        <a:t>-</a:t>
                       </a:r>
-                      <a:endParaRPr lang="de-DE" sz="1100">
+                      <a:endParaRPr lang="de-DE" sz="1800">
                         <a:solidFill>
                           <a:srgbClr val="000000"/>
                         </a:solidFill>
@@ -11246,12 +11153,12 @@
                         </a:spcAft>
                       </a:pPr>
                       <a:r>
-                        <a:rPr lang="de-DE" sz="1100">
+                        <a:rPr lang="de-DE" sz="1800" dirty="0">
                           <a:effectLst/>
                         </a:rPr>
-                        <a:t>21</a:t>
+                        <a:t>-</a:t>
                       </a:r>
-                      <a:endParaRPr lang="de-DE" sz="1100">
+                      <a:endParaRPr lang="de-DE" sz="1800" dirty="0">
                         <a:solidFill>
                           <a:srgbClr val="000000"/>
                         </a:solidFill>
@@ -11277,12 +11184,12 @@
                         </a:spcAft>
                       </a:pPr>
                       <a:r>
-                        <a:rPr lang="de-DE" sz="1100" dirty="0">
+                        <a:rPr lang="de-DE" sz="1800" dirty="0">
                           <a:effectLst/>
                         </a:rPr>
-                        <a:t>420 €</a:t>
+                        <a:t>-</a:t>
                       </a:r>
-                      <a:endParaRPr lang="de-DE" sz="1100" dirty="0">
+                      <a:endParaRPr lang="de-DE" sz="1800" dirty="0">
                         <a:solidFill>
                           <a:srgbClr val="000000"/>
                         </a:solidFill>
@@ -11296,7 +11203,7 @@
                 </a:tc>
                 <a:extLst>
                   <a:ext uri="{0D108BD9-81ED-4DB2-BD59-A6C34878D82A}">
-                    <a16:rowId xmlns:a16="http://schemas.microsoft.com/office/drawing/2014/main" val="10014"/>
+                    <a16:rowId xmlns:a16="http://schemas.microsoft.com/office/drawing/2014/main" xmlns="" val="10020"/>
                   </a:ext>
                 </a:extLst>
               </a:tr>
@@ -11315,12 +11222,12 @@
                         </a:spcAft>
                       </a:pPr>
                       <a:r>
-                        <a:rPr lang="de-DE" sz="1100">
+                        <a:rPr lang="de-DE" sz="1800">
                           <a:effectLst/>
                         </a:rPr>
-                        <a:t>Test:</a:t>
+                        <a:t>- Projektbegleitung</a:t>
                       </a:r>
-                      <a:endParaRPr lang="de-DE" sz="1100">
+                      <a:endParaRPr lang="de-DE" sz="1800">
                         <a:solidFill>
                           <a:srgbClr val="000000"/>
                         </a:solidFill>
@@ -11346,12 +11253,12 @@
                         </a:spcAft>
                       </a:pPr>
                       <a:r>
-                        <a:rPr lang="de-DE" sz="1100" dirty="0">
+                        <a:rPr lang="de-DE" sz="1800">
                           <a:effectLst/>
                         </a:rPr>
-                        <a:t>1</a:t>
+                        <a:t>6</a:t>
                       </a:r>
-                      <a:endParaRPr lang="de-DE" sz="1100" dirty="0">
+                      <a:endParaRPr lang="de-DE" sz="1800">
                         <a:solidFill>
                           <a:srgbClr val="000000"/>
                         </a:solidFill>
@@ -11377,15 +11284,12 @@
                         </a:spcAft>
                       </a:pPr>
                       <a:r>
-                        <a:rPr lang="de-DE" sz="1100" dirty="0">
+                        <a:rPr lang="de-DE" sz="1800">
                           <a:effectLst/>
-                          <a:highlight>
-                            <a:srgbClr val="FFFFFF"/>
-                          </a:highlight>
                         </a:rPr>
                         <a:t>-</a:t>
                       </a:r>
-                      <a:endParaRPr lang="de-DE" sz="1100" dirty="0">
+                      <a:endParaRPr lang="de-DE" sz="1800">
                         <a:solidFill>
                           <a:srgbClr val="000000"/>
                         </a:solidFill>
@@ -11411,12 +11315,12 @@
                         </a:spcAft>
                       </a:pPr>
                       <a:r>
-                        <a:rPr lang="de-DE" sz="1100">
+                        <a:rPr lang="de-DE" sz="1800" dirty="0">
                           <a:effectLst/>
                         </a:rPr>
-                        <a:t>1</a:t>
+                        <a:t>6</a:t>
                       </a:r>
-                      <a:endParaRPr lang="de-DE" sz="1100">
+                      <a:endParaRPr lang="de-DE" sz="1800" dirty="0">
                         <a:solidFill>
                           <a:srgbClr val="000000"/>
                         </a:solidFill>
@@ -11442,15 +11346,12 @@
                         </a:spcAft>
                       </a:pPr>
                       <a:r>
-                        <a:rPr lang="de-DE" sz="1100" dirty="0">
+                        <a:rPr lang="de-DE" sz="1800" dirty="0">
                           <a:effectLst/>
-                          <a:highlight>
-                            <a:srgbClr val="FFFFFF"/>
-                          </a:highlight>
                         </a:rPr>
                         <a:t>-</a:t>
                       </a:r>
-                      <a:endParaRPr lang="de-DE" sz="1100" dirty="0">
+                      <a:endParaRPr lang="de-DE" sz="1800" dirty="0">
                         <a:solidFill>
                           <a:srgbClr val="000000"/>
                         </a:solidFill>
@@ -11464,7 +11365,7 @@
                 </a:tc>
                 <a:extLst>
                   <a:ext uri="{0D108BD9-81ED-4DB2-BD59-A6C34878D82A}">
-                    <a16:rowId xmlns:a16="http://schemas.microsoft.com/office/drawing/2014/main" val="10015"/>
+                    <a16:rowId xmlns:a16="http://schemas.microsoft.com/office/drawing/2014/main" xmlns="" val="10021"/>
                   </a:ext>
                 </a:extLst>
               </a:tr>
@@ -11483,12 +11384,12 @@
                         </a:spcAft>
                       </a:pPr>
                       <a:r>
-                        <a:rPr lang="de-DE" sz="1100">
+                        <a:rPr lang="de-DE" sz="1800">
                           <a:effectLst/>
                         </a:rPr>
-                        <a:t>- Test fertiges Produkt</a:t>
+                        <a:t>Gesamt</a:t>
                       </a:r>
-                      <a:endParaRPr lang="de-DE" sz="1100">
+                      <a:endParaRPr lang="de-DE" sz="1800">
                         <a:solidFill>
                           <a:srgbClr val="000000"/>
                         </a:solidFill>
@@ -11514,12 +11415,12 @@
                         </a:spcAft>
                       </a:pPr>
                       <a:r>
-                        <a:rPr lang="de-DE" sz="1100">
+                        <a:rPr lang="de-DE" sz="1800">
                           <a:effectLst/>
                         </a:rPr>
-                        <a:t>1</a:t>
+                        <a:t>33</a:t>
                       </a:r>
-                      <a:endParaRPr lang="de-DE" sz="1100">
+                      <a:endParaRPr lang="de-DE" sz="1800">
                         <a:solidFill>
                           <a:srgbClr val="000000"/>
                         </a:solidFill>
@@ -11545,12 +11446,12 @@
                         </a:spcAft>
                       </a:pPr>
                       <a:r>
-                        <a:rPr lang="de-DE" sz="1100" dirty="0">
+                        <a:rPr lang="de-DE" sz="1800" u="dbl">
                           <a:effectLst/>
                         </a:rPr>
-                        <a:t>-</a:t>
+                        <a:t>400 €</a:t>
                       </a:r>
-                      <a:endParaRPr lang="de-DE" sz="1100" dirty="0">
+                      <a:endParaRPr lang="de-DE" sz="1800">
                         <a:solidFill>
                           <a:srgbClr val="000000"/>
                         </a:solidFill>
@@ -11576,12 +11477,12 @@
                         </a:spcAft>
                       </a:pPr>
                       <a:r>
-                        <a:rPr lang="de-DE" sz="1100">
+                        <a:rPr lang="de-DE" sz="1800" dirty="0">
                           <a:effectLst/>
                         </a:rPr>
-                        <a:t>1</a:t>
+                        <a:t>55</a:t>
                       </a:r>
-                      <a:endParaRPr lang="de-DE" sz="1100">
+                      <a:endParaRPr lang="de-DE" sz="1800" dirty="0">
                         <a:solidFill>
                           <a:srgbClr val="000000"/>
                         </a:solidFill>
@@ -11607,12 +11508,12 @@
                         </a:spcAft>
                       </a:pPr>
                       <a:r>
-                        <a:rPr lang="de-DE" sz="1100" dirty="0">
+                        <a:rPr lang="de-DE" sz="1800" u="dbl" dirty="0">
                           <a:effectLst/>
                         </a:rPr>
-                        <a:t>-</a:t>
+                        <a:t>860 €</a:t>
                       </a:r>
-                      <a:endParaRPr lang="de-DE" sz="1100" dirty="0">
+                      <a:endParaRPr lang="de-DE" sz="1800" dirty="0">
                         <a:solidFill>
                           <a:srgbClr val="000000"/>
                         </a:solidFill>
@@ -11626,979 +11527,7 @@
                 </a:tc>
                 <a:extLst>
                   <a:ext uri="{0D108BD9-81ED-4DB2-BD59-A6C34878D82A}">
-                    <a16:rowId xmlns:a16="http://schemas.microsoft.com/office/drawing/2014/main" val="10016"/>
-                  </a:ext>
-                </a:extLst>
-              </a:tr>
-              <a:tr h="198481">
-                <a:tc>
-                  <a:txBody>
-                    <a:bodyPr/>
-                    <a:lstStyle/>
-                    <a:p>
-                      <a:pPr>
-                        <a:lnSpc>
-                          <a:spcPct val="115000"/>
-                        </a:lnSpc>
-                        <a:spcAft>
-                          <a:spcPts val="0"/>
-                        </a:spcAft>
-                      </a:pPr>
-                      <a:r>
-                        <a:rPr lang="de-DE" sz="1100">
-                          <a:effectLst/>
-                        </a:rPr>
-                        <a:t>Dokumentation: </a:t>
-                      </a:r>
-                      <a:endParaRPr lang="de-DE" sz="1100">
-                        <a:solidFill>
-                          <a:srgbClr val="000000"/>
-                        </a:solidFill>
-                        <a:effectLst/>
-                        <a:latin typeface="Arial" panose="020B0604020202020204" pitchFamily="34" charset="0"/>
-                        <a:ea typeface="Arial" panose="020B0604020202020204" pitchFamily="34" charset="0"/>
-                      </a:endParaRPr>
-                    </a:p>
-                  </a:txBody>
-                  <a:tcPr marL="45764" marR="45764" marT="0" marB="0" anchor="ctr"/>
-                </a:tc>
-                <a:tc>
-                  <a:txBody>
-                    <a:bodyPr/>
-                    <a:lstStyle/>
-                    <a:p>
-                      <a:pPr algn="ctr">
-                        <a:lnSpc>
-                          <a:spcPct val="115000"/>
-                        </a:lnSpc>
-                        <a:spcAft>
-                          <a:spcPts val="0"/>
-                        </a:spcAft>
-                      </a:pPr>
-                      <a:r>
-                        <a:rPr lang="de-DE" sz="1100">
-                          <a:effectLst/>
-                        </a:rPr>
-                        <a:t>4</a:t>
-                      </a:r>
-                      <a:endParaRPr lang="de-DE" sz="1100">
-                        <a:solidFill>
-                          <a:srgbClr val="000000"/>
-                        </a:solidFill>
-                        <a:effectLst/>
-                        <a:latin typeface="Arial" panose="020B0604020202020204" pitchFamily="34" charset="0"/>
-                        <a:ea typeface="Arial" panose="020B0604020202020204" pitchFamily="34" charset="0"/>
-                      </a:endParaRPr>
-                    </a:p>
-                  </a:txBody>
-                  <a:tcPr marL="45764" marR="45764" marT="0" marB="0" anchor="ctr"/>
-                </a:tc>
-                <a:tc>
-                  <a:txBody>
-                    <a:bodyPr/>
-                    <a:lstStyle/>
-                    <a:p>
-                      <a:pPr algn="r">
-                        <a:lnSpc>
-                          <a:spcPct val="115000"/>
-                        </a:lnSpc>
-                        <a:spcAft>
-                          <a:spcPts val="0"/>
-                        </a:spcAft>
-                      </a:pPr>
-                      <a:r>
-                        <a:rPr lang="de-DE" sz="1100" dirty="0">
-                          <a:effectLst/>
-                        </a:rPr>
-                        <a:t>80 €</a:t>
-                      </a:r>
-                      <a:endParaRPr lang="de-DE" sz="1100" dirty="0">
-                        <a:solidFill>
-                          <a:srgbClr val="000000"/>
-                        </a:solidFill>
-                        <a:effectLst/>
-                        <a:latin typeface="Arial" panose="020B0604020202020204" pitchFamily="34" charset="0"/>
-                        <a:ea typeface="Arial" panose="020B0604020202020204" pitchFamily="34" charset="0"/>
-                      </a:endParaRPr>
-                    </a:p>
-                  </a:txBody>
-                  <a:tcPr marL="45764" marR="45764" marT="0" marB="0" anchor="ctr"/>
-                </a:tc>
-                <a:tc>
-                  <a:txBody>
-                    <a:bodyPr/>
-                    <a:lstStyle/>
-                    <a:p>
-                      <a:pPr algn="ctr">
-                        <a:lnSpc>
-                          <a:spcPct val="115000"/>
-                        </a:lnSpc>
-                        <a:spcAft>
-                          <a:spcPts val="0"/>
-                        </a:spcAft>
-                      </a:pPr>
-                      <a:r>
-                        <a:rPr lang="de-DE" sz="1100">
-                          <a:effectLst/>
-                        </a:rPr>
-                        <a:t>11</a:t>
-                      </a:r>
-                      <a:endParaRPr lang="de-DE" sz="1100">
-                        <a:solidFill>
-                          <a:srgbClr val="000000"/>
-                        </a:solidFill>
-                        <a:effectLst/>
-                        <a:latin typeface="Arial" panose="020B0604020202020204" pitchFamily="34" charset="0"/>
-                        <a:ea typeface="Arial" panose="020B0604020202020204" pitchFamily="34" charset="0"/>
-                      </a:endParaRPr>
-                    </a:p>
-                  </a:txBody>
-                  <a:tcPr marL="45764" marR="45764" marT="0" marB="0" anchor="ctr"/>
-                </a:tc>
-                <a:tc>
-                  <a:txBody>
-                    <a:bodyPr/>
-                    <a:lstStyle/>
-                    <a:p>
-                      <a:pPr algn="r">
-                        <a:lnSpc>
-                          <a:spcPct val="115000"/>
-                        </a:lnSpc>
-                        <a:spcAft>
-                          <a:spcPts val="0"/>
-                        </a:spcAft>
-                      </a:pPr>
-                      <a:r>
-                        <a:rPr lang="de-DE" sz="1100" dirty="0">
-                          <a:effectLst/>
-                        </a:rPr>
-                        <a:t>220 €</a:t>
-                      </a:r>
-                      <a:endParaRPr lang="de-DE" sz="1100" dirty="0">
-                        <a:solidFill>
-                          <a:srgbClr val="000000"/>
-                        </a:solidFill>
-                        <a:effectLst/>
-                        <a:latin typeface="Arial" panose="020B0604020202020204" pitchFamily="34" charset="0"/>
-                        <a:ea typeface="Arial" panose="020B0604020202020204" pitchFamily="34" charset="0"/>
-                      </a:endParaRPr>
-                    </a:p>
-                  </a:txBody>
-                  <a:tcPr marL="45764" marR="45764" marT="0" marB="0" anchor="ctr"/>
-                </a:tc>
-                <a:extLst>
-                  <a:ext uri="{0D108BD9-81ED-4DB2-BD59-A6C34878D82A}">
-                    <a16:rowId xmlns:a16="http://schemas.microsoft.com/office/drawing/2014/main" val="10017"/>
-                  </a:ext>
-                </a:extLst>
-              </a:tr>
-              <a:tr h="198481">
-                <a:tc>
-                  <a:txBody>
-                    <a:bodyPr/>
-                    <a:lstStyle/>
-                    <a:p>
-                      <a:pPr>
-                        <a:lnSpc>
-                          <a:spcPct val="115000"/>
-                        </a:lnSpc>
-                        <a:spcAft>
-                          <a:spcPts val="0"/>
-                        </a:spcAft>
-                      </a:pPr>
-                      <a:r>
-                        <a:rPr lang="de-DE" sz="1100">
-                          <a:effectLst/>
-                        </a:rPr>
-                        <a:t>&gt;Ergebnis: Dokumentationen</a:t>
-                      </a:r>
-                      <a:endParaRPr lang="de-DE" sz="1100">
-                        <a:solidFill>
-                          <a:srgbClr val="000000"/>
-                        </a:solidFill>
-                        <a:effectLst/>
-                        <a:latin typeface="Arial" panose="020B0604020202020204" pitchFamily="34" charset="0"/>
-                        <a:ea typeface="Arial" panose="020B0604020202020204" pitchFamily="34" charset="0"/>
-                      </a:endParaRPr>
-                    </a:p>
-                  </a:txBody>
-                  <a:tcPr marL="45764" marR="45764" marT="0" marB="0" anchor="ctr"/>
-                </a:tc>
-                <a:tc>
-                  <a:txBody>
-                    <a:bodyPr/>
-                    <a:lstStyle/>
-                    <a:p>
-                      <a:pPr algn="ctr">
-                        <a:lnSpc>
-                          <a:spcPct val="115000"/>
-                        </a:lnSpc>
-                        <a:spcAft>
-                          <a:spcPts val="0"/>
-                        </a:spcAft>
-                      </a:pPr>
-                      <a:r>
-                        <a:rPr lang="de-DE" sz="1100">
-                          <a:effectLst/>
-                        </a:rPr>
-                        <a:t>4</a:t>
-                      </a:r>
-                      <a:endParaRPr lang="de-DE" sz="1100">
-                        <a:solidFill>
-                          <a:srgbClr val="000000"/>
-                        </a:solidFill>
-                        <a:effectLst/>
-                        <a:latin typeface="Arial" panose="020B0604020202020204" pitchFamily="34" charset="0"/>
-                        <a:ea typeface="Arial" panose="020B0604020202020204" pitchFamily="34" charset="0"/>
-                      </a:endParaRPr>
-                    </a:p>
-                  </a:txBody>
-                  <a:tcPr marL="45764" marR="45764" marT="0" marB="0" anchor="ctr"/>
-                </a:tc>
-                <a:tc>
-                  <a:txBody>
-                    <a:bodyPr/>
-                    <a:lstStyle/>
-                    <a:p>
-                      <a:pPr algn="r">
-                        <a:lnSpc>
-                          <a:spcPct val="115000"/>
-                        </a:lnSpc>
-                        <a:spcAft>
-                          <a:spcPts val="0"/>
-                        </a:spcAft>
-                      </a:pPr>
-                      <a:r>
-                        <a:rPr lang="de-DE" sz="1100" dirty="0">
-                          <a:effectLst/>
-                        </a:rPr>
-                        <a:t>80 €</a:t>
-                      </a:r>
-                      <a:endParaRPr lang="de-DE" sz="1100" dirty="0">
-                        <a:solidFill>
-                          <a:srgbClr val="000000"/>
-                        </a:solidFill>
-                        <a:effectLst/>
-                        <a:latin typeface="Arial" panose="020B0604020202020204" pitchFamily="34" charset="0"/>
-                        <a:ea typeface="Arial" panose="020B0604020202020204" pitchFamily="34" charset="0"/>
-                      </a:endParaRPr>
-                    </a:p>
-                  </a:txBody>
-                  <a:tcPr marL="45764" marR="45764" marT="0" marB="0" anchor="ctr"/>
-                </a:tc>
-                <a:tc>
-                  <a:txBody>
-                    <a:bodyPr/>
-                    <a:lstStyle/>
-                    <a:p>
-                      <a:pPr algn="ctr">
-                        <a:lnSpc>
-                          <a:spcPct val="115000"/>
-                        </a:lnSpc>
-                        <a:spcAft>
-                          <a:spcPts val="0"/>
-                        </a:spcAft>
-                      </a:pPr>
-                      <a:r>
-                        <a:rPr lang="de-DE" sz="1100" dirty="0">
-                          <a:effectLst/>
-                        </a:rPr>
-                        <a:t>11</a:t>
-                      </a:r>
-                      <a:endParaRPr lang="de-DE" sz="1100" dirty="0">
-                        <a:solidFill>
-                          <a:srgbClr val="000000"/>
-                        </a:solidFill>
-                        <a:effectLst/>
-                        <a:latin typeface="Arial" panose="020B0604020202020204" pitchFamily="34" charset="0"/>
-                        <a:ea typeface="Arial" panose="020B0604020202020204" pitchFamily="34" charset="0"/>
-                      </a:endParaRPr>
-                    </a:p>
-                  </a:txBody>
-                  <a:tcPr marL="45764" marR="45764" marT="0" marB="0" anchor="ctr"/>
-                </a:tc>
-                <a:tc>
-                  <a:txBody>
-                    <a:bodyPr/>
-                    <a:lstStyle/>
-                    <a:p>
-                      <a:pPr algn="r">
-                        <a:lnSpc>
-                          <a:spcPct val="115000"/>
-                        </a:lnSpc>
-                        <a:spcAft>
-                          <a:spcPts val="0"/>
-                        </a:spcAft>
-                      </a:pPr>
-                      <a:r>
-                        <a:rPr lang="de-DE" sz="1100" dirty="0">
-                          <a:effectLst/>
-                        </a:rPr>
-                        <a:t>220 €</a:t>
-                      </a:r>
-                      <a:endParaRPr lang="de-DE" sz="1100" dirty="0">
-                        <a:solidFill>
-                          <a:srgbClr val="000000"/>
-                        </a:solidFill>
-                        <a:effectLst/>
-                        <a:latin typeface="Arial" panose="020B0604020202020204" pitchFamily="34" charset="0"/>
-                        <a:ea typeface="Arial" panose="020B0604020202020204" pitchFamily="34" charset="0"/>
-                      </a:endParaRPr>
-                    </a:p>
-                  </a:txBody>
-                  <a:tcPr marL="45764" marR="45764" marT="0" marB="0" anchor="ctr"/>
-                </a:tc>
-                <a:extLst>
-                  <a:ext uri="{0D108BD9-81ED-4DB2-BD59-A6C34878D82A}">
-                    <a16:rowId xmlns:a16="http://schemas.microsoft.com/office/drawing/2014/main" val="10018"/>
-                  </a:ext>
-                </a:extLst>
-              </a:tr>
-              <a:tr h="198481">
-                <a:tc>
-                  <a:txBody>
-                    <a:bodyPr/>
-                    <a:lstStyle/>
-                    <a:p>
-                      <a:pPr>
-                        <a:lnSpc>
-                          <a:spcPct val="115000"/>
-                        </a:lnSpc>
-                        <a:spcAft>
-                          <a:spcPts val="0"/>
-                        </a:spcAft>
-                      </a:pPr>
-                      <a:r>
-                        <a:rPr lang="de-DE" sz="1100">
-                          <a:effectLst/>
-                        </a:rPr>
-                        <a:t>Öffentlichkeitsarbeit:</a:t>
-                      </a:r>
-                      <a:endParaRPr lang="de-DE" sz="1100">
-                        <a:solidFill>
-                          <a:srgbClr val="000000"/>
-                        </a:solidFill>
-                        <a:effectLst/>
-                        <a:latin typeface="Arial" panose="020B0604020202020204" pitchFamily="34" charset="0"/>
-                        <a:ea typeface="Arial" panose="020B0604020202020204" pitchFamily="34" charset="0"/>
-                      </a:endParaRPr>
-                    </a:p>
-                  </a:txBody>
-                  <a:tcPr marL="45764" marR="45764" marT="0" marB="0" anchor="ctr"/>
-                </a:tc>
-                <a:tc>
-                  <a:txBody>
-                    <a:bodyPr/>
-                    <a:lstStyle/>
-                    <a:p>
-                      <a:pPr algn="ctr">
-                        <a:lnSpc>
-                          <a:spcPct val="115000"/>
-                        </a:lnSpc>
-                        <a:spcAft>
-                          <a:spcPts val="0"/>
-                        </a:spcAft>
-                      </a:pPr>
-                      <a:r>
-                        <a:rPr lang="de-DE" sz="1100">
-                          <a:effectLst/>
-                        </a:rPr>
-                        <a:t>6</a:t>
-                      </a:r>
-                      <a:endParaRPr lang="de-DE" sz="1100">
-                        <a:solidFill>
-                          <a:srgbClr val="000000"/>
-                        </a:solidFill>
-                        <a:effectLst/>
-                        <a:latin typeface="Arial" panose="020B0604020202020204" pitchFamily="34" charset="0"/>
-                        <a:ea typeface="Arial" panose="020B0604020202020204" pitchFamily="34" charset="0"/>
-                      </a:endParaRPr>
-                    </a:p>
-                  </a:txBody>
-                  <a:tcPr marL="45764" marR="45764" marT="0" marB="0" anchor="ctr"/>
-                </a:tc>
-                <a:tc>
-                  <a:txBody>
-                    <a:bodyPr/>
-                    <a:lstStyle/>
-                    <a:p>
-                      <a:pPr algn="r">
-                        <a:lnSpc>
-                          <a:spcPct val="115000"/>
-                        </a:lnSpc>
-                        <a:spcAft>
-                          <a:spcPts val="0"/>
-                        </a:spcAft>
-                      </a:pPr>
-                      <a:r>
-                        <a:rPr lang="de-DE" sz="1100">
-                          <a:effectLst/>
-                        </a:rPr>
-                        <a:t>-</a:t>
-                      </a:r>
-                      <a:endParaRPr lang="de-DE" sz="1100">
-                        <a:solidFill>
-                          <a:srgbClr val="000000"/>
-                        </a:solidFill>
-                        <a:effectLst/>
-                        <a:latin typeface="Arial" panose="020B0604020202020204" pitchFamily="34" charset="0"/>
-                        <a:ea typeface="Arial" panose="020B0604020202020204" pitchFamily="34" charset="0"/>
-                      </a:endParaRPr>
-                    </a:p>
-                  </a:txBody>
-                  <a:tcPr marL="45764" marR="45764" marT="0" marB="0" anchor="ctr"/>
-                </a:tc>
-                <a:tc>
-                  <a:txBody>
-                    <a:bodyPr/>
-                    <a:lstStyle/>
-                    <a:p>
-                      <a:pPr algn="ctr">
-                        <a:lnSpc>
-                          <a:spcPct val="115000"/>
-                        </a:lnSpc>
-                        <a:spcAft>
-                          <a:spcPts val="0"/>
-                        </a:spcAft>
-                      </a:pPr>
-                      <a:r>
-                        <a:rPr lang="de-DE" sz="1100" dirty="0">
-                          <a:effectLst/>
-                        </a:rPr>
-                        <a:t>6</a:t>
-                      </a:r>
-                      <a:endParaRPr lang="de-DE" sz="1100" dirty="0">
-                        <a:solidFill>
-                          <a:srgbClr val="000000"/>
-                        </a:solidFill>
-                        <a:effectLst/>
-                        <a:latin typeface="Arial" panose="020B0604020202020204" pitchFamily="34" charset="0"/>
-                        <a:ea typeface="Arial" panose="020B0604020202020204" pitchFamily="34" charset="0"/>
-                      </a:endParaRPr>
-                    </a:p>
-                  </a:txBody>
-                  <a:tcPr marL="45764" marR="45764" marT="0" marB="0" anchor="ctr"/>
-                </a:tc>
-                <a:tc>
-                  <a:txBody>
-                    <a:bodyPr/>
-                    <a:lstStyle/>
-                    <a:p>
-                      <a:pPr algn="r">
-                        <a:lnSpc>
-                          <a:spcPct val="115000"/>
-                        </a:lnSpc>
-                        <a:spcAft>
-                          <a:spcPts val="0"/>
-                        </a:spcAft>
-                      </a:pPr>
-                      <a:r>
-                        <a:rPr lang="de-DE" sz="1100" dirty="0">
-                          <a:effectLst/>
-                        </a:rPr>
-                        <a:t>-</a:t>
-                      </a:r>
-                      <a:endParaRPr lang="de-DE" sz="1100" dirty="0">
-                        <a:solidFill>
-                          <a:srgbClr val="000000"/>
-                        </a:solidFill>
-                        <a:effectLst/>
-                        <a:latin typeface="Arial" panose="020B0604020202020204" pitchFamily="34" charset="0"/>
-                        <a:ea typeface="Arial" panose="020B0604020202020204" pitchFamily="34" charset="0"/>
-                      </a:endParaRPr>
-                    </a:p>
-                  </a:txBody>
-                  <a:tcPr marL="45764" marR="45764" marT="0" marB="0" anchor="ctr"/>
-                </a:tc>
-                <a:extLst>
-                  <a:ext uri="{0D108BD9-81ED-4DB2-BD59-A6C34878D82A}">
-                    <a16:rowId xmlns:a16="http://schemas.microsoft.com/office/drawing/2014/main" val="10019"/>
-                  </a:ext>
-                </a:extLst>
-              </a:tr>
-              <a:tr h="198481">
-                <a:tc>
-                  <a:txBody>
-                    <a:bodyPr/>
-                    <a:lstStyle/>
-                    <a:p>
-                      <a:pPr>
-                        <a:lnSpc>
-                          <a:spcPct val="115000"/>
-                        </a:lnSpc>
-                        <a:spcAft>
-                          <a:spcPts val="0"/>
-                        </a:spcAft>
-                      </a:pPr>
-                      <a:r>
-                        <a:rPr lang="de-DE" sz="1100">
-                          <a:effectLst/>
-                        </a:rPr>
-                        <a:t>- Rufbereitschaft</a:t>
-                      </a:r>
-                      <a:endParaRPr lang="de-DE" sz="1100">
-                        <a:solidFill>
-                          <a:srgbClr val="000000"/>
-                        </a:solidFill>
-                        <a:effectLst/>
-                        <a:latin typeface="Arial" panose="020B0604020202020204" pitchFamily="34" charset="0"/>
-                        <a:ea typeface="Arial" panose="020B0604020202020204" pitchFamily="34" charset="0"/>
-                      </a:endParaRPr>
-                    </a:p>
-                  </a:txBody>
-                  <a:tcPr marL="45764" marR="45764" marT="0" marB="0" anchor="ctr"/>
-                </a:tc>
-                <a:tc>
-                  <a:txBody>
-                    <a:bodyPr/>
-                    <a:lstStyle/>
-                    <a:p>
-                      <a:pPr algn="ctr">
-                        <a:lnSpc>
-                          <a:spcPct val="115000"/>
-                        </a:lnSpc>
-                        <a:spcAft>
-                          <a:spcPts val="0"/>
-                        </a:spcAft>
-                      </a:pPr>
-                      <a:r>
-                        <a:rPr lang="de-DE" sz="1100">
-                          <a:effectLst/>
-                        </a:rPr>
-                        <a:t>-</a:t>
-                      </a:r>
-                      <a:endParaRPr lang="de-DE" sz="1100">
-                        <a:solidFill>
-                          <a:srgbClr val="000000"/>
-                        </a:solidFill>
-                        <a:effectLst/>
-                        <a:latin typeface="Arial" panose="020B0604020202020204" pitchFamily="34" charset="0"/>
-                        <a:ea typeface="Arial" panose="020B0604020202020204" pitchFamily="34" charset="0"/>
-                      </a:endParaRPr>
-                    </a:p>
-                  </a:txBody>
-                  <a:tcPr marL="45764" marR="45764" marT="0" marB="0" anchor="ctr"/>
-                </a:tc>
-                <a:tc>
-                  <a:txBody>
-                    <a:bodyPr/>
-                    <a:lstStyle/>
-                    <a:p>
-                      <a:pPr algn="r">
-                        <a:lnSpc>
-                          <a:spcPct val="115000"/>
-                        </a:lnSpc>
-                        <a:spcAft>
-                          <a:spcPts val="0"/>
-                        </a:spcAft>
-                      </a:pPr>
-                      <a:r>
-                        <a:rPr lang="de-DE" sz="1100">
-                          <a:effectLst/>
-                        </a:rPr>
-                        <a:t>-</a:t>
-                      </a:r>
-                      <a:endParaRPr lang="de-DE" sz="1100">
-                        <a:solidFill>
-                          <a:srgbClr val="000000"/>
-                        </a:solidFill>
-                        <a:effectLst/>
-                        <a:latin typeface="Arial" panose="020B0604020202020204" pitchFamily="34" charset="0"/>
-                        <a:ea typeface="Arial" panose="020B0604020202020204" pitchFamily="34" charset="0"/>
-                      </a:endParaRPr>
-                    </a:p>
-                  </a:txBody>
-                  <a:tcPr marL="45764" marR="45764" marT="0" marB="0" anchor="ctr"/>
-                </a:tc>
-                <a:tc>
-                  <a:txBody>
-                    <a:bodyPr/>
-                    <a:lstStyle/>
-                    <a:p>
-                      <a:pPr algn="ctr">
-                        <a:lnSpc>
-                          <a:spcPct val="115000"/>
-                        </a:lnSpc>
-                        <a:spcAft>
-                          <a:spcPts val="0"/>
-                        </a:spcAft>
-                      </a:pPr>
-                      <a:r>
-                        <a:rPr lang="de-DE" sz="1100" dirty="0">
-                          <a:effectLst/>
-                        </a:rPr>
-                        <a:t>-</a:t>
-                      </a:r>
-                      <a:endParaRPr lang="de-DE" sz="1100" dirty="0">
-                        <a:solidFill>
-                          <a:srgbClr val="000000"/>
-                        </a:solidFill>
-                        <a:effectLst/>
-                        <a:latin typeface="Arial" panose="020B0604020202020204" pitchFamily="34" charset="0"/>
-                        <a:ea typeface="Arial" panose="020B0604020202020204" pitchFamily="34" charset="0"/>
-                      </a:endParaRPr>
-                    </a:p>
-                  </a:txBody>
-                  <a:tcPr marL="45764" marR="45764" marT="0" marB="0" anchor="ctr"/>
-                </a:tc>
-                <a:tc>
-                  <a:txBody>
-                    <a:bodyPr/>
-                    <a:lstStyle/>
-                    <a:p>
-                      <a:pPr algn="r">
-                        <a:lnSpc>
-                          <a:spcPct val="115000"/>
-                        </a:lnSpc>
-                        <a:spcAft>
-                          <a:spcPts val="0"/>
-                        </a:spcAft>
-                      </a:pPr>
-                      <a:r>
-                        <a:rPr lang="de-DE" sz="1100" dirty="0">
-                          <a:effectLst/>
-                        </a:rPr>
-                        <a:t>-</a:t>
-                      </a:r>
-                      <a:endParaRPr lang="de-DE" sz="1100" dirty="0">
-                        <a:solidFill>
-                          <a:srgbClr val="000000"/>
-                        </a:solidFill>
-                        <a:effectLst/>
-                        <a:latin typeface="Arial" panose="020B0604020202020204" pitchFamily="34" charset="0"/>
-                        <a:ea typeface="Arial" panose="020B0604020202020204" pitchFamily="34" charset="0"/>
-                      </a:endParaRPr>
-                    </a:p>
-                  </a:txBody>
-                  <a:tcPr marL="45764" marR="45764" marT="0" marB="0" anchor="ctr"/>
-                </a:tc>
-                <a:extLst>
-                  <a:ext uri="{0D108BD9-81ED-4DB2-BD59-A6C34878D82A}">
-                    <a16:rowId xmlns:a16="http://schemas.microsoft.com/office/drawing/2014/main" val="10020"/>
-                  </a:ext>
-                </a:extLst>
-              </a:tr>
-              <a:tr h="198481">
-                <a:tc>
-                  <a:txBody>
-                    <a:bodyPr/>
-                    <a:lstStyle/>
-                    <a:p>
-                      <a:pPr>
-                        <a:lnSpc>
-                          <a:spcPct val="115000"/>
-                        </a:lnSpc>
-                        <a:spcAft>
-                          <a:spcPts val="0"/>
-                        </a:spcAft>
-                      </a:pPr>
-                      <a:r>
-                        <a:rPr lang="de-DE" sz="1100">
-                          <a:effectLst/>
-                        </a:rPr>
-                        <a:t>- Projektbegleitung</a:t>
-                      </a:r>
-                      <a:endParaRPr lang="de-DE" sz="1100">
-                        <a:solidFill>
-                          <a:srgbClr val="000000"/>
-                        </a:solidFill>
-                        <a:effectLst/>
-                        <a:latin typeface="Arial" panose="020B0604020202020204" pitchFamily="34" charset="0"/>
-                        <a:ea typeface="Arial" panose="020B0604020202020204" pitchFamily="34" charset="0"/>
-                      </a:endParaRPr>
-                    </a:p>
-                  </a:txBody>
-                  <a:tcPr marL="45764" marR="45764" marT="0" marB="0" anchor="ctr"/>
-                </a:tc>
-                <a:tc>
-                  <a:txBody>
-                    <a:bodyPr/>
-                    <a:lstStyle/>
-                    <a:p>
-                      <a:pPr algn="ctr">
-                        <a:lnSpc>
-                          <a:spcPct val="115000"/>
-                        </a:lnSpc>
-                        <a:spcAft>
-                          <a:spcPts val="0"/>
-                        </a:spcAft>
-                      </a:pPr>
-                      <a:r>
-                        <a:rPr lang="de-DE" sz="1100">
-                          <a:effectLst/>
-                        </a:rPr>
-                        <a:t>6</a:t>
-                      </a:r>
-                      <a:endParaRPr lang="de-DE" sz="1100">
-                        <a:solidFill>
-                          <a:srgbClr val="000000"/>
-                        </a:solidFill>
-                        <a:effectLst/>
-                        <a:latin typeface="Arial" panose="020B0604020202020204" pitchFamily="34" charset="0"/>
-                        <a:ea typeface="Arial" panose="020B0604020202020204" pitchFamily="34" charset="0"/>
-                      </a:endParaRPr>
-                    </a:p>
-                  </a:txBody>
-                  <a:tcPr marL="45764" marR="45764" marT="0" marB="0" anchor="ctr"/>
-                </a:tc>
-                <a:tc>
-                  <a:txBody>
-                    <a:bodyPr/>
-                    <a:lstStyle/>
-                    <a:p>
-                      <a:pPr algn="r">
-                        <a:lnSpc>
-                          <a:spcPct val="115000"/>
-                        </a:lnSpc>
-                        <a:spcAft>
-                          <a:spcPts val="0"/>
-                        </a:spcAft>
-                      </a:pPr>
-                      <a:r>
-                        <a:rPr lang="de-DE" sz="1100">
-                          <a:effectLst/>
-                        </a:rPr>
-                        <a:t>-</a:t>
-                      </a:r>
-                      <a:endParaRPr lang="de-DE" sz="1100">
-                        <a:solidFill>
-                          <a:srgbClr val="000000"/>
-                        </a:solidFill>
-                        <a:effectLst/>
-                        <a:latin typeface="Arial" panose="020B0604020202020204" pitchFamily="34" charset="0"/>
-                        <a:ea typeface="Arial" panose="020B0604020202020204" pitchFamily="34" charset="0"/>
-                      </a:endParaRPr>
-                    </a:p>
-                  </a:txBody>
-                  <a:tcPr marL="45764" marR="45764" marT="0" marB="0" anchor="ctr"/>
-                </a:tc>
-                <a:tc>
-                  <a:txBody>
-                    <a:bodyPr/>
-                    <a:lstStyle/>
-                    <a:p>
-                      <a:pPr algn="ctr">
-                        <a:lnSpc>
-                          <a:spcPct val="115000"/>
-                        </a:lnSpc>
-                        <a:spcAft>
-                          <a:spcPts val="0"/>
-                        </a:spcAft>
-                      </a:pPr>
-                      <a:r>
-                        <a:rPr lang="de-DE" sz="1100" dirty="0">
-                          <a:effectLst/>
-                        </a:rPr>
-                        <a:t>6</a:t>
-                      </a:r>
-                      <a:endParaRPr lang="de-DE" sz="1100" dirty="0">
-                        <a:solidFill>
-                          <a:srgbClr val="000000"/>
-                        </a:solidFill>
-                        <a:effectLst/>
-                        <a:latin typeface="Arial" panose="020B0604020202020204" pitchFamily="34" charset="0"/>
-                        <a:ea typeface="Arial" panose="020B0604020202020204" pitchFamily="34" charset="0"/>
-                      </a:endParaRPr>
-                    </a:p>
-                  </a:txBody>
-                  <a:tcPr marL="45764" marR="45764" marT="0" marB="0" anchor="ctr"/>
-                </a:tc>
-                <a:tc>
-                  <a:txBody>
-                    <a:bodyPr/>
-                    <a:lstStyle/>
-                    <a:p>
-                      <a:pPr algn="r">
-                        <a:lnSpc>
-                          <a:spcPct val="115000"/>
-                        </a:lnSpc>
-                        <a:spcAft>
-                          <a:spcPts val="0"/>
-                        </a:spcAft>
-                      </a:pPr>
-                      <a:r>
-                        <a:rPr lang="de-DE" sz="1100" dirty="0">
-                          <a:effectLst/>
-                        </a:rPr>
-                        <a:t>-</a:t>
-                      </a:r>
-                      <a:endParaRPr lang="de-DE" sz="1100" dirty="0">
-                        <a:solidFill>
-                          <a:srgbClr val="000000"/>
-                        </a:solidFill>
-                        <a:effectLst/>
-                        <a:latin typeface="Arial" panose="020B0604020202020204" pitchFamily="34" charset="0"/>
-                        <a:ea typeface="Arial" panose="020B0604020202020204" pitchFamily="34" charset="0"/>
-                      </a:endParaRPr>
-                    </a:p>
-                  </a:txBody>
-                  <a:tcPr marL="45764" marR="45764" marT="0" marB="0" anchor="ctr"/>
-                </a:tc>
-                <a:extLst>
-                  <a:ext uri="{0D108BD9-81ED-4DB2-BD59-A6C34878D82A}">
-                    <a16:rowId xmlns:a16="http://schemas.microsoft.com/office/drawing/2014/main" val="10021"/>
-                  </a:ext>
-                </a:extLst>
-              </a:tr>
-              <a:tr h="198481">
-                <a:tc>
-                  <a:txBody>
-                    <a:bodyPr/>
-                    <a:lstStyle/>
-                    <a:p>
-                      <a:pPr>
-                        <a:lnSpc>
-                          <a:spcPct val="115000"/>
-                        </a:lnSpc>
-                        <a:spcAft>
-                          <a:spcPts val="0"/>
-                        </a:spcAft>
-                      </a:pPr>
-                      <a:r>
-                        <a:rPr lang="de-DE" sz="1100">
-                          <a:effectLst/>
-                        </a:rPr>
-                        <a:t>Gesamt</a:t>
-                      </a:r>
-                      <a:endParaRPr lang="de-DE" sz="1100">
-                        <a:solidFill>
-                          <a:srgbClr val="000000"/>
-                        </a:solidFill>
-                        <a:effectLst/>
-                        <a:latin typeface="Arial" panose="020B0604020202020204" pitchFamily="34" charset="0"/>
-                        <a:ea typeface="Arial" panose="020B0604020202020204" pitchFamily="34" charset="0"/>
-                      </a:endParaRPr>
-                    </a:p>
-                  </a:txBody>
-                  <a:tcPr marL="45764" marR="45764" marT="0" marB="0" anchor="ctr"/>
-                </a:tc>
-                <a:tc>
-                  <a:txBody>
-                    <a:bodyPr/>
-                    <a:lstStyle/>
-                    <a:p>
-                      <a:pPr algn="ctr">
-                        <a:lnSpc>
-                          <a:spcPct val="115000"/>
-                        </a:lnSpc>
-                        <a:spcAft>
-                          <a:spcPts val="0"/>
-                        </a:spcAft>
-                      </a:pPr>
-                      <a:r>
-                        <a:rPr lang="de-DE" sz="1100">
-                          <a:effectLst/>
-                        </a:rPr>
-                        <a:t>33</a:t>
-                      </a:r>
-                      <a:endParaRPr lang="de-DE" sz="1100">
-                        <a:solidFill>
-                          <a:srgbClr val="000000"/>
-                        </a:solidFill>
-                        <a:effectLst/>
-                        <a:latin typeface="Arial" panose="020B0604020202020204" pitchFamily="34" charset="0"/>
-                        <a:ea typeface="Arial" panose="020B0604020202020204" pitchFamily="34" charset="0"/>
-                      </a:endParaRPr>
-                    </a:p>
-                  </a:txBody>
-                  <a:tcPr marL="45764" marR="45764" marT="0" marB="0" anchor="ctr"/>
-                </a:tc>
-                <a:tc>
-                  <a:txBody>
-                    <a:bodyPr/>
-                    <a:lstStyle/>
-                    <a:p>
-                      <a:pPr algn="r">
-                        <a:lnSpc>
-                          <a:spcPct val="115000"/>
-                        </a:lnSpc>
-                        <a:spcAft>
-                          <a:spcPts val="0"/>
-                        </a:spcAft>
-                      </a:pPr>
-                      <a:r>
-                        <a:rPr lang="de-DE" sz="1100" u="dbl">
-                          <a:effectLst/>
-                        </a:rPr>
-                        <a:t>400 €</a:t>
-                      </a:r>
-                      <a:endParaRPr lang="de-DE" sz="1100">
-                        <a:solidFill>
-                          <a:srgbClr val="000000"/>
-                        </a:solidFill>
-                        <a:effectLst/>
-                        <a:latin typeface="Arial" panose="020B0604020202020204" pitchFamily="34" charset="0"/>
-                        <a:ea typeface="Arial" panose="020B0604020202020204" pitchFamily="34" charset="0"/>
-                      </a:endParaRPr>
-                    </a:p>
-                  </a:txBody>
-                  <a:tcPr marL="45764" marR="45764" marT="0" marB="0" anchor="ctr"/>
-                </a:tc>
-                <a:tc>
-                  <a:txBody>
-                    <a:bodyPr/>
-                    <a:lstStyle/>
-                    <a:p>
-                      <a:pPr algn="ctr">
-                        <a:lnSpc>
-                          <a:spcPct val="115000"/>
-                        </a:lnSpc>
-                        <a:spcAft>
-                          <a:spcPts val="0"/>
-                        </a:spcAft>
-                      </a:pPr>
-                      <a:r>
-                        <a:rPr lang="de-DE" sz="1100" dirty="0">
-                          <a:effectLst/>
-                        </a:rPr>
-                        <a:t>55</a:t>
-                      </a:r>
-                      <a:endParaRPr lang="de-DE" sz="1100" dirty="0">
-                        <a:solidFill>
-                          <a:srgbClr val="000000"/>
-                        </a:solidFill>
-                        <a:effectLst/>
-                        <a:latin typeface="Arial" panose="020B0604020202020204" pitchFamily="34" charset="0"/>
-                        <a:ea typeface="Arial" panose="020B0604020202020204" pitchFamily="34" charset="0"/>
-                      </a:endParaRPr>
-                    </a:p>
-                  </a:txBody>
-                  <a:tcPr marL="45764" marR="45764" marT="0" marB="0" anchor="ctr"/>
-                </a:tc>
-                <a:tc>
-                  <a:txBody>
-                    <a:bodyPr/>
-                    <a:lstStyle/>
-                    <a:p>
-                      <a:pPr algn="r">
-                        <a:lnSpc>
-                          <a:spcPct val="115000"/>
-                        </a:lnSpc>
-                        <a:spcAft>
-                          <a:spcPts val="0"/>
-                        </a:spcAft>
-                      </a:pPr>
-                      <a:r>
-                        <a:rPr lang="de-DE" sz="1100" u="dbl" dirty="0">
-                          <a:effectLst/>
-                        </a:rPr>
-                        <a:t>860 €</a:t>
-                      </a:r>
-                      <a:endParaRPr lang="de-DE" sz="1100" dirty="0">
-                        <a:solidFill>
-                          <a:srgbClr val="000000"/>
-                        </a:solidFill>
-                        <a:effectLst/>
-                        <a:latin typeface="Arial" panose="020B0604020202020204" pitchFamily="34" charset="0"/>
-                        <a:ea typeface="Arial" panose="020B0604020202020204" pitchFamily="34" charset="0"/>
-                      </a:endParaRPr>
-                    </a:p>
-                  </a:txBody>
-                  <a:tcPr marL="45764" marR="45764" marT="0" marB="0" anchor="ctr"/>
-                </a:tc>
-                <a:extLst>
-                  <a:ext uri="{0D108BD9-81ED-4DB2-BD59-A6C34878D82A}">
-                    <a16:rowId xmlns:a16="http://schemas.microsoft.com/office/drawing/2014/main" val="10022"/>
+                    <a16:rowId xmlns:a16="http://schemas.microsoft.com/office/drawing/2014/main" xmlns="" val="10022"/>
                   </a:ext>
                 </a:extLst>
               </a:tr>

--- a/Präsentation/DezHex.pptx
+++ b/Präsentation/DezHex.pptx
@@ -3756,6 +3756,30 @@
           <a:chExt cx="0" cy="0"/>
         </a:xfrm>
       </p:grpSpPr>
+      <p:pic>
+        <p:nvPicPr>
+          <p:cNvPr id="8" name="Содержимое 3" descr="DezHexAnwendungsfalldiagramm.png"/>
+          <p:cNvPicPr>
+            <a:picLocks noChangeAspect="1"/>
+          </p:cNvPicPr>
+          <p:nvPr/>
+        </p:nvPicPr>
+        <p:blipFill>
+          <a:blip r:embed="rId2" cstate="print"/>
+          <a:stretch>
+            <a:fillRect/>
+          </a:stretch>
+        </p:blipFill>
+        <p:spPr>
+          <a:xfrm>
+            <a:off x="1524000" y="936085"/>
+            <a:ext cx="8895907" cy="5785390"/>
+          </a:xfrm>
+          <a:prstGeom prst="rect">
+            <a:avLst/>
+          </a:prstGeom>
+        </p:spPr>
+      </p:pic>
       <p:sp>
         <p:nvSpPr>
           <p:cNvPr id="2" name="Titel 1"/>
@@ -3794,7 +3818,7 @@
           <p:nvPr/>
         </p:nvPicPr>
         <p:blipFill>
-          <a:blip r:embed="rId2" cstate="print">
+          <a:blip r:embed="rId3" cstate="print">
             <a:extLst>
               <a:ext uri="{28A0092B-C50C-407E-A947-70E740481C1C}">
                 <a14:useLocalDpi xmlns:a14="http://schemas.microsoft.com/office/drawing/2010/main" val="0"/>
@@ -3876,30 +3900,6 @@
           </a:fontRef>
         </p:style>
       </p:cxnSp>
-      <p:pic>
-        <p:nvPicPr>
-          <p:cNvPr id="8" name="Содержимое 3" descr="DezHexAnwendungsfalldiagramm.png"/>
-          <p:cNvPicPr>
-            <a:picLocks noChangeAspect="1"/>
-          </p:cNvPicPr>
-          <p:nvPr/>
-        </p:nvPicPr>
-        <p:blipFill>
-          <a:blip r:embed="rId3" cstate="print"/>
-          <a:stretch>
-            <a:fillRect/>
-          </a:stretch>
-        </p:blipFill>
-        <p:spPr>
-          <a:xfrm>
-            <a:off x="1524000" y="1089441"/>
-            <a:ext cx="8651924" cy="5110698"/>
-          </a:xfrm>
-          <a:prstGeom prst="rect">
-            <a:avLst/>
-          </a:prstGeom>
-        </p:spPr>
-      </p:pic>
       <p:sp>
         <p:nvSpPr>
           <p:cNvPr id="3" name="Fußzeilenplatzhalter 2"/>
@@ -4009,6 +4009,29 @@
           <a:chExt cx="0" cy="0"/>
         </a:xfrm>
       </p:grpSpPr>
+      <p:pic>
+        <p:nvPicPr>
+          <p:cNvPr id="7" name="Содержимое 3" descr="DezHexAktivitätsdiagramm.png"/>
+          <p:cNvPicPr>
+            <a:picLocks noGrp="1" noChangeAspect="1"/>
+          </p:cNvPicPr>
+          <p:nvPr>
+            <p:ph idx="1"/>
+          </p:nvPr>
+        </p:nvPicPr>
+        <p:blipFill>
+          <a:blip r:embed="rId2" cstate="print"/>
+          <a:stretch>
+            <a:fillRect/>
+          </a:stretch>
+        </p:blipFill>
+        <p:spPr>
+          <a:xfrm>
+            <a:off x="1524000" y="936085"/>
+            <a:ext cx="8736419" cy="5375576"/>
+          </a:xfrm>
+        </p:spPr>
+      </p:pic>
       <p:sp>
         <p:nvSpPr>
           <p:cNvPr id="2" name="Titel 1"/>
@@ -4047,7 +4070,7 @@
           <p:nvPr/>
         </p:nvPicPr>
         <p:blipFill>
-          <a:blip r:embed="rId2" cstate="print">
+          <a:blip r:embed="rId3" cstate="print">
             <a:extLst>
               <a:ext uri="{28A0092B-C50C-407E-A947-70E740481C1C}">
                 <a14:useLocalDpi xmlns:a14="http://schemas.microsoft.com/office/drawing/2010/main" val="0"/>
@@ -4129,29 +4152,6 @@
           </a:fontRef>
         </p:style>
       </p:cxnSp>
-      <p:pic>
-        <p:nvPicPr>
-          <p:cNvPr id="7" name="Содержимое 3" descr="DezHexAktivitätsdiagramm.png"/>
-          <p:cNvPicPr>
-            <a:picLocks noGrp="1" noChangeAspect="1"/>
-          </p:cNvPicPr>
-          <p:nvPr>
-            <p:ph idx="1"/>
-          </p:nvPr>
-        </p:nvPicPr>
-        <p:blipFill>
-          <a:blip r:embed="rId3" cstate="print"/>
-          <a:stretch>
-            <a:fillRect/>
-          </a:stretch>
-        </p:blipFill>
-        <p:spPr>
-          <a:xfrm>
-            <a:off x="1524000" y="916823"/>
-            <a:ext cx="8428583" cy="5129044"/>
-          </a:xfrm>
-        </p:spPr>
-      </p:pic>
       <p:sp>
         <p:nvSpPr>
           <p:cNvPr id="3" name="Fußzeilenplatzhalter 2"/>
@@ -4261,6 +4261,30 @@
           <a:chExt cx="0" cy="0"/>
         </a:xfrm>
       </p:grpSpPr>
+      <p:pic>
+        <p:nvPicPr>
+          <p:cNvPr id="8" name="Содержимое 3" descr="DezHexKlassendiagramm.png"/>
+          <p:cNvPicPr>
+            <a:picLocks noChangeAspect="1"/>
+          </p:cNvPicPr>
+          <p:nvPr/>
+        </p:nvPicPr>
+        <p:blipFill>
+          <a:blip r:embed="rId2" cstate="print"/>
+          <a:stretch>
+            <a:fillRect/>
+          </a:stretch>
+        </p:blipFill>
+        <p:spPr>
+          <a:xfrm>
+            <a:off x="1524000" y="936085"/>
+            <a:ext cx="9622402" cy="5602828"/>
+          </a:xfrm>
+          <a:prstGeom prst="rect">
+            <a:avLst/>
+          </a:prstGeom>
+        </p:spPr>
+      </p:pic>
       <p:sp>
         <p:nvSpPr>
           <p:cNvPr id="2" name="Titel 1"/>
@@ -4299,7 +4323,7 @@
           <p:nvPr/>
         </p:nvPicPr>
         <p:blipFill>
-          <a:blip r:embed="rId2" cstate="print">
+          <a:blip r:embed="rId3" cstate="print">
             <a:extLst>
               <a:ext uri="{28A0092B-C50C-407E-A947-70E740481C1C}">
                 <a14:useLocalDpi xmlns:a14="http://schemas.microsoft.com/office/drawing/2010/main" val="0"/>
@@ -4381,30 +4405,6 @@
           </a:fontRef>
         </p:style>
       </p:cxnSp>
-      <p:pic>
-        <p:nvPicPr>
-          <p:cNvPr id="8" name="Содержимое 3" descr="DezHexKlassendiagramm.png"/>
-          <p:cNvPicPr>
-            <a:picLocks noChangeAspect="1"/>
-          </p:cNvPicPr>
-          <p:nvPr/>
-        </p:nvPicPr>
-        <p:blipFill>
-          <a:blip r:embed="rId3" cstate="print"/>
-          <a:stretch>
-            <a:fillRect/>
-          </a:stretch>
-        </p:blipFill>
-        <p:spPr>
-          <a:xfrm>
-            <a:off x="1524000" y="1063741"/>
-            <a:ext cx="9144000" cy="4995058"/>
-          </a:xfrm>
-          <a:prstGeom prst="rect">
-            <a:avLst/>
-          </a:prstGeom>
-        </p:spPr>
-      </p:pic>
       <p:sp>
         <p:nvSpPr>
           <p:cNvPr id="3" name="Fußzeilenplatzhalter 2"/>
@@ -4514,6 +4514,29 @@
           <a:chExt cx="0" cy="0"/>
         </a:xfrm>
       </p:grpSpPr>
+      <p:pic>
+        <p:nvPicPr>
+          <p:cNvPr id="7" name="Содержимое 3" descr="DezHexSequenzdiagramm.png"/>
+          <p:cNvPicPr>
+            <a:picLocks noGrp="1" noChangeAspect="1"/>
+          </p:cNvPicPr>
+          <p:nvPr>
+            <p:ph idx="1"/>
+          </p:nvPr>
+        </p:nvPicPr>
+        <p:blipFill>
+          <a:blip r:embed="rId2" cstate="print"/>
+          <a:stretch>
+            <a:fillRect/>
+          </a:stretch>
+        </p:blipFill>
+        <p:spPr>
+          <a:xfrm>
+            <a:off x="1524000" y="916823"/>
+            <a:ext cx="8343014" cy="5439527"/>
+          </a:xfrm>
+        </p:spPr>
+      </p:pic>
       <p:sp>
         <p:nvSpPr>
           <p:cNvPr id="2" name="Titel 1"/>
@@ -4552,7 +4575,7 @@
           <p:nvPr/>
         </p:nvPicPr>
         <p:blipFill>
-          <a:blip r:embed="rId2" cstate="print">
+          <a:blip r:embed="rId3" cstate="print">
             <a:extLst>
               <a:ext uri="{28A0092B-C50C-407E-A947-70E740481C1C}">
                 <a14:useLocalDpi xmlns:a14="http://schemas.microsoft.com/office/drawing/2010/main" val="0"/>
@@ -4634,29 +4657,6 @@
           </a:fontRef>
         </p:style>
       </p:cxnSp>
-      <p:pic>
-        <p:nvPicPr>
-          <p:cNvPr id="7" name="Содержимое 3" descr="DezHexSequenzdiagramm.png"/>
-          <p:cNvPicPr>
-            <a:picLocks noGrp="1" noChangeAspect="1"/>
-          </p:cNvPicPr>
-          <p:nvPr>
-            <p:ph idx="1"/>
-          </p:nvPr>
-        </p:nvPicPr>
-        <p:blipFill>
-          <a:blip r:embed="rId3" cstate="print"/>
-          <a:stretch>
-            <a:fillRect/>
-          </a:stretch>
-        </p:blipFill>
-        <p:spPr>
-          <a:xfrm>
-            <a:off x="1524000" y="975734"/>
-            <a:ext cx="8114581" cy="5263089"/>
-          </a:xfrm>
-        </p:spPr>
-      </p:pic>
       <p:sp>
         <p:nvSpPr>
           <p:cNvPr id="3" name="Fußzeilenplatzhalter 2"/>
@@ -5078,7 +5078,7 @@
             </a:r>
             <a:r>
               <a:rPr lang="de-DE" dirty="0"/>
-              <a:t> – Kommentar Block</a:t>
+              <a:t> – Kommentarblock</a:t>
             </a:r>
           </a:p>
           <a:p>
@@ -5106,8 +5106,8 @@
         </p:blipFill>
         <p:spPr bwMode="auto">
           <a:xfrm>
-            <a:off x="1524000" y="1983812"/>
-            <a:ext cx="9884229" cy="3981450"/>
+            <a:off x="1524000" y="1818168"/>
+            <a:ext cx="9884229" cy="4297712"/>
           </a:xfrm>
           <a:prstGeom prst="rect">
             <a:avLst/>
@@ -5560,8 +5560,8 @@
         </p:blipFill>
         <p:spPr bwMode="auto">
           <a:xfrm>
-            <a:off x="1524000" y="1656271"/>
-            <a:ext cx="8769573" cy="4307335"/>
+            <a:off x="1524000" y="1830786"/>
+            <a:ext cx="9031907" cy="4436185"/>
           </a:xfrm>
           <a:prstGeom prst="rect">
             <a:avLst/>
@@ -6014,8 +6014,8 @@
         </p:blipFill>
         <p:spPr bwMode="auto">
           <a:xfrm>
-            <a:off x="1524000" y="1894995"/>
-            <a:ext cx="8489830" cy="3744416"/>
+            <a:off x="1524000" y="1775637"/>
+            <a:ext cx="9275957" cy="4380614"/>
           </a:xfrm>
           <a:prstGeom prst="rect">
             <a:avLst/>
@@ -6469,8 +6469,8 @@
         </p:blipFill>
         <p:spPr>
           <a:xfrm>
-            <a:off x="1524000" y="2130784"/>
-            <a:ext cx="10104408" cy="3401564"/>
+            <a:off x="1524000" y="1939684"/>
+            <a:ext cx="9959163" cy="3759368"/>
           </a:xfrm>
         </p:spPr>
       </p:pic>
@@ -6898,7 +6898,7 @@
             <a:pPr lvl="1"/>
             <a:r>
               <a:rPr lang="de-DE" dirty="0"/>
-              <a:t>Wenige Systemvoraussetzungen (Windows, Java 8 oder höher)</a:t>
+              <a:t>Wenige Systemvoraussetzungen (u.a. Windows, Java 8 oder höher)</a:t>
             </a:r>
           </a:p>
           <a:p>
@@ -6938,7 +6938,7 @@
             <a:pPr lvl="1"/>
             <a:r>
               <a:rPr lang="de-DE" dirty="0"/>
-              <a:t>Detaillierte Anleitung</a:t>
+              <a:t>Detaillierte Schritt-für-Schritt-Anleitung</a:t>
             </a:r>
           </a:p>
           <a:p>
@@ -7969,8 +7969,8 @@
         </p:blipFill>
         <p:spPr>
           <a:xfrm>
-            <a:off x="1285488" y="1167318"/>
-            <a:ext cx="7145395" cy="4690257"/>
+            <a:off x="866608" y="1089441"/>
+            <a:ext cx="7564276" cy="5066810"/>
           </a:xfrm>
           <a:prstGeom prst="rect">
             <a:avLst/>
@@ -8279,7 +8279,7 @@
         <p:spPr>
           <a:xfrm>
             <a:off x="651839" y="1250886"/>
-            <a:ext cx="7993811" cy="4689781"/>
+            <a:ext cx="7993811" cy="4752685"/>
           </a:xfrm>
           <a:prstGeom prst="rect">
             <a:avLst/>
@@ -8598,7 +8598,7 @@
         </p:blipFill>
         <p:spPr>
           <a:xfrm>
-            <a:off x="1524000" y="2142543"/>
+            <a:off x="1524000" y="2097854"/>
             <a:ext cx="6996151" cy="4169117"/>
           </a:xfrm>
           <a:prstGeom prst="rect">
@@ -8851,8 +8851,8 @@
         </p:blipFill>
         <p:spPr>
           <a:xfrm>
-            <a:off x="1524000" y="1700037"/>
-            <a:ext cx="8078328" cy="3791479"/>
+            <a:off x="1523999" y="1190847"/>
+            <a:ext cx="9200143" cy="4997302"/>
           </a:xfrm>
           <a:prstGeom prst="rect">
             <a:avLst/>
@@ -9007,14 +9007,14 @@
             <p:ph idx="1"/>
             <p:extLst>
               <p:ext uri="{D42A27DB-BD31-4B8C-83A1-F6EECF244321}">
-                <p14:modId xmlns:p14="http://schemas.microsoft.com/office/powerpoint/2010/main" val="2488166121"/>
+                <p14:modId xmlns:p14="http://schemas.microsoft.com/office/powerpoint/2010/main" val="1952064805"/>
               </p:ext>
             </p:extLst>
           </p:nvPr>
         </p:nvGraphicFramePr>
         <p:xfrm>
           <a:off x="1524000" y="908648"/>
-          <a:ext cx="10075653" cy="5378707"/>
+          <a:ext cx="10075653" cy="5358320"/>
         </p:xfrm>
         <a:graphic>
           <a:graphicData uri="http://schemas.openxmlformats.org/drawingml/2006/table">
@@ -9026,40 +9026,40 @@
                 <a:gridCol w="3490823">
                   <a:extLst>
                     <a:ext uri="{9D8B030D-6E8A-4147-A177-3AD203B41FA5}">
-                      <a16:colId xmlns:a16="http://schemas.microsoft.com/office/drawing/2014/main" xmlns="" val="20000"/>
+                      <a16:colId xmlns:a16="http://schemas.microsoft.com/office/drawing/2014/main" val="20000"/>
                     </a:ext>
                   </a:extLst>
                 </a:gridCol>
                 <a:gridCol w="2064588">
                   <a:extLst>
                     <a:ext uri="{9D8B030D-6E8A-4147-A177-3AD203B41FA5}">
-                      <a16:colId xmlns:a16="http://schemas.microsoft.com/office/drawing/2014/main" xmlns="" val="20001"/>
+                      <a16:colId xmlns:a16="http://schemas.microsoft.com/office/drawing/2014/main" val="20001"/>
                     </a:ext>
                   </a:extLst>
                 </a:gridCol>
                 <a:gridCol w="1460740">
                   <a:extLst>
                     <a:ext uri="{9D8B030D-6E8A-4147-A177-3AD203B41FA5}">
-                      <a16:colId xmlns:a16="http://schemas.microsoft.com/office/drawing/2014/main" xmlns="" val="20002"/>
+                      <a16:colId xmlns:a16="http://schemas.microsoft.com/office/drawing/2014/main" val="20002"/>
                     </a:ext>
                   </a:extLst>
                 </a:gridCol>
                 <a:gridCol w="1920815">
                   <a:extLst>
                     <a:ext uri="{9D8B030D-6E8A-4147-A177-3AD203B41FA5}">
-                      <a16:colId xmlns:a16="http://schemas.microsoft.com/office/drawing/2014/main" xmlns="" val="20003"/>
+                      <a16:colId xmlns:a16="http://schemas.microsoft.com/office/drawing/2014/main" val="20003"/>
                     </a:ext>
                   </a:extLst>
                 </a:gridCol>
                 <a:gridCol w="1138687">
                   <a:extLst>
                     <a:ext uri="{9D8B030D-6E8A-4147-A177-3AD203B41FA5}">
-                      <a16:colId xmlns:a16="http://schemas.microsoft.com/office/drawing/2014/main" xmlns="" val="20004"/>
+                      <a16:colId xmlns:a16="http://schemas.microsoft.com/office/drawing/2014/main" val="20004"/>
                     </a:ext>
                   </a:extLst>
                 </a:gridCol>
               </a:tblGrid>
-              <a:tr h="312597">
+              <a:tr h="312923">
                 <a:tc gridSpan="3">
                   <a:txBody>
                     <a:bodyPr/>
@@ -9154,11 +9154,11 @@
                 </a:tc>
                 <a:extLst>
                   <a:ext uri="{0D108BD9-81ED-4DB2-BD59-A6C34878D82A}">
-                    <a16:rowId xmlns:a16="http://schemas.microsoft.com/office/drawing/2014/main" xmlns="" val="10000"/>
+                    <a16:rowId xmlns:a16="http://schemas.microsoft.com/office/drawing/2014/main" val="10000"/>
                   </a:ext>
                 </a:extLst>
               </a:tr>
-              <a:tr h="252612">
+              <a:tr h="312923">
                 <a:tc gridSpan="3">
                   <a:txBody>
                     <a:bodyPr/>
@@ -9253,11 +9253,11 @@
                 </a:tc>
                 <a:extLst>
                   <a:ext uri="{0D108BD9-81ED-4DB2-BD59-A6C34878D82A}">
-                    <a16:rowId xmlns:a16="http://schemas.microsoft.com/office/drawing/2014/main" xmlns="" val="10002"/>
+                    <a16:rowId xmlns:a16="http://schemas.microsoft.com/office/drawing/2014/main" val="10002"/>
                   </a:ext>
                 </a:extLst>
               </a:tr>
-              <a:tr h="588383">
+              <a:tr h="583637">
                 <a:tc>
                   <a:txBody>
                     <a:bodyPr/>
@@ -9415,11 +9415,11 @@
                 </a:tc>
                 <a:extLst>
                   <a:ext uri="{0D108BD9-81ED-4DB2-BD59-A6C34878D82A}">
-                    <a16:rowId xmlns:a16="http://schemas.microsoft.com/office/drawing/2014/main" xmlns="" val="10003"/>
+                    <a16:rowId xmlns:a16="http://schemas.microsoft.com/office/drawing/2014/main" val="10003"/>
                   </a:ext>
                 </a:extLst>
               </a:tr>
-              <a:tr h="198481">
+              <a:tr h="312923">
                 <a:tc>
                   <a:txBody>
                     <a:bodyPr/>
@@ -9577,11 +9577,11 @@
                 </a:tc>
                 <a:extLst>
                   <a:ext uri="{0D108BD9-81ED-4DB2-BD59-A6C34878D82A}">
-                    <a16:rowId xmlns:a16="http://schemas.microsoft.com/office/drawing/2014/main" xmlns="" val="10004"/>
+                    <a16:rowId xmlns:a16="http://schemas.microsoft.com/office/drawing/2014/main" val="10004"/>
                   </a:ext>
                 </a:extLst>
               </a:tr>
-              <a:tr h="198481">
+              <a:tr h="312923">
                 <a:tc>
                   <a:txBody>
                     <a:bodyPr/>
@@ -9739,11 +9739,11 @@
                 </a:tc>
                 <a:extLst>
                   <a:ext uri="{0D108BD9-81ED-4DB2-BD59-A6C34878D82A}">
-                    <a16:rowId xmlns:a16="http://schemas.microsoft.com/office/drawing/2014/main" xmlns="" val="10007"/>
+                    <a16:rowId xmlns:a16="http://schemas.microsoft.com/office/drawing/2014/main" val="10007"/>
                   </a:ext>
                 </a:extLst>
               </a:tr>
-              <a:tr h="198481">
+              <a:tr h="312923">
                 <a:tc>
                   <a:txBody>
                     <a:bodyPr/>
@@ -9901,11 +9901,11 @@
                 </a:tc>
                 <a:extLst>
                   <a:ext uri="{0D108BD9-81ED-4DB2-BD59-A6C34878D82A}">
-                    <a16:rowId xmlns:a16="http://schemas.microsoft.com/office/drawing/2014/main" xmlns="" val="10009"/>
+                    <a16:rowId xmlns:a16="http://schemas.microsoft.com/office/drawing/2014/main" val="10009"/>
                   </a:ext>
                 </a:extLst>
               </a:tr>
-              <a:tr h="215741">
+              <a:tr h="312923">
                 <a:tc>
                   <a:txBody>
                     <a:bodyPr/>
@@ -10063,11 +10063,11 @@
                 </a:tc>
                 <a:extLst>
                   <a:ext uri="{0D108BD9-81ED-4DB2-BD59-A6C34878D82A}">
-                    <a16:rowId xmlns:a16="http://schemas.microsoft.com/office/drawing/2014/main" xmlns="" val="10012"/>
+                    <a16:rowId xmlns:a16="http://schemas.microsoft.com/office/drawing/2014/main" val="10012"/>
                   </a:ext>
                 </a:extLst>
               </a:tr>
-              <a:tr h="396963">
+              <a:tr h="393761">
                 <a:tc>
                   <a:txBody>
                     <a:bodyPr/>
@@ -10225,11 +10225,11 @@
                 </a:tc>
                 <a:extLst>
                   <a:ext uri="{0D108BD9-81ED-4DB2-BD59-A6C34878D82A}">
-                    <a16:rowId xmlns:a16="http://schemas.microsoft.com/office/drawing/2014/main" xmlns="" val="10013"/>
+                    <a16:rowId xmlns:a16="http://schemas.microsoft.com/office/drawing/2014/main" val="10013"/>
                   </a:ext>
                 </a:extLst>
               </a:tr>
-              <a:tr h="198481">
+              <a:tr h="312923">
                 <a:tc>
                   <a:txBody>
                     <a:bodyPr/>
@@ -10387,11 +10387,11 @@
                 </a:tc>
                 <a:extLst>
                   <a:ext uri="{0D108BD9-81ED-4DB2-BD59-A6C34878D82A}">
-                    <a16:rowId xmlns:a16="http://schemas.microsoft.com/office/drawing/2014/main" xmlns="" val="10014"/>
+                    <a16:rowId xmlns:a16="http://schemas.microsoft.com/office/drawing/2014/main" val="10014"/>
                   </a:ext>
                 </a:extLst>
               </a:tr>
-              <a:tr h="198481">
+              <a:tr h="312923">
                 <a:tc>
                   <a:txBody>
                     <a:bodyPr/>
@@ -10555,11 +10555,11 @@
                 </a:tc>
                 <a:extLst>
                   <a:ext uri="{0D108BD9-81ED-4DB2-BD59-A6C34878D82A}">
-                    <a16:rowId xmlns:a16="http://schemas.microsoft.com/office/drawing/2014/main" xmlns="" val="10015"/>
+                    <a16:rowId xmlns:a16="http://schemas.microsoft.com/office/drawing/2014/main" val="10015"/>
                   </a:ext>
                 </a:extLst>
               </a:tr>
-              <a:tr h="198481">
+              <a:tr h="312923">
                 <a:tc>
                   <a:txBody>
                     <a:bodyPr/>
@@ -10717,11 +10717,11 @@
                 </a:tc>
                 <a:extLst>
                   <a:ext uri="{0D108BD9-81ED-4DB2-BD59-A6C34878D82A}">
-                    <a16:rowId xmlns:a16="http://schemas.microsoft.com/office/drawing/2014/main" xmlns="" val="10017"/>
+                    <a16:rowId xmlns:a16="http://schemas.microsoft.com/office/drawing/2014/main" val="10017"/>
                   </a:ext>
                 </a:extLst>
               </a:tr>
-              <a:tr h="198481">
+              <a:tr h="312923">
                 <a:tc>
                   <a:txBody>
                     <a:bodyPr/>
@@ -10879,11 +10879,11 @@
                 </a:tc>
                 <a:extLst>
                   <a:ext uri="{0D108BD9-81ED-4DB2-BD59-A6C34878D82A}">
-                    <a16:rowId xmlns:a16="http://schemas.microsoft.com/office/drawing/2014/main" xmlns="" val="10018"/>
+                    <a16:rowId xmlns:a16="http://schemas.microsoft.com/office/drawing/2014/main" val="10018"/>
                   </a:ext>
                 </a:extLst>
               </a:tr>
-              <a:tr h="198481">
+              <a:tr h="312923">
                 <a:tc>
                   <a:txBody>
                     <a:bodyPr/>
@@ -11041,11 +11041,11 @@
                 </a:tc>
                 <a:extLst>
                   <a:ext uri="{0D108BD9-81ED-4DB2-BD59-A6C34878D82A}">
-                    <a16:rowId xmlns:a16="http://schemas.microsoft.com/office/drawing/2014/main" xmlns="" val="10019"/>
+                    <a16:rowId xmlns:a16="http://schemas.microsoft.com/office/drawing/2014/main" val="10019"/>
                   </a:ext>
                 </a:extLst>
               </a:tr>
-              <a:tr h="198481">
+              <a:tr h="312923">
                 <a:tc>
                   <a:txBody>
                     <a:bodyPr/>
@@ -11203,11 +11203,11 @@
                 </a:tc>
                 <a:extLst>
                   <a:ext uri="{0D108BD9-81ED-4DB2-BD59-A6C34878D82A}">
-                    <a16:rowId xmlns:a16="http://schemas.microsoft.com/office/drawing/2014/main" xmlns="" val="10020"/>
+                    <a16:rowId xmlns:a16="http://schemas.microsoft.com/office/drawing/2014/main" val="10020"/>
                   </a:ext>
                 </a:extLst>
               </a:tr>
-              <a:tr h="198481">
+              <a:tr h="312923">
                 <a:tc>
                   <a:txBody>
                     <a:bodyPr/>
@@ -11365,11 +11365,11 @@
                 </a:tc>
                 <a:extLst>
                   <a:ext uri="{0D108BD9-81ED-4DB2-BD59-A6C34878D82A}">
-                    <a16:rowId xmlns:a16="http://schemas.microsoft.com/office/drawing/2014/main" xmlns="" val="10021"/>
+                    <a16:rowId xmlns:a16="http://schemas.microsoft.com/office/drawing/2014/main" val="10021"/>
                   </a:ext>
                 </a:extLst>
               </a:tr>
-              <a:tr h="198481">
+              <a:tr h="312923">
                 <a:tc>
                   <a:txBody>
                     <a:bodyPr/>
@@ -11527,7 +11527,7 @@
                 </a:tc>
                 <a:extLst>
                   <a:ext uri="{0D108BD9-81ED-4DB2-BD59-A6C34878D82A}">
-                    <a16:rowId xmlns:a16="http://schemas.microsoft.com/office/drawing/2014/main" xmlns="" val="10022"/>
+                    <a16:rowId xmlns:a16="http://schemas.microsoft.com/office/drawing/2014/main" val="10022"/>
                   </a:ext>
                 </a:extLst>
               </a:tr>
@@ -11761,13 +11761,13 @@
         </p:spPr>
         <p:txBody>
           <a:bodyPr>
-            <a:normAutofit/>
+            <a:normAutofit fontScale="90000"/>
           </a:bodyPr>
           <a:lstStyle/>
           <a:p>
             <a:r>
               <a:rPr lang="de-DE" sz="4800" b="1" dirty="0"/>
-              <a:t>Vielen Dank für Ihre Aufmerksamkeit</a:t>
+              <a:t>Vielen Dank für Ihre Aufmerksamkeit!</a:t>
             </a:r>
           </a:p>
         </p:txBody>
@@ -16928,8 +16928,8 @@
         </p:blipFill>
         <p:spPr>
           <a:xfrm>
-            <a:off x="2462670" y="1472650"/>
-            <a:ext cx="7323810" cy="3895238"/>
+            <a:off x="1524000" y="1089441"/>
+            <a:ext cx="9396154" cy="4997434"/>
           </a:xfrm>
         </p:spPr>
       </p:pic>

--- a/Präsentation/DezHex.pptx
+++ b/Präsentation/DezHex.pptx
@@ -236,7 +236,7 @@
           <a:p>
             <a:fld id="{5C93C0A5-2D18-464A-9955-1E7F0DF27D49}" type="datetimeFigureOut">
               <a:rPr lang="de-DE" smtClean="0"/>
-              <a:t>29.06.2017</a:t>
+              <a:t>30.06.2017</a:t>
             </a:fld>
             <a:endParaRPr lang="de-DE"/>
           </a:p>
@@ -716,7 +716,7 @@
           <a:p>
             <a:fld id="{0F8EF1C7-2DA9-468E-9AFF-7BAE0CD4893D}" type="datetime1">
               <a:rPr lang="de-DE" smtClean="0"/>
-              <a:t>29.06.2017</a:t>
+              <a:t>30.06.2017</a:t>
             </a:fld>
             <a:endParaRPr lang="de-DE"/>
           </a:p>
@@ -892,7 +892,7 @@
           <a:p>
             <a:fld id="{E04AB1F7-1213-4864-BB32-2056F8F1E7AD}" type="datetime1">
               <a:rPr lang="de-DE" smtClean="0"/>
-              <a:t>29.06.2017</a:t>
+              <a:t>30.06.2017</a:t>
             </a:fld>
             <a:endParaRPr lang="de-DE"/>
           </a:p>
@@ -1074,7 +1074,7 @@
           <a:p>
             <a:fld id="{C60E7AE7-8BE2-4A92-9088-B62BEE1D3902}" type="datetime1">
               <a:rPr lang="de-DE" smtClean="0"/>
-              <a:t>29.06.2017</a:t>
+              <a:t>30.06.2017</a:t>
             </a:fld>
             <a:endParaRPr lang="de-DE"/>
           </a:p>
@@ -1246,7 +1246,7 @@
           <a:p>
             <a:fld id="{126CE635-00D0-4F56-8BE4-16F3033DBC11}" type="datetime1">
               <a:rPr lang="de-DE" smtClean="0"/>
-              <a:t>29.06.2017</a:t>
+              <a:t>30.06.2017</a:t>
             </a:fld>
             <a:endParaRPr lang="de-DE"/>
           </a:p>
@@ -1495,7 +1495,7 @@
           <a:p>
             <a:fld id="{FC6547F6-156C-45BC-A9DB-1481BA0E997A}" type="datetime1">
               <a:rPr lang="de-DE" smtClean="0"/>
-              <a:t>29.06.2017</a:t>
+              <a:t>30.06.2017</a:t>
             </a:fld>
             <a:endParaRPr lang="de-DE"/>
           </a:p>
@@ -1728,7 +1728,7 @@
           <a:p>
             <a:fld id="{BE5C666B-9B4A-436A-9DF8-BC1EEFD25A1C}" type="datetime1">
               <a:rPr lang="de-DE" smtClean="0"/>
-              <a:t>29.06.2017</a:t>
+              <a:t>30.06.2017</a:t>
             </a:fld>
             <a:endParaRPr lang="de-DE"/>
           </a:p>
@@ -2096,7 +2096,7 @@
           <a:p>
             <a:fld id="{1F4E4AF6-F7CD-4BF9-A257-A1DEFBA0B1C3}" type="datetime1">
               <a:rPr lang="de-DE" smtClean="0"/>
-              <a:t>29.06.2017</a:t>
+              <a:t>30.06.2017</a:t>
             </a:fld>
             <a:endParaRPr lang="de-DE"/>
           </a:p>
@@ -2217,7 +2217,7 @@
           <a:p>
             <a:fld id="{32092A8A-F82E-4000-B8D3-6C0D7F15AEE9}" type="datetime1">
               <a:rPr lang="de-DE" smtClean="0"/>
-              <a:t>29.06.2017</a:t>
+              <a:t>30.06.2017</a:t>
             </a:fld>
             <a:endParaRPr lang="de-DE"/>
           </a:p>
@@ -2316,7 +2316,7 @@
           <a:p>
             <a:fld id="{46C3FC4A-F4C5-4E64-9440-B5ACE80B646F}" type="datetime1">
               <a:rPr lang="de-DE" smtClean="0"/>
-              <a:t>29.06.2017</a:t>
+              <a:t>30.06.2017</a:t>
             </a:fld>
             <a:endParaRPr lang="de-DE"/>
           </a:p>
@@ -2595,7 +2595,7 @@
           <a:p>
             <a:fld id="{53CCB112-3299-4873-8C5B-9AF02EE4707D}" type="datetime1">
               <a:rPr lang="de-DE" smtClean="0"/>
-              <a:t>29.06.2017</a:t>
+              <a:t>30.06.2017</a:t>
             </a:fld>
             <a:endParaRPr lang="de-DE"/>
           </a:p>
@@ -2851,7 +2851,7 @@
           <a:p>
             <a:fld id="{9B0039EA-15C5-40AF-87F2-41C7B6BCB861}" type="datetime1">
               <a:rPr lang="de-DE" smtClean="0"/>
-              <a:t>29.06.2017</a:t>
+              <a:t>30.06.2017</a:t>
             </a:fld>
             <a:endParaRPr lang="de-DE"/>
           </a:p>
@@ -3066,7 +3066,7 @@
           <a:p>
             <a:fld id="{256195D5-B185-42FA-ABD4-55A5CC1924FF}" type="datetime1">
               <a:rPr lang="de-DE" smtClean="0"/>
-              <a:t>29.06.2017</a:t>
+              <a:t>30.06.2017</a:t>
             </a:fld>
             <a:endParaRPr lang="de-DE"/>
           </a:p>
@@ -16611,9 +16611,6 @@
             </a:r>
           </a:p>
           <a:p>
-            <a:endParaRPr lang="de-DE" dirty="0"/>
-          </a:p>
-          <a:p>
             <a:r>
               <a:rPr lang="de-DE" u="sng" dirty="0"/>
               <a:t>Zum Beispiel</a:t>
@@ -16622,14 +16619,26 @@
               <a:rPr lang="de-DE" dirty="0"/>
               <a:t>: </a:t>
             </a:r>
+            <a:br>
+              <a:rPr lang="de-DE" dirty="0"/>
+            </a:br>
+            <a:r>
+              <a:rPr lang="de-DE" dirty="0"/>
+              <a:t>Fehlerbehandlung: Hinweistext als </a:t>
+            </a:r>
             <a:r>
               <a:rPr lang="de-DE" dirty="0" err="1"/>
-              <a:t>Oktalzahlen</a:t>
-            </a:r>
-            <a:r>
-              <a:rPr lang="de-DE" dirty="0"/>
-              <a:t> umrechnen</a:t>
-            </a:r>
+              <a:t>ToolTip</a:t>
+            </a:r>
+            <a:r>
+              <a:rPr lang="de-DE" dirty="0"/>
+              <a:t> an </a:t>
+            </a:r>
+            <a:r>
+              <a:rPr lang="de-DE"/>
+              <a:t>entsprechender Stelle</a:t>
+            </a:r>
+            <a:endParaRPr lang="de-DE" dirty="0"/>
           </a:p>
         </p:txBody>
       </p:sp>
